--- a/Images/Figures_PPT/Jitter_Plot_Raptor_Domain.pptx
+++ b/Images/Figures_PPT/Jitter_Plot_Raptor_Domain.pptx
@@ -2359,7 +2359,7 @@
           </p:nvSpPr>
           <p:spPr>
             <a:xfrm>
-              <a:off x="1459435" y="2850758"/>
+              <a:off x="1459435" y="2850802"/>
               <a:ext cx="2796732" cy="0"/>
             </a:xfrm>
             <a:custGeom>
@@ -2402,7 +2402,7 @@
           </p:nvSpPr>
           <p:spPr>
             <a:xfrm>
-              <a:off x="1459435" y="2378732"/>
+              <a:off x="1459435" y="2378765"/>
               <a:ext cx="2796732" cy="0"/>
             </a:xfrm>
             <a:custGeom>
@@ -2445,7 +2445,7 @@
           </p:nvSpPr>
           <p:spPr>
             <a:xfrm>
-              <a:off x="1459435" y="1906706"/>
+              <a:off x="1459435" y="1906729"/>
               <a:ext cx="2796732" cy="0"/>
             </a:xfrm>
             <a:custGeom>
@@ -2488,7 +2488,7 @@
           </p:nvSpPr>
           <p:spPr>
             <a:xfrm>
-              <a:off x="1459435" y="1434681"/>
+              <a:off x="1459435" y="1434692"/>
               <a:ext cx="2796732" cy="0"/>
             </a:xfrm>
             <a:custGeom>
@@ -2531,7 +2531,7 @@
           </p:nvSpPr>
           <p:spPr>
             <a:xfrm>
-              <a:off x="1459435" y="2614745"/>
+              <a:off x="1459435" y="2614783"/>
               <a:ext cx="2796732" cy="0"/>
             </a:xfrm>
             <a:custGeom>
@@ -2574,7 +2574,7 @@
           </p:nvSpPr>
           <p:spPr>
             <a:xfrm>
-              <a:off x="1459435" y="2142719"/>
+              <a:off x="1459435" y="2142747"/>
               <a:ext cx="2796732" cy="0"/>
             </a:xfrm>
             <a:custGeom>
@@ -2617,7 +2617,7 @@
           </p:nvSpPr>
           <p:spPr>
             <a:xfrm>
-              <a:off x="1459435" y="1670694"/>
+              <a:off x="1459435" y="1670711"/>
               <a:ext cx="2796732" cy="0"/>
             </a:xfrm>
             <a:custGeom>
@@ -2789,7 +2789,7 @@
           </p:nvSpPr>
           <p:spPr>
             <a:xfrm>
-              <a:off x="3864202" y="2744457"/>
+              <a:off x="3924474" y="2744524"/>
               <a:ext cx="63202" cy="63202"/>
             </a:xfrm>
             <a:custGeom>
@@ -2832,7 +2832,7 @@
           </p:nvSpPr>
           <p:spPr>
             <a:xfrm>
-              <a:off x="2289159" y="2736056"/>
+              <a:off x="2081577" y="2736147"/>
               <a:ext cx="63202" cy="63202"/>
             </a:xfrm>
             <a:custGeom>
@@ -2875,7 +2875,7 @@
           </p:nvSpPr>
           <p:spPr>
             <a:xfrm>
-              <a:off x="1824449" y="2681168"/>
+              <a:off x="1649535" y="2681142"/>
               <a:ext cx="63202" cy="63202"/>
             </a:xfrm>
             <a:custGeom>
@@ -2918,7 +2918,7 @@
           </p:nvSpPr>
           <p:spPr>
             <a:xfrm>
-              <a:off x="3016141" y="2846465"/>
+              <a:off x="3070993" y="2846457"/>
               <a:ext cx="63202" cy="63202"/>
             </a:xfrm>
             <a:custGeom>
@@ -2961,7 +2961,7 @@
           </p:nvSpPr>
           <p:spPr>
             <a:xfrm>
-              <a:off x="2005494" y="2759578"/>
+              <a:off x="2209339" y="2759621"/>
               <a:ext cx="63202" cy="63202"/>
             </a:xfrm>
             <a:custGeom>
@@ -3004,7 +3004,7 @@
           </p:nvSpPr>
           <p:spPr>
             <a:xfrm>
-              <a:off x="2863895" y="2845485"/>
+              <a:off x="2597626" y="2845504"/>
               <a:ext cx="63202" cy="63202"/>
             </a:xfrm>
             <a:custGeom>
@@ -3103,7 +3103,7 @@
           </p:nvSpPr>
           <p:spPr>
             <a:xfrm>
-              <a:off x="1459435" y="4776090"/>
+              <a:off x="1459435" y="4776134"/>
               <a:ext cx="2796732" cy="0"/>
             </a:xfrm>
             <a:custGeom>
@@ -3146,7 +3146,7 @@
           </p:nvSpPr>
           <p:spPr>
             <a:xfrm>
-              <a:off x="1459435" y="4304065"/>
+              <a:off x="1459435" y="4304098"/>
               <a:ext cx="2796732" cy="0"/>
             </a:xfrm>
             <a:custGeom>
@@ -3189,7 +3189,7 @@
           </p:nvSpPr>
           <p:spPr>
             <a:xfrm>
-              <a:off x="1459435" y="3832039"/>
+              <a:off x="1459435" y="3832061"/>
               <a:ext cx="2796732" cy="0"/>
             </a:xfrm>
             <a:custGeom>
@@ -3232,7 +3232,7 @@
           </p:nvSpPr>
           <p:spPr>
             <a:xfrm>
-              <a:off x="1459435" y="3360013"/>
+              <a:off x="1459435" y="3360025"/>
               <a:ext cx="2796732" cy="0"/>
             </a:xfrm>
             <a:custGeom>
@@ -3275,7 +3275,7 @@
           </p:nvSpPr>
           <p:spPr>
             <a:xfrm>
-              <a:off x="1459435" y="4540077"/>
+              <a:off x="1459435" y="4540116"/>
               <a:ext cx="2796732" cy="0"/>
             </a:xfrm>
             <a:custGeom>
@@ -3318,7 +3318,7 @@
           </p:nvSpPr>
           <p:spPr>
             <a:xfrm>
-              <a:off x="1459435" y="4068052"/>
+              <a:off x="1459435" y="4068080"/>
               <a:ext cx="2796732" cy="0"/>
             </a:xfrm>
             <a:custGeom>
@@ -3361,7 +3361,7 @@
           </p:nvSpPr>
           <p:spPr>
             <a:xfrm>
-              <a:off x="1459435" y="3596026"/>
+              <a:off x="1459435" y="3596043"/>
               <a:ext cx="2796732" cy="0"/>
             </a:xfrm>
             <a:custGeom>
@@ -3533,7 +3533,7 @@
           </p:nvSpPr>
           <p:spPr>
             <a:xfrm>
-              <a:off x="1739773" y="4162198"/>
+              <a:off x="1967678" y="4162257"/>
               <a:ext cx="63202" cy="63202"/>
             </a:xfrm>
             <a:custGeom>
@@ -3576,7 +3576,7 @@
           </p:nvSpPr>
           <p:spPr>
             <a:xfrm>
-              <a:off x="1822098" y="4506194"/>
+              <a:off x="1629416" y="4506280"/>
               <a:ext cx="63202" cy="63202"/>
             </a:xfrm>
             <a:custGeom>
@@ -3619,7 +3619,7 @@
           </p:nvSpPr>
           <p:spPr>
             <a:xfrm>
-              <a:off x="2081979" y="4162179"/>
+              <a:off x="2272774" y="4162196"/>
               <a:ext cx="63202" cy="63202"/>
             </a:xfrm>
             <a:custGeom>
@@ -3662,7 +3662,7 @@
           </p:nvSpPr>
           <p:spPr>
             <a:xfrm>
-              <a:off x="1683299" y="4355762"/>
+              <a:off x="2091793" y="4355743"/>
               <a:ext cx="63202" cy="63202"/>
             </a:xfrm>
             <a:custGeom>
@@ -3705,7 +3705,7 @@
           </p:nvSpPr>
           <p:spPr>
             <a:xfrm>
-              <a:off x="1641871" y="4258664"/>
+              <a:off x="1881601" y="4258702"/>
               <a:ext cx="63202" cy="63202"/>
             </a:xfrm>
             <a:custGeom>
@@ -3748,7 +3748,7 @@
           </p:nvSpPr>
           <p:spPr>
             <a:xfrm>
-              <a:off x="3042833" y="4806617"/>
+              <a:off x="2689470" y="4806637"/>
               <a:ext cx="63202" cy="63202"/>
             </a:xfrm>
             <a:custGeom>
@@ -3791,7 +3791,7 @@
           </p:nvSpPr>
           <p:spPr>
             <a:xfrm>
-              <a:off x="1996641" y="4354849"/>
+              <a:off x="1745506" y="4354884"/>
               <a:ext cx="63202" cy="63202"/>
             </a:xfrm>
             <a:custGeom>
@@ -3834,7 +3834,7 @@
           </p:nvSpPr>
           <p:spPr>
             <a:xfrm>
-              <a:off x="1725279" y="4421724"/>
+              <a:off x="1835855" y="4421781"/>
               <a:ext cx="63202" cy="63202"/>
             </a:xfrm>
             <a:custGeom>
@@ -3877,7 +3877,7 @@
           </p:nvSpPr>
           <p:spPr>
             <a:xfrm>
-              <a:off x="2043509" y="4520951"/>
+              <a:off x="1862568" y="4521013"/>
               <a:ext cx="63202" cy="63202"/>
             </a:xfrm>
             <a:custGeom>
@@ -3920,7 +3920,7 @@
           </p:nvSpPr>
           <p:spPr>
             <a:xfrm>
-              <a:off x="3035598" y="4726533"/>
+              <a:off x="2838151" y="4726626"/>
               <a:ext cx="63202" cy="63202"/>
             </a:xfrm>
             <a:custGeom>
@@ -3963,7 +3963,7 @@
           </p:nvSpPr>
           <p:spPr>
             <a:xfrm>
-              <a:off x="3048253" y="4704906"/>
+              <a:off x="2531526" y="4704957"/>
               <a:ext cx="63202" cy="63202"/>
             </a:xfrm>
             <a:custGeom>
@@ -4006,7 +4006,7 @@
           </p:nvSpPr>
           <p:spPr>
             <a:xfrm>
-              <a:off x="1842722" y="4599286"/>
+              <a:off x="2133016" y="4599330"/>
               <a:ext cx="63202" cy="63202"/>
             </a:xfrm>
             <a:custGeom>
@@ -4049,7 +4049,7 @@
           </p:nvSpPr>
           <p:spPr>
             <a:xfrm>
-              <a:off x="2144085" y="4449543"/>
+              <a:off x="1689622" y="4449609"/>
               <a:ext cx="63202" cy="63202"/>
             </a:xfrm>
             <a:custGeom>
@@ -4092,7 +4092,7 @@
           </p:nvSpPr>
           <p:spPr>
             <a:xfrm>
-              <a:off x="2829162" y="4701444"/>
+              <a:off x="2958549" y="4701463"/>
               <a:ext cx="63202" cy="63202"/>
             </a:xfrm>
             <a:custGeom>
@@ -4135,7 +4135,7 @@
           </p:nvSpPr>
           <p:spPr>
             <a:xfrm>
-              <a:off x="2658647" y="4765462"/>
+              <a:off x="2602896" y="4765463"/>
               <a:ext cx="63202" cy="63202"/>
             </a:xfrm>
             <a:custGeom>
@@ -4178,7 +4178,7 @@
           </p:nvSpPr>
           <p:spPr>
             <a:xfrm>
-              <a:off x="2201215" y="3937151"/>
+              <a:off x="2148694" y="3937145"/>
               <a:ext cx="63202" cy="63202"/>
             </a:xfrm>
             <a:custGeom>
@@ -4221,7 +4221,7 @@
           </p:nvSpPr>
           <p:spPr>
             <a:xfrm>
-              <a:off x="2120721" y="4656117"/>
+              <a:off x="2077704" y="4656202"/>
               <a:ext cx="63202" cy="63202"/>
             </a:xfrm>
             <a:custGeom>
@@ -4264,7 +4264,7 @@
           </p:nvSpPr>
           <p:spPr>
             <a:xfrm>
-              <a:off x="1773678" y="3973750"/>
+              <a:off x="2095677" y="3973764"/>
               <a:ext cx="63202" cy="63202"/>
             </a:xfrm>
             <a:custGeom>
@@ -4307,7 +4307,7 @@
           </p:nvSpPr>
           <p:spPr>
             <a:xfrm>
-              <a:off x="1614078" y="4474010"/>
+              <a:off x="1627877" y="4474041"/>
               <a:ext cx="63202" cy="63202"/>
             </a:xfrm>
             <a:custGeom>
@@ -4350,7 +4350,7 @@
           </p:nvSpPr>
           <p:spPr>
             <a:xfrm>
-              <a:off x="1708974" y="4552391"/>
+              <a:off x="1798794" y="4552435"/>
               <a:ext cx="63202" cy="63202"/>
             </a:xfrm>
             <a:custGeom>
@@ -4393,7 +4393,7 @@
           </p:nvSpPr>
           <p:spPr>
             <a:xfrm>
-              <a:off x="1763813" y="4519318"/>
+              <a:off x="2078041" y="4519348"/>
               <a:ext cx="63202" cy="63202"/>
             </a:xfrm>
             <a:custGeom>
@@ -4436,7 +4436,7 @@
           </p:nvSpPr>
           <p:spPr>
             <a:xfrm>
-              <a:off x="3116354" y="4789258"/>
+              <a:off x="2493867" y="4789269"/>
               <a:ext cx="63202" cy="63202"/>
             </a:xfrm>
             <a:custGeom>
@@ -4535,7 +4535,7 @@
           </p:nvSpPr>
           <p:spPr>
             <a:xfrm>
-              <a:off x="1459435" y="6701423"/>
+              <a:off x="1459435" y="6701467"/>
               <a:ext cx="2796732" cy="0"/>
             </a:xfrm>
             <a:custGeom>
@@ -4578,7 +4578,7 @@
           </p:nvSpPr>
           <p:spPr>
             <a:xfrm>
-              <a:off x="1459435" y="6229397"/>
+              <a:off x="1459435" y="6229430"/>
               <a:ext cx="2796732" cy="0"/>
             </a:xfrm>
             <a:custGeom>
@@ -4621,7 +4621,7 @@
           </p:nvSpPr>
           <p:spPr>
             <a:xfrm>
-              <a:off x="1459435" y="5757372"/>
+              <a:off x="1459435" y="5757394"/>
               <a:ext cx="2796732" cy="0"/>
             </a:xfrm>
             <a:custGeom>
@@ -4664,7 +4664,7 @@
           </p:nvSpPr>
           <p:spPr>
             <a:xfrm>
-              <a:off x="1459435" y="5285346"/>
+              <a:off x="1459435" y="5285358"/>
               <a:ext cx="2796732" cy="0"/>
             </a:xfrm>
             <a:custGeom>
@@ -4707,7 +4707,7 @@
           </p:nvSpPr>
           <p:spPr>
             <a:xfrm>
-              <a:off x="1459435" y="6465410"/>
+              <a:off x="1459435" y="6465449"/>
               <a:ext cx="2796732" cy="0"/>
             </a:xfrm>
             <a:custGeom>
@@ -4750,7 +4750,7 @@
           </p:nvSpPr>
           <p:spPr>
             <a:xfrm>
-              <a:off x="1459435" y="5993384"/>
+              <a:off x="1459435" y="5993412"/>
               <a:ext cx="2796732" cy="0"/>
             </a:xfrm>
             <a:custGeom>
@@ -4793,7 +4793,7 @@
           </p:nvSpPr>
           <p:spPr>
             <a:xfrm>
-              <a:off x="1459435" y="5521359"/>
+              <a:off x="1459435" y="5521376"/>
               <a:ext cx="2796732" cy="0"/>
             </a:xfrm>
             <a:custGeom>
@@ -4965,7 +4965,7 @@
           </p:nvSpPr>
           <p:spPr>
             <a:xfrm>
-              <a:off x="2128603" y="5625321"/>
+              <a:off x="2099214" y="5625349"/>
               <a:ext cx="63202" cy="63202"/>
             </a:xfrm>
             <a:custGeom>
@@ -5008,7 +5008,7 @@
           </p:nvSpPr>
           <p:spPr>
             <a:xfrm>
-              <a:off x="1799243" y="5620513"/>
+              <a:off x="1858633" y="5620517"/>
               <a:ext cx="63202" cy="63202"/>
             </a:xfrm>
             <a:custGeom>
@@ -5051,7 +5051,7 @@
           </p:nvSpPr>
           <p:spPr>
             <a:xfrm>
-              <a:off x="1742143" y="5617736"/>
+              <a:off x="2183286" y="5617764"/>
               <a:ext cx="63202" cy="63202"/>
             </a:xfrm>
             <a:custGeom>
@@ -5094,7 +5094,7 @@
           </p:nvSpPr>
           <p:spPr>
             <a:xfrm>
-              <a:off x="1802162" y="5794466"/>
+              <a:off x="2117127" y="5794543"/>
               <a:ext cx="63202" cy="63202"/>
             </a:xfrm>
             <a:custGeom>
@@ -5137,7 +5137,7 @@
           </p:nvSpPr>
           <p:spPr>
             <a:xfrm>
-              <a:off x="1644199" y="5922729"/>
+              <a:off x="1728464" y="5922732"/>
               <a:ext cx="63202" cy="63202"/>
             </a:xfrm>
             <a:custGeom>
@@ -5180,7 +5180,7 @@
           </p:nvSpPr>
           <p:spPr>
             <a:xfrm>
-              <a:off x="2016112" y="5859421"/>
+              <a:off x="2061884" y="5859436"/>
               <a:ext cx="63202" cy="63202"/>
             </a:xfrm>
             <a:custGeom>
@@ -5223,7 +5223,7 @@
           </p:nvSpPr>
           <p:spPr>
             <a:xfrm>
-              <a:off x="2247268" y="5766148"/>
+              <a:off x="1768304" y="5766227"/>
               <a:ext cx="63202" cy="63202"/>
             </a:xfrm>
             <a:custGeom>
@@ -5266,7 +5266,7 @@
           </p:nvSpPr>
           <p:spPr>
             <a:xfrm>
-              <a:off x="1818359" y="5743434"/>
+              <a:off x="1933655" y="5743481"/>
               <a:ext cx="63202" cy="63202"/>
             </a:xfrm>
             <a:custGeom>
@@ -5309,7 +5309,7 @@
           </p:nvSpPr>
           <p:spPr>
             <a:xfrm>
-              <a:off x="2286682" y="6356404"/>
+              <a:off x="1752036" y="6356399"/>
               <a:ext cx="63202" cy="63202"/>
             </a:xfrm>
             <a:custGeom>
@@ -5352,7 +5352,7 @@
           </p:nvSpPr>
           <p:spPr>
             <a:xfrm>
-              <a:off x="2076929" y="5766755"/>
+              <a:off x="1993347" y="5766785"/>
               <a:ext cx="63202" cy="63202"/>
             </a:xfrm>
             <a:custGeom>
@@ -5395,7 +5395,7 @@
           </p:nvSpPr>
           <p:spPr>
             <a:xfrm>
-              <a:off x="2143060" y="5900130"/>
+              <a:off x="1775200" y="5900171"/>
               <a:ext cx="63202" cy="63202"/>
             </a:xfrm>
             <a:custGeom>
@@ -5438,7 +5438,7 @@
           </p:nvSpPr>
           <p:spPr>
             <a:xfrm>
-              <a:off x="2266894" y="5942690"/>
+              <a:off x="2060935" y="5942722"/>
               <a:ext cx="63202" cy="63202"/>
             </a:xfrm>
             <a:custGeom>
@@ -5481,7 +5481,7 @@
           </p:nvSpPr>
           <p:spPr>
             <a:xfrm>
-              <a:off x="1939726" y="5748711"/>
+              <a:off x="2271931" y="5748735"/>
               <a:ext cx="63202" cy="63202"/>
             </a:xfrm>
             <a:custGeom>
@@ -5524,7 +5524,7 @@
           </p:nvSpPr>
           <p:spPr>
             <a:xfrm>
-              <a:off x="1840691" y="5845732"/>
+              <a:off x="2208509" y="5845791"/>
               <a:ext cx="63202" cy="63202"/>
             </a:xfrm>
             <a:custGeom>
@@ -5567,7 +5567,7 @@
           </p:nvSpPr>
           <p:spPr>
             <a:xfrm>
-              <a:off x="1961028" y="6201670"/>
+              <a:off x="1781684" y="6201680"/>
               <a:ext cx="63202" cy="63202"/>
             </a:xfrm>
             <a:custGeom>
@@ -5610,7 +5610,7 @@
           </p:nvSpPr>
           <p:spPr>
             <a:xfrm>
-              <a:off x="1962876" y="5865028"/>
+              <a:off x="2205751" y="5865069"/>
               <a:ext cx="63202" cy="63202"/>
             </a:xfrm>
             <a:custGeom>
@@ -5653,7 +5653,7 @@
           </p:nvSpPr>
           <p:spPr>
             <a:xfrm>
-              <a:off x="2128043" y="5764273"/>
+              <a:off x="2064946" y="5764292"/>
               <a:ext cx="63202" cy="63202"/>
             </a:xfrm>
             <a:custGeom>
@@ -5696,7 +5696,7 @@
           </p:nvSpPr>
           <p:spPr>
             <a:xfrm>
-              <a:off x="1892976" y="5854795"/>
+              <a:off x="2141841" y="5854866"/>
               <a:ext cx="63202" cy="63202"/>
             </a:xfrm>
             <a:custGeom>
@@ -5739,7 +5739,7 @@
           </p:nvSpPr>
           <p:spPr>
             <a:xfrm>
-              <a:off x="1812990" y="6401616"/>
+              <a:off x="2127251" y="6401634"/>
               <a:ext cx="63202" cy="63202"/>
             </a:xfrm>
             <a:custGeom>
@@ -5782,7 +5782,7 @@
           </p:nvSpPr>
           <p:spPr>
             <a:xfrm>
-              <a:off x="2087483" y="5861701"/>
+              <a:off x="1969841" y="5861771"/>
               <a:ext cx="63202" cy="63202"/>
             </a:xfrm>
             <a:custGeom>
@@ -5825,7 +5825,7 @@
           </p:nvSpPr>
           <p:spPr>
             <a:xfrm>
-              <a:off x="2227417" y="5907697"/>
+              <a:off x="2196432" y="5907744"/>
               <a:ext cx="63202" cy="63202"/>
             </a:xfrm>
             <a:custGeom>
@@ -5868,7 +5868,7 @@
           </p:nvSpPr>
           <p:spPr>
             <a:xfrm>
-              <a:off x="2279970" y="6189109"/>
+              <a:off x="2251559" y="6189111"/>
               <a:ext cx="63202" cy="63202"/>
             </a:xfrm>
             <a:custGeom>
@@ -5911,7 +5911,7 @@
           </p:nvSpPr>
           <p:spPr>
             <a:xfrm>
-              <a:off x="1829516" y="5729582"/>
+              <a:off x="2248984" y="5729555"/>
               <a:ext cx="63202" cy="63202"/>
             </a:xfrm>
             <a:custGeom>
@@ -5954,7 +5954,7 @@
           </p:nvSpPr>
           <p:spPr>
             <a:xfrm>
-              <a:off x="2245257" y="5706580"/>
+              <a:off x="2143306" y="5706661"/>
               <a:ext cx="63202" cy="63202"/>
             </a:xfrm>
             <a:custGeom>
@@ -5997,7 +5997,7 @@
           </p:nvSpPr>
           <p:spPr>
             <a:xfrm>
-              <a:off x="1923565" y="6424656"/>
+              <a:off x="2070428" y="6424663"/>
               <a:ext cx="63202" cy="63202"/>
             </a:xfrm>
             <a:custGeom>
@@ -6040,7 +6040,7 @@
           </p:nvSpPr>
           <p:spPr>
             <a:xfrm>
-              <a:off x="2190222" y="6441920"/>
+              <a:off x="2182858" y="6441929"/>
               <a:ext cx="63202" cy="63202"/>
             </a:xfrm>
             <a:custGeom>
@@ -6083,7 +6083,7 @@
           </p:nvSpPr>
           <p:spPr>
             <a:xfrm>
-              <a:off x="1883688" y="6570608"/>
+              <a:off x="1970148" y="6570672"/>
               <a:ext cx="63202" cy="63202"/>
             </a:xfrm>
             <a:custGeom>
@@ -6126,7 +6126,7 @@
           </p:nvSpPr>
           <p:spPr>
             <a:xfrm>
-              <a:off x="1719822" y="5917008"/>
+              <a:off x="2301453" y="5917064"/>
               <a:ext cx="63202" cy="63202"/>
             </a:xfrm>
             <a:custGeom>
@@ -6169,7 +6169,7 @@
           </p:nvSpPr>
           <p:spPr>
             <a:xfrm>
-              <a:off x="1996417" y="5876745"/>
+              <a:off x="2127752" y="5876756"/>
               <a:ext cx="63202" cy="63202"/>
             </a:xfrm>
             <a:custGeom>
@@ -6212,7 +6212,7 @@
           </p:nvSpPr>
           <p:spPr>
             <a:xfrm>
-              <a:off x="1850129" y="6264744"/>
+              <a:off x="1693291" y="6264754"/>
               <a:ext cx="63202" cy="63202"/>
             </a:xfrm>
             <a:custGeom>
@@ -6255,7 +6255,7 @@
           </p:nvSpPr>
           <p:spPr>
             <a:xfrm>
-              <a:off x="2058827" y="5875578"/>
+              <a:off x="1667032" y="5875620"/>
               <a:ext cx="63202" cy="63202"/>
             </a:xfrm>
             <a:custGeom>
@@ -6298,7 +6298,7 @@
           </p:nvSpPr>
           <p:spPr>
             <a:xfrm>
-              <a:off x="2106323" y="6237354"/>
+              <a:off x="1678415" y="6237360"/>
               <a:ext cx="63202" cy="63202"/>
             </a:xfrm>
             <a:custGeom>
@@ -6341,7 +6341,7 @@
           </p:nvSpPr>
           <p:spPr>
             <a:xfrm>
-              <a:off x="2219158" y="6232100"/>
+              <a:off x="2169855" y="6232127"/>
               <a:ext cx="63202" cy="63202"/>
             </a:xfrm>
             <a:custGeom>
@@ -6384,7 +6384,7 @@
           </p:nvSpPr>
           <p:spPr>
             <a:xfrm>
-              <a:off x="2248046" y="5991268"/>
+              <a:off x="2241364" y="5991269"/>
               <a:ext cx="63202" cy="63202"/>
             </a:xfrm>
             <a:custGeom>
@@ -6427,7 +6427,7 @@
           </p:nvSpPr>
           <p:spPr>
             <a:xfrm>
-              <a:off x="2106934" y="5885006"/>
+              <a:off x="1810822" y="5885089"/>
               <a:ext cx="63202" cy="63202"/>
             </a:xfrm>
             <a:custGeom>
@@ -6470,7 +6470,7 @@
           </p:nvSpPr>
           <p:spPr>
             <a:xfrm>
-              <a:off x="2065179" y="6061269"/>
+              <a:off x="1646535" y="6061348"/>
               <a:ext cx="63202" cy="63202"/>
             </a:xfrm>
             <a:custGeom>
@@ -6513,7 +6513,7 @@
           </p:nvSpPr>
           <p:spPr>
             <a:xfrm>
-              <a:off x="1913491" y="6607761"/>
+              <a:off x="2293765" y="6607820"/>
               <a:ext cx="63202" cy="63202"/>
             </a:xfrm>
             <a:custGeom>
@@ -6556,7 +6556,7 @@
           </p:nvSpPr>
           <p:spPr>
             <a:xfrm>
-              <a:off x="2120858" y="6052409"/>
+              <a:off x="1830472" y="6052470"/>
               <a:ext cx="63202" cy="63202"/>
             </a:xfrm>
             <a:custGeom>
@@ -6599,7 +6599,7 @@
           </p:nvSpPr>
           <p:spPr>
             <a:xfrm>
-              <a:off x="1901920" y="6268583"/>
+              <a:off x="1967996" y="6268625"/>
               <a:ext cx="63202" cy="63202"/>
             </a:xfrm>
             <a:custGeom>
@@ -6642,7 +6642,7 @@
           </p:nvSpPr>
           <p:spPr>
             <a:xfrm>
-              <a:off x="1912832" y="5679856"/>
+              <a:off x="2068412" y="5679943"/>
               <a:ext cx="63202" cy="63202"/>
             </a:xfrm>
             <a:custGeom>
@@ -6685,7 +6685,7 @@
           </p:nvSpPr>
           <p:spPr>
             <a:xfrm>
-              <a:off x="1634401" y="5849346"/>
+              <a:off x="1658825" y="5849358"/>
               <a:ext cx="63202" cy="63202"/>
             </a:xfrm>
             <a:custGeom>
@@ -6728,7 +6728,7 @@
           </p:nvSpPr>
           <p:spPr>
             <a:xfrm>
-              <a:off x="2028436" y="5967988"/>
+              <a:off x="1735653" y="5968027"/>
               <a:ext cx="63202" cy="63202"/>
             </a:xfrm>
             <a:custGeom>
@@ -6771,7 +6771,7 @@
           </p:nvSpPr>
           <p:spPr>
             <a:xfrm>
-              <a:off x="2083305" y="5862028"/>
+              <a:off x="2066108" y="5862053"/>
               <a:ext cx="63202" cy="63202"/>
             </a:xfrm>
             <a:custGeom>
@@ -6814,7 +6814,7 @@
           </p:nvSpPr>
           <p:spPr>
             <a:xfrm>
-              <a:off x="1750126" y="5625167"/>
+              <a:off x="2197705" y="5625172"/>
               <a:ext cx="63202" cy="63202"/>
             </a:xfrm>
             <a:custGeom>
@@ -6857,7 +6857,7 @@
           </p:nvSpPr>
           <p:spPr>
             <a:xfrm>
-              <a:off x="2071091" y="6410034"/>
+              <a:off x="1838625" y="6410083"/>
               <a:ext cx="63202" cy="63202"/>
             </a:xfrm>
             <a:custGeom>
@@ -6900,7 +6900,7 @@
           </p:nvSpPr>
           <p:spPr>
             <a:xfrm>
-              <a:off x="1624058" y="5911728"/>
+              <a:off x="1824794" y="5911748"/>
               <a:ext cx="63202" cy="63202"/>
             </a:xfrm>
             <a:custGeom>
@@ -6943,7 +6943,7 @@
           </p:nvSpPr>
           <p:spPr>
             <a:xfrm>
-              <a:off x="2029366" y="5968184"/>
+              <a:off x="1673207" y="5968227"/>
               <a:ext cx="63202" cy="63202"/>
             </a:xfrm>
             <a:custGeom>
@@ -6986,7 +6986,7 @@
           </p:nvSpPr>
           <p:spPr>
             <a:xfrm>
-              <a:off x="1740309" y="5611652"/>
+              <a:off x="1752190" y="5611642"/>
               <a:ext cx="63202" cy="63202"/>
             </a:xfrm>
             <a:custGeom>
@@ -7029,7 +7029,7 @@
           </p:nvSpPr>
           <p:spPr>
             <a:xfrm>
-              <a:off x="2196292" y="6257018"/>
+              <a:off x="1828820" y="6257032"/>
               <a:ext cx="63202" cy="63202"/>
             </a:xfrm>
             <a:custGeom>
@@ -7072,7 +7072,7 @@
           </p:nvSpPr>
           <p:spPr>
             <a:xfrm>
-              <a:off x="2128642" y="5861656"/>
+              <a:off x="1652621" y="5861612"/>
               <a:ext cx="63202" cy="63202"/>
             </a:xfrm>
             <a:custGeom>
@@ -7115,7 +7115,7 @@
           </p:nvSpPr>
           <p:spPr>
             <a:xfrm>
-              <a:off x="2745319" y="6641416"/>
+              <a:off x="3073768" y="6641451"/>
               <a:ext cx="63202" cy="63202"/>
             </a:xfrm>
             <a:custGeom>
@@ -7158,7 +7158,7 @@
           </p:nvSpPr>
           <p:spPr>
             <a:xfrm>
-              <a:off x="2042229" y="5681569"/>
+              <a:off x="1868735" y="5681615"/>
               <a:ext cx="63202" cy="63202"/>
             </a:xfrm>
             <a:custGeom>
@@ -7201,7 +7201,7 @@
           </p:nvSpPr>
           <p:spPr>
             <a:xfrm>
-              <a:off x="2074950" y="5942801"/>
+              <a:off x="2093472" y="5942805"/>
               <a:ext cx="63202" cy="63202"/>
             </a:xfrm>
             <a:custGeom>
@@ -7244,7 +7244,7 @@
           </p:nvSpPr>
           <p:spPr>
             <a:xfrm>
-              <a:off x="1665618" y="5712086"/>
+              <a:off x="1981664" y="5712124"/>
               <a:ext cx="63202" cy="63202"/>
             </a:xfrm>
             <a:custGeom>
@@ -7287,7 +7287,7 @@
           </p:nvSpPr>
           <p:spPr>
             <a:xfrm>
-              <a:off x="1870614" y="5849350"/>
+              <a:off x="1955799" y="5849359"/>
               <a:ext cx="63202" cy="63202"/>
             </a:xfrm>
             <a:custGeom>
@@ -7330,7 +7330,7 @@
           </p:nvSpPr>
           <p:spPr>
             <a:xfrm>
-              <a:off x="2881839" y="6672712"/>
+              <a:off x="2731301" y="6672826"/>
               <a:ext cx="63202" cy="63202"/>
             </a:xfrm>
             <a:custGeom>
@@ -7373,7 +7373,7 @@
           </p:nvSpPr>
           <p:spPr>
             <a:xfrm>
-              <a:off x="2227740" y="5619447"/>
+              <a:off x="1894699" y="5619479"/>
               <a:ext cx="63202" cy="63202"/>
             </a:xfrm>
             <a:custGeom>
@@ -7416,7 +7416,7 @@
           </p:nvSpPr>
           <p:spPr>
             <a:xfrm>
-              <a:off x="2094508" y="5618871"/>
+              <a:off x="1700002" y="5618895"/>
               <a:ext cx="63202" cy="63202"/>
             </a:xfrm>
             <a:custGeom>
@@ -7459,7 +7459,7 @@
           </p:nvSpPr>
           <p:spPr>
             <a:xfrm>
-              <a:off x="1773215" y="5620807"/>
+              <a:off x="1800753" y="5620815"/>
               <a:ext cx="63202" cy="63202"/>
             </a:xfrm>
             <a:custGeom>
@@ -7502,7 +7502,7 @@
           </p:nvSpPr>
           <p:spPr>
             <a:xfrm>
-              <a:off x="1966937" y="5620127"/>
+              <a:off x="1959858" y="5620118"/>
               <a:ext cx="63202" cy="63202"/>
             </a:xfrm>
             <a:custGeom>
@@ -7545,7 +7545,7 @@
           </p:nvSpPr>
           <p:spPr>
             <a:xfrm>
-              <a:off x="1651335" y="5617691"/>
+              <a:off x="1712416" y="5617697"/>
               <a:ext cx="63202" cy="63202"/>
             </a:xfrm>
             <a:custGeom>
@@ -7588,7 +7588,7 @@
           </p:nvSpPr>
           <p:spPr>
             <a:xfrm>
-              <a:off x="2183100" y="6071767"/>
+              <a:off x="2159810" y="6071769"/>
               <a:ext cx="63202" cy="63202"/>
             </a:xfrm>
             <a:custGeom>
@@ -7631,7 +7631,7 @@
           </p:nvSpPr>
           <p:spPr>
             <a:xfrm>
-              <a:off x="2292556" y="5790446"/>
+              <a:off x="1979017" y="5790483"/>
               <a:ext cx="63202" cy="63202"/>
             </a:xfrm>
             <a:custGeom>
@@ -7674,7 +7674,7 @@
           </p:nvSpPr>
           <p:spPr>
             <a:xfrm>
-              <a:off x="2192112" y="6568083"/>
+              <a:off x="2170486" y="6568092"/>
               <a:ext cx="63202" cy="63202"/>
             </a:xfrm>
             <a:custGeom>
@@ -7717,7 +7717,7 @@
           </p:nvSpPr>
           <p:spPr>
             <a:xfrm>
-              <a:off x="2968793" y="6672711"/>
+              <a:off x="2665171" y="6672802"/>
               <a:ext cx="63202" cy="63202"/>
             </a:xfrm>
             <a:custGeom>
@@ -7760,7 +7760,7 @@
           </p:nvSpPr>
           <p:spPr>
             <a:xfrm>
-              <a:off x="2042863" y="5626541"/>
+              <a:off x="1864953" y="5626588"/>
               <a:ext cx="63202" cy="63202"/>
             </a:xfrm>
             <a:custGeom>
@@ -7803,7 +7803,7 @@
           </p:nvSpPr>
           <p:spPr>
             <a:xfrm>
-              <a:off x="2102937" y="5668092"/>
+              <a:off x="2211469" y="5668139"/>
               <a:ext cx="63202" cy="63202"/>
             </a:xfrm>
             <a:custGeom>
@@ -7846,7 +7846,7 @@
           </p:nvSpPr>
           <p:spPr>
             <a:xfrm>
-              <a:off x="2148529" y="6370110"/>
+              <a:off x="2098082" y="6370121"/>
               <a:ext cx="63202" cy="63202"/>
             </a:xfrm>
             <a:custGeom>
@@ -7889,7 +7889,7 @@
           </p:nvSpPr>
           <p:spPr>
             <a:xfrm>
-              <a:off x="2108513" y="5692198"/>
+              <a:off x="2252532" y="5692198"/>
               <a:ext cx="63202" cy="63202"/>
             </a:xfrm>
             <a:custGeom>
@@ -7932,7 +7932,7 @@
           </p:nvSpPr>
           <p:spPr>
             <a:xfrm>
-              <a:off x="2247405" y="5840283"/>
+              <a:off x="1823333" y="5840306"/>
               <a:ext cx="63202" cy="63202"/>
             </a:xfrm>
             <a:custGeom>
@@ -7975,7 +7975,7 @@
           </p:nvSpPr>
           <p:spPr>
             <a:xfrm>
-              <a:off x="2134232" y="6342223"/>
+              <a:off x="2000655" y="6342276"/>
               <a:ext cx="63202" cy="63202"/>
             </a:xfrm>
             <a:custGeom>
@@ -8018,7 +8018,7 @@
           </p:nvSpPr>
           <p:spPr>
             <a:xfrm>
-              <a:off x="2277027" y="6386332"/>
+              <a:off x="1760774" y="6386336"/>
               <a:ext cx="63202" cy="63202"/>
             </a:xfrm>
             <a:custGeom>
@@ -8061,7 +8061,7 @@
           </p:nvSpPr>
           <p:spPr>
             <a:xfrm>
-              <a:off x="3119219" y="6729935"/>
+              <a:off x="2528044" y="6730040"/>
               <a:ext cx="63202" cy="63202"/>
             </a:xfrm>
             <a:custGeom>
@@ -8104,7 +8104,7 @@
           </p:nvSpPr>
           <p:spPr>
             <a:xfrm>
-              <a:off x="2070207" y="5610004"/>
+              <a:off x="2089954" y="5610029"/>
               <a:ext cx="63202" cy="63202"/>
             </a:xfrm>
             <a:custGeom>
@@ -8147,7 +8147,7 @@
           </p:nvSpPr>
           <p:spPr>
             <a:xfrm>
-              <a:off x="1993741" y="5613392"/>
+              <a:off x="1811149" y="5613474"/>
               <a:ext cx="63202" cy="63202"/>
             </a:xfrm>
             <a:custGeom>
@@ -8190,7 +8190,7 @@
           </p:nvSpPr>
           <p:spPr>
             <a:xfrm>
-              <a:off x="2036867" y="5611285"/>
+              <a:off x="1972346" y="5611313"/>
               <a:ext cx="63202" cy="63202"/>
             </a:xfrm>
             <a:custGeom>
@@ -8233,7 +8233,7 @@
           </p:nvSpPr>
           <p:spPr>
             <a:xfrm>
-              <a:off x="2168429" y="5713287"/>
+              <a:off x="2103946" y="5713312"/>
               <a:ext cx="63202" cy="63202"/>
             </a:xfrm>
             <a:custGeom>
@@ -8276,7 +8276,7 @@
           </p:nvSpPr>
           <p:spPr>
             <a:xfrm>
-              <a:off x="2127820" y="6042771"/>
+              <a:off x="1641327" y="6042821"/>
               <a:ext cx="63202" cy="63202"/>
             </a:xfrm>
             <a:custGeom>
@@ -8319,7 +8319,7 @@
           </p:nvSpPr>
           <p:spPr>
             <a:xfrm>
-              <a:off x="2077272" y="5610421"/>
+              <a:off x="1777328" y="5610411"/>
               <a:ext cx="63202" cy="63202"/>
             </a:xfrm>
             <a:custGeom>
@@ -8362,7 +8362,7 @@
           </p:nvSpPr>
           <p:spPr>
             <a:xfrm>
-              <a:off x="1743228" y="6074979"/>
+              <a:off x="2151541" y="6074994"/>
               <a:ext cx="63202" cy="63202"/>
             </a:xfrm>
             <a:custGeom>
@@ -8405,7 +8405,7 @@
           </p:nvSpPr>
           <p:spPr>
             <a:xfrm>
-              <a:off x="2169539" y="6057064"/>
+              <a:off x="1843651" y="6057050"/>
               <a:ext cx="63202" cy="63202"/>
             </a:xfrm>
             <a:custGeom>
@@ -8448,7 +8448,7 @@
           </p:nvSpPr>
           <p:spPr>
             <a:xfrm>
-              <a:off x="2156215" y="5610845"/>
+              <a:off x="1966708" y="5610875"/>
               <a:ext cx="63202" cy="63202"/>
             </a:xfrm>
             <a:custGeom>
@@ -8491,7 +8491,7 @@
           </p:nvSpPr>
           <p:spPr>
             <a:xfrm>
-              <a:off x="1635872" y="5614685"/>
+              <a:off x="1611029" y="5614673"/>
               <a:ext cx="63202" cy="63202"/>
             </a:xfrm>
             <a:custGeom>
@@ -8534,7 +8534,7 @@
           </p:nvSpPr>
           <p:spPr>
             <a:xfrm>
-              <a:off x="1763275" y="5610993"/>
+              <a:off x="2168061" y="5611026"/>
               <a:ext cx="63202" cy="63202"/>
             </a:xfrm>
             <a:custGeom>
@@ -8577,7 +8577,7 @@
           </p:nvSpPr>
           <p:spPr>
             <a:xfrm>
-              <a:off x="2288861" y="6228271"/>
+              <a:off x="1869557" y="6228323"/>
               <a:ext cx="63202" cy="63202"/>
             </a:xfrm>
             <a:custGeom>
@@ -8620,7 +8620,7 @@
           </p:nvSpPr>
           <p:spPr>
             <a:xfrm>
-              <a:off x="2199751" y="5847951"/>
+              <a:off x="2247746" y="5847973"/>
               <a:ext cx="63202" cy="63202"/>
             </a:xfrm>
             <a:custGeom>
@@ -8663,7 +8663,7 @@
           </p:nvSpPr>
           <p:spPr>
             <a:xfrm>
-              <a:off x="1630435" y="5876716"/>
+              <a:off x="2135926" y="5876732"/>
               <a:ext cx="63202" cy="63202"/>
             </a:xfrm>
             <a:custGeom>
@@ -8706,7 +8706,7 @@
           </p:nvSpPr>
           <p:spPr>
             <a:xfrm>
-              <a:off x="2056249" y="6612394"/>
+              <a:off x="2293447" y="6612502"/>
               <a:ext cx="63202" cy="63202"/>
             </a:xfrm>
             <a:custGeom>
@@ -8749,7 +8749,7 @@
           </p:nvSpPr>
           <p:spPr>
             <a:xfrm>
-              <a:off x="2230254" y="5605100"/>
+              <a:off x="1875491" y="5605135"/>
               <a:ext cx="63202" cy="63202"/>
             </a:xfrm>
             <a:custGeom>
@@ -8792,7 +8792,7 @@
           </p:nvSpPr>
           <p:spPr>
             <a:xfrm>
-              <a:off x="1855704" y="5603773"/>
+              <a:off x="2038856" y="5603793"/>
               <a:ext cx="63202" cy="63202"/>
             </a:xfrm>
             <a:custGeom>
@@ -8835,7 +8835,7 @@
           </p:nvSpPr>
           <p:spPr>
             <a:xfrm>
-              <a:off x="1742270" y="6110923"/>
+              <a:off x="2048149" y="6110951"/>
               <a:ext cx="63202" cy="63202"/>
             </a:xfrm>
             <a:custGeom>
@@ -8878,7 +8878,7 @@
           </p:nvSpPr>
           <p:spPr>
             <a:xfrm>
-              <a:off x="1708777" y="6009347"/>
+              <a:off x="1618236" y="6009393"/>
               <a:ext cx="63202" cy="63202"/>
             </a:xfrm>
             <a:custGeom>
@@ -8921,7 +8921,7 @@
           </p:nvSpPr>
           <p:spPr>
             <a:xfrm>
-              <a:off x="1893348" y="6077693"/>
+              <a:off x="2175727" y="6077722"/>
               <a:ext cx="63202" cy="63202"/>
             </a:xfrm>
             <a:custGeom>
@@ -8964,7 +8964,7 @@
           </p:nvSpPr>
           <p:spPr>
             <a:xfrm>
-              <a:off x="1757328" y="5872579"/>
+              <a:off x="2296545" y="5872603"/>
               <a:ext cx="63202" cy="63202"/>
             </a:xfrm>
             <a:custGeom>
@@ -9007,7 +9007,7 @@
           </p:nvSpPr>
           <p:spPr>
             <a:xfrm>
-              <a:off x="1796037" y="5859104"/>
+              <a:off x="2220123" y="5859118"/>
               <a:ext cx="63202" cy="63202"/>
             </a:xfrm>
             <a:custGeom>
@@ -9050,7 +9050,7 @@
           </p:nvSpPr>
           <p:spPr>
             <a:xfrm>
-              <a:off x="1850722" y="5839403"/>
+              <a:off x="2131647" y="5839437"/>
               <a:ext cx="63202" cy="63202"/>
             </a:xfrm>
             <a:custGeom>
@@ -9093,7 +9093,7 @@
           </p:nvSpPr>
           <p:spPr>
             <a:xfrm>
-              <a:off x="1952365" y="5844817"/>
+              <a:off x="1912698" y="5844864"/>
               <a:ext cx="63202" cy="63202"/>
             </a:xfrm>
             <a:custGeom>
@@ -9136,7 +9136,7 @@
           </p:nvSpPr>
           <p:spPr>
             <a:xfrm>
-              <a:off x="2013035" y="5846682"/>
+              <a:off x="2124021" y="5846743"/>
               <a:ext cx="63202" cy="63202"/>
             </a:xfrm>
             <a:custGeom>
@@ -9179,7 +9179,7 @@
           </p:nvSpPr>
           <p:spPr>
             <a:xfrm>
-              <a:off x="2276757" y="5830995"/>
+              <a:off x="2081069" y="5831048"/>
               <a:ext cx="63202" cy="63202"/>
             </a:xfrm>
             <a:custGeom>
@@ -9222,7 +9222,7 @@
           </p:nvSpPr>
           <p:spPr>
             <a:xfrm>
-              <a:off x="1835926" y="5782960"/>
+              <a:off x="1681958" y="5782991"/>
               <a:ext cx="63202" cy="63202"/>
             </a:xfrm>
             <a:custGeom>
@@ -9265,7 +9265,7 @@
           </p:nvSpPr>
           <p:spPr>
             <a:xfrm>
-              <a:off x="2201016" y="5872545"/>
+              <a:off x="1762164" y="5872579"/>
               <a:ext cx="63202" cy="63202"/>
             </a:xfrm>
             <a:custGeom>
@@ -9308,7 +9308,7 @@
           </p:nvSpPr>
           <p:spPr>
             <a:xfrm>
-              <a:off x="2129589" y="6325632"/>
+              <a:off x="1840432" y="6325671"/>
               <a:ext cx="63202" cy="63202"/>
             </a:xfrm>
             <a:custGeom>
@@ -9351,7 +9351,7 @@
           </p:nvSpPr>
           <p:spPr>
             <a:xfrm>
-              <a:off x="2174730" y="6516324"/>
+              <a:off x="1748159" y="6516394"/>
               <a:ext cx="63202" cy="63202"/>
             </a:xfrm>
             <a:custGeom>
@@ -9394,7 +9394,7 @@
           </p:nvSpPr>
           <p:spPr>
             <a:xfrm>
-              <a:off x="1621719" y="6327975"/>
+              <a:off x="2288225" y="6328000"/>
               <a:ext cx="63202" cy="63202"/>
             </a:xfrm>
             <a:custGeom>
@@ -9437,7 +9437,7 @@
           </p:nvSpPr>
           <p:spPr>
             <a:xfrm>
-              <a:off x="2150822" y="6367758"/>
+              <a:off x="1905452" y="6367762"/>
               <a:ext cx="63202" cy="63202"/>
             </a:xfrm>
             <a:custGeom>
@@ -9480,7 +9480,7 @@
           </p:nvSpPr>
           <p:spPr>
             <a:xfrm>
-              <a:off x="2148477" y="6529694"/>
+              <a:off x="1886052" y="6529775"/>
               <a:ext cx="63202" cy="63202"/>
             </a:xfrm>
             <a:custGeom>
@@ -9523,7 +9523,7 @@
           </p:nvSpPr>
           <p:spPr>
             <a:xfrm>
-              <a:off x="1844464" y="5599655"/>
+              <a:off x="1822305" y="5599639"/>
               <a:ext cx="63202" cy="63202"/>
             </a:xfrm>
             <a:custGeom>
@@ -9566,7 +9566,7 @@
           </p:nvSpPr>
           <p:spPr>
             <a:xfrm>
-              <a:off x="2222859" y="6376908"/>
+              <a:off x="1859564" y="6376919"/>
               <a:ext cx="63202" cy="63202"/>
             </a:xfrm>
             <a:custGeom>
@@ -9609,7 +9609,7 @@
           </p:nvSpPr>
           <p:spPr>
             <a:xfrm>
-              <a:off x="2140989" y="5940807"/>
+              <a:off x="1978670" y="5940831"/>
               <a:ext cx="63202" cy="63202"/>
             </a:xfrm>
             <a:custGeom>
@@ -9652,7 +9652,7 @@
           </p:nvSpPr>
           <p:spPr>
             <a:xfrm>
-              <a:off x="2031871" y="5614964"/>
+              <a:off x="1693796" y="5614964"/>
               <a:ext cx="63202" cy="63202"/>
             </a:xfrm>
             <a:custGeom>
@@ -9695,7 +9695,7 @@
           </p:nvSpPr>
           <p:spPr>
             <a:xfrm>
-              <a:off x="2268497" y="5619579"/>
+              <a:off x="1732230" y="5619601"/>
               <a:ext cx="63202" cy="63202"/>
             </a:xfrm>
             <a:custGeom>
@@ -9738,7 +9738,7 @@
           </p:nvSpPr>
           <p:spPr>
             <a:xfrm>
-              <a:off x="1865311" y="5623440"/>
+              <a:off x="2261959" y="5623444"/>
               <a:ext cx="63202" cy="63202"/>
             </a:xfrm>
             <a:custGeom>
@@ -9781,7 +9781,7 @@
           </p:nvSpPr>
           <p:spPr>
             <a:xfrm>
-              <a:off x="2299421" y="5622122"/>
+              <a:off x="1870212" y="5622140"/>
               <a:ext cx="63202" cy="63202"/>
             </a:xfrm>
             <a:custGeom>
@@ -9824,7 +9824,7 @@
           </p:nvSpPr>
           <p:spPr>
             <a:xfrm>
-              <a:off x="2041234" y="5612766"/>
+              <a:off x="1887590" y="5612772"/>
               <a:ext cx="63202" cy="63202"/>
             </a:xfrm>
             <a:custGeom>
@@ -9867,7 +9867,7 @@
           </p:nvSpPr>
           <p:spPr>
             <a:xfrm>
-              <a:off x="1915954" y="6371143"/>
+              <a:off x="1867529" y="6371169"/>
               <a:ext cx="63202" cy="63202"/>
             </a:xfrm>
             <a:custGeom>
@@ -9910,7 +9910,7 @@
           </p:nvSpPr>
           <p:spPr>
             <a:xfrm>
-              <a:off x="2107528" y="6152796"/>
+              <a:off x="1943765" y="6152801"/>
               <a:ext cx="63202" cy="63202"/>
             </a:xfrm>
             <a:custGeom>
@@ -9953,7 +9953,7 @@
           </p:nvSpPr>
           <p:spPr>
             <a:xfrm>
-              <a:off x="1653923" y="5606289"/>
+              <a:off x="2239432" y="5606269"/>
               <a:ext cx="63202" cy="63202"/>
             </a:xfrm>
             <a:custGeom>
@@ -9996,7 +9996,7 @@
           </p:nvSpPr>
           <p:spPr>
             <a:xfrm>
-              <a:off x="1624898" y="5868103"/>
+              <a:off x="1844412" y="5868137"/>
               <a:ext cx="63202" cy="63202"/>
             </a:xfrm>
             <a:custGeom>
@@ -10095,7 +10095,7 @@
           </p:nvSpPr>
           <p:spPr>
             <a:xfrm>
-              <a:off x="4325757" y="2850758"/>
+              <a:off x="4325757" y="2850802"/>
               <a:ext cx="2796732" cy="0"/>
             </a:xfrm>
             <a:custGeom>
@@ -10138,7 +10138,7 @@
           </p:nvSpPr>
           <p:spPr>
             <a:xfrm>
-              <a:off x="4325757" y="2378732"/>
+              <a:off x="4325757" y="2378765"/>
               <a:ext cx="2796732" cy="0"/>
             </a:xfrm>
             <a:custGeom>
@@ -10181,7 +10181,7 @@
           </p:nvSpPr>
           <p:spPr>
             <a:xfrm>
-              <a:off x="4325757" y="1906706"/>
+              <a:off x="4325757" y="1906729"/>
               <a:ext cx="2796732" cy="0"/>
             </a:xfrm>
             <a:custGeom>
@@ -10224,7 +10224,7 @@
           </p:nvSpPr>
           <p:spPr>
             <a:xfrm>
-              <a:off x="4325757" y="1434681"/>
+              <a:off x="4325757" y="1434692"/>
               <a:ext cx="2796732" cy="0"/>
             </a:xfrm>
             <a:custGeom>
@@ -10267,7 +10267,7 @@
           </p:nvSpPr>
           <p:spPr>
             <a:xfrm>
-              <a:off x="4325757" y="2614745"/>
+              <a:off x="4325757" y="2614783"/>
               <a:ext cx="2796732" cy="0"/>
             </a:xfrm>
             <a:custGeom>
@@ -10310,7 +10310,7 @@
           </p:nvSpPr>
           <p:spPr>
             <a:xfrm>
-              <a:off x="4325757" y="2142719"/>
+              <a:off x="4325757" y="2142747"/>
               <a:ext cx="2796732" cy="0"/>
             </a:xfrm>
             <a:custGeom>
@@ -10353,7 +10353,7 @@
           </p:nvSpPr>
           <p:spPr>
             <a:xfrm>
-              <a:off x="4325757" y="1670694"/>
+              <a:off x="4325757" y="1670711"/>
               <a:ext cx="2796732" cy="0"/>
             </a:xfrm>
             <a:custGeom>
@@ -10525,7 +10525,7 @@
           </p:nvSpPr>
           <p:spPr>
             <a:xfrm>
-              <a:off x="4722201" y="2111033"/>
+              <a:off x="4742236" y="2111016"/>
               <a:ext cx="63202" cy="63202"/>
             </a:xfrm>
             <a:custGeom>
@@ -10568,7 +10568,7 @@
           </p:nvSpPr>
           <p:spPr>
             <a:xfrm>
-              <a:off x="4558550" y="1890242"/>
+              <a:off x="4962822" y="1890210"/>
               <a:ext cx="63202" cy="63202"/>
             </a:xfrm>
             <a:custGeom>
@@ -10611,7 +10611,7 @@
           </p:nvSpPr>
           <p:spPr>
             <a:xfrm>
-              <a:off x="4734672" y="1811411"/>
+              <a:off x="4526720" y="1811414"/>
               <a:ext cx="63202" cy="63202"/>
             </a:xfrm>
             <a:custGeom>
@@ -10654,7 +10654,7 @@
           </p:nvSpPr>
           <p:spPr>
             <a:xfrm>
-              <a:off x="5111453" y="1904351"/>
+              <a:off x="4902425" y="1904375"/>
               <a:ext cx="63202" cy="63202"/>
             </a:xfrm>
             <a:custGeom>
@@ -10697,7 +10697,7 @@
           </p:nvSpPr>
           <p:spPr>
             <a:xfrm>
-              <a:off x="4957964" y="1947971"/>
+              <a:off x="4812188" y="1948003"/>
               <a:ext cx="63202" cy="63202"/>
             </a:xfrm>
             <a:custGeom>
@@ -10740,7 +10740,7 @@
           </p:nvSpPr>
           <p:spPr>
             <a:xfrm>
-              <a:off x="4693445" y="2355374"/>
+              <a:off x="4859817" y="2355349"/>
               <a:ext cx="63202" cy="63202"/>
             </a:xfrm>
             <a:custGeom>
@@ -10783,7 +10783,7 @@
           </p:nvSpPr>
           <p:spPr>
             <a:xfrm>
-              <a:off x="4688472" y="1851787"/>
+              <a:off x="5153687" y="1851839"/>
               <a:ext cx="63202" cy="63202"/>
             </a:xfrm>
             <a:custGeom>
@@ -10826,7 +10826,7 @@
           </p:nvSpPr>
           <p:spPr>
             <a:xfrm>
-              <a:off x="5007631" y="1908723"/>
+              <a:off x="4934659" y="1908735"/>
               <a:ext cx="63202" cy="63202"/>
             </a:xfrm>
             <a:custGeom>
@@ -10869,7 +10869,7 @@
           </p:nvSpPr>
           <p:spPr>
             <a:xfrm>
-              <a:off x="4511251" y="1855095"/>
+              <a:off x="4740621" y="1855115"/>
               <a:ext cx="63202" cy="63202"/>
             </a:xfrm>
             <a:custGeom>
@@ -10912,7 +10912,7 @@
           </p:nvSpPr>
           <p:spPr>
             <a:xfrm>
-              <a:off x="4553019" y="1885508"/>
+              <a:off x="4485427" y="1885550"/>
               <a:ext cx="63202" cy="63202"/>
             </a:xfrm>
             <a:custGeom>
@@ -10955,7 +10955,7 @@
           </p:nvSpPr>
           <p:spPr>
             <a:xfrm>
-              <a:off x="5166940" y="2846498"/>
+              <a:off x="5068190" y="2846566"/>
               <a:ext cx="63202" cy="63202"/>
             </a:xfrm>
             <a:custGeom>
@@ -10998,7 +10998,7 @@
           </p:nvSpPr>
           <p:spPr>
             <a:xfrm>
-              <a:off x="4861976" y="1868292"/>
+              <a:off x="4543630" y="1868337"/>
               <a:ext cx="63202" cy="63202"/>
             </a:xfrm>
             <a:custGeom>
@@ -11041,7 +11041,7 @@
           </p:nvSpPr>
           <p:spPr>
             <a:xfrm>
-              <a:off x="4690611" y="1882277"/>
+              <a:off x="4954404" y="1882310"/>
               <a:ext cx="63202" cy="63202"/>
             </a:xfrm>
             <a:custGeom>
@@ -11084,7 +11084,7 @@
           </p:nvSpPr>
           <p:spPr>
             <a:xfrm>
-              <a:off x="4876737" y="1909062"/>
+              <a:off x="4512200" y="1909100"/>
               <a:ext cx="63202" cy="63202"/>
             </a:xfrm>
             <a:custGeom>
@@ -11127,7 +11127,7 @@
           </p:nvSpPr>
           <p:spPr>
             <a:xfrm>
-              <a:off x="4585239" y="2226072"/>
+              <a:off x="4919280" y="2226147"/>
               <a:ext cx="63202" cy="63202"/>
             </a:xfrm>
             <a:custGeom>
@@ -11170,7 +11170,7 @@
           </p:nvSpPr>
           <p:spPr>
             <a:xfrm>
-              <a:off x="5046801" y="1918407"/>
+              <a:off x="4571801" y="1918467"/>
               <a:ext cx="63202" cy="63202"/>
             </a:xfrm>
             <a:custGeom>
@@ -11213,7 +11213,7 @@
           </p:nvSpPr>
           <p:spPr>
             <a:xfrm>
-              <a:off x="4608607" y="2357076"/>
+              <a:off x="4706059" y="2357103"/>
               <a:ext cx="63202" cy="63202"/>
             </a:xfrm>
             <a:custGeom>
@@ -11256,7 +11256,7 @@
           </p:nvSpPr>
           <p:spPr>
             <a:xfrm>
-              <a:off x="4854291" y="1833958"/>
+              <a:off x="4555724" y="1833950"/>
               <a:ext cx="63202" cy="63202"/>
             </a:xfrm>
             <a:custGeom>
@@ -11299,7 +11299,7 @@
           </p:nvSpPr>
           <p:spPr>
             <a:xfrm>
-              <a:off x="4550651" y="1875974"/>
+              <a:off x="4980770" y="1875959"/>
               <a:ext cx="63202" cy="63202"/>
             </a:xfrm>
             <a:custGeom>
@@ -11342,7 +11342,7 @@
           </p:nvSpPr>
           <p:spPr>
             <a:xfrm>
-              <a:off x="4503939" y="1981414"/>
+              <a:off x="4565199" y="1981419"/>
               <a:ext cx="63202" cy="63202"/>
             </a:xfrm>
             <a:custGeom>
@@ -11385,7 +11385,7 @@
           </p:nvSpPr>
           <p:spPr>
             <a:xfrm>
-              <a:off x="5048627" y="1914531"/>
+              <a:off x="4740250" y="1914564"/>
               <a:ext cx="63202" cy="63202"/>
             </a:xfrm>
             <a:custGeom>
@@ -11428,7 +11428,7 @@
           </p:nvSpPr>
           <p:spPr>
             <a:xfrm>
-              <a:off x="4533692" y="1943531"/>
+              <a:off x="5061115" y="1943554"/>
               <a:ext cx="63202" cy="63202"/>
             </a:xfrm>
             <a:custGeom>
@@ -11471,7 +11471,7 @@
           </p:nvSpPr>
           <p:spPr>
             <a:xfrm>
-              <a:off x="4636468" y="2538499"/>
+              <a:off x="4928453" y="2538539"/>
               <a:ext cx="63202" cy="63202"/>
             </a:xfrm>
             <a:custGeom>
@@ -11514,7 +11514,7 @@
           </p:nvSpPr>
           <p:spPr>
             <a:xfrm>
-              <a:off x="5003511" y="2199125"/>
+              <a:off x="4961011" y="2199162"/>
               <a:ext cx="63202" cy="63202"/>
             </a:xfrm>
             <a:custGeom>
@@ -11557,7 +11557,7 @@
           </p:nvSpPr>
           <p:spPr>
             <a:xfrm>
-              <a:off x="4588830" y="2000064"/>
+              <a:off x="4716405" y="2000113"/>
               <a:ext cx="63202" cy="63202"/>
             </a:xfrm>
             <a:custGeom>
@@ -11600,7 +11600,7 @@
           </p:nvSpPr>
           <p:spPr>
             <a:xfrm>
-              <a:off x="4680405" y="1882436"/>
+              <a:off x="4821512" y="1882496"/>
               <a:ext cx="63202" cy="63202"/>
             </a:xfrm>
             <a:custGeom>
@@ -11643,7 +11643,7 @@
           </p:nvSpPr>
           <p:spPr>
             <a:xfrm>
-              <a:off x="4842850" y="2620786"/>
+              <a:off x="4665540" y="2620816"/>
               <a:ext cx="63202" cy="63202"/>
             </a:xfrm>
             <a:custGeom>
@@ -11686,7 +11686,7 @@
           </p:nvSpPr>
           <p:spPr>
             <a:xfrm>
-              <a:off x="4729467" y="1900416"/>
+              <a:off x="4844729" y="1900458"/>
               <a:ext cx="63202" cy="63202"/>
             </a:xfrm>
             <a:custGeom>
@@ -11729,7 +11729,7 @@
           </p:nvSpPr>
           <p:spPr>
             <a:xfrm>
-              <a:off x="5142539" y="1933060"/>
+              <a:off x="5007089" y="1933071"/>
               <a:ext cx="63202" cy="63202"/>
             </a:xfrm>
             <a:custGeom>
@@ -11772,7 +11772,7 @@
           </p:nvSpPr>
           <p:spPr>
             <a:xfrm>
-              <a:off x="5063978" y="1816396"/>
+              <a:off x="5013296" y="1816440"/>
               <a:ext cx="63202" cy="63202"/>
             </a:xfrm>
             <a:custGeom>
@@ -11815,7 +11815,7 @@
           </p:nvSpPr>
           <p:spPr>
             <a:xfrm>
-              <a:off x="4935540" y="1919186"/>
+              <a:off x="4823902" y="1919235"/>
               <a:ext cx="63202" cy="63202"/>
             </a:xfrm>
             <a:custGeom>
@@ -11858,7 +11858,7 @@
           </p:nvSpPr>
           <p:spPr>
             <a:xfrm>
-              <a:off x="4986432" y="1835646"/>
+              <a:off x="4990359" y="1835653"/>
               <a:ext cx="63202" cy="63202"/>
             </a:xfrm>
             <a:custGeom>
@@ -11901,7 +11901,7 @@
           </p:nvSpPr>
           <p:spPr>
             <a:xfrm>
-              <a:off x="4690571" y="1940342"/>
+              <a:off x="4621090" y="1940371"/>
               <a:ext cx="63202" cy="63202"/>
             </a:xfrm>
             <a:custGeom>
@@ -11944,7 +11944,7 @@
           </p:nvSpPr>
           <p:spPr>
             <a:xfrm>
-              <a:off x="4664207" y="1995480"/>
+              <a:off x="4952305" y="1995518"/>
               <a:ext cx="63202" cy="63202"/>
             </a:xfrm>
             <a:custGeom>
@@ -11987,7 +11987,7 @@
           </p:nvSpPr>
           <p:spPr>
             <a:xfrm>
-              <a:off x="5028037" y="1894426"/>
+              <a:off x="4729504" y="1894481"/>
               <a:ext cx="63202" cy="63202"/>
             </a:xfrm>
             <a:custGeom>
@@ -12030,7 +12030,7 @@
           </p:nvSpPr>
           <p:spPr>
             <a:xfrm>
-              <a:off x="4559026" y="1882293"/>
+              <a:off x="4658111" y="1882316"/>
               <a:ext cx="63202" cy="63202"/>
             </a:xfrm>
             <a:custGeom>
@@ -12073,7 +12073,7 @@
           </p:nvSpPr>
           <p:spPr>
             <a:xfrm>
-              <a:off x="4778278" y="1908793"/>
+              <a:off x="4666646" y="1908854"/>
               <a:ext cx="63202" cy="63202"/>
             </a:xfrm>
             <a:custGeom>
@@ -12116,7 +12116,7 @@
           </p:nvSpPr>
           <p:spPr>
             <a:xfrm>
-              <a:off x="4496729" y="1987641"/>
+              <a:off x="5145214" y="1987654"/>
               <a:ext cx="63202" cy="63202"/>
             </a:xfrm>
             <a:custGeom>
@@ -12159,7 +12159,7 @@
           </p:nvSpPr>
           <p:spPr>
             <a:xfrm>
-              <a:off x="5060605" y="1899904"/>
+              <a:off x="4477735" y="1899970"/>
               <a:ext cx="63202" cy="63202"/>
             </a:xfrm>
             <a:custGeom>
@@ -12202,7 +12202,7 @@
           </p:nvSpPr>
           <p:spPr>
             <a:xfrm>
-              <a:off x="5018518" y="2010192"/>
+              <a:off x="4861765" y="2010219"/>
               <a:ext cx="63202" cy="63202"/>
             </a:xfrm>
             <a:custGeom>
@@ -12245,7 +12245,7 @@
           </p:nvSpPr>
           <p:spPr>
             <a:xfrm>
-              <a:off x="5090403" y="1952049"/>
+              <a:off x="4696766" y="1952038"/>
               <a:ext cx="63202" cy="63202"/>
             </a:xfrm>
             <a:custGeom>
@@ -12288,7 +12288,7 @@
           </p:nvSpPr>
           <p:spPr>
             <a:xfrm>
-              <a:off x="4954369" y="2741997"/>
+              <a:off x="5091733" y="2742043"/>
               <a:ext cx="63202" cy="63202"/>
             </a:xfrm>
             <a:custGeom>
@@ -12331,7 +12331,7 @@
           </p:nvSpPr>
           <p:spPr>
             <a:xfrm>
-              <a:off x="4910489" y="1917033"/>
+              <a:off x="5110860" y="1917076"/>
               <a:ext cx="63202" cy="63202"/>
             </a:xfrm>
             <a:custGeom>
@@ -12374,7 +12374,7 @@
           </p:nvSpPr>
           <p:spPr>
             <a:xfrm>
-              <a:off x="5106486" y="2136592"/>
+              <a:off x="4582016" y="2136602"/>
               <a:ext cx="63202" cy="63202"/>
             </a:xfrm>
             <a:custGeom>
@@ -12417,7 +12417,7 @@
           </p:nvSpPr>
           <p:spPr>
             <a:xfrm>
-              <a:off x="4918532" y="1877390"/>
+              <a:off x="4773596" y="1877370"/>
               <a:ext cx="63202" cy="63202"/>
             </a:xfrm>
             <a:custGeom>
@@ -12460,7 +12460,7 @@
           </p:nvSpPr>
           <p:spPr>
             <a:xfrm>
-              <a:off x="5066724" y="1900061"/>
+              <a:off x="4568435" y="1900087"/>
               <a:ext cx="63202" cy="63202"/>
             </a:xfrm>
             <a:custGeom>
@@ -12503,7 +12503,7 @@
           </p:nvSpPr>
           <p:spPr>
             <a:xfrm>
-              <a:off x="4527360" y="1843442"/>
+              <a:off x="4565783" y="1843533"/>
               <a:ext cx="63202" cy="63202"/>
             </a:xfrm>
             <a:custGeom>
@@ -12546,7 +12546,7 @@
           </p:nvSpPr>
           <p:spPr>
             <a:xfrm>
-              <a:off x="4888236" y="1889654"/>
+              <a:off x="4633968" y="1889660"/>
               <a:ext cx="63202" cy="63202"/>
             </a:xfrm>
             <a:custGeom>
@@ -12589,7 +12589,7 @@
           </p:nvSpPr>
           <p:spPr>
             <a:xfrm>
-              <a:off x="5035059" y="1913707"/>
+              <a:off x="4786673" y="1913735"/>
               <a:ext cx="63202" cy="63202"/>
             </a:xfrm>
             <a:custGeom>
@@ -12632,7 +12632,7 @@
           </p:nvSpPr>
           <p:spPr>
             <a:xfrm>
-              <a:off x="4632776" y="2279939"/>
+              <a:off x="4496077" y="2279983"/>
               <a:ext cx="63202" cy="63202"/>
             </a:xfrm>
             <a:custGeom>
@@ -12675,7 +12675,7 @@
           </p:nvSpPr>
           <p:spPr>
             <a:xfrm>
-              <a:off x="4549535" y="1917934"/>
+              <a:off x="4544163" y="1917990"/>
               <a:ext cx="63202" cy="63202"/>
             </a:xfrm>
             <a:custGeom>
@@ -12718,7 +12718,7 @@
           </p:nvSpPr>
           <p:spPr>
             <a:xfrm>
-              <a:off x="4930720" y="2088921"/>
+              <a:off x="4897901" y="2088968"/>
               <a:ext cx="63202" cy="63202"/>
             </a:xfrm>
             <a:custGeom>
@@ -12761,7 +12761,7 @@
           </p:nvSpPr>
           <p:spPr>
             <a:xfrm>
-              <a:off x="5562932" y="2773173"/>
+              <a:off x="5566466" y="2773204"/>
               <a:ext cx="63202" cy="63202"/>
             </a:xfrm>
             <a:custGeom>
@@ -12804,7 +12804,7 @@
           </p:nvSpPr>
           <p:spPr>
             <a:xfrm>
-              <a:off x="5102186" y="1808138"/>
+              <a:off x="5030284" y="1808182"/>
               <a:ext cx="63202" cy="63202"/>
             </a:xfrm>
             <a:custGeom>
@@ -12847,7 +12847,7 @@
           </p:nvSpPr>
           <p:spPr>
             <a:xfrm>
-              <a:off x="5017822" y="1849022"/>
+              <a:off x="4907514" y="1849034"/>
               <a:ext cx="63202" cy="63202"/>
             </a:xfrm>
             <a:custGeom>
@@ -12890,7 +12890,7 @@
           </p:nvSpPr>
           <p:spPr>
             <a:xfrm>
-              <a:off x="4543173" y="2417203"/>
+              <a:off x="4955573" y="2417251"/>
               <a:ext cx="63202" cy="63202"/>
             </a:xfrm>
             <a:custGeom>
@@ -12933,7 +12933,7 @@
           </p:nvSpPr>
           <p:spPr>
             <a:xfrm>
-              <a:off x="4795674" y="1933233"/>
+              <a:off x="4985214" y="1933303"/>
               <a:ext cx="63202" cy="63202"/>
             </a:xfrm>
             <a:custGeom>
@@ -12976,7 +12976,7 @@
           </p:nvSpPr>
           <p:spPr>
             <a:xfrm>
-              <a:off x="5135427" y="1852656"/>
+              <a:off x="4657596" y="1852647"/>
               <a:ext cx="63202" cy="63202"/>
             </a:xfrm>
             <a:custGeom>
@@ -13019,7 +13019,7 @@
           </p:nvSpPr>
           <p:spPr>
             <a:xfrm>
-              <a:off x="5028298" y="1917975"/>
+              <a:off x="4903128" y="1917998"/>
               <a:ext cx="63202" cy="63202"/>
             </a:xfrm>
             <a:custGeom>
@@ -13062,7 +13062,7 @@
           </p:nvSpPr>
           <p:spPr>
             <a:xfrm>
-              <a:off x="4811461" y="1954218"/>
+              <a:off x="4948878" y="1954262"/>
               <a:ext cx="63202" cy="63202"/>
             </a:xfrm>
             <a:custGeom>
@@ -13105,7 +13105,7 @@
           </p:nvSpPr>
           <p:spPr>
             <a:xfrm>
-              <a:off x="4564278" y="1926157"/>
+              <a:off x="4976477" y="1926204"/>
               <a:ext cx="63202" cy="63202"/>
             </a:xfrm>
             <a:custGeom>
@@ -13148,7 +13148,7 @@
           </p:nvSpPr>
           <p:spPr>
             <a:xfrm>
-              <a:off x="5066334" y="2037871"/>
+              <a:off x="4554673" y="2037901"/>
               <a:ext cx="63202" cy="63202"/>
             </a:xfrm>
             <a:custGeom>
@@ -13191,7 +13191,7 @@
           </p:nvSpPr>
           <p:spPr>
             <a:xfrm>
-              <a:off x="4949416" y="1889544"/>
+              <a:off x="4784609" y="1889585"/>
               <a:ext cx="63202" cy="63202"/>
             </a:xfrm>
             <a:custGeom>
@@ -13234,7 +13234,7 @@
           </p:nvSpPr>
           <p:spPr>
             <a:xfrm>
-              <a:off x="5027368" y="1898335"/>
+              <a:off x="5055929" y="1898369"/>
               <a:ext cx="63202" cy="63202"/>
             </a:xfrm>
             <a:custGeom>
@@ -13277,7 +13277,7 @@
           </p:nvSpPr>
           <p:spPr>
             <a:xfrm>
-              <a:off x="5034579" y="2128197"/>
+              <a:off x="4678144" y="2128203"/>
               <a:ext cx="63202" cy="63202"/>
             </a:xfrm>
             <a:custGeom>
@@ -13320,7 +13320,7 @@
           </p:nvSpPr>
           <p:spPr>
             <a:xfrm>
-              <a:off x="4538110" y="1974598"/>
+              <a:off x="4934395" y="1974601"/>
               <a:ext cx="63202" cy="63202"/>
             </a:xfrm>
             <a:custGeom>
@@ -13363,7 +13363,7 @@
           </p:nvSpPr>
           <p:spPr>
             <a:xfrm>
-              <a:off x="5024354" y="1875880"/>
+              <a:off x="4486830" y="1875906"/>
               <a:ext cx="63202" cy="63202"/>
             </a:xfrm>
             <a:custGeom>
@@ -13406,7 +13406,7 @@
           </p:nvSpPr>
           <p:spPr>
             <a:xfrm>
-              <a:off x="4844775" y="2071829"/>
+              <a:off x="5122213" y="2071841"/>
               <a:ext cx="63202" cy="63202"/>
             </a:xfrm>
             <a:custGeom>
@@ -13449,7 +13449,7 @@
           </p:nvSpPr>
           <p:spPr>
             <a:xfrm>
-              <a:off x="5041643" y="2082297"/>
+              <a:off x="5158329" y="2082333"/>
               <a:ext cx="63202" cy="63202"/>
             </a:xfrm>
             <a:custGeom>
@@ -13492,7 +13492,7 @@
           </p:nvSpPr>
           <p:spPr>
             <a:xfrm>
-              <a:off x="4900237" y="1972832"/>
+              <a:off x="4912122" y="1972818"/>
               <a:ext cx="63202" cy="63202"/>
             </a:xfrm>
             <a:custGeom>
@@ -13535,7 +13535,7 @@
           </p:nvSpPr>
           <p:spPr>
             <a:xfrm>
-              <a:off x="5154243" y="2050947"/>
+              <a:off x="4480517" y="2051005"/>
               <a:ext cx="63202" cy="63202"/>
             </a:xfrm>
             <a:custGeom>
@@ -13578,7 +13578,7 @@
           </p:nvSpPr>
           <p:spPr>
             <a:xfrm>
-              <a:off x="4487008" y="1937691"/>
+              <a:off x="4918841" y="1937720"/>
               <a:ext cx="63202" cy="63202"/>
             </a:xfrm>
             <a:custGeom>
@@ -13621,7 +13621,7 @@
           </p:nvSpPr>
           <p:spPr>
             <a:xfrm>
-              <a:off x="4616022" y="1883796"/>
+              <a:off x="4564058" y="1883783"/>
               <a:ext cx="63202" cy="63202"/>
             </a:xfrm>
             <a:custGeom>
@@ -13664,7 +13664,7 @@
           </p:nvSpPr>
           <p:spPr>
             <a:xfrm>
-              <a:off x="4586357" y="1809805"/>
+              <a:off x="4890280" y="1809772"/>
               <a:ext cx="63202" cy="63202"/>
             </a:xfrm>
             <a:custGeom>
@@ -13707,7 +13707,7 @@
           </p:nvSpPr>
           <p:spPr>
             <a:xfrm>
-              <a:off x="5111878" y="1812598"/>
+              <a:off x="4958385" y="1812604"/>
               <a:ext cx="63202" cy="63202"/>
             </a:xfrm>
             <a:custGeom>
@@ -13750,7 +13750,7 @@
           </p:nvSpPr>
           <p:spPr>
             <a:xfrm>
-              <a:off x="5065783" y="2329350"/>
+              <a:off x="5147627" y="2329433"/>
               <a:ext cx="63202" cy="63202"/>
             </a:xfrm>
             <a:custGeom>
@@ -13793,7 +13793,7 @@
           </p:nvSpPr>
           <p:spPr>
             <a:xfrm>
-              <a:off x="5014234" y="1859709"/>
+              <a:off x="4808976" y="1859766"/>
               <a:ext cx="63202" cy="63202"/>
             </a:xfrm>
             <a:custGeom>
@@ -13836,7 +13836,7 @@
           </p:nvSpPr>
           <p:spPr>
             <a:xfrm>
-              <a:off x="4786755" y="2564352"/>
+              <a:off x="5091351" y="2564382"/>
               <a:ext cx="63202" cy="63202"/>
             </a:xfrm>
             <a:custGeom>
@@ -13879,7 +13879,7 @@
           </p:nvSpPr>
           <p:spPr>
             <a:xfrm>
-              <a:off x="4836723" y="1809963"/>
+              <a:off x="5090038" y="1809956"/>
               <a:ext cx="63202" cy="63202"/>
             </a:xfrm>
             <a:custGeom>
@@ -13922,7 +13922,7 @@
           </p:nvSpPr>
           <p:spPr>
             <a:xfrm>
-              <a:off x="5151950" y="1867117"/>
+              <a:off x="4595173" y="1867135"/>
               <a:ext cx="63202" cy="63202"/>
             </a:xfrm>
             <a:custGeom>
@@ -13965,7 +13965,7 @@
           </p:nvSpPr>
           <p:spPr>
             <a:xfrm>
-              <a:off x="5112294" y="1882957"/>
+              <a:off x="5056677" y="1882988"/>
               <a:ext cx="63202" cy="63202"/>
             </a:xfrm>
             <a:custGeom>
@@ -14008,7 +14008,7 @@
           </p:nvSpPr>
           <p:spPr>
             <a:xfrm>
-              <a:off x="4570860" y="2037263"/>
+              <a:off x="4670367" y="2037333"/>
               <a:ext cx="63202" cy="63202"/>
             </a:xfrm>
             <a:custGeom>
@@ -14051,7 +14051,7 @@
           </p:nvSpPr>
           <p:spPr>
             <a:xfrm>
-              <a:off x="4795117" y="1793999"/>
+              <a:off x="4914983" y="1794035"/>
               <a:ext cx="63202" cy="63202"/>
             </a:xfrm>
             <a:custGeom>
@@ -14094,7 +14094,7 @@
           </p:nvSpPr>
           <p:spPr>
             <a:xfrm>
-              <a:off x="5010019" y="1900056"/>
+              <a:off x="4996705" y="1900025"/>
               <a:ext cx="63202" cy="63202"/>
             </a:xfrm>
             <a:custGeom>
@@ -14137,7 +14137,7 @@
           </p:nvSpPr>
           <p:spPr>
             <a:xfrm>
-              <a:off x="4887168" y="1878060"/>
+              <a:off x="4677329" y="1878050"/>
               <a:ext cx="63202" cy="63202"/>
             </a:xfrm>
             <a:custGeom>
@@ -14236,7 +14236,7 @@
           </p:nvSpPr>
           <p:spPr>
             <a:xfrm>
-              <a:off x="4325757" y="4776090"/>
+              <a:off x="4325757" y="4776134"/>
               <a:ext cx="2796732" cy="0"/>
             </a:xfrm>
             <a:custGeom>
@@ -14279,7 +14279,7 @@
           </p:nvSpPr>
           <p:spPr>
             <a:xfrm>
-              <a:off x="4325757" y="4304065"/>
+              <a:off x="4325757" y="4304098"/>
               <a:ext cx="2796732" cy="0"/>
             </a:xfrm>
             <a:custGeom>
@@ -14322,7 +14322,7 @@
           </p:nvSpPr>
           <p:spPr>
             <a:xfrm>
-              <a:off x="4325757" y="3832039"/>
+              <a:off x="4325757" y="3832061"/>
               <a:ext cx="2796732" cy="0"/>
             </a:xfrm>
             <a:custGeom>
@@ -14365,7 +14365,7 @@
           </p:nvSpPr>
           <p:spPr>
             <a:xfrm>
-              <a:off x="4325757" y="3360013"/>
+              <a:off x="4325757" y="3360025"/>
               <a:ext cx="2796732" cy="0"/>
             </a:xfrm>
             <a:custGeom>
@@ -14408,7 +14408,7 @@
           </p:nvSpPr>
           <p:spPr>
             <a:xfrm>
-              <a:off x="4325757" y="4540077"/>
+              <a:off x="4325757" y="4540116"/>
               <a:ext cx="2796732" cy="0"/>
             </a:xfrm>
             <a:custGeom>
@@ -14451,7 +14451,7 @@
           </p:nvSpPr>
           <p:spPr>
             <a:xfrm>
-              <a:off x="4325757" y="4068052"/>
+              <a:off x="4325757" y="4068080"/>
               <a:ext cx="2796732" cy="0"/>
             </a:xfrm>
             <a:custGeom>
@@ -14494,7 +14494,7 @@
           </p:nvSpPr>
           <p:spPr>
             <a:xfrm>
-              <a:off x="4325757" y="3596026"/>
+              <a:off x="4325757" y="3596043"/>
               <a:ext cx="2796732" cy="0"/>
             </a:xfrm>
             <a:custGeom>
@@ -14666,7 +14666,7 @@
           </p:nvSpPr>
           <p:spPr>
             <a:xfrm>
-              <a:off x="5400807" y="4763281"/>
+              <a:off x="5867849" y="4763357"/>
               <a:ext cx="63202" cy="63202"/>
             </a:xfrm>
             <a:custGeom>
@@ -14709,7 +14709,7 @@
           </p:nvSpPr>
           <p:spPr>
             <a:xfrm>
-              <a:off x="4768406" y="4588821"/>
+              <a:off x="5070274" y="4588844"/>
               <a:ext cx="63202" cy="63202"/>
             </a:xfrm>
             <a:custGeom>
@@ -14752,7 +14752,7 @@
           </p:nvSpPr>
           <p:spPr>
             <a:xfrm>
-              <a:off x="4955184" y="3891041"/>
+              <a:off x="4760931" y="3891112"/>
               <a:ext cx="63202" cy="63202"/>
             </a:xfrm>
             <a:custGeom>
@@ -14795,7 +14795,7 @@
           </p:nvSpPr>
           <p:spPr>
             <a:xfrm>
-              <a:off x="6314644" y="4883747"/>
+              <a:off x="6690556" y="4883747"/>
               <a:ext cx="63202" cy="63202"/>
             </a:xfrm>
             <a:custGeom>
@@ -14894,7 +14894,7 @@
           </p:nvSpPr>
           <p:spPr>
             <a:xfrm>
-              <a:off x="4325757" y="6701423"/>
+              <a:off x="4325757" y="6701467"/>
               <a:ext cx="2796732" cy="0"/>
             </a:xfrm>
             <a:custGeom>
@@ -14937,7 +14937,7 @@
           </p:nvSpPr>
           <p:spPr>
             <a:xfrm>
-              <a:off x="4325757" y="6229397"/>
+              <a:off x="4325757" y="6229430"/>
               <a:ext cx="2796732" cy="0"/>
             </a:xfrm>
             <a:custGeom>
@@ -14980,7 +14980,7 @@
           </p:nvSpPr>
           <p:spPr>
             <a:xfrm>
-              <a:off x="4325757" y="5757372"/>
+              <a:off x="4325757" y="5757394"/>
               <a:ext cx="2796732" cy="0"/>
             </a:xfrm>
             <a:custGeom>
@@ -15023,7 +15023,7 @@
           </p:nvSpPr>
           <p:spPr>
             <a:xfrm>
-              <a:off x="4325757" y="5285346"/>
+              <a:off x="4325757" y="5285358"/>
               <a:ext cx="2796732" cy="0"/>
             </a:xfrm>
             <a:custGeom>
@@ -15066,7 +15066,7 @@
           </p:nvSpPr>
           <p:spPr>
             <a:xfrm>
-              <a:off x="4325757" y="6465410"/>
+              <a:off x="4325757" y="6465449"/>
               <a:ext cx="2796732" cy="0"/>
             </a:xfrm>
             <a:custGeom>
@@ -15109,7 +15109,7 @@
           </p:nvSpPr>
           <p:spPr>
             <a:xfrm>
-              <a:off x="4325757" y="5993384"/>
+              <a:off x="4325757" y="5993412"/>
               <a:ext cx="2796732" cy="0"/>
             </a:xfrm>
             <a:custGeom>
@@ -15152,7 +15152,7 @@
           </p:nvSpPr>
           <p:spPr>
             <a:xfrm>
-              <a:off x="4325757" y="5521359"/>
+              <a:off x="4325757" y="5521376"/>
               <a:ext cx="2796732" cy="0"/>
             </a:xfrm>
             <a:custGeom>
@@ -15324,7 +15324,7 @@
           </p:nvSpPr>
           <p:spPr>
             <a:xfrm>
-              <a:off x="4902817" y="5368762"/>
+              <a:off x="4785163" y="5368781"/>
               <a:ext cx="63202" cy="63202"/>
             </a:xfrm>
             <a:custGeom>
@@ -15367,7 +15367,7 @@
           </p:nvSpPr>
           <p:spPr>
             <a:xfrm>
-              <a:off x="4492441" y="5356664"/>
+              <a:off x="4489894" y="5356665"/>
               <a:ext cx="63202" cy="63202"/>
             </a:xfrm>
             <a:custGeom>
@@ -15410,7 +15410,7 @@
           </p:nvSpPr>
           <p:spPr>
             <a:xfrm>
-              <a:off x="4623884" y="5375238"/>
+              <a:off x="4982979" y="5375263"/>
               <a:ext cx="63202" cy="63202"/>
             </a:xfrm>
             <a:custGeom>
@@ -15453,7 +15453,7 @@
           </p:nvSpPr>
           <p:spPr>
             <a:xfrm>
-              <a:off x="4940875" y="5342690"/>
+              <a:off x="4536203" y="5342661"/>
               <a:ext cx="63202" cy="63202"/>
             </a:xfrm>
             <a:custGeom>
@@ -15496,7 +15496,7 @@
           </p:nvSpPr>
           <p:spPr>
             <a:xfrm>
-              <a:off x="5125837" y="5347773"/>
+              <a:off x="4538574" y="5347804"/>
               <a:ext cx="63202" cy="63202"/>
             </a:xfrm>
             <a:custGeom>
@@ -15539,7 +15539,7 @@
           </p:nvSpPr>
           <p:spPr>
             <a:xfrm>
-              <a:off x="5021770" y="5373897"/>
+              <a:off x="4631279" y="5373929"/>
               <a:ext cx="63202" cy="63202"/>
             </a:xfrm>
             <a:custGeom>
@@ -15582,7 +15582,7 @@
           </p:nvSpPr>
           <p:spPr>
             <a:xfrm>
-              <a:off x="5008040" y="5341994"/>
+              <a:off x="4557783" y="5342049"/>
               <a:ext cx="63202" cy="63202"/>
             </a:xfrm>
             <a:custGeom>
@@ -15625,7 +15625,7 @@
           </p:nvSpPr>
           <p:spPr>
             <a:xfrm>
-              <a:off x="4978068" y="6135207"/>
+              <a:off x="4594355" y="6135272"/>
               <a:ext cx="63202" cy="63202"/>
             </a:xfrm>
             <a:custGeom>
@@ -15668,7 +15668,7 @@
           </p:nvSpPr>
           <p:spPr>
             <a:xfrm>
-              <a:off x="4970720" y="5378926"/>
+              <a:off x="4529931" y="5378930"/>
               <a:ext cx="63202" cy="63202"/>
             </a:xfrm>
             <a:custGeom>
@@ -15711,7 +15711,7 @@
           </p:nvSpPr>
           <p:spPr>
             <a:xfrm>
-              <a:off x="4824595" y="5387796"/>
+              <a:off x="5088456" y="5387796"/>
               <a:ext cx="63202" cy="63202"/>
             </a:xfrm>
             <a:custGeom>
@@ -15754,7 +15754,7 @@
           </p:nvSpPr>
           <p:spPr>
             <a:xfrm>
-              <a:off x="5125006" y="5388548"/>
+              <a:off x="4830388" y="5388533"/>
               <a:ext cx="63202" cy="63202"/>
             </a:xfrm>
             <a:custGeom>
@@ -15797,7 +15797,7 @@
           </p:nvSpPr>
           <p:spPr>
             <a:xfrm>
-              <a:off x="4522823" y="5500270"/>
+              <a:off x="4679742" y="5500235"/>
               <a:ext cx="63202" cy="63202"/>
             </a:xfrm>
             <a:custGeom>
@@ -15840,7 +15840,7 @@
           </p:nvSpPr>
           <p:spPr>
             <a:xfrm>
-              <a:off x="5115856" y="5568044"/>
+              <a:off x="4677550" y="5568046"/>
               <a:ext cx="63202" cy="63202"/>
             </a:xfrm>
             <a:custGeom>
@@ -15883,7 +15883,7 @@
           </p:nvSpPr>
           <p:spPr>
             <a:xfrm>
-              <a:off x="4533360" y="5373642"/>
+              <a:off x="5054174" y="5373683"/>
               <a:ext cx="63202" cy="63202"/>
             </a:xfrm>
             <a:custGeom>
@@ -15926,7 +15926,7 @@
           </p:nvSpPr>
           <p:spPr>
             <a:xfrm>
-              <a:off x="4608324" y="5373071"/>
+              <a:off x="4917239" y="5373122"/>
               <a:ext cx="63202" cy="63202"/>
             </a:xfrm>
             <a:custGeom>
@@ -15969,7 +15969,7 @@
           </p:nvSpPr>
           <p:spPr>
             <a:xfrm>
-              <a:off x="4987247" y="5332548"/>
+              <a:off x="5035580" y="5332603"/>
               <a:ext cx="63202" cy="63202"/>
             </a:xfrm>
             <a:custGeom>
@@ -16012,7 +16012,7 @@
           </p:nvSpPr>
           <p:spPr>
             <a:xfrm>
-              <a:off x="5101282" y="5381563"/>
+              <a:off x="5146234" y="5381619"/>
               <a:ext cx="63202" cy="63202"/>
             </a:xfrm>
             <a:custGeom>
@@ -16055,7 +16055,7 @@
           </p:nvSpPr>
           <p:spPr>
             <a:xfrm>
-              <a:off x="4906752" y="5317369"/>
+              <a:off x="4915092" y="5317369"/>
               <a:ext cx="63202" cy="63202"/>
             </a:xfrm>
             <a:custGeom>
@@ -16098,7 +16098,7 @@
           </p:nvSpPr>
           <p:spPr>
             <a:xfrm>
-              <a:off x="5075195" y="5371403"/>
+              <a:off x="4516364" y="5371357"/>
               <a:ext cx="63202" cy="63202"/>
             </a:xfrm>
             <a:custGeom>
@@ -16141,7 +16141,7 @@
           </p:nvSpPr>
           <p:spPr>
             <a:xfrm>
-              <a:off x="4828464" y="5342409"/>
+              <a:off x="4528830" y="5342429"/>
               <a:ext cx="63202" cy="63202"/>
             </a:xfrm>
             <a:custGeom>
@@ -16184,7 +16184,7 @@
           </p:nvSpPr>
           <p:spPr>
             <a:xfrm>
-              <a:off x="5113212" y="5829512"/>
+              <a:off x="4851084" y="5829568"/>
               <a:ext cx="63202" cy="63202"/>
             </a:xfrm>
             <a:custGeom>
@@ -16227,7 +16227,7 @@
           </p:nvSpPr>
           <p:spPr>
             <a:xfrm>
-              <a:off x="5153746" y="5496336"/>
+              <a:off x="4877892" y="5496364"/>
               <a:ext cx="63202" cy="63202"/>
             </a:xfrm>
             <a:custGeom>
@@ -16270,7 +16270,7 @@
           </p:nvSpPr>
           <p:spPr>
             <a:xfrm>
-              <a:off x="4677960" y="5370587"/>
+              <a:off x="5138148" y="5370634"/>
               <a:ext cx="63202" cy="63202"/>
             </a:xfrm>
             <a:custGeom>
@@ -16313,7 +16313,7 @@
           </p:nvSpPr>
           <p:spPr>
             <a:xfrm>
-              <a:off x="5113843" y="5338349"/>
+              <a:off x="4957125" y="5338356"/>
               <a:ext cx="63202" cy="63202"/>
             </a:xfrm>
             <a:custGeom>
@@ -16356,7 +16356,7 @@
           </p:nvSpPr>
           <p:spPr>
             <a:xfrm>
-              <a:off x="4760436" y="5347141"/>
+              <a:off x="4589670" y="5347130"/>
               <a:ext cx="63202" cy="63202"/>
             </a:xfrm>
             <a:custGeom>
@@ -16399,7 +16399,7 @@
           </p:nvSpPr>
           <p:spPr>
             <a:xfrm>
-              <a:off x="4818039" y="5358254"/>
+              <a:off x="4772132" y="5358260"/>
               <a:ext cx="63202" cy="63202"/>
             </a:xfrm>
             <a:custGeom>
@@ -16442,7 +16442,7 @@
           </p:nvSpPr>
           <p:spPr>
             <a:xfrm>
-              <a:off x="5083693" y="5387893"/>
+              <a:off x="4685969" y="5387900"/>
               <a:ext cx="63202" cy="63202"/>
             </a:xfrm>
             <a:custGeom>
@@ -16485,7 +16485,7 @@
           </p:nvSpPr>
           <p:spPr>
             <a:xfrm>
-              <a:off x="4899207" y="5380813"/>
+              <a:off x="4879370" y="5380854"/>
               <a:ext cx="63202" cy="63202"/>
             </a:xfrm>
             <a:custGeom>
@@ -16528,7 +16528,7 @@
           </p:nvSpPr>
           <p:spPr>
             <a:xfrm>
-              <a:off x="4564464" y="5352492"/>
+              <a:off x="4496470" y="5352475"/>
               <a:ext cx="63202" cy="63202"/>
             </a:xfrm>
             <a:custGeom>
@@ -16571,7 +16571,7 @@
           </p:nvSpPr>
           <p:spPr>
             <a:xfrm>
-              <a:off x="4512651" y="5378863"/>
+              <a:off x="4855654" y="5378867"/>
               <a:ext cx="63202" cy="63202"/>
             </a:xfrm>
             <a:custGeom>
@@ -16614,7 +16614,7 @@
           </p:nvSpPr>
           <p:spPr>
             <a:xfrm>
-              <a:off x="4476977" y="5366114"/>
+              <a:off x="4865270" y="5366102"/>
               <a:ext cx="63202" cy="63202"/>
             </a:xfrm>
             <a:custGeom>
@@ -16657,7 +16657,7 @@
           </p:nvSpPr>
           <p:spPr>
             <a:xfrm>
-              <a:off x="4812345" y="5333247"/>
+              <a:off x="4595001" y="5333213"/>
               <a:ext cx="63202" cy="63202"/>
             </a:xfrm>
             <a:custGeom>
@@ -16700,7 +16700,7 @@
           </p:nvSpPr>
           <p:spPr>
             <a:xfrm>
-              <a:off x="4663260" y="5334937"/>
+              <a:off x="4953138" y="5334943"/>
               <a:ext cx="63202" cy="63202"/>
             </a:xfrm>
             <a:custGeom>
@@ -16743,7 +16743,7 @@
           </p:nvSpPr>
           <p:spPr>
             <a:xfrm>
-              <a:off x="5042849" y="5342007"/>
+              <a:off x="4786495" y="5342036"/>
               <a:ext cx="63202" cy="63202"/>
             </a:xfrm>
             <a:custGeom>
@@ -16786,7 +16786,7 @@
           </p:nvSpPr>
           <p:spPr>
             <a:xfrm>
-              <a:off x="4591778" y="5372797"/>
+              <a:off x="4669959" y="5372834"/>
               <a:ext cx="63202" cy="63202"/>
             </a:xfrm>
             <a:custGeom>
@@ -16829,7 +16829,7 @@
           </p:nvSpPr>
           <p:spPr>
             <a:xfrm>
-              <a:off x="5124667" y="5381631"/>
+              <a:off x="4846624" y="5381678"/>
               <a:ext cx="63202" cy="63202"/>
             </a:xfrm>
             <a:custGeom>
@@ -16872,7 +16872,7 @@
           </p:nvSpPr>
           <p:spPr>
             <a:xfrm>
-              <a:off x="5109685" y="5370927"/>
+              <a:off x="4801852" y="5370916"/>
               <a:ext cx="63202" cy="63202"/>
             </a:xfrm>
             <a:custGeom>
@@ -16915,7 +16915,7 @@
           </p:nvSpPr>
           <p:spPr>
             <a:xfrm>
-              <a:off x="4784618" y="5334940"/>
+              <a:off x="5084878" y="5334935"/>
               <a:ext cx="63202" cy="63202"/>
             </a:xfrm>
             <a:custGeom>
@@ -16958,7 +16958,7 @@
           </p:nvSpPr>
           <p:spPr>
             <a:xfrm>
-              <a:off x="4782427" y="5379375"/>
+              <a:off x="5112409" y="5379444"/>
               <a:ext cx="63202" cy="63202"/>
             </a:xfrm>
             <a:custGeom>
@@ -17001,7 +17001,7 @@
           </p:nvSpPr>
           <p:spPr>
             <a:xfrm>
-              <a:off x="4914360" y="5475138"/>
+              <a:off x="4963284" y="5475143"/>
               <a:ext cx="63202" cy="63202"/>
             </a:xfrm>
             <a:custGeom>
@@ -17044,7 +17044,7 @@
           </p:nvSpPr>
           <p:spPr>
             <a:xfrm>
-              <a:off x="5017024" y="5349920"/>
+              <a:off x="4744314" y="5349981"/>
               <a:ext cx="63202" cy="63202"/>
             </a:xfrm>
             <a:custGeom>
@@ -17087,7 +17087,7 @@
           </p:nvSpPr>
           <p:spPr>
             <a:xfrm>
-              <a:off x="4575619" y="5341632"/>
+              <a:off x="4575269" y="5341637"/>
               <a:ext cx="63202" cy="63202"/>
             </a:xfrm>
             <a:custGeom>
@@ -17130,7 +17130,7 @@
           </p:nvSpPr>
           <p:spPr>
             <a:xfrm>
-              <a:off x="4476195" y="5361056"/>
+              <a:off x="5048840" y="5361099"/>
               <a:ext cx="63202" cy="63202"/>
             </a:xfrm>
             <a:custGeom>
@@ -17173,7 +17173,7 @@
           </p:nvSpPr>
           <p:spPr>
             <a:xfrm>
-              <a:off x="4539142" y="5384378"/>
+              <a:off x="4955122" y="5384401"/>
               <a:ext cx="63202" cy="63202"/>
             </a:xfrm>
             <a:custGeom>
@@ -17216,7 +17216,7 @@
           </p:nvSpPr>
           <p:spPr>
             <a:xfrm>
-              <a:off x="4598047" y="5372782"/>
+              <a:off x="4899904" y="5372835"/>
               <a:ext cx="63202" cy="63202"/>
             </a:xfrm>
             <a:custGeom>
@@ -17259,7 +17259,7 @@
           </p:nvSpPr>
           <p:spPr>
             <a:xfrm>
-              <a:off x="4561504" y="5360412"/>
+              <a:off x="5059848" y="5360450"/>
               <a:ext cx="63202" cy="63202"/>
             </a:xfrm>
             <a:custGeom>
@@ -17302,7 +17302,7 @@
           </p:nvSpPr>
           <p:spPr>
             <a:xfrm>
-              <a:off x="4793684" y="5423388"/>
+              <a:off x="4672234" y="5423379"/>
               <a:ext cx="63202" cy="63202"/>
             </a:xfrm>
             <a:custGeom>
@@ -17345,7 +17345,7 @@
           </p:nvSpPr>
           <p:spPr>
             <a:xfrm>
-              <a:off x="4671952" y="5331338"/>
+              <a:off x="4732843" y="5331350"/>
               <a:ext cx="63202" cy="63202"/>
             </a:xfrm>
             <a:custGeom>
@@ -17388,7 +17388,7 @@
           </p:nvSpPr>
           <p:spPr>
             <a:xfrm>
-              <a:off x="4978726" y="5395050"/>
+              <a:off x="4978656" y="5395095"/>
               <a:ext cx="63202" cy="63202"/>
             </a:xfrm>
             <a:custGeom>
@@ -17431,7 +17431,7 @@
           </p:nvSpPr>
           <p:spPr>
             <a:xfrm>
-              <a:off x="5133440" y="5332686"/>
+              <a:off x="4936448" y="5332688"/>
               <a:ext cx="63202" cy="63202"/>
             </a:xfrm>
             <a:custGeom>
@@ -17474,7 +17474,7 @@
           </p:nvSpPr>
           <p:spPr>
             <a:xfrm>
-              <a:off x="5097650" y="5395336"/>
+              <a:off x="4978752" y="5395398"/>
               <a:ext cx="63202" cy="63202"/>
             </a:xfrm>
             <a:custGeom>
@@ -17517,7 +17517,7 @@
           </p:nvSpPr>
           <p:spPr>
             <a:xfrm>
-              <a:off x="5036568" y="5351363"/>
+              <a:off x="4756994" y="5351363"/>
               <a:ext cx="63202" cy="63202"/>
             </a:xfrm>
             <a:custGeom>
@@ -17560,7 +17560,7 @@
           </p:nvSpPr>
           <p:spPr>
             <a:xfrm>
-              <a:off x="5126660" y="5970498"/>
+              <a:off x="5111191" y="5970474"/>
               <a:ext cx="63202" cy="63202"/>
             </a:xfrm>
             <a:custGeom>
@@ -17603,7 +17603,7 @@
           </p:nvSpPr>
           <p:spPr>
             <a:xfrm>
-              <a:off x="4536382" y="5337890"/>
+              <a:off x="4755820" y="5337883"/>
               <a:ext cx="63202" cy="63202"/>
             </a:xfrm>
             <a:custGeom>
@@ -17646,7 +17646,7 @@
           </p:nvSpPr>
           <p:spPr>
             <a:xfrm>
-              <a:off x="4658216" y="5347646"/>
+              <a:off x="5084663" y="5347686"/>
               <a:ext cx="63202" cy="63202"/>
             </a:xfrm>
             <a:custGeom>
@@ -17689,7 +17689,7 @@
           </p:nvSpPr>
           <p:spPr>
             <a:xfrm>
-              <a:off x="5095903" y="5327466"/>
+              <a:off x="4547684" y="5327485"/>
               <a:ext cx="63202" cy="63202"/>
             </a:xfrm>
             <a:custGeom>
@@ -17732,7 +17732,7 @@
           </p:nvSpPr>
           <p:spPr>
             <a:xfrm>
-              <a:off x="4820699" y="6267012"/>
+              <a:off x="4544055" y="6267013"/>
               <a:ext cx="63202" cy="63202"/>
             </a:xfrm>
             <a:custGeom>
@@ -17775,7 +17775,7 @@
           </p:nvSpPr>
           <p:spPr>
             <a:xfrm>
-              <a:off x="4615117" y="5343841"/>
+              <a:off x="4725368" y="5343840"/>
               <a:ext cx="63202" cy="63202"/>
             </a:xfrm>
             <a:custGeom>
@@ -17818,7 +17818,7 @@
           </p:nvSpPr>
           <p:spPr>
             <a:xfrm>
-              <a:off x="4993316" y="5343779"/>
+              <a:off x="4992410" y="5343819"/>
               <a:ext cx="63202" cy="63202"/>
             </a:xfrm>
             <a:custGeom>
@@ -17861,7 +17861,7 @@
           </p:nvSpPr>
           <p:spPr>
             <a:xfrm>
-              <a:off x="4651210" y="5371781"/>
+              <a:off x="4487703" y="5371782"/>
               <a:ext cx="63202" cy="63202"/>
             </a:xfrm>
             <a:custGeom>
@@ -17904,7 +17904,7 @@
           </p:nvSpPr>
           <p:spPr>
             <a:xfrm>
-              <a:off x="4489612" y="5362985"/>
+              <a:off x="5086869" y="5362999"/>
               <a:ext cx="63202" cy="63202"/>
             </a:xfrm>
             <a:custGeom>
@@ -17947,7 +17947,7 @@
           </p:nvSpPr>
           <p:spPr>
             <a:xfrm>
-              <a:off x="4511509" y="5371178"/>
+              <a:off x="4509123" y="5371166"/>
               <a:ext cx="63202" cy="63202"/>
             </a:xfrm>
             <a:custGeom>
@@ -17990,7 +17990,7 @@
           </p:nvSpPr>
           <p:spPr>
             <a:xfrm>
-              <a:off x="4513050" y="5593250"/>
+              <a:off x="4872209" y="5593235"/>
               <a:ext cx="63202" cy="63202"/>
             </a:xfrm>
             <a:custGeom>
@@ -18033,7 +18033,7 @@
           </p:nvSpPr>
           <p:spPr>
             <a:xfrm>
-              <a:off x="4682829" y="5670165"/>
+              <a:off x="4542014" y="5670211"/>
               <a:ext cx="63202" cy="63202"/>
             </a:xfrm>
             <a:custGeom>
@@ -18076,7 +18076,7 @@
           </p:nvSpPr>
           <p:spPr>
             <a:xfrm>
-              <a:off x="4880974" y="5347516"/>
+              <a:off x="5062772" y="5347499"/>
               <a:ext cx="63202" cy="63202"/>
             </a:xfrm>
             <a:custGeom>
@@ -18119,7 +18119,7 @@
           </p:nvSpPr>
           <p:spPr>
             <a:xfrm>
-              <a:off x="4714096" y="6217599"/>
+              <a:off x="4883131" y="6217623"/>
               <a:ext cx="63202" cy="63202"/>
             </a:xfrm>
             <a:custGeom>
@@ -18162,7 +18162,7 @@
           </p:nvSpPr>
           <p:spPr>
             <a:xfrm>
-              <a:off x="5045022" y="5395083"/>
+              <a:off x="4621339" y="5395082"/>
               <a:ext cx="63202" cy="63202"/>
             </a:xfrm>
             <a:custGeom>
@@ -18205,7 +18205,7 @@
           </p:nvSpPr>
           <p:spPr>
             <a:xfrm>
-              <a:off x="5150541" y="5421716"/>
+              <a:off x="4478977" y="5421711"/>
               <a:ext cx="63202" cy="63202"/>
             </a:xfrm>
             <a:custGeom>
@@ -18248,7 +18248,7 @@
           </p:nvSpPr>
           <p:spPr>
             <a:xfrm>
-              <a:off x="4767744" y="5337746"/>
+              <a:off x="4575403" y="5337746"/>
               <a:ext cx="63202" cy="63202"/>
             </a:xfrm>
             <a:custGeom>
@@ -18291,7 +18291,7 @@
           </p:nvSpPr>
           <p:spPr>
             <a:xfrm>
-              <a:off x="4803179" y="5372476"/>
+              <a:off x="4974027" y="5372493"/>
               <a:ext cx="63202" cy="63202"/>
             </a:xfrm>
             <a:custGeom>
@@ -18334,7 +18334,7 @@
           </p:nvSpPr>
           <p:spPr>
             <a:xfrm>
-              <a:off x="4706565" y="5367615"/>
+              <a:off x="4777453" y="5367615"/>
               <a:ext cx="63202" cy="63202"/>
             </a:xfrm>
             <a:custGeom>
@@ -18377,7 +18377,7 @@
           </p:nvSpPr>
           <p:spPr>
             <a:xfrm>
-              <a:off x="5092787" y="5330952"/>
+              <a:off x="5083189" y="5330971"/>
               <a:ext cx="63202" cy="63202"/>
             </a:xfrm>
             <a:custGeom>
@@ -18420,7 +18420,7 @@
           </p:nvSpPr>
           <p:spPr>
             <a:xfrm>
-              <a:off x="4898977" y="5824390"/>
+              <a:off x="4558199" y="5824424"/>
               <a:ext cx="63202" cy="63202"/>
             </a:xfrm>
             <a:custGeom>
@@ -18463,7 +18463,7 @@
           </p:nvSpPr>
           <p:spPr>
             <a:xfrm>
-              <a:off x="4656371" y="5336724"/>
+              <a:off x="4514464" y="5336733"/>
               <a:ext cx="63202" cy="63202"/>
             </a:xfrm>
             <a:custGeom>
@@ -18506,7 +18506,7 @@
           </p:nvSpPr>
           <p:spPr>
             <a:xfrm>
-              <a:off x="4725057" y="5358947"/>
+              <a:off x="4765687" y="5358939"/>
               <a:ext cx="63202" cy="63202"/>
             </a:xfrm>
             <a:custGeom>
@@ -18549,7 +18549,7 @@
           </p:nvSpPr>
           <p:spPr>
             <a:xfrm>
-              <a:off x="4857104" y="5423428"/>
+              <a:off x="4954500" y="5423417"/>
               <a:ext cx="63202" cy="63202"/>
             </a:xfrm>
             <a:custGeom>
@@ -18592,7 +18592,7 @@
           </p:nvSpPr>
           <p:spPr>
             <a:xfrm>
-              <a:off x="4982993" y="5364847"/>
+              <a:off x="5125699" y="5364910"/>
               <a:ext cx="63202" cy="63202"/>
             </a:xfrm>
             <a:custGeom>
@@ -18635,7 +18635,7 @@
           </p:nvSpPr>
           <p:spPr>
             <a:xfrm>
-              <a:off x="4751860" y="5362096"/>
+              <a:off x="5103173" y="5362166"/>
               <a:ext cx="63202" cy="63202"/>
             </a:xfrm>
             <a:custGeom>
@@ -18678,7 +18678,7 @@
           </p:nvSpPr>
           <p:spPr>
             <a:xfrm>
-              <a:off x="5110518" y="5365490"/>
+              <a:off x="4808917" y="5365527"/>
               <a:ext cx="63202" cy="63202"/>
             </a:xfrm>
             <a:custGeom>
@@ -18721,7 +18721,7 @@
           </p:nvSpPr>
           <p:spPr>
             <a:xfrm>
-              <a:off x="5131759" y="5369872"/>
+              <a:off x="4751470" y="5369884"/>
               <a:ext cx="63202" cy="63202"/>
             </a:xfrm>
             <a:custGeom>
@@ -18764,7 +18764,7 @@
           </p:nvSpPr>
           <p:spPr>
             <a:xfrm>
-              <a:off x="4677586" y="5381566"/>
+              <a:off x="4910142" y="5381589"/>
               <a:ext cx="63202" cy="63202"/>
             </a:xfrm>
             <a:custGeom>
@@ -18807,7 +18807,7 @@
           </p:nvSpPr>
           <p:spPr>
             <a:xfrm>
-              <a:off x="4682741" y="5367376"/>
+              <a:off x="5039606" y="5367444"/>
               <a:ext cx="63202" cy="63202"/>
             </a:xfrm>
             <a:custGeom>
@@ -18850,7 +18850,7 @@
           </p:nvSpPr>
           <p:spPr>
             <a:xfrm>
-              <a:off x="5011962" y="6265802"/>
+              <a:off x="4535388" y="6265778"/>
               <a:ext cx="63202" cy="63202"/>
             </a:xfrm>
             <a:custGeom>
@@ -18893,7 +18893,7 @@
           </p:nvSpPr>
           <p:spPr>
             <a:xfrm>
-              <a:off x="5072847" y="5379984"/>
+              <a:off x="4935394" y="5379971"/>
               <a:ext cx="63202" cy="63202"/>
             </a:xfrm>
             <a:custGeom>
@@ -18936,7 +18936,7 @@
           </p:nvSpPr>
           <p:spPr>
             <a:xfrm>
-              <a:off x="6020886" y="6644142"/>
+              <a:off x="5696778" y="6644222"/>
               <a:ext cx="63202" cy="63202"/>
             </a:xfrm>
             <a:custGeom>
@@ -18979,7 +18979,7 @@
           </p:nvSpPr>
           <p:spPr>
             <a:xfrm>
-              <a:off x="5112627" y="5847372"/>
+              <a:off x="4869612" y="5847415"/>
               <a:ext cx="63202" cy="63202"/>
             </a:xfrm>
             <a:custGeom>
@@ -19022,7 +19022,7 @@
           </p:nvSpPr>
           <p:spPr>
             <a:xfrm>
-              <a:off x="4672335" y="5374512"/>
+              <a:off x="4750094" y="5374527"/>
               <a:ext cx="63202" cy="63202"/>
             </a:xfrm>
             <a:custGeom>
@@ -19065,7 +19065,7 @@
           </p:nvSpPr>
           <p:spPr>
             <a:xfrm>
-              <a:off x="4780966" y="5360687"/>
+              <a:off x="4958213" y="5360741"/>
               <a:ext cx="63202" cy="63202"/>
             </a:xfrm>
             <a:custGeom>
@@ -19108,7 +19108,7 @@
           </p:nvSpPr>
           <p:spPr>
             <a:xfrm>
-              <a:off x="4764245" y="5362652"/>
+              <a:off x="5047941" y="5362709"/>
               <a:ext cx="63202" cy="63202"/>
             </a:xfrm>
             <a:custGeom>
@@ -19151,7 +19151,7 @@
           </p:nvSpPr>
           <p:spPr>
             <a:xfrm>
-              <a:off x="5124215" y="5382256"/>
+              <a:off x="4998356" y="5382253"/>
               <a:ext cx="63202" cy="63202"/>
             </a:xfrm>
             <a:custGeom>
@@ -19194,7 +19194,7 @@
           </p:nvSpPr>
           <p:spPr>
             <a:xfrm>
-              <a:off x="4772714" y="5390809"/>
+              <a:off x="4949071" y="5390826"/>
               <a:ext cx="63202" cy="63202"/>
             </a:xfrm>
             <a:custGeom>
@@ -19237,7 +19237,7 @@
           </p:nvSpPr>
           <p:spPr>
             <a:xfrm>
-              <a:off x="5047685" y="5371401"/>
+              <a:off x="4884809" y="5371362"/>
               <a:ext cx="63202" cy="63202"/>
             </a:xfrm>
             <a:custGeom>
@@ -19280,7 +19280,7 @@
           </p:nvSpPr>
           <p:spPr>
             <a:xfrm>
-              <a:off x="4479786" y="5375685"/>
+              <a:off x="4983596" y="5375702"/>
               <a:ext cx="63202" cy="63202"/>
             </a:xfrm>
             <a:custGeom>
@@ -19323,7 +19323,7 @@
           </p:nvSpPr>
           <p:spPr>
             <a:xfrm>
-              <a:off x="4567296" y="5367877"/>
+              <a:off x="4628437" y="5367916"/>
               <a:ext cx="63202" cy="63202"/>
             </a:xfrm>
             <a:custGeom>
@@ -19366,7 +19366,7 @@
           </p:nvSpPr>
           <p:spPr>
             <a:xfrm>
-              <a:off x="4506803" y="5337667"/>
+              <a:off x="4649823" y="5337667"/>
               <a:ext cx="63202" cy="63202"/>
             </a:xfrm>
             <a:custGeom>
@@ -19409,7 +19409,7 @@
           </p:nvSpPr>
           <p:spPr>
             <a:xfrm>
-              <a:off x="4579110" y="5352852"/>
+              <a:off x="4973993" y="5352863"/>
               <a:ext cx="63202" cy="63202"/>
             </a:xfrm>
             <a:custGeom>
@@ -19452,7 +19452,7 @@
           </p:nvSpPr>
           <p:spPr>
             <a:xfrm>
-              <a:off x="4998257" y="5349940"/>
+              <a:off x="4676271" y="5349952"/>
               <a:ext cx="63202" cy="63202"/>
             </a:xfrm>
             <a:custGeom>
@@ -19495,7 +19495,7 @@
           </p:nvSpPr>
           <p:spPr>
             <a:xfrm>
-              <a:off x="4729148" y="5428419"/>
+              <a:off x="5081244" y="5428424"/>
               <a:ext cx="63202" cy="63202"/>
             </a:xfrm>
             <a:custGeom>
@@ -19538,7 +19538,7 @@
           </p:nvSpPr>
           <p:spPr>
             <a:xfrm>
-              <a:off x="4929530" y="5360649"/>
+              <a:off x="4927794" y="5360597"/>
               <a:ext cx="63202" cy="63202"/>
             </a:xfrm>
             <a:custGeom>
@@ -19581,7 +19581,7 @@
           </p:nvSpPr>
           <p:spPr>
             <a:xfrm>
-              <a:off x="4603574" y="5919843"/>
+              <a:off x="4759308" y="5919902"/>
               <a:ext cx="63202" cy="63202"/>
             </a:xfrm>
             <a:custGeom>
@@ -19624,7 +19624,7 @@
           </p:nvSpPr>
           <p:spPr>
             <a:xfrm>
-              <a:off x="4576458" y="5388282"/>
+              <a:off x="5027240" y="5388306"/>
               <a:ext cx="63202" cy="63202"/>
             </a:xfrm>
             <a:custGeom>
@@ -19667,7 +19667,7 @@
           </p:nvSpPr>
           <p:spPr>
             <a:xfrm>
-              <a:off x="5026551" y="5372252"/>
+              <a:off x="5054028" y="5372221"/>
               <a:ext cx="63202" cy="63202"/>
             </a:xfrm>
             <a:custGeom>
@@ -19710,7 +19710,7 @@
           </p:nvSpPr>
           <p:spPr>
             <a:xfrm>
-              <a:off x="4635273" y="5438768"/>
+              <a:off x="5003777" y="5438759"/>
               <a:ext cx="63202" cy="63202"/>
             </a:xfrm>
             <a:custGeom>
@@ -19753,7 +19753,7 @@
           </p:nvSpPr>
           <p:spPr>
             <a:xfrm>
-              <a:off x="4831756" y="5348985"/>
+              <a:off x="4955439" y="5349034"/>
               <a:ext cx="63202" cy="63202"/>
             </a:xfrm>
             <a:custGeom>
@@ -19796,7 +19796,7 @@
           </p:nvSpPr>
           <p:spPr>
             <a:xfrm>
-              <a:off x="5080393" y="5346245"/>
+              <a:off x="4895679" y="5346298"/>
               <a:ext cx="63202" cy="63202"/>
             </a:xfrm>
             <a:custGeom>
@@ -19839,7 +19839,7 @@
           </p:nvSpPr>
           <p:spPr>
             <a:xfrm>
-              <a:off x="5993552" y="6666326"/>
+              <a:off x="5456182" y="6666381"/>
               <a:ext cx="63202" cy="63202"/>
             </a:xfrm>
             <a:custGeom>
@@ -19882,7 +19882,7 @@
           </p:nvSpPr>
           <p:spPr>
             <a:xfrm>
-              <a:off x="4640478" y="5474683"/>
+              <a:off x="4498452" y="5474698"/>
               <a:ext cx="63202" cy="63202"/>
             </a:xfrm>
             <a:custGeom>
@@ -19925,7 +19925,7 @@
           </p:nvSpPr>
           <p:spPr>
             <a:xfrm>
-              <a:off x="4665874" y="5382739"/>
+              <a:off x="5016600" y="5382727"/>
               <a:ext cx="63202" cy="63202"/>
             </a:xfrm>
             <a:custGeom>
@@ -19968,7 +19968,7 @@
           </p:nvSpPr>
           <p:spPr>
             <a:xfrm>
-              <a:off x="4825143" y="5963867"/>
+              <a:off x="4543063" y="5963912"/>
               <a:ext cx="63202" cy="63202"/>
             </a:xfrm>
             <a:custGeom>
@@ -20011,7 +20011,7 @@
           </p:nvSpPr>
           <p:spPr>
             <a:xfrm>
-              <a:off x="4724936" y="5331217"/>
+              <a:off x="4949273" y="5331241"/>
               <a:ext cx="63202" cy="63202"/>
             </a:xfrm>
             <a:custGeom>
@@ -20054,7 +20054,7 @@
           </p:nvSpPr>
           <p:spPr>
             <a:xfrm>
-              <a:off x="5015051" y="5334963"/>
+              <a:off x="4843906" y="5334909"/>
               <a:ext cx="63202" cy="63202"/>
             </a:xfrm>
             <a:custGeom>
@@ -20097,7 +20097,7 @@
           </p:nvSpPr>
           <p:spPr>
             <a:xfrm>
-              <a:off x="4685997" y="5333633"/>
+              <a:off x="5155245" y="5333634"/>
               <a:ext cx="63202" cy="63202"/>
             </a:xfrm>
             <a:custGeom>
@@ -20140,7 +20140,7 @@
           </p:nvSpPr>
           <p:spPr>
             <a:xfrm>
-              <a:off x="4514270" y="5338831"/>
+              <a:off x="5163614" y="5338825"/>
               <a:ext cx="63202" cy="63202"/>
             </a:xfrm>
             <a:custGeom>
@@ -20183,7 +20183,7 @@
           </p:nvSpPr>
           <p:spPr>
             <a:xfrm>
-              <a:off x="4501547" y="5357126"/>
+              <a:off x="5099031" y="5357118"/>
               <a:ext cx="63202" cy="63202"/>
             </a:xfrm>
             <a:custGeom>
@@ -20226,7 +20226,7 @@
           </p:nvSpPr>
           <p:spPr>
             <a:xfrm>
-              <a:off x="5077600" y="5421575"/>
+              <a:off x="4960010" y="5421646"/>
               <a:ext cx="63202" cy="63202"/>
             </a:xfrm>
             <a:custGeom>
@@ -20269,7 +20269,7 @@
           </p:nvSpPr>
           <p:spPr>
             <a:xfrm>
-              <a:off x="5018631" y="5323259"/>
+              <a:off x="4544569" y="5323251"/>
               <a:ext cx="63202" cy="63202"/>
             </a:xfrm>
             <a:custGeom>
@@ -20312,7 +20312,7 @@
           </p:nvSpPr>
           <p:spPr>
             <a:xfrm>
-              <a:off x="5004794" y="5379378"/>
+              <a:off x="4662817" y="5379391"/>
               <a:ext cx="63202" cy="63202"/>
             </a:xfrm>
             <a:custGeom>
@@ -20355,7 +20355,7 @@
           </p:nvSpPr>
           <p:spPr>
             <a:xfrm>
-              <a:off x="4493170" y="5320599"/>
+              <a:off x="5147361" y="5320620"/>
               <a:ext cx="63202" cy="63202"/>
             </a:xfrm>
             <a:custGeom>
@@ -20398,7 +20398,7 @@
           </p:nvSpPr>
           <p:spPr>
             <a:xfrm>
-              <a:off x="4956377" y="5339753"/>
+              <a:off x="4690829" y="5339768"/>
               <a:ext cx="63202" cy="63202"/>
             </a:xfrm>
             <a:custGeom>
@@ -20441,7 +20441,7 @@
           </p:nvSpPr>
           <p:spPr>
             <a:xfrm>
-              <a:off x="4934630" y="5379853"/>
+              <a:off x="4636372" y="5379856"/>
               <a:ext cx="63202" cy="63202"/>
             </a:xfrm>
             <a:custGeom>
@@ -20484,7 +20484,7 @@
           </p:nvSpPr>
           <p:spPr>
             <a:xfrm>
-              <a:off x="4806437" y="5356723"/>
+              <a:off x="4718584" y="5356718"/>
               <a:ext cx="63202" cy="63202"/>
             </a:xfrm>
             <a:custGeom>
@@ -20527,7 +20527,7 @@
           </p:nvSpPr>
           <p:spPr>
             <a:xfrm>
-              <a:off x="4521162" y="6155903"/>
+              <a:off x="4923442" y="6155897"/>
               <a:ext cx="63202" cy="63202"/>
             </a:xfrm>
             <a:custGeom>
@@ -20570,7 +20570,7 @@
           </p:nvSpPr>
           <p:spPr>
             <a:xfrm>
-              <a:off x="4487427" y="5635045"/>
+              <a:off x="4892242" y="5635037"/>
               <a:ext cx="63202" cy="63202"/>
             </a:xfrm>
             <a:custGeom>
@@ -20613,7 +20613,7 @@
           </p:nvSpPr>
           <p:spPr>
             <a:xfrm>
-              <a:off x="4770909" y="5347358"/>
+              <a:off x="4508370" y="5347403"/>
               <a:ext cx="63202" cy="63202"/>
             </a:xfrm>
             <a:custGeom>
@@ -20656,7 +20656,7 @@
           </p:nvSpPr>
           <p:spPr>
             <a:xfrm>
-              <a:off x="4524102" y="5342858"/>
+              <a:off x="5127237" y="5342857"/>
               <a:ext cx="63202" cy="63202"/>
             </a:xfrm>
             <a:custGeom>
@@ -20699,7 +20699,7 @@
           </p:nvSpPr>
           <p:spPr>
             <a:xfrm>
-              <a:off x="4556261" y="5408019"/>
+              <a:off x="5075352" y="5408014"/>
               <a:ext cx="63202" cy="63202"/>
             </a:xfrm>
             <a:custGeom>
@@ -20742,7 +20742,7 @@
           </p:nvSpPr>
           <p:spPr>
             <a:xfrm>
-              <a:off x="4652368" y="5382303"/>
+              <a:off x="4620608" y="5382325"/>
               <a:ext cx="63202" cy="63202"/>
             </a:xfrm>
             <a:custGeom>
@@ -20785,7 +20785,7 @@
           </p:nvSpPr>
           <p:spPr>
             <a:xfrm>
-              <a:off x="4925176" y="5361067"/>
+              <a:off x="4913684" y="5361133"/>
               <a:ext cx="63202" cy="63202"/>
             </a:xfrm>
             <a:custGeom>
@@ -20828,7 +20828,7 @@
           </p:nvSpPr>
           <p:spPr>
             <a:xfrm>
-              <a:off x="4708313" y="5947991"/>
+              <a:off x="5048709" y="5948002"/>
               <a:ext cx="63202" cy="63202"/>
             </a:xfrm>
             <a:custGeom>
@@ -20871,7 +20871,7 @@
           </p:nvSpPr>
           <p:spPr>
             <a:xfrm>
-              <a:off x="5152831" y="5349752"/>
+              <a:off x="4726949" y="5349732"/>
               <a:ext cx="63202" cy="63202"/>
             </a:xfrm>
             <a:custGeom>
@@ -20914,7 +20914,7 @@
           </p:nvSpPr>
           <p:spPr>
             <a:xfrm>
-              <a:off x="5065662" y="5400231"/>
+              <a:off x="4865092" y="5400288"/>
               <a:ext cx="63202" cy="63202"/>
             </a:xfrm>
             <a:custGeom>
@@ -20957,7 +20957,7 @@
           </p:nvSpPr>
           <p:spPr>
             <a:xfrm>
-              <a:off x="4549935" y="6278991"/>
+              <a:off x="4798843" y="6279030"/>
               <a:ext cx="63202" cy="63202"/>
             </a:xfrm>
             <a:custGeom>
@@ -21000,7 +21000,7 @@
           </p:nvSpPr>
           <p:spPr>
             <a:xfrm>
-              <a:off x="4496536" y="5674133"/>
+              <a:off x="5072528" y="5674178"/>
               <a:ext cx="63202" cy="63202"/>
             </a:xfrm>
             <a:custGeom>
@@ -21043,7 +21043,7 @@
           </p:nvSpPr>
           <p:spPr>
             <a:xfrm>
-              <a:off x="4552294" y="6265426"/>
+              <a:off x="4692263" y="6265404"/>
               <a:ext cx="63202" cy="63202"/>
             </a:xfrm>
             <a:custGeom>
@@ -21086,7 +21086,7 @@
           </p:nvSpPr>
           <p:spPr>
             <a:xfrm>
-              <a:off x="4750703" y="6265887"/>
+              <a:off x="5120043" y="6265872"/>
               <a:ext cx="63202" cy="63202"/>
             </a:xfrm>
             <a:custGeom>
@@ -21129,7 +21129,7 @@
           </p:nvSpPr>
           <p:spPr>
             <a:xfrm>
-              <a:off x="5041239" y="5337601"/>
+              <a:off x="4801878" y="5337615"/>
               <a:ext cx="63202" cy="63202"/>
             </a:xfrm>
             <a:custGeom>
@@ -21172,7 +21172,7 @@
           </p:nvSpPr>
           <p:spPr>
             <a:xfrm>
-              <a:off x="5011917" y="6111504"/>
+              <a:off x="4940792" y="6111546"/>
               <a:ext cx="63202" cy="63202"/>
             </a:xfrm>
             <a:custGeom>
@@ -21215,7 +21215,7 @@
           </p:nvSpPr>
           <p:spPr>
             <a:xfrm>
-              <a:off x="4751971" y="6421664"/>
+              <a:off x="4783985" y="6421647"/>
               <a:ext cx="63202" cy="63202"/>
             </a:xfrm>
             <a:custGeom>
@@ -21258,7 +21258,7 @@
           </p:nvSpPr>
           <p:spPr>
             <a:xfrm>
-              <a:off x="4825697" y="5616106"/>
+              <a:off x="4735688" y="5616073"/>
               <a:ext cx="63202" cy="63202"/>
             </a:xfrm>
             <a:custGeom>
@@ -21301,7 +21301,7 @@
           </p:nvSpPr>
           <p:spPr>
             <a:xfrm>
-              <a:off x="4806902" y="5368480"/>
+              <a:off x="4766853" y="5368488"/>
               <a:ext cx="63202" cy="63202"/>
             </a:xfrm>
             <a:custGeom>
@@ -21344,7 +21344,7 @@
           </p:nvSpPr>
           <p:spPr>
             <a:xfrm>
-              <a:off x="4590686" y="5825757"/>
+              <a:off x="5046689" y="5825794"/>
               <a:ext cx="63202" cy="63202"/>
             </a:xfrm>
             <a:custGeom>
@@ -21387,7 +21387,7 @@
           </p:nvSpPr>
           <p:spPr>
             <a:xfrm>
-              <a:off x="5121309" y="5418840"/>
+              <a:off x="4561492" y="5418907"/>
               <a:ext cx="63202" cy="63202"/>
             </a:xfrm>
             <a:custGeom>
@@ -21430,7 +21430,7 @@
           </p:nvSpPr>
           <p:spPr>
             <a:xfrm>
-              <a:off x="4587915" y="5355252"/>
+              <a:off x="4959486" y="5355231"/>
               <a:ext cx="63202" cy="63202"/>
             </a:xfrm>
             <a:custGeom>
@@ -21473,7 +21473,7 @@
           </p:nvSpPr>
           <p:spPr>
             <a:xfrm>
-              <a:off x="5100333" y="5625063"/>
+              <a:off x="4543169" y="5625090"/>
               <a:ext cx="63202" cy="63202"/>
             </a:xfrm>
             <a:custGeom>
@@ -21516,7 +21516,7 @@
           </p:nvSpPr>
           <p:spPr>
             <a:xfrm>
-              <a:off x="4546707" y="6248142"/>
+              <a:off x="5128533" y="6248160"/>
               <a:ext cx="63202" cy="63202"/>
             </a:xfrm>
             <a:custGeom>
@@ -21559,7 +21559,7 @@
           </p:nvSpPr>
           <p:spPr>
             <a:xfrm>
-              <a:off x="4512298" y="5433990"/>
+              <a:off x="4492556" y="5433959"/>
               <a:ext cx="63202" cy="63202"/>
             </a:xfrm>
             <a:custGeom>
@@ -21602,7 +21602,7 @@
           </p:nvSpPr>
           <p:spPr>
             <a:xfrm>
-              <a:off x="4784683" y="5367946"/>
+              <a:off x="4985676" y="5368003"/>
               <a:ext cx="63202" cy="63202"/>
             </a:xfrm>
             <a:custGeom>
@@ -21645,7 +21645,7 @@
           </p:nvSpPr>
           <p:spPr>
             <a:xfrm>
-              <a:off x="5136025" y="5430547"/>
+              <a:off x="4867245" y="5430592"/>
               <a:ext cx="63202" cy="63202"/>
             </a:xfrm>
             <a:custGeom>
@@ -21688,7 +21688,7 @@
           </p:nvSpPr>
           <p:spPr>
             <a:xfrm>
-              <a:off x="4918233" y="5362179"/>
+              <a:off x="5010326" y="5362251"/>
               <a:ext cx="63202" cy="63202"/>
             </a:xfrm>
             <a:custGeom>
@@ -21731,7 +21731,7 @@
           </p:nvSpPr>
           <p:spPr>
             <a:xfrm>
-              <a:off x="4631313" y="6059806"/>
+              <a:off x="4867968" y="6059800"/>
               <a:ext cx="63202" cy="63202"/>
             </a:xfrm>
             <a:custGeom>
@@ -21774,7 +21774,7 @@
           </p:nvSpPr>
           <p:spPr>
             <a:xfrm>
-              <a:off x="4801857" y="5382289"/>
+              <a:off x="4614825" y="5382318"/>
               <a:ext cx="63202" cy="63202"/>
             </a:xfrm>
             <a:custGeom>
@@ -21817,7 +21817,7 @@
           </p:nvSpPr>
           <p:spPr>
             <a:xfrm>
-              <a:off x="4866007" y="5465492"/>
+              <a:off x="4992892" y="5465525"/>
               <a:ext cx="63202" cy="63202"/>
             </a:xfrm>
             <a:custGeom>
@@ -21860,7 +21860,7 @@
           </p:nvSpPr>
           <p:spPr>
             <a:xfrm>
-              <a:off x="4948605" y="5406578"/>
+              <a:off x="4488603" y="5406577"/>
               <a:ext cx="63202" cy="63202"/>
             </a:xfrm>
             <a:custGeom>
@@ -21903,7 +21903,7 @@
           </p:nvSpPr>
           <p:spPr>
             <a:xfrm>
-              <a:off x="4601836" y="5379008"/>
+              <a:off x="4775789" y="5379054"/>
               <a:ext cx="63202" cy="63202"/>
             </a:xfrm>
             <a:custGeom>
@@ -21946,7 +21946,7 @@
           </p:nvSpPr>
           <p:spPr>
             <a:xfrm>
-              <a:off x="5143003" y="5977165"/>
+              <a:off x="5079679" y="5977208"/>
               <a:ext cx="63202" cy="63202"/>
             </a:xfrm>
             <a:custGeom>
@@ -21989,7 +21989,7 @@
           </p:nvSpPr>
           <p:spPr>
             <a:xfrm>
-              <a:off x="5093015" y="5378292"/>
+              <a:off x="4593628" y="5378253"/>
               <a:ext cx="63202" cy="63202"/>
             </a:xfrm>
             <a:custGeom>
@@ -22032,7 +22032,7 @@
           </p:nvSpPr>
           <p:spPr>
             <a:xfrm>
-              <a:off x="5114853" y="5381647"/>
+              <a:off x="4825346" y="5381643"/>
               <a:ext cx="63202" cy="63202"/>
             </a:xfrm>
             <a:custGeom>
@@ -22075,7 +22075,7 @@
           </p:nvSpPr>
           <p:spPr>
             <a:xfrm>
-              <a:off x="4703239" y="5345708"/>
+              <a:off x="5106075" y="5345706"/>
               <a:ext cx="63202" cy="63202"/>
             </a:xfrm>
             <a:custGeom>
@@ -22118,7 +22118,7 @@
           </p:nvSpPr>
           <p:spPr>
             <a:xfrm>
-              <a:off x="4893573" y="5370216"/>
+              <a:off x="4773769" y="5370265"/>
               <a:ext cx="63202" cy="63202"/>
             </a:xfrm>
             <a:custGeom>
@@ -22161,7 +22161,7 @@
           </p:nvSpPr>
           <p:spPr>
             <a:xfrm>
-              <a:off x="4483702" y="5384082"/>
+              <a:off x="5044255" y="5384136"/>
               <a:ext cx="63202" cy="63202"/>
             </a:xfrm>
             <a:custGeom>
@@ -22204,7 +22204,7 @@
           </p:nvSpPr>
           <p:spPr>
             <a:xfrm>
-              <a:off x="4588394" y="5523533"/>
+              <a:off x="4939751" y="5523551"/>
               <a:ext cx="63202" cy="63202"/>
             </a:xfrm>
             <a:custGeom>
@@ -22247,7 +22247,7 @@
           </p:nvSpPr>
           <p:spPr>
             <a:xfrm>
-              <a:off x="4592410" y="5333120"/>
+              <a:off x="4882870" y="5333137"/>
               <a:ext cx="63202" cy="63202"/>
             </a:xfrm>
             <a:custGeom>
@@ -22290,7 +22290,7 @@
           </p:nvSpPr>
           <p:spPr>
             <a:xfrm>
-              <a:off x="4901491" y="5361820"/>
+              <a:off x="4865363" y="5361856"/>
               <a:ext cx="63202" cy="63202"/>
             </a:xfrm>
             <a:custGeom>
@@ -22333,7 +22333,7 @@
           </p:nvSpPr>
           <p:spPr>
             <a:xfrm>
-              <a:off x="4483460" y="5409722"/>
+              <a:off x="5151602" y="5409690"/>
               <a:ext cx="63202" cy="63202"/>
             </a:xfrm>
             <a:custGeom>
@@ -22376,7 +22376,7 @@
           </p:nvSpPr>
           <p:spPr>
             <a:xfrm>
-              <a:off x="4566902" y="5353901"/>
+              <a:off x="4527080" y="5353887"/>
               <a:ext cx="63202" cy="63202"/>
             </a:xfrm>
             <a:custGeom>
@@ -22419,7 +22419,7 @@
           </p:nvSpPr>
           <p:spPr>
             <a:xfrm>
-              <a:off x="4632655" y="5393401"/>
+              <a:off x="4787768" y="5393357"/>
               <a:ext cx="63202" cy="63202"/>
             </a:xfrm>
             <a:custGeom>
@@ -22462,7 +22462,7 @@
           </p:nvSpPr>
           <p:spPr>
             <a:xfrm>
-              <a:off x="4624580" y="5369831"/>
+              <a:off x="4837321" y="5369867"/>
               <a:ext cx="63202" cy="63202"/>
             </a:xfrm>
             <a:custGeom>
@@ -22505,7 +22505,7 @@
           </p:nvSpPr>
           <p:spPr>
             <a:xfrm>
-              <a:off x="4996289" y="5370142"/>
+              <a:off x="4791790" y="5370177"/>
               <a:ext cx="63202" cy="63202"/>
             </a:xfrm>
             <a:custGeom>
@@ -22548,7 +22548,7 @@
           </p:nvSpPr>
           <p:spPr>
             <a:xfrm>
-              <a:off x="4623776" y="5385254"/>
+              <a:off x="4846348" y="5385292"/>
               <a:ext cx="63202" cy="63202"/>
             </a:xfrm>
             <a:custGeom>
@@ -22591,7 +22591,7 @@
           </p:nvSpPr>
           <p:spPr>
             <a:xfrm>
-              <a:off x="5152019" y="5344091"/>
+              <a:off x="4840615" y="5344131"/>
               <a:ext cx="63202" cy="63202"/>
             </a:xfrm>
             <a:custGeom>
@@ -22634,7 +22634,7 @@
           </p:nvSpPr>
           <p:spPr>
             <a:xfrm>
-              <a:off x="4590067" y="5376724"/>
+              <a:off x="4755227" y="5376755"/>
               <a:ext cx="63202" cy="63202"/>
             </a:xfrm>
             <a:custGeom>
@@ -22677,7 +22677,7 @@
           </p:nvSpPr>
           <p:spPr>
             <a:xfrm>
-              <a:off x="5102260" y="5390518"/>
+              <a:off x="4758641" y="5390537"/>
               <a:ext cx="63202" cy="63202"/>
             </a:xfrm>
             <a:custGeom>
@@ -22720,7 +22720,7 @@
           </p:nvSpPr>
           <p:spPr>
             <a:xfrm>
-              <a:off x="4753623" y="5349451"/>
+              <a:off x="4569525" y="5349479"/>
               <a:ext cx="63202" cy="63202"/>
             </a:xfrm>
             <a:custGeom>
@@ -22763,7 +22763,7 @@
           </p:nvSpPr>
           <p:spPr>
             <a:xfrm>
-              <a:off x="5095333" y="5384967"/>
+              <a:off x="4754401" y="5384963"/>
               <a:ext cx="63202" cy="63202"/>
             </a:xfrm>
             <a:custGeom>
@@ -22806,7 +22806,7 @@
           </p:nvSpPr>
           <p:spPr>
             <a:xfrm>
-              <a:off x="4582653" y="6357921"/>
+              <a:off x="5009773" y="6357926"/>
               <a:ext cx="63202" cy="63202"/>
             </a:xfrm>
             <a:custGeom>
@@ -22849,7 +22849,7 @@
           </p:nvSpPr>
           <p:spPr>
             <a:xfrm>
-              <a:off x="5034168" y="5372789"/>
+              <a:off x="4639410" y="5372807"/>
               <a:ext cx="63202" cy="63202"/>
             </a:xfrm>
             <a:custGeom>
@@ -22892,7 +22892,7 @@
           </p:nvSpPr>
           <p:spPr>
             <a:xfrm>
-              <a:off x="4683727" y="5401798"/>
+              <a:off x="4910801" y="5401805"/>
               <a:ext cx="63202" cy="63202"/>
             </a:xfrm>
             <a:custGeom>
@@ -22935,7 +22935,7 @@
           </p:nvSpPr>
           <p:spPr>
             <a:xfrm>
-              <a:off x="4807981" y="5344449"/>
+              <a:off x="4644739" y="5344484"/>
               <a:ext cx="63202" cy="63202"/>
             </a:xfrm>
             <a:custGeom>
@@ -22978,7 +22978,7 @@
           </p:nvSpPr>
           <p:spPr>
             <a:xfrm>
-              <a:off x="5125175" y="5318698"/>
+              <a:off x="4488854" y="5318686"/>
               <a:ext cx="63202" cy="63202"/>
             </a:xfrm>
             <a:custGeom>
@@ -23021,7 +23021,7 @@
           </p:nvSpPr>
           <p:spPr>
             <a:xfrm>
-              <a:off x="4768474" y="5339901"/>
+              <a:off x="4648373" y="5339975"/>
               <a:ext cx="63202" cy="63202"/>
             </a:xfrm>
             <a:custGeom>
@@ -23064,7 +23064,7 @@
           </p:nvSpPr>
           <p:spPr>
             <a:xfrm>
-              <a:off x="4910383" y="5370937"/>
+              <a:off x="5082631" y="5370890"/>
               <a:ext cx="63202" cy="63202"/>
             </a:xfrm>
             <a:custGeom>
@@ -23107,7 +23107,7 @@
           </p:nvSpPr>
           <p:spPr>
             <a:xfrm>
-              <a:off x="4933109" y="5355123"/>
+              <a:off x="5073356" y="5355161"/>
               <a:ext cx="63202" cy="63202"/>
             </a:xfrm>
             <a:custGeom>
@@ -23150,7 +23150,7 @@
           </p:nvSpPr>
           <p:spPr>
             <a:xfrm>
-              <a:off x="5128307" y="5342406"/>
+              <a:off x="5062472" y="5342392"/>
               <a:ext cx="63202" cy="63202"/>
             </a:xfrm>
             <a:custGeom>
@@ -23193,7 +23193,7 @@
           </p:nvSpPr>
           <p:spPr>
             <a:xfrm>
-              <a:off x="4630423" y="5362788"/>
+              <a:off x="4523085" y="5362814"/>
               <a:ext cx="63202" cy="63202"/>
             </a:xfrm>
             <a:custGeom>
@@ -23236,7 +23236,7 @@
           </p:nvSpPr>
           <p:spPr>
             <a:xfrm>
-              <a:off x="4728022" y="5340309"/>
+              <a:off x="4569532" y="5340320"/>
               <a:ext cx="63202" cy="63202"/>
             </a:xfrm>
             <a:custGeom>
@@ -23279,7 +23279,7 @@
           </p:nvSpPr>
           <p:spPr>
             <a:xfrm>
-              <a:off x="4616193" y="5467512"/>
+              <a:off x="4558214" y="5467477"/>
               <a:ext cx="63202" cy="63202"/>
             </a:xfrm>
             <a:custGeom>
@@ -23322,7 +23322,7 @@
           </p:nvSpPr>
           <p:spPr>
             <a:xfrm>
-              <a:off x="4792568" y="5378539"/>
+              <a:off x="5160576" y="5378545"/>
               <a:ext cx="63202" cy="63202"/>
             </a:xfrm>
             <a:custGeom>
@@ -23365,7 +23365,7 @@
           </p:nvSpPr>
           <p:spPr>
             <a:xfrm>
-              <a:off x="4540449" y="5466369"/>
+              <a:off x="5038986" y="5466354"/>
               <a:ext cx="63202" cy="63202"/>
             </a:xfrm>
             <a:custGeom>
@@ -23408,7 +23408,7 @@
           </p:nvSpPr>
           <p:spPr>
             <a:xfrm>
-              <a:off x="5019761" y="5452122"/>
+              <a:off x="5096013" y="5452128"/>
               <a:ext cx="63202" cy="63202"/>
             </a:xfrm>
             <a:custGeom>
@@ -23451,7 +23451,7 @@
           </p:nvSpPr>
           <p:spPr>
             <a:xfrm>
-              <a:off x="4904566" y="5343119"/>
+              <a:off x="5118638" y="5343129"/>
               <a:ext cx="63202" cy="63202"/>
             </a:xfrm>
             <a:custGeom>
@@ -23494,7 +23494,7 @@
           </p:nvSpPr>
           <p:spPr>
             <a:xfrm>
-              <a:off x="4997807" y="5373996"/>
+              <a:off x="4583007" y="5374019"/>
               <a:ext cx="63202" cy="63202"/>
             </a:xfrm>
             <a:custGeom>
@@ -23537,7 +23537,7 @@
           </p:nvSpPr>
           <p:spPr>
             <a:xfrm>
-              <a:off x="5084626" y="5378192"/>
+              <a:off x="5016435" y="5378208"/>
               <a:ext cx="63202" cy="63202"/>
             </a:xfrm>
             <a:custGeom>
@@ -23580,7 +23580,7 @@
           </p:nvSpPr>
           <p:spPr>
             <a:xfrm>
-              <a:off x="5127090" y="5337073"/>
+              <a:off x="5104327" y="5337124"/>
               <a:ext cx="63202" cy="63202"/>
             </a:xfrm>
             <a:custGeom>
@@ -23623,7 +23623,7 @@
           </p:nvSpPr>
           <p:spPr>
             <a:xfrm>
-              <a:off x="4554143" y="5342121"/>
+              <a:off x="4702258" y="5342098"/>
               <a:ext cx="63202" cy="63202"/>
             </a:xfrm>
             <a:custGeom>
@@ -23666,7 +23666,7 @@
           </p:nvSpPr>
           <p:spPr>
             <a:xfrm>
-              <a:off x="5147827" y="5349282"/>
+              <a:off x="4772447" y="5349334"/>
               <a:ext cx="63202" cy="63202"/>
             </a:xfrm>
             <a:custGeom>
@@ -23709,7 +23709,7 @@
           </p:nvSpPr>
           <p:spPr>
             <a:xfrm>
-              <a:off x="4944158" y="6050935"/>
+              <a:off x="4591632" y="6050962"/>
               <a:ext cx="63202" cy="63202"/>
             </a:xfrm>
             <a:custGeom>
@@ -23752,7 +23752,7 @@
           </p:nvSpPr>
           <p:spPr>
             <a:xfrm>
-              <a:off x="4999586" y="5377347"/>
+              <a:off x="5132233" y="5377349"/>
               <a:ext cx="63202" cy="63202"/>
             </a:xfrm>
             <a:custGeom>
@@ -23795,7 +23795,7 @@
           </p:nvSpPr>
           <p:spPr>
             <a:xfrm>
-              <a:off x="4538999" y="5384047"/>
+              <a:off x="4495472" y="5384008"/>
               <a:ext cx="63202" cy="63202"/>
             </a:xfrm>
             <a:custGeom>
@@ -23838,7 +23838,7 @@
           </p:nvSpPr>
           <p:spPr>
             <a:xfrm>
-              <a:off x="5138274" y="5378270"/>
+              <a:off x="4829989" y="5378304"/>
               <a:ext cx="63202" cy="63202"/>
             </a:xfrm>
             <a:custGeom>
@@ -23881,7 +23881,7 @@
           </p:nvSpPr>
           <p:spPr>
             <a:xfrm>
-              <a:off x="4644834" y="5379979"/>
+              <a:off x="4850993" y="5380012"/>
               <a:ext cx="63202" cy="63202"/>
             </a:xfrm>
             <a:custGeom>
@@ -23924,7 +23924,7 @@
           </p:nvSpPr>
           <p:spPr>
             <a:xfrm>
-              <a:off x="4594881" y="5374415"/>
+              <a:off x="4651226" y="5374374"/>
               <a:ext cx="63202" cy="63202"/>
             </a:xfrm>
             <a:custGeom>
@@ -23967,7 +23967,7 @@
           </p:nvSpPr>
           <p:spPr>
             <a:xfrm>
-              <a:off x="4868569" y="5408795"/>
+              <a:off x="4930535" y="5408751"/>
               <a:ext cx="63202" cy="63202"/>
             </a:xfrm>
             <a:custGeom>
@@ -24010,7 +24010,7 @@
           </p:nvSpPr>
           <p:spPr>
             <a:xfrm>
-              <a:off x="4787277" y="5368885"/>
+              <a:off x="4909242" y="5368933"/>
               <a:ext cx="63202" cy="63202"/>
             </a:xfrm>
             <a:custGeom>
@@ -24053,7 +24053,7 @@
           </p:nvSpPr>
           <p:spPr>
             <a:xfrm>
-              <a:off x="4504832" y="5335204"/>
+              <a:off x="5076200" y="5335255"/>
               <a:ext cx="63202" cy="63202"/>
             </a:xfrm>
             <a:custGeom>
@@ -24096,7 +24096,7 @@
           </p:nvSpPr>
           <p:spPr>
             <a:xfrm>
-              <a:off x="4487261" y="5776588"/>
+              <a:off x="5126811" y="5776610"/>
               <a:ext cx="63202" cy="63202"/>
             </a:xfrm>
             <a:custGeom>
@@ -24139,7 +24139,7 @@
           </p:nvSpPr>
           <p:spPr>
             <a:xfrm>
-              <a:off x="4695656" y="5359458"/>
+              <a:off x="4531908" y="5359475"/>
               <a:ext cx="63202" cy="63202"/>
             </a:xfrm>
             <a:custGeom>
@@ -24182,7 +24182,7 @@
           </p:nvSpPr>
           <p:spPr>
             <a:xfrm>
-              <a:off x="4808227" y="5326803"/>
+              <a:off x="5027668" y="5326797"/>
               <a:ext cx="63202" cy="63202"/>
             </a:xfrm>
             <a:custGeom>
@@ -24225,7 +24225,7 @@
           </p:nvSpPr>
           <p:spPr>
             <a:xfrm>
-              <a:off x="4475960" y="5342219"/>
+              <a:off x="5081648" y="5342192"/>
               <a:ext cx="63202" cy="63202"/>
             </a:xfrm>
             <a:custGeom>
@@ -24268,7 +24268,7 @@
           </p:nvSpPr>
           <p:spPr>
             <a:xfrm>
-              <a:off x="4919784" y="5377433"/>
+              <a:off x="4779259" y="5377425"/>
               <a:ext cx="63202" cy="63202"/>
             </a:xfrm>
             <a:custGeom>
@@ -24311,7 +24311,7 @@
           </p:nvSpPr>
           <p:spPr>
             <a:xfrm>
-              <a:off x="4648564" y="5335525"/>
+              <a:off x="4833089" y="5335538"/>
               <a:ext cx="63202" cy="63202"/>
             </a:xfrm>
             <a:custGeom>
@@ -24354,7 +24354,7 @@
           </p:nvSpPr>
           <p:spPr>
             <a:xfrm>
-              <a:off x="4683811" y="5670412"/>
+              <a:off x="4538971" y="5670479"/>
               <a:ext cx="63202" cy="63202"/>
             </a:xfrm>
             <a:custGeom>
@@ -24397,7 +24397,7 @@
           </p:nvSpPr>
           <p:spPr>
             <a:xfrm>
-              <a:off x="4901865" y="5780302"/>
+              <a:off x="4746571" y="5780394"/>
               <a:ext cx="63202" cy="63202"/>
             </a:xfrm>
             <a:custGeom>
@@ -24440,7 +24440,7 @@
           </p:nvSpPr>
           <p:spPr>
             <a:xfrm>
-              <a:off x="4592169" y="5387876"/>
+              <a:off x="4549093" y="5387889"/>
               <a:ext cx="63202" cy="63202"/>
             </a:xfrm>
             <a:custGeom>
@@ -24483,7 +24483,7 @@
           </p:nvSpPr>
           <p:spPr>
             <a:xfrm>
-              <a:off x="5039222" y="5386834"/>
+              <a:off x="4808250" y="5386868"/>
               <a:ext cx="63202" cy="63202"/>
             </a:xfrm>
             <a:custGeom>
@@ -24526,7 +24526,7 @@
           </p:nvSpPr>
           <p:spPr>
             <a:xfrm>
-              <a:off x="5101571" y="5361269"/>
+              <a:off x="4516383" y="5361283"/>
               <a:ext cx="63202" cy="63202"/>
             </a:xfrm>
             <a:custGeom>
@@ -24569,7 +24569,7 @@
           </p:nvSpPr>
           <p:spPr>
             <a:xfrm>
-              <a:off x="5103911" y="6354329"/>
+              <a:off x="4959257" y="6354351"/>
               <a:ext cx="63202" cy="63202"/>
             </a:xfrm>
             <a:custGeom>
@@ -24612,7 +24612,7 @@
           </p:nvSpPr>
           <p:spPr>
             <a:xfrm>
-              <a:off x="4639834" y="5435400"/>
+              <a:off x="4923305" y="5435398"/>
               <a:ext cx="63202" cy="63202"/>
             </a:xfrm>
             <a:custGeom>
@@ -24655,7 +24655,7 @@
           </p:nvSpPr>
           <p:spPr>
             <a:xfrm>
-              <a:off x="4805484" y="5431329"/>
+              <a:off x="4866048" y="5431310"/>
               <a:ext cx="63202" cy="63202"/>
             </a:xfrm>
             <a:custGeom>
@@ -24698,7 +24698,7 @@
           </p:nvSpPr>
           <p:spPr>
             <a:xfrm>
-              <a:off x="4607451" y="5436608"/>
+              <a:off x="4984855" y="5436628"/>
               <a:ext cx="63202" cy="63202"/>
             </a:xfrm>
             <a:custGeom>
@@ -24741,7 +24741,7 @@
           </p:nvSpPr>
           <p:spPr>
             <a:xfrm>
-              <a:off x="4532319" y="5878817"/>
+              <a:off x="4693376" y="5878820"/>
               <a:ext cx="63202" cy="63202"/>
             </a:xfrm>
             <a:custGeom>
@@ -24784,7 +24784,7 @@
           </p:nvSpPr>
           <p:spPr>
             <a:xfrm>
-              <a:off x="4842487" y="5586879"/>
+              <a:off x="4967850" y="5586953"/>
               <a:ext cx="63202" cy="63202"/>
             </a:xfrm>
             <a:custGeom>
@@ -24827,7 +24827,7 @@
           </p:nvSpPr>
           <p:spPr>
             <a:xfrm>
-              <a:off x="4485785" y="5328957"/>
+              <a:off x="5162010" y="5328998"/>
               <a:ext cx="63202" cy="63202"/>
             </a:xfrm>
             <a:custGeom>
@@ -24870,7 +24870,7 @@
           </p:nvSpPr>
           <p:spPr>
             <a:xfrm>
-              <a:off x="4636805" y="5431497"/>
+              <a:off x="5076040" y="5431516"/>
               <a:ext cx="63202" cy="63202"/>
             </a:xfrm>
             <a:custGeom>
@@ -24913,7 +24913,7 @@
           </p:nvSpPr>
           <p:spPr>
             <a:xfrm>
-              <a:off x="4540737" y="5492097"/>
+              <a:off x="4677467" y="5492115"/>
               <a:ext cx="63202" cy="63202"/>
             </a:xfrm>
             <a:custGeom>
@@ -24956,7 +24956,7 @@
           </p:nvSpPr>
           <p:spPr>
             <a:xfrm>
-              <a:off x="5001262" y="5337353"/>
+              <a:off x="4508304" y="5337422"/>
               <a:ext cx="63202" cy="63202"/>
             </a:xfrm>
             <a:custGeom>
@@ -24999,7 +24999,7 @@
           </p:nvSpPr>
           <p:spPr>
             <a:xfrm>
-              <a:off x="4493064" y="5337762"/>
+              <a:off x="4734211" y="5337760"/>
               <a:ext cx="63202" cy="63202"/>
             </a:xfrm>
             <a:custGeom>
@@ -25042,7 +25042,7 @@
           </p:nvSpPr>
           <p:spPr>
             <a:xfrm>
-              <a:off x="5165623" y="5358919"/>
+              <a:off x="5066726" y="5358941"/>
               <a:ext cx="63202" cy="63202"/>
             </a:xfrm>
             <a:custGeom>
@@ -25085,7 +25085,7 @@
           </p:nvSpPr>
           <p:spPr>
             <a:xfrm>
-              <a:off x="4740137" y="5430592"/>
+              <a:off x="4704040" y="5430594"/>
               <a:ext cx="63202" cy="63202"/>
             </a:xfrm>
             <a:custGeom>
@@ -25128,7 +25128,7 @@
           </p:nvSpPr>
           <p:spPr>
             <a:xfrm>
-              <a:off x="4809907" y="5381658"/>
+              <a:off x="4918257" y="5381646"/>
               <a:ext cx="63202" cy="63202"/>
             </a:xfrm>
             <a:custGeom>
@@ -25171,7 +25171,7 @@
           </p:nvSpPr>
           <p:spPr>
             <a:xfrm>
-              <a:off x="5030427" y="5376256"/>
+              <a:off x="4798398" y="5376285"/>
               <a:ext cx="63202" cy="63202"/>
             </a:xfrm>
             <a:custGeom>
@@ -25214,7 +25214,7 @@
           </p:nvSpPr>
           <p:spPr>
             <a:xfrm>
-              <a:off x="4846189" y="5364281"/>
+              <a:off x="4605197" y="5364289"/>
               <a:ext cx="63202" cy="63202"/>
             </a:xfrm>
             <a:custGeom>
@@ -25257,7 +25257,7 @@
           </p:nvSpPr>
           <p:spPr>
             <a:xfrm>
-              <a:off x="4806939" y="5528782"/>
+              <a:off x="4995691" y="5528733"/>
               <a:ext cx="63202" cy="63202"/>
             </a:xfrm>
             <a:custGeom>
@@ -25300,7 +25300,7 @@
           </p:nvSpPr>
           <p:spPr>
             <a:xfrm>
-              <a:off x="4753220" y="5376097"/>
+              <a:off x="5047944" y="5376092"/>
               <a:ext cx="63202" cy="63202"/>
             </a:xfrm>
             <a:custGeom>
@@ -25343,7 +25343,7 @@
           </p:nvSpPr>
           <p:spPr>
             <a:xfrm>
-              <a:off x="5039182" y="5354671"/>
+              <a:off x="4472661" y="5354710"/>
               <a:ext cx="63202" cy="63202"/>
             </a:xfrm>
             <a:custGeom>
@@ -25386,7 +25386,7 @@
           </p:nvSpPr>
           <p:spPr>
             <a:xfrm>
-              <a:off x="4712467" y="6055263"/>
+              <a:off x="4834954" y="6055239"/>
               <a:ext cx="63202" cy="63202"/>
             </a:xfrm>
             <a:custGeom>
@@ -25429,7 +25429,7 @@
           </p:nvSpPr>
           <p:spPr>
             <a:xfrm>
-              <a:off x="4483968" y="5346888"/>
+              <a:off x="4562688" y="5346936"/>
               <a:ext cx="63202" cy="63202"/>
             </a:xfrm>
             <a:custGeom>
@@ -25472,7 +25472,7 @@
           </p:nvSpPr>
           <p:spPr>
             <a:xfrm>
-              <a:off x="4786505" y="5364388"/>
+              <a:off x="4889443" y="5364394"/>
               <a:ext cx="63202" cy="63202"/>
             </a:xfrm>
             <a:custGeom>
@@ -25515,7 +25515,7 @@
           </p:nvSpPr>
           <p:spPr>
             <a:xfrm>
-              <a:off x="5038317" y="5380144"/>
+              <a:off x="5080230" y="5380162"/>
               <a:ext cx="63202" cy="63202"/>
             </a:xfrm>
             <a:custGeom>
@@ -25558,7 +25558,7 @@
           </p:nvSpPr>
           <p:spPr>
             <a:xfrm>
-              <a:off x="5440925" y="6744983"/>
+              <a:off x="5471798" y="6745016"/>
               <a:ext cx="63202" cy="63202"/>
             </a:xfrm>
             <a:custGeom>
@@ -25601,7 +25601,7 @@
           </p:nvSpPr>
           <p:spPr>
             <a:xfrm>
-              <a:off x="4715786" y="5337865"/>
+              <a:off x="5130463" y="5337863"/>
               <a:ext cx="63202" cy="63202"/>
             </a:xfrm>
             <a:custGeom>
@@ -25644,7 +25644,7 @@
           </p:nvSpPr>
           <p:spPr>
             <a:xfrm>
-              <a:off x="4956000" y="5382039"/>
+              <a:off x="5103545" y="5382082"/>
               <a:ext cx="63202" cy="63202"/>
             </a:xfrm>
             <a:custGeom>
@@ -25687,7 +25687,7 @@
           </p:nvSpPr>
           <p:spPr>
             <a:xfrm>
-              <a:off x="4571729" y="5372994"/>
+              <a:off x="5085049" y="5372978"/>
               <a:ext cx="63202" cy="63202"/>
             </a:xfrm>
             <a:custGeom>
@@ -25730,7 +25730,7 @@
           </p:nvSpPr>
           <p:spPr>
             <a:xfrm>
-              <a:off x="4875009" y="5334831"/>
+              <a:off x="4974627" y="5334816"/>
               <a:ext cx="63202" cy="63202"/>
             </a:xfrm>
             <a:custGeom>
@@ -25773,7 +25773,7 @@
           </p:nvSpPr>
           <p:spPr>
             <a:xfrm>
-              <a:off x="4959532" y="5360883"/>
+              <a:off x="4508668" y="5360924"/>
               <a:ext cx="63202" cy="63202"/>
             </a:xfrm>
             <a:custGeom>
@@ -25816,7 +25816,7 @@
           </p:nvSpPr>
           <p:spPr>
             <a:xfrm>
-              <a:off x="5108838" y="5352396"/>
+              <a:off x="4707873" y="5352397"/>
               <a:ext cx="63202" cy="63202"/>
             </a:xfrm>
             <a:custGeom>
@@ -25859,7 +25859,7 @@
           </p:nvSpPr>
           <p:spPr>
             <a:xfrm>
-              <a:off x="4603620" y="5361498"/>
+              <a:off x="4865190" y="5361480"/>
               <a:ext cx="63202" cy="63202"/>
             </a:xfrm>
             <a:custGeom>
@@ -25902,7 +25902,7 @@
           </p:nvSpPr>
           <p:spPr>
             <a:xfrm>
-              <a:off x="4902787" y="5342330"/>
+              <a:off x="4810726" y="5342332"/>
               <a:ext cx="63202" cy="63202"/>
             </a:xfrm>
             <a:custGeom>
@@ -25945,7 +25945,7 @@
           </p:nvSpPr>
           <p:spPr>
             <a:xfrm>
-              <a:off x="4566776" y="5387248"/>
+              <a:off x="4530510" y="5387272"/>
               <a:ext cx="63202" cy="63202"/>
             </a:xfrm>
             <a:custGeom>
@@ -25988,7 +25988,7 @@
           </p:nvSpPr>
           <p:spPr>
             <a:xfrm>
-              <a:off x="4767425" y="5694111"/>
+              <a:off x="4990836" y="5694157"/>
               <a:ext cx="63202" cy="63202"/>
             </a:xfrm>
             <a:custGeom>
@@ -26031,7 +26031,7 @@
           </p:nvSpPr>
           <p:spPr>
             <a:xfrm>
-              <a:off x="4667042" y="5346423"/>
+              <a:off x="4656176" y="5346490"/>
               <a:ext cx="63202" cy="63202"/>
             </a:xfrm>
             <a:custGeom>
@@ -26074,7 +26074,7 @@
           </p:nvSpPr>
           <p:spPr>
             <a:xfrm>
-              <a:off x="4565702" y="5396962"/>
+              <a:off x="4789422" y="5396993"/>
               <a:ext cx="63202" cy="63202"/>
             </a:xfrm>
             <a:custGeom>
@@ -26117,7 +26117,7 @@
           </p:nvSpPr>
           <p:spPr>
             <a:xfrm>
-              <a:off x="4587998" y="5395387"/>
+              <a:off x="4752096" y="5395394"/>
               <a:ext cx="63202" cy="63202"/>
             </a:xfrm>
             <a:custGeom>
@@ -26160,7 +26160,7 @@
           </p:nvSpPr>
           <p:spPr>
             <a:xfrm>
-              <a:off x="4621713" y="5337303"/>
+              <a:off x="4737433" y="5337296"/>
               <a:ext cx="63202" cy="63202"/>
             </a:xfrm>
             <a:custGeom>
@@ -26203,7 +26203,7 @@
           </p:nvSpPr>
           <p:spPr>
             <a:xfrm>
-              <a:off x="4826599" y="5379390"/>
+              <a:off x="4832002" y="5379418"/>
               <a:ext cx="63202" cy="63202"/>
             </a:xfrm>
             <a:custGeom>
@@ -26246,7 +26246,7 @@
           </p:nvSpPr>
           <p:spPr>
             <a:xfrm>
-              <a:off x="5098895" y="5846039"/>
+              <a:off x="4739989" y="5846046"/>
               <a:ext cx="63202" cy="63202"/>
             </a:xfrm>
             <a:custGeom>
@@ -26289,7 +26289,7 @@
           </p:nvSpPr>
           <p:spPr>
             <a:xfrm>
-              <a:off x="4593725" y="5384427"/>
+              <a:off x="4753354" y="5384447"/>
               <a:ext cx="63202" cy="63202"/>
             </a:xfrm>
             <a:custGeom>
@@ -26332,7 +26332,7 @@
           </p:nvSpPr>
           <p:spPr>
             <a:xfrm>
-              <a:off x="4808106" y="5395664"/>
+              <a:off x="5028779" y="5395675"/>
               <a:ext cx="63202" cy="63202"/>
             </a:xfrm>
             <a:custGeom>
@@ -26375,7 +26375,7 @@
           </p:nvSpPr>
           <p:spPr>
             <a:xfrm>
-              <a:off x="4818562" y="5363083"/>
+              <a:off x="4509814" y="5363074"/>
               <a:ext cx="63202" cy="63202"/>
             </a:xfrm>
             <a:custGeom>
@@ -26418,7 +26418,7 @@
           </p:nvSpPr>
           <p:spPr>
             <a:xfrm>
-              <a:off x="4478415" y="5332191"/>
+              <a:off x="4751032" y="5332187"/>
               <a:ext cx="63202" cy="63202"/>
             </a:xfrm>
             <a:custGeom>
@@ -26461,7 +26461,7 @@
           </p:nvSpPr>
           <p:spPr>
             <a:xfrm>
-              <a:off x="4614015" y="5346941"/>
+              <a:off x="4549107" y="5346951"/>
               <a:ext cx="63202" cy="63202"/>
             </a:xfrm>
             <a:custGeom>
@@ -26504,7 +26504,7 @@
           </p:nvSpPr>
           <p:spPr>
             <a:xfrm>
-              <a:off x="4979064" y="5394241"/>
+              <a:off x="4745543" y="5394208"/>
               <a:ext cx="63202" cy="63202"/>
             </a:xfrm>
             <a:custGeom>
@@ -26547,7 +26547,7 @@
           </p:nvSpPr>
           <p:spPr>
             <a:xfrm>
-              <a:off x="4744752" y="5339672"/>
+              <a:off x="4519581" y="5339650"/>
               <a:ext cx="63202" cy="63202"/>
             </a:xfrm>
             <a:custGeom>
@@ -26590,7 +26590,7 @@
           </p:nvSpPr>
           <p:spPr>
             <a:xfrm>
-              <a:off x="4746831" y="5346647"/>
+              <a:off x="4703500" y="5346654"/>
               <a:ext cx="63202" cy="63202"/>
             </a:xfrm>
             <a:custGeom>
@@ -26633,7 +26633,7 @@
           </p:nvSpPr>
           <p:spPr>
             <a:xfrm>
-              <a:off x="5061281" y="5402798"/>
+              <a:off x="5113244" y="5402816"/>
               <a:ext cx="63202" cy="63202"/>
             </a:xfrm>
             <a:custGeom>
@@ -26676,7 +26676,7 @@
           </p:nvSpPr>
           <p:spPr>
             <a:xfrm>
-              <a:off x="4735242" y="5398404"/>
+              <a:off x="4736233" y="5398382"/>
               <a:ext cx="63202" cy="63202"/>
             </a:xfrm>
             <a:custGeom>
@@ -26719,7 +26719,7 @@
           </p:nvSpPr>
           <p:spPr>
             <a:xfrm>
-              <a:off x="4482647" y="5533461"/>
+              <a:off x="4963083" y="5533510"/>
               <a:ext cx="63202" cy="63202"/>
             </a:xfrm>
             <a:custGeom>
@@ -26762,7 +26762,7 @@
           </p:nvSpPr>
           <p:spPr>
             <a:xfrm>
-              <a:off x="5159304" y="5384955"/>
+              <a:off x="5129088" y="5384989"/>
               <a:ext cx="63202" cy="63202"/>
             </a:xfrm>
             <a:custGeom>
@@ -26805,7 +26805,7 @@
           </p:nvSpPr>
           <p:spPr>
             <a:xfrm>
-              <a:off x="6380683" y="6807858"/>
+              <a:off x="6886526" y="6807895"/>
               <a:ext cx="63202" cy="63202"/>
             </a:xfrm>
             <a:custGeom>
@@ -26848,7 +26848,7 @@
           </p:nvSpPr>
           <p:spPr>
             <a:xfrm>
-              <a:off x="4762316" y="5350816"/>
+              <a:off x="4665020" y="5350778"/>
               <a:ext cx="63202" cy="63202"/>
             </a:xfrm>
             <a:custGeom>
@@ -26891,7 +26891,7 @@
           </p:nvSpPr>
           <p:spPr>
             <a:xfrm>
-              <a:off x="4981432" y="5378623"/>
+              <a:off x="5146340" y="5378645"/>
               <a:ext cx="63202" cy="63202"/>
             </a:xfrm>
             <a:custGeom>
@@ -26934,7 +26934,7 @@
           </p:nvSpPr>
           <p:spPr>
             <a:xfrm>
-              <a:off x="4598431" y="5357282"/>
+              <a:off x="5130835" y="5357357"/>
               <a:ext cx="63202" cy="63202"/>
             </a:xfrm>
             <a:custGeom>
@@ -26977,7 +26977,7 @@
           </p:nvSpPr>
           <p:spPr>
             <a:xfrm>
-              <a:off x="4914477" y="5345851"/>
+              <a:off x="4951536" y="5345866"/>
               <a:ext cx="63202" cy="63202"/>
             </a:xfrm>
             <a:custGeom>
@@ -27020,7 +27020,7 @@
           </p:nvSpPr>
           <p:spPr>
             <a:xfrm>
-              <a:off x="4567844" y="5348123"/>
+              <a:off x="4878089" y="5348151"/>
               <a:ext cx="63202" cy="63202"/>
             </a:xfrm>
             <a:custGeom>
@@ -27063,7 +27063,7 @@
           </p:nvSpPr>
           <p:spPr>
             <a:xfrm>
-              <a:off x="5036214" y="5355208"/>
+              <a:off x="5059841" y="5355235"/>
               <a:ext cx="63202" cy="63202"/>
             </a:xfrm>
             <a:custGeom>
@@ -27106,7 +27106,7 @@
           </p:nvSpPr>
           <p:spPr>
             <a:xfrm>
-              <a:off x="4601539" y="5342893"/>
+              <a:off x="4979311" y="5342898"/>
               <a:ext cx="63202" cy="63202"/>
             </a:xfrm>
             <a:custGeom>
@@ -27149,7 +27149,7 @@
           </p:nvSpPr>
           <p:spPr>
             <a:xfrm>
-              <a:off x="4531168" y="5332277"/>
+              <a:off x="4828628" y="5332328"/>
               <a:ext cx="63202" cy="63202"/>
             </a:xfrm>
             <a:custGeom>
@@ -27192,7 +27192,7 @@
           </p:nvSpPr>
           <p:spPr>
             <a:xfrm>
-              <a:off x="4877589" y="5396683"/>
+              <a:off x="4846541" y="5396699"/>
               <a:ext cx="63202" cy="63202"/>
             </a:xfrm>
             <a:custGeom>
@@ -27235,7 +27235,7 @@
           </p:nvSpPr>
           <p:spPr>
             <a:xfrm>
-              <a:off x="4770227" y="5408366"/>
+              <a:off x="4484376" y="5408410"/>
               <a:ext cx="63202" cy="63202"/>
             </a:xfrm>
             <a:custGeom>
@@ -27278,7 +27278,7 @@
           </p:nvSpPr>
           <p:spPr>
             <a:xfrm>
-              <a:off x="4919882" y="5347376"/>
+              <a:off x="5104656" y="5347426"/>
               <a:ext cx="63202" cy="63202"/>
             </a:xfrm>
             <a:custGeom>
@@ -27321,7 +27321,7 @@
           </p:nvSpPr>
           <p:spPr>
             <a:xfrm>
-              <a:off x="4731980" y="5355867"/>
+              <a:off x="4522433" y="5355910"/>
               <a:ext cx="63202" cy="63202"/>
             </a:xfrm>
             <a:custGeom>
@@ -27364,7 +27364,7 @@
           </p:nvSpPr>
           <p:spPr>
             <a:xfrm>
-              <a:off x="5155212" y="5357472"/>
+              <a:off x="5006274" y="5357520"/>
               <a:ext cx="63202" cy="63202"/>
             </a:xfrm>
             <a:custGeom>
@@ -27407,7 +27407,7 @@
           </p:nvSpPr>
           <p:spPr>
             <a:xfrm>
-              <a:off x="4552150" y="5378345"/>
+              <a:off x="4831886" y="5378349"/>
               <a:ext cx="63202" cy="63202"/>
             </a:xfrm>
             <a:custGeom>
@@ -27450,7 +27450,7 @@
           </p:nvSpPr>
           <p:spPr>
             <a:xfrm>
-              <a:off x="4713763" y="5323191"/>
+              <a:off x="4909090" y="5323225"/>
               <a:ext cx="63202" cy="63202"/>
             </a:xfrm>
             <a:custGeom>
@@ -27493,7 +27493,7 @@
           </p:nvSpPr>
           <p:spPr>
             <a:xfrm>
-              <a:off x="4799636" y="5415957"/>
+              <a:off x="5110330" y="5415957"/>
               <a:ext cx="63202" cy="63202"/>
             </a:xfrm>
             <a:custGeom>
@@ -27536,7 +27536,7 @@
           </p:nvSpPr>
           <p:spPr>
             <a:xfrm>
-              <a:off x="4745426" y="5345759"/>
+              <a:off x="5162555" y="5345798"/>
               <a:ext cx="63202" cy="63202"/>
             </a:xfrm>
             <a:custGeom>
@@ -27579,7 +27579,7 @@
           </p:nvSpPr>
           <p:spPr>
             <a:xfrm>
-              <a:off x="5078937" y="5329798"/>
+              <a:off x="4876129" y="5329830"/>
               <a:ext cx="63202" cy="63202"/>
             </a:xfrm>
             <a:custGeom>
@@ -27622,7 +27622,7 @@
           </p:nvSpPr>
           <p:spPr>
             <a:xfrm>
-              <a:off x="5120052" y="5548631"/>
+              <a:off x="4855053" y="5548678"/>
               <a:ext cx="63202" cy="63202"/>
             </a:xfrm>
             <a:custGeom>
@@ -27665,7 +27665,7 @@
           </p:nvSpPr>
           <p:spPr>
             <a:xfrm>
-              <a:off x="4727377" y="5534304"/>
+              <a:off x="4970469" y="5534332"/>
               <a:ext cx="63202" cy="63202"/>
             </a:xfrm>
             <a:custGeom>
@@ -27708,7 +27708,7 @@
           </p:nvSpPr>
           <p:spPr>
             <a:xfrm>
-              <a:off x="4853793" y="5329856"/>
+              <a:off x="5106153" y="5329847"/>
               <a:ext cx="63202" cy="63202"/>
             </a:xfrm>
             <a:custGeom>
@@ -27751,7 +27751,7 @@
           </p:nvSpPr>
           <p:spPr>
             <a:xfrm>
-              <a:off x="4645842" y="5340124"/>
+              <a:off x="4897226" y="5340129"/>
               <a:ext cx="63202" cy="63202"/>
             </a:xfrm>
             <a:custGeom>
@@ -27794,7 +27794,7 @@
           </p:nvSpPr>
           <p:spPr>
             <a:xfrm>
-              <a:off x="4583392" y="5348964"/>
+              <a:off x="4551310" y="5348985"/>
               <a:ext cx="63202" cy="63202"/>
             </a:xfrm>
             <a:custGeom>
@@ -27837,7 +27837,7 @@
           </p:nvSpPr>
           <p:spPr>
             <a:xfrm>
-              <a:off x="4718899" y="5373053"/>
+              <a:off x="4850780" y="5373095"/>
               <a:ext cx="63202" cy="63202"/>
             </a:xfrm>
             <a:custGeom>
@@ -27880,7 +27880,7 @@
           </p:nvSpPr>
           <p:spPr>
             <a:xfrm>
-              <a:off x="4770756" y="5377201"/>
+              <a:off x="4557898" y="5377256"/>
               <a:ext cx="63202" cy="63202"/>
             </a:xfrm>
             <a:custGeom>
@@ -27923,7 +27923,7 @@
           </p:nvSpPr>
           <p:spPr>
             <a:xfrm>
-              <a:off x="4883735" y="5318308"/>
+              <a:off x="5047903" y="5318365"/>
               <a:ext cx="63202" cy="63202"/>
             </a:xfrm>
             <a:custGeom>
@@ -27966,7 +27966,7 @@
           </p:nvSpPr>
           <p:spPr>
             <a:xfrm>
-              <a:off x="4907107" y="5353907"/>
+              <a:off x="5002026" y="5353926"/>
               <a:ext cx="63202" cy="63202"/>
             </a:xfrm>
             <a:custGeom>
@@ -28009,7 +28009,7 @@
           </p:nvSpPr>
           <p:spPr>
             <a:xfrm>
-              <a:off x="4512858" y="5361631"/>
+              <a:off x="5162810" y="5361646"/>
               <a:ext cx="63202" cy="63202"/>
             </a:xfrm>
             <a:custGeom>
@@ -28052,7 +28052,7 @@
           </p:nvSpPr>
           <p:spPr>
             <a:xfrm>
-              <a:off x="4776434" y="5434503"/>
+              <a:off x="4638659" y="5434546"/>
               <a:ext cx="63202" cy="63202"/>
             </a:xfrm>
             <a:custGeom>
@@ -28095,7 +28095,7 @@
           </p:nvSpPr>
           <p:spPr>
             <a:xfrm>
-              <a:off x="4540396" y="5337097"/>
+              <a:off x="5076759" y="5337103"/>
               <a:ext cx="63202" cy="63202"/>
             </a:xfrm>
             <a:custGeom>
@@ -28138,7 +28138,7 @@
           </p:nvSpPr>
           <p:spPr>
             <a:xfrm>
-              <a:off x="4479817" y="5338917"/>
+              <a:off x="5002974" y="5338947"/>
               <a:ext cx="63202" cy="63202"/>
             </a:xfrm>
             <a:custGeom>
@@ -28181,7 +28181,7 @@
           </p:nvSpPr>
           <p:spPr>
             <a:xfrm>
-              <a:off x="4492771" y="5421957"/>
+              <a:off x="4739129" y="5422015"/>
               <a:ext cx="63202" cy="63202"/>
             </a:xfrm>
             <a:custGeom>
@@ -28224,7 +28224,7 @@
           </p:nvSpPr>
           <p:spPr>
             <a:xfrm>
-              <a:off x="4494251" y="5348779"/>
+              <a:off x="4757444" y="5348851"/>
               <a:ext cx="63202" cy="63202"/>
             </a:xfrm>
             <a:custGeom>
@@ -28267,7 +28267,7 @@
           </p:nvSpPr>
           <p:spPr>
             <a:xfrm>
-              <a:off x="5135265" y="5355870"/>
+              <a:off x="5127561" y="5355894"/>
               <a:ext cx="63202" cy="63202"/>
             </a:xfrm>
             <a:custGeom>
@@ -28310,7 +28310,7 @@
           </p:nvSpPr>
           <p:spPr>
             <a:xfrm>
-              <a:off x="5151572" y="5372134"/>
+              <a:off x="4896589" y="5372132"/>
               <a:ext cx="63202" cy="63202"/>
             </a:xfrm>
             <a:custGeom>
@@ -28353,7 +28353,7 @@
           </p:nvSpPr>
           <p:spPr>
             <a:xfrm>
-              <a:off x="4735939" y="5363834"/>
+              <a:off x="5137757" y="5363853"/>
               <a:ext cx="63202" cy="63202"/>
             </a:xfrm>
             <a:custGeom>
@@ -28396,7 +28396,7 @@
           </p:nvSpPr>
           <p:spPr>
             <a:xfrm>
-              <a:off x="4741494" y="5367238"/>
+              <a:off x="4872296" y="5367212"/>
               <a:ext cx="63202" cy="63202"/>
             </a:xfrm>
             <a:custGeom>
@@ -28439,7 +28439,7 @@
           </p:nvSpPr>
           <p:spPr>
             <a:xfrm>
-              <a:off x="4959047" y="5381626"/>
+              <a:off x="5140239" y="5381667"/>
               <a:ext cx="63202" cy="63202"/>
             </a:xfrm>
             <a:custGeom>
@@ -28482,7 +28482,7 @@
           </p:nvSpPr>
           <p:spPr>
             <a:xfrm>
-              <a:off x="4591184" y="5377398"/>
+              <a:off x="4594490" y="5377454"/>
               <a:ext cx="63202" cy="63202"/>
             </a:xfrm>
             <a:custGeom>
@@ -28525,7 +28525,7 @@
           </p:nvSpPr>
           <p:spPr>
             <a:xfrm>
-              <a:off x="4510066" y="5361020"/>
+              <a:off x="4743694" y="5360994"/>
               <a:ext cx="63202" cy="63202"/>
             </a:xfrm>
             <a:custGeom>
@@ -28568,7 +28568,7 @@
           </p:nvSpPr>
           <p:spPr>
             <a:xfrm>
-              <a:off x="4794691" y="5378051"/>
+              <a:off x="4779902" y="5378098"/>
               <a:ext cx="63202" cy="63202"/>
             </a:xfrm>
             <a:custGeom>
@@ -28611,7 +28611,7 @@
           </p:nvSpPr>
           <p:spPr>
             <a:xfrm>
-              <a:off x="4874161" y="5379178"/>
+              <a:off x="4497135" y="5379222"/>
               <a:ext cx="63202" cy="63202"/>
             </a:xfrm>
             <a:custGeom>
@@ -28654,7 +28654,7 @@
           </p:nvSpPr>
           <p:spPr>
             <a:xfrm>
-              <a:off x="5016035" y="6240503"/>
+              <a:off x="4945334" y="6240468"/>
               <a:ext cx="63202" cy="63202"/>
             </a:xfrm>
             <a:custGeom>
@@ -28697,7 +28697,7 @@
           </p:nvSpPr>
           <p:spPr>
             <a:xfrm>
-              <a:off x="4513361" y="5375988"/>
+              <a:off x="4925173" y="5376043"/>
               <a:ext cx="63202" cy="63202"/>
             </a:xfrm>
             <a:custGeom>
@@ -28740,7 +28740,7 @@
           </p:nvSpPr>
           <p:spPr>
             <a:xfrm>
-              <a:off x="5140653" y="5356630"/>
+              <a:off x="4860546" y="5356670"/>
               <a:ext cx="63202" cy="63202"/>
             </a:xfrm>
             <a:custGeom>
@@ -28783,7 +28783,7 @@
           </p:nvSpPr>
           <p:spPr>
             <a:xfrm>
-              <a:off x="5090016" y="5411890"/>
+              <a:off x="5053534" y="5411896"/>
               <a:ext cx="63202" cy="63202"/>
             </a:xfrm>
             <a:custGeom>
@@ -28826,7 +28826,7 @@
           </p:nvSpPr>
           <p:spPr>
             <a:xfrm>
-              <a:off x="5002147" y="5376919"/>
+              <a:off x="4813343" y="5376991"/>
               <a:ext cx="63202" cy="63202"/>
             </a:xfrm>
             <a:custGeom>
@@ -28869,7 +28869,7 @@
           </p:nvSpPr>
           <p:spPr>
             <a:xfrm>
-              <a:off x="4562264" y="5373909"/>
+              <a:off x="4865526" y="5373967"/>
               <a:ext cx="63202" cy="63202"/>
             </a:xfrm>
             <a:custGeom>
@@ -28912,7 +28912,7 @@
           </p:nvSpPr>
           <p:spPr>
             <a:xfrm>
-              <a:off x="4926288" y="5348225"/>
+              <a:off x="5070029" y="5348238"/>
               <a:ext cx="63202" cy="63202"/>
             </a:xfrm>
             <a:custGeom>
@@ -28955,7 +28955,7 @@
           </p:nvSpPr>
           <p:spPr>
             <a:xfrm>
-              <a:off x="4522681" y="5348712"/>
+              <a:off x="4622909" y="5348717"/>
               <a:ext cx="63202" cy="63202"/>
             </a:xfrm>
             <a:custGeom>
@@ -28998,7 +28998,7 @@
           </p:nvSpPr>
           <p:spPr>
             <a:xfrm>
-              <a:off x="4824689" y="5349217"/>
+              <a:off x="5088872" y="5349201"/>
               <a:ext cx="63202" cy="63202"/>
             </a:xfrm>
             <a:custGeom>
@@ -29041,7 +29041,7 @@
           </p:nvSpPr>
           <p:spPr>
             <a:xfrm>
-              <a:off x="4638324" y="6303940"/>
+              <a:off x="4835821" y="6303922"/>
               <a:ext cx="63202" cy="63202"/>
             </a:xfrm>
             <a:custGeom>
@@ -29084,7 +29084,7 @@
           </p:nvSpPr>
           <p:spPr>
             <a:xfrm>
-              <a:off x="4954959" y="5980160"/>
+              <a:off x="4540285" y="5980244"/>
               <a:ext cx="63202" cy="63202"/>
             </a:xfrm>
             <a:custGeom>
@@ -29127,7 +29127,7 @@
           </p:nvSpPr>
           <p:spPr>
             <a:xfrm>
-              <a:off x="4674318" y="5973574"/>
+              <a:off x="4885968" y="5973619"/>
               <a:ext cx="63202" cy="63202"/>
             </a:xfrm>
             <a:custGeom>
@@ -29170,7 +29170,7 @@
           </p:nvSpPr>
           <p:spPr>
             <a:xfrm>
-              <a:off x="4748185" y="6107700"/>
+              <a:off x="5151585" y="6107770"/>
               <a:ext cx="63202" cy="63202"/>
             </a:xfrm>
             <a:custGeom>
@@ -29213,7 +29213,7 @@
           </p:nvSpPr>
           <p:spPr>
             <a:xfrm>
-              <a:off x="4814249" y="5358505"/>
+              <a:off x="4476890" y="5358575"/>
               <a:ext cx="63202" cy="63202"/>
             </a:xfrm>
             <a:custGeom>
@@ -29256,7 +29256,7 @@
           </p:nvSpPr>
           <p:spPr>
             <a:xfrm>
-              <a:off x="6016253" y="6626904"/>
+              <a:off x="5828240" y="6626896"/>
               <a:ext cx="63202" cy="63202"/>
             </a:xfrm>
             <a:custGeom>
@@ -29299,7 +29299,7 @@
           </p:nvSpPr>
           <p:spPr>
             <a:xfrm>
-              <a:off x="4630459" y="5784843"/>
+              <a:off x="4892106" y="5784911"/>
               <a:ext cx="63202" cy="63202"/>
             </a:xfrm>
             <a:custGeom>
@@ -29342,7 +29342,7 @@
           </p:nvSpPr>
           <p:spPr>
             <a:xfrm>
-              <a:off x="5129119" y="5357041"/>
+              <a:off x="4731189" y="5357061"/>
               <a:ext cx="63202" cy="63202"/>
             </a:xfrm>
             <a:custGeom>
@@ -29385,7 +29385,7 @@
           </p:nvSpPr>
           <p:spPr>
             <a:xfrm>
-              <a:off x="5155025" y="5335441"/>
+              <a:off x="4741820" y="5335454"/>
               <a:ext cx="63202" cy="63202"/>
             </a:xfrm>
             <a:custGeom>
@@ -29428,7 +29428,7 @@
           </p:nvSpPr>
           <p:spPr>
             <a:xfrm>
-              <a:off x="4839796" y="5401581"/>
+              <a:off x="4694201" y="5401619"/>
               <a:ext cx="63202" cy="63202"/>
             </a:xfrm>
             <a:custGeom>
@@ -29471,7 +29471,7 @@
           </p:nvSpPr>
           <p:spPr>
             <a:xfrm>
-              <a:off x="4924541" y="5340104"/>
+              <a:off x="4941688" y="5340174"/>
               <a:ext cx="63202" cy="63202"/>
             </a:xfrm>
             <a:custGeom>
@@ -29514,7 +29514,7 @@
           </p:nvSpPr>
           <p:spPr>
             <a:xfrm>
-              <a:off x="4537607" y="5363729"/>
+              <a:off x="4572924" y="5363705"/>
               <a:ext cx="63202" cy="63202"/>
             </a:xfrm>
             <a:custGeom>
@@ -29557,7 +29557,7 @@
           </p:nvSpPr>
           <p:spPr>
             <a:xfrm>
-              <a:off x="5038391" y="5349366"/>
+              <a:off x="5093943" y="5349417"/>
               <a:ext cx="63202" cy="63202"/>
             </a:xfrm>
             <a:custGeom>
@@ -29600,7 +29600,7 @@
           </p:nvSpPr>
           <p:spPr>
             <a:xfrm>
-              <a:off x="4823482" y="5466723"/>
+              <a:off x="4600348" y="5466723"/>
               <a:ext cx="63202" cy="63202"/>
             </a:xfrm>
             <a:custGeom>
@@ -29643,7 +29643,7 @@
           </p:nvSpPr>
           <p:spPr>
             <a:xfrm>
-              <a:off x="4719628" y="5344031"/>
+              <a:off x="4561336" y="5343992"/>
               <a:ext cx="63202" cy="63202"/>
             </a:xfrm>
             <a:custGeom>
@@ -29686,7 +29686,7 @@
           </p:nvSpPr>
           <p:spPr>
             <a:xfrm>
-              <a:off x="4902843" y="5429734"/>
+              <a:off x="4938320" y="5429769"/>
               <a:ext cx="63202" cy="63202"/>
             </a:xfrm>
             <a:custGeom>
@@ -29729,7 +29729,7 @@
           </p:nvSpPr>
           <p:spPr>
             <a:xfrm>
-              <a:off x="4642259" y="5349738"/>
+              <a:off x="4744615" y="5349735"/>
               <a:ext cx="63202" cy="63202"/>
             </a:xfrm>
             <a:custGeom>
@@ -29772,7 +29772,7 @@
           </p:nvSpPr>
           <p:spPr>
             <a:xfrm>
-              <a:off x="5138632" y="5365527"/>
+              <a:off x="4988970" y="5365548"/>
               <a:ext cx="63202" cy="63202"/>
             </a:xfrm>
             <a:custGeom>
@@ -29815,7 +29815,7 @@
           </p:nvSpPr>
           <p:spPr>
             <a:xfrm>
-              <a:off x="4744113" y="5318072"/>
+              <a:off x="4637868" y="5318064"/>
               <a:ext cx="63202" cy="63202"/>
             </a:xfrm>
             <a:custGeom>
@@ -29858,7 +29858,7 @@
           </p:nvSpPr>
           <p:spPr>
             <a:xfrm>
-              <a:off x="4927609" y="5373628"/>
+              <a:off x="4968821" y="5373691"/>
               <a:ext cx="63202" cy="63202"/>
             </a:xfrm>
             <a:custGeom>
@@ -29901,7 +29901,7 @@
           </p:nvSpPr>
           <p:spPr>
             <a:xfrm>
-              <a:off x="4782078" y="5374397"/>
+              <a:off x="4498863" y="5374437"/>
               <a:ext cx="63202" cy="63202"/>
             </a:xfrm>
             <a:custGeom>
@@ -29944,7 +29944,7 @@
           </p:nvSpPr>
           <p:spPr>
             <a:xfrm>
-              <a:off x="4774423" y="5372859"/>
+              <a:off x="5146456" y="5372901"/>
               <a:ext cx="63202" cy="63202"/>
             </a:xfrm>
             <a:custGeom>
@@ -29987,7 +29987,7 @@
           </p:nvSpPr>
           <p:spPr>
             <a:xfrm>
-              <a:off x="4568215" y="5372798"/>
+              <a:off x="4862609" y="5372824"/>
               <a:ext cx="63202" cy="63202"/>
             </a:xfrm>
             <a:custGeom>
@@ -30030,7 +30030,7 @@
           </p:nvSpPr>
           <p:spPr>
             <a:xfrm>
-              <a:off x="4748145" y="5371030"/>
+              <a:off x="4755301" y="5370979"/>
               <a:ext cx="63202" cy="63202"/>
             </a:xfrm>
             <a:custGeom>
@@ -30073,7 +30073,7 @@
           </p:nvSpPr>
           <p:spPr>
             <a:xfrm>
-              <a:off x="4944070" y="5385690"/>
+              <a:off x="4849783" y="5385721"/>
               <a:ext cx="63202" cy="63202"/>
             </a:xfrm>
             <a:custGeom>
@@ -30116,7 +30116,7 @@
           </p:nvSpPr>
           <p:spPr>
             <a:xfrm>
-              <a:off x="4958483" y="5502243"/>
+              <a:off x="4975503" y="5502223"/>
               <a:ext cx="63202" cy="63202"/>
             </a:xfrm>
             <a:custGeom>
@@ -30159,7 +30159,7 @@
           </p:nvSpPr>
           <p:spPr>
             <a:xfrm>
-              <a:off x="4563501" y="5360805"/>
+              <a:off x="4944800" y="5360811"/>
               <a:ext cx="63202" cy="63202"/>
             </a:xfrm>
             <a:custGeom>
@@ -30202,7 +30202,7 @@
           </p:nvSpPr>
           <p:spPr>
             <a:xfrm>
-              <a:off x="4968016" y="5348941"/>
+              <a:off x="4582379" y="5348899"/>
               <a:ext cx="63202" cy="63202"/>
             </a:xfrm>
             <a:custGeom>
@@ -30245,7 +30245,7 @@
           </p:nvSpPr>
           <p:spPr>
             <a:xfrm>
-              <a:off x="4744662" y="5592923"/>
+              <a:off x="4690940" y="5592976"/>
               <a:ext cx="63202" cy="63202"/>
             </a:xfrm>
             <a:custGeom>
@@ -30288,7 +30288,7 @@
           </p:nvSpPr>
           <p:spPr>
             <a:xfrm>
-              <a:off x="4783444" y="5441504"/>
+              <a:off x="4586104" y="5441518"/>
               <a:ext cx="63202" cy="63202"/>
             </a:xfrm>
             <a:custGeom>
@@ -30331,7 +30331,7 @@
           </p:nvSpPr>
           <p:spPr>
             <a:xfrm>
-              <a:off x="4775848" y="5368794"/>
+              <a:off x="4839217" y="5368868"/>
               <a:ext cx="63202" cy="63202"/>
             </a:xfrm>
             <a:custGeom>
@@ -30374,7 +30374,7 @@
           </p:nvSpPr>
           <p:spPr>
             <a:xfrm>
-              <a:off x="5097033" y="5337004"/>
+              <a:off x="4887497" y="5336994"/>
               <a:ext cx="63202" cy="63202"/>
             </a:xfrm>
             <a:custGeom>
@@ -30417,7 +30417,7 @@
           </p:nvSpPr>
           <p:spPr>
             <a:xfrm>
-              <a:off x="5041359" y="5358223"/>
+              <a:off x="4962734" y="5358239"/>
               <a:ext cx="63202" cy="63202"/>
             </a:xfrm>
             <a:custGeom>
@@ -30460,7 +30460,7 @@
           </p:nvSpPr>
           <p:spPr>
             <a:xfrm>
-              <a:off x="4878773" y="5514017"/>
+              <a:off x="4922767" y="5514002"/>
               <a:ext cx="63202" cy="63202"/>
             </a:xfrm>
             <a:custGeom>
@@ -30503,7 +30503,7 @@
           </p:nvSpPr>
           <p:spPr>
             <a:xfrm>
-              <a:off x="5070553" y="5386450"/>
+              <a:off x="4777280" y="5386495"/>
               <a:ext cx="63202" cy="63202"/>
             </a:xfrm>
             <a:custGeom>
@@ -30546,7 +30546,7 @@
           </p:nvSpPr>
           <p:spPr>
             <a:xfrm>
-              <a:off x="5009437" y="5466699"/>
+              <a:off x="4663851" y="5466773"/>
               <a:ext cx="63202" cy="63202"/>
             </a:xfrm>
             <a:custGeom>
@@ -30589,7 +30589,7 @@
           </p:nvSpPr>
           <p:spPr>
             <a:xfrm>
-              <a:off x="5098895" y="5383635"/>
+              <a:off x="4607195" y="5383680"/>
               <a:ext cx="63202" cy="63202"/>
             </a:xfrm>
             <a:custGeom>
@@ -30688,7 +30688,7 @@
           </p:nvSpPr>
           <p:spPr>
             <a:xfrm>
-              <a:off x="7192078" y="2850758"/>
+              <a:off x="7192078" y="2850802"/>
               <a:ext cx="2796732" cy="0"/>
             </a:xfrm>
             <a:custGeom>
@@ -30731,7 +30731,7 @@
           </p:nvSpPr>
           <p:spPr>
             <a:xfrm>
-              <a:off x="7192078" y="2378732"/>
+              <a:off x="7192078" y="2378765"/>
               <a:ext cx="2796732" cy="0"/>
             </a:xfrm>
             <a:custGeom>
@@ -30774,7 +30774,7 @@
           </p:nvSpPr>
           <p:spPr>
             <a:xfrm>
-              <a:off x="7192078" y="1906706"/>
+              <a:off x="7192078" y="1906729"/>
               <a:ext cx="2796732" cy="0"/>
             </a:xfrm>
             <a:custGeom>
@@ -30817,7 +30817,7 @@
           </p:nvSpPr>
           <p:spPr>
             <a:xfrm>
-              <a:off x="7192078" y="1434681"/>
+              <a:off x="7192078" y="1434692"/>
               <a:ext cx="2796732" cy="0"/>
             </a:xfrm>
             <a:custGeom>
@@ -30860,7 +30860,7 @@
           </p:nvSpPr>
           <p:spPr>
             <a:xfrm>
-              <a:off x="7192078" y="2614745"/>
+              <a:off x="7192078" y="2614783"/>
               <a:ext cx="2796732" cy="0"/>
             </a:xfrm>
             <a:custGeom>
@@ -30903,7 +30903,7 @@
           </p:nvSpPr>
           <p:spPr>
             <a:xfrm>
-              <a:off x="7192078" y="2142719"/>
+              <a:off x="7192078" y="2142747"/>
               <a:ext cx="2796732" cy="0"/>
             </a:xfrm>
             <a:custGeom>
@@ -30946,7 +30946,7 @@
           </p:nvSpPr>
           <p:spPr>
             <a:xfrm>
-              <a:off x="7192078" y="1670694"/>
+              <a:off x="7192078" y="1670711"/>
               <a:ext cx="2796732" cy="0"/>
             </a:xfrm>
             <a:custGeom>
@@ -31118,7 +31118,7 @@
           </p:nvSpPr>
           <p:spPr>
             <a:xfrm>
-              <a:off x="7711783" y="2541630"/>
+              <a:off x="7341189" y="2541610"/>
               <a:ext cx="63202" cy="63202"/>
             </a:xfrm>
             <a:custGeom>
@@ -31161,7 +31161,7 @@
           </p:nvSpPr>
           <p:spPr>
             <a:xfrm>
-              <a:off x="7918375" y="2383105"/>
+              <a:off x="7506510" y="2383107"/>
               <a:ext cx="63202" cy="63202"/>
             </a:xfrm>
             <a:custGeom>
@@ -31204,7 +31204,7 @@
           </p:nvSpPr>
           <p:spPr>
             <a:xfrm>
-              <a:off x="7957395" y="2106246"/>
+              <a:off x="7929521" y="2106227"/>
               <a:ext cx="63202" cy="63202"/>
             </a:xfrm>
             <a:custGeom>
@@ -31247,7 +31247,7 @@
           </p:nvSpPr>
           <p:spPr>
             <a:xfrm>
-              <a:off x="7766494" y="2223761"/>
+              <a:off x="7596615" y="2223741"/>
               <a:ext cx="63202" cy="63202"/>
             </a:xfrm>
             <a:custGeom>
@@ -31290,7 +31290,7 @@
           </p:nvSpPr>
           <p:spPr>
             <a:xfrm>
-              <a:off x="7579429" y="2151627"/>
+              <a:off x="7626499" y="2151656"/>
               <a:ext cx="63202" cy="63202"/>
             </a:xfrm>
             <a:custGeom>
@@ -31333,7 +31333,7 @@
           </p:nvSpPr>
           <p:spPr>
             <a:xfrm>
-              <a:off x="7611671" y="1773879"/>
+              <a:off x="7396024" y="1773929"/>
               <a:ext cx="63202" cy="63202"/>
             </a:xfrm>
             <a:custGeom>
@@ -31376,7 +31376,7 @@
           </p:nvSpPr>
           <p:spPr>
             <a:xfrm>
-              <a:off x="7708746" y="2347809"/>
+              <a:off x="7533562" y="2347832"/>
               <a:ext cx="63202" cy="63202"/>
             </a:xfrm>
             <a:custGeom>
@@ -31419,7 +31419,7 @@
           </p:nvSpPr>
           <p:spPr>
             <a:xfrm>
-              <a:off x="7835164" y="2386877"/>
+              <a:off x="7483707" y="2386925"/>
               <a:ext cx="63202" cy="63202"/>
             </a:xfrm>
             <a:custGeom>
@@ -31462,7 +31462,7 @@
           </p:nvSpPr>
           <p:spPr>
             <a:xfrm>
-              <a:off x="7394211" y="2151267"/>
+              <a:off x="7745011" y="2151283"/>
               <a:ext cx="63202" cy="63202"/>
             </a:xfrm>
             <a:custGeom>
@@ -31505,7 +31505,7 @@
           </p:nvSpPr>
           <p:spPr>
             <a:xfrm>
-              <a:off x="7363464" y="2172609"/>
+              <a:off x="7450560" y="2172572"/>
               <a:ext cx="63202" cy="63202"/>
             </a:xfrm>
             <a:custGeom>
@@ -31548,7 +31548,7 @@
           </p:nvSpPr>
           <p:spPr>
             <a:xfrm>
-              <a:off x="7992751" y="2349959"/>
+              <a:off x="8013364" y="2349977"/>
               <a:ext cx="63202" cy="63202"/>
             </a:xfrm>
             <a:custGeom>
@@ -31591,7 +31591,7 @@
           </p:nvSpPr>
           <p:spPr>
             <a:xfrm>
-              <a:off x="7525284" y="2632342"/>
+              <a:off x="7607886" y="2632384"/>
               <a:ext cx="63202" cy="63202"/>
             </a:xfrm>
             <a:custGeom>
@@ -31634,7 +31634,7 @@
           </p:nvSpPr>
           <p:spPr>
             <a:xfrm>
-              <a:off x="7456647" y="2443536"/>
+              <a:off x="7553689" y="2443538"/>
               <a:ext cx="63202" cy="63202"/>
             </a:xfrm>
             <a:custGeom>
@@ -31677,7 +31677,7 @@
           </p:nvSpPr>
           <p:spPr>
             <a:xfrm>
-              <a:off x="7500536" y="2356793"/>
+              <a:off x="7719257" y="2356788"/>
               <a:ext cx="63202" cy="63202"/>
             </a:xfrm>
             <a:custGeom>
@@ -31720,7 +31720,7 @@
           </p:nvSpPr>
           <p:spPr>
             <a:xfrm>
-              <a:off x="7984625" y="2350989"/>
+              <a:off x="7979680" y="2351044"/>
               <a:ext cx="63202" cy="63202"/>
             </a:xfrm>
             <a:custGeom>
@@ -31763,7 +31763,7 @@
           </p:nvSpPr>
           <p:spPr>
             <a:xfrm>
-              <a:off x="7481901" y="2573025"/>
+              <a:off x="7502183" y="2573067"/>
               <a:ext cx="63202" cy="63202"/>
             </a:xfrm>
             <a:custGeom>
@@ -31806,7 +31806,7 @@
           </p:nvSpPr>
           <p:spPr>
             <a:xfrm>
-              <a:off x="7647922" y="2364493"/>
+              <a:off x="7946830" y="2364561"/>
               <a:ext cx="63202" cy="63202"/>
             </a:xfrm>
             <a:custGeom>
@@ -31849,7 +31849,7 @@
           </p:nvSpPr>
           <p:spPr>
             <a:xfrm>
-              <a:off x="7572956" y="2220498"/>
+              <a:off x="7752137" y="2220577"/>
               <a:ext cx="63202" cy="63202"/>
             </a:xfrm>
             <a:custGeom>
@@ -31892,7 +31892,7 @@
           </p:nvSpPr>
           <p:spPr>
             <a:xfrm>
-              <a:off x="7593006" y="2514143"/>
+              <a:off x="7722800" y="2514202"/>
               <a:ext cx="63202" cy="63202"/>
             </a:xfrm>
             <a:custGeom>
@@ -31935,7 +31935,7 @@
           </p:nvSpPr>
           <p:spPr>
             <a:xfrm>
-              <a:off x="7732213" y="2324060"/>
+              <a:off x="7545238" y="2324101"/>
               <a:ext cx="63202" cy="63202"/>
             </a:xfrm>
             <a:custGeom>
@@ -31978,7 +31978,7 @@
           </p:nvSpPr>
           <p:spPr>
             <a:xfrm>
-              <a:off x="7355816" y="2315781"/>
+              <a:off x="7716803" y="2315789"/>
               <a:ext cx="63202" cy="63202"/>
             </a:xfrm>
             <a:custGeom>
@@ -32021,7 +32021,7 @@
           </p:nvSpPr>
           <p:spPr>
             <a:xfrm>
-              <a:off x="7782020" y="2382753"/>
+              <a:off x="7427543" y="2382792"/>
               <a:ext cx="63202" cy="63202"/>
             </a:xfrm>
             <a:custGeom>
@@ -32064,7 +32064,7 @@
           </p:nvSpPr>
           <p:spPr>
             <a:xfrm>
-              <a:off x="7554196" y="2559416"/>
+              <a:off x="7436210" y="2559460"/>
               <a:ext cx="63202" cy="63202"/>
             </a:xfrm>
             <a:custGeom>
@@ -32107,7 +32107,7 @@
           </p:nvSpPr>
           <p:spPr>
             <a:xfrm>
-              <a:off x="7754145" y="2387539"/>
+              <a:off x="7568361" y="2387603"/>
               <a:ext cx="63202" cy="63202"/>
             </a:xfrm>
             <a:custGeom>
@@ -32150,7 +32150,7 @@
           </p:nvSpPr>
           <p:spPr>
             <a:xfrm>
-              <a:off x="7924499" y="2348911"/>
+              <a:off x="7994170" y="2348938"/>
               <a:ext cx="63202" cy="63202"/>
             </a:xfrm>
             <a:custGeom>
@@ -32193,7 +32193,7 @@
           </p:nvSpPr>
           <p:spPr>
             <a:xfrm>
-              <a:off x="7888459" y="1774273"/>
+              <a:off x="7362572" y="1774293"/>
               <a:ext cx="63202" cy="63202"/>
             </a:xfrm>
             <a:custGeom>
@@ -32236,7 +32236,7 @@
           </p:nvSpPr>
           <p:spPr>
             <a:xfrm>
-              <a:off x="7731600" y="2361002"/>
+              <a:off x="7814876" y="2361058"/>
               <a:ext cx="63202" cy="63202"/>
             </a:xfrm>
             <a:custGeom>
@@ -32279,7 +32279,7 @@
           </p:nvSpPr>
           <p:spPr>
             <a:xfrm>
-              <a:off x="8018197" y="2352789"/>
+              <a:off x="7433483" y="2352849"/>
               <a:ext cx="63202" cy="63202"/>
             </a:xfrm>
             <a:custGeom>
@@ -32322,7 +32322,7 @@
           </p:nvSpPr>
           <p:spPr>
             <a:xfrm>
-              <a:off x="7976609" y="1771188"/>
+              <a:off x="7634861" y="1771205"/>
               <a:ext cx="63202" cy="63202"/>
             </a:xfrm>
             <a:custGeom>
@@ -32365,7 +32365,7 @@
           </p:nvSpPr>
           <p:spPr>
             <a:xfrm>
-              <a:off x="7927864" y="2228946"/>
+              <a:off x="7422047" y="2228954"/>
               <a:ext cx="63202" cy="63202"/>
             </a:xfrm>
             <a:custGeom>
@@ -32408,7 +32408,7 @@
           </p:nvSpPr>
           <p:spPr>
             <a:xfrm>
-              <a:off x="7687366" y="2269907"/>
+              <a:off x="7570490" y="2269935"/>
               <a:ext cx="63202" cy="63202"/>
             </a:xfrm>
             <a:custGeom>
@@ -32451,7 +32451,7 @@
           </p:nvSpPr>
           <p:spPr>
             <a:xfrm>
-              <a:off x="7795776" y="2290652"/>
+              <a:off x="7685791" y="2290722"/>
               <a:ext cx="63202" cy="63202"/>
             </a:xfrm>
             <a:custGeom>
@@ -32494,7 +32494,7 @@
           </p:nvSpPr>
           <p:spPr>
             <a:xfrm>
-              <a:off x="7807705" y="2265269"/>
+              <a:off x="8029902" y="2265333"/>
               <a:ext cx="63202" cy="63202"/>
             </a:xfrm>
             <a:custGeom>
@@ -32537,7 +32537,7 @@
           </p:nvSpPr>
           <p:spPr>
             <a:xfrm>
-              <a:off x="7569469" y="2267490"/>
+              <a:off x="7890706" y="2267449"/>
               <a:ext cx="63202" cy="63202"/>
             </a:xfrm>
             <a:custGeom>
@@ -32580,7 +32580,7 @@
           </p:nvSpPr>
           <p:spPr>
             <a:xfrm>
-              <a:off x="7490176" y="2265676"/>
+              <a:off x="7735515" y="2265658"/>
               <a:ext cx="63202" cy="63202"/>
             </a:xfrm>
             <a:custGeom>
@@ -32623,7 +32623,7 @@
           </p:nvSpPr>
           <p:spPr>
             <a:xfrm>
-              <a:off x="7527305" y="2315210"/>
+              <a:off x="7663925" y="2315260"/>
               <a:ext cx="63202" cy="63202"/>
             </a:xfrm>
             <a:custGeom>
@@ -32666,7 +32666,7 @@
           </p:nvSpPr>
           <p:spPr>
             <a:xfrm>
-              <a:off x="7368982" y="2318269"/>
+              <a:off x="7378522" y="2318278"/>
               <a:ext cx="63202" cy="63202"/>
             </a:xfrm>
             <a:custGeom>
@@ -32709,7 +32709,7 @@
           </p:nvSpPr>
           <p:spPr>
             <a:xfrm>
-              <a:off x="7920022" y="2439859"/>
+              <a:off x="7447533" y="2439894"/>
               <a:ext cx="63202" cy="63202"/>
             </a:xfrm>
             <a:custGeom>
@@ -32752,7 +32752,7 @@
           </p:nvSpPr>
           <p:spPr>
             <a:xfrm>
-              <a:off x="8011881" y="2368249"/>
+              <a:off x="7434094" y="2368347"/>
               <a:ext cx="63202" cy="63202"/>
             </a:xfrm>
             <a:custGeom>
@@ -32795,7 +32795,7 @@
           </p:nvSpPr>
           <p:spPr>
             <a:xfrm>
-              <a:off x="7516273" y="2223760"/>
+              <a:off x="7847736" y="2223775"/>
               <a:ext cx="63202" cy="63202"/>
             </a:xfrm>
             <a:custGeom>
@@ -32838,7 +32838,7 @@
           </p:nvSpPr>
           <p:spPr>
             <a:xfrm>
-              <a:off x="7548048" y="2546828"/>
+              <a:off x="7857899" y="2546828"/>
               <a:ext cx="63202" cy="63202"/>
             </a:xfrm>
             <a:custGeom>
@@ -32881,7 +32881,7 @@
           </p:nvSpPr>
           <p:spPr>
             <a:xfrm>
-              <a:off x="7783947" y="2401298"/>
+              <a:off x="7820452" y="2401357"/>
               <a:ext cx="63202" cy="63202"/>
             </a:xfrm>
             <a:custGeom>
@@ -32924,7 +32924,7 @@
           </p:nvSpPr>
           <p:spPr>
             <a:xfrm>
-              <a:off x="8020743" y="2222163"/>
+              <a:off x="7935290" y="2222167"/>
               <a:ext cx="63202" cy="63202"/>
             </a:xfrm>
             <a:custGeom>
@@ -32967,7 +32967,7 @@
           </p:nvSpPr>
           <p:spPr>
             <a:xfrm>
-              <a:off x="7468477" y="2220533"/>
+              <a:off x="7505533" y="2220544"/>
               <a:ext cx="63202" cy="63202"/>
             </a:xfrm>
             <a:custGeom>
@@ -33010,7 +33010,7 @@
           </p:nvSpPr>
           <p:spPr>
             <a:xfrm>
-              <a:off x="7821899" y="2311461"/>
+              <a:off x="7881069" y="2311472"/>
               <a:ext cx="63202" cy="63202"/>
             </a:xfrm>
             <a:custGeom>
@@ -33053,7 +33053,7 @@
           </p:nvSpPr>
           <p:spPr>
             <a:xfrm>
-              <a:off x="7395690" y="2221760"/>
+              <a:off x="7672238" y="2221797"/>
               <a:ext cx="63202" cy="63202"/>
             </a:xfrm>
             <a:custGeom>
@@ -33096,7 +33096,7 @@
           </p:nvSpPr>
           <p:spPr>
             <a:xfrm>
-              <a:off x="7477447" y="2151588"/>
+              <a:off x="7998192" y="2151613"/>
               <a:ext cx="63202" cy="63202"/>
             </a:xfrm>
             <a:custGeom>
@@ -33195,7 +33195,7 @@
           </p:nvSpPr>
           <p:spPr>
             <a:xfrm>
-              <a:off x="7192078" y="4776090"/>
+              <a:off x="7192078" y="4776134"/>
               <a:ext cx="2796732" cy="0"/>
             </a:xfrm>
             <a:custGeom>
@@ -33238,7 +33238,7 @@
           </p:nvSpPr>
           <p:spPr>
             <a:xfrm>
-              <a:off x="7192078" y="4304065"/>
+              <a:off x="7192078" y="4304098"/>
               <a:ext cx="2796732" cy="0"/>
             </a:xfrm>
             <a:custGeom>
@@ -33281,7 +33281,7 @@
           </p:nvSpPr>
           <p:spPr>
             <a:xfrm>
-              <a:off x="7192078" y="3832039"/>
+              <a:off x="7192078" y="3832061"/>
               <a:ext cx="2796732" cy="0"/>
             </a:xfrm>
             <a:custGeom>
@@ -33324,7 +33324,7 @@
           </p:nvSpPr>
           <p:spPr>
             <a:xfrm>
-              <a:off x="7192078" y="3360013"/>
+              <a:off x="7192078" y="3360025"/>
               <a:ext cx="2796732" cy="0"/>
             </a:xfrm>
             <a:custGeom>
@@ -33367,7 +33367,7 @@
           </p:nvSpPr>
           <p:spPr>
             <a:xfrm>
-              <a:off x="7192078" y="4540077"/>
+              <a:off x="7192078" y="4540116"/>
               <a:ext cx="2796732" cy="0"/>
             </a:xfrm>
             <a:custGeom>
@@ -33410,7 +33410,7 @@
           </p:nvSpPr>
           <p:spPr>
             <a:xfrm>
-              <a:off x="7192078" y="4068052"/>
+              <a:off x="7192078" y="4068080"/>
               <a:ext cx="2796732" cy="0"/>
             </a:xfrm>
             <a:custGeom>
@@ -33453,7 +33453,7 @@
           </p:nvSpPr>
           <p:spPr>
             <a:xfrm>
-              <a:off x="7192078" y="3596026"/>
+              <a:off x="7192078" y="3596043"/>
               <a:ext cx="2796732" cy="0"/>
             </a:xfrm>
             <a:custGeom>
@@ -33625,7 +33625,7 @@
           </p:nvSpPr>
           <p:spPr>
             <a:xfrm>
-              <a:off x="7655923" y="4037474"/>
+              <a:off x="7349426" y="4037490"/>
               <a:ext cx="63202" cy="63202"/>
             </a:xfrm>
             <a:custGeom>
@@ -33668,7 +33668,7 @@
           </p:nvSpPr>
           <p:spPr>
             <a:xfrm>
-              <a:off x="7727631" y="4021782"/>
+              <a:off x="7690189" y="4021835"/>
               <a:ext cx="63202" cy="63202"/>
             </a:xfrm>
             <a:custGeom>
@@ -33711,7 +33711,7 @@
           </p:nvSpPr>
           <p:spPr>
             <a:xfrm>
-              <a:off x="7405876" y="4238205"/>
+              <a:off x="7369046" y="4238199"/>
               <a:ext cx="63202" cy="63202"/>
             </a:xfrm>
             <a:custGeom>
@@ -33754,7 +33754,7 @@
           </p:nvSpPr>
           <p:spPr>
             <a:xfrm>
-              <a:off x="8336858" y="4712046"/>
+              <a:off x="8485766" y="4712027"/>
               <a:ext cx="63202" cy="63202"/>
             </a:xfrm>
             <a:custGeom>
@@ -33797,7 +33797,7 @@
           </p:nvSpPr>
           <p:spPr>
             <a:xfrm>
-              <a:off x="7734138" y="4162942"/>
+              <a:off x="7720604" y="4162956"/>
               <a:ext cx="63202" cy="63202"/>
             </a:xfrm>
             <a:custGeom>
@@ -33840,7 +33840,7 @@
           </p:nvSpPr>
           <p:spPr>
             <a:xfrm>
-              <a:off x="7729348" y="3980814"/>
+              <a:off x="7467866" y="3980888"/>
               <a:ext cx="63202" cy="63202"/>
             </a:xfrm>
             <a:custGeom>
@@ -33883,7 +33883,7 @@
           </p:nvSpPr>
           <p:spPr>
             <a:xfrm>
-              <a:off x="7499315" y="4197966"/>
+              <a:off x="7516300" y="4198041"/>
               <a:ext cx="63202" cy="63202"/>
             </a:xfrm>
             <a:custGeom>
@@ -33926,7 +33926,7 @@
           </p:nvSpPr>
           <p:spPr>
             <a:xfrm>
-              <a:off x="8011425" y="4137258"/>
+              <a:off x="7417580" y="4137318"/>
               <a:ext cx="63202" cy="63202"/>
             </a:xfrm>
             <a:custGeom>
@@ -33969,7 +33969,7 @@
           </p:nvSpPr>
           <p:spPr>
             <a:xfrm>
-              <a:off x="7819851" y="4265779"/>
+              <a:off x="7936448" y="4265774"/>
               <a:ext cx="63202" cy="63202"/>
             </a:xfrm>
             <a:custGeom>
@@ -34012,7 +34012,7 @@
           </p:nvSpPr>
           <p:spPr>
             <a:xfrm>
-              <a:off x="7380097" y="4030806"/>
+              <a:off x="7757676" y="4030779"/>
               <a:ext cx="63202" cy="63202"/>
             </a:xfrm>
             <a:custGeom>
@@ -34055,7 +34055,7 @@
           </p:nvSpPr>
           <p:spPr>
             <a:xfrm>
-              <a:off x="7418952" y="4019078"/>
+              <a:off x="7893118" y="4019118"/>
               <a:ext cx="63202" cy="63202"/>
             </a:xfrm>
             <a:custGeom>
@@ -34098,7 +34098,7 @@
           </p:nvSpPr>
           <p:spPr>
             <a:xfrm>
-              <a:off x="8013692" y="4132455"/>
+              <a:off x="7885469" y="4132502"/>
               <a:ext cx="63202" cy="63202"/>
             </a:xfrm>
             <a:custGeom>
@@ -34141,7 +34141,7 @@
           </p:nvSpPr>
           <p:spPr>
             <a:xfrm>
-              <a:off x="7853909" y="3972852"/>
+              <a:off x="7495448" y="3972829"/>
               <a:ext cx="63202" cy="63202"/>
             </a:xfrm>
             <a:custGeom>
@@ -34184,7 +34184,7 @@
           </p:nvSpPr>
           <p:spPr>
             <a:xfrm>
-              <a:off x="7790245" y="4088384"/>
+              <a:off x="7587192" y="4088393"/>
               <a:ext cx="63202" cy="63202"/>
             </a:xfrm>
             <a:custGeom>
@@ -35679,7 +35679,7 @@
           </p:nvSpPr>
           <p:spPr>
             <a:xfrm>
-              <a:off x="1210339" y="2573053"/>
+              <a:off x="1210339" y="2573092"/>
               <a:ext cx="186466" cy="81691"/>
             </a:xfrm>
             <a:prstGeom prst="rect">
@@ -35725,7 +35725,7 @@
           </p:nvSpPr>
           <p:spPr>
             <a:xfrm>
-              <a:off x="1148183" y="2101028"/>
+              <a:off x="1148183" y="2101055"/>
               <a:ext cx="248622" cy="81691"/>
             </a:xfrm>
             <a:prstGeom prst="rect">
@@ -35771,7 +35771,7 @@
           </p:nvSpPr>
           <p:spPr>
             <a:xfrm>
-              <a:off x="1148183" y="1629002"/>
+              <a:off x="1148183" y="1629019"/>
               <a:ext cx="248622" cy="81691"/>
             </a:xfrm>
             <a:prstGeom prst="rect">
@@ -35817,7 +35817,7 @@
           </p:nvSpPr>
           <p:spPr>
             <a:xfrm>
-              <a:off x="1424641" y="2614745"/>
+              <a:off x="1424641" y="2614783"/>
               <a:ext cx="34794" cy="0"/>
             </a:xfrm>
             <a:custGeom>
@@ -35857,7 +35857,7 @@
           </p:nvSpPr>
           <p:spPr>
             <a:xfrm>
-              <a:off x="1424641" y="2142719"/>
+              <a:off x="1424641" y="2142747"/>
               <a:ext cx="34794" cy="0"/>
             </a:xfrm>
             <a:custGeom>
@@ -35897,7 +35897,7 @@
           </p:nvSpPr>
           <p:spPr>
             <a:xfrm>
-              <a:off x="1424641" y="1670694"/>
+              <a:off x="1424641" y="1670711"/>
               <a:ext cx="34794" cy="0"/>
             </a:xfrm>
             <a:custGeom>
@@ -35937,7 +35937,7 @@
           </p:nvSpPr>
           <p:spPr>
             <a:xfrm>
-              <a:off x="1210339" y="4498386"/>
+              <a:off x="1210339" y="4498424"/>
               <a:ext cx="186466" cy="81691"/>
             </a:xfrm>
             <a:prstGeom prst="rect">
@@ -35983,7 +35983,7 @@
           </p:nvSpPr>
           <p:spPr>
             <a:xfrm>
-              <a:off x="1148183" y="4026360"/>
+              <a:off x="1148183" y="4026388"/>
               <a:ext cx="248622" cy="81691"/>
             </a:xfrm>
             <a:prstGeom prst="rect">
@@ -36029,7 +36029,7 @@
           </p:nvSpPr>
           <p:spPr>
             <a:xfrm>
-              <a:off x="1148183" y="3554335"/>
+              <a:off x="1148183" y="3554351"/>
               <a:ext cx="248622" cy="81691"/>
             </a:xfrm>
             <a:prstGeom prst="rect">
@@ -36075,7 +36075,7 @@
           </p:nvSpPr>
           <p:spPr>
             <a:xfrm>
-              <a:off x="1424641" y="4540077"/>
+              <a:off x="1424641" y="4540116"/>
               <a:ext cx="34794" cy="0"/>
             </a:xfrm>
             <a:custGeom>
@@ -36115,7 +36115,7 @@
           </p:nvSpPr>
           <p:spPr>
             <a:xfrm>
-              <a:off x="1424641" y="4068052"/>
+              <a:off x="1424641" y="4068080"/>
               <a:ext cx="34794" cy="0"/>
             </a:xfrm>
             <a:custGeom>
@@ -36155,7 +36155,7 @@
           </p:nvSpPr>
           <p:spPr>
             <a:xfrm>
-              <a:off x="1424641" y="3596026"/>
+              <a:off x="1424641" y="3596043"/>
               <a:ext cx="34794" cy="0"/>
             </a:xfrm>
             <a:custGeom>
@@ -36195,7 +36195,7 @@
           </p:nvSpPr>
           <p:spPr>
             <a:xfrm>
-              <a:off x="1210339" y="6423718"/>
+              <a:off x="1210339" y="6423757"/>
               <a:ext cx="186466" cy="81691"/>
             </a:xfrm>
             <a:prstGeom prst="rect">
@@ -36241,7 +36241,7 @@
           </p:nvSpPr>
           <p:spPr>
             <a:xfrm>
-              <a:off x="1148183" y="5951693"/>
+              <a:off x="1148183" y="5951720"/>
               <a:ext cx="248622" cy="81691"/>
             </a:xfrm>
             <a:prstGeom prst="rect">
@@ -36287,7 +36287,7 @@
           </p:nvSpPr>
           <p:spPr>
             <a:xfrm>
-              <a:off x="1148183" y="5479667"/>
+              <a:off x="1148183" y="5479684"/>
               <a:ext cx="248622" cy="81691"/>
             </a:xfrm>
             <a:prstGeom prst="rect">
@@ -36333,7 +36333,7 @@
           </p:nvSpPr>
           <p:spPr>
             <a:xfrm>
-              <a:off x="1424641" y="6465410"/>
+              <a:off x="1424641" y="6465449"/>
               <a:ext cx="34794" cy="0"/>
             </a:xfrm>
             <a:custGeom>
@@ -36373,7 +36373,7 @@
           </p:nvSpPr>
           <p:spPr>
             <a:xfrm>
-              <a:off x="1424641" y="5993384"/>
+              <a:off x="1424641" y="5993412"/>
               <a:ext cx="34794" cy="0"/>
             </a:xfrm>
             <a:custGeom>
@@ -36413,7 +36413,7 @@
           </p:nvSpPr>
           <p:spPr>
             <a:xfrm>
-              <a:off x="1424641" y="5521359"/>
+              <a:off x="1424641" y="5521376"/>
               <a:ext cx="34794" cy="0"/>
             </a:xfrm>
             <a:custGeom>

--- a/Images/Figures_PPT/Jitter_Plot_Raptor_Domain.pptx
+++ b/Images/Figures_PPT/Jitter_Plot_Raptor_Domain.pptx
@@ -2359,7 +2359,7 @@
           </p:nvSpPr>
           <p:spPr>
             <a:xfrm>
-              <a:off x="1459435" y="2850802"/>
+              <a:off x="1459435" y="2850752"/>
               <a:ext cx="2796732" cy="0"/>
             </a:xfrm>
             <a:custGeom>
@@ -2402,7 +2402,7 @@
           </p:nvSpPr>
           <p:spPr>
             <a:xfrm>
-              <a:off x="1459435" y="2378765"/>
+              <a:off x="1459435" y="2378729"/>
               <a:ext cx="2796732" cy="0"/>
             </a:xfrm>
             <a:custGeom>
@@ -2445,7 +2445,7 @@
           </p:nvSpPr>
           <p:spPr>
             <a:xfrm>
-              <a:off x="1459435" y="1906729"/>
+              <a:off x="1459435" y="1906706"/>
               <a:ext cx="2796732" cy="0"/>
             </a:xfrm>
             <a:custGeom>
@@ -2488,7 +2488,7 @@
           </p:nvSpPr>
           <p:spPr>
             <a:xfrm>
-              <a:off x="1459435" y="1434692"/>
+              <a:off x="1459435" y="1434682"/>
               <a:ext cx="2796732" cy="0"/>
             </a:xfrm>
             <a:custGeom>
@@ -2531,7 +2531,7 @@
           </p:nvSpPr>
           <p:spPr>
             <a:xfrm>
-              <a:off x="1459435" y="2614783"/>
+              <a:off x="1459435" y="2614740"/>
               <a:ext cx="2796732" cy="0"/>
             </a:xfrm>
             <a:custGeom>
@@ -2574,7 +2574,7 @@
           </p:nvSpPr>
           <p:spPr>
             <a:xfrm>
-              <a:off x="1459435" y="2142747"/>
+              <a:off x="1459435" y="2142717"/>
               <a:ext cx="2796732" cy="0"/>
             </a:xfrm>
             <a:custGeom>
@@ -2617,7 +2617,7 @@
           </p:nvSpPr>
           <p:spPr>
             <a:xfrm>
-              <a:off x="1459435" y="1670711"/>
+              <a:off x="1459435" y="1670694"/>
               <a:ext cx="2796732" cy="0"/>
             </a:xfrm>
             <a:custGeom>
@@ -2789,7 +2789,7 @@
           </p:nvSpPr>
           <p:spPr>
             <a:xfrm>
-              <a:off x="3924474" y="2744524"/>
+              <a:off x="3656833" y="2744462"/>
               <a:ext cx="63202" cy="63202"/>
             </a:xfrm>
             <a:custGeom>
@@ -2832,7 +2832,7 @@
           </p:nvSpPr>
           <p:spPr>
             <a:xfrm>
-              <a:off x="2081577" y="2736147"/>
+              <a:off x="1725182" y="2736090"/>
               <a:ext cx="63202" cy="63202"/>
             </a:xfrm>
             <a:custGeom>
@@ -2875,7 +2875,7 @@
           </p:nvSpPr>
           <p:spPr>
             <a:xfrm>
-              <a:off x="1649535" y="2681142"/>
+              <a:off x="2289360" y="2681146"/>
               <a:ext cx="63202" cy="63202"/>
             </a:xfrm>
             <a:custGeom>
@@ -2918,7 +2918,7 @@
           </p:nvSpPr>
           <p:spPr>
             <a:xfrm>
-              <a:off x="3070993" y="2846457"/>
+              <a:off x="2624740" y="2846397"/>
               <a:ext cx="63202" cy="63202"/>
             </a:xfrm>
             <a:custGeom>
@@ -2961,7 +2961,7 @@
           </p:nvSpPr>
           <p:spPr>
             <a:xfrm>
-              <a:off x="2209339" y="2759621"/>
+              <a:off x="2049208" y="2759602"/>
               <a:ext cx="63202" cy="63202"/>
             </a:xfrm>
             <a:custGeom>
@@ -3004,7 +3004,7 @@
           </p:nvSpPr>
           <p:spPr>
             <a:xfrm>
-              <a:off x="2597626" y="2845504"/>
+              <a:off x="3162533" y="2845468"/>
               <a:ext cx="63202" cy="63202"/>
             </a:xfrm>
             <a:custGeom>
@@ -3103,7 +3103,7 @@
           </p:nvSpPr>
           <p:spPr>
             <a:xfrm>
-              <a:off x="1459435" y="4776134"/>
+              <a:off x="1459435" y="4776084"/>
               <a:ext cx="2796732" cy="0"/>
             </a:xfrm>
             <a:custGeom>
@@ -3146,7 +3146,7 @@
           </p:nvSpPr>
           <p:spPr>
             <a:xfrm>
-              <a:off x="1459435" y="4304098"/>
+              <a:off x="1459435" y="4304061"/>
               <a:ext cx="2796732" cy="0"/>
             </a:xfrm>
             <a:custGeom>
@@ -3189,7 +3189,7 @@
           </p:nvSpPr>
           <p:spPr>
             <a:xfrm>
-              <a:off x="1459435" y="3832061"/>
+              <a:off x="1459435" y="3832038"/>
               <a:ext cx="2796732" cy="0"/>
             </a:xfrm>
             <a:custGeom>
@@ -3232,7 +3232,7 @@
           </p:nvSpPr>
           <p:spPr>
             <a:xfrm>
-              <a:off x="1459435" y="3360025"/>
+              <a:off x="1459435" y="3360015"/>
               <a:ext cx="2796732" cy="0"/>
             </a:xfrm>
             <a:custGeom>
@@ -3275,7 +3275,7 @@
           </p:nvSpPr>
           <p:spPr>
             <a:xfrm>
-              <a:off x="1459435" y="4540116"/>
+              <a:off x="1459435" y="4540073"/>
               <a:ext cx="2796732" cy="0"/>
             </a:xfrm>
             <a:custGeom>
@@ -3318,7 +3318,7 @@
           </p:nvSpPr>
           <p:spPr>
             <a:xfrm>
-              <a:off x="1459435" y="4068080"/>
+              <a:off x="1459435" y="4068050"/>
               <a:ext cx="2796732" cy="0"/>
             </a:xfrm>
             <a:custGeom>
@@ -3361,7 +3361,7 @@
           </p:nvSpPr>
           <p:spPr>
             <a:xfrm>
-              <a:off x="1459435" y="3596043"/>
+              <a:off x="1459435" y="3596027"/>
               <a:ext cx="2796732" cy="0"/>
             </a:xfrm>
             <a:custGeom>
@@ -3533,7 +3533,7 @@
           </p:nvSpPr>
           <p:spPr>
             <a:xfrm>
-              <a:off x="1967678" y="4162257"/>
+              <a:off x="1771730" y="4162192"/>
               <a:ext cx="63202" cy="63202"/>
             </a:xfrm>
             <a:custGeom>
@@ -3576,7 +3576,7 @@
           </p:nvSpPr>
           <p:spPr>
             <a:xfrm>
-              <a:off x="1629416" y="4506280"/>
+              <a:off x="2241267" y="4506191"/>
               <a:ext cx="63202" cy="63202"/>
             </a:xfrm>
             <a:custGeom>
@@ -3619,7 +3619,7 @@
           </p:nvSpPr>
           <p:spPr>
             <a:xfrm>
-              <a:off x="2272774" y="4162196"/>
+              <a:off x="1984305" y="4162207"/>
               <a:ext cx="63202" cy="63202"/>
             </a:xfrm>
             <a:custGeom>
@@ -3662,7 +3662,7 @@
           </p:nvSpPr>
           <p:spPr>
             <a:xfrm>
-              <a:off x="2091793" y="4355743"/>
+              <a:off x="2156495" y="4355724"/>
               <a:ext cx="63202" cy="63202"/>
             </a:xfrm>
             <a:custGeom>
@@ -3705,7 +3705,7 @@
           </p:nvSpPr>
           <p:spPr>
             <a:xfrm>
-              <a:off x="1881601" y="4258702"/>
+              <a:off x="1911325" y="4258698"/>
               <a:ext cx="63202" cy="63202"/>
             </a:xfrm>
             <a:custGeom>
@@ -3748,7 +3748,7 @@
           </p:nvSpPr>
           <p:spPr>
             <a:xfrm>
-              <a:off x="2689470" y="4806637"/>
+              <a:off x="2733180" y="4806633"/>
               <a:ext cx="63202" cy="63202"/>
             </a:xfrm>
             <a:custGeom>
@@ -3791,7 +3791,7 @@
           </p:nvSpPr>
           <p:spPr>
             <a:xfrm>
-              <a:off x="1745506" y="4354884"/>
+              <a:off x="2066577" y="4354893"/>
               <a:ext cx="63202" cy="63202"/>
             </a:xfrm>
             <a:custGeom>
@@ -3834,7 +3834,7 @@
           </p:nvSpPr>
           <p:spPr>
             <a:xfrm>
-              <a:off x="1835855" y="4421781"/>
+              <a:off x="1899574" y="4421734"/>
               <a:ext cx="63202" cy="63202"/>
             </a:xfrm>
             <a:custGeom>
@@ -3877,7 +3877,7 @@
           </p:nvSpPr>
           <p:spPr>
             <a:xfrm>
-              <a:off x="1862568" y="4521013"/>
+              <a:off x="1814863" y="4520935"/>
               <a:ext cx="63202" cy="63202"/>
             </a:xfrm>
             <a:custGeom>
@@ -3920,7 +3920,7 @@
           </p:nvSpPr>
           <p:spPr>
             <a:xfrm>
-              <a:off x="2838151" y="4726626"/>
+              <a:off x="2599525" y="4726527"/>
               <a:ext cx="63202" cy="63202"/>
             </a:xfrm>
             <a:custGeom>
@@ -3963,7 +3963,7 @@
           </p:nvSpPr>
           <p:spPr>
             <a:xfrm>
-              <a:off x="2531526" y="4704957"/>
+              <a:off x="2796886" y="4704897"/>
               <a:ext cx="63202" cy="63202"/>
             </a:xfrm>
             <a:custGeom>
@@ -4006,7 +4006,7 @@
           </p:nvSpPr>
           <p:spPr>
             <a:xfrm>
-              <a:off x="2133016" y="4599330"/>
+              <a:off x="1631374" y="4599253"/>
               <a:ext cx="63202" cy="63202"/>
             </a:xfrm>
             <a:custGeom>
@@ -4049,7 +4049,7 @@
           </p:nvSpPr>
           <p:spPr>
             <a:xfrm>
-              <a:off x="1689622" y="4449609"/>
+              <a:off x="1903347" y="4449601"/>
               <a:ext cx="63202" cy="63202"/>
             </a:xfrm>
             <a:custGeom>
@@ -4092,7 +4092,7 @@
           </p:nvSpPr>
           <p:spPr>
             <a:xfrm>
-              <a:off x="2958549" y="4701463"/>
+              <a:off x="2510134" y="4701434"/>
               <a:ext cx="63202" cy="63202"/>
             </a:xfrm>
             <a:custGeom>
@@ -4135,7 +4135,7 @@
           </p:nvSpPr>
           <p:spPr>
             <a:xfrm>
-              <a:off x="2602896" y="4765463"/>
+              <a:off x="2595707" y="4765411"/>
               <a:ext cx="63202" cy="63202"/>
             </a:xfrm>
             <a:custGeom>
@@ -4178,7 +4178,7 @@
           </p:nvSpPr>
           <p:spPr>
             <a:xfrm>
-              <a:off x="2148694" y="3937145"/>
+              <a:off x="1945187" y="3937116"/>
               <a:ext cx="63202" cy="63202"/>
             </a:xfrm>
             <a:custGeom>
@@ -4221,7 +4221,7 @@
           </p:nvSpPr>
           <p:spPr>
             <a:xfrm>
-              <a:off x="2077704" y="4656202"/>
+              <a:off x="1988514" y="4656152"/>
               <a:ext cx="63202" cy="63202"/>
             </a:xfrm>
             <a:custGeom>
@@ -4264,7 +4264,7 @@
           </p:nvSpPr>
           <p:spPr>
             <a:xfrm>
-              <a:off x="2095677" y="3973764"/>
+              <a:off x="1799084" y="3973749"/>
               <a:ext cx="63202" cy="63202"/>
             </a:xfrm>
             <a:custGeom>
@@ -4307,7 +4307,7 @@
           </p:nvSpPr>
           <p:spPr>
             <a:xfrm>
-              <a:off x="1627877" y="4474041"/>
+              <a:off x="2084868" y="4474037"/>
               <a:ext cx="63202" cy="63202"/>
             </a:xfrm>
             <a:custGeom>
@@ -4350,7 +4350,7 @@
           </p:nvSpPr>
           <p:spPr>
             <a:xfrm>
-              <a:off x="1798794" y="4552435"/>
+              <a:off x="1972808" y="4552360"/>
               <a:ext cx="63202" cy="63202"/>
             </a:xfrm>
             <a:custGeom>
@@ -4393,7 +4393,7 @@
           </p:nvSpPr>
           <p:spPr>
             <a:xfrm>
-              <a:off x="2078041" y="4519348"/>
+              <a:off x="1783711" y="4519343"/>
               <a:ext cx="63202" cy="63202"/>
             </a:xfrm>
             <a:custGeom>
@@ -4436,7 +4436,7 @@
           </p:nvSpPr>
           <p:spPr>
             <a:xfrm>
-              <a:off x="2493867" y="4789269"/>
+              <a:off x="2901901" y="4789194"/>
               <a:ext cx="63202" cy="63202"/>
             </a:xfrm>
             <a:custGeom>
@@ -4535,7 +4535,7 @@
           </p:nvSpPr>
           <p:spPr>
             <a:xfrm>
-              <a:off x="1459435" y="6701467"/>
+              <a:off x="1459435" y="6701417"/>
               <a:ext cx="2796732" cy="0"/>
             </a:xfrm>
             <a:custGeom>
@@ -4578,7 +4578,7 @@
           </p:nvSpPr>
           <p:spPr>
             <a:xfrm>
-              <a:off x="1459435" y="6229430"/>
+              <a:off x="1459435" y="6229394"/>
               <a:ext cx="2796732" cy="0"/>
             </a:xfrm>
             <a:custGeom>
@@ -4621,7 +4621,7 @@
           </p:nvSpPr>
           <p:spPr>
             <a:xfrm>
-              <a:off x="1459435" y="5757394"/>
+              <a:off x="1459435" y="5757371"/>
               <a:ext cx="2796732" cy="0"/>
             </a:xfrm>
             <a:custGeom>
@@ -4664,7 +4664,7 @@
           </p:nvSpPr>
           <p:spPr>
             <a:xfrm>
-              <a:off x="1459435" y="5285358"/>
+              <a:off x="1459435" y="5285348"/>
               <a:ext cx="2796732" cy="0"/>
             </a:xfrm>
             <a:custGeom>
@@ -4707,7 +4707,7 @@
           </p:nvSpPr>
           <p:spPr>
             <a:xfrm>
-              <a:off x="1459435" y="6465449"/>
+              <a:off x="1459435" y="6465405"/>
               <a:ext cx="2796732" cy="0"/>
             </a:xfrm>
             <a:custGeom>
@@ -4750,7 +4750,7 @@
           </p:nvSpPr>
           <p:spPr>
             <a:xfrm>
-              <a:off x="1459435" y="5993412"/>
+              <a:off x="1459435" y="5993382"/>
               <a:ext cx="2796732" cy="0"/>
             </a:xfrm>
             <a:custGeom>
@@ -4793,7 +4793,7 @@
           </p:nvSpPr>
           <p:spPr>
             <a:xfrm>
-              <a:off x="1459435" y="5521376"/>
+              <a:off x="1459435" y="5521359"/>
               <a:ext cx="2796732" cy="0"/>
             </a:xfrm>
             <a:custGeom>
@@ -4965,7 +4965,7 @@
           </p:nvSpPr>
           <p:spPr>
             <a:xfrm>
-              <a:off x="2099214" y="5625349"/>
+              <a:off x="1809616" y="5625290"/>
               <a:ext cx="63202" cy="63202"/>
             </a:xfrm>
             <a:custGeom>
@@ -5008,7 +5008,7 @@
           </p:nvSpPr>
           <p:spPr>
             <a:xfrm>
-              <a:off x="1858633" y="5620517"/>
+              <a:off x="2253690" y="5620482"/>
               <a:ext cx="63202" cy="63202"/>
             </a:xfrm>
             <a:custGeom>
@@ -5051,7 +5051,7 @@
           </p:nvSpPr>
           <p:spPr>
             <a:xfrm>
-              <a:off x="2183286" y="5617764"/>
+              <a:off x="2276930" y="5617745"/>
               <a:ext cx="63202" cy="63202"/>
             </a:xfrm>
             <a:custGeom>
@@ -5094,7 +5094,7 @@
           </p:nvSpPr>
           <p:spPr>
             <a:xfrm>
-              <a:off x="2117127" y="5794543"/>
+              <a:off x="2230271" y="5794469"/>
               <a:ext cx="63202" cy="63202"/>
             </a:xfrm>
             <a:custGeom>
@@ -5137,7 +5137,7 @@
           </p:nvSpPr>
           <p:spPr>
             <a:xfrm>
-              <a:off x="1728464" y="5922732"/>
+              <a:off x="2100100" y="5922661"/>
               <a:ext cx="63202" cy="63202"/>
             </a:xfrm>
             <a:custGeom>
@@ -5180,7 +5180,7 @@
           </p:nvSpPr>
           <p:spPr>
             <a:xfrm>
-              <a:off x="2061884" y="5859436"/>
+              <a:off x="2023703" y="5859427"/>
               <a:ext cx="63202" cy="63202"/>
             </a:xfrm>
             <a:custGeom>
@@ -5223,7 +5223,7 @@
           </p:nvSpPr>
           <p:spPr>
             <a:xfrm>
-              <a:off x="1768304" y="5766227"/>
+              <a:off x="1706676" y="5766212"/>
               <a:ext cx="63202" cy="63202"/>
             </a:xfrm>
             <a:custGeom>
@@ -5266,7 +5266,7 @@
           </p:nvSpPr>
           <p:spPr>
             <a:xfrm>
-              <a:off x="1933655" y="5743481"/>
+              <a:off x="1773570" y="5743452"/>
               <a:ext cx="63202" cy="63202"/>
             </a:xfrm>
             <a:custGeom>
@@ -5309,7 +5309,7 @@
           </p:nvSpPr>
           <p:spPr>
             <a:xfrm>
-              <a:off x="1752036" y="6356399"/>
+              <a:off x="1795341" y="6356427"/>
               <a:ext cx="63202" cy="63202"/>
             </a:xfrm>
             <a:custGeom>
@@ -5352,7 +5352,7 @@
           </p:nvSpPr>
           <p:spPr>
             <a:xfrm>
-              <a:off x="1993347" y="5766785"/>
+              <a:off x="1775801" y="5766706"/>
               <a:ext cx="63202" cy="63202"/>
             </a:xfrm>
             <a:custGeom>
@@ -5395,7 +5395,7 @@
           </p:nvSpPr>
           <p:spPr>
             <a:xfrm>
-              <a:off x="1775200" y="5900171"/>
+              <a:off x="2225460" y="5900133"/>
               <a:ext cx="63202" cy="63202"/>
             </a:xfrm>
             <a:custGeom>
@@ -5438,7 +5438,7 @@
           </p:nvSpPr>
           <p:spPr>
             <a:xfrm>
-              <a:off x="2060935" y="5942722"/>
+              <a:off x="1841689" y="5942747"/>
               <a:ext cx="63202" cy="63202"/>
             </a:xfrm>
             <a:custGeom>
@@ -5481,7 +5481,7 @@
           </p:nvSpPr>
           <p:spPr>
             <a:xfrm>
-              <a:off x="2271931" y="5748735"/>
+              <a:off x="1786360" y="5748747"/>
               <a:ext cx="63202" cy="63202"/>
             </a:xfrm>
             <a:custGeom>
@@ -5524,7 +5524,7 @@
           </p:nvSpPr>
           <p:spPr>
             <a:xfrm>
-              <a:off x="2208509" y="5845791"/>
+              <a:off x="2229440" y="5845721"/>
               <a:ext cx="63202" cy="63202"/>
             </a:xfrm>
             <a:custGeom>
@@ -5567,7 +5567,7 @@
           </p:nvSpPr>
           <p:spPr>
             <a:xfrm>
-              <a:off x="1781684" y="6201680"/>
+              <a:off x="1680547" y="6201684"/>
               <a:ext cx="63202" cy="63202"/>
             </a:xfrm>
             <a:custGeom>
@@ -5610,7 +5610,7 @@
           </p:nvSpPr>
           <p:spPr>
             <a:xfrm>
-              <a:off x="2205751" y="5865069"/>
+              <a:off x="2155124" y="5865029"/>
               <a:ext cx="63202" cy="63202"/>
             </a:xfrm>
             <a:custGeom>
@@ -5653,7 +5653,7 @@
           </p:nvSpPr>
           <p:spPr>
             <a:xfrm>
-              <a:off x="2064946" y="5764292"/>
+              <a:off x="1872540" y="5764310"/>
               <a:ext cx="63202" cy="63202"/>
             </a:xfrm>
             <a:custGeom>
@@ -5696,7 +5696,7 @@
           </p:nvSpPr>
           <p:spPr>
             <a:xfrm>
-              <a:off x="2141841" y="5854866"/>
+              <a:off x="2202867" y="5854825"/>
               <a:ext cx="63202" cy="63202"/>
             </a:xfrm>
             <a:custGeom>
@@ -5739,7 +5739,7 @@
           </p:nvSpPr>
           <p:spPr>
             <a:xfrm>
-              <a:off x="2127251" y="6401634"/>
+              <a:off x="1672993" y="6401588"/>
               <a:ext cx="63202" cy="63202"/>
             </a:xfrm>
             <a:custGeom>
@@ -5782,7 +5782,7 @@
           </p:nvSpPr>
           <p:spPr>
             <a:xfrm>
-              <a:off x="1969841" y="5861771"/>
+              <a:off x="2253075" y="5861677"/>
               <a:ext cx="63202" cy="63202"/>
             </a:xfrm>
             <a:custGeom>
@@ -5825,7 +5825,7 @@
           </p:nvSpPr>
           <p:spPr>
             <a:xfrm>
-              <a:off x="2196432" y="5907744"/>
+              <a:off x="1619352" y="5907705"/>
               <a:ext cx="63202" cy="63202"/>
             </a:xfrm>
             <a:custGeom>
@@ -5868,7 +5868,7 @@
           </p:nvSpPr>
           <p:spPr>
             <a:xfrm>
-              <a:off x="2251559" y="6189111"/>
+              <a:off x="1799605" y="6189097"/>
               <a:ext cx="63202" cy="63202"/>
             </a:xfrm>
             <a:custGeom>
@@ -5911,7 +5911,7 @@
           </p:nvSpPr>
           <p:spPr>
             <a:xfrm>
-              <a:off x="2248984" y="5729555"/>
+              <a:off x="1838798" y="5729555"/>
               <a:ext cx="63202" cy="63202"/>
             </a:xfrm>
             <a:custGeom>
@@ -5954,7 +5954,7 @@
           </p:nvSpPr>
           <p:spPr>
             <a:xfrm>
-              <a:off x="2143306" y="5706661"/>
+              <a:off x="2195255" y="5706572"/>
               <a:ext cx="63202" cy="63202"/>
             </a:xfrm>
             <a:custGeom>
@@ -5997,7 +5997,7 @@
           </p:nvSpPr>
           <p:spPr>
             <a:xfrm>
-              <a:off x="2070428" y="6424663"/>
+              <a:off x="1701149" y="6424613"/>
               <a:ext cx="63202" cy="63202"/>
             </a:xfrm>
             <a:custGeom>
@@ -6040,7 +6040,7 @@
           </p:nvSpPr>
           <p:spPr>
             <a:xfrm>
-              <a:off x="2182858" y="6441929"/>
+              <a:off x="1780187" y="6441957"/>
               <a:ext cx="63202" cy="63202"/>
             </a:xfrm>
             <a:custGeom>
@@ -6083,7 +6083,7 @@
           </p:nvSpPr>
           <p:spPr>
             <a:xfrm>
-              <a:off x="1970148" y="6570672"/>
+              <a:off x="1754515" y="6570616"/>
               <a:ext cx="63202" cy="63202"/>
             </a:xfrm>
             <a:custGeom>
@@ -6126,7 +6126,7 @@
           </p:nvSpPr>
           <p:spPr>
             <a:xfrm>
-              <a:off x="2301453" y="5917064"/>
+              <a:off x="2245550" y="5917011"/>
               <a:ext cx="63202" cy="63202"/>
             </a:xfrm>
             <a:custGeom>
@@ -6169,7 +6169,7 @@
           </p:nvSpPr>
           <p:spPr>
             <a:xfrm>
-              <a:off x="2127752" y="5876756"/>
+              <a:off x="1841855" y="5876699"/>
               <a:ext cx="63202" cy="63202"/>
             </a:xfrm>
             <a:custGeom>
@@ -6212,7 +6212,7 @@
           </p:nvSpPr>
           <p:spPr>
             <a:xfrm>
-              <a:off x="1693291" y="6264754"/>
+              <a:off x="2019619" y="6264743"/>
               <a:ext cx="63202" cy="63202"/>
             </a:xfrm>
             <a:custGeom>
@@ -6255,7 +6255,7 @@
           </p:nvSpPr>
           <p:spPr>
             <a:xfrm>
-              <a:off x="1667032" y="5875620"/>
+              <a:off x="2178277" y="5875610"/>
               <a:ext cx="63202" cy="63202"/>
             </a:xfrm>
             <a:custGeom>
@@ -6298,7 +6298,7 @@
           </p:nvSpPr>
           <p:spPr>
             <a:xfrm>
-              <a:off x="1678415" y="6237360"/>
+              <a:off x="1753867" y="6237368"/>
               <a:ext cx="63202" cy="63202"/>
             </a:xfrm>
             <a:custGeom>
@@ -6341,7 +6341,7 @@
           </p:nvSpPr>
           <p:spPr>
             <a:xfrm>
-              <a:off x="2169855" y="6232127"/>
+              <a:off x="2096640" y="6232033"/>
               <a:ext cx="63202" cy="63202"/>
             </a:xfrm>
             <a:custGeom>
@@ -6384,7 +6384,7 @@
           </p:nvSpPr>
           <p:spPr>
             <a:xfrm>
-              <a:off x="2241364" y="5991269"/>
+              <a:off x="2175836" y="5991249"/>
               <a:ext cx="63202" cy="63202"/>
             </a:xfrm>
             <a:custGeom>
@@ -6427,7 +6427,7 @@
           </p:nvSpPr>
           <p:spPr>
             <a:xfrm>
-              <a:off x="1810822" y="5885089"/>
+              <a:off x="2178463" y="5885035"/>
               <a:ext cx="63202" cy="63202"/>
             </a:xfrm>
             <a:custGeom>
@@ -6470,7 +6470,7 @@
           </p:nvSpPr>
           <p:spPr>
             <a:xfrm>
-              <a:off x="1646535" y="6061348"/>
+              <a:off x="1698212" y="6061319"/>
               <a:ext cx="63202" cy="63202"/>
             </a:xfrm>
             <a:custGeom>
@@ -6513,7 +6513,7 @@
           </p:nvSpPr>
           <p:spPr>
             <a:xfrm>
-              <a:off x="2293765" y="6607820"/>
+              <a:off x="2248310" y="6607792"/>
               <a:ext cx="63202" cy="63202"/>
             </a:xfrm>
             <a:custGeom>
@@ -6556,7 +6556,7 @@
           </p:nvSpPr>
           <p:spPr>
             <a:xfrm>
-              <a:off x="1830472" y="6052470"/>
+              <a:off x="1834438" y="6052423"/>
               <a:ext cx="63202" cy="63202"/>
             </a:xfrm>
             <a:custGeom>
@@ -6599,7 +6599,7 @@
           </p:nvSpPr>
           <p:spPr>
             <a:xfrm>
-              <a:off x="1967996" y="6268625"/>
+              <a:off x="1683600" y="6268610"/>
               <a:ext cx="63202" cy="63202"/>
             </a:xfrm>
             <a:custGeom>
@@ -6642,7 +6642,7 @@
           </p:nvSpPr>
           <p:spPr>
             <a:xfrm>
-              <a:off x="2068412" y="5679943"/>
+              <a:off x="1707927" y="5679925"/>
               <a:ext cx="63202" cy="63202"/>
             </a:xfrm>
             <a:custGeom>
@@ -6685,7 +6685,7 @@
           </p:nvSpPr>
           <p:spPr>
             <a:xfrm>
-              <a:off x="1658825" y="5849358"/>
+              <a:off x="1902832" y="5849337"/>
               <a:ext cx="63202" cy="63202"/>
             </a:xfrm>
             <a:custGeom>
@@ -6728,7 +6728,7 @@
           </p:nvSpPr>
           <p:spPr>
             <a:xfrm>
-              <a:off x="1735653" y="5968027"/>
+              <a:off x="1613927" y="5968027"/>
               <a:ext cx="63202" cy="63202"/>
             </a:xfrm>
             <a:custGeom>
@@ -6771,7 +6771,7 @@
           </p:nvSpPr>
           <p:spPr>
             <a:xfrm>
-              <a:off x="2066108" y="5862053"/>
+              <a:off x="1608512" y="5861961"/>
               <a:ext cx="63202" cy="63202"/>
             </a:xfrm>
             <a:custGeom>
@@ -6814,7 +6814,7 @@
           </p:nvSpPr>
           <p:spPr>
             <a:xfrm>
-              <a:off x="2197705" y="5625172"/>
+              <a:off x="1628530" y="5625155"/>
               <a:ext cx="63202" cy="63202"/>
             </a:xfrm>
             <a:custGeom>
@@ -6857,7 +6857,7 @@
           </p:nvSpPr>
           <p:spPr>
             <a:xfrm>
-              <a:off x="1838625" y="6410083"/>
+              <a:off x="2153652" y="6409994"/>
               <a:ext cx="63202" cy="63202"/>
             </a:xfrm>
             <a:custGeom>
@@ -6900,7 +6900,7 @@
           </p:nvSpPr>
           <p:spPr>
             <a:xfrm>
-              <a:off x="1824794" y="5911748"/>
+              <a:off x="2110510" y="5911753"/>
               <a:ext cx="63202" cy="63202"/>
             </a:xfrm>
             <a:custGeom>
@@ -6943,7 +6943,7 @@
           </p:nvSpPr>
           <p:spPr>
             <a:xfrm>
-              <a:off x="1673207" y="5968227"/>
+              <a:off x="2245548" y="5968164"/>
               <a:ext cx="63202" cy="63202"/>
             </a:xfrm>
             <a:custGeom>
@@ -6986,7 +6986,7 @@
           </p:nvSpPr>
           <p:spPr>
             <a:xfrm>
-              <a:off x="1752190" y="5611642"/>
+              <a:off x="2068203" y="5611599"/>
               <a:ext cx="63202" cy="63202"/>
             </a:xfrm>
             <a:custGeom>
@@ -7029,7 +7029,7 @@
           </p:nvSpPr>
           <p:spPr>
             <a:xfrm>
-              <a:off x="1828820" y="6257032"/>
+              <a:off x="1644533" y="6256995"/>
               <a:ext cx="63202" cy="63202"/>
             </a:xfrm>
             <a:custGeom>
@@ -7072,7 +7072,7 @@
           </p:nvSpPr>
           <p:spPr>
             <a:xfrm>
-              <a:off x="1652621" y="5861612"/>
+              <a:off x="2078901" y="5861604"/>
               <a:ext cx="63202" cy="63202"/>
             </a:xfrm>
             <a:custGeom>
@@ -7115,7 +7115,7 @@
           </p:nvSpPr>
           <p:spPr>
             <a:xfrm>
-              <a:off x="3073768" y="6641451"/>
+              <a:off x="2498341" y="6641430"/>
               <a:ext cx="63202" cy="63202"/>
             </a:xfrm>
             <a:custGeom>
@@ -7158,7 +7158,7 @@
           </p:nvSpPr>
           <p:spPr>
             <a:xfrm>
-              <a:off x="1868735" y="5681615"/>
+              <a:off x="1633627" y="5681555"/>
               <a:ext cx="63202" cy="63202"/>
             </a:xfrm>
             <a:custGeom>
@@ -7201,7 +7201,7 @@
           </p:nvSpPr>
           <p:spPr>
             <a:xfrm>
-              <a:off x="2093472" y="5942805"/>
+              <a:off x="1781487" y="5942803"/>
               <a:ext cx="63202" cy="63202"/>
             </a:xfrm>
             <a:custGeom>
@@ -7244,7 +7244,7 @@
           </p:nvSpPr>
           <p:spPr>
             <a:xfrm>
-              <a:off x="1981664" y="5712124"/>
+              <a:off x="2184853" y="5712065"/>
               <a:ext cx="63202" cy="63202"/>
             </a:xfrm>
             <a:custGeom>
@@ -7287,7 +7287,7 @@
           </p:nvSpPr>
           <p:spPr>
             <a:xfrm>
-              <a:off x="1955799" y="5849359"/>
+              <a:off x="1737454" y="5849372"/>
               <a:ext cx="63202" cy="63202"/>
             </a:xfrm>
             <a:custGeom>
@@ -7330,7 +7330,7 @@
           </p:nvSpPr>
           <p:spPr>
             <a:xfrm>
-              <a:off x="2731301" y="6672826"/>
+              <a:off x="2984247" y="6672759"/>
               <a:ext cx="63202" cy="63202"/>
             </a:xfrm>
             <a:custGeom>
@@ -7373,7 +7373,7 @@
           </p:nvSpPr>
           <p:spPr>
             <a:xfrm>
-              <a:off x="1894699" y="5619479"/>
+              <a:off x="2232951" y="5619495"/>
               <a:ext cx="63202" cy="63202"/>
             </a:xfrm>
             <a:custGeom>
@@ -7416,7 +7416,7 @@
           </p:nvSpPr>
           <p:spPr>
             <a:xfrm>
-              <a:off x="1700002" y="5618895"/>
+              <a:off x="2203146" y="5618896"/>
               <a:ext cx="63202" cy="63202"/>
             </a:xfrm>
             <a:custGeom>
@@ -7459,7 +7459,7 @@
           </p:nvSpPr>
           <p:spPr>
             <a:xfrm>
-              <a:off x="1800753" y="5620815"/>
+              <a:off x="2005747" y="5620806"/>
               <a:ext cx="63202" cy="63202"/>
             </a:xfrm>
             <a:custGeom>
@@ -7502,7 +7502,7 @@
           </p:nvSpPr>
           <p:spPr>
             <a:xfrm>
-              <a:off x="1959858" y="5620118"/>
+              <a:off x="1948708" y="5620105"/>
               <a:ext cx="63202" cy="63202"/>
             </a:xfrm>
             <a:custGeom>
@@ -7545,7 +7545,7 @@
           </p:nvSpPr>
           <p:spPr>
             <a:xfrm>
-              <a:off x="1712416" y="5617697"/>
+              <a:off x="2035797" y="5617670"/>
               <a:ext cx="63202" cy="63202"/>
             </a:xfrm>
             <a:custGeom>
@@ -7588,7 +7588,7 @@
           </p:nvSpPr>
           <p:spPr>
             <a:xfrm>
-              <a:off x="2159810" y="6071769"/>
+              <a:off x="2055012" y="6071741"/>
               <a:ext cx="63202" cy="63202"/>
             </a:xfrm>
             <a:custGeom>
@@ -7631,7 +7631,7 @@
           </p:nvSpPr>
           <p:spPr>
             <a:xfrm>
-              <a:off x="1979017" y="5790483"/>
+              <a:off x="1684474" y="5790463"/>
               <a:ext cx="63202" cy="63202"/>
             </a:xfrm>
             <a:custGeom>
@@ -7674,7 +7674,7 @@
           </p:nvSpPr>
           <p:spPr>
             <a:xfrm>
-              <a:off x="2170486" y="6568092"/>
+              <a:off x="1802026" y="6568062"/>
               <a:ext cx="63202" cy="63202"/>
             </a:xfrm>
             <a:custGeom>
@@ -7717,7 +7717,7 @@
           </p:nvSpPr>
           <p:spPr>
             <a:xfrm>
-              <a:off x="2665171" y="6672802"/>
+              <a:off x="2601281" y="6672771"/>
               <a:ext cx="63202" cy="63202"/>
             </a:xfrm>
             <a:custGeom>
@@ -7760,7 +7760,7 @@
           </p:nvSpPr>
           <p:spPr>
             <a:xfrm>
-              <a:off x="1864953" y="5626588"/>
+              <a:off x="1902958" y="5626517"/>
               <a:ext cx="63202" cy="63202"/>
             </a:xfrm>
             <a:custGeom>
@@ -7803,7 +7803,7 @@
           </p:nvSpPr>
           <p:spPr>
             <a:xfrm>
-              <a:off x="2211469" y="5668139"/>
+              <a:off x="2093435" y="5668116"/>
               <a:ext cx="63202" cy="63202"/>
             </a:xfrm>
             <a:custGeom>
@@ -7846,7 +7846,7 @@
           </p:nvSpPr>
           <p:spPr>
             <a:xfrm>
-              <a:off x="2098082" y="6370121"/>
+              <a:off x="1997741" y="6370100"/>
               <a:ext cx="63202" cy="63202"/>
             </a:xfrm>
             <a:custGeom>
@@ -7889,7 +7889,7 @@
           </p:nvSpPr>
           <p:spPr>
             <a:xfrm>
-              <a:off x="2252532" y="5692198"/>
+              <a:off x="1760897" y="5692189"/>
               <a:ext cx="63202" cy="63202"/>
             </a:xfrm>
             <a:custGeom>
@@ -7932,7 +7932,7 @@
           </p:nvSpPr>
           <p:spPr>
             <a:xfrm>
-              <a:off x="1823333" y="5840306"/>
+              <a:off x="2295325" y="5840288"/>
               <a:ext cx="63202" cy="63202"/>
             </a:xfrm>
             <a:custGeom>
@@ -7975,7 +7975,7 @@
           </p:nvSpPr>
           <p:spPr>
             <a:xfrm>
-              <a:off x="2000655" y="6342276"/>
+              <a:off x="1713499" y="6342248"/>
               <a:ext cx="63202" cy="63202"/>
             </a:xfrm>
             <a:custGeom>
@@ -8018,7 +8018,7 @@
           </p:nvSpPr>
           <p:spPr>
             <a:xfrm>
-              <a:off x="1760774" y="6386336"/>
+              <a:off x="1959185" y="6386287"/>
               <a:ext cx="63202" cy="63202"/>
             </a:xfrm>
             <a:custGeom>
@@ -8061,7 +8061,7 @@
           </p:nvSpPr>
           <p:spPr>
             <a:xfrm>
-              <a:off x="2528044" y="6730040"/>
+              <a:off x="2732946" y="6729934"/>
               <a:ext cx="63202" cy="63202"/>
             </a:xfrm>
             <a:custGeom>
@@ -8104,7 +8104,7 @@
           </p:nvSpPr>
           <p:spPr>
             <a:xfrm>
-              <a:off x="2089954" y="5610029"/>
+              <a:off x="2141497" y="5610000"/>
               <a:ext cx="63202" cy="63202"/>
             </a:xfrm>
             <a:custGeom>
@@ -8147,7 +8147,7 @@
           </p:nvSpPr>
           <p:spPr>
             <a:xfrm>
-              <a:off x="1811149" y="5613474"/>
+              <a:off x="2005828" y="5613394"/>
               <a:ext cx="63202" cy="63202"/>
             </a:xfrm>
             <a:custGeom>
@@ -8190,7 +8190,7 @@
           </p:nvSpPr>
           <p:spPr>
             <a:xfrm>
-              <a:off x="1972346" y="5611313"/>
+              <a:off x="1750070" y="5611260"/>
               <a:ext cx="63202" cy="63202"/>
             </a:xfrm>
             <a:custGeom>
@@ -8233,7 +8233,7 @@
           </p:nvSpPr>
           <p:spPr>
             <a:xfrm>
-              <a:off x="2103946" y="5713312"/>
+              <a:off x="2081580" y="5713331"/>
               <a:ext cx="63202" cy="63202"/>
             </a:xfrm>
             <a:custGeom>
@@ -8276,7 +8276,7 @@
           </p:nvSpPr>
           <p:spPr>
             <a:xfrm>
-              <a:off x="1641327" y="6042821"/>
+              <a:off x="1747392" y="6042796"/>
               <a:ext cx="63202" cy="63202"/>
             </a:xfrm>
             <a:custGeom>
@@ -8319,7 +8319,7 @@
           </p:nvSpPr>
           <p:spPr>
             <a:xfrm>
-              <a:off x="1777328" y="5610411"/>
+              <a:off x="2182214" y="5610408"/>
               <a:ext cx="63202" cy="63202"/>
             </a:xfrm>
             <a:custGeom>
@@ -8362,7 +8362,7 @@
           </p:nvSpPr>
           <p:spPr>
             <a:xfrm>
-              <a:off x="2151541" y="6074994"/>
+              <a:off x="1964127" y="6074977"/>
               <a:ext cx="63202" cy="63202"/>
             </a:xfrm>
             <a:custGeom>
@@ -8405,7 +8405,7 @@
           </p:nvSpPr>
           <p:spPr>
             <a:xfrm>
-              <a:off x="1843651" y="6057050"/>
+              <a:off x="1982815" y="6057035"/>
               <a:ext cx="63202" cy="63202"/>
             </a:xfrm>
             <a:custGeom>
@@ -8448,7 +8448,7 @@
           </p:nvSpPr>
           <p:spPr>
             <a:xfrm>
-              <a:off x="1966708" y="5610875"/>
+              <a:off x="1669956" y="5610866"/>
               <a:ext cx="63202" cy="63202"/>
             </a:xfrm>
             <a:custGeom>
@@ -8491,7 +8491,7 @@
           </p:nvSpPr>
           <p:spPr>
             <a:xfrm>
-              <a:off x="1611029" y="5614673"/>
+              <a:off x="1775272" y="5614632"/>
               <a:ext cx="63202" cy="63202"/>
             </a:xfrm>
             <a:custGeom>
@@ -8534,7 +8534,7 @@
           </p:nvSpPr>
           <p:spPr>
             <a:xfrm>
-              <a:off x="2168061" y="5611026"/>
+              <a:off x="1705781" y="5610958"/>
               <a:ext cx="63202" cy="63202"/>
             </a:xfrm>
             <a:custGeom>
@@ -8577,7 +8577,7 @@
           </p:nvSpPr>
           <p:spPr>
             <a:xfrm>
-              <a:off x="1869557" y="6228323"/>
+              <a:off x="1923590" y="6228318"/>
               <a:ext cx="63202" cy="63202"/>
             </a:xfrm>
             <a:custGeom>
@@ -8620,7 +8620,7 @@
           </p:nvSpPr>
           <p:spPr>
             <a:xfrm>
-              <a:off x="2247746" y="5847973"/>
+              <a:off x="1735884" y="5847923"/>
               <a:ext cx="63202" cy="63202"/>
             </a:xfrm>
             <a:custGeom>
@@ -8663,7 +8663,7 @@
           </p:nvSpPr>
           <p:spPr>
             <a:xfrm>
-              <a:off x="2135926" y="5876732"/>
+              <a:off x="1893385" y="5876713"/>
               <a:ext cx="63202" cy="63202"/>
             </a:xfrm>
             <a:custGeom>
@@ -8706,7 +8706,7 @@
           </p:nvSpPr>
           <p:spPr>
             <a:xfrm>
-              <a:off x="2293447" y="6612502"/>
+              <a:off x="1633782" y="6612421"/>
               <a:ext cx="63202" cy="63202"/>
             </a:xfrm>
             <a:custGeom>
@@ -8749,7 +8749,7 @@
           </p:nvSpPr>
           <p:spPr>
             <a:xfrm>
-              <a:off x="1875491" y="5605135"/>
+              <a:off x="2045352" y="5605150"/>
               <a:ext cx="63202" cy="63202"/>
             </a:xfrm>
             <a:custGeom>
@@ -8792,7 +8792,7 @@
           </p:nvSpPr>
           <p:spPr>
             <a:xfrm>
-              <a:off x="2038856" y="5603793"/>
+              <a:off x="1865449" y="5603771"/>
               <a:ext cx="63202" cy="63202"/>
             </a:xfrm>
             <a:custGeom>
@@ -8835,7 +8835,7 @@
           </p:nvSpPr>
           <p:spPr>
             <a:xfrm>
-              <a:off x="2048149" y="6110951"/>
+              <a:off x="1747372" y="6110907"/>
               <a:ext cx="63202" cy="63202"/>
             </a:xfrm>
             <a:custGeom>
@@ -8878,7 +8878,7 @@
           </p:nvSpPr>
           <p:spPr>
             <a:xfrm>
-              <a:off x="1618236" y="6009393"/>
+              <a:off x="1719544" y="6009396"/>
               <a:ext cx="63202" cy="63202"/>
             </a:xfrm>
             <a:custGeom>
@@ -8921,7 +8921,7 @@
           </p:nvSpPr>
           <p:spPr>
             <a:xfrm>
-              <a:off x="2175727" y="6077722"/>
+              <a:off x="1613036" y="6077715"/>
               <a:ext cx="63202" cy="63202"/>
             </a:xfrm>
             <a:custGeom>
@@ -8964,7 +8964,7 @@
           </p:nvSpPr>
           <p:spPr>
             <a:xfrm>
-              <a:off x="2296545" y="5872603"/>
+              <a:off x="1981163" y="5872557"/>
               <a:ext cx="63202" cy="63202"/>
             </a:xfrm>
             <a:custGeom>
@@ -9007,7 +9007,7 @@
           </p:nvSpPr>
           <p:spPr>
             <a:xfrm>
-              <a:off x="2220123" y="5859118"/>
+              <a:off x="1910325" y="5859088"/>
               <a:ext cx="63202" cy="63202"/>
             </a:xfrm>
             <a:custGeom>
@@ -9050,7 +9050,7 @@
           </p:nvSpPr>
           <p:spPr>
             <a:xfrm>
-              <a:off x="2131647" y="5839437"/>
+              <a:off x="2120565" y="5839456"/>
               <a:ext cx="63202" cy="63202"/>
             </a:xfrm>
             <a:custGeom>
@@ -9093,7 +9093,7 @@
           </p:nvSpPr>
           <p:spPr>
             <a:xfrm>
-              <a:off x="1912698" y="5844864"/>
+              <a:off x="1920020" y="5844849"/>
               <a:ext cx="63202" cy="63202"/>
             </a:xfrm>
             <a:custGeom>
@@ -9136,7 +9136,7 @@
           </p:nvSpPr>
           <p:spPr>
             <a:xfrm>
-              <a:off x="2124021" y="5846743"/>
+              <a:off x="1622236" y="5846686"/>
               <a:ext cx="63202" cy="63202"/>
             </a:xfrm>
             <a:custGeom>
@@ -9179,7 +9179,7 @@
           </p:nvSpPr>
           <p:spPr>
             <a:xfrm>
-              <a:off x="2081069" y="5831048"/>
+              <a:off x="2120679" y="5831019"/>
               <a:ext cx="63202" cy="63202"/>
             </a:xfrm>
             <a:custGeom>
@@ -9222,7 +9222,7 @@
           </p:nvSpPr>
           <p:spPr>
             <a:xfrm>
-              <a:off x="1681958" y="5782991"/>
+              <a:off x="2259751" y="5782947"/>
               <a:ext cx="63202" cy="63202"/>
             </a:xfrm>
             <a:custGeom>
@@ -9265,7 +9265,7 @@
           </p:nvSpPr>
           <p:spPr>
             <a:xfrm>
-              <a:off x="1762164" y="5872579"/>
+              <a:off x="2291040" y="5872543"/>
               <a:ext cx="63202" cy="63202"/>
             </a:xfrm>
             <a:custGeom>
@@ -9308,7 +9308,7 @@
           </p:nvSpPr>
           <p:spPr>
             <a:xfrm>
-              <a:off x="1840432" y="6325671"/>
+              <a:off x="2019674" y="6325634"/>
               <a:ext cx="63202" cy="63202"/>
             </a:xfrm>
             <a:custGeom>
@@ -9351,7 +9351,7 @@
           </p:nvSpPr>
           <p:spPr>
             <a:xfrm>
-              <a:off x="1748159" y="6516394"/>
+              <a:off x="1775979" y="6516342"/>
               <a:ext cx="63202" cy="63202"/>
             </a:xfrm>
             <a:custGeom>
@@ -9394,7 +9394,7 @@
           </p:nvSpPr>
           <p:spPr>
             <a:xfrm>
-              <a:off x="2288225" y="6328000"/>
+              <a:off x="1845233" y="6327945"/>
               <a:ext cx="63202" cy="63202"/>
             </a:xfrm>
             <a:custGeom>
@@ -9437,7 +9437,7 @@
           </p:nvSpPr>
           <p:spPr>
             <a:xfrm>
-              <a:off x="1905452" y="6367762"/>
+              <a:off x="1741711" y="6367710"/>
               <a:ext cx="63202" cy="63202"/>
             </a:xfrm>
             <a:custGeom>
@@ -9480,7 +9480,7 @@
           </p:nvSpPr>
           <p:spPr>
             <a:xfrm>
-              <a:off x="1886052" y="6529775"/>
+              <a:off x="1698204" y="6529717"/>
               <a:ext cx="63202" cy="63202"/>
             </a:xfrm>
             <a:custGeom>
@@ -9523,7 +9523,7 @@
           </p:nvSpPr>
           <p:spPr>
             <a:xfrm>
-              <a:off x="1822305" y="5599639"/>
+              <a:off x="2246554" y="5599635"/>
               <a:ext cx="63202" cy="63202"/>
             </a:xfrm>
             <a:custGeom>
@@ -9566,7 +9566,7 @@
           </p:nvSpPr>
           <p:spPr>
             <a:xfrm>
-              <a:off x="1859564" y="6376919"/>
+              <a:off x="2174212" y="6376842"/>
               <a:ext cx="63202" cy="63202"/>
             </a:xfrm>
             <a:custGeom>
@@ -9609,7 +9609,7 @@
           </p:nvSpPr>
           <p:spPr>
             <a:xfrm>
-              <a:off x="1978670" y="5940831"/>
+              <a:off x="2249741" y="5940846"/>
               <a:ext cx="63202" cy="63202"/>
             </a:xfrm>
             <a:custGeom>
@@ -9652,7 +9652,7 @@
           </p:nvSpPr>
           <p:spPr>
             <a:xfrm>
-              <a:off x="1693796" y="5614964"/>
+              <a:off x="1993119" y="5614975"/>
               <a:ext cx="63202" cy="63202"/>
             </a:xfrm>
             <a:custGeom>
@@ -9695,7 +9695,7 @@
           </p:nvSpPr>
           <p:spPr>
             <a:xfrm>
-              <a:off x="1732230" y="5619601"/>
+              <a:off x="1880227" y="5619562"/>
               <a:ext cx="63202" cy="63202"/>
             </a:xfrm>
             <a:custGeom>
@@ -9738,7 +9738,7 @@
           </p:nvSpPr>
           <p:spPr>
             <a:xfrm>
-              <a:off x="2261959" y="5623444"/>
+              <a:off x="1917643" y="5623460"/>
               <a:ext cx="63202" cy="63202"/>
             </a:xfrm>
             <a:custGeom>
@@ -9781,7 +9781,7 @@
           </p:nvSpPr>
           <p:spPr>
             <a:xfrm>
-              <a:off x="1870212" y="5622140"/>
+              <a:off x="1655879" y="5622147"/>
               <a:ext cx="63202" cy="63202"/>
             </a:xfrm>
             <a:custGeom>
@@ -9824,7 +9824,7 @@
           </p:nvSpPr>
           <p:spPr>
             <a:xfrm>
-              <a:off x="1887590" y="5612772"/>
+              <a:off x="1802339" y="5612747"/>
               <a:ext cx="63202" cy="63202"/>
             </a:xfrm>
             <a:custGeom>
@@ -9867,7 +9867,7 @@
           </p:nvSpPr>
           <p:spPr>
             <a:xfrm>
-              <a:off x="1867529" y="6371169"/>
+              <a:off x="1766512" y="6371086"/>
               <a:ext cx="63202" cy="63202"/>
             </a:xfrm>
             <a:custGeom>
@@ -9910,7 +9910,7 @@
           </p:nvSpPr>
           <p:spPr>
             <a:xfrm>
-              <a:off x="1943765" y="6152801"/>
+              <a:off x="1984529" y="6152730"/>
               <a:ext cx="63202" cy="63202"/>
             </a:xfrm>
             <a:custGeom>
@@ -9953,7 +9953,7 @@
           </p:nvSpPr>
           <p:spPr>
             <a:xfrm>
-              <a:off x="2239432" y="5606269"/>
+              <a:off x="1842944" y="5606226"/>
               <a:ext cx="63202" cy="63202"/>
             </a:xfrm>
             <a:custGeom>
@@ -9996,7 +9996,7 @@
           </p:nvSpPr>
           <p:spPr>
             <a:xfrm>
-              <a:off x="1844412" y="5868137"/>
+              <a:off x="1983931" y="5868142"/>
               <a:ext cx="63202" cy="63202"/>
             </a:xfrm>
             <a:custGeom>
@@ -10095,7 +10095,7 @@
           </p:nvSpPr>
           <p:spPr>
             <a:xfrm>
-              <a:off x="4325757" y="2850802"/>
+              <a:off x="4325757" y="2850752"/>
               <a:ext cx="2796732" cy="0"/>
             </a:xfrm>
             <a:custGeom>
@@ -10138,7 +10138,7 @@
           </p:nvSpPr>
           <p:spPr>
             <a:xfrm>
-              <a:off x="4325757" y="2378765"/>
+              <a:off x="4325757" y="2378729"/>
               <a:ext cx="2796732" cy="0"/>
             </a:xfrm>
             <a:custGeom>
@@ -10181,7 +10181,7 @@
           </p:nvSpPr>
           <p:spPr>
             <a:xfrm>
-              <a:off x="4325757" y="1906729"/>
+              <a:off x="4325757" y="1906706"/>
               <a:ext cx="2796732" cy="0"/>
             </a:xfrm>
             <a:custGeom>
@@ -10224,7 +10224,7 @@
           </p:nvSpPr>
           <p:spPr>
             <a:xfrm>
-              <a:off x="4325757" y="1434692"/>
+              <a:off x="4325757" y="1434682"/>
               <a:ext cx="2796732" cy="0"/>
             </a:xfrm>
             <a:custGeom>
@@ -10267,7 +10267,7 @@
           </p:nvSpPr>
           <p:spPr>
             <a:xfrm>
-              <a:off x="4325757" y="2614783"/>
+              <a:off x="4325757" y="2614740"/>
               <a:ext cx="2796732" cy="0"/>
             </a:xfrm>
             <a:custGeom>
@@ -10310,7 +10310,7 @@
           </p:nvSpPr>
           <p:spPr>
             <a:xfrm>
-              <a:off x="4325757" y="2142747"/>
+              <a:off x="4325757" y="2142717"/>
               <a:ext cx="2796732" cy="0"/>
             </a:xfrm>
             <a:custGeom>
@@ -10353,7 +10353,7 @@
           </p:nvSpPr>
           <p:spPr>
             <a:xfrm>
-              <a:off x="4325757" y="1670711"/>
+              <a:off x="4325757" y="1670694"/>
               <a:ext cx="2796732" cy="0"/>
             </a:xfrm>
             <a:custGeom>
@@ -10525,7 +10525,7 @@
           </p:nvSpPr>
           <p:spPr>
             <a:xfrm>
-              <a:off x="4742236" y="2111016"/>
+              <a:off x="5122728" y="2111031"/>
               <a:ext cx="63202" cy="63202"/>
             </a:xfrm>
             <a:custGeom>
@@ -10568,7 +10568,7 @@
           </p:nvSpPr>
           <p:spPr>
             <a:xfrm>
-              <a:off x="4962822" y="1890210"/>
+              <a:off x="5008601" y="1890216"/>
               <a:ext cx="63202" cy="63202"/>
             </a:xfrm>
             <a:custGeom>
@@ -10611,7 +10611,7 @@
           </p:nvSpPr>
           <p:spPr>
             <a:xfrm>
-              <a:off x="4526720" y="1811414"/>
+              <a:off x="4573871" y="1811408"/>
               <a:ext cx="63202" cy="63202"/>
             </a:xfrm>
             <a:custGeom>
@@ -10654,7 +10654,7 @@
           </p:nvSpPr>
           <p:spPr>
             <a:xfrm>
-              <a:off x="4902425" y="1904375"/>
+              <a:off x="4593259" y="1904358"/>
               <a:ext cx="63202" cy="63202"/>
             </a:xfrm>
             <a:custGeom>
@@ -10697,7 +10697,7 @@
           </p:nvSpPr>
           <p:spPr>
             <a:xfrm>
-              <a:off x="4812188" y="1948003"/>
+              <a:off x="5022079" y="1948019"/>
               <a:ext cx="63202" cy="63202"/>
             </a:xfrm>
             <a:custGeom>
@@ -10740,7 +10740,7 @@
           </p:nvSpPr>
           <p:spPr>
             <a:xfrm>
-              <a:off x="4859817" y="2355349"/>
+              <a:off x="4898903" y="2355362"/>
               <a:ext cx="63202" cy="63202"/>
             </a:xfrm>
             <a:custGeom>
@@ -10783,7 +10783,7 @@
           </p:nvSpPr>
           <p:spPr>
             <a:xfrm>
-              <a:off x="5153687" y="1851839"/>
+              <a:off x="4539932" y="1851823"/>
               <a:ext cx="63202" cy="63202"/>
             </a:xfrm>
             <a:custGeom>
@@ -10826,7 +10826,7 @@
           </p:nvSpPr>
           <p:spPr>
             <a:xfrm>
-              <a:off x="4934659" y="1908735"/>
+              <a:off x="4861355" y="1908696"/>
               <a:ext cx="63202" cy="63202"/>
             </a:xfrm>
             <a:custGeom>
@@ -10869,7 +10869,7 @@
           </p:nvSpPr>
           <p:spPr>
             <a:xfrm>
-              <a:off x="4740621" y="1855115"/>
+              <a:off x="4692667" y="1855102"/>
               <a:ext cx="63202" cy="63202"/>
             </a:xfrm>
             <a:custGeom>
@@ -10912,7 +10912,7 @@
           </p:nvSpPr>
           <p:spPr>
             <a:xfrm>
-              <a:off x="4485427" y="1885550"/>
+              <a:off x="5064776" y="1885511"/>
               <a:ext cx="63202" cy="63202"/>
             </a:xfrm>
             <a:custGeom>
@@ -10955,7 +10955,7 @@
           </p:nvSpPr>
           <p:spPr>
             <a:xfrm>
-              <a:off x="5068190" y="2846566"/>
+              <a:off x="4678016" y="2846517"/>
               <a:ext cx="63202" cy="63202"/>
             </a:xfrm>
             <a:custGeom>
@@ -10998,7 +10998,7 @@
           </p:nvSpPr>
           <p:spPr>
             <a:xfrm>
-              <a:off x="4543630" y="1868337"/>
+              <a:off x="5148352" y="1868337"/>
               <a:ext cx="63202" cy="63202"/>
             </a:xfrm>
             <a:custGeom>
@@ -11041,7 +11041,7 @@
           </p:nvSpPr>
           <p:spPr>
             <a:xfrm>
-              <a:off x="4954404" y="1882310"/>
+              <a:off x="4646502" y="1882267"/>
               <a:ext cx="63202" cy="63202"/>
             </a:xfrm>
             <a:custGeom>
@@ -11084,7 +11084,7 @@
           </p:nvSpPr>
           <p:spPr>
             <a:xfrm>
-              <a:off x="4512200" y="1909100"/>
+              <a:off x="4962254" y="1909120"/>
               <a:ext cx="63202" cy="63202"/>
             </a:xfrm>
             <a:custGeom>
@@ -11127,7 +11127,7 @@
           </p:nvSpPr>
           <p:spPr>
             <a:xfrm>
-              <a:off x="4919280" y="2226147"/>
+              <a:off x="5071538" y="2226085"/>
               <a:ext cx="63202" cy="63202"/>
             </a:xfrm>
             <a:custGeom>
@@ -11170,7 +11170,7 @@
           </p:nvSpPr>
           <p:spPr>
             <a:xfrm>
-              <a:off x="4571801" y="1918467"/>
+              <a:off x="5146877" y="1918443"/>
               <a:ext cx="63202" cy="63202"/>
             </a:xfrm>
             <a:custGeom>
@@ -11213,7 +11213,7 @@
           </p:nvSpPr>
           <p:spPr>
             <a:xfrm>
-              <a:off x="4706059" y="2357103"/>
+              <a:off x="4628881" y="2357035"/>
               <a:ext cx="63202" cy="63202"/>
             </a:xfrm>
             <a:custGeom>
@@ -11256,7 +11256,7 @@
           </p:nvSpPr>
           <p:spPr>
             <a:xfrm>
-              <a:off x="4555724" y="1833950"/>
+              <a:off x="5093088" y="1833929"/>
               <a:ext cx="63202" cy="63202"/>
             </a:xfrm>
             <a:custGeom>
@@ -11299,7 +11299,7 @@
           </p:nvSpPr>
           <p:spPr>
             <a:xfrm>
-              <a:off x="4980770" y="1875959"/>
+              <a:off x="4853255" y="1875922"/>
               <a:ext cx="63202" cy="63202"/>
             </a:xfrm>
             <a:custGeom>
@@ -11342,7 +11342,7 @@
           </p:nvSpPr>
           <p:spPr>
             <a:xfrm>
-              <a:off x="4565199" y="1981419"/>
+              <a:off x="5151729" y="1981392"/>
               <a:ext cx="63202" cy="63202"/>
             </a:xfrm>
             <a:custGeom>
@@ -11385,7 +11385,7 @@
           </p:nvSpPr>
           <p:spPr>
             <a:xfrm>
-              <a:off x="4740250" y="1914564"/>
+              <a:off x="4617737" y="1914562"/>
               <a:ext cx="63202" cy="63202"/>
             </a:xfrm>
             <a:custGeom>
@@ -11428,7 +11428,7 @@
           </p:nvSpPr>
           <p:spPr>
             <a:xfrm>
-              <a:off x="5061115" y="1943554"/>
+              <a:off x="5035626" y="1943578"/>
               <a:ext cx="63202" cy="63202"/>
             </a:xfrm>
             <a:custGeom>
@@ -11471,7 +11471,7 @@
           </p:nvSpPr>
           <p:spPr>
             <a:xfrm>
-              <a:off x="4928453" y="2538539"/>
+              <a:off x="5078429" y="2538493"/>
               <a:ext cx="63202" cy="63202"/>
             </a:xfrm>
             <a:custGeom>
@@ -11514,7 +11514,7 @@
           </p:nvSpPr>
           <p:spPr>
             <a:xfrm>
-              <a:off x="4961011" y="2199162"/>
+              <a:off x="4952193" y="2199132"/>
               <a:ext cx="63202" cy="63202"/>
             </a:xfrm>
             <a:custGeom>
@@ -11557,7 +11557,7 @@
           </p:nvSpPr>
           <p:spPr>
             <a:xfrm>
-              <a:off x="4716405" y="2000113"/>
+              <a:off x="4483710" y="2000069"/>
               <a:ext cx="63202" cy="63202"/>
             </a:xfrm>
             <a:custGeom>
@@ -11600,7 +11600,7 @@
           </p:nvSpPr>
           <p:spPr>
             <a:xfrm>
-              <a:off x="4821512" y="1882496"/>
+              <a:off x="5098823" y="1882455"/>
               <a:ext cx="63202" cy="63202"/>
             </a:xfrm>
             <a:custGeom>
@@ -11643,7 +11643,7 @@
           </p:nvSpPr>
           <p:spPr>
             <a:xfrm>
-              <a:off x="4665540" y="2620816"/>
+              <a:off x="4865843" y="2620811"/>
               <a:ext cx="63202" cy="63202"/>
             </a:xfrm>
             <a:custGeom>
@@ -11686,7 +11686,7 @@
           </p:nvSpPr>
           <p:spPr>
             <a:xfrm>
-              <a:off x="4844729" y="1900458"/>
+              <a:off x="5070587" y="1900434"/>
               <a:ext cx="63202" cy="63202"/>
             </a:xfrm>
             <a:custGeom>
@@ -11729,7 +11729,7 @@
           </p:nvSpPr>
           <p:spPr>
             <a:xfrm>
-              <a:off x="5007089" y="1933071"/>
+              <a:off x="4804087" y="1933056"/>
               <a:ext cx="63202" cy="63202"/>
             </a:xfrm>
             <a:custGeom>
@@ -11772,7 +11772,7 @@
           </p:nvSpPr>
           <p:spPr>
             <a:xfrm>
-              <a:off x="5013296" y="1816440"/>
+              <a:off x="4881313" y="1816362"/>
               <a:ext cx="63202" cy="63202"/>
             </a:xfrm>
             <a:custGeom>
@@ -11815,7 +11815,7 @@
           </p:nvSpPr>
           <p:spPr>
             <a:xfrm>
-              <a:off x="4823902" y="1919235"/>
+              <a:off x="4524624" y="1919219"/>
               <a:ext cx="63202" cy="63202"/>
             </a:xfrm>
             <a:custGeom>
@@ -11858,7 +11858,7 @@
           </p:nvSpPr>
           <p:spPr>
             <a:xfrm>
-              <a:off x="4990359" y="1835653"/>
+              <a:off x="4912890" y="1835674"/>
               <a:ext cx="63202" cy="63202"/>
             </a:xfrm>
             <a:custGeom>
@@ -11901,7 +11901,7 @@
           </p:nvSpPr>
           <p:spPr>
             <a:xfrm>
-              <a:off x="4621090" y="1940371"/>
+              <a:off x="4500092" y="1940340"/>
               <a:ext cx="63202" cy="63202"/>
             </a:xfrm>
             <a:custGeom>
@@ -11944,7 +11944,7 @@
           </p:nvSpPr>
           <p:spPr>
             <a:xfrm>
-              <a:off x="4952305" y="1995518"/>
+              <a:off x="4936257" y="1995490"/>
               <a:ext cx="63202" cy="63202"/>
             </a:xfrm>
             <a:custGeom>
@@ -11987,7 +11987,7 @@
           </p:nvSpPr>
           <p:spPr>
             <a:xfrm>
-              <a:off x="4729504" y="1894481"/>
+              <a:off x="4768963" y="1894430"/>
               <a:ext cx="63202" cy="63202"/>
             </a:xfrm>
             <a:custGeom>
@@ -12030,7 +12030,7 @@
           </p:nvSpPr>
           <p:spPr>
             <a:xfrm>
-              <a:off x="4658111" y="1882316"/>
+              <a:off x="4807282" y="1882246"/>
               <a:ext cx="63202" cy="63202"/>
             </a:xfrm>
             <a:custGeom>
@@ -12073,7 +12073,7 @@
           </p:nvSpPr>
           <p:spPr>
             <a:xfrm>
-              <a:off x="4666646" y="1908854"/>
+              <a:off x="4654172" y="1908799"/>
               <a:ext cx="63202" cy="63202"/>
             </a:xfrm>
             <a:custGeom>
@@ -12116,7 +12116,7 @@
           </p:nvSpPr>
           <p:spPr>
             <a:xfrm>
-              <a:off x="5145214" y="1987654"/>
+              <a:off x="5059837" y="1987665"/>
               <a:ext cx="63202" cy="63202"/>
             </a:xfrm>
             <a:custGeom>
@@ -12159,7 +12159,7 @@
           </p:nvSpPr>
           <p:spPr>
             <a:xfrm>
-              <a:off x="4477735" y="1899970"/>
+              <a:off x="4523408" y="1899943"/>
               <a:ext cx="63202" cy="63202"/>
             </a:xfrm>
             <a:custGeom>
@@ -12202,7 +12202,7 @@
           </p:nvSpPr>
           <p:spPr>
             <a:xfrm>
-              <a:off x="4861765" y="2010219"/>
+              <a:off x="5135378" y="2010167"/>
               <a:ext cx="63202" cy="63202"/>
             </a:xfrm>
             <a:custGeom>
@@ -12245,7 +12245,7 @@
           </p:nvSpPr>
           <p:spPr>
             <a:xfrm>
-              <a:off x="4696766" y="1952038"/>
+              <a:off x="4854039" y="1952070"/>
               <a:ext cx="63202" cy="63202"/>
             </a:xfrm>
             <a:custGeom>
@@ -12288,7 +12288,7 @@
           </p:nvSpPr>
           <p:spPr>
             <a:xfrm>
-              <a:off x="5091733" y="2742043"/>
+              <a:off x="4767586" y="2741995"/>
               <a:ext cx="63202" cy="63202"/>
             </a:xfrm>
             <a:custGeom>
@@ -12331,7 +12331,7 @@
           </p:nvSpPr>
           <p:spPr>
             <a:xfrm>
-              <a:off x="5110860" y="1917076"/>
+              <a:off x="4537597" y="1917016"/>
               <a:ext cx="63202" cy="63202"/>
             </a:xfrm>
             <a:custGeom>
@@ -12374,7 +12374,7 @@
           </p:nvSpPr>
           <p:spPr>
             <a:xfrm>
-              <a:off x="4582016" y="2136602"/>
+              <a:off x="4985875" y="2136609"/>
               <a:ext cx="63202" cy="63202"/>
             </a:xfrm>
             <a:custGeom>
@@ -12417,7 +12417,7 @@
           </p:nvSpPr>
           <p:spPr>
             <a:xfrm>
-              <a:off x="4773596" y="1877370"/>
+              <a:off x="4555867" y="1877343"/>
               <a:ext cx="63202" cy="63202"/>
             </a:xfrm>
             <a:custGeom>
@@ -12460,7 +12460,7 @@
           </p:nvSpPr>
           <p:spPr>
             <a:xfrm>
-              <a:off x="4568435" y="1900087"/>
+              <a:off x="4495886" y="1900049"/>
               <a:ext cx="63202" cy="63202"/>
             </a:xfrm>
             <a:custGeom>
@@ -12503,7 +12503,7 @@
           </p:nvSpPr>
           <p:spPr>
             <a:xfrm>
-              <a:off x="4565783" y="1843533"/>
+              <a:off x="4942014" y="1843455"/>
               <a:ext cx="63202" cy="63202"/>
             </a:xfrm>
             <a:custGeom>
@@ -12546,7 +12546,7 @@
           </p:nvSpPr>
           <p:spPr>
             <a:xfrm>
-              <a:off x="4633968" y="1889660"/>
+              <a:off x="4852287" y="1889609"/>
               <a:ext cx="63202" cy="63202"/>
             </a:xfrm>
             <a:custGeom>
@@ -12589,7 +12589,7 @@
           </p:nvSpPr>
           <p:spPr>
             <a:xfrm>
-              <a:off x="4786673" y="1913735"/>
+              <a:off x="5132769" y="1913682"/>
               <a:ext cx="63202" cy="63202"/>
             </a:xfrm>
             <a:custGeom>
@@ -12632,7 +12632,7 @@
           </p:nvSpPr>
           <p:spPr>
             <a:xfrm>
-              <a:off x="4496077" y="2279983"/>
+              <a:off x="4541031" y="2279903"/>
               <a:ext cx="63202" cy="63202"/>
             </a:xfrm>
             <a:custGeom>
@@ -12675,7 +12675,7 @@
           </p:nvSpPr>
           <p:spPr>
             <a:xfrm>
-              <a:off x="4544163" y="1917990"/>
+              <a:off x="5001447" y="1917967"/>
               <a:ext cx="63202" cy="63202"/>
             </a:xfrm>
             <a:custGeom>
@@ -12718,7 +12718,7 @@
           </p:nvSpPr>
           <p:spPr>
             <a:xfrm>
-              <a:off x="4897901" y="2088968"/>
+              <a:off x="5024684" y="2088966"/>
               <a:ext cx="63202" cy="63202"/>
             </a:xfrm>
             <a:custGeom>
@@ -12761,7 +12761,7 @@
           </p:nvSpPr>
           <p:spPr>
             <a:xfrm>
-              <a:off x="5566466" y="2773204"/>
+              <a:off x="6026379" y="2773191"/>
               <a:ext cx="63202" cy="63202"/>
             </a:xfrm>
             <a:custGeom>
@@ -12804,7 +12804,7 @@
           </p:nvSpPr>
           <p:spPr>
             <a:xfrm>
-              <a:off x="5030284" y="1808182"/>
+              <a:off x="4797992" y="1808208"/>
               <a:ext cx="63202" cy="63202"/>
             </a:xfrm>
             <a:custGeom>
@@ -12847,7 +12847,7 @@
           </p:nvSpPr>
           <p:spPr>
             <a:xfrm>
-              <a:off x="4907514" y="1849034"/>
+              <a:off x="4930701" y="1849045"/>
               <a:ext cx="63202" cy="63202"/>
             </a:xfrm>
             <a:custGeom>
@@ -12890,7 +12890,7 @@
           </p:nvSpPr>
           <p:spPr>
             <a:xfrm>
-              <a:off x="4955573" y="2417251"/>
+              <a:off x="4597444" y="2417141"/>
               <a:ext cx="63202" cy="63202"/>
             </a:xfrm>
             <a:custGeom>
@@ -12933,7 +12933,7 @@
           </p:nvSpPr>
           <p:spPr>
             <a:xfrm>
-              <a:off x="4985214" y="1933303"/>
+              <a:off x="4953982" y="1933247"/>
               <a:ext cx="63202" cy="63202"/>
             </a:xfrm>
             <a:custGeom>
@@ -12976,7 +12976,7 @@
           </p:nvSpPr>
           <p:spPr>
             <a:xfrm>
-              <a:off x="4657596" y="1852647"/>
+              <a:off x="4851968" y="1852613"/>
               <a:ext cx="63202" cy="63202"/>
             </a:xfrm>
             <a:custGeom>
@@ -13019,7 +13019,7 @@
           </p:nvSpPr>
           <p:spPr>
             <a:xfrm>
-              <a:off x="4903128" y="1917998"/>
+              <a:off x="4780651" y="1917994"/>
               <a:ext cx="63202" cy="63202"/>
             </a:xfrm>
             <a:custGeom>
@@ -13062,7 +13062,7 @@
           </p:nvSpPr>
           <p:spPr>
             <a:xfrm>
-              <a:off x="4948878" y="1954262"/>
+              <a:off x="4959094" y="1954186"/>
               <a:ext cx="63202" cy="63202"/>
             </a:xfrm>
             <a:custGeom>
@@ -13105,7 +13105,7 @@
           </p:nvSpPr>
           <p:spPr>
             <a:xfrm>
-              <a:off x="4976477" y="1926204"/>
+              <a:off x="4976140" y="1926153"/>
               <a:ext cx="63202" cy="63202"/>
             </a:xfrm>
             <a:custGeom>
@@ -13148,7 +13148,7 @@
           </p:nvSpPr>
           <p:spPr>
             <a:xfrm>
-              <a:off x="4554673" y="2037901"/>
+              <a:off x="4604766" y="2037879"/>
               <a:ext cx="63202" cy="63202"/>
             </a:xfrm>
             <a:custGeom>
@@ -13191,7 +13191,7 @@
           </p:nvSpPr>
           <p:spPr>
             <a:xfrm>
-              <a:off x="4784609" y="1889585"/>
+              <a:off x="4583812" y="1889558"/>
               <a:ext cx="63202" cy="63202"/>
             </a:xfrm>
             <a:custGeom>
@@ -13234,7 +13234,7 @@
           </p:nvSpPr>
           <p:spPr>
             <a:xfrm>
-              <a:off x="5055929" y="1898369"/>
+              <a:off x="4497622" y="1898333"/>
               <a:ext cx="63202" cy="63202"/>
             </a:xfrm>
             <a:custGeom>
@@ -13277,7 +13277,7 @@
           </p:nvSpPr>
           <p:spPr>
             <a:xfrm>
-              <a:off x="4678144" y="2128203"/>
+              <a:off x="5077384" y="2128225"/>
               <a:ext cx="63202" cy="63202"/>
             </a:xfrm>
             <a:custGeom>
@@ -13320,7 +13320,7 @@
           </p:nvSpPr>
           <p:spPr>
             <a:xfrm>
-              <a:off x="4934395" y="1974601"/>
+              <a:off x="4952375" y="1974603"/>
               <a:ext cx="63202" cy="63202"/>
             </a:xfrm>
             <a:custGeom>
@@ -13363,7 +13363,7 @@
           </p:nvSpPr>
           <p:spPr>
             <a:xfrm>
-              <a:off x="4486830" y="1875906"/>
+              <a:off x="4592321" y="1875827"/>
               <a:ext cx="63202" cy="63202"/>
             </a:xfrm>
             <a:custGeom>
@@ -13406,7 +13406,7 @@
           </p:nvSpPr>
           <p:spPr>
             <a:xfrm>
-              <a:off x="5122213" y="2071841"/>
+              <a:off x="4580443" y="2071873"/>
               <a:ext cx="63202" cy="63202"/>
             </a:xfrm>
             <a:custGeom>
@@ -13449,7 +13449,7 @@
           </p:nvSpPr>
           <p:spPr>
             <a:xfrm>
-              <a:off x="5158329" y="2082333"/>
+              <a:off x="4619008" y="2082343"/>
               <a:ext cx="63202" cy="63202"/>
             </a:xfrm>
             <a:custGeom>
@@ -13492,7 +13492,7 @@
           </p:nvSpPr>
           <p:spPr>
             <a:xfrm>
-              <a:off x="4912122" y="1972818"/>
+              <a:off x="4903587" y="1972841"/>
               <a:ext cx="63202" cy="63202"/>
             </a:xfrm>
             <a:custGeom>
@@ -13535,7 +13535,7 @@
           </p:nvSpPr>
           <p:spPr>
             <a:xfrm>
-              <a:off x="4480517" y="2051005"/>
+              <a:off x="4724034" y="2050983"/>
               <a:ext cx="63202" cy="63202"/>
             </a:xfrm>
             <a:custGeom>
@@ -13578,7 +13578,7 @@
           </p:nvSpPr>
           <p:spPr>
             <a:xfrm>
-              <a:off x="4918841" y="1937720"/>
+              <a:off x="5095931" y="1937716"/>
               <a:ext cx="63202" cy="63202"/>
             </a:xfrm>
             <a:custGeom>
@@ -13621,7 +13621,7 @@
           </p:nvSpPr>
           <p:spPr>
             <a:xfrm>
-              <a:off x="4564058" y="1883783"/>
+              <a:off x="5133206" y="1883769"/>
               <a:ext cx="63202" cy="63202"/>
             </a:xfrm>
             <a:custGeom>
@@ -13664,7 +13664,7 @@
           </p:nvSpPr>
           <p:spPr>
             <a:xfrm>
-              <a:off x="4890280" y="1809772"/>
+              <a:off x="4894532" y="1809758"/>
               <a:ext cx="63202" cy="63202"/>
             </a:xfrm>
             <a:custGeom>
@@ -13707,7 +13707,7 @@
           </p:nvSpPr>
           <p:spPr>
             <a:xfrm>
-              <a:off x="4958385" y="1812604"/>
+              <a:off x="4754074" y="1812592"/>
               <a:ext cx="63202" cy="63202"/>
             </a:xfrm>
             <a:custGeom>
@@ -13750,7 +13750,7 @@
           </p:nvSpPr>
           <p:spPr>
             <a:xfrm>
-              <a:off x="5147627" y="2329433"/>
+              <a:off x="4913434" y="2329373"/>
               <a:ext cx="63202" cy="63202"/>
             </a:xfrm>
             <a:custGeom>
@@ -13793,7 +13793,7 @@
           </p:nvSpPr>
           <p:spPr>
             <a:xfrm>
-              <a:off x="4808976" y="1859766"/>
+              <a:off x="4591084" y="1859691"/>
               <a:ext cx="63202" cy="63202"/>
             </a:xfrm>
             <a:custGeom>
@@ -13836,7 +13836,7 @@
           </p:nvSpPr>
           <p:spPr>
             <a:xfrm>
-              <a:off x="5091351" y="2564382"/>
+              <a:off x="5057989" y="2564350"/>
               <a:ext cx="63202" cy="63202"/>
             </a:xfrm>
             <a:custGeom>
@@ -13879,7 +13879,7 @@
           </p:nvSpPr>
           <p:spPr>
             <a:xfrm>
-              <a:off x="5090038" y="1809956"/>
+              <a:off x="4720116" y="1809943"/>
               <a:ext cx="63202" cy="63202"/>
             </a:xfrm>
             <a:custGeom>
@@ -13922,7 +13922,7 @@
           </p:nvSpPr>
           <p:spPr>
             <a:xfrm>
-              <a:off x="4595173" y="1867135"/>
+              <a:off x="5132994" y="1867054"/>
               <a:ext cx="63202" cy="63202"/>
             </a:xfrm>
             <a:custGeom>
@@ -13965,7 +13965,7 @@
           </p:nvSpPr>
           <p:spPr>
             <a:xfrm>
-              <a:off x="5056677" y="1882988"/>
+              <a:off x="5033319" y="1882966"/>
               <a:ext cx="63202" cy="63202"/>
             </a:xfrm>
             <a:custGeom>
@@ -14008,7 +14008,7 @@
           </p:nvSpPr>
           <p:spPr>
             <a:xfrm>
-              <a:off x="4670367" y="2037333"/>
+              <a:off x="4562363" y="2037315"/>
               <a:ext cx="63202" cy="63202"/>
             </a:xfrm>
             <a:custGeom>
@@ -14051,7 +14051,7 @@
           </p:nvSpPr>
           <p:spPr>
             <a:xfrm>
-              <a:off x="4914983" y="1794035"/>
+              <a:off x="5076999" y="1794029"/>
               <a:ext cx="63202" cy="63202"/>
             </a:xfrm>
             <a:custGeom>
@@ -14094,7 +14094,7 @@
           </p:nvSpPr>
           <p:spPr>
             <a:xfrm>
-              <a:off x="4996705" y="1900025"/>
+              <a:off x="4517546" y="1900051"/>
               <a:ext cx="63202" cy="63202"/>
             </a:xfrm>
             <a:custGeom>
@@ -14137,7 +14137,7 @@
           </p:nvSpPr>
           <p:spPr>
             <a:xfrm>
-              <a:off x="4677329" y="1878050"/>
+              <a:off x="4606846" y="1878010"/>
               <a:ext cx="63202" cy="63202"/>
             </a:xfrm>
             <a:custGeom>
@@ -14236,7 +14236,7 @@
           </p:nvSpPr>
           <p:spPr>
             <a:xfrm>
-              <a:off x="4325757" y="4776134"/>
+              <a:off x="4325757" y="4776084"/>
               <a:ext cx="2796732" cy="0"/>
             </a:xfrm>
             <a:custGeom>
@@ -14279,7 +14279,7 @@
           </p:nvSpPr>
           <p:spPr>
             <a:xfrm>
-              <a:off x="4325757" y="4304098"/>
+              <a:off x="4325757" y="4304061"/>
               <a:ext cx="2796732" cy="0"/>
             </a:xfrm>
             <a:custGeom>
@@ -14322,7 +14322,7 @@
           </p:nvSpPr>
           <p:spPr>
             <a:xfrm>
-              <a:off x="4325757" y="3832061"/>
+              <a:off x="4325757" y="3832038"/>
               <a:ext cx="2796732" cy="0"/>
             </a:xfrm>
             <a:custGeom>
@@ -14365,7 +14365,7 @@
           </p:nvSpPr>
           <p:spPr>
             <a:xfrm>
-              <a:off x="4325757" y="3360025"/>
+              <a:off x="4325757" y="3360015"/>
               <a:ext cx="2796732" cy="0"/>
             </a:xfrm>
             <a:custGeom>
@@ -14408,7 +14408,7 @@
           </p:nvSpPr>
           <p:spPr>
             <a:xfrm>
-              <a:off x="4325757" y="4540116"/>
+              <a:off x="4325757" y="4540073"/>
               <a:ext cx="2796732" cy="0"/>
             </a:xfrm>
             <a:custGeom>
@@ -14451,7 +14451,7 @@
           </p:nvSpPr>
           <p:spPr>
             <a:xfrm>
-              <a:off x="4325757" y="4068080"/>
+              <a:off x="4325757" y="4068050"/>
               <a:ext cx="2796732" cy="0"/>
             </a:xfrm>
             <a:custGeom>
@@ -14494,7 +14494,7 @@
           </p:nvSpPr>
           <p:spPr>
             <a:xfrm>
-              <a:off x="4325757" y="3596043"/>
+              <a:off x="4325757" y="3596027"/>
               <a:ext cx="2796732" cy="0"/>
             </a:xfrm>
             <a:custGeom>
@@ -14666,7 +14666,7 @@
           </p:nvSpPr>
           <p:spPr>
             <a:xfrm>
-              <a:off x="5867849" y="4763357"/>
+              <a:off x="5973203" y="4763260"/>
               <a:ext cx="63202" cy="63202"/>
             </a:xfrm>
             <a:custGeom>
@@ -14709,7 +14709,7 @@
           </p:nvSpPr>
           <p:spPr>
             <a:xfrm>
-              <a:off x="5070274" y="4588844"/>
+              <a:off x="4534258" y="4588843"/>
               <a:ext cx="63202" cy="63202"/>
             </a:xfrm>
             <a:custGeom>
@@ -14752,7 +14752,7 @@
           </p:nvSpPr>
           <p:spPr>
             <a:xfrm>
-              <a:off x="4760931" y="3891112"/>
+              <a:off x="4671541" y="3891059"/>
               <a:ext cx="63202" cy="63202"/>
             </a:xfrm>
             <a:custGeom>
@@ -14795,7 +14795,7 @@
           </p:nvSpPr>
           <p:spPr>
             <a:xfrm>
-              <a:off x="6690556" y="4883747"/>
+              <a:off x="6693063" y="4883747"/>
               <a:ext cx="63202" cy="63202"/>
             </a:xfrm>
             <a:custGeom>
@@ -14894,7 +14894,7 @@
           </p:nvSpPr>
           <p:spPr>
             <a:xfrm>
-              <a:off x="4325757" y="6701467"/>
+              <a:off x="4325757" y="6701417"/>
               <a:ext cx="2796732" cy="0"/>
             </a:xfrm>
             <a:custGeom>
@@ -14937,7 +14937,7 @@
           </p:nvSpPr>
           <p:spPr>
             <a:xfrm>
-              <a:off x="4325757" y="6229430"/>
+              <a:off x="4325757" y="6229394"/>
               <a:ext cx="2796732" cy="0"/>
             </a:xfrm>
             <a:custGeom>
@@ -14980,7 +14980,7 @@
           </p:nvSpPr>
           <p:spPr>
             <a:xfrm>
-              <a:off x="4325757" y="5757394"/>
+              <a:off x="4325757" y="5757371"/>
               <a:ext cx="2796732" cy="0"/>
             </a:xfrm>
             <a:custGeom>
@@ -15023,7 +15023,7 @@
           </p:nvSpPr>
           <p:spPr>
             <a:xfrm>
-              <a:off x="4325757" y="5285358"/>
+              <a:off x="4325757" y="5285348"/>
               <a:ext cx="2796732" cy="0"/>
             </a:xfrm>
             <a:custGeom>
@@ -15066,7 +15066,7 @@
           </p:nvSpPr>
           <p:spPr>
             <a:xfrm>
-              <a:off x="4325757" y="6465449"/>
+              <a:off x="4325757" y="6465405"/>
               <a:ext cx="2796732" cy="0"/>
             </a:xfrm>
             <a:custGeom>
@@ -15109,7 +15109,7 @@
           </p:nvSpPr>
           <p:spPr>
             <a:xfrm>
-              <a:off x="4325757" y="5993412"/>
+              <a:off x="4325757" y="5993382"/>
               <a:ext cx="2796732" cy="0"/>
             </a:xfrm>
             <a:custGeom>
@@ -15152,7 +15152,7 @@
           </p:nvSpPr>
           <p:spPr>
             <a:xfrm>
-              <a:off x="4325757" y="5521376"/>
+              <a:off x="4325757" y="5521359"/>
               <a:ext cx="2796732" cy="0"/>
             </a:xfrm>
             <a:custGeom>
@@ -15324,7 +15324,7 @@
           </p:nvSpPr>
           <p:spPr>
             <a:xfrm>
-              <a:off x="4785163" y="5368781"/>
+              <a:off x="4800958" y="5368760"/>
               <a:ext cx="63202" cy="63202"/>
             </a:xfrm>
             <a:custGeom>
@@ -15367,7 +15367,7 @@
           </p:nvSpPr>
           <p:spPr>
             <a:xfrm>
-              <a:off x="4489894" y="5356665"/>
+              <a:off x="4552280" y="5356660"/>
               <a:ext cx="63202" cy="63202"/>
             </a:xfrm>
             <a:custGeom>
@@ -15410,7 +15410,7 @@
           </p:nvSpPr>
           <p:spPr>
             <a:xfrm>
-              <a:off x="4982979" y="5375263"/>
+              <a:off x="5002561" y="5375268"/>
               <a:ext cx="63202" cy="63202"/>
             </a:xfrm>
             <a:custGeom>
@@ -15453,7 +15453,7 @@
           </p:nvSpPr>
           <p:spPr>
             <a:xfrm>
-              <a:off x="4536203" y="5342661"/>
+              <a:off x="5022058" y="5342647"/>
               <a:ext cx="63202" cy="63202"/>
             </a:xfrm>
             <a:custGeom>
@@ -15496,7 +15496,7 @@
           </p:nvSpPr>
           <p:spPr>
             <a:xfrm>
-              <a:off x="4538574" y="5347804"/>
+              <a:off x="4505091" y="5347756"/>
               <a:ext cx="63202" cy="63202"/>
             </a:xfrm>
             <a:custGeom>
@@ -15539,7 +15539,7 @@
           </p:nvSpPr>
           <p:spPr>
             <a:xfrm>
-              <a:off x="4631279" y="5373929"/>
+              <a:off x="4715676" y="5373905"/>
               <a:ext cx="63202" cy="63202"/>
             </a:xfrm>
             <a:custGeom>
@@ -15582,7 +15582,7 @@
           </p:nvSpPr>
           <p:spPr>
             <a:xfrm>
-              <a:off x="4557783" y="5342049"/>
+              <a:off x="4554487" y="5342037"/>
               <a:ext cx="63202" cy="63202"/>
             </a:xfrm>
             <a:custGeom>
@@ -15625,7 +15625,7 @@
           </p:nvSpPr>
           <p:spPr>
             <a:xfrm>
-              <a:off x="4594355" y="6135272"/>
+              <a:off x="4637054" y="6135197"/>
               <a:ext cx="63202" cy="63202"/>
             </a:xfrm>
             <a:custGeom>
@@ -15668,7 +15668,7 @@
           </p:nvSpPr>
           <p:spPr>
             <a:xfrm>
-              <a:off x="4529931" y="5378930"/>
+              <a:off x="4524402" y="5378920"/>
               <a:ext cx="63202" cy="63202"/>
             </a:xfrm>
             <a:custGeom>
@@ -15711,7 +15711,7 @@
           </p:nvSpPr>
           <p:spPr>
             <a:xfrm>
-              <a:off x="5088456" y="5387796"/>
+              <a:off x="5081527" y="5387777"/>
               <a:ext cx="63202" cy="63202"/>
             </a:xfrm>
             <a:custGeom>
@@ -15754,7 +15754,7 @@
           </p:nvSpPr>
           <p:spPr>
             <a:xfrm>
-              <a:off x="4830388" y="5388533"/>
+              <a:off x="4502773" y="5388534"/>
               <a:ext cx="63202" cy="63202"/>
             </a:xfrm>
             <a:custGeom>
@@ -15797,7 +15797,7 @@
           </p:nvSpPr>
           <p:spPr>
             <a:xfrm>
-              <a:off x="4679742" y="5500235"/>
+              <a:off x="4626040" y="5500223"/>
               <a:ext cx="63202" cy="63202"/>
             </a:xfrm>
             <a:custGeom>
@@ -15840,7 +15840,7 @@
           </p:nvSpPr>
           <p:spPr>
             <a:xfrm>
-              <a:off x="4677550" y="5568046"/>
+              <a:off x="4863537" y="5568046"/>
               <a:ext cx="63202" cy="63202"/>
             </a:xfrm>
             <a:custGeom>
@@ -15883,7 +15883,7 @@
           </p:nvSpPr>
           <p:spPr>
             <a:xfrm>
-              <a:off x="5054174" y="5373683"/>
+              <a:off x="4766125" y="5373631"/>
               <a:ext cx="63202" cy="63202"/>
             </a:xfrm>
             <a:custGeom>
@@ -15926,7 +15926,7 @@
           </p:nvSpPr>
           <p:spPr>
             <a:xfrm>
-              <a:off x="4917239" y="5373122"/>
+              <a:off x="5164118" y="5373098"/>
               <a:ext cx="63202" cy="63202"/>
             </a:xfrm>
             <a:custGeom>
@@ -15969,7 +15969,7 @@
           </p:nvSpPr>
           <p:spPr>
             <a:xfrm>
-              <a:off x="5035580" y="5332603"/>
+              <a:off x="4919352" y="5332559"/>
               <a:ext cx="63202" cy="63202"/>
             </a:xfrm>
             <a:custGeom>
@@ -16012,7 +16012,7 @@
           </p:nvSpPr>
           <p:spPr>
             <a:xfrm>
-              <a:off x="5146234" y="5381619"/>
+              <a:off x="5019342" y="5381574"/>
               <a:ext cx="63202" cy="63202"/>
             </a:xfrm>
             <a:custGeom>
@@ -16055,7 +16055,7 @@
           </p:nvSpPr>
           <p:spPr>
             <a:xfrm>
-              <a:off x="4915092" y="5317369"/>
+              <a:off x="4639866" y="5317369"/>
               <a:ext cx="63202" cy="63202"/>
             </a:xfrm>
             <a:custGeom>
@@ -16098,7 +16098,7 @@
           </p:nvSpPr>
           <p:spPr>
             <a:xfrm>
-              <a:off x="4516364" y="5371357"/>
+              <a:off x="4751704" y="5371387"/>
               <a:ext cx="63202" cy="63202"/>
             </a:xfrm>
             <a:custGeom>
@@ -16141,7 +16141,7 @@
           </p:nvSpPr>
           <p:spPr>
             <a:xfrm>
-              <a:off x="4528830" y="5342429"/>
+              <a:off x="5120350" y="5342357"/>
               <a:ext cx="63202" cy="63202"/>
             </a:xfrm>
             <a:custGeom>
@@ -16184,7 +16184,7 @@
           </p:nvSpPr>
           <p:spPr>
             <a:xfrm>
-              <a:off x="4851084" y="5829568"/>
+              <a:off x="5151979" y="5829489"/>
               <a:ext cx="63202" cy="63202"/>
             </a:xfrm>
             <a:custGeom>
@@ -16227,7 +16227,7 @@
           </p:nvSpPr>
           <p:spPr>
             <a:xfrm>
-              <a:off x="4877892" y="5496364"/>
+              <a:off x="4636711" y="5496347"/>
               <a:ext cx="63202" cy="63202"/>
             </a:xfrm>
             <a:custGeom>
@@ -16270,7 +16270,7 @@
           </p:nvSpPr>
           <p:spPr>
             <a:xfrm>
-              <a:off x="5138148" y="5370634"/>
+              <a:off x="5154192" y="5370600"/>
               <a:ext cx="63202" cy="63202"/>
             </a:xfrm>
             <a:custGeom>
@@ -16313,7 +16313,7 @@
           </p:nvSpPr>
           <p:spPr>
             <a:xfrm>
-              <a:off x="4957125" y="5338356"/>
+              <a:off x="5060435" y="5338300"/>
               <a:ext cx="63202" cy="63202"/>
             </a:xfrm>
             <a:custGeom>
@@ -16356,7 +16356,7 @@
           </p:nvSpPr>
           <p:spPr>
             <a:xfrm>
-              <a:off x="4589670" y="5347130"/>
+              <a:off x="4478373" y="5347076"/>
               <a:ext cx="63202" cy="63202"/>
             </a:xfrm>
             <a:custGeom>
@@ -16399,7 +16399,7 @@
           </p:nvSpPr>
           <p:spPr>
             <a:xfrm>
-              <a:off x="4772132" y="5358260"/>
+              <a:off x="5044559" y="5358251"/>
               <a:ext cx="63202" cy="63202"/>
             </a:xfrm>
             <a:custGeom>
@@ -16442,7 +16442,7 @@
           </p:nvSpPr>
           <p:spPr>
             <a:xfrm>
-              <a:off x="4685969" y="5387900"/>
+              <a:off x="4598610" y="5387868"/>
               <a:ext cx="63202" cy="63202"/>
             </a:xfrm>
             <a:custGeom>
@@ -16485,7 +16485,7 @@
           </p:nvSpPr>
           <p:spPr>
             <a:xfrm>
-              <a:off x="4879370" y="5380854"/>
+              <a:off x="4906246" y="5380816"/>
               <a:ext cx="63202" cy="63202"/>
             </a:xfrm>
             <a:custGeom>
@@ -16528,7 +16528,7 @@
           </p:nvSpPr>
           <p:spPr>
             <a:xfrm>
-              <a:off x="4496470" y="5352475"/>
+              <a:off x="5130283" y="5352488"/>
               <a:ext cx="63202" cy="63202"/>
             </a:xfrm>
             <a:custGeom>
@@ -16571,7 +16571,7 @@
           </p:nvSpPr>
           <p:spPr>
             <a:xfrm>
-              <a:off x="4855654" y="5378867"/>
+              <a:off x="4738560" y="5378837"/>
               <a:ext cx="63202" cy="63202"/>
             </a:xfrm>
             <a:custGeom>
@@ -16614,7 +16614,7 @@
           </p:nvSpPr>
           <p:spPr>
             <a:xfrm>
-              <a:off x="4865270" y="5366102"/>
+              <a:off x="4753789" y="5366107"/>
               <a:ext cx="63202" cy="63202"/>
             </a:xfrm>
             <a:custGeom>
@@ -16657,7 +16657,7 @@
           </p:nvSpPr>
           <p:spPr>
             <a:xfrm>
-              <a:off x="4595001" y="5333213"/>
+              <a:off x="5030193" y="5333218"/>
               <a:ext cx="63202" cy="63202"/>
             </a:xfrm>
             <a:custGeom>
@@ -16700,7 +16700,7 @@
           </p:nvSpPr>
           <p:spPr>
             <a:xfrm>
-              <a:off x="4953138" y="5334943"/>
+              <a:off x="4810552" y="5334907"/>
               <a:ext cx="63202" cy="63202"/>
             </a:xfrm>
             <a:custGeom>
@@ -16743,7 +16743,7 @@
           </p:nvSpPr>
           <p:spPr>
             <a:xfrm>
-              <a:off x="4786495" y="5342036"/>
+              <a:off x="4506961" y="5342016"/>
               <a:ext cx="63202" cy="63202"/>
             </a:xfrm>
             <a:custGeom>
@@ -16786,7 +16786,7 @@
           </p:nvSpPr>
           <p:spPr>
             <a:xfrm>
-              <a:off x="4669959" y="5372834"/>
+              <a:off x="4581978" y="5372825"/>
               <a:ext cx="63202" cy="63202"/>
             </a:xfrm>
             <a:custGeom>
@@ -16829,7 +16829,7 @@
           </p:nvSpPr>
           <p:spPr>
             <a:xfrm>
-              <a:off x="4846624" y="5381678"/>
+              <a:off x="4916559" y="5381675"/>
               <a:ext cx="63202" cy="63202"/>
             </a:xfrm>
             <a:custGeom>
@@ -16872,7 +16872,7 @@
           </p:nvSpPr>
           <p:spPr>
             <a:xfrm>
-              <a:off x="4801852" y="5370916"/>
+              <a:off x="4980227" y="5370895"/>
               <a:ext cx="63202" cy="63202"/>
             </a:xfrm>
             <a:custGeom>
@@ -16915,7 +16915,7 @@
           </p:nvSpPr>
           <p:spPr>
             <a:xfrm>
-              <a:off x="5084878" y="5334935"/>
+              <a:off x="4865163" y="5334897"/>
               <a:ext cx="63202" cy="63202"/>
             </a:xfrm>
             <a:custGeom>
@@ -16958,7 +16958,7 @@
           </p:nvSpPr>
           <p:spPr>
             <a:xfrm>
-              <a:off x="5112409" y="5379444"/>
+              <a:off x="4991231" y="5379412"/>
               <a:ext cx="63202" cy="63202"/>
             </a:xfrm>
             <a:custGeom>
@@ -17001,7 +17001,7 @@
           </p:nvSpPr>
           <p:spPr>
             <a:xfrm>
-              <a:off x="4963284" y="5475143"/>
+              <a:off x="4862171" y="5475159"/>
               <a:ext cx="63202" cy="63202"/>
             </a:xfrm>
             <a:custGeom>
@@ -17044,7 +17044,7 @@
           </p:nvSpPr>
           <p:spPr>
             <a:xfrm>
-              <a:off x="4744314" y="5349981"/>
+              <a:off x="4663877" y="5349939"/>
               <a:ext cx="63202" cy="63202"/>
             </a:xfrm>
             <a:custGeom>
@@ -17087,7 +17087,7 @@
           </p:nvSpPr>
           <p:spPr>
             <a:xfrm>
-              <a:off x="4575269" y="5341637"/>
+              <a:off x="4728906" y="5341602"/>
               <a:ext cx="63202" cy="63202"/>
             </a:xfrm>
             <a:custGeom>
@@ -17130,7 +17130,7 @@
           </p:nvSpPr>
           <p:spPr>
             <a:xfrm>
-              <a:off x="5048840" y="5361099"/>
+              <a:off x="5109136" y="5361086"/>
               <a:ext cx="63202" cy="63202"/>
             </a:xfrm>
             <a:custGeom>
@@ -17173,7 +17173,7 @@
           </p:nvSpPr>
           <p:spPr>
             <a:xfrm>
-              <a:off x="4955122" y="5384401"/>
+              <a:off x="5143050" y="5384407"/>
               <a:ext cx="63202" cy="63202"/>
             </a:xfrm>
             <a:custGeom>
@@ -17216,7 +17216,7 @@
           </p:nvSpPr>
           <p:spPr>
             <a:xfrm>
-              <a:off x="4899904" y="5372835"/>
+              <a:off x="5110496" y="5372802"/>
               <a:ext cx="63202" cy="63202"/>
             </a:xfrm>
             <a:custGeom>
@@ -17259,7 +17259,7 @@
           </p:nvSpPr>
           <p:spPr>
             <a:xfrm>
-              <a:off x="5059848" y="5360450"/>
+              <a:off x="4504242" y="5360425"/>
               <a:ext cx="63202" cy="63202"/>
             </a:xfrm>
             <a:custGeom>
@@ -17302,7 +17302,7 @@
           </p:nvSpPr>
           <p:spPr>
             <a:xfrm>
-              <a:off x="4672234" y="5423379"/>
+              <a:off x="4604494" y="5423428"/>
               <a:ext cx="63202" cy="63202"/>
             </a:xfrm>
             <a:custGeom>
@@ -17345,7 +17345,7 @@
           </p:nvSpPr>
           <p:spPr>
             <a:xfrm>
-              <a:off x="4732843" y="5331350"/>
+              <a:off x="4507737" y="5331380"/>
               <a:ext cx="63202" cy="63202"/>
             </a:xfrm>
             <a:custGeom>
@@ -17388,7 +17388,7 @@
           </p:nvSpPr>
           <p:spPr>
             <a:xfrm>
-              <a:off x="4978656" y="5395095"/>
+              <a:off x="4790746" y="5395043"/>
               <a:ext cx="63202" cy="63202"/>
             </a:xfrm>
             <a:custGeom>
@@ -17431,7 +17431,7 @@
           </p:nvSpPr>
           <p:spPr>
             <a:xfrm>
-              <a:off x="4936448" y="5332688"/>
+              <a:off x="5077222" y="5332656"/>
               <a:ext cx="63202" cy="63202"/>
             </a:xfrm>
             <a:custGeom>
@@ -17474,7 +17474,7 @@
           </p:nvSpPr>
           <p:spPr>
             <a:xfrm>
-              <a:off x="4978752" y="5395398"/>
+              <a:off x="4736938" y="5395375"/>
               <a:ext cx="63202" cy="63202"/>
             </a:xfrm>
             <a:custGeom>
@@ -17517,7 +17517,7 @@
           </p:nvSpPr>
           <p:spPr>
             <a:xfrm>
-              <a:off x="4756994" y="5351363"/>
+              <a:off x="4474225" y="5351378"/>
               <a:ext cx="63202" cy="63202"/>
             </a:xfrm>
             <a:custGeom>
@@ -17560,7 +17560,7 @@
           </p:nvSpPr>
           <p:spPr>
             <a:xfrm>
-              <a:off x="5111191" y="5970474"/>
+              <a:off x="5046695" y="5970446"/>
               <a:ext cx="63202" cy="63202"/>
             </a:xfrm>
             <a:custGeom>
@@ -17603,7 +17603,7 @@
           </p:nvSpPr>
           <p:spPr>
             <a:xfrm>
-              <a:off x="4755820" y="5337883"/>
+              <a:off x="4536844" y="5337878"/>
               <a:ext cx="63202" cy="63202"/>
             </a:xfrm>
             <a:custGeom>
@@ -17646,7 +17646,7 @@
           </p:nvSpPr>
           <p:spPr>
             <a:xfrm>
-              <a:off x="5084663" y="5347686"/>
+              <a:off x="4697081" y="5347669"/>
               <a:ext cx="63202" cy="63202"/>
             </a:xfrm>
             <a:custGeom>
@@ -17689,7 +17689,7 @@
           </p:nvSpPr>
           <p:spPr>
             <a:xfrm>
-              <a:off x="4547684" y="5327485"/>
+              <a:off x="5088597" y="5327462"/>
               <a:ext cx="63202" cy="63202"/>
             </a:xfrm>
             <a:custGeom>
@@ -17732,7 +17732,7 @@
           </p:nvSpPr>
           <p:spPr>
             <a:xfrm>
-              <a:off x="4544055" y="6267013"/>
+              <a:off x="4705690" y="6266973"/>
               <a:ext cx="63202" cy="63202"/>
             </a:xfrm>
             <a:custGeom>
@@ -17775,7 +17775,7 @@
           </p:nvSpPr>
           <p:spPr>
             <a:xfrm>
-              <a:off x="4725368" y="5343840"/>
+              <a:off x="4510835" y="5343843"/>
               <a:ext cx="63202" cy="63202"/>
             </a:xfrm>
             <a:custGeom>
@@ -17818,7 +17818,7 @@
           </p:nvSpPr>
           <p:spPr>
             <a:xfrm>
-              <a:off x="4992410" y="5343819"/>
+              <a:off x="4747937" y="5343784"/>
               <a:ext cx="63202" cy="63202"/>
             </a:xfrm>
             <a:custGeom>
@@ -17861,7 +17861,7 @@
           </p:nvSpPr>
           <p:spPr>
             <a:xfrm>
-              <a:off x="4487703" y="5371782"/>
+              <a:off x="4704558" y="5371734"/>
               <a:ext cx="63202" cy="63202"/>
             </a:xfrm>
             <a:custGeom>
@@ -17904,7 +17904,7 @@
           </p:nvSpPr>
           <p:spPr>
             <a:xfrm>
-              <a:off x="5086869" y="5362999"/>
+              <a:off x="4563159" y="5362976"/>
               <a:ext cx="63202" cy="63202"/>
             </a:xfrm>
             <a:custGeom>
@@ -17947,7 +17947,7 @@
           </p:nvSpPr>
           <p:spPr>
             <a:xfrm>
-              <a:off x="4509123" y="5371166"/>
+              <a:off x="4764364" y="5371169"/>
               <a:ext cx="63202" cy="63202"/>
             </a:xfrm>
             <a:custGeom>
@@ -17990,7 +17990,7 @@
           </p:nvSpPr>
           <p:spPr>
             <a:xfrm>
-              <a:off x="4872209" y="5593235"/>
+              <a:off x="4803692" y="5593241"/>
               <a:ext cx="63202" cy="63202"/>
             </a:xfrm>
             <a:custGeom>
@@ -18033,7 +18033,7 @@
           </p:nvSpPr>
           <p:spPr>
             <a:xfrm>
-              <a:off x="4542014" y="5670211"/>
+              <a:off x="4564728" y="5670164"/>
               <a:ext cx="63202" cy="63202"/>
             </a:xfrm>
             <a:custGeom>
@@ -18076,7 +18076,7 @@
           </p:nvSpPr>
           <p:spPr>
             <a:xfrm>
-              <a:off x="5062772" y="5347499"/>
+              <a:off x="4593122" y="5347521"/>
               <a:ext cx="63202" cy="63202"/>
             </a:xfrm>
             <a:custGeom>
@@ -18119,7 +18119,7 @@
           </p:nvSpPr>
           <p:spPr>
             <a:xfrm>
-              <a:off x="4883131" y="6217623"/>
+              <a:off x="4737276" y="6217604"/>
               <a:ext cx="63202" cy="63202"/>
             </a:xfrm>
             <a:custGeom>
@@ -18162,7 +18162,7 @@
           </p:nvSpPr>
           <p:spPr>
             <a:xfrm>
-              <a:off x="4621339" y="5395082"/>
+              <a:off x="4639391" y="5395057"/>
               <a:ext cx="63202" cy="63202"/>
             </a:xfrm>
             <a:custGeom>
@@ -18205,7 +18205,7 @@
           </p:nvSpPr>
           <p:spPr>
             <a:xfrm>
-              <a:off x="4478977" y="5421711"/>
+              <a:off x="4607405" y="5421719"/>
               <a:ext cx="63202" cy="63202"/>
             </a:xfrm>
             <a:custGeom>
@@ -18248,7 +18248,7 @@
           </p:nvSpPr>
           <p:spPr>
             <a:xfrm>
-              <a:off x="4575403" y="5337746"/>
+              <a:off x="4509541" y="5337780"/>
               <a:ext cx="63202" cy="63202"/>
             </a:xfrm>
             <a:custGeom>
@@ -18291,7 +18291,7 @@
           </p:nvSpPr>
           <p:spPr>
             <a:xfrm>
-              <a:off x="4974027" y="5372493"/>
+              <a:off x="4965962" y="5372480"/>
               <a:ext cx="63202" cy="63202"/>
             </a:xfrm>
             <a:custGeom>
@@ -18334,7 +18334,7 @@
           </p:nvSpPr>
           <p:spPr>
             <a:xfrm>
-              <a:off x="4777453" y="5367615"/>
+              <a:off x="4826950" y="5367606"/>
               <a:ext cx="63202" cy="63202"/>
             </a:xfrm>
             <a:custGeom>
@@ -18377,7 +18377,7 @@
           </p:nvSpPr>
           <p:spPr>
             <a:xfrm>
-              <a:off x="5083189" y="5330971"/>
+              <a:off x="4494904" y="5330935"/>
               <a:ext cx="63202" cy="63202"/>
             </a:xfrm>
             <a:custGeom>
@@ -18420,7 +18420,7 @@
           </p:nvSpPr>
           <p:spPr>
             <a:xfrm>
-              <a:off x="4558199" y="5824424"/>
+              <a:off x="4627182" y="5824416"/>
               <a:ext cx="63202" cy="63202"/>
             </a:xfrm>
             <a:custGeom>
@@ -18463,7 +18463,7 @@
           </p:nvSpPr>
           <p:spPr>
             <a:xfrm>
-              <a:off x="4514464" y="5336733"/>
+              <a:off x="4960550" y="5336760"/>
               <a:ext cx="63202" cy="63202"/>
             </a:xfrm>
             <a:custGeom>
@@ -18506,7 +18506,7 @@
           </p:nvSpPr>
           <p:spPr>
             <a:xfrm>
-              <a:off x="4765687" y="5358939"/>
+              <a:off x="5104553" y="5358940"/>
               <a:ext cx="63202" cy="63202"/>
             </a:xfrm>
             <a:custGeom>
@@ -18549,7 +18549,7 @@
           </p:nvSpPr>
           <p:spPr>
             <a:xfrm>
-              <a:off x="4954500" y="5423417"/>
+              <a:off x="4939918" y="5423376"/>
               <a:ext cx="63202" cy="63202"/>
             </a:xfrm>
             <a:custGeom>
@@ -18592,7 +18592,7 @@
           </p:nvSpPr>
           <p:spPr>
             <a:xfrm>
-              <a:off x="5125699" y="5364910"/>
+              <a:off x="4831661" y="5364837"/>
               <a:ext cx="63202" cy="63202"/>
             </a:xfrm>
             <a:custGeom>
@@ -18635,7 +18635,7 @@
           </p:nvSpPr>
           <p:spPr>
             <a:xfrm>
-              <a:off x="5103173" y="5362166"/>
+              <a:off x="5032772" y="5362136"/>
               <a:ext cx="63202" cy="63202"/>
             </a:xfrm>
             <a:custGeom>
@@ -18678,7 +18678,7 @@
           </p:nvSpPr>
           <p:spPr>
             <a:xfrm>
-              <a:off x="4808917" y="5365527"/>
+              <a:off x="4809903" y="5365503"/>
               <a:ext cx="63202" cy="63202"/>
             </a:xfrm>
             <a:custGeom>
@@ -18721,7 +18721,7 @@
           </p:nvSpPr>
           <p:spPr>
             <a:xfrm>
-              <a:off x="4751470" y="5369884"/>
+              <a:off x="4852300" y="5369863"/>
               <a:ext cx="63202" cy="63202"/>
             </a:xfrm>
             <a:custGeom>
@@ -18764,7 +18764,7 @@
           </p:nvSpPr>
           <p:spPr>
             <a:xfrm>
-              <a:off x="4910142" y="5381589"/>
+              <a:off x="4864835" y="5381543"/>
               <a:ext cx="63202" cy="63202"/>
             </a:xfrm>
             <a:custGeom>
@@ -18807,7 +18807,7 @@
           </p:nvSpPr>
           <p:spPr>
             <a:xfrm>
-              <a:off x="5039606" y="5367444"/>
+              <a:off x="5009964" y="5367430"/>
               <a:ext cx="63202" cy="63202"/>
             </a:xfrm>
             <a:custGeom>
@@ -18850,7 +18850,7 @@
           </p:nvSpPr>
           <p:spPr>
             <a:xfrm>
-              <a:off x="4535388" y="6265778"/>
+              <a:off x="4971348" y="6265747"/>
               <a:ext cx="63202" cy="63202"/>
             </a:xfrm>
             <a:custGeom>
@@ -18893,7 +18893,7 @@
           </p:nvSpPr>
           <p:spPr>
             <a:xfrm>
-              <a:off x="4935394" y="5379971"/>
+              <a:off x="4636799" y="5379961"/>
               <a:ext cx="63202" cy="63202"/>
             </a:xfrm>
             <a:custGeom>
@@ -18936,7 +18936,7 @@
           </p:nvSpPr>
           <p:spPr>
             <a:xfrm>
-              <a:off x="5696778" y="6644222"/>
+              <a:off x="5515020" y="6644115"/>
               <a:ext cx="63202" cy="63202"/>
             </a:xfrm>
             <a:custGeom>
@@ -18979,7 +18979,7 @@
           </p:nvSpPr>
           <p:spPr>
             <a:xfrm>
-              <a:off x="4869612" y="5847415"/>
+              <a:off x="4828866" y="5847349"/>
               <a:ext cx="63202" cy="63202"/>
             </a:xfrm>
             <a:custGeom>
@@ -19022,7 +19022,7 @@
           </p:nvSpPr>
           <p:spPr>
             <a:xfrm>
-              <a:off x="4750094" y="5374527"/>
+              <a:off x="4935593" y="5374475"/>
               <a:ext cx="63202" cy="63202"/>
             </a:xfrm>
             <a:custGeom>
@@ -19065,7 +19065,7 @@
           </p:nvSpPr>
           <p:spPr>
             <a:xfrm>
-              <a:off x="4958213" y="5360741"/>
+              <a:off x="4852467" y="5360701"/>
               <a:ext cx="63202" cy="63202"/>
             </a:xfrm>
             <a:custGeom>
@@ -19108,7 +19108,7 @@
           </p:nvSpPr>
           <p:spPr>
             <a:xfrm>
-              <a:off x="5047941" y="5362709"/>
+              <a:off x="4856474" y="5362657"/>
               <a:ext cx="63202" cy="63202"/>
             </a:xfrm>
             <a:custGeom>
@@ -19151,7 +19151,7 @@
           </p:nvSpPr>
           <p:spPr>
             <a:xfrm>
-              <a:off x="4998356" y="5382253"/>
+              <a:off x="4854530" y="5382259"/>
               <a:ext cx="63202" cy="63202"/>
             </a:xfrm>
             <a:custGeom>
@@ -19194,7 +19194,7 @@
           </p:nvSpPr>
           <p:spPr>
             <a:xfrm>
-              <a:off x="4949071" y="5390826"/>
+              <a:off x="4594363" y="5390829"/>
               <a:ext cx="63202" cy="63202"/>
             </a:xfrm>
             <a:custGeom>
@@ -19237,7 +19237,7 @@
           </p:nvSpPr>
           <p:spPr>
             <a:xfrm>
-              <a:off x="4884809" y="5371362"/>
+              <a:off x="5089829" y="5371389"/>
               <a:ext cx="63202" cy="63202"/>
             </a:xfrm>
             <a:custGeom>
@@ -19280,7 +19280,7 @@
           </p:nvSpPr>
           <p:spPr>
             <a:xfrm>
-              <a:off x="4983596" y="5375702"/>
+              <a:off x="4875182" y="5375688"/>
               <a:ext cx="63202" cy="63202"/>
             </a:xfrm>
             <a:custGeom>
@@ -19323,7 +19323,7 @@
           </p:nvSpPr>
           <p:spPr>
             <a:xfrm>
-              <a:off x="4628437" y="5367916"/>
+              <a:off x="4804315" y="5367918"/>
               <a:ext cx="63202" cy="63202"/>
             </a:xfrm>
             <a:custGeom>
@@ -19366,7 +19366,7 @@
           </p:nvSpPr>
           <p:spPr>
             <a:xfrm>
-              <a:off x="4649823" y="5337667"/>
+              <a:off x="4908094" y="5337675"/>
               <a:ext cx="63202" cy="63202"/>
             </a:xfrm>
             <a:custGeom>
@@ -19409,7 +19409,7 @@
           </p:nvSpPr>
           <p:spPr>
             <a:xfrm>
-              <a:off x="4973993" y="5352863"/>
+              <a:off x="4726849" y="5352860"/>
               <a:ext cx="63202" cy="63202"/>
             </a:xfrm>
             <a:custGeom>
@@ -19452,7 +19452,7 @@
           </p:nvSpPr>
           <p:spPr>
             <a:xfrm>
-              <a:off x="4676271" y="5349952"/>
+              <a:off x="4801765" y="5349930"/>
               <a:ext cx="63202" cy="63202"/>
             </a:xfrm>
             <a:custGeom>
@@ -19495,7 +19495,7 @@
           </p:nvSpPr>
           <p:spPr>
             <a:xfrm>
-              <a:off x="5081244" y="5428424"/>
+              <a:off x="4945769" y="5428416"/>
               <a:ext cx="63202" cy="63202"/>
             </a:xfrm>
             <a:custGeom>
@@ -19538,7 +19538,7 @@
           </p:nvSpPr>
           <p:spPr>
             <a:xfrm>
-              <a:off x="4927794" y="5360597"/>
+              <a:off x="4994218" y="5360627"/>
               <a:ext cx="63202" cy="63202"/>
             </a:xfrm>
             <a:custGeom>
@@ -19581,7 +19581,7 @@
           </p:nvSpPr>
           <p:spPr>
             <a:xfrm>
-              <a:off x="4759308" y="5919902"/>
+              <a:off x="4853657" y="5919873"/>
               <a:ext cx="63202" cy="63202"/>
             </a:xfrm>
             <a:custGeom>
@@ -19624,7 +19624,7 @@
           </p:nvSpPr>
           <p:spPr>
             <a:xfrm>
-              <a:off x="5027240" y="5388306"/>
+              <a:off x="4642836" y="5388276"/>
               <a:ext cx="63202" cy="63202"/>
             </a:xfrm>
             <a:custGeom>
@@ -19667,7 +19667,7 @@
           </p:nvSpPr>
           <p:spPr>
             <a:xfrm>
-              <a:off x="5054028" y="5372221"/>
+              <a:off x="4912355" y="5372228"/>
               <a:ext cx="63202" cy="63202"/>
             </a:xfrm>
             <a:custGeom>
@@ -19710,7 +19710,7 @@
           </p:nvSpPr>
           <p:spPr>
             <a:xfrm>
-              <a:off x="5003777" y="5438759"/>
+              <a:off x="5048091" y="5438754"/>
               <a:ext cx="63202" cy="63202"/>
             </a:xfrm>
             <a:custGeom>
@@ -19753,7 +19753,7 @@
           </p:nvSpPr>
           <p:spPr>
             <a:xfrm>
-              <a:off x="4955439" y="5349034"/>
+              <a:off x="4590490" y="5349027"/>
               <a:ext cx="63202" cy="63202"/>
             </a:xfrm>
             <a:custGeom>
@@ -19796,7 +19796,7 @@
           </p:nvSpPr>
           <p:spPr>
             <a:xfrm>
-              <a:off x="4895679" y="5346298"/>
+              <a:off x="5111854" y="5346252"/>
               <a:ext cx="63202" cy="63202"/>
             </a:xfrm>
             <a:custGeom>
@@ -19839,7 +19839,7 @@
           </p:nvSpPr>
           <p:spPr>
             <a:xfrm>
-              <a:off x="5456182" y="6666381"/>
+              <a:off x="5827829" y="6666333"/>
               <a:ext cx="63202" cy="63202"/>
             </a:xfrm>
             <a:custGeom>
@@ -19882,7 +19882,7 @@
           </p:nvSpPr>
           <p:spPr>
             <a:xfrm>
-              <a:off x="4498452" y="5474698"/>
+              <a:off x="5123264" y="5474654"/>
               <a:ext cx="63202" cy="63202"/>
             </a:xfrm>
             <a:custGeom>
@@ -19925,7 +19925,7 @@
           </p:nvSpPr>
           <p:spPr>
             <a:xfrm>
-              <a:off x="5016600" y="5382727"/>
+              <a:off x="5036830" y="5382707"/>
               <a:ext cx="63202" cy="63202"/>
             </a:xfrm>
             <a:custGeom>
@@ -19968,7 +19968,7 @@
           </p:nvSpPr>
           <p:spPr>
             <a:xfrm>
-              <a:off x="4543063" y="5963912"/>
+              <a:off x="5065997" y="5963873"/>
               <a:ext cx="63202" cy="63202"/>
             </a:xfrm>
             <a:custGeom>
@@ -20011,7 +20011,7 @@
           </p:nvSpPr>
           <p:spPr>
             <a:xfrm>
-              <a:off x="4949273" y="5331241"/>
+              <a:off x="4676237" y="5331247"/>
               <a:ext cx="63202" cy="63202"/>
             </a:xfrm>
             <a:custGeom>
@@ -20054,7 +20054,7 @@
           </p:nvSpPr>
           <p:spPr>
             <a:xfrm>
-              <a:off x="4843906" y="5334909"/>
+              <a:off x="4478308" y="5334948"/>
               <a:ext cx="63202" cy="63202"/>
             </a:xfrm>
             <a:custGeom>
@@ -20097,7 +20097,7 @@
           </p:nvSpPr>
           <p:spPr>
             <a:xfrm>
-              <a:off x="5155245" y="5333634"/>
+              <a:off x="4862301" y="5333613"/>
               <a:ext cx="63202" cy="63202"/>
             </a:xfrm>
             <a:custGeom>
@@ -20140,7 +20140,7 @@
           </p:nvSpPr>
           <p:spPr>
             <a:xfrm>
-              <a:off x="5163614" y="5338825"/>
+              <a:off x="4942228" y="5338827"/>
               <a:ext cx="63202" cy="63202"/>
             </a:xfrm>
             <a:custGeom>
@@ -20183,7 +20183,7 @@
           </p:nvSpPr>
           <p:spPr>
             <a:xfrm>
-              <a:off x="5099031" y="5357118"/>
+              <a:off x="5035921" y="5357102"/>
               <a:ext cx="63202" cy="63202"/>
             </a:xfrm>
             <a:custGeom>
@@ -20226,7 +20226,7 @@
           </p:nvSpPr>
           <p:spPr>
             <a:xfrm>
-              <a:off x="4960010" y="5421646"/>
+              <a:off x="4568887" y="5421606"/>
               <a:ext cx="63202" cy="63202"/>
             </a:xfrm>
             <a:custGeom>
@@ -20269,7 +20269,7 @@
           </p:nvSpPr>
           <p:spPr>
             <a:xfrm>
-              <a:off x="4544569" y="5323251"/>
+              <a:off x="4487591" y="5323263"/>
               <a:ext cx="63202" cy="63202"/>
             </a:xfrm>
             <a:custGeom>
@@ -20312,7 +20312,7 @@
           </p:nvSpPr>
           <p:spPr>
             <a:xfrm>
-              <a:off x="4662817" y="5379391"/>
+              <a:off x="4897293" y="5379401"/>
               <a:ext cx="63202" cy="63202"/>
             </a:xfrm>
             <a:custGeom>
@@ -20355,7 +20355,7 @@
           </p:nvSpPr>
           <p:spPr>
             <a:xfrm>
-              <a:off x="5147361" y="5320620"/>
+              <a:off x="4746297" y="5320551"/>
               <a:ext cx="63202" cy="63202"/>
             </a:xfrm>
             <a:custGeom>
@@ -20398,7 +20398,7 @@
           </p:nvSpPr>
           <p:spPr>
             <a:xfrm>
-              <a:off x="4690829" y="5339768"/>
+              <a:off x="4766373" y="5339735"/>
               <a:ext cx="63202" cy="63202"/>
             </a:xfrm>
             <a:custGeom>
@@ -20441,7 +20441,7 @@
           </p:nvSpPr>
           <p:spPr>
             <a:xfrm>
-              <a:off x="4636372" y="5379856"/>
+              <a:off x="4650957" y="5379866"/>
               <a:ext cx="63202" cy="63202"/>
             </a:xfrm>
             <a:custGeom>
@@ -20484,7 +20484,7 @@
           </p:nvSpPr>
           <p:spPr>
             <a:xfrm>
-              <a:off x="4718584" y="5356718"/>
+              <a:off x="5012904" y="5356758"/>
               <a:ext cx="63202" cy="63202"/>
             </a:xfrm>
             <a:custGeom>
@@ -20527,7 +20527,7 @@
           </p:nvSpPr>
           <p:spPr>
             <a:xfrm>
-              <a:off x="4923442" y="6155897"/>
+              <a:off x="4627088" y="6155853"/>
               <a:ext cx="63202" cy="63202"/>
             </a:xfrm>
             <a:custGeom>
@@ -20570,7 +20570,7 @@
           </p:nvSpPr>
           <p:spPr>
             <a:xfrm>
-              <a:off x="4892242" y="5635037"/>
+              <a:off x="4744566" y="5635021"/>
               <a:ext cx="63202" cy="63202"/>
             </a:xfrm>
             <a:custGeom>
@@ -20613,7 +20613,7 @@
           </p:nvSpPr>
           <p:spPr>
             <a:xfrm>
-              <a:off x="4508370" y="5347403"/>
+              <a:off x="4652572" y="5347375"/>
               <a:ext cx="63202" cy="63202"/>
             </a:xfrm>
             <a:custGeom>
@@ -20656,7 +20656,7 @@
           </p:nvSpPr>
           <p:spPr>
             <a:xfrm>
-              <a:off x="5127237" y="5342857"/>
+              <a:off x="4943611" y="5342891"/>
               <a:ext cx="63202" cy="63202"/>
             </a:xfrm>
             <a:custGeom>
@@ -20699,7 +20699,7 @@
           </p:nvSpPr>
           <p:spPr>
             <a:xfrm>
-              <a:off x="5075352" y="5408014"/>
+              <a:off x="4471027" y="5408040"/>
               <a:ext cx="63202" cy="63202"/>
             </a:xfrm>
             <a:custGeom>
@@ -20742,7 +20742,7 @@
           </p:nvSpPr>
           <p:spPr>
             <a:xfrm>
-              <a:off x="4620608" y="5382325"/>
+              <a:off x="4920248" y="5382327"/>
               <a:ext cx="63202" cy="63202"/>
             </a:xfrm>
             <a:custGeom>
@@ -20785,7 +20785,7 @@
           </p:nvSpPr>
           <p:spPr>
             <a:xfrm>
-              <a:off x="4913684" y="5361133"/>
+              <a:off x="4642370" y="5361080"/>
               <a:ext cx="63202" cy="63202"/>
             </a:xfrm>
             <a:custGeom>
@@ -20828,7 +20828,7 @@
           </p:nvSpPr>
           <p:spPr>
             <a:xfrm>
-              <a:off x="5048709" y="5948002"/>
+              <a:off x="5134095" y="5947972"/>
               <a:ext cx="63202" cy="63202"/>
             </a:xfrm>
             <a:custGeom>
@@ -20871,7 +20871,7 @@
           </p:nvSpPr>
           <p:spPr>
             <a:xfrm>
-              <a:off x="4726949" y="5349732"/>
+              <a:off x="4580962" y="5349757"/>
               <a:ext cx="63202" cy="63202"/>
             </a:xfrm>
             <a:custGeom>
@@ -20914,7 +20914,7 @@
           </p:nvSpPr>
           <p:spPr>
             <a:xfrm>
-              <a:off x="4865092" y="5400288"/>
+              <a:off x="5021654" y="5400252"/>
               <a:ext cx="63202" cy="63202"/>
             </a:xfrm>
             <a:custGeom>
@@ -20957,7 +20957,7 @@
           </p:nvSpPr>
           <p:spPr>
             <a:xfrm>
-              <a:off x="4798843" y="6279030"/>
+              <a:off x="4637697" y="6279009"/>
               <a:ext cx="63202" cy="63202"/>
             </a:xfrm>
             <a:custGeom>
@@ -21000,7 +21000,7 @@
           </p:nvSpPr>
           <p:spPr>
             <a:xfrm>
-              <a:off x="5072528" y="5674178"/>
+              <a:off x="4625605" y="5674114"/>
               <a:ext cx="63202" cy="63202"/>
             </a:xfrm>
             <a:custGeom>
@@ -21043,7 +21043,7 @@
           </p:nvSpPr>
           <p:spPr>
             <a:xfrm>
-              <a:off x="4692263" y="6265404"/>
+              <a:off x="4497646" y="6265414"/>
               <a:ext cx="63202" cy="63202"/>
             </a:xfrm>
             <a:custGeom>
@@ -21086,7 +21086,7 @@
           </p:nvSpPr>
           <p:spPr>
             <a:xfrm>
-              <a:off x="5120043" y="6265872"/>
+              <a:off x="4936458" y="6265857"/>
               <a:ext cx="63202" cy="63202"/>
             </a:xfrm>
             <a:custGeom>
@@ -21129,7 +21129,7 @@
           </p:nvSpPr>
           <p:spPr>
             <a:xfrm>
-              <a:off x="4801878" y="5337615"/>
+              <a:off x="5039168" y="5337605"/>
               <a:ext cx="63202" cy="63202"/>
             </a:xfrm>
             <a:custGeom>
@@ -21172,7 +21172,7 @@
           </p:nvSpPr>
           <p:spPr>
             <a:xfrm>
-              <a:off x="4940792" y="6111546"/>
+              <a:off x="4823539" y="6111519"/>
               <a:ext cx="63202" cy="63202"/>
             </a:xfrm>
             <a:custGeom>
@@ -21215,7 +21215,7 @@
           </p:nvSpPr>
           <p:spPr>
             <a:xfrm>
-              <a:off x="4783985" y="6421647"/>
+              <a:off x="4984153" y="6421645"/>
               <a:ext cx="63202" cy="63202"/>
             </a:xfrm>
             <a:custGeom>
@@ -21258,7 +21258,7 @@
           </p:nvSpPr>
           <p:spPr>
             <a:xfrm>
-              <a:off x="4735688" y="5616073"/>
+              <a:off x="4617805" y="5616107"/>
               <a:ext cx="63202" cy="63202"/>
             </a:xfrm>
             <a:custGeom>
@@ -21301,7 +21301,7 @@
           </p:nvSpPr>
           <p:spPr>
             <a:xfrm>
-              <a:off x="4766853" y="5368488"/>
+              <a:off x="4766709" y="5368458"/>
               <a:ext cx="63202" cy="63202"/>
             </a:xfrm>
             <a:custGeom>
@@ -21344,7 +21344,7 @@
           </p:nvSpPr>
           <p:spPr>
             <a:xfrm>
-              <a:off x="5046689" y="5825794"/>
+              <a:off x="4782076" y="5825764"/>
               <a:ext cx="63202" cy="63202"/>
             </a:xfrm>
             <a:custGeom>
@@ -21387,7 +21387,7 @@
           </p:nvSpPr>
           <p:spPr>
             <a:xfrm>
-              <a:off x="4561492" y="5418907"/>
+              <a:off x="4714961" y="5418866"/>
               <a:ext cx="63202" cy="63202"/>
             </a:xfrm>
             <a:custGeom>
@@ -21430,7 +21430,7 @@
           </p:nvSpPr>
           <p:spPr>
             <a:xfrm>
-              <a:off x="4959486" y="5355231"/>
+              <a:off x="5002658" y="5355253"/>
               <a:ext cx="63202" cy="63202"/>
             </a:xfrm>
             <a:custGeom>
@@ -21473,7 +21473,7 @@
           </p:nvSpPr>
           <p:spPr>
             <a:xfrm>
-              <a:off x="4543169" y="5625090"/>
+              <a:off x="4925883" y="5625022"/>
               <a:ext cx="63202" cy="63202"/>
             </a:xfrm>
             <a:custGeom>
@@ -21516,7 +21516,7 @@
           </p:nvSpPr>
           <p:spPr>
             <a:xfrm>
-              <a:off x="5128533" y="6248160"/>
+              <a:off x="5086032" y="6248138"/>
               <a:ext cx="63202" cy="63202"/>
             </a:xfrm>
             <a:custGeom>
@@ -21559,7 +21559,7 @@
           </p:nvSpPr>
           <p:spPr>
             <a:xfrm>
-              <a:off x="4492556" y="5433959"/>
+              <a:off x="5017332" y="5433952"/>
               <a:ext cx="63202" cy="63202"/>
             </a:xfrm>
             <a:custGeom>
@@ -21602,7 +21602,7 @@
           </p:nvSpPr>
           <p:spPr>
             <a:xfrm>
-              <a:off x="4985676" y="5368003"/>
+              <a:off x="4883488" y="5367984"/>
               <a:ext cx="63202" cy="63202"/>
             </a:xfrm>
             <a:custGeom>
@@ -21645,7 +21645,7 @@
           </p:nvSpPr>
           <p:spPr>
             <a:xfrm>
-              <a:off x="4867245" y="5430592"/>
+              <a:off x="4964333" y="5430565"/>
               <a:ext cx="63202" cy="63202"/>
             </a:xfrm>
             <a:custGeom>
@@ -21688,7 +21688,7 @@
           </p:nvSpPr>
           <p:spPr>
             <a:xfrm>
-              <a:off x="5010326" y="5362251"/>
+              <a:off x="4691215" y="5362196"/>
               <a:ext cx="63202" cy="63202"/>
             </a:xfrm>
             <a:custGeom>
@@ -21731,7 +21731,7 @@
           </p:nvSpPr>
           <p:spPr>
             <a:xfrm>
-              <a:off x="4867968" y="6059800"/>
+              <a:off x="5078844" y="6059801"/>
               <a:ext cx="63202" cy="63202"/>
             </a:xfrm>
             <a:custGeom>
@@ -21774,7 +21774,7 @@
           </p:nvSpPr>
           <p:spPr>
             <a:xfrm>
-              <a:off x="4614825" y="5382318"/>
+              <a:off x="4749494" y="5382314"/>
               <a:ext cx="63202" cy="63202"/>
             </a:xfrm>
             <a:custGeom>
@@ -21817,7 +21817,7 @@
           </p:nvSpPr>
           <p:spPr>
             <a:xfrm>
-              <a:off x="4992892" y="5465525"/>
+              <a:off x="4613737" y="5465469"/>
               <a:ext cx="63202" cy="63202"/>
             </a:xfrm>
             <a:custGeom>
@@ -21860,7 +21860,7 @@
           </p:nvSpPr>
           <p:spPr>
             <a:xfrm>
-              <a:off x="4488603" y="5406577"/>
+              <a:off x="4929086" y="5406602"/>
               <a:ext cx="63202" cy="63202"/>
             </a:xfrm>
             <a:custGeom>
@@ -21903,7 +21903,7 @@
           </p:nvSpPr>
           <p:spPr>
             <a:xfrm>
-              <a:off x="4775789" y="5379054"/>
+              <a:off x="4637842" y="5379018"/>
               <a:ext cx="63202" cy="63202"/>
             </a:xfrm>
             <a:custGeom>
@@ -21946,7 +21946,7 @@
           </p:nvSpPr>
           <p:spPr>
             <a:xfrm>
-              <a:off x="5079679" y="5977208"/>
+              <a:off x="4907483" y="5977180"/>
               <a:ext cx="63202" cy="63202"/>
             </a:xfrm>
             <a:custGeom>
@@ -21989,7 +21989,7 @@
           </p:nvSpPr>
           <p:spPr>
             <a:xfrm>
-              <a:off x="4593628" y="5378253"/>
+              <a:off x="4739188" y="5378237"/>
               <a:ext cx="63202" cy="63202"/>
             </a:xfrm>
             <a:custGeom>
@@ -22032,7 +22032,7 @@
           </p:nvSpPr>
           <p:spPr>
             <a:xfrm>
-              <a:off x="4825346" y="5381643"/>
+              <a:off x="4871087" y="5381645"/>
               <a:ext cx="63202" cy="63202"/>
             </a:xfrm>
             <a:custGeom>
@@ -22075,7 +22075,7 @@
           </p:nvSpPr>
           <p:spPr>
             <a:xfrm>
-              <a:off x="5106075" y="5345706"/>
+              <a:off x="5087679" y="5345661"/>
               <a:ext cx="63202" cy="63202"/>
             </a:xfrm>
             <a:custGeom>
@@ -22118,7 +22118,7 @@
           </p:nvSpPr>
           <p:spPr>
             <a:xfrm>
-              <a:off x="4773769" y="5370265"/>
+              <a:off x="5135699" y="5370206"/>
               <a:ext cx="63202" cy="63202"/>
             </a:xfrm>
             <a:custGeom>
@@ -22161,7 +22161,7 @@
           </p:nvSpPr>
           <p:spPr>
             <a:xfrm>
-              <a:off x="5044255" y="5384136"/>
+              <a:off x="5061084" y="5384117"/>
               <a:ext cx="63202" cy="63202"/>
             </a:xfrm>
             <a:custGeom>
@@ -22204,7 +22204,7 @@
           </p:nvSpPr>
           <p:spPr>
             <a:xfrm>
-              <a:off x="4939751" y="5523551"/>
+              <a:off x="4792938" y="5523563"/>
               <a:ext cx="63202" cy="63202"/>
             </a:xfrm>
             <a:custGeom>
@@ -22247,7 +22247,7 @@
           </p:nvSpPr>
           <p:spPr>
             <a:xfrm>
-              <a:off x="4882870" y="5333137"/>
+              <a:off x="4828274" y="5333135"/>
               <a:ext cx="63202" cy="63202"/>
             </a:xfrm>
             <a:custGeom>
@@ -22290,7 +22290,7 @@
           </p:nvSpPr>
           <p:spPr>
             <a:xfrm>
-              <a:off x="4865363" y="5361856"/>
+              <a:off x="5006564" y="5361857"/>
               <a:ext cx="63202" cy="63202"/>
             </a:xfrm>
             <a:custGeom>
@@ -22333,7 +22333,7 @@
           </p:nvSpPr>
           <p:spPr>
             <a:xfrm>
-              <a:off x="5151602" y="5409690"/>
+              <a:off x="4834449" y="5409723"/>
               <a:ext cx="63202" cy="63202"/>
             </a:xfrm>
             <a:custGeom>
@@ -22376,7 +22376,7 @@
           </p:nvSpPr>
           <p:spPr>
             <a:xfrm>
-              <a:off x="4527080" y="5353887"/>
+              <a:off x="4539744" y="5353922"/>
               <a:ext cx="63202" cy="63202"/>
             </a:xfrm>
             <a:custGeom>
@@ -22419,7 +22419,7 @@
           </p:nvSpPr>
           <p:spPr>
             <a:xfrm>
-              <a:off x="4787768" y="5393357"/>
+              <a:off x="5084607" y="5393359"/>
               <a:ext cx="63202" cy="63202"/>
             </a:xfrm>
             <a:custGeom>
@@ -22462,7 +22462,7 @@
           </p:nvSpPr>
           <p:spPr>
             <a:xfrm>
-              <a:off x="4837321" y="5369867"/>
+              <a:off x="4595232" y="5369901"/>
               <a:ext cx="63202" cy="63202"/>
             </a:xfrm>
             <a:custGeom>
@@ -22505,7 +22505,7 @@
           </p:nvSpPr>
           <p:spPr>
             <a:xfrm>
-              <a:off x="4791790" y="5370177"/>
+              <a:off x="4655232" y="5370133"/>
               <a:ext cx="63202" cy="63202"/>
             </a:xfrm>
             <a:custGeom>
@@ -22548,7 +22548,7 @@
           </p:nvSpPr>
           <p:spPr>
             <a:xfrm>
-              <a:off x="4846348" y="5385292"/>
+              <a:off x="4854179" y="5385246"/>
               <a:ext cx="63202" cy="63202"/>
             </a:xfrm>
             <a:custGeom>
@@ -22591,7 +22591,7 @@
           </p:nvSpPr>
           <p:spPr>
             <a:xfrm>
-              <a:off x="4840615" y="5344131"/>
+              <a:off x="4916363" y="5344085"/>
               <a:ext cx="63202" cy="63202"/>
             </a:xfrm>
             <a:custGeom>
@@ -22634,7 +22634,7 @@
           </p:nvSpPr>
           <p:spPr>
             <a:xfrm>
-              <a:off x="4755227" y="5376755"/>
+              <a:off x="4596290" y="5376740"/>
               <a:ext cx="63202" cy="63202"/>
             </a:xfrm>
             <a:custGeom>
@@ -22677,7 +22677,7 @@
           </p:nvSpPr>
           <p:spPr>
             <a:xfrm>
-              <a:off x="4758641" y="5390537"/>
+              <a:off x="4659134" y="5390552"/>
               <a:ext cx="63202" cy="63202"/>
             </a:xfrm>
             <a:custGeom>
@@ -22720,7 +22720,7 @@
           </p:nvSpPr>
           <p:spPr>
             <a:xfrm>
-              <a:off x="4569525" y="5349479"/>
+              <a:off x="4539354" y="5349479"/>
               <a:ext cx="63202" cy="63202"/>
             </a:xfrm>
             <a:custGeom>
@@ -22763,7 +22763,7 @@
           </p:nvSpPr>
           <p:spPr>
             <a:xfrm>
-              <a:off x="4754401" y="5384963"/>
+              <a:off x="4950917" y="5384958"/>
               <a:ext cx="63202" cy="63202"/>
             </a:xfrm>
             <a:custGeom>
@@ -22806,7 +22806,7 @@
           </p:nvSpPr>
           <p:spPr>
             <a:xfrm>
-              <a:off x="5009773" y="6357926"/>
+              <a:off x="4489106" y="6357922"/>
               <a:ext cx="63202" cy="63202"/>
             </a:xfrm>
             <a:custGeom>
@@ -22849,7 +22849,7 @@
           </p:nvSpPr>
           <p:spPr>
             <a:xfrm>
-              <a:off x="4639410" y="5372807"/>
+              <a:off x="5079922" y="5372779"/>
               <a:ext cx="63202" cy="63202"/>
             </a:xfrm>
             <a:custGeom>
@@ -22892,7 +22892,7 @@
           </p:nvSpPr>
           <p:spPr>
             <a:xfrm>
-              <a:off x="4910801" y="5401805"/>
+              <a:off x="4787041" y="5401752"/>
               <a:ext cx="63202" cy="63202"/>
             </a:xfrm>
             <a:custGeom>
@@ -22935,7 +22935,7 @@
           </p:nvSpPr>
           <p:spPr>
             <a:xfrm>
-              <a:off x="4644739" y="5344484"/>
+              <a:off x="4920412" y="5344451"/>
               <a:ext cx="63202" cy="63202"/>
             </a:xfrm>
             <a:custGeom>
@@ -22978,7 +22978,7 @@
           </p:nvSpPr>
           <p:spPr>
             <a:xfrm>
-              <a:off x="4488854" y="5318686"/>
+              <a:off x="4991140" y="5318715"/>
               <a:ext cx="63202" cy="63202"/>
             </a:xfrm>
             <a:custGeom>
@@ -23021,7 +23021,7 @@
           </p:nvSpPr>
           <p:spPr>
             <a:xfrm>
-              <a:off x="4648373" y="5339975"/>
+              <a:off x="4972385" y="5339961"/>
               <a:ext cx="63202" cy="63202"/>
             </a:xfrm>
             <a:custGeom>
@@ -23064,7 +23064,7 @@
           </p:nvSpPr>
           <p:spPr>
             <a:xfrm>
-              <a:off x="5082631" y="5370890"/>
+              <a:off x="4734209" y="5370926"/>
               <a:ext cx="63202" cy="63202"/>
             </a:xfrm>
             <a:custGeom>
@@ -23107,7 +23107,7 @@
           </p:nvSpPr>
           <p:spPr>
             <a:xfrm>
-              <a:off x="5073356" y="5355161"/>
+              <a:off x="5025549" y="5355143"/>
               <a:ext cx="63202" cy="63202"/>
             </a:xfrm>
             <a:custGeom>
@@ -23150,7 +23150,7 @@
           </p:nvSpPr>
           <p:spPr>
             <a:xfrm>
-              <a:off x="5062472" y="5342392"/>
+              <a:off x="5137023" y="5342378"/>
               <a:ext cx="63202" cy="63202"/>
             </a:xfrm>
             <a:custGeom>
@@ -23193,7 +23193,7 @@
           </p:nvSpPr>
           <p:spPr>
             <a:xfrm>
-              <a:off x="4523085" y="5362814"/>
+              <a:off x="5002573" y="5362759"/>
               <a:ext cx="63202" cy="63202"/>
             </a:xfrm>
             <a:custGeom>
@@ -23236,7 +23236,7 @@
           </p:nvSpPr>
           <p:spPr>
             <a:xfrm>
-              <a:off x="4569532" y="5340320"/>
+              <a:off x="4640110" y="5340329"/>
               <a:ext cx="63202" cy="63202"/>
             </a:xfrm>
             <a:custGeom>
@@ -23279,7 +23279,7 @@
           </p:nvSpPr>
           <p:spPr>
             <a:xfrm>
-              <a:off x="4558214" y="5467477"/>
+              <a:off x="4497514" y="5467446"/>
               <a:ext cx="63202" cy="63202"/>
             </a:xfrm>
             <a:custGeom>
@@ -23322,7 +23322,7 @@
           </p:nvSpPr>
           <p:spPr>
             <a:xfrm>
-              <a:off x="5160576" y="5378545"/>
+              <a:off x="4623918" y="5378548"/>
               <a:ext cx="63202" cy="63202"/>
             </a:xfrm>
             <a:custGeom>
@@ -23365,7 +23365,7 @@
           </p:nvSpPr>
           <p:spPr>
             <a:xfrm>
-              <a:off x="5038986" y="5466354"/>
+              <a:off x="4814750" y="5466319"/>
               <a:ext cx="63202" cy="63202"/>
             </a:xfrm>
             <a:custGeom>
@@ -23408,7 +23408,7 @@
           </p:nvSpPr>
           <p:spPr>
             <a:xfrm>
-              <a:off x="5096013" y="5452128"/>
+              <a:off x="5041404" y="5452099"/>
               <a:ext cx="63202" cy="63202"/>
             </a:xfrm>
             <a:custGeom>
@@ -23451,7 +23451,7 @@
           </p:nvSpPr>
           <p:spPr>
             <a:xfrm>
-              <a:off x="5118638" y="5343129"/>
+              <a:off x="4585833" y="5343168"/>
               <a:ext cx="63202" cy="63202"/>
             </a:xfrm>
             <a:custGeom>
@@ -23494,7 +23494,7 @@
           </p:nvSpPr>
           <p:spPr>
             <a:xfrm>
-              <a:off x="4583007" y="5374019"/>
+              <a:off x="4600284" y="5374006"/>
               <a:ext cx="63202" cy="63202"/>
             </a:xfrm>
             <a:custGeom>
@@ -23537,7 +23537,7 @@
           </p:nvSpPr>
           <p:spPr>
             <a:xfrm>
-              <a:off x="5016435" y="5378208"/>
+              <a:off x="4693078" y="5378137"/>
               <a:ext cx="63202" cy="63202"/>
             </a:xfrm>
             <a:custGeom>
@@ -23580,7 +23580,7 @@
           </p:nvSpPr>
           <p:spPr>
             <a:xfrm>
-              <a:off x="5104327" y="5337124"/>
+              <a:off x="5016662" y="5337079"/>
               <a:ext cx="63202" cy="63202"/>
             </a:xfrm>
             <a:custGeom>
@@ -23623,7 +23623,7 @@
           </p:nvSpPr>
           <p:spPr>
             <a:xfrm>
-              <a:off x="4702258" y="5342098"/>
+              <a:off x="4958247" y="5342130"/>
               <a:ext cx="63202" cy="63202"/>
             </a:xfrm>
             <a:custGeom>
@@ -23666,7 +23666,7 @@
           </p:nvSpPr>
           <p:spPr>
             <a:xfrm>
-              <a:off x="4772447" y="5349334"/>
+              <a:off x="4601620" y="5349256"/>
               <a:ext cx="63202" cy="63202"/>
             </a:xfrm>
             <a:custGeom>
@@ -23709,7 +23709,7 @@
           </p:nvSpPr>
           <p:spPr>
             <a:xfrm>
-              <a:off x="4591632" y="6050962"/>
+              <a:off x="4972813" y="6050875"/>
               <a:ext cx="63202" cy="63202"/>
             </a:xfrm>
             <a:custGeom>
@@ -23752,7 +23752,7 @@
           </p:nvSpPr>
           <p:spPr>
             <a:xfrm>
-              <a:off x="5132233" y="5377349"/>
+              <a:off x="4490803" y="5377300"/>
               <a:ext cx="63202" cy="63202"/>
             </a:xfrm>
             <a:custGeom>
@@ -23795,7 +23795,7 @@
           </p:nvSpPr>
           <p:spPr>
             <a:xfrm>
-              <a:off x="4495472" y="5384008"/>
+              <a:off x="5151972" y="5384051"/>
               <a:ext cx="63202" cy="63202"/>
             </a:xfrm>
             <a:custGeom>
@@ -23838,7 +23838,7 @@
           </p:nvSpPr>
           <p:spPr>
             <a:xfrm>
-              <a:off x="4829989" y="5378304"/>
+              <a:off x="4511354" y="5378258"/>
               <a:ext cx="63202" cy="63202"/>
             </a:xfrm>
             <a:custGeom>
@@ -23881,7 +23881,7 @@
           </p:nvSpPr>
           <p:spPr>
             <a:xfrm>
-              <a:off x="4850993" y="5380012"/>
+              <a:off x="4538367" y="5379982"/>
               <a:ext cx="63202" cy="63202"/>
             </a:xfrm>
             <a:custGeom>
@@ -23924,7 +23924,7 @@
           </p:nvSpPr>
           <p:spPr>
             <a:xfrm>
-              <a:off x="4651226" y="5374374"/>
+              <a:off x="5109584" y="5374362"/>
               <a:ext cx="63202" cy="63202"/>
             </a:xfrm>
             <a:custGeom>
@@ -23967,7 +23967,7 @@
           </p:nvSpPr>
           <p:spPr>
             <a:xfrm>
-              <a:off x="4930535" y="5408751"/>
+              <a:off x="4786282" y="5408794"/>
               <a:ext cx="63202" cy="63202"/>
             </a:xfrm>
             <a:custGeom>
@@ -24010,7 +24010,7 @@
           </p:nvSpPr>
           <p:spPr>
             <a:xfrm>
-              <a:off x="4909242" y="5368933"/>
+              <a:off x="5165650" y="5368888"/>
               <a:ext cx="63202" cy="63202"/>
             </a:xfrm>
             <a:custGeom>
@@ -24053,7 +24053,7 @@
           </p:nvSpPr>
           <p:spPr>
             <a:xfrm>
-              <a:off x="5076200" y="5335255"/>
+              <a:off x="4498522" y="5335198"/>
               <a:ext cx="63202" cy="63202"/>
             </a:xfrm>
             <a:custGeom>
@@ -24096,7 +24096,7 @@
           </p:nvSpPr>
           <p:spPr>
             <a:xfrm>
-              <a:off x="5126811" y="5776610"/>
+              <a:off x="4488711" y="5776554"/>
               <a:ext cx="63202" cy="63202"/>
             </a:xfrm>
             <a:custGeom>
@@ -24139,7 +24139,7 @@
           </p:nvSpPr>
           <p:spPr>
             <a:xfrm>
-              <a:off x="4531908" y="5359475"/>
+              <a:off x="4962603" y="5359509"/>
               <a:ext cx="63202" cy="63202"/>
             </a:xfrm>
             <a:custGeom>
@@ -24182,7 +24182,7 @@
           </p:nvSpPr>
           <p:spPr>
             <a:xfrm>
-              <a:off x="5027668" y="5326797"/>
+              <a:off x="5009168" y="5326778"/>
               <a:ext cx="63202" cy="63202"/>
             </a:xfrm>
             <a:custGeom>
@@ -24225,7 +24225,7 @@
           </p:nvSpPr>
           <p:spPr>
             <a:xfrm>
-              <a:off x="5081648" y="5342192"/>
+              <a:off x="4771401" y="5342199"/>
               <a:ext cx="63202" cy="63202"/>
             </a:xfrm>
             <a:custGeom>
@@ -24268,7 +24268,7 @@
           </p:nvSpPr>
           <p:spPr>
             <a:xfrm>
-              <a:off x="4779259" y="5377425"/>
+              <a:off x="4764060" y="5377417"/>
               <a:ext cx="63202" cy="63202"/>
             </a:xfrm>
             <a:custGeom>
@@ -24311,7 +24311,7 @@
           </p:nvSpPr>
           <p:spPr>
             <a:xfrm>
-              <a:off x="4833089" y="5335538"/>
+              <a:off x="5083237" y="5335477"/>
               <a:ext cx="63202" cy="63202"/>
             </a:xfrm>
             <a:custGeom>
@@ -24354,7 +24354,7 @@
           </p:nvSpPr>
           <p:spPr>
             <a:xfrm>
-              <a:off x="4538971" y="5670479"/>
+              <a:off x="4570745" y="5670462"/>
               <a:ext cx="63202" cy="63202"/>
             </a:xfrm>
             <a:custGeom>
@@ -24397,7 +24397,7 @@
           </p:nvSpPr>
           <p:spPr>
             <a:xfrm>
-              <a:off x="4746571" y="5780394"/>
+              <a:off x="5117721" y="5780313"/>
               <a:ext cx="63202" cy="63202"/>
             </a:xfrm>
             <a:custGeom>
@@ -24440,7 +24440,7 @@
           </p:nvSpPr>
           <p:spPr>
             <a:xfrm>
-              <a:off x="4549093" y="5387889"/>
+              <a:off x="5078111" y="5387916"/>
               <a:ext cx="63202" cy="63202"/>
             </a:xfrm>
             <a:custGeom>
@@ -24483,7 +24483,7 @@
           </p:nvSpPr>
           <p:spPr>
             <a:xfrm>
-              <a:off x="4808250" y="5386868"/>
+              <a:off x="5052727" y="5386845"/>
               <a:ext cx="63202" cy="63202"/>
             </a:xfrm>
             <a:custGeom>
@@ -24526,7 +24526,7 @@
           </p:nvSpPr>
           <p:spPr>
             <a:xfrm>
-              <a:off x="4516383" y="5361283"/>
+              <a:off x="4884766" y="5361284"/>
               <a:ext cx="63202" cy="63202"/>
             </a:xfrm>
             <a:custGeom>
@@ -24569,7 +24569,7 @@
           </p:nvSpPr>
           <p:spPr>
             <a:xfrm>
-              <a:off x="4959257" y="6354351"/>
+              <a:off x="5159785" y="6354342"/>
               <a:ext cx="63202" cy="63202"/>
             </a:xfrm>
             <a:custGeom>
@@ -24612,7 +24612,7 @@
           </p:nvSpPr>
           <p:spPr>
             <a:xfrm>
-              <a:off x="4923305" y="5435398"/>
+              <a:off x="5054010" y="5435379"/>
               <a:ext cx="63202" cy="63202"/>
             </a:xfrm>
             <a:custGeom>
@@ -24655,7 +24655,7 @@
           </p:nvSpPr>
           <p:spPr>
             <a:xfrm>
-              <a:off x="4866048" y="5431310"/>
+              <a:off x="5072580" y="5431284"/>
               <a:ext cx="63202" cy="63202"/>
             </a:xfrm>
             <a:custGeom>
@@ -24698,7 +24698,7 @@
           </p:nvSpPr>
           <p:spPr>
             <a:xfrm>
-              <a:off x="4984855" y="5436628"/>
+              <a:off x="4532515" y="5436628"/>
               <a:ext cx="63202" cy="63202"/>
             </a:xfrm>
             <a:custGeom>
@@ -24741,7 +24741,7 @@
           </p:nvSpPr>
           <p:spPr>
             <a:xfrm>
-              <a:off x="4693376" y="5878820"/>
+              <a:off x="4884823" y="5878816"/>
               <a:ext cx="63202" cy="63202"/>
             </a:xfrm>
             <a:custGeom>
@@ -24784,7 +24784,7 @@
           </p:nvSpPr>
           <p:spPr>
             <a:xfrm>
-              <a:off x="4967850" y="5586953"/>
+              <a:off x="5035678" y="5586869"/>
               <a:ext cx="63202" cy="63202"/>
             </a:xfrm>
             <a:custGeom>
@@ -24827,7 +24827,7 @@
           </p:nvSpPr>
           <p:spPr>
             <a:xfrm>
-              <a:off x="5162010" y="5328998"/>
+              <a:off x="4654440" y="5328983"/>
               <a:ext cx="63202" cy="63202"/>
             </a:xfrm>
             <a:custGeom>
@@ -24870,7 +24870,7 @@
           </p:nvSpPr>
           <p:spPr>
             <a:xfrm>
-              <a:off x="5076040" y="5431516"/>
+              <a:off x="5111897" y="5431537"/>
               <a:ext cx="63202" cy="63202"/>
             </a:xfrm>
             <a:custGeom>
@@ -24913,7 +24913,7 @@
           </p:nvSpPr>
           <p:spPr>
             <a:xfrm>
-              <a:off x="4677467" y="5492115"/>
+              <a:off x="4719454" y="5492140"/>
               <a:ext cx="63202" cy="63202"/>
             </a:xfrm>
             <a:custGeom>
@@ -24956,7 +24956,7 @@
           </p:nvSpPr>
           <p:spPr>
             <a:xfrm>
-              <a:off x="4508304" y="5337422"/>
+              <a:off x="5145156" y="5337383"/>
               <a:ext cx="63202" cy="63202"/>
             </a:xfrm>
             <a:custGeom>
@@ -24999,7 +24999,7 @@
           </p:nvSpPr>
           <p:spPr>
             <a:xfrm>
-              <a:off x="4734211" y="5337760"/>
+              <a:off x="4904370" y="5337802"/>
               <a:ext cx="63202" cy="63202"/>
             </a:xfrm>
             <a:custGeom>
@@ -25042,7 +25042,7 @@
           </p:nvSpPr>
           <p:spPr>
             <a:xfrm>
-              <a:off x="5066726" y="5358941"/>
+              <a:off x="5166860" y="5358943"/>
               <a:ext cx="63202" cy="63202"/>
             </a:xfrm>
             <a:custGeom>
@@ -25085,7 +25085,7 @@
           </p:nvSpPr>
           <p:spPr>
             <a:xfrm>
-              <a:off x="4704040" y="5430594"/>
+              <a:off x="4621483" y="5430583"/>
               <a:ext cx="63202" cy="63202"/>
             </a:xfrm>
             <a:custGeom>
@@ -25128,7 +25128,7 @@
           </p:nvSpPr>
           <p:spPr>
             <a:xfrm>
-              <a:off x="4918257" y="5381646"/>
+              <a:off x="4905630" y="5381688"/>
               <a:ext cx="63202" cy="63202"/>
             </a:xfrm>
             <a:custGeom>
@@ -25171,7 +25171,7 @@
           </p:nvSpPr>
           <p:spPr>
             <a:xfrm>
-              <a:off x="4798398" y="5376285"/>
+              <a:off x="4832779" y="5376266"/>
               <a:ext cx="63202" cy="63202"/>
             </a:xfrm>
             <a:custGeom>
@@ -25214,7 +25214,7 @@
           </p:nvSpPr>
           <p:spPr>
             <a:xfrm>
-              <a:off x="4605197" y="5364289"/>
+              <a:off x="4709381" y="5364268"/>
               <a:ext cx="63202" cy="63202"/>
             </a:xfrm>
             <a:custGeom>
@@ -25257,7 +25257,7 @@
           </p:nvSpPr>
           <p:spPr>
             <a:xfrm>
-              <a:off x="4995691" y="5528733"/>
+              <a:off x="5076832" y="5528765"/>
               <a:ext cx="63202" cy="63202"/>
             </a:xfrm>
             <a:custGeom>
@@ -25300,7 +25300,7 @@
           </p:nvSpPr>
           <p:spPr>
             <a:xfrm>
-              <a:off x="5047944" y="5376092"/>
+              <a:off x="4925005" y="5376102"/>
               <a:ext cx="63202" cy="63202"/>
             </a:xfrm>
             <a:custGeom>
@@ -25343,7 +25343,7 @@
           </p:nvSpPr>
           <p:spPr>
             <a:xfrm>
-              <a:off x="4472661" y="5354710"/>
+              <a:off x="4494072" y="5354635"/>
               <a:ext cx="63202" cy="63202"/>
             </a:xfrm>
             <a:custGeom>
@@ -25386,7 +25386,7 @@
           </p:nvSpPr>
           <p:spPr>
             <a:xfrm>
-              <a:off x="4834954" y="6055239"/>
+              <a:off x="5149059" y="6055257"/>
               <a:ext cx="63202" cy="63202"/>
             </a:xfrm>
             <a:custGeom>
@@ -25429,7 +25429,7 @@
           </p:nvSpPr>
           <p:spPr>
             <a:xfrm>
-              <a:off x="4562688" y="5346936"/>
+              <a:off x="4997518" y="5346948"/>
               <a:ext cx="63202" cy="63202"/>
             </a:xfrm>
             <a:custGeom>
@@ -25472,7 +25472,7 @@
           </p:nvSpPr>
           <p:spPr>
             <a:xfrm>
-              <a:off x="4889443" y="5364394"/>
+              <a:off x="4564074" y="5364398"/>
               <a:ext cx="63202" cy="63202"/>
             </a:xfrm>
             <a:custGeom>
@@ -25515,7 +25515,7 @@
           </p:nvSpPr>
           <p:spPr>
             <a:xfrm>
-              <a:off x="5080230" y="5380162"/>
+              <a:off x="5066567" y="5380137"/>
               <a:ext cx="63202" cy="63202"/>
             </a:xfrm>
             <a:custGeom>
@@ -25558,7 +25558,7 @@
           </p:nvSpPr>
           <p:spPr>
             <a:xfrm>
-              <a:off x="5471798" y="6745016"/>
+              <a:off x="5462717" y="6744929"/>
               <a:ext cx="63202" cy="63202"/>
             </a:xfrm>
             <a:custGeom>
@@ -25601,7 +25601,7 @@
           </p:nvSpPr>
           <p:spPr>
             <a:xfrm>
-              <a:off x="5130463" y="5337863"/>
+              <a:off x="4508062" y="5337863"/>
               <a:ext cx="63202" cy="63202"/>
             </a:xfrm>
             <a:custGeom>
@@ -25644,7 +25644,7 @@
           </p:nvSpPr>
           <p:spPr>
             <a:xfrm>
-              <a:off x="5103545" y="5382082"/>
+              <a:off x="4512932" y="5382040"/>
               <a:ext cx="63202" cy="63202"/>
             </a:xfrm>
             <a:custGeom>
@@ -25687,7 +25687,7 @@
           </p:nvSpPr>
           <p:spPr>
             <a:xfrm>
-              <a:off x="5085049" y="5372978"/>
+              <a:off x="4839544" y="5373015"/>
               <a:ext cx="63202" cy="63202"/>
             </a:xfrm>
             <a:custGeom>
@@ -25730,7 +25730,7 @@
           </p:nvSpPr>
           <p:spPr>
             <a:xfrm>
-              <a:off x="4974627" y="5334816"/>
+              <a:off x="4813831" y="5334829"/>
               <a:ext cx="63202" cy="63202"/>
             </a:xfrm>
             <a:custGeom>
@@ -25773,7 +25773,7 @@
           </p:nvSpPr>
           <p:spPr>
             <a:xfrm>
-              <a:off x="4508668" y="5360924"/>
+              <a:off x="4512332" y="5360871"/>
               <a:ext cx="63202" cy="63202"/>
             </a:xfrm>
             <a:custGeom>
@@ -25816,7 +25816,7 @@
           </p:nvSpPr>
           <p:spPr>
             <a:xfrm>
-              <a:off x="4707873" y="5352397"/>
+              <a:off x="4924207" y="5352377"/>
               <a:ext cx="63202" cy="63202"/>
             </a:xfrm>
             <a:custGeom>
@@ -25859,7 +25859,7 @@
           </p:nvSpPr>
           <p:spPr>
             <a:xfrm>
-              <a:off x="4865190" y="5361480"/>
+              <a:off x="5134818" y="5361494"/>
               <a:ext cx="63202" cy="63202"/>
             </a:xfrm>
             <a:custGeom>
@@ -25902,7 +25902,7 @@
           </p:nvSpPr>
           <p:spPr>
             <a:xfrm>
-              <a:off x="4810726" y="5342332"/>
+              <a:off x="5118963" y="5342286"/>
               <a:ext cx="63202" cy="63202"/>
             </a:xfrm>
             <a:custGeom>
@@ -25945,7 +25945,7 @@
           </p:nvSpPr>
           <p:spPr>
             <a:xfrm>
-              <a:off x="4530510" y="5387272"/>
+              <a:off x="4770349" y="5387233"/>
               <a:ext cx="63202" cy="63202"/>
             </a:xfrm>
             <a:custGeom>
@@ -25988,7 +25988,7 @@
           </p:nvSpPr>
           <p:spPr>
             <a:xfrm>
-              <a:off x="4990836" y="5694157"/>
+              <a:off x="4872437" y="5694114"/>
               <a:ext cx="63202" cy="63202"/>
             </a:xfrm>
             <a:custGeom>
@@ -26031,7 +26031,7 @@
           </p:nvSpPr>
           <p:spPr>
             <a:xfrm>
-              <a:off x="4656176" y="5346490"/>
+              <a:off x="5034161" y="5346480"/>
               <a:ext cx="63202" cy="63202"/>
             </a:xfrm>
             <a:custGeom>
@@ -26074,7 +26074,7 @@
           </p:nvSpPr>
           <p:spPr>
             <a:xfrm>
-              <a:off x="4789422" y="5396993"/>
+              <a:off x="5065636" y="5396938"/>
               <a:ext cx="63202" cy="63202"/>
             </a:xfrm>
             <a:custGeom>
@@ -26117,7 +26117,7 @@
           </p:nvSpPr>
           <p:spPr>
             <a:xfrm>
-              <a:off x="4752096" y="5395394"/>
+              <a:off x="5045651" y="5395386"/>
               <a:ext cx="63202" cy="63202"/>
             </a:xfrm>
             <a:custGeom>
@@ -26160,7 +26160,7 @@
           </p:nvSpPr>
           <p:spPr>
             <a:xfrm>
-              <a:off x="4737433" y="5337296"/>
+              <a:off x="5015987" y="5337276"/>
               <a:ext cx="63202" cy="63202"/>
             </a:xfrm>
             <a:custGeom>
@@ -26203,7 +26203,7 @@
           </p:nvSpPr>
           <p:spPr>
             <a:xfrm>
-              <a:off x="4832002" y="5379418"/>
+              <a:off x="5098423" y="5379367"/>
               <a:ext cx="63202" cy="63202"/>
             </a:xfrm>
             <a:custGeom>
@@ -26246,7 +26246,7 @@
           </p:nvSpPr>
           <p:spPr>
             <a:xfrm>
-              <a:off x="4739989" y="5846046"/>
+              <a:off x="5082460" y="5846060"/>
               <a:ext cx="63202" cy="63202"/>
             </a:xfrm>
             <a:custGeom>
@@ -26289,7 +26289,7 @@
           </p:nvSpPr>
           <p:spPr>
             <a:xfrm>
-              <a:off x="4753354" y="5384447"/>
+              <a:off x="4558730" y="5384388"/>
               <a:ext cx="63202" cy="63202"/>
             </a:xfrm>
             <a:custGeom>
@@ -26332,7 +26332,7 @@
           </p:nvSpPr>
           <p:spPr>
             <a:xfrm>
-              <a:off x="5028779" y="5395675"/>
+              <a:off x="4729002" y="5395651"/>
               <a:ext cx="63202" cy="63202"/>
             </a:xfrm>
             <a:custGeom>
@@ -26375,7 +26375,7 @@
           </p:nvSpPr>
           <p:spPr>
             <a:xfrm>
-              <a:off x="4509814" y="5363074"/>
+              <a:off x="4764883" y="5363094"/>
               <a:ext cx="63202" cy="63202"/>
             </a:xfrm>
             <a:custGeom>
@@ -26418,7 +26418,7 @@
           </p:nvSpPr>
           <p:spPr>
             <a:xfrm>
-              <a:off x="4751032" y="5332187"/>
+              <a:off x="4526094" y="5332227"/>
               <a:ext cx="63202" cy="63202"/>
             </a:xfrm>
             <a:custGeom>
@@ -26461,7 +26461,7 @@
           </p:nvSpPr>
           <p:spPr>
             <a:xfrm>
-              <a:off x="4549107" y="5346951"/>
+              <a:off x="4608587" y="5346902"/>
               <a:ext cx="63202" cy="63202"/>
             </a:xfrm>
             <a:custGeom>
@@ -26504,7 +26504,7 @@
           </p:nvSpPr>
           <p:spPr>
             <a:xfrm>
-              <a:off x="4745543" y="5394208"/>
+              <a:off x="4778448" y="5394207"/>
               <a:ext cx="63202" cy="63202"/>
             </a:xfrm>
             <a:custGeom>
@@ -26547,7 +26547,7 @@
           </p:nvSpPr>
           <p:spPr>
             <a:xfrm>
-              <a:off x="4519581" y="5339650"/>
+              <a:off x="4484734" y="5339626"/>
               <a:ext cx="63202" cy="63202"/>
             </a:xfrm>
             <a:custGeom>
@@ -26590,7 +26590,7 @@
           </p:nvSpPr>
           <p:spPr>
             <a:xfrm>
-              <a:off x="4703500" y="5346654"/>
+              <a:off x="4756512" y="5346626"/>
               <a:ext cx="63202" cy="63202"/>
             </a:xfrm>
             <a:custGeom>
@@ -26633,7 +26633,7 @@
           </p:nvSpPr>
           <p:spPr>
             <a:xfrm>
-              <a:off x="5113244" y="5402816"/>
+              <a:off x="4530983" y="5402779"/>
               <a:ext cx="63202" cy="63202"/>
             </a:xfrm>
             <a:custGeom>
@@ -26676,7 +26676,7 @@
           </p:nvSpPr>
           <p:spPr>
             <a:xfrm>
-              <a:off x="4736233" y="5398382"/>
+              <a:off x="4508735" y="5398344"/>
               <a:ext cx="63202" cy="63202"/>
             </a:xfrm>
             <a:custGeom>
@@ -26719,7 +26719,7 @@
           </p:nvSpPr>
           <p:spPr>
             <a:xfrm>
-              <a:off x="4963083" y="5533510"/>
+              <a:off x="4712527" y="5533444"/>
               <a:ext cx="63202" cy="63202"/>
             </a:xfrm>
             <a:custGeom>
@@ -26762,7 +26762,7 @@
           </p:nvSpPr>
           <p:spPr>
             <a:xfrm>
-              <a:off x="5129088" y="5384989"/>
+              <a:off x="5019959" y="5384959"/>
               <a:ext cx="63202" cy="63202"/>
             </a:xfrm>
             <a:custGeom>
@@ -26805,7 +26805,7 @@
           </p:nvSpPr>
           <p:spPr>
             <a:xfrm>
-              <a:off x="6886526" y="6807895"/>
+              <a:off x="6455961" y="6807859"/>
               <a:ext cx="63202" cy="63202"/>
             </a:xfrm>
             <a:custGeom>
@@ -26848,7 +26848,7 @@
           </p:nvSpPr>
           <p:spPr>
             <a:xfrm>
-              <a:off x="4665020" y="5350778"/>
+              <a:off x="4553132" y="5350820"/>
               <a:ext cx="63202" cy="63202"/>
             </a:xfrm>
             <a:custGeom>
@@ -26891,7 +26891,7 @@
           </p:nvSpPr>
           <p:spPr>
             <a:xfrm>
-              <a:off x="5146340" y="5378645"/>
+              <a:off x="4639772" y="5378654"/>
               <a:ext cx="63202" cy="63202"/>
             </a:xfrm>
             <a:custGeom>
@@ -26934,7 +26934,7 @@
           </p:nvSpPr>
           <p:spPr>
             <a:xfrm>
-              <a:off x="5130835" y="5357357"/>
+              <a:off x="5154373" y="5357335"/>
               <a:ext cx="63202" cy="63202"/>
             </a:xfrm>
             <a:custGeom>
@@ -26977,7 +26977,7 @@
           </p:nvSpPr>
           <p:spPr>
             <a:xfrm>
-              <a:off x="4951536" y="5345866"/>
+              <a:off x="4673606" y="5345917"/>
               <a:ext cx="63202" cy="63202"/>
             </a:xfrm>
             <a:custGeom>
@@ -27020,7 +27020,7 @@
           </p:nvSpPr>
           <p:spPr>
             <a:xfrm>
-              <a:off x="4878089" y="5348151"/>
+              <a:off x="4740108" y="5348133"/>
               <a:ext cx="63202" cy="63202"/>
             </a:xfrm>
             <a:custGeom>
@@ -27063,7 +27063,7 @@
           </p:nvSpPr>
           <p:spPr>
             <a:xfrm>
-              <a:off x="5059841" y="5355235"/>
+              <a:off x="5063972" y="5355214"/>
               <a:ext cx="63202" cy="63202"/>
             </a:xfrm>
             <a:custGeom>
@@ -27106,7 +27106,7 @@
           </p:nvSpPr>
           <p:spPr>
             <a:xfrm>
-              <a:off x="4979311" y="5342898"/>
+              <a:off x="4915213" y="5342876"/>
               <a:ext cx="63202" cy="63202"/>
             </a:xfrm>
             <a:custGeom>
@@ -27149,7 +27149,7 @@
           </p:nvSpPr>
           <p:spPr>
             <a:xfrm>
-              <a:off x="4828628" y="5332328"/>
+              <a:off x="5162990" y="5332271"/>
               <a:ext cx="63202" cy="63202"/>
             </a:xfrm>
             <a:custGeom>
@@ -27192,7 +27192,7 @@
           </p:nvSpPr>
           <p:spPr>
             <a:xfrm>
-              <a:off x="4846541" y="5396699"/>
+              <a:off x="4960728" y="5396695"/>
               <a:ext cx="63202" cy="63202"/>
             </a:xfrm>
             <a:custGeom>
@@ -27235,7 +27235,7 @@
           </p:nvSpPr>
           <p:spPr>
             <a:xfrm>
-              <a:off x="4484376" y="5408410"/>
+              <a:off x="4929019" y="5408378"/>
               <a:ext cx="63202" cy="63202"/>
             </a:xfrm>
             <a:custGeom>
@@ -27278,7 +27278,7 @@
           </p:nvSpPr>
           <p:spPr>
             <a:xfrm>
-              <a:off x="5104656" y="5347426"/>
+              <a:off x="4600546" y="5347405"/>
               <a:ext cx="63202" cy="63202"/>
             </a:xfrm>
             <a:custGeom>
@@ -27321,7 +27321,7 @@
           </p:nvSpPr>
           <p:spPr>
             <a:xfrm>
-              <a:off x="4522433" y="5355910"/>
+              <a:off x="5060096" y="5355906"/>
               <a:ext cx="63202" cy="63202"/>
             </a:xfrm>
             <a:custGeom>
@@ -27364,7 +27364,7 @@
           </p:nvSpPr>
           <p:spPr>
             <a:xfrm>
-              <a:off x="5006274" y="5357520"/>
+              <a:off x="4665897" y="5357522"/>
               <a:ext cx="63202" cy="63202"/>
             </a:xfrm>
             <a:custGeom>
@@ -27407,7 +27407,7 @@
           </p:nvSpPr>
           <p:spPr>
             <a:xfrm>
-              <a:off x="4831886" y="5378349"/>
+              <a:off x="5009877" y="5378385"/>
               <a:ext cx="63202" cy="63202"/>
             </a:xfrm>
             <a:custGeom>
@@ -27450,7 +27450,7 @@
           </p:nvSpPr>
           <p:spPr>
             <a:xfrm>
-              <a:off x="4909090" y="5323225"/>
+              <a:off x="5069378" y="5323232"/>
               <a:ext cx="63202" cy="63202"/>
             </a:xfrm>
             <a:custGeom>
@@ -27493,7 +27493,7 @@
           </p:nvSpPr>
           <p:spPr>
             <a:xfrm>
-              <a:off x="5110330" y="5415957"/>
+              <a:off x="5115288" y="5415899"/>
               <a:ext cx="63202" cy="63202"/>
             </a:xfrm>
             <a:custGeom>
@@ -27536,7 +27536,7 @@
           </p:nvSpPr>
           <p:spPr>
             <a:xfrm>
-              <a:off x="5162555" y="5345798"/>
+              <a:off x="4740833" y="5345765"/>
               <a:ext cx="63202" cy="63202"/>
             </a:xfrm>
             <a:custGeom>
@@ -27579,7 +27579,7 @@
           </p:nvSpPr>
           <p:spPr>
             <a:xfrm>
-              <a:off x="4876129" y="5329830"/>
+              <a:off x="4472377" y="5329858"/>
               <a:ext cx="63202" cy="63202"/>
             </a:xfrm>
             <a:custGeom>
@@ -27622,7 +27622,7 @@
           </p:nvSpPr>
           <p:spPr>
             <a:xfrm>
-              <a:off x="4855053" y="5548678"/>
+              <a:off x="5083389" y="5548690"/>
               <a:ext cx="63202" cy="63202"/>
             </a:xfrm>
             <a:custGeom>
@@ -27665,7 +27665,7 @@
           </p:nvSpPr>
           <p:spPr>
             <a:xfrm>
-              <a:off x="4970469" y="5534332"/>
+              <a:off x="4627281" y="5534325"/>
               <a:ext cx="63202" cy="63202"/>
             </a:xfrm>
             <a:custGeom>
@@ -27708,7 +27708,7 @@
           </p:nvSpPr>
           <p:spPr>
             <a:xfrm>
-              <a:off x="5106153" y="5329847"/>
+              <a:off x="5081264" y="5329846"/>
               <a:ext cx="63202" cy="63202"/>
             </a:xfrm>
             <a:custGeom>
@@ -27751,7 +27751,7 @@
           </p:nvSpPr>
           <p:spPr>
             <a:xfrm>
-              <a:off x="4897226" y="5340129"/>
+              <a:off x="5035296" y="5340132"/>
               <a:ext cx="63202" cy="63202"/>
             </a:xfrm>
             <a:custGeom>
@@ -27794,7 +27794,7 @@
           </p:nvSpPr>
           <p:spPr>
             <a:xfrm>
-              <a:off x="4551310" y="5348985"/>
+              <a:off x="4997252" y="5348998"/>
               <a:ext cx="63202" cy="63202"/>
             </a:xfrm>
             <a:custGeom>
@@ -27837,7 +27837,7 @@
           </p:nvSpPr>
           <p:spPr>
             <a:xfrm>
-              <a:off x="4850780" y="5373095"/>
+              <a:off x="4470004" y="5373064"/>
               <a:ext cx="63202" cy="63202"/>
             </a:xfrm>
             <a:custGeom>
@@ -27880,7 +27880,7 @@
           </p:nvSpPr>
           <p:spPr>
             <a:xfrm>
-              <a:off x="4557898" y="5377256"/>
+              <a:off x="4763156" y="5377261"/>
               <a:ext cx="63202" cy="63202"/>
             </a:xfrm>
             <a:custGeom>
@@ -27923,7 +27923,7 @@
           </p:nvSpPr>
           <p:spPr>
             <a:xfrm>
-              <a:off x="5047903" y="5318365"/>
+              <a:off x="5167456" y="5318347"/>
               <a:ext cx="63202" cy="63202"/>
             </a:xfrm>
             <a:custGeom>
@@ -27966,7 +27966,7 @@
           </p:nvSpPr>
           <p:spPr>
             <a:xfrm>
-              <a:off x="5002026" y="5353926"/>
+              <a:off x="4805922" y="5353926"/>
               <a:ext cx="63202" cy="63202"/>
             </a:xfrm>
             <a:custGeom>
@@ -28009,7 +28009,7 @@
           </p:nvSpPr>
           <p:spPr>
             <a:xfrm>
-              <a:off x="5162810" y="5361646"/>
+              <a:off x="5036472" y="5361675"/>
               <a:ext cx="63202" cy="63202"/>
             </a:xfrm>
             <a:custGeom>
@@ -28052,7 +28052,7 @@
           </p:nvSpPr>
           <p:spPr>
             <a:xfrm>
-              <a:off x="4638659" y="5434546"/>
+              <a:off x="5056894" y="5434512"/>
               <a:ext cx="63202" cy="63202"/>
             </a:xfrm>
             <a:custGeom>
@@ -28095,7 +28095,7 @@
           </p:nvSpPr>
           <p:spPr>
             <a:xfrm>
-              <a:off x="5076759" y="5337103"/>
+              <a:off x="5038903" y="5337105"/>
               <a:ext cx="63202" cy="63202"/>
             </a:xfrm>
             <a:custGeom>
@@ -28138,7 +28138,7 @@
           </p:nvSpPr>
           <p:spPr>
             <a:xfrm>
-              <a:off x="5002974" y="5338947"/>
+              <a:off x="5001739" y="5338908"/>
               <a:ext cx="63202" cy="63202"/>
             </a:xfrm>
             <a:custGeom>
@@ -28181,7 +28181,7 @@
           </p:nvSpPr>
           <p:spPr>
             <a:xfrm>
-              <a:off x="4739129" y="5422015"/>
+              <a:off x="4640557" y="5421961"/>
               <a:ext cx="63202" cy="63202"/>
             </a:xfrm>
             <a:custGeom>
@@ -28224,7 +28224,7 @@
           </p:nvSpPr>
           <p:spPr>
             <a:xfrm>
-              <a:off x="4757444" y="5348851"/>
+              <a:off x="4508937" y="5348823"/>
               <a:ext cx="63202" cy="63202"/>
             </a:xfrm>
             <a:custGeom>
@@ -28267,7 +28267,7 @@
           </p:nvSpPr>
           <p:spPr>
             <a:xfrm>
-              <a:off x="5127561" y="5355894"/>
+              <a:off x="4623696" y="5355862"/>
               <a:ext cx="63202" cy="63202"/>
             </a:xfrm>
             <a:custGeom>
@@ -28310,7 +28310,7 @@
           </p:nvSpPr>
           <p:spPr>
             <a:xfrm>
-              <a:off x="4896589" y="5372132"/>
+              <a:off x="5046895" y="5372165"/>
               <a:ext cx="63202" cy="63202"/>
             </a:xfrm>
             <a:custGeom>
@@ -28353,7 +28353,7 @@
           </p:nvSpPr>
           <p:spPr>
             <a:xfrm>
-              <a:off x="5137757" y="5363853"/>
+              <a:off x="5159771" y="5363858"/>
               <a:ext cx="63202" cy="63202"/>
             </a:xfrm>
             <a:custGeom>
@@ -28396,7 +28396,7 @@
           </p:nvSpPr>
           <p:spPr>
             <a:xfrm>
-              <a:off x="4872296" y="5367212"/>
+              <a:off x="5131639" y="5367218"/>
               <a:ext cx="63202" cy="63202"/>
             </a:xfrm>
             <a:custGeom>
@@ -28439,7 +28439,7 @@
           </p:nvSpPr>
           <p:spPr>
             <a:xfrm>
-              <a:off x="5140239" y="5381667"/>
+              <a:off x="4750952" y="5381657"/>
               <a:ext cx="63202" cy="63202"/>
             </a:xfrm>
             <a:custGeom>
@@ -28482,7 +28482,7 @@
           </p:nvSpPr>
           <p:spPr>
             <a:xfrm>
-              <a:off x="4594490" y="5377454"/>
+              <a:off x="4918401" y="5377418"/>
               <a:ext cx="63202" cy="63202"/>
             </a:xfrm>
             <a:custGeom>
@@ -28525,7 +28525,7 @@
           </p:nvSpPr>
           <p:spPr>
             <a:xfrm>
-              <a:off x="4743694" y="5360994"/>
+              <a:off x="5102210" y="5361007"/>
               <a:ext cx="63202" cy="63202"/>
             </a:xfrm>
             <a:custGeom>
@@ -28568,7 +28568,7 @@
           </p:nvSpPr>
           <p:spPr>
             <a:xfrm>
-              <a:off x="4779902" y="5378098"/>
+              <a:off x="4739304" y="5378062"/>
               <a:ext cx="63202" cy="63202"/>
             </a:xfrm>
             <a:custGeom>
@@ -28611,7 +28611,7 @@
           </p:nvSpPr>
           <p:spPr>
             <a:xfrm>
-              <a:off x="4497135" y="5379222"/>
+              <a:off x="4573334" y="5379190"/>
               <a:ext cx="63202" cy="63202"/>
             </a:xfrm>
             <a:custGeom>
@@ -28654,7 +28654,7 @@
           </p:nvSpPr>
           <p:spPr>
             <a:xfrm>
-              <a:off x="4945334" y="6240468"/>
+              <a:off x="4485396" y="6240482"/>
               <a:ext cx="63202" cy="63202"/>
             </a:xfrm>
             <a:custGeom>
@@ -28697,7 +28697,7 @@
           </p:nvSpPr>
           <p:spPr>
             <a:xfrm>
-              <a:off x="4925173" y="5376043"/>
+              <a:off x="4645102" y="5376032"/>
               <a:ext cx="63202" cy="63202"/>
             </a:xfrm>
             <a:custGeom>
@@ -28740,7 +28740,7 @@
           </p:nvSpPr>
           <p:spPr>
             <a:xfrm>
-              <a:off x="4860546" y="5356670"/>
+              <a:off x="4909538" y="5356638"/>
               <a:ext cx="63202" cy="63202"/>
             </a:xfrm>
             <a:custGeom>
@@ -28783,7 +28783,7 @@
           </p:nvSpPr>
           <p:spPr>
             <a:xfrm>
-              <a:off x="5053534" y="5411896"/>
+              <a:off x="4828909" y="5411871"/>
               <a:ext cx="63202" cy="63202"/>
             </a:xfrm>
             <a:custGeom>
@@ -28826,7 +28826,7 @@
           </p:nvSpPr>
           <p:spPr>
             <a:xfrm>
-              <a:off x="4813343" y="5376991"/>
+              <a:off x="5144364" y="5376965"/>
               <a:ext cx="63202" cy="63202"/>
             </a:xfrm>
             <a:custGeom>
@@ -28869,7 +28869,7 @@
           </p:nvSpPr>
           <p:spPr>
             <a:xfrm>
-              <a:off x="4865526" y="5373967"/>
+              <a:off x="4712229" y="5373920"/>
               <a:ext cx="63202" cy="63202"/>
             </a:xfrm>
             <a:custGeom>
@@ -28912,7 +28912,7 @@
           </p:nvSpPr>
           <p:spPr>
             <a:xfrm>
-              <a:off x="5070029" y="5348238"/>
+              <a:off x="4970919" y="5348259"/>
               <a:ext cx="63202" cy="63202"/>
             </a:xfrm>
             <a:custGeom>
@@ -28955,7 +28955,7 @@
           </p:nvSpPr>
           <p:spPr>
             <a:xfrm>
-              <a:off x="4622909" y="5348717"/>
+              <a:off x="4509385" y="5348693"/>
               <a:ext cx="63202" cy="63202"/>
             </a:xfrm>
             <a:custGeom>
@@ -28998,7 +28998,7 @@
           </p:nvSpPr>
           <p:spPr>
             <a:xfrm>
-              <a:off x="5088872" y="5349201"/>
+              <a:off x="5138178" y="5349216"/>
               <a:ext cx="63202" cy="63202"/>
             </a:xfrm>
             <a:custGeom>
@@ -29041,7 +29041,7 @@
           </p:nvSpPr>
           <p:spPr>
             <a:xfrm>
-              <a:off x="4835821" y="6303922"/>
+              <a:off x="4600353" y="6303898"/>
               <a:ext cx="63202" cy="63202"/>
             </a:xfrm>
             <a:custGeom>
@@ -29084,7 +29084,7 @@
           </p:nvSpPr>
           <p:spPr>
             <a:xfrm>
-              <a:off x="4540285" y="5980244"/>
+              <a:off x="4679405" y="5980165"/>
               <a:ext cx="63202" cy="63202"/>
             </a:xfrm>
             <a:custGeom>
@@ -29127,7 +29127,7 @@
           </p:nvSpPr>
           <p:spPr>
             <a:xfrm>
-              <a:off x="4885968" y="5973619"/>
+              <a:off x="5124460" y="5973547"/>
               <a:ext cx="63202" cy="63202"/>
             </a:xfrm>
             <a:custGeom>
@@ -29170,7 +29170,7 @@
           </p:nvSpPr>
           <p:spPr>
             <a:xfrm>
-              <a:off x="5151585" y="6107770"/>
+              <a:off x="5150525" y="6107697"/>
               <a:ext cx="63202" cy="63202"/>
             </a:xfrm>
             <a:custGeom>
@@ -29213,7 +29213,7 @@
           </p:nvSpPr>
           <p:spPr>
             <a:xfrm>
-              <a:off x="4476890" y="5358575"/>
+              <a:off x="4909538" y="5358510"/>
               <a:ext cx="63202" cy="63202"/>
             </a:xfrm>
             <a:custGeom>
@@ -29256,7 +29256,7 @@
           </p:nvSpPr>
           <p:spPr>
             <a:xfrm>
-              <a:off x="5828240" y="6626896"/>
+              <a:off x="5452938" y="6626872"/>
               <a:ext cx="63202" cy="63202"/>
             </a:xfrm>
             <a:custGeom>
@@ -29299,7 +29299,7 @@
           </p:nvSpPr>
           <p:spPr>
             <a:xfrm>
-              <a:off x="4892106" y="5784911"/>
+              <a:off x="4603995" y="5784871"/>
               <a:ext cx="63202" cy="63202"/>
             </a:xfrm>
             <a:custGeom>
@@ -29342,7 +29342,7 @@
           </p:nvSpPr>
           <p:spPr>
             <a:xfrm>
-              <a:off x="4731189" y="5357061"/>
+              <a:off x="4736731" y="5357057"/>
               <a:ext cx="63202" cy="63202"/>
             </a:xfrm>
             <a:custGeom>
@@ -29385,7 +29385,7 @@
           </p:nvSpPr>
           <p:spPr>
             <a:xfrm>
-              <a:off x="4741820" y="5335454"/>
+              <a:off x="4697996" y="5335417"/>
               <a:ext cx="63202" cy="63202"/>
             </a:xfrm>
             <a:custGeom>
@@ -29428,7 +29428,7 @@
           </p:nvSpPr>
           <p:spPr>
             <a:xfrm>
-              <a:off x="4694201" y="5401619"/>
+              <a:off x="4579013" y="5401563"/>
               <a:ext cx="63202" cy="63202"/>
             </a:xfrm>
             <a:custGeom>
@@ -29471,7 +29471,7 @@
           </p:nvSpPr>
           <p:spPr>
             <a:xfrm>
-              <a:off x="4941688" y="5340174"/>
+              <a:off x="4855765" y="5340147"/>
               <a:ext cx="63202" cy="63202"/>
             </a:xfrm>
             <a:custGeom>
@@ -29514,7 +29514,7 @@
           </p:nvSpPr>
           <p:spPr>
             <a:xfrm>
-              <a:off x="4572924" y="5363705"/>
+              <a:off x="4793135" y="5363713"/>
               <a:ext cx="63202" cy="63202"/>
             </a:xfrm>
             <a:custGeom>
@@ -29557,7 +29557,7 @@
           </p:nvSpPr>
           <p:spPr>
             <a:xfrm>
-              <a:off x="5093943" y="5349417"/>
+              <a:off x="4866484" y="5349363"/>
               <a:ext cx="63202" cy="63202"/>
             </a:xfrm>
             <a:custGeom>
@@ -29600,7 +29600,7 @@
           </p:nvSpPr>
           <p:spPr>
             <a:xfrm>
-              <a:off x="4600348" y="5466723"/>
+              <a:off x="4628253" y="5466692"/>
               <a:ext cx="63202" cy="63202"/>
             </a:xfrm>
             <a:custGeom>
@@ -29643,7 +29643,7 @@
           </p:nvSpPr>
           <p:spPr>
             <a:xfrm>
-              <a:off x="4561336" y="5343992"/>
+              <a:off x="5010505" y="5344011"/>
               <a:ext cx="63202" cy="63202"/>
             </a:xfrm>
             <a:custGeom>
@@ -29686,7 +29686,7 @@
           </p:nvSpPr>
           <p:spPr>
             <a:xfrm>
-              <a:off x="4938320" y="5429769"/>
+              <a:off x="4911241" y="5429736"/>
               <a:ext cx="63202" cy="63202"/>
             </a:xfrm>
             <a:custGeom>
@@ -29729,7 +29729,7 @@
           </p:nvSpPr>
           <p:spPr>
             <a:xfrm>
-              <a:off x="4744615" y="5349735"/>
+              <a:off x="4911470" y="5349781"/>
               <a:ext cx="63202" cy="63202"/>
             </a:xfrm>
             <a:custGeom>
@@ -29772,7 +29772,7 @@
           </p:nvSpPr>
           <p:spPr>
             <a:xfrm>
-              <a:off x="4988970" y="5365548"/>
+              <a:off x="4668041" y="5365486"/>
               <a:ext cx="63202" cy="63202"/>
             </a:xfrm>
             <a:custGeom>
@@ -29815,7 +29815,7 @@
           </p:nvSpPr>
           <p:spPr>
             <a:xfrm>
-              <a:off x="4637868" y="5318064"/>
+              <a:off x="5118456" y="5318065"/>
               <a:ext cx="63202" cy="63202"/>
             </a:xfrm>
             <a:custGeom>
@@ -29858,7 +29858,7 @@
           </p:nvSpPr>
           <p:spPr>
             <a:xfrm>
-              <a:off x="4968821" y="5373691"/>
+              <a:off x="4848968" y="5373603"/>
               <a:ext cx="63202" cy="63202"/>
             </a:xfrm>
             <a:custGeom>
@@ -29901,7 +29901,7 @@
           </p:nvSpPr>
           <p:spPr>
             <a:xfrm>
-              <a:off x="4498863" y="5374437"/>
+              <a:off x="5073532" y="5374416"/>
               <a:ext cx="63202" cy="63202"/>
             </a:xfrm>
             <a:custGeom>
@@ -29944,7 +29944,7 @@
           </p:nvSpPr>
           <p:spPr>
             <a:xfrm>
-              <a:off x="5146456" y="5372901"/>
+              <a:off x="4926918" y="5372892"/>
               <a:ext cx="63202" cy="63202"/>
             </a:xfrm>
             <a:custGeom>
@@ -29987,7 +29987,7 @@
           </p:nvSpPr>
           <p:spPr>
             <a:xfrm>
-              <a:off x="4862609" y="5372824"/>
+              <a:off x="4727293" y="5372768"/>
               <a:ext cx="63202" cy="63202"/>
             </a:xfrm>
             <a:custGeom>
@@ -30030,7 +30030,7 @@
           </p:nvSpPr>
           <p:spPr>
             <a:xfrm>
-              <a:off x="4755301" y="5370979"/>
+              <a:off x="4521605" y="5370985"/>
               <a:ext cx="63202" cy="63202"/>
             </a:xfrm>
             <a:custGeom>
@@ -30073,7 +30073,7 @@
           </p:nvSpPr>
           <p:spPr>
             <a:xfrm>
-              <a:off x="4849783" y="5385721"/>
+              <a:off x="4589012" y="5385704"/>
               <a:ext cx="63202" cy="63202"/>
             </a:xfrm>
             <a:custGeom>
@@ -30116,7 +30116,7 @@
           </p:nvSpPr>
           <p:spPr>
             <a:xfrm>
-              <a:off x="4975503" y="5502223"/>
+              <a:off x="4664438" y="5502205"/>
               <a:ext cx="63202" cy="63202"/>
             </a:xfrm>
             <a:custGeom>
@@ -30159,7 +30159,7 @@
           </p:nvSpPr>
           <p:spPr>
             <a:xfrm>
-              <a:off x="4944800" y="5360811"/>
+              <a:off x="4895523" y="5360815"/>
               <a:ext cx="63202" cy="63202"/>
             </a:xfrm>
             <a:custGeom>
@@ -30202,7 +30202,7 @@
           </p:nvSpPr>
           <p:spPr>
             <a:xfrm>
-              <a:off x="4582379" y="5348899"/>
+              <a:off x="4757980" y="5348884"/>
               <a:ext cx="63202" cy="63202"/>
             </a:xfrm>
             <a:custGeom>
@@ -30245,7 +30245,7 @@
           </p:nvSpPr>
           <p:spPr>
             <a:xfrm>
-              <a:off x="4690940" y="5592976"/>
+              <a:off x="4698070" y="5592946"/>
               <a:ext cx="63202" cy="63202"/>
             </a:xfrm>
             <a:custGeom>
@@ -30288,7 +30288,7 @@
           </p:nvSpPr>
           <p:spPr>
             <a:xfrm>
-              <a:off x="4586104" y="5441518"/>
+              <a:off x="4712557" y="5441513"/>
               <a:ext cx="63202" cy="63202"/>
             </a:xfrm>
             <a:custGeom>
@@ -30331,7 +30331,7 @@
           </p:nvSpPr>
           <p:spPr>
             <a:xfrm>
-              <a:off x="4839217" y="5368868"/>
+              <a:off x="4984996" y="5368859"/>
               <a:ext cx="63202" cy="63202"/>
             </a:xfrm>
             <a:custGeom>
@@ -30374,7 +30374,7 @@
           </p:nvSpPr>
           <p:spPr>
             <a:xfrm>
-              <a:off x="4887497" y="5336994"/>
+              <a:off x="5059061" y="5337012"/>
               <a:ext cx="63202" cy="63202"/>
             </a:xfrm>
             <a:custGeom>
@@ -30417,7 +30417,7 @@
           </p:nvSpPr>
           <p:spPr>
             <a:xfrm>
-              <a:off x="4962734" y="5358239"/>
+              <a:off x="4868419" y="5358284"/>
               <a:ext cx="63202" cy="63202"/>
             </a:xfrm>
             <a:custGeom>
@@ -30460,7 +30460,7 @@
           </p:nvSpPr>
           <p:spPr>
             <a:xfrm>
-              <a:off x="4922767" y="5514002"/>
+              <a:off x="5042429" y="5513984"/>
               <a:ext cx="63202" cy="63202"/>
             </a:xfrm>
             <a:custGeom>
@@ -30503,7 +30503,7 @@
           </p:nvSpPr>
           <p:spPr>
             <a:xfrm>
-              <a:off x="4777280" y="5386495"/>
+              <a:off x="4505324" y="5386503"/>
               <a:ext cx="63202" cy="63202"/>
             </a:xfrm>
             <a:custGeom>
@@ -30546,7 +30546,7 @@
           </p:nvSpPr>
           <p:spPr>
             <a:xfrm>
-              <a:off x="4663851" y="5466773"/>
+              <a:off x="4553371" y="5466698"/>
               <a:ext cx="63202" cy="63202"/>
             </a:xfrm>
             <a:custGeom>
@@ -30589,7 +30589,7 @@
           </p:nvSpPr>
           <p:spPr>
             <a:xfrm>
-              <a:off x="4607195" y="5383680"/>
+              <a:off x="4837363" y="5383616"/>
               <a:ext cx="63202" cy="63202"/>
             </a:xfrm>
             <a:custGeom>
@@ -30688,7 +30688,7 @@
           </p:nvSpPr>
           <p:spPr>
             <a:xfrm>
-              <a:off x="7192078" y="2850802"/>
+              <a:off x="7192078" y="2850752"/>
               <a:ext cx="2796732" cy="0"/>
             </a:xfrm>
             <a:custGeom>
@@ -30731,7 +30731,7 @@
           </p:nvSpPr>
           <p:spPr>
             <a:xfrm>
-              <a:off x="7192078" y="2378765"/>
+              <a:off x="7192078" y="2378729"/>
               <a:ext cx="2796732" cy="0"/>
             </a:xfrm>
             <a:custGeom>
@@ -30774,7 +30774,7 @@
           </p:nvSpPr>
           <p:spPr>
             <a:xfrm>
-              <a:off x="7192078" y="1906729"/>
+              <a:off x="7192078" y="1906706"/>
               <a:ext cx="2796732" cy="0"/>
             </a:xfrm>
             <a:custGeom>
@@ -30817,7 +30817,7 @@
           </p:nvSpPr>
           <p:spPr>
             <a:xfrm>
-              <a:off x="7192078" y="1434692"/>
+              <a:off x="7192078" y="1434682"/>
               <a:ext cx="2796732" cy="0"/>
             </a:xfrm>
             <a:custGeom>
@@ -30860,7 +30860,7 @@
           </p:nvSpPr>
           <p:spPr>
             <a:xfrm>
-              <a:off x="7192078" y="2614783"/>
+              <a:off x="7192078" y="2614740"/>
               <a:ext cx="2796732" cy="0"/>
             </a:xfrm>
             <a:custGeom>
@@ -30903,7 +30903,7 @@
           </p:nvSpPr>
           <p:spPr>
             <a:xfrm>
-              <a:off x="7192078" y="2142747"/>
+              <a:off x="7192078" y="2142717"/>
               <a:ext cx="2796732" cy="0"/>
             </a:xfrm>
             <a:custGeom>
@@ -30946,7 +30946,7 @@
           </p:nvSpPr>
           <p:spPr>
             <a:xfrm>
-              <a:off x="7192078" y="1670711"/>
+              <a:off x="7192078" y="1670694"/>
               <a:ext cx="2796732" cy="0"/>
             </a:xfrm>
             <a:custGeom>
@@ -31118,7 +31118,7 @@
           </p:nvSpPr>
           <p:spPr>
             <a:xfrm>
-              <a:off x="7341189" y="2541610"/>
+              <a:off x="7628055" y="2541619"/>
               <a:ext cx="63202" cy="63202"/>
             </a:xfrm>
             <a:custGeom>
@@ -31161,7 +31161,7 @@
           </p:nvSpPr>
           <p:spPr>
             <a:xfrm>
-              <a:off x="7506510" y="2383107"/>
+              <a:off x="7876354" y="2383081"/>
               <a:ext cx="63202" cy="63202"/>
             </a:xfrm>
             <a:custGeom>
@@ -31204,7 +31204,7 @@
           </p:nvSpPr>
           <p:spPr>
             <a:xfrm>
-              <a:off x="7929521" y="2106227"/>
+              <a:off x="7568049" y="2106216"/>
               <a:ext cx="63202" cy="63202"/>
             </a:xfrm>
             <a:custGeom>
@@ -31247,7 +31247,7 @@
           </p:nvSpPr>
           <p:spPr>
             <a:xfrm>
-              <a:off x="7596615" y="2223741"/>
+              <a:off x="7930176" y="2223708"/>
               <a:ext cx="63202" cy="63202"/>
             </a:xfrm>
             <a:custGeom>
@@ -31290,7 +31290,7 @@
           </p:nvSpPr>
           <p:spPr>
             <a:xfrm>
-              <a:off x="7626499" y="2151656"/>
+              <a:off x="7510979" y="2151634"/>
               <a:ext cx="63202" cy="63202"/>
             </a:xfrm>
             <a:custGeom>
@@ -31333,7 +31333,7 @@
           </p:nvSpPr>
           <p:spPr>
             <a:xfrm>
-              <a:off x="7396024" y="1773929"/>
+              <a:off x="7474327" y="1773896"/>
               <a:ext cx="63202" cy="63202"/>
             </a:xfrm>
             <a:custGeom>
@@ -31376,7 +31376,7 @@
           </p:nvSpPr>
           <p:spPr>
             <a:xfrm>
-              <a:off x="7533562" y="2347832"/>
+              <a:off x="7899500" y="2347770"/>
               <a:ext cx="63202" cy="63202"/>
             </a:xfrm>
             <a:custGeom>
@@ -31419,7 +31419,7 @@
           </p:nvSpPr>
           <p:spPr>
             <a:xfrm>
-              <a:off x="7483707" y="2386925"/>
+              <a:off x="7537369" y="2386850"/>
               <a:ext cx="63202" cy="63202"/>
             </a:xfrm>
             <a:custGeom>
@@ -31462,7 +31462,7 @@
           </p:nvSpPr>
           <p:spPr>
             <a:xfrm>
-              <a:off x="7745011" y="2151283"/>
+              <a:off x="7484642" y="2151214"/>
               <a:ext cx="63202" cy="63202"/>
             </a:xfrm>
             <a:custGeom>
@@ -31505,7 +31505,7 @@
           </p:nvSpPr>
           <p:spPr>
             <a:xfrm>
-              <a:off x="7450560" y="2172572"/>
+              <a:off x="7339316" y="2172582"/>
               <a:ext cx="63202" cy="63202"/>
             </a:xfrm>
             <a:custGeom>
@@ -31548,7 +31548,7 @@
           </p:nvSpPr>
           <p:spPr>
             <a:xfrm>
-              <a:off x="8013364" y="2349977"/>
+              <a:off x="7979052" y="2349983"/>
               <a:ext cx="63202" cy="63202"/>
             </a:xfrm>
             <a:custGeom>
@@ -31591,7 +31591,7 @@
           </p:nvSpPr>
           <p:spPr>
             <a:xfrm>
-              <a:off x="7607886" y="2632384"/>
+              <a:off x="7941725" y="2632339"/>
               <a:ext cx="63202" cy="63202"/>
             </a:xfrm>
             <a:custGeom>
@@ -31634,7 +31634,7 @@
           </p:nvSpPr>
           <p:spPr>
             <a:xfrm>
-              <a:off x="7553689" y="2443538"/>
+              <a:off x="7802995" y="2443502"/>
               <a:ext cx="63202" cy="63202"/>
             </a:xfrm>
             <a:custGeom>
@@ -31677,7 +31677,7 @@
           </p:nvSpPr>
           <p:spPr>
             <a:xfrm>
-              <a:off x="7719257" y="2356788"/>
+              <a:off x="8013467" y="2356782"/>
               <a:ext cx="63202" cy="63202"/>
             </a:xfrm>
             <a:custGeom>
@@ -31720,7 +31720,7 @@
           </p:nvSpPr>
           <p:spPr>
             <a:xfrm>
-              <a:off x="7979680" y="2351044"/>
+              <a:off x="7357901" y="2350973"/>
               <a:ext cx="63202" cy="63202"/>
             </a:xfrm>
             <a:custGeom>
@@ -31763,7 +31763,7 @@
           </p:nvSpPr>
           <p:spPr>
             <a:xfrm>
-              <a:off x="7502183" y="2573067"/>
+              <a:off x="7922490" y="2573011"/>
               <a:ext cx="63202" cy="63202"/>
             </a:xfrm>
             <a:custGeom>
@@ -31806,7 +31806,7 @@
           </p:nvSpPr>
           <p:spPr>
             <a:xfrm>
-              <a:off x="7946830" y="2364561"/>
+              <a:off x="7960529" y="2364473"/>
               <a:ext cx="63202" cy="63202"/>
             </a:xfrm>
             <a:custGeom>
@@ -31849,7 +31849,7 @@
           </p:nvSpPr>
           <p:spPr>
             <a:xfrm>
-              <a:off x="7752137" y="2220577"/>
+              <a:off x="7546076" y="2220516"/>
               <a:ext cx="63202" cy="63202"/>
             </a:xfrm>
             <a:custGeom>
@@ -31892,7 +31892,7 @@
           </p:nvSpPr>
           <p:spPr>
             <a:xfrm>
-              <a:off x="7722800" y="2514202"/>
+              <a:off x="7678724" y="2514166"/>
               <a:ext cx="63202" cy="63202"/>
             </a:xfrm>
             <a:custGeom>
@@ -31935,7 +31935,7 @@
           </p:nvSpPr>
           <p:spPr>
             <a:xfrm>
-              <a:off x="7545238" y="2324101"/>
+              <a:off x="7511945" y="2324119"/>
               <a:ext cx="63202" cy="63202"/>
             </a:xfrm>
             <a:custGeom>
@@ -31978,7 +31978,7 @@
           </p:nvSpPr>
           <p:spPr>
             <a:xfrm>
-              <a:off x="7716803" y="2315789"/>
+              <a:off x="7808491" y="2315752"/>
               <a:ext cx="63202" cy="63202"/>
             </a:xfrm>
             <a:custGeom>
@@ -32021,7 +32021,7 @@
           </p:nvSpPr>
           <p:spPr>
             <a:xfrm>
-              <a:off x="7427543" y="2382792"/>
+              <a:off x="7718331" y="2382751"/>
               <a:ext cx="63202" cy="63202"/>
             </a:xfrm>
             <a:custGeom>
@@ -32064,7 +32064,7 @@
           </p:nvSpPr>
           <p:spPr>
             <a:xfrm>
-              <a:off x="7436210" y="2559460"/>
+              <a:off x="7360717" y="2559436"/>
               <a:ext cx="63202" cy="63202"/>
             </a:xfrm>
             <a:custGeom>
@@ -32107,7 +32107,7 @@
           </p:nvSpPr>
           <p:spPr>
             <a:xfrm>
-              <a:off x="7568361" y="2387603"/>
+              <a:off x="7932958" y="2387544"/>
               <a:ext cx="63202" cy="63202"/>
             </a:xfrm>
             <a:custGeom>
@@ -32150,7 +32150,7 @@
           </p:nvSpPr>
           <p:spPr>
             <a:xfrm>
-              <a:off x="7994170" y="2348938"/>
+              <a:off x="7571314" y="2348924"/>
               <a:ext cx="63202" cy="63202"/>
             </a:xfrm>
             <a:custGeom>
@@ -32193,7 +32193,7 @@
           </p:nvSpPr>
           <p:spPr>
             <a:xfrm>
-              <a:off x="7362572" y="1774293"/>
+              <a:off x="7454453" y="1774294"/>
               <a:ext cx="63202" cy="63202"/>
             </a:xfrm>
             <a:custGeom>
@@ -32236,7 +32236,7 @@
           </p:nvSpPr>
           <p:spPr>
             <a:xfrm>
-              <a:off x="7814876" y="2361058"/>
+              <a:off x="7411985" y="2361024"/>
               <a:ext cx="63202" cy="63202"/>
             </a:xfrm>
             <a:custGeom>
@@ -32279,7 +32279,7 @@
           </p:nvSpPr>
           <p:spPr>
             <a:xfrm>
-              <a:off x="7433483" y="2352849"/>
+              <a:off x="7907107" y="2352794"/>
               <a:ext cx="63202" cy="63202"/>
             </a:xfrm>
             <a:custGeom>
@@ -32322,7 +32322,7 @@
           </p:nvSpPr>
           <p:spPr>
             <a:xfrm>
-              <a:off x="7634861" y="1771205"/>
+              <a:off x="7850974" y="1771167"/>
               <a:ext cx="63202" cy="63202"/>
             </a:xfrm>
             <a:custGeom>
@@ -32365,7 +32365,7 @@
           </p:nvSpPr>
           <p:spPr>
             <a:xfrm>
-              <a:off x="7422047" y="2228954"/>
+              <a:off x="7563519" y="2228934"/>
               <a:ext cx="63202" cy="63202"/>
             </a:xfrm>
             <a:custGeom>
@@ -32408,7 +32408,7 @@
           </p:nvSpPr>
           <p:spPr>
             <a:xfrm>
-              <a:off x="7570490" y="2269935"/>
+              <a:off x="8031973" y="2269896"/>
               <a:ext cx="63202" cy="63202"/>
             </a:xfrm>
             <a:custGeom>
@@ -32451,7 +32451,7 @@
           </p:nvSpPr>
           <p:spPr>
             <a:xfrm>
-              <a:off x="7685791" y="2290722"/>
+              <a:off x="7886298" y="2290705"/>
               <a:ext cx="63202" cy="63202"/>
             </a:xfrm>
             <a:custGeom>
@@ -32494,7 +32494,7 @@
           </p:nvSpPr>
           <p:spPr>
             <a:xfrm>
-              <a:off x="8029902" y="2265333"/>
+              <a:off x="7664333" y="2265302"/>
               <a:ext cx="63202" cy="63202"/>
             </a:xfrm>
             <a:custGeom>
@@ -32537,7 +32537,7 @@
           </p:nvSpPr>
           <p:spPr>
             <a:xfrm>
-              <a:off x="7890706" y="2267449"/>
+              <a:off x="7566954" y="2267426"/>
               <a:ext cx="63202" cy="63202"/>
             </a:xfrm>
             <a:custGeom>
@@ -32580,7 +32580,7 @@
           </p:nvSpPr>
           <p:spPr>
             <a:xfrm>
-              <a:off x="7735515" y="2265658"/>
+              <a:off x="7511798" y="2265674"/>
               <a:ext cx="63202" cy="63202"/>
             </a:xfrm>
             <a:custGeom>
@@ -32623,7 +32623,7 @@
           </p:nvSpPr>
           <p:spPr>
             <a:xfrm>
-              <a:off x="7663925" y="2315260"/>
+              <a:off x="7491344" y="2315210"/>
               <a:ext cx="63202" cy="63202"/>
             </a:xfrm>
             <a:custGeom>
@@ -32666,7 +32666,7 @@
           </p:nvSpPr>
           <p:spPr>
             <a:xfrm>
-              <a:off x="7378522" y="2318278"/>
+              <a:off x="7498594" y="2318215"/>
               <a:ext cx="63202" cy="63202"/>
             </a:xfrm>
             <a:custGeom>
@@ -32709,7 +32709,7 @@
           </p:nvSpPr>
           <p:spPr>
             <a:xfrm>
-              <a:off x="7447533" y="2439894"/>
+              <a:off x="7972716" y="2439856"/>
               <a:ext cx="63202" cy="63202"/>
             </a:xfrm>
             <a:custGeom>
@@ -32752,7 +32752,7 @@
           </p:nvSpPr>
           <p:spPr>
             <a:xfrm>
-              <a:off x="7434094" y="2368347"/>
+              <a:off x="7429036" y="2368266"/>
               <a:ext cx="63202" cy="63202"/>
             </a:xfrm>
             <a:custGeom>
@@ -32795,7 +32795,7 @@
           </p:nvSpPr>
           <p:spPr>
             <a:xfrm>
-              <a:off x="7847736" y="2223775"/>
+              <a:off x="7605416" y="2223713"/>
               <a:ext cx="63202" cy="63202"/>
             </a:xfrm>
             <a:custGeom>
@@ -32838,7 +32838,7 @@
           </p:nvSpPr>
           <p:spPr>
             <a:xfrm>
-              <a:off x="7857899" y="2546828"/>
+              <a:off x="7441802" y="2546816"/>
               <a:ext cx="63202" cy="63202"/>
             </a:xfrm>
             <a:custGeom>
@@ -32881,7 +32881,7 @@
           </p:nvSpPr>
           <p:spPr>
             <a:xfrm>
-              <a:off x="7820452" y="2401357"/>
+              <a:off x="7441199" y="2401299"/>
               <a:ext cx="63202" cy="63202"/>
             </a:xfrm>
             <a:custGeom>
@@ -32924,7 +32924,7 @@
           </p:nvSpPr>
           <p:spPr>
             <a:xfrm>
-              <a:off x="7935290" y="2222167"/>
+              <a:off x="7839554" y="2222129"/>
               <a:ext cx="63202" cy="63202"/>
             </a:xfrm>
             <a:custGeom>
@@ -32967,7 +32967,7 @@
           </p:nvSpPr>
           <p:spPr>
             <a:xfrm>
-              <a:off x="7505533" y="2220544"/>
+              <a:off x="8010847" y="2220496"/>
               <a:ext cx="63202" cy="63202"/>
             </a:xfrm>
             <a:custGeom>
@@ -33010,7 +33010,7 @@
           </p:nvSpPr>
           <p:spPr>
             <a:xfrm>
-              <a:off x="7881069" y="2311472"/>
+              <a:off x="7925539" y="2311406"/>
               <a:ext cx="63202" cy="63202"/>
             </a:xfrm>
             <a:custGeom>
@@ -33053,7 +33053,7 @@
           </p:nvSpPr>
           <p:spPr>
             <a:xfrm>
-              <a:off x="7672238" y="2221797"/>
+              <a:off x="7355161" y="2221725"/>
               <a:ext cx="63202" cy="63202"/>
             </a:xfrm>
             <a:custGeom>
@@ -33096,7 +33096,7 @@
           </p:nvSpPr>
           <p:spPr>
             <a:xfrm>
-              <a:off x="7998192" y="2151613"/>
+              <a:off x="7871513" y="2151580"/>
               <a:ext cx="63202" cy="63202"/>
             </a:xfrm>
             <a:custGeom>
@@ -33195,7 +33195,7 @@
           </p:nvSpPr>
           <p:spPr>
             <a:xfrm>
-              <a:off x="7192078" y="4776134"/>
+              <a:off x="7192078" y="4776084"/>
               <a:ext cx="2796732" cy="0"/>
             </a:xfrm>
             <a:custGeom>
@@ -33238,7 +33238,7 @@
           </p:nvSpPr>
           <p:spPr>
             <a:xfrm>
-              <a:off x="7192078" y="4304098"/>
+              <a:off x="7192078" y="4304061"/>
               <a:ext cx="2796732" cy="0"/>
             </a:xfrm>
             <a:custGeom>
@@ -33281,7 +33281,7 @@
           </p:nvSpPr>
           <p:spPr>
             <a:xfrm>
-              <a:off x="7192078" y="3832061"/>
+              <a:off x="7192078" y="3832038"/>
               <a:ext cx="2796732" cy="0"/>
             </a:xfrm>
             <a:custGeom>
@@ -33324,7 +33324,7 @@
           </p:nvSpPr>
           <p:spPr>
             <a:xfrm>
-              <a:off x="7192078" y="3360025"/>
+              <a:off x="7192078" y="3360015"/>
               <a:ext cx="2796732" cy="0"/>
             </a:xfrm>
             <a:custGeom>
@@ -33367,7 +33367,7 @@
           </p:nvSpPr>
           <p:spPr>
             <a:xfrm>
-              <a:off x="7192078" y="4540116"/>
+              <a:off x="7192078" y="4540073"/>
               <a:ext cx="2796732" cy="0"/>
             </a:xfrm>
             <a:custGeom>
@@ -33410,7 +33410,7 @@
           </p:nvSpPr>
           <p:spPr>
             <a:xfrm>
-              <a:off x="7192078" y="4068080"/>
+              <a:off x="7192078" y="4068050"/>
               <a:ext cx="2796732" cy="0"/>
             </a:xfrm>
             <a:custGeom>
@@ -33453,7 +33453,7 @@
           </p:nvSpPr>
           <p:spPr>
             <a:xfrm>
-              <a:off x="7192078" y="3596043"/>
+              <a:off x="7192078" y="3596027"/>
               <a:ext cx="2796732" cy="0"/>
             </a:xfrm>
             <a:custGeom>
@@ -33625,7 +33625,7 @@
           </p:nvSpPr>
           <p:spPr>
             <a:xfrm>
-              <a:off x="7349426" y="4037490"/>
+              <a:off x="7941900" y="4037490"/>
               <a:ext cx="63202" cy="63202"/>
             </a:xfrm>
             <a:custGeom>
@@ -33668,7 +33668,7 @@
           </p:nvSpPr>
           <p:spPr>
             <a:xfrm>
-              <a:off x="7690189" y="4021835"/>
+              <a:off x="8020507" y="4021825"/>
               <a:ext cx="63202" cy="63202"/>
             </a:xfrm>
             <a:custGeom>
@@ -33711,7 +33711,7 @@
           </p:nvSpPr>
           <p:spPr>
             <a:xfrm>
-              <a:off x="7369046" y="4238199"/>
+              <a:off x="7365334" y="4238226"/>
               <a:ext cx="63202" cy="63202"/>
             </a:xfrm>
             <a:custGeom>
@@ -33754,7 +33754,7 @@
           </p:nvSpPr>
           <p:spPr>
             <a:xfrm>
-              <a:off x="8485766" y="4712027"/>
+              <a:off x="8677057" y="4712031"/>
               <a:ext cx="63202" cy="63202"/>
             </a:xfrm>
             <a:custGeom>
@@ -33797,7 +33797,7 @@
           </p:nvSpPr>
           <p:spPr>
             <a:xfrm>
-              <a:off x="7720604" y="4162956"/>
+              <a:off x="7994027" y="4162982"/>
               <a:ext cx="63202" cy="63202"/>
             </a:xfrm>
             <a:custGeom>
@@ -33840,7 +33840,7 @@
           </p:nvSpPr>
           <p:spPr>
             <a:xfrm>
-              <a:off x="7467866" y="3980888"/>
+              <a:off x="7856149" y="3980873"/>
               <a:ext cx="63202" cy="63202"/>
             </a:xfrm>
             <a:custGeom>
@@ -33883,7 +33883,7 @@
           </p:nvSpPr>
           <p:spPr>
             <a:xfrm>
-              <a:off x="7516300" y="4198041"/>
+              <a:off x="7911478" y="4197962"/>
               <a:ext cx="63202" cy="63202"/>
             </a:xfrm>
             <a:custGeom>
@@ -33926,7 +33926,7 @@
           </p:nvSpPr>
           <p:spPr>
             <a:xfrm>
-              <a:off x="7417580" y="4137318"/>
+              <a:off x="7933403" y="4137276"/>
               <a:ext cx="63202" cy="63202"/>
             </a:xfrm>
             <a:custGeom>
@@ -33969,7 +33969,7 @@
           </p:nvSpPr>
           <p:spPr>
             <a:xfrm>
-              <a:off x="7936448" y="4265774"/>
+              <a:off x="7892343" y="4265764"/>
               <a:ext cx="63202" cy="63202"/>
             </a:xfrm>
             <a:custGeom>
@@ -34012,7 +34012,7 @@
           </p:nvSpPr>
           <p:spPr>
             <a:xfrm>
-              <a:off x="7757676" y="4030779"/>
+              <a:off x="7588049" y="4030760"/>
               <a:ext cx="63202" cy="63202"/>
             </a:xfrm>
             <a:custGeom>
@@ -34055,7 +34055,7 @@
           </p:nvSpPr>
           <p:spPr>
             <a:xfrm>
-              <a:off x="7893118" y="4019118"/>
+              <a:off x="7684238" y="4019076"/>
               <a:ext cx="63202" cy="63202"/>
             </a:xfrm>
             <a:custGeom>
@@ -34098,7 +34098,7 @@
           </p:nvSpPr>
           <p:spPr>
             <a:xfrm>
-              <a:off x="7885469" y="4132502"/>
+              <a:off x="7402964" y="4132450"/>
               <a:ext cx="63202" cy="63202"/>
             </a:xfrm>
             <a:custGeom>
@@ -34141,7 +34141,7 @@
           </p:nvSpPr>
           <p:spPr>
             <a:xfrm>
-              <a:off x="7495448" y="3972829"/>
+              <a:off x="7687136" y="3972856"/>
               <a:ext cx="63202" cy="63202"/>
             </a:xfrm>
             <a:custGeom>
@@ -34184,7 +34184,7 @@
           </p:nvSpPr>
           <p:spPr>
             <a:xfrm>
-              <a:off x="7587192" y="4088393"/>
+              <a:off x="7481443" y="4088366"/>
               <a:ext cx="63202" cy="63202"/>
             </a:xfrm>
             <a:custGeom>
@@ -35679,7 +35679,7 @@
           </p:nvSpPr>
           <p:spPr>
             <a:xfrm>
-              <a:off x="1210339" y="2573092"/>
+              <a:off x="1210339" y="2573049"/>
               <a:ext cx="186466" cy="81691"/>
             </a:xfrm>
             <a:prstGeom prst="rect">
@@ -35725,7 +35725,7 @@
           </p:nvSpPr>
           <p:spPr>
             <a:xfrm>
-              <a:off x="1148183" y="2101055"/>
+              <a:off x="1148183" y="2101025"/>
               <a:ext cx="248622" cy="81691"/>
             </a:xfrm>
             <a:prstGeom prst="rect">
@@ -35771,7 +35771,7 @@
           </p:nvSpPr>
           <p:spPr>
             <a:xfrm>
-              <a:off x="1148183" y="1629019"/>
+              <a:off x="1148183" y="1629002"/>
               <a:ext cx="248622" cy="81691"/>
             </a:xfrm>
             <a:prstGeom prst="rect">
@@ -35817,7 +35817,7 @@
           </p:nvSpPr>
           <p:spPr>
             <a:xfrm>
-              <a:off x="1424641" y="2614783"/>
+              <a:off x="1424641" y="2614740"/>
               <a:ext cx="34794" cy="0"/>
             </a:xfrm>
             <a:custGeom>
@@ -35857,7 +35857,7 @@
           </p:nvSpPr>
           <p:spPr>
             <a:xfrm>
-              <a:off x="1424641" y="2142747"/>
+              <a:off x="1424641" y="2142717"/>
               <a:ext cx="34794" cy="0"/>
             </a:xfrm>
             <a:custGeom>
@@ -35897,7 +35897,7 @@
           </p:nvSpPr>
           <p:spPr>
             <a:xfrm>
-              <a:off x="1424641" y="1670711"/>
+              <a:off x="1424641" y="1670694"/>
               <a:ext cx="34794" cy="0"/>
             </a:xfrm>
             <a:custGeom>
@@ -35937,7 +35937,7 @@
           </p:nvSpPr>
           <p:spPr>
             <a:xfrm>
-              <a:off x="1210339" y="4498424"/>
+              <a:off x="1210339" y="4498381"/>
               <a:ext cx="186466" cy="81691"/>
             </a:xfrm>
             <a:prstGeom prst="rect">
@@ -35983,7 +35983,7 @@
           </p:nvSpPr>
           <p:spPr>
             <a:xfrm>
-              <a:off x="1148183" y="4026388"/>
+              <a:off x="1148183" y="4026358"/>
               <a:ext cx="248622" cy="81691"/>
             </a:xfrm>
             <a:prstGeom prst="rect">
@@ -36029,7 +36029,7 @@
           </p:nvSpPr>
           <p:spPr>
             <a:xfrm>
-              <a:off x="1148183" y="3554351"/>
+              <a:off x="1148183" y="3554335"/>
               <a:ext cx="248622" cy="81691"/>
             </a:xfrm>
             <a:prstGeom prst="rect">
@@ -36075,7 +36075,7 @@
           </p:nvSpPr>
           <p:spPr>
             <a:xfrm>
-              <a:off x="1424641" y="4540116"/>
+              <a:off x="1424641" y="4540073"/>
               <a:ext cx="34794" cy="0"/>
             </a:xfrm>
             <a:custGeom>
@@ -36115,7 +36115,7 @@
           </p:nvSpPr>
           <p:spPr>
             <a:xfrm>
-              <a:off x="1424641" y="4068080"/>
+              <a:off x="1424641" y="4068050"/>
               <a:ext cx="34794" cy="0"/>
             </a:xfrm>
             <a:custGeom>
@@ -36155,7 +36155,7 @@
           </p:nvSpPr>
           <p:spPr>
             <a:xfrm>
-              <a:off x="1424641" y="3596043"/>
+              <a:off x="1424641" y="3596027"/>
               <a:ext cx="34794" cy="0"/>
             </a:xfrm>
             <a:custGeom>
@@ -36195,7 +36195,7 @@
           </p:nvSpPr>
           <p:spPr>
             <a:xfrm>
-              <a:off x="1210339" y="6423757"/>
+              <a:off x="1210339" y="6423714"/>
               <a:ext cx="186466" cy="81691"/>
             </a:xfrm>
             <a:prstGeom prst="rect">
@@ -36241,7 +36241,7 @@
           </p:nvSpPr>
           <p:spPr>
             <a:xfrm>
-              <a:off x="1148183" y="5951720"/>
+              <a:off x="1148183" y="5951691"/>
               <a:ext cx="248622" cy="81691"/>
             </a:xfrm>
             <a:prstGeom prst="rect">
@@ -36287,7 +36287,7 @@
           </p:nvSpPr>
           <p:spPr>
             <a:xfrm>
-              <a:off x="1148183" y="5479684"/>
+              <a:off x="1148183" y="5479667"/>
               <a:ext cx="248622" cy="81691"/>
             </a:xfrm>
             <a:prstGeom prst="rect">
@@ -36333,7 +36333,7 @@
           </p:nvSpPr>
           <p:spPr>
             <a:xfrm>
-              <a:off x="1424641" y="6465449"/>
+              <a:off x="1424641" y="6465405"/>
               <a:ext cx="34794" cy="0"/>
             </a:xfrm>
             <a:custGeom>
@@ -36373,7 +36373,7 @@
           </p:nvSpPr>
           <p:spPr>
             <a:xfrm>
-              <a:off x="1424641" y="5993412"/>
+              <a:off x="1424641" y="5993382"/>
               <a:ext cx="34794" cy="0"/>
             </a:xfrm>
             <a:custGeom>
@@ -36413,7 +36413,7 @@
           </p:nvSpPr>
           <p:spPr>
             <a:xfrm>
-              <a:off x="1424641" y="5521376"/>
+              <a:off x="1424641" y="5521359"/>
               <a:ext cx="34794" cy="0"/>
             </a:xfrm>
             <a:custGeom>

--- a/Images/Figures_PPT/Jitter_Plot_Raptor_Domain.pptx
+++ b/Images/Figures_PPT/Jitter_Plot_Raptor_Domain.pptx
@@ -2359,7 +2359,7 @@
           </p:nvSpPr>
           <p:spPr>
             <a:xfrm>
-              <a:off x="1459435" y="2850752"/>
+              <a:off x="1459435" y="2850739"/>
               <a:ext cx="2796732" cy="0"/>
             </a:xfrm>
             <a:custGeom>
@@ -2402,7 +2402,7 @@
           </p:nvSpPr>
           <p:spPr>
             <a:xfrm>
-              <a:off x="1459435" y="2378729"/>
+              <a:off x="1459435" y="2378719"/>
               <a:ext cx="2796732" cy="0"/>
             </a:xfrm>
             <a:custGeom>
@@ -2445,7 +2445,7 @@
           </p:nvSpPr>
           <p:spPr>
             <a:xfrm>
-              <a:off x="1459435" y="1906706"/>
+              <a:off x="1459435" y="1906698"/>
               <a:ext cx="2796732" cy="0"/>
             </a:xfrm>
             <a:custGeom>
@@ -2488,7 +2488,7 @@
           </p:nvSpPr>
           <p:spPr>
             <a:xfrm>
-              <a:off x="1459435" y="1434682"/>
+              <a:off x="1459435" y="1434678"/>
               <a:ext cx="2796732" cy="0"/>
             </a:xfrm>
             <a:custGeom>
@@ -2531,7 +2531,7 @@
           </p:nvSpPr>
           <p:spPr>
             <a:xfrm>
-              <a:off x="1459435" y="2614740"/>
+              <a:off x="1459435" y="2614729"/>
               <a:ext cx="2796732" cy="0"/>
             </a:xfrm>
             <a:custGeom>
@@ -2574,7 +2574,7 @@
           </p:nvSpPr>
           <p:spPr>
             <a:xfrm>
-              <a:off x="1459435" y="2142717"/>
+              <a:off x="1459435" y="2142709"/>
               <a:ext cx="2796732" cy="0"/>
             </a:xfrm>
             <a:custGeom>
@@ -2617,7 +2617,7 @@
           </p:nvSpPr>
           <p:spPr>
             <a:xfrm>
-              <a:off x="1459435" y="1670694"/>
+              <a:off x="1459435" y="1670688"/>
               <a:ext cx="2796732" cy="0"/>
             </a:xfrm>
             <a:custGeom>
@@ -2789,7 +2789,7 @@
           </p:nvSpPr>
           <p:spPr>
             <a:xfrm>
-              <a:off x="3656833" y="2744462"/>
+              <a:off x="3811050" y="2744444"/>
               <a:ext cx="63202" cy="63202"/>
             </a:xfrm>
             <a:custGeom>
@@ -2832,7 +2832,7 @@
           </p:nvSpPr>
           <p:spPr>
             <a:xfrm>
-              <a:off x="1725182" y="2736090"/>
+              <a:off x="1730433" y="2736083"/>
               <a:ext cx="63202" cy="63202"/>
             </a:xfrm>
             <a:custGeom>
@@ -2875,7 +2875,7 @@
           </p:nvSpPr>
           <p:spPr>
             <a:xfrm>
-              <a:off x="2289360" y="2681146"/>
+              <a:off x="2241843" y="2681129"/>
               <a:ext cx="63202" cy="63202"/>
             </a:xfrm>
             <a:custGeom>
@@ -2918,7 +2918,7 @@
           </p:nvSpPr>
           <p:spPr>
             <a:xfrm>
-              <a:off x="2624740" y="2846397"/>
+              <a:off x="3135234" y="2846425"/>
               <a:ext cx="63202" cy="63202"/>
             </a:xfrm>
             <a:custGeom>
@@ -2961,7 +2961,7 @@
           </p:nvSpPr>
           <p:spPr>
             <a:xfrm>
-              <a:off x="2049208" y="2759602"/>
+              <a:off x="2135829" y="2759599"/>
               <a:ext cx="63202" cy="63202"/>
             </a:xfrm>
             <a:custGeom>
@@ -3004,7 +3004,7 @@
           </p:nvSpPr>
           <p:spPr>
             <a:xfrm>
-              <a:off x="3162533" y="2845468"/>
+              <a:off x="2727475" y="2845508"/>
               <a:ext cx="63202" cy="63202"/>
             </a:xfrm>
             <a:custGeom>
@@ -3103,7 +3103,7 @@
           </p:nvSpPr>
           <p:spPr>
             <a:xfrm>
-              <a:off x="1459435" y="4776084"/>
+              <a:off x="1459435" y="4776072"/>
               <a:ext cx="2796732" cy="0"/>
             </a:xfrm>
             <a:custGeom>
@@ -3146,7 +3146,7 @@
           </p:nvSpPr>
           <p:spPr>
             <a:xfrm>
-              <a:off x="1459435" y="4304061"/>
+              <a:off x="1459435" y="4304051"/>
               <a:ext cx="2796732" cy="0"/>
             </a:xfrm>
             <a:custGeom>
@@ -3189,7 +3189,7 @@
           </p:nvSpPr>
           <p:spPr>
             <a:xfrm>
-              <a:off x="1459435" y="3832038"/>
+              <a:off x="1459435" y="3832031"/>
               <a:ext cx="2796732" cy="0"/>
             </a:xfrm>
             <a:custGeom>
@@ -3232,7 +3232,7 @@
           </p:nvSpPr>
           <p:spPr>
             <a:xfrm>
-              <a:off x="1459435" y="3360015"/>
+              <a:off x="1459435" y="3360011"/>
               <a:ext cx="2796732" cy="0"/>
             </a:xfrm>
             <a:custGeom>
@@ -3275,7 +3275,7 @@
           </p:nvSpPr>
           <p:spPr>
             <a:xfrm>
-              <a:off x="1459435" y="4540073"/>
+              <a:off x="1459435" y="4540061"/>
               <a:ext cx="2796732" cy="0"/>
             </a:xfrm>
             <a:custGeom>
@@ -3318,7 +3318,7 @@
           </p:nvSpPr>
           <p:spPr>
             <a:xfrm>
-              <a:off x="1459435" y="4068050"/>
+              <a:off x="1459435" y="4068041"/>
               <a:ext cx="2796732" cy="0"/>
             </a:xfrm>
             <a:custGeom>
@@ -3361,7 +3361,7 @@
           </p:nvSpPr>
           <p:spPr>
             <a:xfrm>
-              <a:off x="1459435" y="3596027"/>
+              <a:off x="1459435" y="3596021"/>
               <a:ext cx="2796732" cy="0"/>
             </a:xfrm>
             <a:custGeom>
@@ -3533,7 +3533,7 @@
           </p:nvSpPr>
           <p:spPr>
             <a:xfrm>
-              <a:off x="1771730" y="4162192"/>
+              <a:off x="2120732" y="4162159"/>
               <a:ext cx="63202" cy="63202"/>
             </a:xfrm>
             <a:custGeom>
@@ -3576,7 +3576,7 @@
           </p:nvSpPr>
           <p:spPr>
             <a:xfrm>
-              <a:off x="2241267" y="4506191"/>
+              <a:off x="1706236" y="4506198"/>
               <a:ext cx="63202" cy="63202"/>
             </a:xfrm>
             <a:custGeom>
@@ -3619,7 +3619,7 @@
           </p:nvSpPr>
           <p:spPr>
             <a:xfrm>
-              <a:off x="1984305" y="4162207"/>
+              <a:off x="2154590" y="4162199"/>
               <a:ext cx="63202" cy="63202"/>
             </a:xfrm>
             <a:custGeom>
@@ -3662,7 +3662,7 @@
           </p:nvSpPr>
           <p:spPr>
             <a:xfrm>
-              <a:off x="2156495" y="4355724"/>
+              <a:off x="2008225" y="4355695"/>
               <a:ext cx="63202" cy="63202"/>
             </a:xfrm>
             <a:custGeom>
@@ -3705,7 +3705,7 @@
           </p:nvSpPr>
           <p:spPr>
             <a:xfrm>
-              <a:off x="1911325" y="4258698"/>
+              <a:off x="1868092" y="4258642"/>
               <a:ext cx="63202" cy="63202"/>
             </a:xfrm>
             <a:custGeom>
@@ -3748,7 +3748,7 @@
           </p:nvSpPr>
           <p:spPr>
             <a:xfrm>
-              <a:off x="2733180" y="4806633"/>
+              <a:off x="2653272" y="4806572"/>
               <a:ext cx="63202" cy="63202"/>
             </a:xfrm>
             <a:custGeom>
@@ -3791,7 +3791,7 @@
           </p:nvSpPr>
           <p:spPr>
             <a:xfrm>
-              <a:off x="2066577" y="4354893"/>
+              <a:off x="2004272" y="4354827"/>
               <a:ext cx="63202" cy="63202"/>
             </a:xfrm>
             <a:custGeom>
@@ -3834,7 +3834,7 @@
           </p:nvSpPr>
           <p:spPr>
             <a:xfrm>
-              <a:off x="1899574" y="4421734"/>
+              <a:off x="2244138" y="4421727"/>
               <a:ext cx="63202" cy="63202"/>
             </a:xfrm>
             <a:custGeom>
@@ -3877,7 +3877,7 @@
           </p:nvSpPr>
           <p:spPr>
             <a:xfrm>
-              <a:off x="1814863" y="4520935"/>
+              <a:off x="1815581" y="4520888"/>
               <a:ext cx="63202" cy="63202"/>
             </a:xfrm>
             <a:custGeom>
@@ -3920,7 +3920,7 @@
           </p:nvSpPr>
           <p:spPr>
             <a:xfrm>
-              <a:off x="2599525" y="4726527"/>
+              <a:off x="2482437" y="4726503"/>
               <a:ext cx="63202" cy="63202"/>
             </a:xfrm>
             <a:custGeom>
@@ -3963,7 +3963,7 @@
           </p:nvSpPr>
           <p:spPr>
             <a:xfrm>
-              <a:off x="2796886" y="4704897"/>
+              <a:off x="2770628" y="4704946"/>
               <a:ext cx="63202" cy="63202"/>
             </a:xfrm>
             <a:custGeom>
@@ -4006,7 +4006,7 @@
           </p:nvSpPr>
           <p:spPr>
             <a:xfrm>
-              <a:off x="1631374" y="4599253"/>
+              <a:off x="1622643" y="4599251"/>
               <a:ext cx="63202" cy="63202"/>
             </a:xfrm>
             <a:custGeom>
@@ -4049,7 +4049,7 @@
           </p:nvSpPr>
           <p:spPr>
             <a:xfrm>
-              <a:off x="1903347" y="4449601"/>
+              <a:off x="1742641" y="4449558"/>
               <a:ext cx="63202" cy="63202"/>
             </a:xfrm>
             <a:custGeom>
@@ -4092,7 +4092,7 @@
           </p:nvSpPr>
           <p:spPr>
             <a:xfrm>
-              <a:off x="2510134" y="4701434"/>
+              <a:off x="2627955" y="4701388"/>
               <a:ext cx="63202" cy="63202"/>
             </a:xfrm>
             <a:custGeom>
@@ -4135,7 +4135,7 @@
           </p:nvSpPr>
           <p:spPr>
             <a:xfrm>
-              <a:off x="2595707" y="4765411"/>
+              <a:off x="2674870" y="4765418"/>
               <a:ext cx="63202" cy="63202"/>
             </a:xfrm>
             <a:custGeom>
@@ -4178,7 +4178,7 @@
           </p:nvSpPr>
           <p:spPr>
             <a:xfrm>
-              <a:off x="1945187" y="3937116"/>
+              <a:off x="1706406" y="3937138"/>
               <a:ext cx="63202" cy="63202"/>
             </a:xfrm>
             <a:custGeom>
@@ -4221,7 +4221,7 @@
           </p:nvSpPr>
           <p:spPr>
             <a:xfrm>
-              <a:off x="1988514" y="4656152"/>
+              <a:off x="2095458" y="4656089"/>
               <a:ext cx="63202" cy="63202"/>
             </a:xfrm>
             <a:custGeom>
@@ -4264,7 +4264,7 @@
           </p:nvSpPr>
           <p:spPr>
             <a:xfrm>
-              <a:off x="1799084" y="3973749"/>
+              <a:off x="2145381" y="3973728"/>
               <a:ext cx="63202" cy="63202"/>
             </a:xfrm>
             <a:custGeom>
@@ -4307,7 +4307,7 @@
           </p:nvSpPr>
           <p:spPr>
             <a:xfrm>
-              <a:off x="2084868" y="4474037"/>
+              <a:off x="2094478" y="4473990"/>
               <a:ext cx="63202" cy="63202"/>
             </a:xfrm>
             <a:custGeom>
@@ -4350,7 +4350,7 @@
           </p:nvSpPr>
           <p:spPr>
             <a:xfrm>
-              <a:off x="1972808" y="4552360"/>
+              <a:off x="1734647" y="4552346"/>
               <a:ext cx="63202" cy="63202"/>
             </a:xfrm>
             <a:custGeom>
@@ -4393,7 +4393,7 @@
           </p:nvSpPr>
           <p:spPr>
             <a:xfrm>
-              <a:off x="1783711" y="4519343"/>
+              <a:off x="1723775" y="4519307"/>
               <a:ext cx="63202" cy="63202"/>
             </a:xfrm>
             <a:custGeom>
@@ -4436,7 +4436,7 @@
           </p:nvSpPr>
           <p:spPr>
             <a:xfrm>
-              <a:off x="2901901" y="4789194"/>
+              <a:off x="2915524" y="4789250"/>
               <a:ext cx="63202" cy="63202"/>
             </a:xfrm>
             <a:custGeom>
@@ -4535,7 +4535,7 @@
           </p:nvSpPr>
           <p:spPr>
             <a:xfrm>
-              <a:off x="1459435" y="6701417"/>
+              <a:off x="1459435" y="6701404"/>
               <a:ext cx="2796732" cy="0"/>
             </a:xfrm>
             <a:custGeom>
@@ -4578,7 +4578,7 @@
           </p:nvSpPr>
           <p:spPr>
             <a:xfrm>
-              <a:off x="1459435" y="6229394"/>
+              <a:off x="1459435" y="6229384"/>
               <a:ext cx="2796732" cy="0"/>
             </a:xfrm>
             <a:custGeom>
@@ -4621,7 +4621,7 @@
           </p:nvSpPr>
           <p:spPr>
             <a:xfrm>
-              <a:off x="1459435" y="5757371"/>
+              <a:off x="1459435" y="5757363"/>
               <a:ext cx="2796732" cy="0"/>
             </a:xfrm>
             <a:custGeom>
@@ -4664,7 +4664,7 @@
           </p:nvSpPr>
           <p:spPr>
             <a:xfrm>
-              <a:off x="1459435" y="5285348"/>
+              <a:off x="1459435" y="5285343"/>
               <a:ext cx="2796732" cy="0"/>
             </a:xfrm>
             <a:custGeom>
@@ -4707,7 +4707,7 @@
           </p:nvSpPr>
           <p:spPr>
             <a:xfrm>
-              <a:off x="1459435" y="6465405"/>
+              <a:off x="1459435" y="6465394"/>
               <a:ext cx="2796732" cy="0"/>
             </a:xfrm>
             <a:custGeom>
@@ -4750,7 +4750,7 @@
           </p:nvSpPr>
           <p:spPr>
             <a:xfrm>
-              <a:off x="1459435" y="5993382"/>
+              <a:off x="1459435" y="5993374"/>
               <a:ext cx="2796732" cy="0"/>
             </a:xfrm>
             <a:custGeom>
@@ -4793,7 +4793,7 @@
           </p:nvSpPr>
           <p:spPr>
             <a:xfrm>
-              <a:off x="1459435" y="5521359"/>
+              <a:off x="1459435" y="5521353"/>
               <a:ext cx="2796732" cy="0"/>
             </a:xfrm>
             <a:custGeom>
@@ -4965,7 +4965,7 @@
           </p:nvSpPr>
           <p:spPr>
             <a:xfrm>
-              <a:off x="1809616" y="5625290"/>
+              <a:off x="1700561" y="5625292"/>
               <a:ext cx="63202" cy="63202"/>
             </a:xfrm>
             <a:custGeom>
@@ -5008,7 +5008,7 @@
           </p:nvSpPr>
           <p:spPr>
             <a:xfrm>
-              <a:off x="2253690" y="5620482"/>
+              <a:off x="2069410" y="5620493"/>
               <a:ext cx="63202" cy="63202"/>
             </a:xfrm>
             <a:custGeom>
@@ -5051,7 +5051,7 @@
           </p:nvSpPr>
           <p:spPr>
             <a:xfrm>
-              <a:off x="2276930" y="5617745"/>
+              <a:off x="1781107" y="5617765"/>
               <a:ext cx="63202" cy="63202"/>
             </a:xfrm>
             <a:custGeom>
@@ -5094,7 +5094,7 @@
           </p:nvSpPr>
           <p:spPr>
             <a:xfrm>
-              <a:off x="2230271" y="5794469"/>
+              <a:off x="1962367" y="5794513"/>
               <a:ext cx="63202" cy="63202"/>
             </a:xfrm>
             <a:custGeom>
@@ -5137,7 +5137,7 @@
           </p:nvSpPr>
           <p:spPr>
             <a:xfrm>
-              <a:off x="2100100" y="5922661"/>
+              <a:off x="1847685" y="5922691"/>
               <a:ext cx="63202" cy="63202"/>
             </a:xfrm>
             <a:custGeom>
@@ -5180,7 +5180,7 @@
           </p:nvSpPr>
           <p:spPr>
             <a:xfrm>
-              <a:off x="2023703" y="5859427"/>
+              <a:off x="2138170" y="5859444"/>
               <a:ext cx="63202" cy="63202"/>
             </a:xfrm>
             <a:custGeom>
@@ -5223,7 +5223,7 @@
           </p:nvSpPr>
           <p:spPr>
             <a:xfrm>
-              <a:off x="1706676" y="5766212"/>
+              <a:off x="1667071" y="5766191"/>
               <a:ext cx="63202" cy="63202"/>
             </a:xfrm>
             <a:custGeom>
@@ -5266,7 +5266,7 @@
           </p:nvSpPr>
           <p:spPr>
             <a:xfrm>
-              <a:off x="1773570" y="5743452"/>
+              <a:off x="1798043" y="5743416"/>
               <a:ext cx="63202" cy="63202"/>
             </a:xfrm>
             <a:custGeom>
@@ -5309,7 +5309,7 @@
           </p:nvSpPr>
           <p:spPr>
             <a:xfrm>
-              <a:off x="1795341" y="6356427"/>
+              <a:off x="1657813" y="6356376"/>
               <a:ext cx="63202" cy="63202"/>
             </a:xfrm>
             <a:custGeom>
@@ -5352,7 +5352,7 @@
           </p:nvSpPr>
           <p:spPr>
             <a:xfrm>
-              <a:off x="1775801" y="5766706"/>
+              <a:off x="1718413" y="5766724"/>
               <a:ext cx="63202" cy="63202"/>
             </a:xfrm>
             <a:custGeom>
@@ -5395,7 +5395,7 @@
           </p:nvSpPr>
           <p:spPr>
             <a:xfrm>
-              <a:off x="2225460" y="5900133"/>
+              <a:off x="2248071" y="5900125"/>
               <a:ext cx="63202" cy="63202"/>
             </a:xfrm>
             <a:custGeom>
@@ -5438,7 +5438,7 @@
           </p:nvSpPr>
           <p:spPr>
             <a:xfrm>
-              <a:off x="1841689" y="5942747"/>
+              <a:off x="1885080" y="5942667"/>
               <a:ext cx="63202" cy="63202"/>
             </a:xfrm>
             <a:custGeom>
@@ -5481,7 +5481,7 @@
           </p:nvSpPr>
           <p:spPr>
             <a:xfrm>
-              <a:off x="1786360" y="5748747"/>
+              <a:off x="2220769" y="5748692"/>
               <a:ext cx="63202" cy="63202"/>
             </a:xfrm>
             <a:custGeom>
@@ -5524,7 +5524,7 @@
           </p:nvSpPr>
           <p:spPr>
             <a:xfrm>
-              <a:off x="2229440" y="5845721"/>
+              <a:off x="1934188" y="5845721"/>
               <a:ext cx="63202" cy="63202"/>
             </a:xfrm>
             <a:custGeom>
@@ -5567,7 +5567,7 @@
           </p:nvSpPr>
           <p:spPr>
             <a:xfrm>
-              <a:off x="1680547" y="6201684"/>
+              <a:off x="2215583" y="6201688"/>
               <a:ext cx="63202" cy="63202"/>
             </a:xfrm>
             <a:custGeom>
@@ -5610,7 +5610,7 @@
           </p:nvSpPr>
           <p:spPr>
             <a:xfrm>
-              <a:off x="2155124" y="5865029"/>
+              <a:off x="1642952" y="5864991"/>
               <a:ext cx="63202" cy="63202"/>
             </a:xfrm>
             <a:custGeom>
@@ -5653,7 +5653,7 @@
           </p:nvSpPr>
           <p:spPr>
             <a:xfrm>
-              <a:off x="1872540" y="5764310"/>
+              <a:off x="2283910" y="5764289"/>
               <a:ext cx="63202" cy="63202"/>
             </a:xfrm>
             <a:custGeom>
@@ -5696,7 +5696,7 @@
           </p:nvSpPr>
           <p:spPr>
             <a:xfrm>
-              <a:off x="2202867" y="5854825"/>
+              <a:off x="2063443" y="5854840"/>
               <a:ext cx="63202" cy="63202"/>
             </a:xfrm>
             <a:custGeom>
@@ -5739,7 +5739,7 @@
           </p:nvSpPr>
           <p:spPr>
             <a:xfrm>
-              <a:off x="1672993" y="6401588"/>
+              <a:off x="2186035" y="6401602"/>
               <a:ext cx="63202" cy="63202"/>
             </a:xfrm>
             <a:custGeom>
@@ -5782,7 +5782,7 @@
           </p:nvSpPr>
           <p:spPr>
             <a:xfrm>
-              <a:off x="2253075" y="5861677"/>
+              <a:off x="2218412" y="5861741"/>
               <a:ext cx="63202" cy="63202"/>
             </a:xfrm>
             <a:custGeom>
@@ -5825,7 +5825,7 @@
           </p:nvSpPr>
           <p:spPr>
             <a:xfrm>
-              <a:off x="1619352" y="5907705"/>
+              <a:off x="1984828" y="5907668"/>
               <a:ext cx="63202" cy="63202"/>
             </a:xfrm>
             <a:custGeom>
@@ -5868,7 +5868,7 @@
           </p:nvSpPr>
           <p:spPr>
             <a:xfrm>
-              <a:off x="1799605" y="6189097"/>
+              <a:off x="2227946" y="6189126"/>
               <a:ext cx="63202" cy="63202"/>
             </a:xfrm>
             <a:custGeom>
@@ -5911,7 +5911,7 @@
           </p:nvSpPr>
           <p:spPr>
             <a:xfrm>
-              <a:off x="1838798" y="5729555"/>
+              <a:off x="1903613" y="5729546"/>
               <a:ext cx="63202" cy="63202"/>
             </a:xfrm>
             <a:custGeom>
@@ -5954,7 +5954,7 @@
           </p:nvSpPr>
           <p:spPr>
             <a:xfrm>
-              <a:off x="2195255" y="5706572"/>
+              <a:off x="1937207" y="5706570"/>
               <a:ext cx="63202" cy="63202"/>
             </a:xfrm>
             <a:custGeom>
@@ -5997,7 +5997,7 @@
           </p:nvSpPr>
           <p:spPr>
             <a:xfrm>
-              <a:off x="1701149" y="6424613"/>
+              <a:off x="1725972" y="6424612"/>
               <a:ext cx="63202" cy="63202"/>
             </a:xfrm>
             <a:custGeom>
@@ -6040,7 +6040,7 @@
           </p:nvSpPr>
           <p:spPr>
             <a:xfrm>
-              <a:off x="1780187" y="6441957"/>
+              <a:off x="2065637" y="6441898"/>
               <a:ext cx="63202" cy="63202"/>
             </a:xfrm>
             <a:custGeom>
@@ -6083,7 +6083,7 @@
           </p:nvSpPr>
           <p:spPr>
             <a:xfrm>
-              <a:off x="1754515" y="6570616"/>
+              <a:off x="2240676" y="6570555"/>
               <a:ext cx="63202" cy="63202"/>
             </a:xfrm>
             <a:custGeom>
@@ -6126,7 +6126,7 @@
           </p:nvSpPr>
           <p:spPr>
             <a:xfrm>
-              <a:off x="2245550" y="5917011"/>
+              <a:off x="1877930" y="5917004"/>
               <a:ext cx="63202" cy="63202"/>
             </a:xfrm>
             <a:custGeom>
@@ -6169,7 +6169,7 @@
           </p:nvSpPr>
           <p:spPr>
             <a:xfrm>
-              <a:off x="1841855" y="5876699"/>
+              <a:off x="2126213" y="5876707"/>
               <a:ext cx="63202" cy="63202"/>
             </a:xfrm>
             <a:custGeom>
@@ -6212,7 +6212,7 @@
           </p:nvSpPr>
           <p:spPr>
             <a:xfrm>
-              <a:off x="2019619" y="6264743"/>
+              <a:off x="2071596" y="6264717"/>
               <a:ext cx="63202" cy="63202"/>
             </a:xfrm>
             <a:custGeom>
@@ -6255,7 +6255,7 @@
           </p:nvSpPr>
           <p:spPr>
             <a:xfrm>
-              <a:off x="2178277" y="5875610"/>
+              <a:off x="1628785" y="5875552"/>
               <a:ext cx="63202" cy="63202"/>
             </a:xfrm>
             <a:custGeom>
@@ -6298,7 +6298,7 @@
           </p:nvSpPr>
           <p:spPr>
             <a:xfrm>
-              <a:off x="1753867" y="6237368"/>
+              <a:off x="2068361" y="6237338"/>
               <a:ext cx="63202" cy="63202"/>
             </a:xfrm>
             <a:custGeom>
@@ -6341,7 +6341,7 @@
           </p:nvSpPr>
           <p:spPr>
             <a:xfrm>
-              <a:off x="2096640" y="6232033"/>
+              <a:off x="1634002" y="6232058"/>
               <a:ext cx="63202" cy="63202"/>
             </a:xfrm>
             <a:custGeom>
@@ -6384,7 +6384,7 @@
           </p:nvSpPr>
           <p:spPr>
             <a:xfrm>
-              <a:off x="2175836" y="5991249"/>
+              <a:off x="1603251" y="5991199"/>
               <a:ext cx="63202" cy="63202"/>
             </a:xfrm>
             <a:custGeom>
@@ -6427,7 +6427,7 @@
           </p:nvSpPr>
           <p:spPr>
             <a:xfrm>
-              <a:off x="2178463" y="5885035"/>
+              <a:off x="1778318" y="5885019"/>
               <a:ext cx="63202" cy="63202"/>
             </a:xfrm>
             <a:custGeom>
@@ -6470,7 +6470,7 @@
           </p:nvSpPr>
           <p:spPr>
             <a:xfrm>
-              <a:off x="1698212" y="6061319"/>
+              <a:off x="1762965" y="6061292"/>
               <a:ext cx="63202" cy="63202"/>
             </a:xfrm>
             <a:custGeom>
@@ -6513,7 +6513,7 @@
           </p:nvSpPr>
           <p:spPr>
             <a:xfrm>
-              <a:off x="2248310" y="6607792"/>
+              <a:off x="1850970" y="6607804"/>
               <a:ext cx="63202" cy="63202"/>
             </a:xfrm>
             <a:custGeom>
@@ -6556,7 +6556,7 @@
           </p:nvSpPr>
           <p:spPr>
             <a:xfrm>
-              <a:off x="1834438" y="6052423"/>
+              <a:off x="2258478" y="6052420"/>
               <a:ext cx="63202" cy="63202"/>
             </a:xfrm>
             <a:custGeom>
@@ -6599,7 +6599,7 @@
           </p:nvSpPr>
           <p:spPr>
             <a:xfrm>
-              <a:off x="1683600" y="6268610"/>
+              <a:off x="1947634" y="6268566"/>
               <a:ext cx="63202" cy="63202"/>
             </a:xfrm>
             <a:custGeom>
@@ -6642,7 +6642,7 @@
           </p:nvSpPr>
           <p:spPr>
             <a:xfrm>
-              <a:off x="1707927" y="5679925"/>
+              <a:off x="2147245" y="5679880"/>
               <a:ext cx="63202" cy="63202"/>
             </a:xfrm>
             <a:custGeom>
@@ -6685,7 +6685,7 @@
           </p:nvSpPr>
           <p:spPr>
             <a:xfrm>
-              <a:off x="1902832" y="5849337"/>
+              <a:off x="1741764" y="5849360"/>
               <a:ext cx="63202" cy="63202"/>
             </a:xfrm>
             <a:custGeom>
@@ -6728,7 +6728,7 @@
           </p:nvSpPr>
           <p:spPr>
             <a:xfrm>
-              <a:off x="1613927" y="5968027"/>
+              <a:off x="2184464" y="5967975"/>
               <a:ext cx="63202" cy="63202"/>
             </a:xfrm>
             <a:custGeom>
@@ -6771,7 +6771,7 @@
           </p:nvSpPr>
           <p:spPr>
             <a:xfrm>
-              <a:off x="1608512" y="5861961"/>
+              <a:off x="1746650" y="5862001"/>
               <a:ext cx="63202" cy="63202"/>
             </a:xfrm>
             <a:custGeom>
@@ -6814,7 +6814,7 @@
           </p:nvSpPr>
           <p:spPr>
             <a:xfrm>
-              <a:off x="1628530" y="5625155"/>
+              <a:off x="1815773" y="5625122"/>
               <a:ext cx="63202" cy="63202"/>
             </a:xfrm>
             <a:custGeom>
@@ -6857,7 +6857,7 @@
           </p:nvSpPr>
           <p:spPr>
             <a:xfrm>
-              <a:off x="2153652" y="6409994"/>
+              <a:off x="2224787" y="6409984"/>
               <a:ext cx="63202" cy="63202"/>
             </a:xfrm>
             <a:custGeom>
@@ -6900,7 +6900,7 @@
           </p:nvSpPr>
           <p:spPr>
             <a:xfrm>
-              <a:off x="2110510" y="5911753"/>
+              <a:off x="2146187" y="5911742"/>
               <a:ext cx="63202" cy="63202"/>
             </a:xfrm>
             <a:custGeom>
@@ -6943,7 +6943,7 @@
           </p:nvSpPr>
           <p:spPr>
             <a:xfrm>
-              <a:off x="2245548" y="5968164"/>
+              <a:off x="1726405" y="5968191"/>
               <a:ext cx="63202" cy="63202"/>
             </a:xfrm>
             <a:custGeom>
@@ -6986,7 +6986,7 @@
           </p:nvSpPr>
           <p:spPr>
             <a:xfrm>
-              <a:off x="2068203" y="5611599"/>
+              <a:off x="2055180" y="5611658"/>
               <a:ext cx="63202" cy="63202"/>
             </a:xfrm>
             <a:custGeom>
@@ -7029,7 +7029,7 @@
           </p:nvSpPr>
           <p:spPr>
             <a:xfrm>
-              <a:off x="1644533" y="6256995"/>
+              <a:off x="2194377" y="6256946"/>
               <a:ext cx="63202" cy="63202"/>
             </a:xfrm>
             <a:custGeom>
@@ -7072,7 +7072,7 @@
           </p:nvSpPr>
           <p:spPr>
             <a:xfrm>
-              <a:off x="2078901" y="5861604"/>
+              <a:off x="1814899" y="5861607"/>
               <a:ext cx="63202" cy="63202"/>
             </a:xfrm>
             <a:custGeom>
@@ -7115,7 +7115,7 @@
           </p:nvSpPr>
           <p:spPr>
             <a:xfrm>
-              <a:off x="2498341" y="6641430"/>
+              <a:off x="3032476" y="6641401"/>
               <a:ext cx="63202" cy="63202"/>
             </a:xfrm>
             <a:custGeom>
@@ -7158,7 +7158,7 @@
           </p:nvSpPr>
           <p:spPr>
             <a:xfrm>
-              <a:off x="1633627" y="5681555"/>
+              <a:off x="2043981" y="5681616"/>
               <a:ext cx="63202" cy="63202"/>
             </a:xfrm>
             <a:custGeom>
@@ -7201,7 +7201,7 @@
           </p:nvSpPr>
           <p:spPr>
             <a:xfrm>
-              <a:off x="1781487" y="5942803"/>
+              <a:off x="2224887" y="5942824"/>
               <a:ext cx="63202" cy="63202"/>
             </a:xfrm>
             <a:custGeom>
@@ -7244,7 +7244,7 @@
           </p:nvSpPr>
           <p:spPr>
             <a:xfrm>
-              <a:off x="2184853" y="5712065"/>
+              <a:off x="2192585" y="5712047"/>
               <a:ext cx="63202" cy="63202"/>
             </a:xfrm>
             <a:custGeom>
@@ -7287,7 +7287,7 @@
           </p:nvSpPr>
           <p:spPr>
             <a:xfrm>
-              <a:off x="1737454" y="5849372"/>
+              <a:off x="1787751" y="5849368"/>
               <a:ext cx="63202" cy="63202"/>
             </a:xfrm>
             <a:custGeom>
@@ -7330,7 +7330,7 @@
           </p:nvSpPr>
           <p:spPr>
             <a:xfrm>
-              <a:off x="2984247" y="6672759"/>
+              <a:off x="2809864" y="6672757"/>
               <a:ext cx="63202" cy="63202"/>
             </a:xfrm>
             <a:custGeom>
@@ -7373,7 +7373,7 @@
           </p:nvSpPr>
           <p:spPr>
             <a:xfrm>
-              <a:off x="2232951" y="5619495"/>
+              <a:off x="1724126" y="5619474"/>
               <a:ext cx="63202" cy="63202"/>
             </a:xfrm>
             <a:custGeom>
@@ -7416,7 +7416,7 @@
           </p:nvSpPr>
           <p:spPr>
             <a:xfrm>
-              <a:off x="2203146" y="5618896"/>
+              <a:off x="1910696" y="5618864"/>
               <a:ext cx="63202" cy="63202"/>
             </a:xfrm>
             <a:custGeom>
@@ -7459,7 +7459,7 @@
           </p:nvSpPr>
           <p:spPr>
             <a:xfrm>
-              <a:off x="2005747" y="5620806"/>
+              <a:off x="2066031" y="5620790"/>
               <a:ext cx="63202" cy="63202"/>
             </a:xfrm>
             <a:custGeom>
@@ -7502,7 +7502,7 @@
           </p:nvSpPr>
           <p:spPr>
             <a:xfrm>
-              <a:off x="1948708" y="5620105"/>
+              <a:off x="1883785" y="5620134"/>
               <a:ext cx="63202" cy="63202"/>
             </a:xfrm>
             <a:custGeom>
@@ -7545,7 +7545,7 @@
           </p:nvSpPr>
           <p:spPr>
             <a:xfrm>
-              <a:off x="2035797" y="5617670"/>
+              <a:off x="2248030" y="5617697"/>
               <a:ext cx="63202" cy="63202"/>
             </a:xfrm>
             <a:custGeom>
@@ -7588,7 +7588,7 @@
           </p:nvSpPr>
           <p:spPr>
             <a:xfrm>
-              <a:off x="2055012" y="6071741"/>
+              <a:off x="1610098" y="6071785"/>
               <a:ext cx="63202" cy="63202"/>
             </a:xfrm>
             <a:custGeom>
@@ -7631,7 +7631,7 @@
           </p:nvSpPr>
           <p:spPr>
             <a:xfrm>
-              <a:off x="1684474" y="5790463"/>
+              <a:off x="2234832" y="5790397"/>
               <a:ext cx="63202" cy="63202"/>
             </a:xfrm>
             <a:custGeom>
@@ -7674,7 +7674,7 @@
           </p:nvSpPr>
           <p:spPr>
             <a:xfrm>
-              <a:off x="1802026" y="6568062"/>
+              <a:off x="2089674" y="6568067"/>
               <a:ext cx="63202" cy="63202"/>
             </a:xfrm>
             <a:custGeom>
@@ -7717,7 +7717,7 @@
           </p:nvSpPr>
           <p:spPr>
             <a:xfrm>
-              <a:off x="2601281" y="6672771"/>
+              <a:off x="2947494" y="6672746"/>
               <a:ext cx="63202" cy="63202"/>
             </a:xfrm>
             <a:custGeom>
@@ -7760,7 +7760,7 @@
           </p:nvSpPr>
           <p:spPr>
             <a:xfrm>
-              <a:off x="1902958" y="5626517"/>
+              <a:off x="1992593" y="5626570"/>
               <a:ext cx="63202" cy="63202"/>
             </a:xfrm>
             <a:custGeom>
@@ -7803,7 +7803,7 @@
           </p:nvSpPr>
           <p:spPr>
             <a:xfrm>
-              <a:off x="2093435" y="5668116"/>
+              <a:off x="2133997" y="5668097"/>
               <a:ext cx="63202" cy="63202"/>
             </a:xfrm>
             <a:custGeom>
@@ -7846,7 +7846,7 @@
           </p:nvSpPr>
           <p:spPr>
             <a:xfrm>
-              <a:off x="1997741" y="6370100"/>
+              <a:off x="1880627" y="6370054"/>
               <a:ext cx="63202" cy="63202"/>
             </a:xfrm>
             <a:custGeom>
@@ -7889,7 +7889,7 @@
           </p:nvSpPr>
           <p:spPr>
             <a:xfrm>
-              <a:off x="1760897" y="5692189"/>
+              <a:off x="2118675" y="5692191"/>
               <a:ext cx="63202" cy="63202"/>
             </a:xfrm>
             <a:custGeom>
@@ -7932,7 +7932,7 @@
           </p:nvSpPr>
           <p:spPr>
             <a:xfrm>
-              <a:off x="2295325" y="5840288"/>
+              <a:off x="1718681" y="5840274"/>
               <a:ext cx="63202" cy="63202"/>
             </a:xfrm>
             <a:custGeom>
@@ -7975,7 +7975,7 @@
           </p:nvSpPr>
           <p:spPr>
             <a:xfrm>
-              <a:off x="1713499" y="6342248"/>
+              <a:off x="2271024" y="6342221"/>
               <a:ext cx="63202" cy="63202"/>
             </a:xfrm>
             <a:custGeom>
@@ -8018,7 +8018,7 @@
           </p:nvSpPr>
           <p:spPr>
             <a:xfrm>
-              <a:off x="1959185" y="6386287"/>
+              <a:off x="2078822" y="6386285"/>
               <a:ext cx="63202" cy="63202"/>
             </a:xfrm>
             <a:custGeom>
@@ -8061,7 +8061,7 @@
           </p:nvSpPr>
           <p:spPr>
             <a:xfrm>
-              <a:off x="2732946" y="6729934"/>
+              <a:off x="2954655" y="6729956"/>
               <a:ext cx="63202" cy="63202"/>
             </a:xfrm>
             <a:custGeom>
@@ -8104,7 +8104,7 @@
           </p:nvSpPr>
           <p:spPr>
             <a:xfrm>
-              <a:off x="2141497" y="5610000"/>
+              <a:off x="1604821" y="5610042"/>
               <a:ext cx="63202" cy="63202"/>
             </a:xfrm>
             <a:custGeom>
@@ -8147,7 +8147,7 @@
           </p:nvSpPr>
           <p:spPr>
             <a:xfrm>
-              <a:off x="2005828" y="5613394"/>
+              <a:off x="1939239" y="5613437"/>
               <a:ext cx="63202" cy="63202"/>
             </a:xfrm>
             <a:custGeom>
@@ -8190,7 +8190,7 @@
           </p:nvSpPr>
           <p:spPr>
             <a:xfrm>
-              <a:off x="1750070" y="5611260"/>
+              <a:off x="1743655" y="5611253"/>
               <a:ext cx="63202" cy="63202"/>
             </a:xfrm>
             <a:custGeom>
@@ -8233,7 +8233,7 @@
           </p:nvSpPr>
           <p:spPr>
             <a:xfrm>
-              <a:off x="2081580" y="5713331"/>
+              <a:off x="1603472" y="5713308"/>
               <a:ext cx="63202" cy="63202"/>
             </a:xfrm>
             <a:custGeom>
@@ -8276,7 +8276,7 @@
           </p:nvSpPr>
           <p:spPr>
             <a:xfrm>
-              <a:off x="1747392" y="6042796"/>
+              <a:off x="1917130" y="6042772"/>
               <a:ext cx="63202" cy="63202"/>
             </a:xfrm>
             <a:custGeom>
@@ -8319,7 +8319,7 @@
           </p:nvSpPr>
           <p:spPr>
             <a:xfrm>
-              <a:off x="2182214" y="5610408"/>
+              <a:off x="2099504" y="5610428"/>
               <a:ext cx="63202" cy="63202"/>
             </a:xfrm>
             <a:custGeom>
@@ -8362,7 +8362,7 @@
           </p:nvSpPr>
           <p:spPr>
             <a:xfrm>
-              <a:off x="1964127" y="6074977"/>
+              <a:off x="1707357" y="6074982"/>
               <a:ext cx="63202" cy="63202"/>
             </a:xfrm>
             <a:custGeom>
@@ -8405,7 +8405,7 @@
           </p:nvSpPr>
           <p:spPr>
             <a:xfrm>
-              <a:off x="1982815" y="6057035"/>
+              <a:off x="1757769" y="6057039"/>
               <a:ext cx="63202" cy="63202"/>
             </a:xfrm>
             <a:custGeom>
@@ -8448,7 +8448,7 @@
           </p:nvSpPr>
           <p:spPr>
             <a:xfrm>
-              <a:off x="1669956" y="5610866"/>
+              <a:off x="1768993" y="5610866"/>
               <a:ext cx="63202" cy="63202"/>
             </a:xfrm>
             <a:custGeom>
@@ -8491,7 +8491,7 @@
           </p:nvSpPr>
           <p:spPr>
             <a:xfrm>
-              <a:off x="1775272" y="5614632"/>
+              <a:off x="2041422" y="5614643"/>
               <a:ext cx="63202" cy="63202"/>
             </a:xfrm>
             <a:custGeom>
@@ -8534,7 +8534,7 @@
           </p:nvSpPr>
           <p:spPr>
             <a:xfrm>
-              <a:off x="1705781" y="5610958"/>
+              <a:off x="2271639" y="5610970"/>
               <a:ext cx="63202" cy="63202"/>
             </a:xfrm>
             <a:custGeom>
@@ -8577,7 +8577,7 @@
           </p:nvSpPr>
           <p:spPr>
             <a:xfrm>
-              <a:off x="1923590" y="6228318"/>
+              <a:off x="1978275" y="6228287"/>
               <a:ext cx="63202" cy="63202"/>
             </a:xfrm>
             <a:custGeom>
@@ -8620,7 +8620,7 @@
           </p:nvSpPr>
           <p:spPr>
             <a:xfrm>
-              <a:off x="1735884" y="5847923"/>
+              <a:off x="2141860" y="5847940"/>
               <a:ext cx="63202" cy="63202"/>
             </a:xfrm>
             <a:custGeom>
@@ -8663,7 +8663,7 @@
           </p:nvSpPr>
           <p:spPr>
             <a:xfrm>
-              <a:off x="1893385" y="5876713"/>
+              <a:off x="1766894" y="5876689"/>
               <a:ext cx="63202" cy="63202"/>
             </a:xfrm>
             <a:custGeom>
@@ -8706,7 +8706,7 @@
           </p:nvSpPr>
           <p:spPr>
             <a:xfrm>
-              <a:off x="1633782" y="6612421"/>
+              <a:off x="1947825" y="6612379"/>
               <a:ext cx="63202" cy="63202"/>
             </a:xfrm>
             <a:custGeom>
@@ -8749,7 +8749,7 @@
           </p:nvSpPr>
           <p:spPr>
             <a:xfrm>
-              <a:off x="2045352" y="5605150"/>
+              <a:off x="1757823" y="5605139"/>
               <a:ext cx="63202" cy="63202"/>
             </a:xfrm>
             <a:custGeom>
@@ -8792,7 +8792,7 @@
           </p:nvSpPr>
           <p:spPr>
             <a:xfrm>
-              <a:off x="1865449" y="5603771"/>
+              <a:off x="1653841" y="5603788"/>
               <a:ext cx="63202" cy="63202"/>
             </a:xfrm>
             <a:custGeom>
@@ -8835,7 +8835,7 @@
           </p:nvSpPr>
           <p:spPr>
             <a:xfrm>
-              <a:off x="1747372" y="6110907"/>
+              <a:off x="1803447" y="6110922"/>
               <a:ext cx="63202" cy="63202"/>
             </a:xfrm>
             <a:custGeom>
@@ -8878,7 +8878,7 @@
           </p:nvSpPr>
           <p:spPr>
             <a:xfrm>
-              <a:off x="1719544" y="6009396"/>
+              <a:off x="1819211" y="6009381"/>
               <a:ext cx="63202" cy="63202"/>
             </a:xfrm>
             <a:custGeom>
@@ -8921,7 +8921,7 @@
           </p:nvSpPr>
           <p:spPr>
             <a:xfrm>
-              <a:off x="1613036" y="6077715"/>
+              <a:off x="2205003" y="6077730"/>
               <a:ext cx="63202" cy="63202"/>
             </a:xfrm>
             <a:custGeom>
@@ -8964,7 +8964,7 @@
           </p:nvSpPr>
           <p:spPr>
             <a:xfrm>
-              <a:off x="1981163" y="5872557"/>
+              <a:off x="1612972" y="5872551"/>
               <a:ext cx="63202" cy="63202"/>
             </a:xfrm>
             <a:custGeom>
@@ -9007,7 +9007,7 @@
           </p:nvSpPr>
           <p:spPr>
             <a:xfrm>
-              <a:off x="1910325" y="5859088"/>
+              <a:off x="1789639" y="5859058"/>
               <a:ext cx="63202" cy="63202"/>
             </a:xfrm>
             <a:custGeom>
@@ -9050,7 +9050,7 @@
           </p:nvSpPr>
           <p:spPr>
             <a:xfrm>
-              <a:off x="2120565" y="5839456"/>
+              <a:off x="1603171" y="5839461"/>
               <a:ext cx="63202" cy="63202"/>
             </a:xfrm>
             <a:custGeom>
@@ -9093,7 +9093,7 @@
           </p:nvSpPr>
           <p:spPr>
             <a:xfrm>
-              <a:off x="1920020" y="5844849"/>
+              <a:off x="1939816" y="5844824"/>
               <a:ext cx="63202" cy="63202"/>
             </a:xfrm>
             <a:custGeom>
@@ -9136,7 +9136,7 @@
           </p:nvSpPr>
           <p:spPr>
             <a:xfrm>
-              <a:off x="1622236" y="5846686"/>
+              <a:off x="1916254" y="5846724"/>
               <a:ext cx="63202" cy="63202"/>
             </a:xfrm>
             <a:custGeom>
@@ -9179,7 +9179,7 @@
           </p:nvSpPr>
           <p:spPr>
             <a:xfrm>
-              <a:off x="2120679" y="5831019"/>
+              <a:off x="2038968" y="5831057"/>
               <a:ext cx="63202" cy="63202"/>
             </a:xfrm>
             <a:custGeom>
@@ -9222,7 +9222,7 @@
           </p:nvSpPr>
           <p:spPr>
             <a:xfrm>
-              <a:off x="2259751" y="5782947"/>
+              <a:off x="1756445" y="5782958"/>
               <a:ext cx="63202" cy="63202"/>
             </a:xfrm>
             <a:custGeom>
@@ -9265,7 +9265,7 @@
           </p:nvSpPr>
           <p:spPr>
             <a:xfrm>
-              <a:off x="2291040" y="5872543"/>
+              <a:off x="2110617" y="5872570"/>
               <a:ext cx="63202" cy="63202"/>
             </a:xfrm>
             <a:custGeom>
@@ -9308,7 +9308,7 @@
           </p:nvSpPr>
           <p:spPr>
             <a:xfrm>
-              <a:off x="2019674" y="6325634"/>
+              <a:off x="2233085" y="6325604"/>
               <a:ext cx="63202" cy="63202"/>
             </a:xfrm>
             <a:custGeom>
@@ -9351,7 +9351,7 @@
           </p:nvSpPr>
           <p:spPr>
             <a:xfrm>
-              <a:off x="1775979" y="6516342"/>
+              <a:off x="2277436" y="6516285"/>
               <a:ext cx="63202" cy="63202"/>
             </a:xfrm>
             <a:custGeom>
@@ -9394,7 +9394,7 @@
           </p:nvSpPr>
           <p:spPr>
             <a:xfrm>
-              <a:off x="1845233" y="6327945"/>
+              <a:off x="2174502" y="6327968"/>
               <a:ext cx="63202" cy="63202"/>
             </a:xfrm>
             <a:custGeom>
@@ -9437,7 +9437,7 @@
           </p:nvSpPr>
           <p:spPr>
             <a:xfrm>
-              <a:off x="1741711" y="6367710"/>
+              <a:off x="2150313" y="6367731"/>
               <a:ext cx="63202" cy="63202"/>
             </a:xfrm>
             <a:custGeom>
@@ -9480,7 +9480,7 @@
           </p:nvSpPr>
           <p:spPr>
             <a:xfrm>
-              <a:off x="1698204" y="6529717"/>
+              <a:off x="1683192" y="6529726"/>
               <a:ext cx="63202" cy="63202"/>
             </a:xfrm>
             <a:custGeom>
@@ -9523,7 +9523,7 @@
           </p:nvSpPr>
           <p:spPr>
             <a:xfrm>
-              <a:off x="2246554" y="5599635"/>
+              <a:off x="1816016" y="5599661"/>
               <a:ext cx="63202" cy="63202"/>
             </a:xfrm>
             <a:custGeom>
@@ -9566,7 +9566,7 @@
           </p:nvSpPr>
           <p:spPr>
             <a:xfrm>
-              <a:off x="2174212" y="6376842"/>
+              <a:off x="1664610" y="6376852"/>
               <a:ext cx="63202" cy="63202"/>
             </a:xfrm>
             <a:custGeom>
@@ -9609,7 +9609,7 @@
           </p:nvSpPr>
           <p:spPr>
             <a:xfrm>
-              <a:off x="2249741" y="5940846"/>
+              <a:off x="2300073" y="5940834"/>
               <a:ext cx="63202" cy="63202"/>
             </a:xfrm>
             <a:custGeom>
@@ -9652,7 +9652,7 @@
           </p:nvSpPr>
           <p:spPr>
             <a:xfrm>
-              <a:off x="1993119" y="5614975"/>
+              <a:off x="1772271" y="5614927"/>
               <a:ext cx="63202" cy="63202"/>
             </a:xfrm>
             <a:custGeom>
@@ -9695,7 +9695,7 @@
           </p:nvSpPr>
           <p:spPr>
             <a:xfrm>
-              <a:off x="1880227" y="5619562"/>
+              <a:off x="1676420" y="5619550"/>
               <a:ext cx="63202" cy="63202"/>
             </a:xfrm>
             <a:custGeom>
@@ -9738,7 +9738,7 @@
           </p:nvSpPr>
           <p:spPr>
             <a:xfrm>
-              <a:off x="1917643" y="5623460"/>
+              <a:off x="2190857" y="5623437"/>
               <a:ext cx="63202" cy="63202"/>
             </a:xfrm>
             <a:custGeom>
@@ -9781,7 +9781,7 @@
           </p:nvSpPr>
           <p:spPr>
             <a:xfrm>
-              <a:off x="1655879" y="5622147"/>
+              <a:off x="2042005" y="5622142"/>
               <a:ext cx="63202" cy="63202"/>
             </a:xfrm>
             <a:custGeom>
@@ -9824,7 +9824,7 @@
           </p:nvSpPr>
           <p:spPr>
             <a:xfrm>
-              <a:off x="1802339" y="5612747"/>
+              <a:off x="2115412" y="5612756"/>
               <a:ext cx="63202" cy="63202"/>
             </a:xfrm>
             <a:custGeom>
@@ -9867,7 +9867,7 @@
           </p:nvSpPr>
           <p:spPr>
             <a:xfrm>
-              <a:off x="1766512" y="6371086"/>
+              <a:off x="1794506" y="6371137"/>
               <a:ext cx="63202" cy="63202"/>
             </a:xfrm>
             <a:custGeom>
@@ -9910,7 +9910,7 @@
           </p:nvSpPr>
           <p:spPr>
             <a:xfrm>
-              <a:off x="1984529" y="6152730"/>
+              <a:off x="1700449" y="6152789"/>
               <a:ext cx="63202" cy="63202"/>
             </a:xfrm>
             <a:custGeom>
@@ -9953,7 +9953,7 @@
           </p:nvSpPr>
           <p:spPr>
             <a:xfrm>
-              <a:off x="1842944" y="5606226"/>
+              <a:off x="2261586" y="5606229"/>
               <a:ext cx="63202" cy="63202"/>
             </a:xfrm>
             <a:custGeom>
@@ -9996,7 +9996,7 @@
           </p:nvSpPr>
           <p:spPr>
             <a:xfrm>
-              <a:off x="1983931" y="5868142"/>
+              <a:off x="1951219" y="5868150"/>
               <a:ext cx="63202" cy="63202"/>
             </a:xfrm>
             <a:custGeom>
@@ -10095,7 +10095,7 @@
           </p:nvSpPr>
           <p:spPr>
             <a:xfrm>
-              <a:off x="4325757" y="2850752"/>
+              <a:off x="4325757" y="2850739"/>
               <a:ext cx="2796732" cy="0"/>
             </a:xfrm>
             <a:custGeom>
@@ -10138,7 +10138,7 @@
           </p:nvSpPr>
           <p:spPr>
             <a:xfrm>
-              <a:off x="4325757" y="2378729"/>
+              <a:off x="4325757" y="2378719"/>
               <a:ext cx="2796732" cy="0"/>
             </a:xfrm>
             <a:custGeom>
@@ -10181,7 +10181,7 @@
           </p:nvSpPr>
           <p:spPr>
             <a:xfrm>
-              <a:off x="4325757" y="1906706"/>
+              <a:off x="4325757" y="1906698"/>
               <a:ext cx="2796732" cy="0"/>
             </a:xfrm>
             <a:custGeom>
@@ -10224,7 +10224,7 @@
           </p:nvSpPr>
           <p:spPr>
             <a:xfrm>
-              <a:off x="4325757" y="1434682"/>
+              <a:off x="4325757" y="1434678"/>
               <a:ext cx="2796732" cy="0"/>
             </a:xfrm>
             <a:custGeom>
@@ -10267,7 +10267,7 @@
           </p:nvSpPr>
           <p:spPr>
             <a:xfrm>
-              <a:off x="4325757" y="2614740"/>
+              <a:off x="4325757" y="2614729"/>
               <a:ext cx="2796732" cy="0"/>
             </a:xfrm>
             <a:custGeom>
@@ -10310,7 +10310,7 @@
           </p:nvSpPr>
           <p:spPr>
             <a:xfrm>
-              <a:off x="4325757" y="2142717"/>
+              <a:off x="4325757" y="2142709"/>
               <a:ext cx="2796732" cy="0"/>
             </a:xfrm>
             <a:custGeom>
@@ -10353,7 +10353,7 @@
           </p:nvSpPr>
           <p:spPr>
             <a:xfrm>
-              <a:off x="4325757" y="1670694"/>
+              <a:off x="4325757" y="1670688"/>
               <a:ext cx="2796732" cy="0"/>
             </a:xfrm>
             <a:custGeom>
@@ -10525,7 +10525,7 @@
           </p:nvSpPr>
           <p:spPr>
             <a:xfrm>
-              <a:off x="5122728" y="2111031"/>
+              <a:off x="4863797" y="2111047"/>
               <a:ext cx="63202" cy="63202"/>
             </a:xfrm>
             <a:custGeom>
@@ -10568,7 +10568,7 @@
           </p:nvSpPr>
           <p:spPr>
             <a:xfrm>
-              <a:off x="5008601" y="1890216"/>
+              <a:off x="4974436" y="1890192"/>
               <a:ext cx="63202" cy="63202"/>
             </a:xfrm>
             <a:custGeom>
@@ -10611,7 +10611,7 @@
           </p:nvSpPr>
           <p:spPr>
             <a:xfrm>
-              <a:off x="4573871" y="1811408"/>
+              <a:off x="4866598" y="1811338"/>
               <a:ext cx="63202" cy="63202"/>
             </a:xfrm>
             <a:custGeom>
@@ -10654,7 +10654,7 @@
           </p:nvSpPr>
           <p:spPr>
             <a:xfrm>
-              <a:off x="4593259" y="1904358"/>
+              <a:off x="4863295" y="1904365"/>
               <a:ext cx="63202" cy="63202"/>
             </a:xfrm>
             <a:custGeom>
@@ -10697,7 +10697,7 @@
           </p:nvSpPr>
           <p:spPr>
             <a:xfrm>
-              <a:off x="5022079" y="1948019"/>
+              <a:off x="4602304" y="1947983"/>
               <a:ext cx="63202" cy="63202"/>
             </a:xfrm>
             <a:custGeom>
@@ -10740,7 +10740,7 @@
           </p:nvSpPr>
           <p:spPr>
             <a:xfrm>
-              <a:off x="4898903" y="2355362"/>
+              <a:off x="4820665" y="2355344"/>
               <a:ext cx="63202" cy="63202"/>
             </a:xfrm>
             <a:custGeom>
@@ -10783,7 +10783,7 @@
           </p:nvSpPr>
           <p:spPr>
             <a:xfrm>
-              <a:off x="4539932" y="1851823"/>
+              <a:off x="4480772" y="1851793"/>
               <a:ext cx="63202" cy="63202"/>
             </a:xfrm>
             <a:custGeom>
@@ -10826,7 +10826,7 @@
           </p:nvSpPr>
           <p:spPr>
             <a:xfrm>
-              <a:off x="4861355" y="1908696"/>
+              <a:off x="5091077" y="1908707"/>
               <a:ext cx="63202" cy="63202"/>
             </a:xfrm>
             <a:custGeom>
@@ -10869,7 +10869,7 @@
           </p:nvSpPr>
           <p:spPr>
             <a:xfrm>
-              <a:off x="4692667" y="1855102"/>
+              <a:off x="4846166" y="1855105"/>
               <a:ext cx="63202" cy="63202"/>
             </a:xfrm>
             <a:custGeom>
@@ -10912,7 +10912,7 @@
           </p:nvSpPr>
           <p:spPr>
             <a:xfrm>
-              <a:off x="5064776" y="1885511"/>
+              <a:off x="5111383" y="1885475"/>
               <a:ext cx="63202" cy="63202"/>
             </a:xfrm>
             <a:custGeom>
@@ -10955,7 +10955,7 @@
           </p:nvSpPr>
           <p:spPr>
             <a:xfrm>
-              <a:off x="4678016" y="2846517"/>
+              <a:off x="5090386" y="2846539"/>
               <a:ext cx="63202" cy="63202"/>
             </a:xfrm>
             <a:custGeom>
@@ -10998,7 +10998,7 @@
           </p:nvSpPr>
           <p:spPr>
             <a:xfrm>
-              <a:off x="5148352" y="1868337"/>
+              <a:off x="4923473" y="1868278"/>
               <a:ext cx="63202" cy="63202"/>
             </a:xfrm>
             <a:custGeom>
@@ -11041,7 +11041,7 @@
           </p:nvSpPr>
           <p:spPr>
             <a:xfrm>
-              <a:off x="4646502" y="1882267"/>
+              <a:off x="4606336" y="1882300"/>
               <a:ext cx="63202" cy="63202"/>
             </a:xfrm>
             <a:custGeom>
@@ -11084,7 +11084,7 @@
           </p:nvSpPr>
           <p:spPr>
             <a:xfrm>
-              <a:off x="4962254" y="1909120"/>
+              <a:off x="4532314" y="1909053"/>
               <a:ext cx="63202" cy="63202"/>
             </a:xfrm>
             <a:custGeom>
@@ -11127,7 +11127,7 @@
           </p:nvSpPr>
           <p:spPr>
             <a:xfrm>
-              <a:off x="5071538" y="2226085"/>
+              <a:off x="4732041" y="2226063"/>
               <a:ext cx="63202" cy="63202"/>
             </a:xfrm>
             <a:custGeom>
@@ -11170,7 +11170,7 @@
           </p:nvSpPr>
           <p:spPr>
             <a:xfrm>
-              <a:off x="5146877" y="1918443"/>
+              <a:off x="5072832" y="1918391"/>
               <a:ext cx="63202" cy="63202"/>
             </a:xfrm>
             <a:custGeom>
@@ -11213,7 +11213,7 @@
           </p:nvSpPr>
           <p:spPr>
             <a:xfrm>
-              <a:off x="4628881" y="2357035"/>
+              <a:off x="4593584" y="2357005"/>
               <a:ext cx="63202" cy="63202"/>
             </a:xfrm>
             <a:custGeom>
@@ -11256,7 +11256,7 @@
           </p:nvSpPr>
           <p:spPr>
             <a:xfrm>
-              <a:off x="5093088" y="1833929"/>
+              <a:off x="4535358" y="1833924"/>
               <a:ext cx="63202" cy="63202"/>
             </a:xfrm>
             <a:custGeom>
@@ -11299,7 +11299,7 @@
           </p:nvSpPr>
           <p:spPr>
             <a:xfrm>
-              <a:off x="4853255" y="1875922"/>
+              <a:off x="5096119" y="1875973"/>
               <a:ext cx="63202" cy="63202"/>
             </a:xfrm>
             <a:custGeom>
@@ -11342,7 +11342,7 @@
           </p:nvSpPr>
           <p:spPr>
             <a:xfrm>
-              <a:off x="5151729" y="1981392"/>
+              <a:off x="5102716" y="1981407"/>
               <a:ext cx="63202" cy="63202"/>
             </a:xfrm>
             <a:custGeom>
@@ -11385,7 +11385,7 @@
           </p:nvSpPr>
           <p:spPr>
             <a:xfrm>
-              <a:off x="4617737" y="1914562"/>
+              <a:off x="4988059" y="1914537"/>
               <a:ext cx="63202" cy="63202"/>
             </a:xfrm>
             <a:custGeom>
@@ -11428,7 +11428,7 @@
           </p:nvSpPr>
           <p:spPr>
             <a:xfrm>
-              <a:off x="5035626" y="1943578"/>
+              <a:off x="4795629" y="1943546"/>
               <a:ext cx="63202" cy="63202"/>
             </a:xfrm>
             <a:custGeom>
@@ -11471,7 +11471,7 @@
           </p:nvSpPr>
           <p:spPr>
             <a:xfrm>
-              <a:off x="5078429" y="2538493"/>
+              <a:off x="4920162" y="2538444"/>
               <a:ext cx="63202" cy="63202"/>
             </a:xfrm>
             <a:custGeom>
@@ -11514,7 +11514,7 @@
           </p:nvSpPr>
           <p:spPr>
             <a:xfrm>
-              <a:off x="4952193" y="2199132"/>
+              <a:off x="5025800" y="2199078"/>
               <a:ext cx="63202" cy="63202"/>
             </a:xfrm>
             <a:custGeom>
@@ -11557,7 +11557,7 @@
           </p:nvSpPr>
           <p:spPr>
             <a:xfrm>
-              <a:off x="4483710" y="2000069"/>
+              <a:off x="5164202" y="2000069"/>
               <a:ext cx="63202" cy="63202"/>
             </a:xfrm>
             <a:custGeom>
@@ -11600,7 +11600,7 @@
           </p:nvSpPr>
           <p:spPr>
             <a:xfrm>
-              <a:off x="5098823" y="1882455"/>
+              <a:off x="5008503" y="1882484"/>
               <a:ext cx="63202" cy="63202"/>
             </a:xfrm>
             <a:custGeom>
@@ -11643,7 +11643,7 @@
           </p:nvSpPr>
           <p:spPr>
             <a:xfrm>
-              <a:off x="4865843" y="2620811"/>
+              <a:off x="4819545" y="2620803"/>
               <a:ext cx="63202" cy="63202"/>
             </a:xfrm>
             <a:custGeom>
@@ -11686,7 +11686,7 @@
           </p:nvSpPr>
           <p:spPr>
             <a:xfrm>
-              <a:off x="5070587" y="1900434"/>
+              <a:off x="5160123" y="1900410"/>
               <a:ext cx="63202" cy="63202"/>
             </a:xfrm>
             <a:custGeom>
@@ -11729,7 +11729,7 @@
           </p:nvSpPr>
           <p:spPr>
             <a:xfrm>
-              <a:off x="4804087" y="1933056"/>
+              <a:off x="5027352" y="1933080"/>
               <a:ext cx="63202" cy="63202"/>
             </a:xfrm>
             <a:custGeom>
@@ -11772,7 +11772,7 @@
           </p:nvSpPr>
           <p:spPr>
             <a:xfrm>
-              <a:off x="4881313" y="1816362"/>
+              <a:off x="4494852" y="1816395"/>
               <a:ext cx="63202" cy="63202"/>
             </a:xfrm>
             <a:custGeom>
@@ -11815,7 +11815,7 @@
           </p:nvSpPr>
           <p:spPr>
             <a:xfrm>
-              <a:off x="4524624" y="1919219"/>
+              <a:off x="4640292" y="1919204"/>
               <a:ext cx="63202" cy="63202"/>
             </a:xfrm>
             <a:custGeom>
@@ -11858,7 +11858,7 @@
           </p:nvSpPr>
           <p:spPr>
             <a:xfrm>
-              <a:off x="4912890" y="1835674"/>
+              <a:off x="4742267" y="1835621"/>
               <a:ext cx="63202" cy="63202"/>
             </a:xfrm>
             <a:custGeom>
@@ -11901,7 +11901,7 @@
           </p:nvSpPr>
           <p:spPr>
             <a:xfrm>
-              <a:off x="4500092" y="1940340"/>
+              <a:off x="4831282" y="1940363"/>
               <a:ext cx="63202" cy="63202"/>
             </a:xfrm>
             <a:custGeom>
@@ -11944,7 +11944,7 @@
           </p:nvSpPr>
           <p:spPr>
             <a:xfrm>
-              <a:off x="4936257" y="1995490"/>
+              <a:off x="4842854" y="1995446"/>
               <a:ext cx="63202" cy="63202"/>
             </a:xfrm>
             <a:custGeom>
@@ -11987,7 +11987,7 @@
           </p:nvSpPr>
           <p:spPr>
             <a:xfrm>
-              <a:off x="4768963" y="1894430"/>
+              <a:off x="4571882" y="1894443"/>
               <a:ext cx="63202" cy="63202"/>
             </a:xfrm>
             <a:custGeom>
@@ -12030,7 +12030,7 @@
           </p:nvSpPr>
           <p:spPr>
             <a:xfrm>
-              <a:off x="4807282" y="1882246"/>
+              <a:off x="4905657" y="1882281"/>
               <a:ext cx="63202" cy="63202"/>
             </a:xfrm>
             <a:custGeom>
@@ -12073,7 +12073,7 @@
           </p:nvSpPr>
           <p:spPr>
             <a:xfrm>
-              <a:off x="4654172" y="1908799"/>
+              <a:off x="4813262" y="1908825"/>
               <a:ext cx="63202" cy="63202"/>
             </a:xfrm>
             <a:custGeom>
@@ -12116,7 +12116,7 @@
           </p:nvSpPr>
           <p:spPr>
             <a:xfrm>
-              <a:off x="5059837" y="1987665"/>
+              <a:off x="4835628" y="1987601"/>
               <a:ext cx="63202" cy="63202"/>
             </a:xfrm>
             <a:custGeom>
@@ -12159,7 +12159,7 @@
           </p:nvSpPr>
           <p:spPr>
             <a:xfrm>
-              <a:off x="4523408" y="1899943"/>
+              <a:off x="4697717" y="1899918"/>
               <a:ext cx="63202" cy="63202"/>
             </a:xfrm>
             <a:custGeom>
@@ -12202,7 +12202,7 @@
           </p:nvSpPr>
           <p:spPr>
             <a:xfrm>
-              <a:off x="5135378" y="2010167"/>
+              <a:off x="4686978" y="2010178"/>
               <a:ext cx="63202" cy="63202"/>
             </a:xfrm>
             <a:custGeom>
@@ -12245,7 +12245,7 @@
           </p:nvSpPr>
           <p:spPr>
             <a:xfrm>
-              <a:off x="4854039" y="1952070"/>
+              <a:off x="4472849" y="1952066"/>
               <a:ext cx="63202" cy="63202"/>
             </a:xfrm>
             <a:custGeom>
@@ -12288,7 +12288,7 @@
           </p:nvSpPr>
           <p:spPr>
             <a:xfrm>
-              <a:off x="4767586" y="2741995"/>
+              <a:off x="4482055" y="2742026"/>
               <a:ext cx="63202" cy="63202"/>
             </a:xfrm>
             <a:custGeom>
@@ -12331,7 +12331,7 @@
           </p:nvSpPr>
           <p:spPr>
             <a:xfrm>
-              <a:off x="4537597" y="1917016"/>
+              <a:off x="4804020" y="1917005"/>
               <a:ext cx="63202" cy="63202"/>
             </a:xfrm>
             <a:custGeom>
@@ -12374,7 +12374,7 @@
           </p:nvSpPr>
           <p:spPr>
             <a:xfrm>
-              <a:off x="4985875" y="2136609"/>
+              <a:off x="4729244" y="2136601"/>
               <a:ext cx="63202" cy="63202"/>
             </a:xfrm>
             <a:custGeom>
@@ -12417,7 +12417,7 @@
           </p:nvSpPr>
           <p:spPr>
             <a:xfrm>
-              <a:off x="4555867" y="1877343"/>
+              <a:off x="4632496" y="1877397"/>
               <a:ext cx="63202" cy="63202"/>
             </a:xfrm>
             <a:custGeom>
@@ -12460,7 +12460,7 @@
           </p:nvSpPr>
           <p:spPr>
             <a:xfrm>
-              <a:off x="4495886" y="1900049"/>
+              <a:off x="4880993" y="1899991"/>
               <a:ext cx="63202" cy="63202"/>
             </a:xfrm>
             <a:custGeom>
@@ -12503,7 +12503,7 @@
           </p:nvSpPr>
           <p:spPr>
             <a:xfrm>
-              <a:off x="4942014" y="1843455"/>
+              <a:off x="4762871" y="1843466"/>
               <a:ext cx="63202" cy="63202"/>
             </a:xfrm>
             <a:custGeom>
@@ -12546,7 +12546,7 @@
           </p:nvSpPr>
           <p:spPr>
             <a:xfrm>
-              <a:off x="4852287" y="1889609"/>
+              <a:off x="4533480" y="1889630"/>
               <a:ext cx="63202" cy="63202"/>
             </a:xfrm>
             <a:custGeom>
@@ -12589,7 +12589,7 @@
           </p:nvSpPr>
           <p:spPr>
             <a:xfrm>
-              <a:off x="5132769" y="1913682"/>
+              <a:off x="5023497" y="1913741"/>
               <a:ext cx="63202" cy="63202"/>
             </a:xfrm>
             <a:custGeom>
@@ -12632,7 +12632,7 @@
           </p:nvSpPr>
           <p:spPr>
             <a:xfrm>
-              <a:off x="4541031" y="2279903"/>
+              <a:off x="4964618" y="2279911"/>
               <a:ext cx="63202" cy="63202"/>
             </a:xfrm>
             <a:custGeom>
@@ -12675,7 +12675,7 @@
           </p:nvSpPr>
           <p:spPr>
             <a:xfrm>
-              <a:off x="5001447" y="1917967"/>
+              <a:off x="4868313" y="1917957"/>
               <a:ext cx="63202" cy="63202"/>
             </a:xfrm>
             <a:custGeom>
@@ -12718,7 +12718,7 @@
           </p:nvSpPr>
           <p:spPr>
             <a:xfrm>
-              <a:off x="5024684" y="2088966"/>
+              <a:off x="4481876" y="2088934"/>
               <a:ext cx="63202" cy="63202"/>
             </a:xfrm>
             <a:custGeom>
@@ -12761,7 +12761,7 @@
           </p:nvSpPr>
           <p:spPr>
             <a:xfrm>
-              <a:off x="6026379" y="2773191"/>
+              <a:off x="6000643" y="2773142"/>
               <a:ext cx="63202" cy="63202"/>
             </a:xfrm>
             <a:custGeom>
@@ -12804,7 +12804,7 @@
           </p:nvSpPr>
           <p:spPr>
             <a:xfrm>
-              <a:off x="4797992" y="1808208"/>
+              <a:off x="4866800" y="1808158"/>
               <a:ext cx="63202" cy="63202"/>
             </a:xfrm>
             <a:custGeom>
@@ -12847,7 +12847,7 @@
           </p:nvSpPr>
           <p:spPr>
             <a:xfrm>
-              <a:off x="4930701" y="1849045"/>
+              <a:off x="4576281" y="1849062"/>
               <a:ext cx="63202" cy="63202"/>
             </a:xfrm>
             <a:custGeom>
@@ -12890,7 +12890,7 @@
           </p:nvSpPr>
           <p:spPr>
             <a:xfrm>
-              <a:off x="4597444" y="2417141"/>
+              <a:off x="5053033" y="2417132"/>
               <a:ext cx="63202" cy="63202"/>
             </a:xfrm>
             <a:custGeom>
@@ -12933,7 +12933,7 @@
           </p:nvSpPr>
           <p:spPr>
             <a:xfrm>
-              <a:off x="4953982" y="1933247"/>
+              <a:off x="4477245" y="1933236"/>
               <a:ext cx="63202" cy="63202"/>
             </a:xfrm>
             <a:custGeom>
@@ -12976,7 +12976,7 @@
           </p:nvSpPr>
           <p:spPr>
             <a:xfrm>
-              <a:off x="4851968" y="1852613"/>
+              <a:off x="5060244" y="1852629"/>
               <a:ext cx="63202" cy="63202"/>
             </a:xfrm>
             <a:custGeom>
@@ -13019,7 +13019,7 @@
           </p:nvSpPr>
           <p:spPr>
             <a:xfrm>
-              <a:off x="4780651" y="1917994"/>
+              <a:off x="4536895" y="1917973"/>
               <a:ext cx="63202" cy="63202"/>
             </a:xfrm>
             <a:custGeom>
@@ -13062,7 +13062,7 @@
           </p:nvSpPr>
           <p:spPr>
             <a:xfrm>
-              <a:off x="4959094" y="1954186"/>
+              <a:off x="4591294" y="1954195"/>
               <a:ext cx="63202" cy="63202"/>
             </a:xfrm>
             <a:custGeom>
@@ -13105,7 +13105,7 @@
           </p:nvSpPr>
           <p:spPr>
             <a:xfrm>
-              <a:off x="4976140" y="1926153"/>
+              <a:off x="5144798" y="1926179"/>
               <a:ext cx="63202" cy="63202"/>
             </a:xfrm>
             <a:custGeom>
@@ -13148,7 +13148,7 @@
           </p:nvSpPr>
           <p:spPr>
             <a:xfrm>
-              <a:off x="4604766" y="2037879"/>
+              <a:off x="4827328" y="2037817"/>
               <a:ext cx="63202" cy="63202"/>
             </a:xfrm>
             <a:custGeom>
@@ -13191,7 +13191,7 @@
           </p:nvSpPr>
           <p:spPr>
             <a:xfrm>
-              <a:off x="4583812" y="1889558"/>
+              <a:off x="4995593" y="1889562"/>
               <a:ext cx="63202" cy="63202"/>
             </a:xfrm>
             <a:custGeom>
@@ -13234,7 +13234,7 @@
           </p:nvSpPr>
           <p:spPr>
             <a:xfrm>
-              <a:off x="4497622" y="1898333"/>
+              <a:off x="4601721" y="1898331"/>
               <a:ext cx="63202" cy="63202"/>
             </a:xfrm>
             <a:custGeom>
@@ -13277,7 +13277,7 @@
           </p:nvSpPr>
           <p:spPr>
             <a:xfrm>
-              <a:off x="5077384" y="2128225"/>
+              <a:off x="4604772" y="2128193"/>
               <a:ext cx="63202" cy="63202"/>
             </a:xfrm>
             <a:custGeom>
@@ -13320,7 +13320,7 @@
           </p:nvSpPr>
           <p:spPr>
             <a:xfrm>
-              <a:off x="4952375" y="1974603"/>
+              <a:off x="5113956" y="1974634"/>
               <a:ext cx="63202" cy="63202"/>
             </a:xfrm>
             <a:custGeom>
@@ -13363,7 +13363,7 @@
           </p:nvSpPr>
           <p:spPr>
             <a:xfrm>
-              <a:off x="4592321" y="1875827"/>
+              <a:off x="4595326" y="1875815"/>
               <a:ext cx="63202" cy="63202"/>
             </a:xfrm>
             <a:custGeom>
@@ -13406,7 +13406,7 @@
           </p:nvSpPr>
           <p:spPr>
             <a:xfrm>
-              <a:off x="4580443" y="2071873"/>
+              <a:off x="4584625" y="2071814"/>
               <a:ext cx="63202" cy="63202"/>
             </a:xfrm>
             <a:custGeom>
@@ -13449,7 +13449,7 @@
           </p:nvSpPr>
           <p:spPr>
             <a:xfrm>
-              <a:off x="4619008" y="2082343"/>
+              <a:off x="4501955" y="2082346"/>
               <a:ext cx="63202" cy="63202"/>
             </a:xfrm>
             <a:custGeom>
@@ -13492,7 +13492,7 @@
           </p:nvSpPr>
           <p:spPr>
             <a:xfrm>
-              <a:off x="4903587" y="1972841"/>
+              <a:off x="5064765" y="1972791"/>
               <a:ext cx="63202" cy="63202"/>
             </a:xfrm>
             <a:custGeom>
@@ -13535,7 +13535,7 @@
           </p:nvSpPr>
           <p:spPr>
             <a:xfrm>
-              <a:off x="4724034" y="2050983"/>
+              <a:off x="4659997" y="2050940"/>
               <a:ext cx="63202" cy="63202"/>
             </a:xfrm>
             <a:custGeom>
@@ -13578,7 +13578,7 @@
           </p:nvSpPr>
           <p:spPr>
             <a:xfrm>
-              <a:off x="5095931" y="1937716"/>
+              <a:off x="4530986" y="1937713"/>
               <a:ext cx="63202" cy="63202"/>
             </a:xfrm>
             <a:custGeom>
@@ -13621,7 +13621,7 @@
           </p:nvSpPr>
           <p:spPr>
             <a:xfrm>
-              <a:off x="5133206" y="1883769"/>
+              <a:off x="4768030" y="1883760"/>
               <a:ext cx="63202" cy="63202"/>
             </a:xfrm>
             <a:custGeom>
@@ -13664,7 +13664,7 @@
           </p:nvSpPr>
           <p:spPr>
             <a:xfrm>
-              <a:off x="4894532" y="1809758"/>
+              <a:off x="5102240" y="1809802"/>
               <a:ext cx="63202" cy="63202"/>
             </a:xfrm>
             <a:custGeom>
@@ -13707,7 +13707,7 @@
           </p:nvSpPr>
           <p:spPr>
             <a:xfrm>
-              <a:off x="4754074" y="1812592"/>
+              <a:off x="5119406" y="1812628"/>
               <a:ext cx="63202" cy="63202"/>
             </a:xfrm>
             <a:custGeom>
@@ -13750,7 +13750,7 @@
           </p:nvSpPr>
           <p:spPr>
             <a:xfrm>
-              <a:off x="4913434" y="2329373"/>
+              <a:off x="4919311" y="2329404"/>
               <a:ext cx="63202" cy="63202"/>
             </a:xfrm>
             <a:custGeom>
@@ -13793,7 +13793,7 @@
           </p:nvSpPr>
           <p:spPr>
             <a:xfrm>
-              <a:off x="4591084" y="1859691"/>
+              <a:off x="4696499" y="1859733"/>
               <a:ext cx="63202" cy="63202"/>
             </a:xfrm>
             <a:custGeom>
@@ -13836,7 +13836,7 @@
           </p:nvSpPr>
           <p:spPr>
             <a:xfrm>
-              <a:off x="5057989" y="2564350"/>
+              <a:off x="4573108" y="2564374"/>
               <a:ext cx="63202" cy="63202"/>
             </a:xfrm>
             <a:custGeom>
@@ -13879,7 +13879,7 @@
           </p:nvSpPr>
           <p:spPr>
             <a:xfrm>
-              <a:off x="4720116" y="1809943"/>
+              <a:off x="4839194" y="1809923"/>
               <a:ext cx="63202" cy="63202"/>
             </a:xfrm>
             <a:custGeom>
@@ -13922,7 +13922,7 @@
           </p:nvSpPr>
           <p:spPr>
             <a:xfrm>
-              <a:off x="5132994" y="1867054"/>
+              <a:off x="4647242" y="1867053"/>
               <a:ext cx="63202" cy="63202"/>
             </a:xfrm>
             <a:custGeom>
@@ -13965,7 +13965,7 @@
           </p:nvSpPr>
           <p:spPr>
             <a:xfrm>
-              <a:off x="5033319" y="1882966"/>
+              <a:off x="4780810" y="1882918"/>
               <a:ext cx="63202" cy="63202"/>
             </a:xfrm>
             <a:custGeom>
@@ -14008,7 +14008,7 @@
           </p:nvSpPr>
           <p:spPr>
             <a:xfrm>
-              <a:off x="4562363" y="2037315"/>
+              <a:off x="4902394" y="2037300"/>
               <a:ext cx="63202" cy="63202"/>
             </a:xfrm>
             <a:custGeom>
@@ -14051,7 +14051,7 @@
           </p:nvSpPr>
           <p:spPr>
             <a:xfrm>
-              <a:off x="5076999" y="1794029"/>
+              <a:off x="4586893" y="1794008"/>
               <a:ext cx="63202" cy="63202"/>
             </a:xfrm>
             <a:custGeom>
@@ -14094,7 +14094,7 @@
           </p:nvSpPr>
           <p:spPr>
             <a:xfrm>
-              <a:off x="4517546" y="1900051"/>
+              <a:off x="4853652" y="1900036"/>
               <a:ext cx="63202" cy="63202"/>
             </a:xfrm>
             <a:custGeom>
@@ -14137,7 +14137,7 @@
           </p:nvSpPr>
           <p:spPr>
             <a:xfrm>
-              <a:off x="4606846" y="1878010"/>
+              <a:off x="5096151" y="1877991"/>
               <a:ext cx="63202" cy="63202"/>
             </a:xfrm>
             <a:custGeom>
@@ -14236,7 +14236,7 @@
           </p:nvSpPr>
           <p:spPr>
             <a:xfrm>
-              <a:off x="4325757" y="4776084"/>
+              <a:off x="4325757" y="4776072"/>
               <a:ext cx="2796732" cy="0"/>
             </a:xfrm>
             <a:custGeom>
@@ -14279,7 +14279,7 @@
           </p:nvSpPr>
           <p:spPr>
             <a:xfrm>
-              <a:off x="4325757" y="4304061"/>
+              <a:off x="4325757" y="4304051"/>
               <a:ext cx="2796732" cy="0"/>
             </a:xfrm>
             <a:custGeom>
@@ -14322,7 +14322,7 @@
           </p:nvSpPr>
           <p:spPr>
             <a:xfrm>
-              <a:off x="4325757" y="3832038"/>
+              <a:off x="4325757" y="3832031"/>
               <a:ext cx="2796732" cy="0"/>
             </a:xfrm>
             <a:custGeom>
@@ -14365,7 +14365,7 @@
           </p:nvSpPr>
           <p:spPr>
             <a:xfrm>
-              <a:off x="4325757" y="3360015"/>
+              <a:off x="4325757" y="3360011"/>
               <a:ext cx="2796732" cy="0"/>
             </a:xfrm>
             <a:custGeom>
@@ -14408,7 +14408,7 @@
           </p:nvSpPr>
           <p:spPr>
             <a:xfrm>
-              <a:off x="4325757" y="4540073"/>
+              <a:off x="4325757" y="4540061"/>
               <a:ext cx="2796732" cy="0"/>
             </a:xfrm>
             <a:custGeom>
@@ -14451,7 +14451,7 @@
           </p:nvSpPr>
           <p:spPr>
             <a:xfrm>
-              <a:off x="4325757" y="4068050"/>
+              <a:off x="4325757" y="4068041"/>
               <a:ext cx="2796732" cy="0"/>
             </a:xfrm>
             <a:custGeom>
@@ -14494,7 +14494,7 @@
           </p:nvSpPr>
           <p:spPr>
             <a:xfrm>
-              <a:off x="4325757" y="3596027"/>
+              <a:off x="4325757" y="3596021"/>
               <a:ext cx="2796732" cy="0"/>
             </a:xfrm>
             <a:custGeom>
@@ -14666,7 +14666,7 @@
           </p:nvSpPr>
           <p:spPr>
             <a:xfrm>
-              <a:off x="5973203" y="4763260"/>
+              <a:off x="5765827" y="4763260"/>
               <a:ext cx="63202" cy="63202"/>
             </a:xfrm>
             <a:custGeom>
@@ -14709,7 +14709,7 @@
           </p:nvSpPr>
           <p:spPr>
             <a:xfrm>
-              <a:off x="4534258" y="4588843"/>
+              <a:off x="4776113" y="4588829"/>
               <a:ext cx="63202" cy="63202"/>
             </a:xfrm>
             <a:custGeom>
@@ -14752,7 +14752,7 @@
           </p:nvSpPr>
           <p:spPr>
             <a:xfrm>
-              <a:off x="4671541" y="3891059"/>
+              <a:off x="4903405" y="3891090"/>
               <a:ext cx="63202" cy="63202"/>
             </a:xfrm>
             <a:custGeom>
@@ -14795,7 +14795,7 @@
           </p:nvSpPr>
           <p:spPr>
             <a:xfrm>
-              <a:off x="6693063" y="4883747"/>
+              <a:off x="6744871" y="4883747"/>
               <a:ext cx="63202" cy="63202"/>
             </a:xfrm>
             <a:custGeom>
@@ -14894,7 +14894,7 @@
           </p:nvSpPr>
           <p:spPr>
             <a:xfrm>
-              <a:off x="4325757" y="6701417"/>
+              <a:off x="4325757" y="6701404"/>
               <a:ext cx="2796732" cy="0"/>
             </a:xfrm>
             <a:custGeom>
@@ -14937,7 +14937,7 @@
           </p:nvSpPr>
           <p:spPr>
             <a:xfrm>
-              <a:off x="4325757" y="6229394"/>
+              <a:off x="4325757" y="6229384"/>
               <a:ext cx="2796732" cy="0"/>
             </a:xfrm>
             <a:custGeom>
@@ -14980,7 +14980,7 @@
           </p:nvSpPr>
           <p:spPr>
             <a:xfrm>
-              <a:off x="4325757" y="5757371"/>
+              <a:off x="4325757" y="5757363"/>
               <a:ext cx="2796732" cy="0"/>
             </a:xfrm>
             <a:custGeom>
@@ -15023,7 +15023,7 @@
           </p:nvSpPr>
           <p:spPr>
             <a:xfrm>
-              <a:off x="4325757" y="5285348"/>
+              <a:off x="4325757" y="5285343"/>
               <a:ext cx="2796732" cy="0"/>
             </a:xfrm>
             <a:custGeom>
@@ -15066,7 +15066,7 @@
           </p:nvSpPr>
           <p:spPr>
             <a:xfrm>
-              <a:off x="4325757" y="6465405"/>
+              <a:off x="4325757" y="6465394"/>
               <a:ext cx="2796732" cy="0"/>
             </a:xfrm>
             <a:custGeom>
@@ -15109,7 +15109,7 @@
           </p:nvSpPr>
           <p:spPr>
             <a:xfrm>
-              <a:off x="4325757" y="5993382"/>
+              <a:off x="4325757" y="5993374"/>
               <a:ext cx="2796732" cy="0"/>
             </a:xfrm>
             <a:custGeom>
@@ -15152,7 +15152,7 @@
           </p:nvSpPr>
           <p:spPr>
             <a:xfrm>
-              <a:off x="4325757" y="5521359"/>
+              <a:off x="4325757" y="5521353"/>
               <a:ext cx="2796732" cy="0"/>
             </a:xfrm>
             <a:custGeom>
@@ -15324,7 +15324,7 @@
           </p:nvSpPr>
           <p:spPr>
             <a:xfrm>
-              <a:off x="4800958" y="5368760"/>
+              <a:off x="4736655" y="5368761"/>
               <a:ext cx="63202" cy="63202"/>
             </a:xfrm>
             <a:custGeom>
@@ -15367,7 +15367,7 @@
           </p:nvSpPr>
           <p:spPr>
             <a:xfrm>
-              <a:off x="4552280" y="5356660"/>
+              <a:off x="4717761" y="5356626"/>
               <a:ext cx="63202" cy="63202"/>
             </a:xfrm>
             <a:custGeom>
@@ -15410,7 +15410,7 @@
           </p:nvSpPr>
           <p:spPr>
             <a:xfrm>
-              <a:off x="5002561" y="5375268"/>
+              <a:off x="4594232" y="5375268"/>
               <a:ext cx="63202" cy="63202"/>
             </a:xfrm>
             <a:custGeom>
@@ -15453,7 +15453,7 @@
           </p:nvSpPr>
           <p:spPr>
             <a:xfrm>
-              <a:off x="5022058" y="5342647"/>
+              <a:off x="4645017" y="5342671"/>
               <a:ext cx="63202" cy="63202"/>
             </a:xfrm>
             <a:custGeom>
@@ -15496,7 +15496,7 @@
           </p:nvSpPr>
           <p:spPr>
             <a:xfrm>
-              <a:off x="4505091" y="5347756"/>
+              <a:off x="5115976" y="5347772"/>
               <a:ext cx="63202" cy="63202"/>
             </a:xfrm>
             <a:custGeom>
@@ -15539,7 +15539,7 @@
           </p:nvSpPr>
           <p:spPr>
             <a:xfrm>
-              <a:off x="4715676" y="5373905"/>
+              <a:off x="4894254" y="5373931"/>
               <a:ext cx="63202" cy="63202"/>
             </a:xfrm>
             <a:custGeom>
@@ -15582,7 +15582,7 @@
           </p:nvSpPr>
           <p:spPr>
             <a:xfrm>
-              <a:off x="4554487" y="5342037"/>
+              <a:off x="4889027" y="5342047"/>
               <a:ext cx="63202" cy="63202"/>
             </a:xfrm>
             <a:custGeom>
@@ -15625,7 +15625,7 @@
           </p:nvSpPr>
           <p:spPr>
             <a:xfrm>
-              <a:off x="4637054" y="6135197"/>
+              <a:off x="4857105" y="6135213"/>
               <a:ext cx="63202" cy="63202"/>
             </a:xfrm>
             <a:custGeom>
@@ -15668,7 +15668,7 @@
           </p:nvSpPr>
           <p:spPr>
             <a:xfrm>
-              <a:off x="4524402" y="5378920"/>
+              <a:off x="5118237" y="5378948"/>
               <a:ext cx="63202" cy="63202"/>
             </a:xfrm>
             <a:custGeom>
@@ -15711,7 +15711,7 @@
           </p:nvSpPr>
           <p:spPr>
             <a:xfrm>
-              <a:off x="5081527" y="5387777"/>
+              <a:off x="4810726" y="5387787"/>
               <a:ext cx="63202" cy="63202"/>
             </a:xfrm>
             <a:custGeom>
@@ -15754,7 +15754,7 @@
           </p:nvSpPr>
           <p:spPr>
             <a:xfrm>
-              <a:off x="4502773" y="5388534"/>
+              <a:off x="4904896" y="5388518"/>
               <a:ext cx="63202" cy="63202"/>
             </a:xfrm>
             <a:custGeom>
@@ -15797,7 +15797,7 @@
           </p:nvSpPr>
           <p:spPr>
             <a:xfrm>
-              <a:off x="4626040" y="5500223"/>
+              <a:off x="4653155" y="5500222"/>
               <a:ext cx="63202" cy="63202"/>
             </a:xfrm>
             <a:custGeom>
@@ -15840,7 +15840,7 @@
           </p:nvSpPr>
           <p:spPr>
             <a:xfrm>
-              <a:off x="4863537" y="5568046"/>
+              <a:off x="4515018" y="5568045"/>
               <a:ext cx="63202" cy="63202"/>
             </a:xfrm>
             <a:custGeom>
@@ -15883,7 +15883,7 @@
           </p:nvSpPr>
           <p:spPr>
             <a:xfrm>
-              <a:off x="4766125" y="5373631"/>
+              <a:off x="5149711" y="5373604"/>
               <a:ext cx="63202" cy="63202"/>
             </a:xfrm>
             <a:custGeom>
@@ -15926,7 +15926,7 @@
           </p:nvSpPr>
           <p:spPr>
             <a:xfrm>
-              <a:off x="5164118" y="5373098"/>
+              <a:off x="4997035" y="5373098"/>
               <a:ext cx="63202" cy="63202"/>
             </a:xfrm>
             <a:custGeom>
@@ -15969,7 +15969,7 @@
           </p:nvSpPr>
           <p:spPr>
             <a:xfrm>
-              <a:off x="4919352" y="5332559"/>
+              <a:off x="4940400" y="5332549"/>
               <a:ext cx="63202" cy="63202"/>
             </a:xfrm>
             <a:custGeom>
@@ -16012,7 +16012,7 @@
           </p:nvSpPr>
           <p:spPr>
             <a:xfrm>
-              <a:off x="5019342" y="5381574"/>
+              <a:off x="4960292" y="5381591"/>
               <a:ext cx="63202" cy="63202"/>
             </a:xfrm>
             <a:custGeom>
@@ -16055,7 +16055,7 @@
           </p:nvSpPr>
           <p:spPr>
             <a:xfrm>
-              <a:off x="4639866" y="5317369"/>
+              <a:off x="4546835" y="5317369"/>
               <a:ext cx="63202" cy="63202"/>
             </a:xfrm>
             <a:custGeom>
@@ -16098,7 +16098,7 @@
           </p:nvSpPr>
           <p:spPr>
             <a:xfrm>
-              <a:off x="4751704" y="5371387"/>
+              <a:off x="4902856" y="5371333"/>
               <a:ext cx="63202" cy="63202"/>
             </a:xfrm>
             <a:custGeom>
@@ -16141,7 +16141,7 @@
           </p:nvSpPr>
           <p:spPr>
             <a:xfrm>
-              <a:off x="5120350" y="5342357"/>
+              <a:off x="4957281" y="5342410"/>
               <a:ext cx="63202" cy="63202"/>
             </a:xfrm>
             <a:custGeom>
@@ -16184,7 +16184,7 @@
           </p:nvSpPr>
           <p:spPr>
             <a:xfrm>
-              <a:off x="5151979" y="5829489"/>
+              <a:off x="4961374" y="5829524"/>
               <a:ext cx="63202" cy="63202"/>
             </a:xfrm>
             <a:custGeom>
@@ -16227,7 +16227,7 @@
           </p:nvSpPr>
           <p:spPr>
             <a:xfrm>
-              <a:off x="4636711" y="5496347"/>
+              <a:off x="4918847" y="5496372"/>
               <a:ext cx="63202" cy="63202"/>
             </a:xfrm>
             <a:custGeom>
@@ -16270,7 +16270,7 @@
           </p:nvSpPr>
           <p:spPr>
             <a:xfrm>
-              <a:off x="5154192" y="5370600"/>
+              <a:off x="5000552" y="5370594"/>
               <a:ext cx="63202" cy="63202"/>
             </a:xfrm>
             <a:custGeom>
@@ -16313,7 +16313,7 @@
           </p:nvSpPr>
           <p:spPr>
             <a:xfrm>
-              <a:off x="5060435" y="5338300"/>
+              <a:off x="4893682" y="5338305"/>
               <a:ext cx="63202" cy="63202"/>
             </a:xfrm>
             <a:custGeom>
@@ -16356,7 +16356,7 @@
           </p:nvSpPr>
           <p:spPr>
             <a:xfrm>
-              <a:off x="4478373" y="5347076"/>
+              <a:off x="4575865" y="5347074"/>
               <a:ext cx="63202" cy="63202"/>
             </a:xfrm>
             <a:custGeom>
@@ -16399,7 +16399,7 @@
           </p:nvSpPr>
           <p:spPr>
             <a:xfrm>
-              <a:off x="5044559" y="5358251"/>
+              <a:off x="4921578" y="5358263"/>
               <a:ext cx="63202" cy="63202"/>
             </a:xfrm>
             <a:custGeom>
@@ -16442,7 +16442,7 @@
           </p:nvSpPr>
           <p:spPr>
             <a:xfrm>
-              <a:off x="4598610" y="5387868"/>
+              <a:off x="4539848" y="5387872"/>
               <a:ext cx="63202" cy="63202"/>
             </a:xfrm>
             <a:custGeom>
@@ -16485,7 +16485,7 @@
           </p:nvSpPr>
           <p:spPr>
             <a:xfrm>
-              <a:off x="4906246" y="5380816"/>
+              <a:off x="4714227" y="5380804"/>
               <a:ext cx="63202" cy="63202"/>
             </a:xfrm>
             <a:custGeom>
@@ -16528,7 +16528,7 @@
           </p:nvSpPr>
           <p:spPr>
             <a:xfrm>
-              <a:off x="5130283" y="5352488"/>
+              <a:off x="4594356" y="5352475"/>
               <a:ext cx="63202" cy="63202"/>
             </a:xfrm>
             <a:custGeom>
@@ -16571,7 +16571,7 @@
           </p:nvSpPr>
           <p:spPr>
             <a:xfrm>
-              <a:off x="4738560" y="5378837"/>
+              <a:off x="4994415" y="5378809"/>
               <a:ext cx="63202" cy="63202"/>
             </a:xfrm>
             <a:custGeom>
@@ -16614,7 +16614,7 @@
           </p:nvSpPr>
           <p:spPr>
             <a:xfrm>
-              <a:off x="4753789" y="5366107"/>
+              <a:off x="4890859" y="5366101"/>
               <a:ext cx="63202" cy="63202"/>
             </a:xfrm>
             <a:custGeom>
@@ -16657,7 +16657,7 @@
           </p:nvSpPr>
           <p:spPr>
             <a:xfrm>
-              <a:off x="5030193" y="5333218"/>
+              <a:off x="4603152" y="5333247"/>
               <a:ext cx="63202" cy="63202"/>
             </a:xfrm>
             <a:custGeom>
@@ -16700,7 +16700,7 @@
           </p:nvSpPr>
           <p:spPr>
             <a:xfrm>
-              <a:off x="4810552" y="5334907"/>
+              <a:off x="4861980" y="5334932"/>
               <a:ext cx="63202" cy="63202"/>
             </a:xfrm>
             <a:custGeom>
@@ -16743,7 +16743,7 @@
           </p:nvSpPr>
           <p:spPr>
             <a:xfrm>
-              <a:off x="4506961" y="5342016"/>
+              <a:off x="4842925" y="5342015"/>
               <a:ext cx="63202" cy="63202"/>
             </a:xfrm>
             <a:custGeom>
@@ -16786,7 +16786,7 @@
           </p:nvSpPr>
           <p:spPr>
             <a:xfrm>
-              <a:off x="4581978" y="5372825"/>
+              <a:off x="4800457" y="5372763"/>
               <a:ext cx="63202" cy="63202"/>
             </a:xfrm>
             <a:custGeom>
@@ -16829,7 +16829,7 @@
           </p:nvSpPr>
           <p:spPr>
             <a:xfrm>
-              <a:off x="4916559" y="5381675"/>
+              <a:off x="4532545" y="5381672"/>
               <a:ext cx="63202" cy="63202"/>
             </a:xfrm>
             <a:custGeom>
@@ -16872,7 +16872,7 @@
           </p:nvSpPr>
           <p:spPr>
             <a:xfrm>
-              <a:off x="4980227" y="5370895"/>
+              <a:off x="4691238" y="5370880"/>
               <a:ext cx="63202" cy="63202"/>
             </a:xfrm>
             <a:custGeom>
@@ -16915,7 +16915,7 @@
           </p:nvSpPr>
           <p:spPr>
             <a:xfrm>
-              <a:off x="4865163" y="5334897"/>
+              <a:off x="4629668" y="5334940"/>
               <a:ext cx="63202" cy="63202"/>
             </a:xfrm>
             <a:custGeom>
@@ -16958,7 +16958,7 @@
           </p:nvSpPr>
           <p:spPr>
             <a:xfrm>
-              <a:off x="4991231" y="5379412"/>
+              <a:off x="4805535" y="5379382"/>
               <a:ext cx="63202" cy="63202"/>
             </a:xfrm>
             <a:custGeom>
@@ -17001,7 +17001,7 @@
           </p:nvSpPr>
           <p:spPr>
             <a:xfrm>
-              <a:off x="4862171" y="5475159"/>
+              <a:off x="4541107" y="5475147"/>
               <a:ext cx="63202" cy="63202"/>
             </a:xfrm>
             <a:custGeom>
@@ -17044,7 +17044,7 @@
           </p:nvSpPr>
           <p:spPr>
             <a:xfrm>
-              <a:off x="4663877" y="5349939"/>
+              <a:off x="4477543" y="5349960"/>
               <a:ext cx="63202" cy="63202"/>
             </a:xfrm>
             <a:custGeom>
@@ -17087,7 +17087,7 @@
           </p:nvSpPr>
           <p:spPr>
             <a:xfrm>
-              <a:off x="4728906" y="5341602"/>
+              <a:off x="4988289" y="5341628"/>
               <a:ext cx="63202" cy="63202"/>
             </a:xfrm>
             <a:custGeom>
@@ -17130,7 +17130,7 @@
           </p:nvSpPr>
           <p:spPr>
             <a:xfrm>
-              <a:off x="5109136" y="5361086"/>
+              <a:off x="4874035" y="5361093"/>
               <a:ext cx="63202" cy="63202"/>
             </a:xfrm>
             <a:custGeom>
@@ -17173,7 +17173,7 @@
           </p:nvSpPr>
           <p:spPr>
             <a:xfrm>
-              <a:off x="5143050" y="5384407"/>
+              <a:off x="4654888" y="5384402"/>
               <a:ext cx="63202" cy="63202"/>
             </a:xfrm>
             <a:custGeom>
@@ -17216,7 +17216,7 @@
           </p:nvSpPr>
           <p:spPr>
             <a:xfrm>
-              <a:off x="5110496" y="5372802"/>
+              <a:off x="4843568" y="5372821"/>
               <a:ext cx="63202" cy="63202"/>
             </a:xfrm>
             <a:custGeom>
@@ -17259,7 +17259,7 @@
           </p:nvSpPr>
           <p:spPr>
             <a:xfrm>
-              <a:off x="4504242" y="5360425"/>
+              <a:off x="4913327" y="5360419"/>
               <a:ext cx="63202" cy="63202"/>
             </a:xfrm>
             <a:custGeom>
@@ -17302,7 +17302,7 @@
           </p:nvSpPr>
           <p:spPr>
             <a:xfrm>
-              <a:off x="4604494" y="5423428"/>
+              <a:off x="4493329" y="5423349"/>
               <a:ext cx="63202" cy="63202"/>
             </a:xfrm>
             <a:custGeom>
@@ -17345,7 +17345,7 @@
           </p:nvSpPr>
           <p:spPr>
             <a:xfrm>
-              <a:off x="4507737" y="5331380"/>
+              <a:off x="4746402" y="5331326"/>
               <a:ext cx="63202" cy="63202"/>
             </a:xfrm>
             <a:custGeom>
@@ -17388,7 +17388,7 @@
           </p:nvSpPr>
           <p:spPr>
             <a:xfrm>
-              <a:off x="4790746" y="5395043"/>
+              <a:off x="4546157" y="5395075"/>
               <a:ext cx="63202" cy="63202"/>
             </a:xfrm>
             <a:custGeom>
@@ -17431,7 +17431,7 @@
           </p:nvSpPr>
           <p:spPr>
             <a:xfrm>
-              <a:off x="5077222" y="5332656"/>
+              <a:off x="4974014" y="5332642"/>
               <a:ext cx="63202" cy="63202"/>
             </a:xfrm>
             <a:custGeom>
@@ -17474,7 +17474,7 @@
           </p:nvSpPr>
           <p:spPr>
             <a:xfrm>
-              <a:off x="4736938" y="5395375"/>
+              <a:off x="4962366" y="5395361"/>
               <a:ext cx="63202" cy="63202"/>
             </a:xfrm>
             <a:custGeom>
@@ -17517,7 +17517,7 @@
           </p:nvSpPr>
           <p:spPr>
             <a:xfrm>
-              <a:off x="4474225" y="5351378"/>
+              <a:off x="4621060" y="5351338"/>
               <a:ext cx="63202" cy="63202"/>
             </a:xfrm>
             <a:custGeom>
@@ -17560,7 +17560,7 @@
           </p:nvSpPr>
           <p:spPr>
             <a:xfrm>
-              <a:off x="5046695" y="5970446"/>
+              <a:off x="4840371" y="5970424"/>
               <a:ext cx="63202" cy="63202"/>
             </a:xfrm>
             <a:custGeom>
@@ -17603,7 +17603,7 @@
           </p:nvSpPr>
           <p:spPr>
             <a:xfrm>
-              <a:off x="4536844" y="5337878"/>
+              <a:off x="4672170" y="5337829"/>
               <a:ext cx="63202" cy="63202"/>
             </a:xfrm>
             <a:custGeom>
@@ -17646,7 +17646,7 @@
           </p:nvSpPr>
           <p:spPr>
             <a:xfrm>
-              <a:off x="4697081" y="5347669"/>
+              <a:off x="4544780" y="5347675"/>
               <a:ext cx="63202" cy="63202"/>
             </a:xfrm>
             <a:custGeom>
@@ -17689,7 +17689,7 @@
           </p:nvSpPr>
           <p:spPr>
             <a:xfrm>
-              <a:off x="5088597" y="5327462"/>
+              <a:off x="5025360" y="5327446"/>
               <a:ext cx="63202" cy="63202"/>
             </a:xfrm>
             <a:custGeom>
@@ -17732,7 +17732,7 @@
           </p:nvSpPr>
           <p:spPr>
             <a:xfrm>
-              <a:off x="4705690" y="6266973"/>
+              <a:off x="4947742" y="6266955"/>
               <a:ext cx="63202" cy="63202"/>
             </a:xfrm>
             <a:custGeom>
@@ -17775,7 +17775,7 @@
           </p:nvSpPr>
           <p:spPr>
             <a:xfrm>
-              <a:off x="4510835" y="5343843"/>
+              <a:off x="4595963" y="5343829"/>
               <a:ext cx="63202" cy="63202"/>
             </a:xfrm>
             <a:custGeom>
@@ -17818,7 +17818,7 @@
           </p:nvSpPr>
           <p:spPr>
             <a:xfrm>
-              <a:off x="4747937" y="5343784"/>
+              <a:off x="4665970" y="5343812"/>
               <a:ext cx="63202" cy="63202"/>
             </a:xfrm>
             <a:custGeom>
@@ -17861,7 +17861,7 @@
           </p:nvSpPr>
           <p:spPr>
             <a:xfrm>
-              <a:off x="4704558" y="5371734"/>
+              <a:off x="4742143" y="5371776"/>
               <a:ext cx="63202" cy="63202"/>
             </a:xfrm>
             <a:custGeom>
@@ -17904,7 +17904,7 @@
           </p:nvSpPr>
           <p:spPr>
             <a:xfrm>
-              <a:off x="4563159" y="5362976"/>
+              <a:off x="4634306" y="5362958"/>
               <a:ext cx="63202" cy="63202"/>
             </a:xfrm>
             <a:custGeom>
@@ -17947,7 +17947,7 @@
           </p:nvSpPr>
           <p:spPr>
             <a:xfrm>
-              <a:off x="4764364" y="5371169"/>
+              <a:off x="5117976" y="5371159"/>
               <a:ext cx="63202" cy="63202"/>
             </a:xfrm>
             <a:custGeom>
@@ -17990,7 +17990,7 @@
           </p:nvSpPr>
           <p:spPr>
             <a:xfrm>
-              <a:off x="4803692" y="5593241"/>
+              <a:off x="4854705" y="5593212"/>
               <a:ext cx="63202" cy="63202"/>
             </a:xfrm>
             <a:custGeom>
@@ -18033,7 +18033,7 @@
           </p:nvSpPr>
           <p:spPr>
             <a:xfrm>
-              <a:off x="4564728" y="5670164"/>
+              <a:off x="4874303" y="5670134"/>
               <a:ext cx="63202" cy="63202"/>
             </a:xfrm>
             <a:custGeom>
@@ -18076,7 +18076,7 @@
           </p:nvSpPr>
           <p:spPr>
             <a:xfrm>
-              <a:off x="4593122" y="5347521"/>
+              <a:off x="5060360" y="5347492"/>
               <a:ext cx="63202" cy="63202"/>
             </a:xfrm>
             <a:custGeom>
@@ -18119,7 +18119,7 @@
           </p:nvSpPr>
           <p:spPr>
             <a:xfrm>
-              <a:off x="4737276" y="6217604"/>
+              <a:off x="5060084" y="6217623"/>
               <a:ext cx="63202" cy="63202"/>
             </a:xfrm>
             <a:custGeom>
@@ -18162,7 +18162,7 @@
           </p:nvSpPr>
           <p:spPr>
             <a:xfrm>
-              <a:off x="4639391" y="5395057"/>
+              <a:off x="4563802" y="5395101"/>
               <a:ext cx="63202" cy="63202"/>
             </a:xfrm>
             <a:custGeom>
@@ -18205,7 +18205,7 @@
           </p:nvSpPr>
           <p:spPr>
             <a:xfrm>
-              <a:off x="4607405" y="5421719"/>
+              <a:off x="5092945" y="5421654"/>
               <a:ext cx="63202" cy="63202"/>
             </a:xfrm>
             <a:custGeom>
@@ -18248,7 +18248,7 @@
           </p:nvSpPr>
           <p:spPr>
             <a:xfrm>
-              <a:off x="4509541" y="5337780"/>
+              <a:off x="5128055" y="5337743"/>
               <a:ext cx="63202" cy="63202"/>
             </a:xfrm>
             <a:custGeom>
@@ -18291,7 +18291,7 @@
           </p:nvSpPr>
           <p:spPr>
             <a:xfrm>
-              <a:off x="4965962" y="5372480"/>
+              <a:off x="4887697" y="5372481"/>
               <a:ext cx="63202" cy="63202"/>
             </a:xfrm>
             <a:custGeom>
@@ -18334,7 +18334,7 @@
           </p:nvSpPr>
           <p:spPr>
             <a:xfrm>
-              <a:off x="4826950" y="5367606"/>
+              <a:off x="4559997" y="5367559"/>
               <a:ext cx="63202" cy="63202"/>
             </a:xfrm>
             <a:custGeom>
@@ -18377,7 +18377,7 @@
           </p:nvSpPr>
           <p:spPr>
             <a:xfrm>
-              <a:off x="4494904" y="5330935"/>
+              <a:off x="5053380" y="5330998"/>
               <a:ext cx="63202" cy="63202"/>
             </a:xfrm>
             <a:custGeom>
@@ -18420,7 +18420,7 @@
           </p:nvSpPr>
           <p:spPr>
             <a:xfrm>
-              <a:off x="4627182" y="5824416"/>
+              <a:off x="4478816" y="5824379"/>
               <a:ext cx="63202" cy="63202"/>
             </a:xfrm>
             <a:custGeom>
@@ -18463,7 +18463,7 @@
           </p:nvSpPr>
           <p:spPr>
             <a:xfrm>
-              <a:off x="4960550" y="5336760"/>
+              <a:off x="5075165" y="5336699"/>
               <a:ext cx="63202" cy="63202"/>
             </a:xfrm>
             <a:custGeom>
@@ -18506,7 +18506,7 @@
           </p:nvSpPr>
           <p:spPr>
             <a:xfrm>
-              <a:off x="5104553" y="5358940"/>
+              <a:off x="4755914" y="5358878"/>
               <a:ext cx="63202" cy="63202"/>
             </a:xfrm>
             <a:custGeom>
@@ -18549,7 +18549,7 @@
           </p:nvSpPr>
           <p:spPr>
             <a:xfrm>
-              <a:off x="4939918" y="5423376"/>
+              <a:off x="5127105" y="5423413"/>
               <a:ext cx="63202" cy="63202"/>
             </a:xfrm>
             <a:custGeom>
@@ -18592,7 +18592,7 @@
           </p:nvSpPr>
           <p:spPr>
             <a:xfrm>
-              <a:off x="4831661" y="5364837"/>
+              <a:off x="4637011" y="5364845"/>
               <a:ext cx="63202" cy="63202"/>
             </a:xfrm>
             <a:custGeom>
@@ -18635,7 +18635,7 @@
           </p:nvSpPr>
           <p:spPr>
             <a:xfrm>
-              <a:off x="5032772" y="5362136"/>
+              <a:off x="5053407" y="5362153"/>
               <a:ext cx="63202" cy="63202"/>
             </a:xfrm>
             <a:custGeom>
@@ -18678,7 +18678,7 @@
           </p:nvSpPr>
           <p:spPr>
             <a:xfrm>
-              <a:off x="4809903" y="5365503"/>
+              <a:off x="4630933" y="5365541"/>
               <a:ext cx="63202" cy="63202"/>
             </a:xfrm>
             <a:custGeom>
@@ -18721,7 +18721,7 @@
           </p:nvSpPr>
           <p:spPr>
             <a:xfrm>
-              <a:off x="4852300" y="5369863"/>
+              <a:off x="4645319" y="5369866"/>
               <a:ext cx="63202" cy="63202"/>
             </a:xfrm>
             <a:custGeom>
@@ -18764,7 +18764,7 @@
           </p:nvSpPr>
           <p:spPr>
             <a:xfrm>
-              <a:off x="4864835" y="5381543"/>
+              <a:off x="4753216" y="5381569"/>
               <a:ext cx="63202" cy="63202"/>
             </a:xfrm>
             <a:custGeom>
@@ -18807,7 +18807,7 @@
           </p:nvSpPr>
           <p:spPr>
             <a:xfrm>
-              <a:off x="5009964" y="5367430"/>
+              <a:off x="4557213" y="5367419"/>
               <a:ext cx="63202" cy="63202"/>
             </a:xfrm>
             <a:custGeom>
@@ -18850,7 +18850,7 @@
           </p:nvSpPr>
           <p:spPr>
             <a:xfrm>
-              <a:off x="4971348" y="6265747"/>
+              <a:off x="4761458" y="6265740"/>
               <a:ext cx="63202" cy="63202"/>
             </a:xfrm>
             <a:custGeom>
@@ -18893,7 +18893,7 @@
           </p:nvSpPr>
           <p:spPr>
             <a:xfrm>
-              <a:off x="4636799" y="5379961"/>
+              <a:off x="4724723" y="5379985"/>
               <a:ext cx="63202" cy="63202"/>
             </a:xfrm>
             <a:custGeom>
@@ -18936,7 +18936,7 @@
           </p:nvSpPr>
           <p:spPr>
             <a:xfrm>
-              <a:off x="5515020" y="6644115"/>
+              <a:off x="5980504" y="6644159"/>
               <a:ext cx="63202" cy="63202"/>
             </a:xfrm>
             <a:custGeom>
@@ -18979,7 +18979,7 @@
           </p:nvSpPr>
           <p:spPr>
             <a:xfrm>
-              <a:off x="4828866" y="5847349"/>
+              <a:off x="4664812" y="5847370"/>
               <a:ext cx="63202" cy="63202"/>
             </a:xfrm>
             <a:custGeom>
@@ -19022,7 +19022,7 @@
           </p:nvSpPr>
           <p:spPr>
             <a:xfrm>
-              <a:off x="4935593" y="5374475"/>
+              <a:off x="4995599" y="5374475"/>
               <a:ext cx="63202" cy="63202"/>
             </a:xfrm>
             <a:custGeom>
@@ -19065,7 +19065,7 @@
           </p:nvSpPr>
           <p:spPr>
             <a:xfrm>
-              <a:off x="4852467" y="5360701"/>
+              <a:off x="4576400" y="5360735"/>
               <a:ext cx="63202" cy="63202"/>
             </a:xfrm>
             <a:custGeom>
@@ -19108,7 +19108,7 @@
           </p:nvSpPr>
           <p:spPr>
             <a:xfrm>
-              <a:off x="4856474" y="5362657"/>
+              <a:off x="5081066" y="5362717"/>
               <a:ext cx="63202" cy="63202"/>
             </a:xfrm>
             <a:custGeom>
@@ -19151,7 +19151,7 @@
           </p:nvSpPr>
           <p:spPr>
             <a:xfrm>
-              <a:off x="4854530" y="5382259"/>
+              <a:off x="4895164" y="5382219"/>
               <a:ext cx="63202" cy="63202"/>
             </a:xfrm>
             <a:custGeom>
@@ -19194,7 +19194,7 @@
           </p:nvSpPr>
           <p:spPr>
             <a:xfrm>
-              <a:off x="4594363" y="5390829"/>
+              <a:off x="5147895" y="5390837"/>
               <a:ext cx="63202" cy="63202"/>
             </a:xfrm>
             <a:custGeom>
@@ -19237,7 +19237,7 @@
           </p:nvSpPr>
           <p:spPr>
             <a:xfrm>
-              <a:off x="5089829" y="5371389"/>
+              <a:off x="4550433" y="5371374"/>
               <a:ext cx="63202" cy="63202"/>
             </a:xfrm>
             <a:custGeom>
@@ -19280,7 +19280,7 @@
           </p:nvSpPr>
           <p:spPr>
             <a:xfrm>
-              <a:off x="4875182" y="5375688"/>
+              <a:off x="4570038" y="5375742"/>
               <a:ext cx="63202" cy="63202"/>
             </a:xfrm>
             <a:custGeom>
@@ -19323,7 +19323,7 @@
           </p:nvSpPr>
           <p:spPr>
             <a:xfrm>
-              <a:off x="4804315" y="5367918"/>
+              <a:off x="5164863" y="5367893"/>
               <a:ext cx="63202" cy="63202"/>
             </a:xfrm>
             <a:custGeom>
@@ -19366,7 +19366,7 @@
           </p:nvSpPr>
           <p:spPr>
             <a:xfrm>
-              <a:off x="4908094" y="5337675"/>
+              <a:off x="4865892" y="5337645"/>
               <a:ext cx="63202" cy="63202"/>
             </a:xfrm>
             <a:custGeom>
@@ -19409,7 +19409,7 @@
           </p:nvSpPr>
           <p:spPr>
             <a:xfrm>
-              <a:off x="4726849" y="5352860"/>
+              <a:off x="4773691" y="5352868"/>
               <a:ext cx="63202" cy="63202"/>
             </a:xfrm>
             <a:custGeom>
@@ -19452,7 +19452,7 @@
           </p:nvSpPr>
           <p:spPr>
             <a:xfrm>
-              <a:off x="4801765" y="5349930"/>
+              <a:off x="5052336" y="5349962"/>
               <a:ext cx="63202" cy="63202"/>
             </a:xfrm>
             <a:custGeom>
@@ -19495,7 +19495,7 @@
           </p:nvSpPr>
           <p:spPr>
             <a:xfrm>
-              <a:off x="4945769" y="5428416"/>
+              <a:off x="4674648" y="5428399"/>
               <a:ext cx="63202" cy="63202"/>
             </a:xfrm>
             <a:custGeom>
@@ -19538,7 +19538,7 @@
           </p:nvSpPr>
           <p:spPr>
             <a:xfrm>
-              <a:off x="4994218" y="5360627"/>
+              <a:off x="4745612" y="5360638"/>
               <a:ext cx="63202" cy="63202"/>
             </a:xfrm>
             <a:custGeom>
@@ -19581,7 +19581,7 @@
           </p:nvSpPr>
           <p:spPr>
             <a:xfrm>
-              <a:off x="4853657" y="5919873"/>
+              <a:off x="5070927" y="5919847"/>
               <a:ext cx="63202" cy="63202"/>
             </a:xfrm>
             <a:custGeom>
@@ -19624,7 +19624,7 @@
           </p:nvSpPr>
           <p:spPr>
             <a:xfrm>
-              <a:off x="4642836" y="5388276"/>
+              <a:off x="4622715" y="5388302"/>
               <a:ext cx="63202" cy="63202"/>
             </a:xfrm>
             <a:custGeom>
@@ -19667,7 +19667,7 @@
           </p:nvSpPr>
           <p:spPr>
             <a:xfrm>
-              <a:off x="4912355" y="5372228"/>
+              <a:off x="5139013" y="5372222"/>
               <a:ext cx="63202" cy="63202"/>
             </a:xfrm>
             <a:custGeom>
@@ -19710,7 +19710,7 @@
           </p:nvSpPr>
           <p:spPr>
             <a:xfrm>
-              <a:off x="5048091" y="5438754"/>
+              <a:off x="4496845" y="5438793"/>
               <a:ext cx="63202" cy="63202"/>
             </a:xfrm>
             <a:custGeom>
@@ -19753,7 +19753,7 @@
           </p:nvSpPr>
           <p:spPr>
             <a:xfrm>
-              <a:off x="4590490" y="5349027"/>
+              <a:off x="5080771" y="5348998"/>
               <a:ext cx="63202" cy="63202"/>
             </a:xfrm>
             <a:custGeom>
@@ -19796,7 +19796,7 @@
           </p:nvSpPr>
           <p:spPr>
             <a:xfrm>
-              <a:off x="5111854" y="5346252"/>
+              <a:off x="4664726" y="5346278"/>
               <a:ext cx="63202" cy="63202"/>
             </a:xfrm>
             <a:custGeom>
@@ -19839,7 +19839,7 @@
           </p:nvSpPr>
           <p:spPr>
             <a:xfrm>
-              <a:off x="5827829" y="6666333"/>
+              <a:off x="5537080" y="6666341"/>
               <a:ext cx="63202" cy="63202"/>
             </a:xfrm>
             <a:custGeom>
@@ -19882,7 +19882,7 @@
           </p:nvSpPr>
           <p:spPr>
             <a:xfrm>
-              <a:off x="5123264" y="5474654"/>
+              <a:off x="5062211" y="5474653"/>
               <a:ext cx="63202" cy="63202"/>
             </a:xfrm>
             <a:custGeom>
@@ -19925,7 +19925,7 @@
           </p:nvSpPr>
           <p:spPr>
             <a:xfrm>
-              <a:off x="5036830" y="5382707"/>
+              <a:off x="5120104" y="5382684"/>
               <a:ext cx="63202" cy="63202"/>
             </a:xfrm>
             <a:custGeom>
@@ -19968,7 +19968,7 @@
           </p:nvSpPr>
           <p:spPr>
             <a:xfrm>
-              <a:off x="5065997" y="5963873"/>
+              <a:off x="4970644" y="5963846"/>
               <a:ext cx="63202" cy="63202"/>
             </a:xfrm>
             <a:custGeom>
@@ -20011,7 +20011,7 @@
           </p:nvSpPr>
           <p:spPr>
             <a:xfrm>
-              <a:off x="4676237" y="5331247"/>
+              <a:off x="4628236" y="5331215"/>
               <a:ext cx="63202" cy="63202"/>
             </a:xfrm>
             <a:custGeom>
@@ -20054,7 +20054,7 @@
           </p:nvSpPr>
           <p:spPr>
             <a:xfrm>
-              <a:off x="4478308" y="5334948"/>
+              <a:off x="4928759" y="5334904"/>
               <a:ext cx="63202" cy="63202"/>
             </a:xfrm>
             <a:custGeom>
@@ -20097,7 +20097,7 @@
           </p:nvSpPr>
           <p:spPr>
             <a:xfrm>
-              <a:off x="4862301" y="5333613"/>
+              <a:off x="4942159" y="5333610"/>
               <a:ext cx="63202" cy="63202"/>
             </a:xfrm>
             <a:custGeom>
@@ -20140,7 +20140,7 @@
           </p:nvSpPr>
           <p:spPr>
             <a:xfrm>
-              <a:off x="4942228" y="5338827"/>
+              <a:off x="4925659" y="5338765"/>
               <a:ext cx="63202" cy="63202"/>
             </a:xfrm>
             <a:custGeom>
@@ -20183,7 +20183,7 @@
           </p:nvSpPr>
           <p:spPr>
             <a:xfrm>
-              <a:off x="5035921" y="5357102"/>
+              <a:off x="5046172" y="5357133"/>
               <a:ext cx="63202" cy="63202"/>
             </a:xfrm>
             <a:custGeom>
@@ -20226,7 +20226,7 @@
           </p:nvSpPr>
           <p:spPr>
             <a:xfrm>
-              <a:off x="4568887" y="5421606"/>
+              <a:off x="5152054" y="5421615"/>
               <a:ext cx="63202" cy="63202"/>
             </a:xfrm>
             <a:custGeom>
@@ -20269,7 +20269,7 @@
           </p:nvSpPr>
           <p:spPr>
             <a:xfrm>
-              <a:off x="4487591" y="5323263"/>
+              <a:off x="4854861" y="5323223"/>
               <a:ext cx="63202" cy="63202"/>
             </a:xfrm>
             <a:custGeom>
@@ -20312,7 +20312,7 @@
           </p:nvSpPr>
           <p:spPr>
             <a:xfrm>
-              <a:off x="4897293" y="5379401"/>
+              <a:off x="4473630" y="5379380"/>
               <a:ext cx="63202" cy="63202"/>
             </a:xfrm>
             <a:custGeom>
@@ -20355,7 +20355,7 @@
           </p:nvSpPr>
           <p:spPr>
             <a:xfrm>
-              <a:off x="4746297" y="5320551"/>
+              <a:off x="4765142" y="5320588"/>
               <a:ext cx="63202" cy="63202"/>
             </a:xfrm>
             <a:custGeom>
@@ -20398,7 +20398,7 @@
           </p:nvSpPr>
           <p:spPr>
             <a:xfrm>
-              <a:off x="4766373" y="5339735"/>
+              <a:off x="4916807" y="5339775"/>
               <a:ext cx="63202" cy="63202"/>
             </a:xfrm>
             <a:custGeom>
@@ -20441,7 +20441,7 @@
           </p:nvSpPr>
           <p:spPr>
             <a:xfrm>
-              <a:off x="4650957" y="5379866"/>
+              <a:off x="4672734" y="5379877"/>
               <a:ext cx="63202" cy="63202"/>
             </a:xfrm>
             <a:custGeom>
@@ -20484,7 +20484,7 @@
           </p:nvSpPr>
           <p:spPr>
             <a:xfrm>
-              <a:off x="5012904" y="5356758"/>
+              <a:off x="4993206" y="5356724"/>
               <a:ext cx="63202" cy="63202"/>
             </a:xfrm>
             <a:custGeom>
@@ -20527,7 +20527,7 @@
           </p:nvSpPr>
           <p:spPr>
             <a:xfrm>
-              <a:off x="4627088" y="6155853"/>
+              <a:off x="5047395" y="6155857"/>
               <a:ext cx="63202" cy="63202"/>
             </a:xfrm>
             <a:custGeom>
@@ -20570,7 +20570,7 @@
           </p:nvSpPr>
           <p:spPr>
             <a:xfrm>
-              <a:off x="4744566" y="5635021"/>
+              <a:off x="5096660" y="5635061"/>
               <a:ext cx="63202" cy="63202"/>
             </a:xfrm>
             <a:custGeom>
@@ -20613,7 +20613,7 @@
           </p:nvSpPr>
           <p:spPr>
             <a:xfrm>
-              <a:off x="4652572" y="5347375"/>
+              <a:off x="4844514" y="5347408"/>
               <a:ext cx="63202" cy="63202"/>
             </a:xfrm>
             <a:custGeom>
@@ -20656,7 +20656,7 @@
           </p:nvSpPr>
           <p:spPr>
             <a:xfrm>
-              <a:off x="4943611" y="5342891"/>
+              <a:off x="4581151" y="5342867"/>
               <a:ext cx="63202" cy="63202"/>
             </a:xfrm>
             <a:custGeom>
@@ -20699,7 +20699,7 @@
           </p:nvSpPr>
           <p:spPr>
             <a:xfrm>
-              <a:off x="4471027" y="5408040"/>
+              <a:off x="4844019" y="5408030"/>
               <a:ext cx="63202" cy="63202"/>
             </a:xfrm>
             <a:custGeom>
@@ -20742,7 +20742,7 @@
           </p:nvSpPr>
           <p:spPr>
             <a:xfrm>
-              <a:off x="4920248" y="5382327"/>
+              <a:off x="4897974" y="5382292"/>
               <a:ext cx="63202" cy="63202"/>
             </a:xfrm>
             <a:custGeom>
@@ -20785,7 +20785,7 @@
           </p:nvSpPr>
           <p:spPr>
             <a:xfrm>
-              <a:off x="4642370" y="5361080"/>
+              <a:off x="4697435" y="5361097"/>
               <a:ext cx="63202" cy="63202"/>
             </a:xfrm>
             <a:custGeom>
@@ -20828,7 +20828,7 @@
           </p:nvSpPr>
           <p:spPr>
             <a:xfrm>
-              <a:off x="5134095" y="5947972"/>
+              <a:off x="4724073" y="5947998"/>
               <a:ext cx="63202" cy="63202"/>
             </a:xfrm>
             <a:custGeom>
@@ -20871,7 +20871,7 @@
           </p:nvSpPr>
           <p:spPr>
             <a:xfrm>
-              <a:off x="4580962" y="5349757"/>
+              <a:off x="4787977" y="5349738"/>
               <a:ext cx="63202" cy="63202"/>
             </a:xfrm>
             <a:custGeom>
@@ -20914,7 +20914,7 @@
           </p:nvSpPr>
           <p:spPr>
             <a:xfrm>
-              <a:off x="5021654" y="5400252"/>
+              <a:off x="4590993" y="5400248"/>
               <a:ext cx="63202" cy="63202"/>
             </a:xfrm>
             <a:custGeom>
@@ -20957,7 +20957,7 @@
           </p:nvSpPr>
           <p:spPr>
             <a:xfrm>
-              <a:off x="4637697" y="6279009"/>
+              <a:off x="5088400" y="6278990"/>
               <a:ext cx="63202" cy="63202"/>
             </a:xfrm>
             <a:custGeom>
@@ -21000,7 +21000,7 @@
           </p:nvSpPr>
           <p:spPr>
             <a:xfrm>
-              <a:off x="4625605" y="5674114"/>
+              <a:off x="4496987" y="5674110"/>
               <a:ext cx="63202" cy="63202"/>
             </a:xfrm>
             <a:custGeom>
@@ -21043,7 +21043,7 @@
           </p:nvSpPr>
           <p:spPr>
             <a:xfrm>
-              <a:off x="4497646" y="6265414"/>
+              <a:off x="5039110" y="6265346"/>
               <a:ext cx="63202" cy="63202"/>
             </a:xfrm>
             <a:custGeom>
@@ -21086,7 +21086,7 @@
           </p:nvSpPr>
           <p:spPr>
             <a:xfrm>
-              <a:off x="4936458" y="6265857"/>
+              <a:off x="4763244" y="6265813"/>
               <a:ext cx="63202" cy="63202"/>
             </a:xfrm>
             <a:custGeom>
@@ -21129,7 +21129,7 @@
           </p:nvSpPr>
           <p:spPr>
             <a:xfrm>
-              <a:off x="5039168" y="5337605"/>
+              <a:off x="4996110" y="5337574"/>
               <a:ext cx="63202" cy="63202"/>
             </a:xfrm>
             <a:custGeom>
@@ -21172,7 +21172,7 @@
           </p:nvSpPr>
           <p:spPr>
             <a:xfrm>
-              <a:off x="4823539" y="6111519"/>
+              <a:off x="4777964" y="6111489"/>
               <a:ext cx="63202" cy="63202"/>
             </a:xfrm>
             <a:custGeom>
@@ -21215,7 +21215,7 @@
           </p:nvSpPr>
           <p:spPr>
             <a:xfrm>
-              <a:off x="4984153" y="6421645"/>
+              <a:off x="4496187" y="6421584"/>
               <a:ext cx="63202" cy="63202"/>
             </a:xfrm>
             <a:custGeom>
@@ -21258,7 +21258,7 @@
           </p:nvSpPr>
           <p:spPr>
             <a:xfrm>
-              <a:off x="4617805" y="5616107"/>
+              <a:off x="5167712" y="5616081"/>
               <a:ext cx="63202" cy="63202"/>
             </a:xfrm>
             <a:custGeom>
@@ -21301,7 +21301,7 @@
           </p:nvSpPr>
           <p:spPr>
             <a:xfrm>
-              <a:off x="4766709" y="5368458"/>
+              <a:off x="5131175" y="5368406"/>
               <a:ext cx="63202" cy="63202"/>
             </a:xfrm>
             <a:custGeom>
@@ -21344,7 +21344,7 @@
           </p:nvSpPr>
           <p:spPr>
             <a:xfrm>
-              <a:off x="4782076" y="5825764"/>
+              <a:off x="4583049" y="5825721"/>
               <a:ext cx="63202" cy="63202"/>
             </a:xfrm>
             <a:custGeom>
@@ -21387,7 +21387,7 @@
           </p:nvSpPr>
           <p:spPr>
             <a:xfrm>
-              <a:off x="4714961" y="5418866"/>
+              <a:off x="5062054" y="5418869"/>
               <a:ext cx="63202" cy="63202"/>
             </a:xfrm>
             <a:custGeom>
@@ -21430,7 +21430,7 @@
           </p:nvSpPr>
           <p:spPr>
             <a:xfrm>
-              <a:off x="5002658" y="5355253"/>
+              <a:off x="5049461" y="5355262"/>
               <a:ext cx="63202" cy="63202"/>
             </a:xfrm>
             <a:custGeom>
@@ -21473,7 +21473,7 @@
           </p:nvSpPr>
           <p:spPr>
             <a:xfrm>
-              <a:off x="4925883" y="5625022"/>
+              <a:off x="4538874" y="5625002"/>
               <a:ext cx="63202" cy="63202"/>
             </a:xfrm>
             <a:custGeom>
@@ -21516,7 +21516,7 @@
           </p:nvSpPr>
           <p:spPr>
             <a:xfrm>
-              <a:off x="5086032" y="6248138"/>
+              <a:off x="4602035" y="6248093"/>
               <a:ext cx="63202" cy="63202"/>
             </a:xfrm>
             <a:custGeom>
@@ -21559,7 +21559,7 @@
           </p:nvSpPr>
           <p:spPr>
             <a:xfrm>
-              <a:off x="5017332" y="5433952"/>
+              <a:off x="4523150" y="5433926"/>
               <a:ext cx="63202" cy="63202"/>
             </a:xfrm>
             <a:custGeom>
@@ -21602,7 +21602,7 @@
           </p:nvSpPr>
           <p:spPr>
             <a:xfrm>
-              <a:off x="4883488" y="5367984"/>
+              <a:off x="4495731" y="5367938"/>
               <a:ext cx="63202" cy="63202"/>
             </a:xfrm>
             <a:custGeom>
@@ -21645,7 +21645,7 @@
           </p:nvSpPr>
           <p:spPr>
             <a:xfrm>
-              <a:off x="4964333" y="5430565"/>
+              <a:off x="4888170" y="5430535"/>
               <a:ext cx="63202" cy="63202"/>
             </a:xfrm>
             <a:custGeom>
@@ -21688,7 +21688,7 @@
           </p:nvSpPr>
           <p:spPr>
             <a:xfrm>
-              <a:off x="4691215" y="5362196"/>
+              <a:off x="4589002" y="5362219"/>
               <a:ext cx="63202" cy="63202"/>
             </a:xfrm>
             <a:custGeom>
@@ -21731,7 +21731,7 @@
           </p:nvSpPr>
           <p:spPr>
             <a:xfrm>
-              <a:off x="5078844" y="6059801"/>
+              <a:off x="4531261" y="6059749"/>
               <a:ext cx="63202" cy="63202"/>
             </a:xfrm>
             <a:custGeom>
@@ -21774,7 +21774,7 @@
           </p:nvSpPr>
           <p:spPr>
             <a:xfrm>
-              <a:off x="4749494" y="5382314"/>
+              <a:off x="4992892" y="5382300"/>
               <a:ext cx="63202" cy="63202"/>
             </a:xfrm>
             <a:custGeom>
@@ -21817,7 +21817,7 @@
           </p:nvSpPr>
           <p:spPr>
             <a:xfrm>
-              <a:off x="4613737" y="5465469"/>
+              <a:off x="4660457" y="5465483"/>
               <a:ext cx="63202" cy="63202"/>
             </a:xfrm>
             <a:custGeom>
@@ -21860,7 +21860,7 @@
           </p:nvSpPr>
           <p:spPr>
             <a:xfrm>
-              <a:off x="4929086" y="5406602"/>
+              <a:off x="5068178" y="5406580"/>
               <a:ext cx="63202" cy="63202"/>
             </a:xfrm>
             <a:custGeom>
@@ -21903,7 +21903,7 @@
           </p:nvSpPr>
           <p:spPr>
             <a:xfrm>
-              <a:off x="4637842" y="5379018"/>
+              <a:off x="5053437" y="5378993"/>
               <a:ext cx="63202" cy="63202"/>
             </a:xfrm>
             <a:custGeom>
@@ -21946,7 +21946,7 @@
           </p:nvSpPr>
           <p:spPr>
             <a:xfrm>
-              <a:off x="4907483" y="5977180"/>
+              <a:off x="4893908" y="5977190"/>
               <a:ext cx="63202" cy="63202"/>
             </a:xfrm>
             <a:custGeom>
@@ -21989,7 +21989,7 @@
           </p:nvSpPr>
           <p:spPr>
             <a:xfrm>
-              <a:off x="4739188" y="5378237"/>
+              <a:off x="4529103" y="5378289"/>
               <a:ext cx="63202" cy="63202"/>
             </a:xfrm>
             <a:custGeom>
@@ -22032,7 +22032,7 @@
           </p:nvSpPr>
           <p:spPr>
             <a:xfrm>
-              <a:off x="4871087" y="5381645"/>
+              <a:off x="5009639" y="5381694"/>
               <a:ext cx="63202" cy="63202"/>
             </a:xfrm>
             <a:custGeom>
@@ -22075,7 +22075,7 @@
           </p:nvSpPr>
           <p:spPr>
             <a:xfrm>
-              <a:off x="5087679" y="5345661"/>
+              <a:off x="4886310" y="5345654"/>
               <a:ext cx="63202" cy="63202"/>
             </a:xfrm>
             <a:custGeom>
@@ -22118,7 +22118,7 @@
           </p:nvSpPr>
           <p:spPr>
             <a:xfrm>
-              <a:off x="5135699" y="5370206"/>
+              <a:off x="4891070" y="5370261"/>
               <a:ext cx="63202" cy="63202"/>
             </a:xfrm>
             <a:custGeom>
@@ -22161,7 +22161,7 @@
           </p:nvSpPr>
           <p:spPr>
             <a:xfrm>
-              <a:off x="5061084" y="5384117"/>
+              <a:off x="4926387" y="5384099"/>
               <a:ext cx="63202" cy="63202"/>
             </a:xfrm>
             <a:custGeom>
@@ -22204,7 +22204,7 @@
           </p:nvSpPr>
           <p:spPr>
             <a:xfrm>
-              <a:off x="4792938" y="5523563"/>
+              <a:off x="5026310" y="5523548"/>
               <a:ext cx="63202" cy="63202"/>
             </a:xfrm>
             <a:custGeom>
@@ -22247,7 +22247,7 @@
           </p:nvSpPr>
           <p:spPr>
             <a:xfrm>
-              <a:off x="4828274" y="5333135"/>
+              <a:off x="5125233" y="5333158"/>
               <a:ext cx="63202" cy="63202"/>
             </a:xfrm>
             <a:custGeom>
@@ -22290,7 +22290,7 @@
           </p:nvSpPr>
           <p:spPr>
             <a:xfrm>
-              <a:off x="5006564" y="5361857"/>
+              <a:off x="4832089" y="5361843"/>
               <a:ext cx="63202" cy="63202"/>
             </a:xfrm>
             <a:custGeom>
@@ -22333,7 +22333,7 @@
           </p:nvSpPr>
           <p:spPr>
             <a:xfrm>
-              <a:off x="4834449" y="5409723"/>
+              <a:off x="5163489" y="5409690"/>
               <a:ext cx="63202" cy="63202"/>
             </a:xfrm>
             <a:custGeom>
@@ -22376,7 +22376,7 @@
           </p:nvSpPr>
           <p:spPr>
             <a:xfrm>
-              <a:off x="4539744" y="5353922"/>
+              <a:off x="4500568" y="5353924"/>
               <a:ext cx="63202" cy="63202"/>
             </a:xfrm>
             <a:custGeom>
@@ -22419,7 +22419,7 @@
           </p:nvSpPr>
           <p:spPr>
             <a:xfrm>
-              <a:off x="5084607" y="5393359"/>
+              <a:off x="4893833" y="5393372"/>
               <a:ext cx="63202" cy="63202"/>
             </a:xfrm>
             <a:custGeom>
@@ -22462,7 +22462,7 @@
           </p:nvSpPr>
           <p:spPr>
             <a:xfrm>
-              <a:off x="4595232" y="5369901"/>
+              <a:off x="4550357" y="5369839"/>
               <a:ext cx="63202" cy="63202"/>
             </a:xfrm>
             <a:custGeom>
@@ -22505,7 +22505,7 @@
           </p:nvSpPr>
           <p:spPr>
             <a:xfrm>
-              <a:off x="4655232" y="5370133"/>
+              <a:off x="4757000" y="5370177"/>
               <a:ext cx="63202" cy="63202"/>
             </a:xfrm>
             <a:custGeom>
@@ -22548,7 +22548,7 @@
           </p:nvSpPr>
           <p:spPr>
             <a:xfrm>
-              <a:off x="4854179" y="5385246"/>
+              <a:off x="4568397" y="5385243"/>
               <a:ext cx="63202" cy="63202"/>
             </a:xfrm>
             <a:custGeom>
@@ -22591,7 +22591,7 @@
           </p:nvSpPr>
           <p:spPr>
             <a:xfrm>
-              <a:off x="4916363" y="5344085"/>
+              <a:off x="5005077" y="5344113"/>
               <a:ext cx="63202" cy="63202"/>
             </a:xfrm>
             <a:custGeom>
@@ -22634,7 +22634,7 @@
           </p:nvSpPr>
           <p:spPr>
             <a:xfrm>
-              <a:off x="4596290" y="5376740"/>
+              <a:off x="4507443" y="5376741"/>
               <a:ext cx="63202" cy="63202"/>
             </a:xfrm>
             <a:custGeom>
@@ -22677,7 +22677,7 @@
           </p:nvSpPr>
           <p:spPr>
             <a:xfrm>
-              <a:off x="4659134" y="5390552"/>
+              <a:off x="4651662" y="5390517"/>
               <a:ext cx="63202" cy="63202"/>
             </a:xfrm>
             <a:custGeom>
@@ -22720,7 +22720,7 @@
           </p:nvSpPr>
           <p:spPr>
             <a:xfrm>
-              <a:off x="4539354" y="5349479"/>
+              <a:off x="4642343" y="5349496"/>
               <a:ext cx="63202" cy="63202"/>
             </a:xfrm>
             <a:custGeom>
@@ -22763,7 +22763,7 @@
           </p:nvSpPr>
           <p:spPr>
             <a:xfrm>
-              <a:off x="4950917" y="5384958"/>
+              <a:off x="4936361" y="5384931"/>
               <a:ext cx="63202" cy="63202"/>
             </a:xfrm>
             <a:custGeom>
@@ -22806,7 +22806,7 @@
           </p:nvSpPr>
           <p:spPr>
             <a:xfrm>
-              <a:off x="4489106" y="6357922"/>
+              <a:off x="5055181" y="6357878"/>
               <a:ext cx="63202" cy="63202"/>
             </a:xfrm>
             <a:custGeom>
@@ -22849,7 +22849,7 @@
           </p:nvSpPr>
           <p:spPr>
             <a:xfrm>
-              <a:off x="5079922" y="5372779"/>
+              <a:off x="4727971" y="5372818"/>
               <a:ext cx="63202" cy="63202"/>
             </a:xfrm>
             <a:custGeom>
@@ -22892,7 +22892,7 @@
           </p:nvSpPr>
           <p:spPr>
             <a:xfrm>
-              <a:off x="4787041" y="5401752"/>
+              <a:off x="4896737" y="5401770"/>
               <a:ext cx="63202" cy="63202"/>
             </a:xfrm>
             <a:custGeom>
@@ -22935,7 +22935,7 @@
           </p:nvSpPr>
           <p:spPr>
             <a:xfrm>
-              <a:off x="4920412" y="5344451"/>
+              <a:off x="4960249" y="5344499"/>
               <a:ext cx="63202" cy="63202"/>
             </a:xfrm>
             <a:custGeom>
@@ -22978,7 +22978,7 @@
           </p:nvSpPr>
           <p:spPr>
             <a:xfrm>
-              <a:off x="4991140" y="5318715"/>
+              <a:off x="4550434" y="5318709"/>
               <a:ext cx="63202" cy="63202"/>
             </a:xfrm>
             <a:custGeom>
@@ -23021,7 +23021,7 @@
           </p:nvSpPr>
           <p:spPr>
             <a:xfrm>
-              <a:off x="4972385" y="5339961"/>
+              <a:off x="5091844" y="5339947"/>
               <a:ext cx="63202" cy="63202"/>
             </a:xfrm>
             <a:custGeom>
@@ -23064,7 +23064,7 @@
           </p:nvSpPr>
           <p:spPr>
             <a:xfrm>
-              <a:off x="4734209" y="5370926"/>
+              <a:off x="4678262" y="5370911"/>
               <a:ext cx="63202" cy="63202"/>
             </a:xfrm>
             <a:custGeom>
@@ -23107,7 +23107,7 @@
           </p:nvSpPr>
           <p:spPr>
             <a:xfrm>
-              <a:off x="5025549" y="5355143"/>
+              <a:off x="4581869" y="5355153"/>
               <a:ext cx="63202" cy="63202"/>
             </a:xfrm>
             <a:custGeom>
@@ -23150,7 +23150,7 @@
           </p:nvSpPr>
           <p:spPr>
             <a:xfrm>
-              <a:off x="5137023" y="5342378"/>
+              <a:off x="4878752" y="5342369"/>
               <a:ext cx="63202" cy="63202"/>
             </a:xfrm>
             <a:custGeom>
@@ -23193,7 +23193,7 @@
           </p:nvSpPr>
           <p:spPr>
             <a:xfrm>
-              <a:off x="5002573" y="5362759"/>
+              <a:off x="4975690" y="5362759"/>
               <a:ext cx="63202" cy="63202"/>
             </a:xfrm>
             <a:custGeom>
@@ -23236,7 +23236,7 @@
           </p:nvSpPr>
           <p:spPr>
             <a:xfrm>
-              <a:off x="4640110" y="5340329"/>
+              <a:off x="4480735" y="5340325"/>
               <a:ext cx="63202" cy="63202"/>
             </a:xfrm>
             <a:custGeom>
@@ -23279,7 +23279,7 @@
           </p:nvSpPr>
           <p:spPr>
             <a:xfrm>
-              <a:off x="4497514" y="5467446"/>
+              <a:off x="5027719" y="5467469"/>
               <a:ext cx="63202" cy="63202"/>
             </a:xfrm>
             <a:custGeom>
@@ -23322,7 +23322,7 @@
           </p:nvSpPr>
           <p:spPr>
             <a:xfrm>
-              <a:off x="4623918" y="5378548"/>
+              <a:off x="4612236" y="5378542"/>
               <a:ext cx="63202" cy="63202"/>
             </a:xfrm>
             <a:custGeom>
@@ -23365,7 +23365,7 @@
           </p:nvSpPr>
           <p:spPr>
             <a:xfrm>
-              <a:off x="4814750" y="5466319"/>
+              <a:off x="4782156" y="5466316"/>
               <a:ext cx="63202" cy="63202"/>
             </a:xfrm>
             <a:custGeom>
@@ -23408,7 +23408,7 @@
           </p:nvSpPr>
           <p:spPr>
             <a:xfrm>
-              <a:off x="5041404" y="5452099"/>
+              <a:off x="5135651" y="5452056"/>
               <a:ext cx="63202" cy="63202"/>
             </a:xfrm>
             <a:custGeom>
@@ -23451,7 +23451,7 @@
           </p:nvSpPr>
           <p:spPr>
             <a:xfrm>
-              <a:off x="4585833" y="5343168"/>
+              <a:off x="4854645" y="5343141"/>
               <a:ext cx="63202" cy="63202"/>
             </a:xfrm>
             <a:custGeom>
@@ -23494,7 +23494,7 @@
           </p:nvSpPr>
           <p:spPr>
             <a:xfrm>
-              <a:off x="4600284" y="5374006"/>
+              <a:off x="4707092" y="5374026"/>
               <a:ext cx="63202" cy="63202"/>
             </a:xfrm>
             <a:custGeom>
@@ -23537,7 +23537,7 @@
           </p:nvSpPr>
           <p:spPr>
             <a:xfrm>
-              <a:off x="4693078" y="5378137"/>
+              <a:off x="4920073" y="5378196"/>
               <a:ext cx="63202" cy="63202"/>
             </a:xfrm>
             <a:custGeom>
@@ -23580,7 +23580,7 @@
           </p:nvSpPr>
           <p:spPr>
             <a:xfrm>
-              <a:off x="5016662" y="5337079"/>
+              <a:off x="4670463" y="5337121"/>
               <a:ext cx="63202" cy="63202"/>
             </a:xfrm>
             <a:custGeom>
@@ -23623,7 +23623,7 @@
           </p:nvSpPr>
           <p:spPr>
             <a:xfrm>
-              <a:off x="4958247" y="5342130"/>
+              <a:off x="4715087" y="5342131"/>
               <a:ext cx="63202" cy="63202"/>
             </a:xfrm>
             <a:custGeom>
@@ -23666,7 +23666,7 @@
           </p:nvSpPr>
           <p:spPr>
             <a:xfrm>
-              <a:off x="4601620" y="5349256"/>
+              <a:off x="5121686" y="5349254"/>
               <a:ext cx="63202" cy="63202"/>
             </a:xfrm>
             <a:custGeom>
@@ -23709,7 +23709,7 @@
           </p:nvSpPr>
           <p:spPr>
             <a:xfrm>
-              <a:off x="4972813" y="6050875"/>
+              <a:off x="4757546" y="6050894"/>
               <a:ext cx="63202" cy="63202"/>
             </a:xfrm>
             <a:custGeom>
@@ -23752,7 +23752,7 @@
           </p:nvSpPr>
           <p:spPr>
             <a:xfrm>
-              <a:off x="4490803" y="5377300"/>
+              <a:off x="4586639" y="5377330"/>
               <a:ext cx="63202" cy="63202"/>
             </a:xfrm>
             <a:custGeom>
@@ -23795,7 +23795,7 @@
           </p:nvSpPr>
           <p:spPr>
             <a:xfrm>
-              <a:off x="5151972" y="5384051"/>
+              <a:off x="5086215" y="5384031"/>
               <a:ext cx="63202" cy="63202"/>
             </a:xfrm>
             <a:custGeom>
@@ -23838,7 +23838,7 @@
           </p:nvSpPr>
           <p:spPr>
             <a:xfrm>
-              <a:off x="4511354" y="5378258"/>
+              <a:off x="5046182" y="5378245"/>
               <a:ext cx="63202" cy="63202"/>
             </a:xfrm>
             <a:custGeom>
@@ -23881,7 +23881,7 @@
           </p:nvSpPr>
           <p:spPr>
             <a:xfrm>
-              <a:off x="4538367" y="5379982"/>
+              <a:off x="4989611" y="5379994"/>
               <a:ext cx="63202" cy="63202"/>
             </a:xfrm>
             <a:custGeom>
@@ -23924,7 +23924,7 @@
           </p:nvSpPr>
           <p:spPr>
             <a:xfrm>
-              <a:off x="5109584" y="5374362"/>
+              <a:off x="5121767" y="5374368"/>
               <a:ext cx="63202" cy="63202"/>
             </a:xfrm>
             <a:custGeom>
@@ -23967,7 +23967,7 @@
           </p:nvSpPr>
           <p:spPr>
             <a:xfrm>
-              <a:off x="4786282" y="5408794"/>
+              <a:off x="4500999" y="5408764"/>
               <a:ext cx="63202" cy="63202"/>
             </a:xfrm>
             <a:custGeom>
@@ -24010,7 +24010,7 @@
           </p:nvSpPr>
           <p:spPr>
             <a:xfrm>
-              <a:off x="5165650" y="5368888"/>
+              <a:off x="4861269" y="5368913"/>
               <a:ext cx="63202" cy="63202"/>
             </a:xfrm>
             <a:custGeom>
@@ -24053,7 +24053,7 @@
           </p:nvSpPr>
           <p:spPr>
             <a:xfrm>
-              <a:off x="4498522" y="5335198"/>
+              <a:off x="5027892" y="5335177"/>
               <a:ext cx="63202" cy="63202"/>
             </a:xfrm>
             <a:custGeom>
@@ -24096,7 +24096,7 @@
           </p:nvSpPr>
           <p:spPr>
             <a:xfrm>
-              <a:off x="4488711" y="5776554"/>
+              <a:off x="4739892" y="5776571"/>
               <a:ext cx="63202" cy="63202"/>
             </a:xfrm>
             <a:custGeom>
@@ -24139,7 +24139,7 @@
           </p:nvSpPr>
           <p:spPr>
             <a:xfrm>
-              <a:off x="4962603" y="5359509"/>
+              <a:off x="4896404" y="5359447"/>
               <a:ext cx="63202" cy="63202"/>
             </a:xfrm>
             <a:custGeom>
@@ -24182,7 +24182,7 @@
           </p:nvSpPr>
           <p:spPr>
             <a:xfrm>
-              <a:off x="5009168" y="5326778"/>
+              <a:off x="4735517" y="5326827"/>
               <a:ext cx="63202" cy="63202"/>
             </a:xfrm>
             <a:custGeom>
@@ -24225,7 +24225,7 @@
           </p:nvSpPr>
           <p:spPr>
             <a:xfrm>
-              <a:off x="4771401" y="5342199"/>
+              <a:off x="4497087" y="5342163"/>
               <a:ext cx="63202" cy="63202"/>
             </a:xfrm>
             <a:custGeom>
@@ -24268,7 +24268,7 @@
           </p:nvSpPr>
           <p:spPr>
             <a:xfrm>
-              <a:off x="4764060" y="5377417"/>
+              <a:off x="5067163" y="5377443"/>
               <a:ext cx="63202" cy="63202"/>
             </a:xfrm>
             <a:custGeom>
@@ -24311,7 +24311,7 @@
           </p:nvSpPr>
           <p:spPr>
             <a:xfrm>
-              <a:off x="5083237" y="5335477"/>
+              <a:off x="4710783" y="5335531"/>
               <a:ext cx="63202" cy="63202"/>
             </a:xfrm>
             <a:custGeom>
@@ -24354,7 +24354,7 @@
           </p:nvSpPr>
           <p:spPr>
             <a:xfrm>
-              <a:off x="4570745" y="5670462"/>
+              <a:off x="4868992" y="5670460"/>
               <a:ext cx="63202" cy="63202"/>
             </a:xfrm>
             <a:custGeom>
@@ -24397,7 +24397,7 @@
           </p:nvSpPr>
           <p:spPr>
             <a:xfrm>
-              <a:off x="5117721" y="5780313"/>
+              <a:off x="4698418" y="5780350"/>
               <a:ext cx="63202" cy="63202"/>
             </a:xfrm>
             <a:custGeom>
@@ -24440,7 +24440,7 @@
           </p:nvSpPr>
           <p:spPr>
             <a:xfrm>
-              <a:off x="5078111" y="5387916"/>
+              <a:off x="4578540" y="5387856"/>
               <a:ext cx="63202" cy="63202"/>
             </a:xfrm>
             <a:custGeom>
@@ -24483,7 +24483,7 @@
           </p:nvSpPr>
           <p:spPr>
             <a:xfrm>
-              <a:off x="5052727" y="5386845"/>
+              <a:off x="4803656" y="5386834"/>
               <a:ext cx="63202" cy="63202"/>
             </a:xfrm>
             <a:custGeom>
@@ -24526,7 +24526,7 @@
           </p:nvSpPr>
           <p:spPr>
             <a:xfrm>
-              <a:off x="4884766" y="5361284"/>
+              <a:off x="5119425" y="5361239"/>
               <a:ext cx="63202" cy="63202"/>
             </a:xfrm>
             <a:custGeom>
@@ -24569,7 +24569,7 @@
           </p:nvSpPr>
           <p:spPr>
             <a:xfrm>
-              <a:off x="5159785" y="6354342"/>
+              <a:off x="5058035" y="6354275"/>
               <a:ext cx="63202" cy="63202"/>
             </a:xfrm>
             <a:custGeom>
@@ -24612,7 +24612,7 @@
           </p:nvSpPr>
           <p:spPr>
             <a:xfrm>
-              <a:off x="5054010" y="5435379"/>
+              <a:off x="4722253" y="5435366"/>
               <a:ext cx="63202" cy="63202"/>
             </a:xfrm>
             <a:custGeom>
@@ -24655,7 +24655,7 @@
           </p:nvSpPr>
           <p:spPr>
             <a:xfrm>
-              <a:off x="5072580" y="5431284"/>
+              <a:off x="5003397" y="5431353"/>
               <a:ext cx="63202" cy="63202"/>
             </a:xfrm>
             <a:custGeom>
@@ -24698,7 +24698,7 @@
           </p:nvSpPr>
           <p:spPr>
             <a:xfrm>
-              <a:off x="4532515" y="5436628"/>
+              <a:off x="4641431" y="5436575"/>
               <a:ext cx="63202" cy="63202"/>
             </a:xfrm>
             <a:custGeom>
@@ -24741,7 +24741,7 @@
           </p:nvSpPr>
           <p:spPr>
             <a:xfrm>
-              <a:off x="4884823" y="5878816"/>
+              <a:off x="4560024" y="5878775"/>
               <a:ext cx="63202" cy="63202"/>
             </a:xfrm>
             <a:custGeom>
@@ -24784,7 +24784,7 @@
           </p:nvSpPr>
           <p:spPr>
             <a:xfrm>
-              <a:off x="5035678" y="5586869"/>
+              <a:off x="5107496" y="5586898"/>
               <a:ext cx="63202" cy="63202"/>
             </a:xfrm>
             <a:custGeom>
@@ -24827,7 +24827,7 @@
           </p:nvSpPr>
           <p:spPr>
             <a:xfrm>
-              <a:off x="4654440" y="5328983"/>
+              <a:off x="4923984" y="5328961"/>
               <a:ext cx="63202" cy="63202"/>
             </a:xfrm>
             <a:custGeom>
@@ -24870,7 +24870,7 @@
           </p:nvSpPr>
           <p:spPr>
             <a:xfrm>
-              <a:off x="5111897" y="5431537"/>
+              <a:off x="4503208" y="5431511"/>
               <a:ext cx="63202" cy="63202"/>
             </a:xfrm>
             <a:custGeom>
@@ -24913,7 +24913,7 @@
           </p:nvSpPr>
           <p:spPr>
             <a:xfrm>
-              <a:off x="4719454" y="5492140"/>
+              <a:off x="4991073" y="5492112"/>
               <a:ext cx="63202" cy="63202"/>
             </a:xfrm>
             <a:custGeom>
@@ -24956,7 +24956,7 @@
           </p:nvSpPr>
           <p:spPr>
             <a:xfrm>
-              <a:off x="5145156" y="5337383"/>
+              <a:off x="4552342" y="5337379"/>
               <a:ext cx="63202" cy="63202"/>
             </a:xfrm>
             <a:custGeom>
@@ -24999,7 +24999,7 @@
           </p:nvSpPr>
           <p:spPr>
             <a:xfrm>
-              <a:off x="4904370" y="5337802"/>
+              <a:off x="5125896" y="5337762"/>
               <a:ext cx="63202" cy="63202"/>
             </a:xfrm>
             <a:custGeom>
@@ -25042,7 +25042,7 @@
           </p:nvSpPr>
           <p:spPr>
             <a:xfrm>
-              <a:off x="5166860" y="5358943"/>
+              <a:off x="5045245" y="5358872"/>
               <a:ext cx="63202" cy="63202"/>
             </a:xfrm>
             <a:custGeom>
@@ -25085,7 +25085,7 @@
           </p:nvSpPr>
           <p:spPr>
             <a:xfrm>
-              <a:off x="4621483" y="5430583"/>
+              <a:off x="4672406" y="5430592"/>
               <a:ext cx="63202" cy="63202"/>
             </a:xfrm>
             <a:custGeom>
@@ -25128,7 +25128,7 @@
           </p:nvSpPr>
           <p:spPr>
             <a:xfrm>
-              <a:off x="4905630" y="5381688"/>
+              <a:off x="4779673" y="5381691"/>
               <a:ext cx="63202" cy="63202"/>
             </a:xfrm>
             <a:custGeom>
@@ -25171,7 +25171,7 @@
           </p:nvSpPr>
           <p:spPr>
             <a:xfrm>
-              <a:off x="4832779" y="5376266"/>
+              <a:off x="4719763" y="5376273"/>
               <a:ext cx="63202" cy="63202"/>
             </a:xfrm>
             <a:custGeom>
@@ -25214,7 +25214,7 @@
           </p:nvSpPr>
           <p:spPr>
             <a:xfrm>
-              <a:off x="4709381" y="5364268"/>
+              <a:off x="5074379" y="5364252"/>
               <a:ext cx="63202" cy="63202"/>
             </a:xfrm>
             <a:custGeom>
@@ -25257,7 +25257,7 @@
           </p:nvSpPr>
           <p:spPr>
             <a:xfrm>
-              <a:off x="5076832" y="5528765"/>
+              <a:off x="4771353" y="5528714"/>
               <a:ext cx="63202" cy="63202"/>
             </a:xfrm>
             <a:custGeom>
@@ -25300,7 +25300,7 @@
           </p:nvSpPr>
           <p:spPr>
             <a:xfrm>
-              <a:off x="4925005" y="5376102"/>
+              <a:off x="4776960" y="5376120"/>
               <a:ext cx="63202" cy="63202"/>
             </a:xfrm>
             <a:custGeom>
@@ -25343,7 +25343,7 @@
           </p:nvSpPr>
           <p:spPr>
             <a:xfrm>
-              <a:off x="4494072" y="5354635"/>
+              <a:off x="4581019" y="5354692"/>
               <a:ext cx="63202" cy="63202"/>
             </a:xfrm>
             <a:custGeom>
@@ -25386,7 +25386,7 @@
           </p:nvSpPr>
           <p:spPr>
             <a:xfrm>
-              <a:off x="5149059" y="6055257"/>
+              <a:off x="4891769" y="6055205"/>
               <a:ext cx="63202" cy="63202"/>
             </a:xfrm>
             <a:custGeom>
@@ -25429,7 +25429,7 @@
           </p:nvSpPr>
           <p:spPr>
             <a:xfrm>
-              <a:off x="4997518" y="5346948"/>
+              <a:off x="4862291" y="5346919"/>
               <a:ext cx="63202" cy="63202"/>
             </a:xfrm>
             <a:custGeom>
@@ -25472,7 +25472,7 @@
           </p:nvSpPr>
           <p:spPr>
             <a:xfrm>
-              <a:off x="4564074" y="5364398"/>
+              <a:off x="4866922" y="5364357"/>
               <a:ext cx="63202" cy="63202"/>
             </a:xfrm>
             <a:custGeom>
@@ -25515,7 +25515,7 @@
           </p:nvSpPr>
           <p:spPr>
             <a:xfrm>
-              <a:off x="5066567" y="5380137"/>
+              <a:off x="4977245" y="5380115"/>
               <a:ext cx="63202" cy="63202"/>
             </a:xfrm>
             <a:custGeom>
@@ -25558,7 +25558,7 @@
           </p:nvSpPr>
           <p:spPr>
             <a:xfrm>
-              <a:off x="5462717" y="6744929"/>
+              <a:off x="5576815" y="6744918"/>
               <a:ext cx="63202" cy="63202"/>
             </a:xfrm>
             <a:custGeom>
@@ -25601,7 +25601,7 @@
           </p:nvSpPr>
           <p:spPr>
             <a:xfrm>
-              <a:off x="4508062" y="5337863"/>
+              <a:off x="4556532" y="5337832"/>
               <a:ext cx="63202" cy="63202"/>
             </a:xfrm>
             <a:custGeom>
@@ -25644,7 +25644,7 @@
           </p:nvSpPr>
           <p:spPr>
             <a:xfrm>
-              <a:off x="4512932" y="5382040"/>
+              <a:off x="4913094" y="5382040"/>
               <a:ext cx="63202" cy="63202"/>
             </a:xfrm>
             <a:custGeom>
@@ -25687,7 +25687,7 @@
           </p:nvSpPr>
           <p:spPr>
             <a:xfrm>
-              <a:off x="4839544" y="5373015"/>
+              <a:off x="4900779" y="5372969"/>
               <a:ext cx="63202" cy="63202"/>
             </a:xfrm>
             <a:custGeom>
@@ -25730,7 +25730,7 @@
           </p:nvSpPr>
           <p:spPr>
             <a:xfrm>
-              <a:off x="4813831" y="5334829"/>
+              <a:off x="4486329" y="5334811"/>
               <a:ext cx="63202" cy="63202"/>
             </a:xfrm>
             <a:custGeom>
@@ -25773,7 +25773,7 @@
           </p:nvSpPr>
           <p:spPr>
             <a:xfrm>
-              <a:off x="4512332" y="5360871"/>
+              <a:off x="4526913" y="5360864"/>
               <a:ext cx="63202" cy="63202"/>
             </a:xfrm>
             <a:custGeom>
@@ -25816,7 +25816,7 @@
           </p:nvSpPr>
           <p:spPr>
             <a:xfrm>
-              <a:off x="4924207" y="5352377"/>
+              <a:off x="4548207" y="5352411"/>
               <a:ext cx="63202" cy="63202"/>
             </a:xfrm>
             <a:custGeom>
@@ -25859,7 +25859,7 @@
           </p:nvSpPr>
           <p:spPr>
             <a:xfrm>
-              <a:off x="5134818" y="5361494"/>
+              <a:off x="4910733" y="5361434"/>
               <a:ext cx="63202" cy="63202"/>
             </a:xfrm>
             <a:custGeom>
@@ -25902,7 +25902,7 @@
           </p:nvSpPr>
           <p:spPr>
             <a:xfrm>
-              <a:off x="5118963" y="5342286"/>
+              <a:off x="5113003" y="5342302"/>
               <a:ext cx="63202" cy="63202"/>
             </a:xfrm>
             <a:custGeom>
@@ -25945,7 +25945,7 @@
           </p:nvSpPr>
           <p:spPr>
             <a:xfrm>
-              <a:off x="4770349" y="5387233"/>
+              <a:off x="4522151" y="5387201"/>
               <a:ext cx="63202" cy="63202"/>
             </a:xfrm>
             <a:custGeom>
@@ -25988,7 +25988,7 @@
           </p:nvSpPr>
           <p:spPr>
             <a:xfrm>
-              <a:off x="4872437" y="5694114"/>
+              <a:off x="4898895" y="5694123"/>
               <a:ext cx="63202" cy="63202"/>
             </a:xfrm>
             <a:custGeom>
@@ -26031,7 +26031,7 @@
           </p:nvSpPr>
           <p:spPr>
             <a:xfrm>
-              <a:off x="5034161" y="5346480"/>
+              <a:off x="4661900" y="5346453"/>
               <a:ext cx="63202" cy="63202"/>
             </a:xfrm>
             <a:custGeom>
@@ -26074,7 +26074,7 @@
           </p:nvSpPr>
           <p:spPr>
             <a:xfrm>
-              <a:off x="5065636" y="5396938"/>
+              <a:off x="5092836" y="5396920"/>
               <a:ext cx="63202" cy="63202"/>
             </a:xfrm>
             <a:custGeom>
@@ -26117,7 +26117,7 @@
           </p:nvSpPr>
           <p:spPr>
             <a:xfrm>
-              <a:off x="5045651" y="5395386"/>
+              <a:off x="4668345" y="5395358"/>
               <a:ext cx="63202" cy="63202"/>
             </a:xfrm>
             <a:custGeom>
@@ -26160,7 +26160,7 @@
           </p:nvSpPr>
           <p:spPr>
             <a:xfrm>
-              <a:off x="5015987" y="5337276"/>
+              <a:off x="4791747" y="5337267"/>
               <a:ext cx="63202" cy="63202"/>
             </a:xfrm>
             <a:custGeom>
@@ -26203,7 +26203,7 @@
           </p:nvSpPr>
           <p:spPr>
             <a:xfrm>
-              <a:off x="5098423" y="5379367"/>
+              <a:off x="4998191" y="5379403"/>
               <a:ext cx="63202" cy="63202"/>
             </a:xfrm>
             <a:custGeom>
@@ -26246,7 +26246,7 @@
           </p:nvSpPr>
           <p:spPr>
             <a:xfrm>
-              <a:off x="5082460" y="5846060"/>
+              <a:off x="4659392" y="5846015"/>
               <a:ext cx="63202" cy="63202"/>
             </a:xfrm>
             <a:custGeom>
@@ -26289,7 +26289,7 @@
           </p:nvSpPr>
           <p:spPr>
             <a:xfrm>
-              <a:off x="4558730" y="5384388"/>
+              <a:off x="4720630" y="5384359"/>
               <a:ext cx="63202" cy="63202"/>
             </a:xfrm>
             <a:custGeom>
@@ -26332,7 +26332,7 @@
           </p:nvSpPr>
           <p:spPr>
             <a:xfrm>
-              <a:off x="4729002" y="5395651"/>
+              <a:off x="5101262" y="5395622"/>
               <a:ext cx="63202" cy="63202"/>
             </a:xfrm>
             <a:custGeom>
@@ -26375,7 +26375,7 @@
           </p:nvSpPr>
           <p:spPr>
             <a:xfrm>
-              <a:off x="4764883" y="5363094"/>
+              <a:off x="4758244" y="5363036"/>
               <a:ext cx="63202" cy="63202"/>
             </a:xfrm>
             <a:custGeom>
@@ -26418,7 +26418,7 @@
           </p:nvSpPr>
           <p:spPr>
             <a:xfrm>
-              <a:off x="4526094" y="5332227"/>
+              <a:off x="4991810" y="5332203"/>
               <a:ext cx="63202" cy="63202"/>
             </a:xfrm>
             <a:custGeom>
@@ -26461,7 +26461,7 @@
           </p:nvSpPr>
           <p:spPr>
             <a:xfrm>
-              <a:off x="4608587" y="5346902"/>
+              <a:off x="4584075" y="5346882"/>
               <a:ext cx="63202" cy="63202"/>
             </a:xfrm>
             <a:custGeom>
@@ -26504,7 +26504,7 @@
           </p:nvSpPr>
           <p:spPr>
             <a:xfrm>
-              <a:off x="4778448" y="5394207"/>
+              <a:off x="4733685" y="5394219"/>
               <a:ext cx="63202" cy="63202"/>
             </a:xfrm>
             <a:custGeom>
@@ -26547,7 +26547,7 @@
           </p:nvSpPr>
           <p:spPr>
             <a:xfrm>
-              <a:off x="4484734" y="5339626"/>
+              <a:off x="4641529" y="5339655"/>
               <a:ext cx="63202" cy="63202"/>
             </a:xfrm>
             <a:custGeom>
@@ -26590,7 +26590,7 @@
           </p:nvSpPr>
           <p:spPr>
             <a:xfrm>
-              <a:off x="4756512" y="5346626"/>
+              <a:off x="5082613" y="5346671"/>
               <a:ext cx="63202" cy="63202"/>
             </a:xfrm>
             <a:custGeom>
@@ -26633,7 +26633,7 @@
           </p:nvSpPr>
           <p:spPr>
             <a:xfrm>
-              <a:off x="4530983" y="5402779"/>
+              <a:off x="4607382" y="5402777"/>
               <a:ext cx="63202" cy="63202"/>
             </a:xfrm>
             <a:custGeom>
@@ -26676,7 +26676,7 @@
           </p:nvSpPr>
           <p:spPr>
             <a:xfrm>
-              <a:off x="4508735" y="5398344"/>
+              <a:off x="4792442" y="5398387"/>
               <a:ext cx="63202" cy="63202"/>
             </a:xfrm>
             <a:custGeom>
@@ -26719,7 +26719,7 @@
           </p:nvSpPr>
           <p:spPr>
             <a:xfrm>
-              <a:off x="4712527" y="5533444"/>
+              <a:off x="5081170" y="5533484"/>
               <a:ext cx="63202" cy="63202"/>
             </a:xfrm>
             <a:custGeom>
@@ -26762,7 +26762,7 @@
           </p:nvSpPr>
           <p:spPr>
             <a:xfrm>
-              <a:off x="5019959" y="5384959"/>
+              <a:off x="4470453" y="5384966"/>
               <a:ext cx="63202" cy="63202"/>
             </a:xfrm>
             <a:custGeom>
@@ -26805,7 +26805,7 @@
           </p:nvSpPr>
           <p:spPr>
             <a:xfrm>
-              <a:off x="6455961" y="6807859"/>
+              <a:off x="6368363" y="6807855"/>
               <a:ext cx="63202" cy="63202"/>
             </a:xfrm>
             <a:custGeom>
@@ -26848,7 +26848,7 @@
           </p:nvSpPr>
           <p:spPr>
             <a:xfrm>
-              <a:off x="4553132" y="5350820"/>
+              <a:off x="4836151" y="5350778"/>
               <a:ext cx="63202" cy="63202"/>
             </a:xfrm>
             <a:custGeom>
@@ -26891,7 +26891,7 @@
           </p:nvSpPr>
           <p:spPr>
             <a:xfrm>
-              <a:off x="4639772" y="5378654"/>
+              <a:off x="4484301" y="5378602"/>
               <a:ext cx="63202" cy="63202"/>
             </a:xfrm>
             <a:custGeom>
@@ -26934,7 +26934,7 @@
           </p:nvSpPr>
           <p:spPr>
             <a:xfrm>
-              <a:off x="5154373" y="5357335"/>
+              <a:off x="4881917" y="5357305"/>
               <a:ext cx="63202" cy="63202"/>
             </a:xfrm>
             <a:custGeom>
@@ -26977,7 +26977,7 @@
           </p:nvSpPr>
           <p:spPr>
             <a:xfrm>
-              <a:off x="4673606" y="5345917"/>
+              <a:off x="4911323" y="5345905"/>
               <a:ext cx="63202" cy="63202"/>
             </a:xfrm>
             <a:custGeom>
@@ -27020,7 +27020,7 @@
           </p:nvSpPr>
           <p:spPr>
             <a:xfrm>
-              <a:off x="4740108" y="5348133"/>
+              <a:off x="5083081" y="5348171"/>
               <a:ext cx="63202" cy="63202"/>
             </a:xfrm>
             <a:custGeom>
@@ -27063,7 +27063,7 @@
           </p:nvSpPr>
           <p:spPr>
             <a:xfrm>
-              <a:off x="5063972" y="5355214"/>
+              <a:off x="5094927" y="5355231"/>
               <a:ext cx="63202" cy="63202"/>
             </a:xfrm>
             <a:custGeom>
@@ -27106,7 +27106,7 @@
           </p:nvSpPr>
           <p:spPr>
             <a:xfrm>
-              <a:off x="4915213" y="5342876"/>
+              <a:off x="4772412" y="5342829"/>
               <a:ext cx="63202" cy="63202"/>
             </a:xfrm>
             <a:custGeom>
@@ -27149,7 +27149,7 @@
           </p:nvSpPr>
           <p:spPr>
             <a:xfrm>
-              <a:off x="5162990" y="5332271"/>
+              <a:off x="4529558" y="5332274"/>
               <a:ext cx="63202" cy="63202"/>
             </a:xfrm>
             <a:custGeom>
@@ -27192,7 +27192,7 @@
           </p:nvSpPr>
           <p:spPr>
             <a:xfrm>
-              <a:off x="4960728" y="5396695"/>
+              <a:off x="4655662" y="5396673"/>
               <a:ext cx="63202" cy="63202"/>
             </a:xfrm>
             <a:custGeom>
@@ -27235,7 +27235,7 @@
           </p:nvSpPr>
           <p:spPr>
             <a:xfrm>
-              <a:off x="4929019" y="5408378"/>
+              <a:off x="4494415" y="5408348"/>
               <a:ext cx="63202" cy="63202"/>
             </a:xfrm>
             <a:custGeom>
@@ -27278,7 +27278,7 @@
           </p:nvSpPr>
           <p:spPr>
             <a:xfrm>
-              <a:off x="4600546" y="5347405"/>
+              <a:off x="5142847" y="5347422"/>
               <a:ext cx="63202" cy="63202"/>
             </a:xfrm>
             <a:custGeom>
@@ -27321,7 +27321,7 @@
           </p:nvSpPr>
           <p:spPr>
             <a:xfrm>
-              <a:off x="5060096" y="5355906"/>
+              <a:off x="5148128" y="5355876"/>
               <a:ext cx="63202" cy="63202"/>
             </a:xfrm>
             <a:custGeom>
@@ -27364,7 +27364,7 @@
           </p:nvSpPr>
           <p:spPr>
             <a:xfrm>
-              <a:off x="4665897" y="5357522"/>
+              <a:off x="5015285" y="5357491"/>
               <a:ext cx="63202" cy="63202"/>
             </a:xfrm>
             <a:custGeom>
@@ -27407,7 +27407,7 @@
           </p:nvSpPr>
           <p:spPr>
             <a:xfrm>
-              <a:off x="5009877" y="5378385"/>
+              <a:off x="4469462" y="5378371"/>
               <a:ext cx="63202" cy="63202"/>
             </a:xfrm>
             <a:custGeom>
@@ -27450,7 +27450,7 @@
           </p:nvSpPr>
           <p:spPr>
             <a:xfrm>
-              <a:off x="5069378" y="5323232"/>
+              <a:off x="4758241" y="5323196"/>
               <a:ext cx="63202" cy="63202"/>
             </a:xfrm>
             <a:custGeom>
@@ -27493,7 +27493,7 @@
           </p:nvSpPr>
           <p:spPr>
             <a:xfrm>
-              <a:off x="5115288" y="5415899"/>
+              <a:off x="4978464" y="5415955"/>
               <a:ext cx="63202" cy="63202"/>
             </a:xfrm>
             <a:custGeom>
@@ -27536,7 +27536,7 @@
           </p:nvSpPr>
           <p:spPr>
             <a:xfrm>
-              <a:off x="4740833" y="5345765"/>
+              <a:off x="4590315" y="5345755"/>
               <a:ext cx="63202" cy="63202"/>
             </a:xfrm>
             <a:custGeom>
@@ -27579,7 +27579,7 @@
           </p:nvSpPr>
           <p:spPr>
             <a:xfrm>
-              <a:off x="4472377" y="5329858"/>
+              <a:off x="5162802" y="5329842"/>
               <a:ext cx="63202" cy="63202"/>
             </a:xfrm>
             <a:custGeom>
@@ -27622,7 +27622,7 @@
           </p:nvSpPr>
           <p:spPr>
             <a:xfrm>
-              <a:off x="5083389" y="5548690"/>
+              <a:off x="4618554" y="5548645"/>
               <a:ext cx="63202" cy="63202"/>
             </a:xfrm>
             <a:custGeom>
@@ -27665,7 +27665,7 @@
           </p:nvSpPr>
           <p:spPr>
             <a:xfrm>
-              <a:off x="4627281" y="5534325"/>
+              <a:off x="4620166" y="5534278"/>
               <a:ext cx="63202" cy="63202"/>
             </a:xfrm>
             <a:custGeom>
@@ -27708,7 +27708,7 @@
           </p:nvSpPr>
           <p:spPr>
             <a:xfrm>
-              <a:off x="5081264" y="5329846"/>
+              <a:off x="5097927" y="5329852"/>
               <a:ext cx="63202" cy="63202"/>
             </a:xfrm>
             <a:custGeom>
@@ -27751,7 +27751,7 @@
           </p:nvSpPr>
           <p:spPr>
             <a:xfrm>
-              <a:off x="5035296" y="5340132"/>
+              <a:off x="4941516" y="5340107"/>
               <a:ext cx="63202" cy="63202"/>
             </a:xfrm>
             <a:custGeom>
@@ -27794,7 +27794,7 @@
           </p:nvSpPr>
           <p:spPr>
             <a:xfrm>
-              <a:off x="4997252" y="5348998"/>
+              <a:off x="4612799" y="5349015"/>
               <a:ext cx="63202" cy="63202"/>
             </a:xfrm>
             <a:custGeom>
@@ -27837,7 +27837,7 @@
           </p:nvSpPr>
           <p:spPr>
             <a:xfrm>
-              <a:off x="4470004" y="5373064"/>
+              <a:off x="5101451" y="5373081"/>
               <a:ext cx="63202" cy="63202"/>
             </a:xfrm>
             <a:custGeom>
@@ -27880,7 +27880,7 @@
           </p:nvSpPr>
           <p:spPr>
             <a:xfrm>
-              <a:off x="4763156" y="5377261"/>
+              <a:off x="4506427" y="5377246"/>
               <a:ext cx="63202" cy="63202"/>
             </a:xfrm>
             <a:custGeom>
@@ -27923,7 +27923,7 @@
           </p:nvSpPr>
           <p:spPr>
             <a:xfrm>
-              <a:off x="5167456" y="5318347"/>
+              <a:off x="4665345" y="5318351"/>
               <a:ext cx="63202" cy="63202"/>
             </a:xfrm>
             <a:custGeom>
@@ -27966,7 +27966,7 @@
           </p:nvSpPr>
           <p:spPr>
             <a:xfrm>
-              <a:off x="4805922" y="5353926"/>
+              <a:off x="5029166" y="5353888"/>
               <a:ext cx="63202" cy="63202"/>
             </a:xfrm>
             <a:custGeom>
@@ -28009,7 +28009,7 @@
           </p:nvSpPr>
           <p:spPr>
             <a:xfrm>
-              <a:off x="5036472" y="5361675"/>
+              <a:off x="4764350" y="5361662"/>
               <a:ext cx="63202" cy="63202"/>
             </a:xfrm>
             <a:custGeom>
@@ -28052,7 +28052,7 @@
           </p:nvSpPr>
           <p:spPr>
             <a:xfrm>
-              <a:off x="5056894" y="5434512"/>
+              <a:off x="4939424" y="5434540"/>
               <a:ext cx="63202" cy="63202"/>
             </a:xfrm>
             <a:custGeom>
@@ -28095,7 +28095,7 @@
           </p:nvSpPr>
           <p:spPr>
             <a:xfrm>
-              <a:off x="5038903" y="5337105"/>
+              <a:off x="4943227" y="5337068"/>
               <a:ext cx="63202" cy="63202"/>
             </a:xfrm>
             <a:custGeom>
@@ -28138,7 +28138,7 @@
           </p:nvSpPr>
           <p:spPr>
             <a:xfrm>
-              <a:off x="5001739" y="5338908"/>
+              <a:off x="4825546" y="5338870"/>
               <a:ext cx="63202" cy="63202"/>
             </a:xfrm>
             <a:custGeom>
@@ -28181,7 +28181,7 @@
           </p:nvSpPr>
           <p:spPr>
             <a:xfrm>
-              <a:off x="4640557" y="5421961"/>
+              <a:off x="4788270" y="5421993"/>
               <a:ext cx="63202" cy="63202"/>
             </a:xfrm>
             <a:custGeom>
@@ -28224,7 +28224,7 @@
           </p:nvSpPr>
           <p:spPr>
             <a:xfrm>
-              <a:off x="4508937" y="5348823"/>
+              <a:off x="5124258" y="5348803"/>
               <a:ext cx="63202" cy="63202"/>
             </a:xfrm>
             <a:custGeom>
@@ -28267,7 +28267,7 @@
           </p:nvSpPr>
           <p:spPr>
             <a:xfrm>
-              <a:off x="4623696" y="5355862"/>
+              <a:off x="5061115" y="5355861"/>
               <a:ext cx="63202" cy="63202"/>
             </a:xfrm>
             <a:custGeom>
@@ -28310,7 +28310,7 @@
           </p:nvSpPr>
           <p:spPr>
             <a:xfrm>
-              <a:off x="5046895" y="5372165"/>
+              <a:off x="4510837" y="5372155"/>
               <a:ext cx="63202" cy="63202"/>
             </a:xfrm>
             <a:custGeom>
@@ -28353,7 +28353,7 @@
           </p:nvSpPr>
           <p:spPr>
             <a:xfrm>
-              <a:off x="5159771" y="5363858"/>
+              <a:off x="4987919" y="5363819"/>
               <a:ext cx="63202" cy="63202"/>
             </a:xfrm>
             <a:custGeom>
@@ -28396,7 +28396,7 @@
           </p:nvSpPr>
           <p:spPr>
             <a:xfrm>
-              <a:off x="5131639" y="5367218"/>
+              <a:off x="4501420" y="5367188"/>
               <a:ext cx="63202" cy="63202"/>
             </a:xfrm>
             <a:custGeom>
@@ -28439,7 +28439,7 @@
           </p:nvSpPr>
           <p:spPr>
             <a:xfrm>
-              <a:off x="4750952" y="5381657"/>
+              <a:off x="4745213" y="5381680"/>
               <a:ext cx="63202" cy="63202"/>
             </a:xfrm>
             <a:custGeom>
@@ -28482,7 +28482,7 @@
           </p:nvSpPr>
           <p:spPr>
             <a:xfrm>
-              <a:off x="4918401" y="5377418"/>
+              <a:off x="4719574" y="5377404"/>
               <a:ext cx="63202" cy="63202"/>
             </a:xfrm>
             <a:custGeom>
@@ -28525,7 +28525,7 @@
           </p:nvSpPr>
           <p:spPr>
             <a:xfrm>
-              <a:off x="5102210" y="5361007"/>
+              <a:off x="5029527" y="5360973"/>
               <a:ext cx="63202" cy="63202"/>
             </a:xfrm>
             <a:custGeom>
@@ -28568,7 +28568,7 @@
           </p:nvSpPr>
           <p:spPr>
             <a:xfrm>
-              <a:off x="4739304" y="5378062"/>
+              <a:off x="4988941" y="5378082"/>
               <a:ext cx="63202" cy="63202"/>
             </a:xfrm>
             <a:custGeom>
@@ -28611,7 +28611,7 @@
           </p:nvSpPr>
           <p:spPr>
             <a:xfrm>
-              <a:off x="4573334" y="5379190"/>
+              <a:off x="4878306" y="5379172"/>
               <a:ext cx="63202" cy="63202"/>
             </a:xfrm>
             <a:custGeom>
@@ -28654,7 +28654,7 @@
           </p:nvSpPr>
           <p:spPr>
             <a:xfrm>
-              <a:off x="4485396" y="6240482"/>
+              <a:off x="4527899" y="6240436"/>
               <a:ext cx="63202" cy="63202"/>
             </a:xfrm>
             <a:custGeom>
@@ -28697,7 +28697,7 @@
           </p:nvSpPr>
           <p:spPr>
             <a:xfrm>
-              <a:off x="4645102" y="5376032"/>
+              <a:off x="4830971" y="5376019"/>
               <a:ext cx="63202" cy="63202"/>
             </a:xfrm>
             <a:custGeom>
@@ -28740,7 +28740,7 @@
           </p:nvSpPr>
           <p:spPr>
             <a:xfrm>
-              <a:off x="4909538" y="5356638"/>
+              <a:off x="4862656" y="5356649"/>
               <a:ext cx="63202" cy="63202"/>
             </a:xfrm>
             <a:custGeom>
@@ -28783,7 +28783,7 @@
           </p:nvSpPr>
           <p:spPr>
             <a:xfrm>
-              <a:off x="4828909" y="5411871"/>
+              <a:off x="4855825" y="5411858"/>
               <a:ext cx="63202" cy="63202"/>
             </a:xfrm>
             <a:custGeom>
@@ -28826,7 +28826,7 @@
           </p:nvSpPr>
           <p:spPr>
             <a:xfrm>
-              <a:off x="5144364" y="5376965"/>
+              <a:off x="4834864" y="5376944"/>
               <a:ext cx="63202" cy="63202"/>
             </a:xfrm>
             <a:custGeom>
@@ -28869,7 +28869,7 @@
           </p:nvSpPr>
           <p:spPr>
             <a:xfrm>
-              <a:off x="4712229" y="5373920"/>
+              <a:off x="4576028" y="5373932"/>
               <a:ext cx="63202" cy="63202"/>
             </a:xfrm>
             <a:custGeom>
@@ -28912,7 +28912,7 @@
           </p:nvSpPr>
           <p:spPr>
             <a:xfrm>
-              <a:off x="4970919" y="5348259"/>
+              <a:off x="4478480" y="5348211"/>
               <a:ext cx="63202" cy="63202"/>
             </a:xfrm>
             <a:custGeom>
@@ -28955,7 +28955,7 @@
           </p:nvSpPr>
           <p:spPr>
             <a:xfrm>
-              <a:off x="4509385" y="5348693"/>
+              <a:off x="5008252" y="5348739"/>
               <a:ext cx="63202" cy="63202"/>
             </a:xfrm>
             <a:custGeom>
@@ -28998,7 +28998,7 @@
           </p:nvSpPr>
           <p:spPr>
             <a:xfrm>
-              <a:off x="5138178" y="5349216"/>
+              <a:off x="4831562" y="5349200"/>
               <a:ext cx="63202" cy="63202"/>
             </a:xfrm>
             <a:custGeom>
@@ -29041,7 +29041,7 @@
           </p:nvSpPr>
           <p:spPr>
             <a:xfrm>
-              <a:off x="4600353" y="6303898"/>
+              <a:off x="5019085" y="6303892"/>
               <a:ext cx="63202" cy="63202"/>
             </a:xfrm>
             <a:custGeom>
@@ -29084,7 +29084,7 @@
           </p:nvSpPr>
           <p:spPr>
             <a:xfrm>
-              <a:off x="4679405" y="5980165"/>
+              <a:off x="4792485" y="5980174"/>
               <a:ext cx="63202" cy="63202"/>
             </a:xfrm>
             <a:custGeom>
@@ -29127,7 +29127,7 @@
           </p:nvSpPr>
           <p:spPr>
             <a:xfrm>
-              <a:off x="5124460" y="5973547"/>
+              <a:off x="4745698" y="5973547"/>
               <a:ext cx="63202" cy="63202"/>
             </a:xfrm>
             <a:custGeom>
@@ -29170,7 +29170,7 @@
           </p:nvSpPr>
           <p:spPr>
             <a:xfrm>
-              <a:off x="5150525" y="6107697"/>
+              <a:off x="4878224" y="6107714"/>
               <a:ext cx="63202" cy="63202"/>
             </a:xfrm>
             <a:custGeom>
@@ -29213,7 +29213,7 @@
           </p:nvSpPr>
           <p:spPr>
             <a:xfrm>
-              <a:off x="4909538" y="5358510"/>
+              <a:off x="4617551" y="5358541"/>
               <a:ext cx="63202" cy="63202"/>
             </a:xfrm>
             <a:custGeom>
@@ -29256,7 +29256,7 @@
           </p:nvSpPr>
           <p:spPr>
             <a:xfrm>
-              <a:off x="5452938" y="6626872"/>
+              <a:off x="5457040" y="6626879"/>
               <a:ext cx="63202" cy="63202"/>
             </a:xfrm>
             <a:custGeom>
@@ -29299,7 +29299,7 @@
           </p:nvSpPr>
           <p:spPr>
             <a:xfrm>
-              <a:off x="4603995" y="5784871"/>
+              <a:off x="5000037" y="5784880"/>
               <a:ext cx="63202" cy="63202"/>
             </a:xfrm>
             <a:custGeom>
@@ -29342,7 +29342,7 @@
           </p:nvSpPr>
           <p:spPr>
             <a:xfrm>
-              <a:off x="4736731" y="5357057"/>
+              <a:off x="4564307" y="5357025"/>
               <a:ext cx="63202" cy="63202"/>
             </a:xfrm>
             <a:custGeom>
@@ -29385,7 +29385,7 @@
           </p:nvSpPr>
           <p:spPr>
             <a:xfrm>
-              <a:off x="4697996" y="5335417"/>
+              <a:off x="4746518" y="5335415"/>
               <a:ext cx="63202" cy="63202"/>
             </a:xfrm>
             <a:custGeom>
@@ -29428,7 +29428,7 @@
           </p:nvSpPr>
           <p:spPr>
             <a:xfrm>
-              <a:off x="4579013" y="5401563"/>
+              <a:off x="5030803" y="5401556"/>
               <a:ext cx="63202" cy="63202"/>
             </a:xfrm>
             <a:custGeom>
@@ -29471,7 +29471,7 @@
           </p:nvSpPr>
           <p:spPr>
             <a:xfrm>
-              <a:off x="4855765" y="5340147"/>
+              <a:off x="4855625" y="5340122"/>
               <a:ext cx="63202" cy="63202"/>
             </a:xfrm>
             <a:custGeom>
@@ -29514,7 +29514,7 @@
           </p:nvSpPr>
           <p:spPr>
             <a:xfrm>
-              <a:off x="4793135" y="5363713"/>
+              <a:off x="4883329" y="5363707"/>
               <a:ext cx="63202" cy="63202"/>
             </a:xfrm>
             <a:custGeom>
@@ -29557,7 +29557,7 @@
           </p:nvSpPr>
           <p:spPr>
             <a:xfrm>
-              <a:off x="4866484" y="5349363"/>
+              <a:off x="5032551" y="5349381"/>
               <a:ext cx="63202" cy="63202"/>
             </a:xfrm>
             <a:custGeom>
@@ -29600,7 +29600,7 @@
           </p:nvSpPr>
           <p:spPr>
             <a:xfrm>
-              <a:off x="4628253" y="5466692"/>
+              <a:off x="4899125" y="5466723"/>
               <a:ext cx="63202" cy="63202"/>
             </a:xfrm>
             <a:custGeom>
@@ -29643,7 +29643,7 @@
           </p:nvSpPr>
           <p:spPr>
             <a:xfrm>
-              <a:off x="5010505" y="5344011"/>
+              <a:off x="4749703" y="5343981"/>
               <a:ext cx="63202" cy="63202"/>
             </a:xfrm>
             <a:custGeom>
@@ -29686,7 +29686,7 @@
           </p:nvSpPr>
           <p:spPr>
             <a:xfrm>
-              <a:off x="4911241" y="5429736"/>
+              <a:off x="4672598" y="5429676"/>
               <a:ext cx="63202" cy="63202"/>
             </a:xfrm>
             <a:custGeom>
@@ -29729,7 +29729,7 @@
           </p:nvSpPr>
           <p:spPr>
             <a:xfrm>
-              <a:off x="4911470" y="5349781"/>
+              <a:off x="4767927" y="5349779"/>
               <a:ext cx="63202" cy="63202"/>
             </a:xfrm>
             <a:custGeom>
@@ -29772,7 +29772,7 @@
           </p:nvSpPr>
           <p:spPr>
             <a:xfrm>
-              <a:off x="4668041" y="5365486"/>
+              <a:off x="4812195" y="5365488"/>
               <a:ext cx="63202" cy="63202"/>
             </a:xfrm>
             <a:custGeom>
@@ -29815,7 +29815,7 @@
           </p:nvSpPr>
           <p:spPr>
             <a:xfrm>
-              <a:off x="5118456" y="5318065"/>
+              <a:off x="5135530" y="5318063"/>
               <a:ext cx="63202" cy="63202"/>
             </a:xfrm>
             <a:custGeom>
@@ -29858,7 +29858,7 @@
           </p:nvSpPr>
           <p:spPr>
             <a:xfrm>
-              <a:off x="4848968" y="5373603"/>
+              <a:off x="4931712" y="5373656"/>
               <a:ext cx="63202" cy="63202"/>
             </a:xfrm>
             <a:custGeom>
@@ -29901,7 +29901,7 @@
           </p:nvSpPr>
           <p:spPr>
             <a:xfrm>
-              <a:off x="5073532" y="5374416"/>
+              <a:off x="5043243" y="5374386"/>
               <a:ext cx="63202" cy="63202"/>
             </a:xfrm>
             <a:custGeom>
@@ -29944,7 +29944,7 @@
           </p:nvSpPr>
           <p:spPr>
             <a:xfrm>
-              <a:off x="4926918" y="5372892"/>
+              <a:off x="5095649" y="5372915"/>
               <a:ext cx="63202" cy="63202"/>
             </a:xfrm>
             <a:custGeom>
@@ -29987,7 +29987,7 @@
           </p:nvSpPr>
           <p:spPr>
             <a:xfrm>
-              <a:off x="4727293" y="5372768"/>
+              <a:off x="5105915" y="5372765"/>
               <a:ext cx="63202" cy="63202"/>
             </a:xfrm>
             <a:custGeom>
@@ -30030,7 +30030,7 @@
           </p:nvSpPr>
           <p:spPr>
             <a:xfrm>
-              <a:off x="4521605" y="5370985"/>
+              <a:off x="4815131" y="5371007"/>
               <a:ext cx="63202" cy="63202"/>
             </a:xfrm>
             <a:custGeom>
@@ -30073,7 +30073,7 @@
           </p:nvSpPr>
           <p:spPr>
             <a:xfrm>
-              <a:off x="4589012" y="5385704"/>
+              <a:off x="4680565" y="5385716"/>
               <a:ext cx="63202" cy="63202"/>
             </a:xfrm>
             <a:custGeom>
@@ -30116,7 +30116,7 @@
           </p:nvSpPr>
           <p:spPr>
             <a:xfrm>
-              <a:off x="4664438" y="5502205"/>
+              <a:off x="5033158" y="5502188"/>
               <a:ext cx="63202" cy="63202"/>
             </a:xfrm>
             <a:custGeom>
@@ -30159,7 +30159,7 @@
           </p:nvSpPr>
           <p:spPr>
             <a:xfrm>
-              <a:off x="4895523" y="5360815"/>
+              <a:off x="4901994" y="5360782"/>
               <a:ext cx="63202" cy="63202"/>
             </a:xfrm>
             <a:custGeom>
@@ -30202,7 +30202,7 @@
           </p:nvSpPr>
           <p:spPr>
             <a:xfrm>
-              <a:off x="4757980" y="5348884"/>
+              <a:off x="4854334" y="5348889"/>
               <a:ext cx="63202" cy="63202"/>
             </a:xfrm>
             <a:custGeom>
@@ -30245,7 +30245,7 @@
           </p:nvSpPr>
           <p:spPr>
             <a:xfrm>
-              <a:off x="4698070" y="5592946"/>
+              <a:off x="4633402" y="5592959"/>
               <a:ext cx="63202" cy="63202"/>
             </a:xfrm>
             <a:custGeom>
@@ -30288,7 +30288,7 @@
           </p:nvSpPr>
           <p:spPr>
             <a:xfrm>
-              <a:off x="4712557" y="5441513"/>
+              <a:off x="4618619" y="5441535"/>
               <a:ext cx="63202" cy="63202"/>
             </a:xfrm>
             <a:custGeom>
@@ -30331,7 +30331,7 @@
           </p:nvSpPr>
           <p:spPr>
             <a:xfrm>
-              <a:off x="4984996" y="5368859"/>
+              <a:off x="4897263" y="5368827"/>
               <a:ext cx="63202" cy="63202"/>
             </a:xfrm>
             <a:custGeom>
@@ -30374,7 +30374,7 @@
           </p:nvSpPr>
           <p:spPr>
             <a:xfrm>
-              <a:off x="5059061" y="5337012"/>
+              <a:off x="4852524" y="5337041"/>
               <a:ext cx="63202" cy="63202"/>
             </a:xfrm>
             <a:custGeom>
@@ -30417,7 +30417,7 @@
           </p:nvSpPr>
           <p:spPr>
             <a:xfrm>
-              <a:off x="4868419" y="5358284"/>
+              <a:off x="4505095" y="5358244"/>
               <a:ext cx="63202" cy="63202"/>
             </a:xfrm>
             <a:custGeom>
@@ -30460,7 +30460,7 @@
           </p:nvSpPr>
           <p:spPr>
             <a:xfrm>
-              <a:off x="5042429" y="5513984"/>
+              <a:off x="4602299" y="5514048"/>
               <a:ext cx="63202" cy="63202"/>
             </a:xfrm>
             <a:custGeom>
@@ -30503,7 +30503,7 @@
           </p:nvSpPr>
           <p:spPr>
             <a:xfrm>
-              <a:off x="4505324" y="5386503"/>
+              <a:off x="5153936" y="5386458"/>
               <a:ext cx="63202" cy="63202"/>
             </a:xfrm>
             <a:custGeom>
@@ -30546,7 +30546,7 @@
           </p:nvSpPr>
           <p:spPr>
             <a:xfrm>
-              <a:off x="4553371" y="5466698"/>
+              <a:off x="5128000" y="5466722"/>
               <a:ext cx="63202" cy="63202"/>
             </a:xfrm>
             <a:custGeom>
@@ -30589,7 +30589,7 @@
           </p:nvSpPr>
           <p:spPr>
             <a:xfrm>
-              <a:off x="4837363" y="5383616"/>
+              <a:off x="4556142" y="5383643"/>
               <a:ext cx="63202" cy="63202"/>
             </a:xfrm>
             <a:custGeom>
@@ -30688,7 +30688,7 @@
           </p:nvSpPr>
           <p:spPr>
             <a:xfrm>
-              <a:off x="7192078" y="2850752"/>
+              <a:off x="7192078" y="2850739"/>
               <a:ext cx="2796732" cy="0"/>
             </a:xfrm>
             <a:custGeom>
@@ -30731,7 +30731,7 @@
           </p:nvSpPr>
           <p:spPr>
             <a:xfrm>
-              <a:off x="7192078" y="2378729"/>
+              <a:off x="7192078" y="2378719"/>
               <a:ext cx="2796732" cy="0"/>
             </a:xfrm>
             <a:custGeom>
@@ -30774,7 +30774,7 @@
           </p:nvSpPr>
           <p:spPr>
             <a:xfrm>
-              <a:off x="7192078" y="1906706"/>
+              <a:off x="7192078" y="1906698"/>
               <a:ext cx="2796732" cy="0"/>
             </a:xfrm>
             <a:custGeom>
@@ -30817,7 +30817,7 @@
           </p:nvSpPr>
           <p:spPr>
             <a:xfrm>
-              <a:off x="7192078" y="1434682"/>
+              <a:off x="7192078" y="1434678"/>
               <a:ext cx="2796732" cy="0"/>
             </a:xfrm>
             <a:custGeom>
@@ -30860,7 +30860,7 @@
           </p:nvSpPr>
           <p:spPr>
             <a:xfrm>
-              <a:off x="7192078" y="2614740"/>
+              <a:off x="7192078" y="2614729"/>
               <a:ext cx="2796732" cy="0"/>
             </a:xfrm>
             <a:custGeom>
@@ -30903,7 +30903,7 @@
           </p:nvSpPr>
           <p:spPr>
             <a:xfrm>
-              <a:off x="7192078" y="2142717"/>
+              <a:off x="7192078" y="2142709"/>
               <a:ext cx="2796732" cy="0"/>
             </a:xfrm>
             <a:custGeom>
@@ -30946,7 +30946,7 @@
           </p:nvSpPr>
           <p:spPr>
             <a:xfrm>
-              <a:off x="7192078" y="1670694"/>
+              <a:off x="7192078" y="1670688"/>
               <a:ext cx="2796732" cy="0"/>
             </a:xfrm>
             <a:custGeom>
@@ -31118,7 +31118,7 @@
           </p:nvSpPr>
           <p:spPr>
             <a:xfrm>
-              <a:off x="7628055" y="2541619"/>
+              <a:off x="7826793" y="2541578"/>
               <a:ext cx="63202" cy="63202"/>
             </a:xfrm>
             <a:custGeom>
@@ -31161,7 +31161,7 @@
           </p:nvSpPr>
           <p:spPr>
             <a:xfrm>
-              <a:off x="7876354" y="2383081"/>
+              <a:off x="7352685" y="2383097"/>
               <a:ext cx="63202" cy="63202"/>
             </a:xfrm>
             <a:custGeom>
@@ -31204,7 +31204,7 @@
           </p:nvSpPr>
           <p:spPr>
             <a:xfrm>
-              <a:off x="7568049" y="2106216"/>
+              <a:off x="7941048" y="2106181"/>
               <a:ext cx="63202" cy="63202"/>
             </a:xfrm>
             <a:custGeom>
@@ -31247,7 +31247,7 @@
           </p:nvSpPr>
           <p:spPr>
             <a:xfrm>
-              <a:off x="7930176" y="2223708"/>
+              <a:off x="7797858" y="2223726"/>
               <a:ext cx="63202" cy="63202"/>
             </a:xfrm>
             <a:custGeom>
@@ -31290,7 +31290,7 @@
           </p:nvSpPr>
           <p:spPr>
             <a:xfrm>
-              <a:off x="7510979" y="2151634"/>
+              <a:off x="7948461" y="2151605"/>
               <a:ext cx="63202" cy="63202"/>
             </a:xfrm>
             <a:custGeom>
@@ -31333,7 +31333,7 @@
           </p:nvSpPr>
           <p:spPr>
             <a:xfrm>
-              <a:off x="7474327" y="1773896"/>
+              <a:off x="7664380" y="1773883"/>
               <a:ext cx="63202" cy="63202"/>
             </a:xfrm>
             <a:custGeom>
@@ -31376,7 +31376,7 @@
           </p:nvSpPr>
           <p:spPr>
             <a:xfrm>
-              <a:off x="7899500" y="2347770"/>
+              <a:off x="7485558" y="2347781"/>
               <a:ext cx="63202" cy="63202"/>
             </a:xfrm>
             <a:custGeom>
@@ -31419,7 +31419,7 @@
           </p:nvSpPr>
           <p:spPr>
             <a:xfrm>
-              <a:off x="7537369" y="2386850"/>
+              <a:off x="7465305" y="2386861"/>
               <a:ext cx="63202" cy="63202"/>
             </a:xfrm>
             <a:custGeom>
@@ -31462,7 +31462,7 @@
           </p:nvSpPr>
           <p:spPr>
             <a:xfrm>
-              <a:off x="7484642" y="2151214"/>
+              <a:off x="7883290" y="2151262"/>
               <a:ext cx="63202" cy="63202"/>
             </a:xfrm>
             <a:custGeom>
@@ -31505,7 +31505,7 @@
           </p:nvSpPr>
           <p:spPr>
             <a:xfrm>
-              <a:off x="7339316" y="2172582"/>
+              <a:off x="7486024" y="2172585"/>
               <a:ext cx="63202" cy="63202"/>
             </a:xfrm>
             <a:custGeom>
@@ -31548,7 +31548,7 @@
           </p:nvSpPr>
           <p:spPr>
             <a:xfrm>
-              <a:off x="7979052" y="2349983"/>
+              <a:off x="7595932" y="2349969"/>
               <a:ext cx="63202" cy="63202"/>
             </a:xfrm>
             <a:custGeom>
@@ -31591,7 +31591,7 @@
           </p:nvSpPr>
           <p:spPr>
             <a:xfrm>
-              <a:off x="7941725" y="2632339"/>
+              <a:off x="7986160" y="2632276"/>
               <a:ext cx="63202" cy="63202"/>
             </a:xfrm>
             <a:custGeom>
@@ -31634,7 +31634,7 @@
           </p:nvSpPr>
           <p:spPr>
             <a:xfrm>
-              <a:off x="7802995" y="2443502"/>
+              <a:off x="7480814" y="2443474"/>
               <a:ext cx="63202" cy="63202"/>
             </a:xfrm>
             <a:custGeom>
@@ -31677,7 +31677,7 @@
           </p:nvSpPr>
           <p:spPr>
             <a:xfrm>
-              <a:off x="8013467" y="2356782"/>
+              <a:off x="7881677" y="2356714"/>
               <a:ext cx="63202" cy="63202"/>
             </a:xfrm>
             <a:custGeom>
@@ -31720,7 +31720,7 @@
           </p:nvSpPr>
           <p:spPr>
             <a:xfrm>
-              <a:off x="7357901" y="2350973"/>
+              <a:off x="7506234" y="2350977"/>
               <a:ext cx="63202" cy="63202"/>
             </a:xfrm>
             <a:custGeom>
@@ -31763,7 +31763,7 @@
           </p:nvSpPr>
           <p:spPr>
             <a:xfrm>
-              <a:off x="7922490" y="2573011"/>
+              <a:off x="7428516" y="2573023"/>
               <a:ext cx="63202" cy="63202"/>
             </a:xfrm>
             <a:custGeom>
@@ -31806,7 +31806,7 @@
           </p:nvSpPr>
           <p:spPr>
             <a:xfrm>
-              <a:off x="7960529" y="2364473"/>
+              <a:off x="7408937" y="2364488"/>
               <a:ext cx="63202" cy="63202"/>
             </a:xfrm>
             <a:custGeom>
@@ -31849,7 +31849,7 @@
           </p:nvSpPr>
           <p:spPr>
             <a:xfrm>
-              <a:off x="7546076" y="2220516"/>
+              <a:off x="7801271" y="2220539"/>
               <a:ext cx="63202" cy="63202"/>
             </a:xfrm>
             <a:custGeom>
@@ -31892,7 +31892,7 @@
           </p:nvSpPr>
           <p:spPr>
             <a:xfrm>
-              <a:off x="7678724" y="2514166"/>
+              <a:off x="7600844" y="2514105"/>
               <a:ext cx="63202" cy="63202"/>
             </a:xfrm>
             <a:custGeom>
@@ -31935,7 +31935,7 @@
           </p:nvSpPr>
           <p:spPr>
             <a:xfrm>
-              <a:off x="7511945" y="2324119"/>
+              <a:off x="7534959" y="2324103"/>
               <a:ext cx="63202" cy="63202"/>
             </a:xfrm>
             <a:custGeom>
@@ -31978,7 +31978,7 @@
           </p:nvSpPr>
           <p:spPr>
             <a:xfrm>
-              <a:off x="7808491" y="2315752"/>
+              <a:off x="7488496" y="2315777"/>
               <a:ext cx="63202" cy="63202"/>
             </a:xfrm>
             <a:custGeom>
@@ -32021,7 +32021,7 @@
           </p:nvSpPr>
           <p:spPr>
             <a:xfrm>
-              <a:off x="7718331" y="2382751"/>
+              <a:off x="8011206" y="2382672"/>
               <a:ext cx="63202" cy="63202"/>
             </a:xfrm>
             <a:custGeom>
@@ -32064,7 +32064,7 @@
           </p:nvSpPr>
           <p:spPr>
             <a:xfrm>
-              <a:off x="7360717" y="2559436"/>
+              <a:off x="7419158" y="2559462"/>
               <a:ext cx="63202" cy="63202"/>
             </a:xfrm>
             <a:custGeom>
@@ -32107,7 +32107,7 @@
           </p:nvSpPr>
           <p:spPr>
             <a:xfrm>
-              <a:off x="7932958" y="2387544"/>
+              <a:off x="7374307" y="2387496"/>
               <a:ext cx="63202" cy="63202"/>
             </a:xfrm>
             <a:custGeom>
@@ -32150,7 +32150,7 @@
           </p:nvSpPr>
           <p:spPr>
             <a:xfrm>
-              <a:off x="7571314" y="2348924"/>
+              <a:off x="7680014" y="2348903"/>
               <a:ext cx="63202" cy="63202"/>
             </a:xfrm>
             <a:custGeom>
@@ -32193,7 +32193,7 @@
           </p:nvSpPr>
           <p:spPr>
             <a:xfrm>
-              <a:off x="7454453" y="1774294"/>
+              <a:off x="7517297" y="1774256"/>
               <a:ext cx="63202" cy="63202"/>
             </a:xfrm>
             <a:custGeom>
@@ -32236,7 +32236,7 @@
           </p:nvSpPr>
           <p:spPr>
             <a:xfrm>
-              <a:off x="7411985" y="2361024"/>
+              <a:off x="7607561" y="2361014"/>
               <a:ext cx="63202" cy="63202"/>
             </a:xfrm>
             <a:custGeom>
@@ -32279,7 +32279,7 @@
           </p:nvSpPr>
           <p:spPr>
             <a:xfrm>
-              <a:off x="7907107" y="2352794"/>
+              <a:off x="7551421" y="2352773"/>
               <a:ext cx="63202" cy="63202"/>
             </a:xfrm>
             <a:custGeom>
@@ -32322,7 +32322,7 @@
           </p:nvSpPr>
           <p:spPr>
             <a:xfrm>
-              <a:off x="7850974" y="1771167"/>
+              <a:off x="7778213" y="1771148"/>
               <a:ext cx="63202" cy="63202"/>
             </a:xfrm>
             <a:custGeom>
@@ -32365,7 +32365,7 @@
           </p:nvSpPr>
           <p:spPr>
             <a:xfrm>
-              <a:off x="7563519" y="2228934"/>
+              <a:off x="7956737" y="2228903"/>
               <a:ext cx="63202" cy="63202"/>
             </a:xfrm>
             <a:custGeom>
@@ -32408,7 +32408,7 @@
           </p:nvSpPr>
           <p:spPr>
             <a:xfrm>
-              <a:off x="8031973" y="2269896"/>
+              <a:off x="7408225" y="2269891"/>
               <a:ext cx="63202" cy="63202"/>
             </a:xfrm>
             <a:custGeom>
@@ -32451,7 +32451,7 @@
           </p:nvSpPr>
           <p:spPr>
             <a:xfrm>
-              <a:off x="7886298" y="2290705"/>
+              <a:off x="7729041" y="2290680"/>
               <a:ext cx="63202" cy="63202"/>
             </a:xfrm>
             <a:custGeom>
@@ -32494,7 +32494,7 @@
           </p:nvSpPr>
           <p:spPr>
             <a:xfrm>
-              <a:off x="7664333" y="2265302"/>
+              <a:off x="7525891" y="2265275"/>
               <a:ext cx="63202" cy="63202"/>
             </a:xfrm>
             <a:custGeom>
@@ -32537,7 +32537,7 @@
           </p:nvSpPr>
           <p:spPr>
             <a:xfrm>
-              <a:off x="7566954" y="2267426"/>
+              <a:off x="7955020" y="2267474"/>
               <a:ext cx="63202" cy="63202"/>
             </a:xfrm>
             <a:custGeom>
@@ -32580,7 +32580,7 @@
           </p:nvSpPr>
           <p:spPr>
             <a:xfrm>
-              <a:off x="7511798" y="2265674"/>
+              <a:off x="7379712" y="2265683"/>
               <a:ext cx="63202" cy="63202"/>
             </a:xfrm>
             <a:custGeom>
@@ -32623,7 +32623,7 @@
           </p:nvSpPr>
           <p:spPr>
             <a:xfrm>
-              <a:off x="7491344" y="2315210"/>
+              <a:off x="7496127" y="2315216"/>
               <a:ext cx="63202" cy="63202"/>
             </a:xfrm>
             <a:custGeom>
@@ -32666,7 +32666,7 @@
           </p:nvSpPr>
           <p:spPr>
             <a:xfrm>
-              <a:off x="7498594" y="2318215"/>
+              <a:off x="7530338" y="2318220"/>
               <a:ext cx="63202" cy="63202"/>
             </a:xfrm>
             <a:custGeom>
@@ -32709,7 +32709,7 @@
           </p:nvSpPr>
           <p:spPr>
             <a:xfrm>
-              <a:off x="7972716" y="2439856"/>
+              <a:off x="7851620" y="2439808"/>
               <a:ext cx="63202" cy="63202"/>
             </a:xfrm>
             <a:custGeom>
@@ -32752,7 +32752,7 @@
           </p:nvSpPr>
           <p:spPr>
             <a:xfrm>
-              <a:off x="7429036" y="2368266"/>
+              <a:off x="7661925" y="2368230"/>
               <a:ext cx="63202" cy="63202"/>
             </a:xfrm>
             <a:custGeom>
@@ -32795,7 +32795,7 @@
           </p:nvSpPr>
           <p:spPr>
             <a:xfrm>
-              <a:off x="7605416" y="2223713"/>
+              <a:off x="7776332" y="2223727"/>
               <a:ext cx="63202" cy="63202"/>
             </a:xfrm>
             <a:custGeom>
@@ -32838,7 +32838,7 @@
           </p:nvSpPr>
           <p:spPr>
             <a:xfrm>
-              <a:off x="7441802" y="2546816"/>
+              <a:off x="7919806" y="2546774"/>
               <a:ext cx="63202" cy="63202"/>
             </a:xfrm>
             <a:custGeom>
@@ -32881,7 +32881,7 @@
           </p:nvSpPr>
           <p:spPr>
             <a:xfrm>
-              <a:off x="7441199" y="2401299"/>
+              <a:off x="7805585" y="2401316"/>
               <a:ext cx="63202" cy="63202"/>
             </a:xfrm>
             <a:custGeom>
@@ -32924,7 +32924,7 @@
           </p:nvSpPr>
           <p:spPr>
             <a:xfrm>
-              <a:off x="7839554" y="2222129"/>
+              <a:off x="7831549" y="2222132"/>
               <a:ext cx="63202" cy="63202"/>
             </a:xfrm>
             <a:custGeom>
@@ -32967,7 +32967,7 @@
           </p:nvSpPr>
           <p:spPr>
             <a:xfrm>
-              <a:off x="8010847" y="2220496"/>
+              <a:off x="7862196" y="2220503"/>
               <a:ext cx="63202" cy="63202"/>
             </a:xfrm>
             <a:custGeom>
@@ -33010,7 +33010,7 @@
           </p:nvSpPr>
           <p:spPr>
             <a:xfrm>
-              <a:off x="7925539" y="2311406"/>
+              <a:off x="7550472" y="2311406"/>
               <a:ext cx="63202" cy="63202"/>
             </a:xfrm>
             <a:custGeom>
@@ -33053,7 +33053,7 @@
           </p:nvSpPr>
           <p:spPr>
             <a:xfrm>
-              <a:off x="7355161" y="2221725"/>
+              <a:off x="7714693" y="2221712"/>
               <a:ext cx="63202" cy="63202"/>
             </a:xfrm>
             <a:custGeom>
@@ -33096,7 +33096,7 @@
           </p:nvSpPr>
           <p:spPr>
             <a:xfrm>
-              <a:off x="7871513" y="2151580"/>
+              <a:off x="7880732" y="2151634"/>
               <a:ext cx="63202" cy="63202"/>
             </a:xfrm>
             <a:custGeom>
@@ -33195,7 +33195,7 @@
           </p:nvSpPr>
           <p:spPr>
             <a:xfrm>
-              <a:off x="7192078" y="4776084"/>
+              <a:off x="7192078" y="4776072"/>
               <a:ext cx="2796732" cy="0"/>
             </a:xfrm>
             <a:custGeom>
@@ -33238,7 +33238,7 @@
           </p:nvSpPr>
           <p:spPr>
             <a:xfrm>
-              <a:off x="7192078" y="4304061"/>
+              <a:off x="7192078" y="4304051"/>
               <a:ext cx="2796732" cy="0"/>
             </a:xfrm>
             <a:custGeom>
@@ -33281,7 +33281,7 @@
           </p:nvSpPr>
           <p:spPr>
             <a:xfrm>
-              <a:off x="7192078" y="3832038"/>
+              <a:off x="7192078" y="3832031"/>
               <a:ext cx="2796732" cy="0"/>
             </a:xfrm>
             <a:custGeom>
@@ -33324,7 +33324,7 @@
           </p:nvSpPr>
           <p:spPr>
             <a:xfrm>
-              <a:off x="7192078" y="3360015"/>
+              <a:off x="7192078" y="3360011"/>
               <a:ext cx="2796732" cy="0"/>
             </a:xfrm>
             <a:custGeom>
@@ -33367,7 +33367,7 @@
           </p:nvSpPr>
           <p:spPr>
             <a:xfrm>
-              <a:off x="7192078" y="4540073"/>
+              <a:off x="7192078" y="4540061"/>
               <a:ext cx="2796732" cy="0"/>
             </a:xfrm>
             <a:custGeom>
@@ -33410,7 +33410,7 @@
           </p:nvSpPr>
           <p:spPr>
             <a:xfrm>
-              <a:off x="7192078" y="4068050"/>
+              <a:off x="7192078" y="4068041"/>
               <a:ext cx="2796732" cy="0"/>
             </a:xfrm>
             <a:custGeom>
@@ -33453,7 +33453,7 @@
           </p:nvSpPr>
           <p:spPr>
             <a:xfrm>
-              <a:off x="7192078" y="3596027"/>
+              <a:off x="7192078" y="3596021"/>
               <a:ext cx="2796732" cy="0"/>
             </a:xfrm>
             <a:custGeom>
@@ -33625,7 +33625,7 @@
           </p:nvSpPr>
           <p:spPr>
             <a:xfrm>
-              <a:off x="7941900" y="4037490"/>
+              <a:off x="7451438" y="4037446"/>
               <a:ext cx="63202" cy="63202"/>
             </a:xfrm>
             <a:custGeom>
@@ -33668,7 +33668,7 @@
           </p:nvSpPr>
           <p:spPr>
             <a:xfrm>
-              <a:off x="8020507" y="4021825"/>
+              <a:off x="7799168" y="4021778"/>
               <a:ext cx="63202" cy="63202"/>
             </a:xfrm>
             <a:custGeom>
@@ -33711,7 +33711,7 @@
           </p:nvSpPr>
           <p:spPr>
             <a:xfrm>
-              <a:off x="7365334" y="4238226"/>
+              <a:off x="7426886" y="4238209"/>
               <a:ext cx="63202" cy="63202"/>
             </a:xfrm>
             <a:custGeom>
@@ -33754,7 +33754,7 @@
           </p:nvSpPr>
           <p:spPr>
             <a:xfrm>
-              <a:off x="8677057" y="4712031"/>
+              <a:off x="8486323" y="4712020"/>
               <a:ext cx="63202" cy="63202"/>
             </a:xfrm>
             <a:custGeom>
@@ -33797,7 +33797,7 @@
           </p:nvSpPr>
           <p:spPr>
             <a:xfrm>
-              <a:off x="7994027" y="4162982"/>
+              <a:off x="7774862" y="4162948"/>
               <a:ext cx="63202" cy="63202"/>
             </a:xfrm>
             <a:custGeom>
@@ -33840,7 +33840,7 @@
           </p:nvSpPr>
           <p:spPr>
             <a:xfrm>
-              <a:off x="7856149" y="3980873"/>
+              <a:off x="7485471" y="3980804"/>
               <a:ext cx="63202" cy="63202"/>
             </a:xfrm>
             <a:custGeom>
@@ -33883,7 +33883,7 @@
           </p:nvSpPr>
           <p:spPr>
             <a:xfrm>
-              <a:off x="7911478" y="4197962"/>
+              <a:off x="7534372" y="4197992"/>
               <a:ext cx="63202" cy="63202"/>
             </a:xfrm>
             <a:custGeom>
@@ -33926,7 +33926,7 @@
           </p:nvSpPr>
           <p:spPr>
             <a:xfrm>
-              <a:off x="7933403" y="4137276"/>
+              <a:off x="7501419" y="4137245"/>
               <a:ext cx="63202" cy="63202"/>
             </a:xfrm>
             <a:custGeom>
@@ -33969,7 +33969,7 @@
           </p:nvSpPr>
           <p:spPr>
             <a:xfrm>
-              <a:off x="7892343" y="4265764"/>
+              <a:off x="7924169" y="4265775"/>
               <a:ext cx="63202" cy="63202"/>
             </a:xfrm>
             <a:custGeom>
@@ -34012,7 +34012,7 @@
           </p:nvSpPr>
           <p:spPr>
             <a:xfrm>
-              <a:off x="7588049" y="4030760"/>
+              <a:off x="7519431" y="4030750"/>
               <a:ext cx="63202" cy="63202"/>
             </a:xfrm>
             <a:custGeom>
@@ -34055,7 +34055,7 @@
           </p:nvSpPr>
           <p:spPr>
             <a:xfrm>
-              <a:off x="7684238" y="4019076"/>
+              <a:off x="7433461" y="4019093"/>
               <a:ext cx="63202" cy="63202"/>
             </a:xfrm>
             <a:custGeom>
@@ -34098,7 +34098,7 @@
           </p:nvSpPr>
           <p:spPr>
             <a:xfrm>
-              <a:off x="7402964" y="4132450"/>
+              <a:off x="7491624" y="4132413"/>
               <a:ext cx="63202" cy="63202"/>
             </a:xfrm>
             <a:custGeom>
@@ -34141,7 +34141,7 @@
           </p:nvSpPr>
           <p:spPr>
             <a:xfrm>
-              <a:off x="7687136" y="3972856"/>
+              <a:off x="7738482" y="3972775"/>
               <a:ext cx="63202" cy="63202"/>
             </a:xfrm>
             <a:custGeom>
@@ -34184,7 +34184,7 @@
           </p:nvSpPr>
           <p:spPr>
             <a:xfrm>
-              <a:off x="7481443" y="4088366"/>
+              <a:off x="7666032" y="4088352"/>
               <a:ext cx="63202" cy="63202"/>
             </a:xfrm>
             <a:custGeom>
@@ -35679,7 +35679,7 @@
           </p:nvSpPr>
           <p:spPr>
             <a:xfrm>
-              <a:off x="1210339" y="2573049"/>
+              <a:off x="1210339" y="2573037"/>
               <a:ext cx="186466" cy="81691"/>
             </a:xfrm>
             <a:prstGeom prst="rect">
@@ -35725,7 +35725,7 @@
           </p:nvSpPr>
           <p:spPr>
             <a:xfrm>
-              <a:off x="1148183" y="2101025"/>
+              <a:off x="1148183" y="2101017"/>
               <a:ext cx="248622" cy="81691"/>
             </a:xfrm>
             <a:prstGeom prst="rect">
@@ -35771,7 +35771,7 @@
           </p:nvSpPr>
           <p:spPr>
             <a:xfrm>
-              <a:off x="1148183" y="1629002"/>
+              <a:off x="1148183" y="1628996"/>
               <a:ext cx="248622" cy="81691"/>
             </a:xfrm>
             <a:prstGeom prst="rect">
@@ -35817,7 +35817,7 @@
           </p:nvSpPr>
           <p:spPr>
             <a:xfrm>
-              <a:off x="1424641" y="2614740"/>
+              <a:off x="1424641" y="2614729"/>
               <a:ext cx="34794" cy="0"/>
             </a:xfrm>
             <a:custGeom>
@@ -35857,7 +35857,7 @@
           </p:nvSpPr>
           <p:spPr>
             <a:xfrm>
-              <a:off x="1424641" y="2142717"/>
+              <a:off x="1424641" y="2142709"/>
               <a:ext cx="34794" cy="0"/>
             </a:xfrm>
             <a:custGeom>
@@ -35897,7 +35897,7 @@
           </p:nvSpPr>
           <p:spPr>
             <a:xfrm>
-              <a:off x="1424641" y="1670694"/>
+              <a:off x="1424641" y="1670688"/>
               <a:ext cx="34794" cy="0"/>
             </a:xfrm>
             <a:custGeom>
@@ -35937,7 +35937,7 @@
           </p:nvSpPr>
           <p:spPr>
             <a:xfrm>
-              <a:off x="1210339" y="4498381"/>
+              <a:off x="1210339" y="4498370"/>
               <a:ext cx="186466" cy="81691"/>
             </a:xfrm>
             <a:prstGeom prst="rect">
@@ -35983,7 +35983,7 @@
           </p:nvSpPr>
           <p:spPr>
             <a:xfrm>
-              <a:off x="1148183" y="4026358"/>
+              <a:off x="1148183" y="4026349"/>
               <a:ext cx="248622" cy="81691"/>
             </a:xfrm>
             <a:prstGeom prst="rect">
@@ -36029,7 +36029,7 @@
           </p:nvSpPr>
           <p:spPr>
             <a:xfrm>
-              <a:off x="1148183" y="3554335"/>
+              <a:off x="1148183" y="3554329"/>
               <a:ext cx="248622" cy="81691"/>
             </a:xfrm>
             <a:prstGeom prst="rect">
@@ -36075,7 +36075,7 @@
           </p:nvSpPr>
           <p:spPr>
             <a:xfrm>
-              <a:off x="1424641" y="4540073"/>
+              <a:off x="1424641" y="4540061"/>
               <a:ext cx="34794" cy="0"/>
             </a:xfrm>
             <a:custGeom>
@@ -36115,7 +36115,7 @@
           </p:nvSpPr>
           <p:spPr>
             <a:xfrm>
-              <a:off x="1424641" y="4068050"/>
+              <a:off x="1424641" y="4068041"/>
               <a:ext cx="34794" cy="0"/>
             </a:xfrm>
             <a:custGeom>
@@ -36155,7 +36155,7 @@
           </p:nvSpPr>
           <p:spPr>
             <a:xfrm>
-              <a:off x="1424641" y="3596027"/>
+              <a:off x="1424641" y="3596021"/>
               <a:ext cx="34794" cy="0"/>
             </a:xfrm>
             <a:custGeom>
@@ -36195,7 +36195,7 @@
           </p:nvSpPr>
           <p:spPr>
             <a:xfrm>
-              <a:off x="1210339" y="6423714"/>
+              <a:off x="1210339" y="6423702"/>
               <a:ext cx="186466" cy="81691"/>
             </a:xfrm>
             <a:prstGeom prst="rect">
@@ -36241,7 +36241,7 @@
           </p:nvSpPr>
           <p:spPr>
             <a:xfrm>
-              <a:off x="1148183" y="5951691"/>
+              <a:off x="1148183" y="5951682"/>
               <a:ext cx="248622" cy="81691"/>
             </a:xfrm>
             <a:prstGeom prst="rect">
@@ -36287,7 +36287,7 @@
           </p:nvSpPr>
           <p:spPr>
             <a:xfrm>
-              <a:off x="1148183" y="5479667"/>
+              <a:off x="1148183" y="5479662"/>
               <a:ext cx="248622" cy="81691"/>
             </a:xfrm>
             <a:prstGeom prst="rect">
@@ -36333,7 +36333,7 @@
           </p:nvSpPr>
           <p:spPr>
             <a:xfrm>
-              <a:off x="1424641" y="6465405"/>
+              <a:off x="1424641" y="6465394"/>
               <a:ext cx="34794" cy="0"/>
             </a:xfrm>
             <a:custGeom>
@@ -36373,7 +36373,7 @@
           </p:nvSpPr>
           <p:spPr>
             <a:xfrm>
-              <a:off x="1424641" y="5993382"/>
+              <a:off x="1424641" y="5993374"/>
               <a:ext cx="34794" cy="0"/>
             </a:xfrm>
             <a:custGeom>
@@ -36413,7 +36413,7 @@
           </p:nvSpPr>
           <p:spPr>
             <a:xfrm>
-              <a:off x="1424641" y="5521359"/>
+              <a:off x="1424641" y="5521353"/>
               <a:ext cx="34794" cy="0"/>
             </a:xfrm>
             <a:custGeom>

--- a/Images/Figures_PPT/Jitter_Plot_Raptor_Domain.pptx
+++ b/Images/Figures_PPT/Jitter_Plot_Raptor_Domain.pptx
@@ -2359,7 +2359,7 @@
           </p:nvSpPr>
           <p:spPr>
             <a:xfrm>
-              <a:off x="1459435" y="2850739"/>
+              <a:off x="1459435" y="2850779"/>
               <a:ext cx="2796732" cy="0"/>
             </a:xfrm>
             <a:custGeom>
@@ -2402,7 +2402,7 @@
           </p:nvSpPr>
           <p:spPr>
             <a:xfrm>
-              <a:off x="1459435" y="2378719"/>
+              <a:off x="1459435" y="2378736"/>
               <a:ext cx="2796732" cy="0"/>
             </a:xfrm>
             <a:custGeom>
@@ -2445,7 +2445,7 @@
           </p:nvSpPr>
           <p:spPr>
             <a:xfrm>
-              <a:off x="1459435" y="1906698"/>
+              <a:off x="1459435" y="1906693"/>
               <a:ext cx="2796732" cy="0"/>
             </a:xfrm>
             <a:custGeom>
@@ -2488,7 +2488,7 @@
           </p:nvSpPr>
           <p:spPr>
             <a:xfrm>
-              <a:off x="1459435" y="1434678"/>
+              <a:off x="1459435" y="1434651"/>
               <a:ext cx="2796732" cy="0"/>
             </a:xfrm>
             <a:custGeom>
@@ -2531,7 +2531,7 @@
           </p:nvSpPr>
           <p:spPr>
             <a:xfrm>
-              <a:off x="1459435" y="2614729"/>
+              <a:off x="1459435" y="2614757"/>
               <a:ext cx="2796732" cy="0"/>
             </a:xfrm>
             <a:custGeom>
@@ -2574,7 +2574,7 @@
           </p:nvSpPr>
           <p:spPr>
             <a:xfrm>
-              <a:off x="1459435" y="2142709"/>
+              <a:off x="1459435" y="2142715"/>
               <a:ext cx="2796732" cy="0"/>
             </a:xfrm>
             <a:custGeom>
@@ -2617,7 +2617,7 @@
           </p:nvSpPr>
           <p:spPr>
             <a:xfrm>
-              <a:off x="1459435" y="1670688"/>
+              <a:off x="1459435" y="1670672"/>
               <a:ext cx="2796732" cy="0"/>
             </a:xfrm>
             <a:custGeom>
@@ -2789,7 +2789,7 @@
           </p:nvSpPr>
           <p:spPr>
             <a:xfrm>
-              <a:off x="3811050" y="2744444"/>
+              <a:off x="3497822" y="2744477"/>
               <a:ext cx="63202" cy="63202"/>
             </a:xfrm>
             <a:custGeom>
@@ -2832,7 +2832,7 @@
           </p:nvSpPr>
           <p:spPr>
             <a:xfrm>
-              <a:off x="1730433" y="2736083"/>
+              <a:off x="1815355" y="2736095"/>
               <a:ext cx="63202" cy="63202"/>
             </a:xfrm>
             <a:custGeom>
@@ -2875,7 +2875,7 @@
           </p:nvSpPr>
           <p:spPr>
             <a:xfrm>
-              <a:off x="2241843" y="2681129"/>
+              <a:off x="2228076" y="2681176"/>
               <a:ext cx="63202" cy="63202"/>
             </a:xfrm>
             <a:custGeom>
@@ -2918,7 +2918,7 @@
           </p:nvSpPr>
           <p:spPr>
             <a:xfrm>
-              <a:off x="3135234" y="2846425"/>
+              <a:off x="3067843" y="2846442"/>
               <a:ext cx="63202" cy="63202"/>
             </a:xfrm>
             <a:custGeom>
@@ -2961,7 +2961,7 @@
           </p:nvSpPr>
           <p:spPr>
             <a:xfrm>
-              <a:off x="2135829" y="2759599"/>
+              <a:off x="1635301" y="2759593"/>
               <a:ext cx="63202" cy="63202"/>
             </a:xfrm>
             <a:custGeom>
@@ -3004,7 +3004,7 @@
           </p:nvSpPr>
           <p:spPr>
             <a:xfrm>
-              <a:off x="2727475" y="2845508"/>
+              <a:off x="2570874" y="2845517"/>
               <a:ext cx="63202" cy="63202"/>
             </a:xfrm>
             <a:custGeom>
@@ -3103,7 +3103,7 @@
           </p:nvSpPr>
           <p:spPr>
             <a:xfrm>
-              <a:off x="1459435" y="4776072"/>
+              <a:off x="1459435" y="4776111"/>
               <a:ext cx="2796732" cy="0"/>
             </a:xfrm>
             <a:custGeom>
@@ -3146,7 +3146,7 @@
           </p:nvSpPr>
           <p:spPr>
             <a:xfrm>
-              <a:off x="1459435" y="4304051"/>
+              <a:off x="1459435" y="4304069"/>
               <a:ext cx="2796732" cy="0"/>
             </a:xfrm>
             <a:custGeom>
@@ -3189,7 +3189,7 @@
           </p:nvSpPr>
           <p:spPr>
             <a:xfrm>
-              <a:off x="1459435" y="3832031"/>
+              <a:off x="1459435" y="3832026"/>
               <a:ext cx="2796732" cy="0"/>
             </a:xfrm>
             <a:custGeom>
@@ -3232,7 +3232,7 @@
           </p:nvSpPr>
           <p:spPr>
             <a:xfrm>
-              <a:off x="1459435" y="3360011"/>
+              <a:off x="1459435" y="3359983"/>
               <a:ext cx="2796732" cy="0"/>
             </a:xfrm>
             <a:custGeom>
@@ -3275,7 +3275,7 @@
           </p:nvSpPr>
           <p:spPr>
             <a:xfrm>
-              <a:off x="1459435" y="4540061"/>
+              <a:off x="1459435" y="4540090"/>
               <a:ext cx="2796732" cy="0"/>
             </a:xfrm>
             <a:custGeom>
@@ -3318,7 +3318,7 @@
           </p:nvSpPr>
           <p:spPr>
             <a:xfrm>
-              <a:off x="1459435" y="4068041"/>
+              <a:off x="1459435" y="4068047"/>
               <a:ext cx="2796732" cy="0"/>
             </a:xfrm>
             <a:custGeom>
@@ -3361,7 +3361,7 @@
           </p:nvSpPr>
           <p:spPr>
             <a:xfrm>
-              <a:off x="1459435" y="3596021"/>
+              <a:off x="1459435" y="3596005"/>
               <a:ext cx="2796732" cy="0"/>
             </a:xfrm>
             <a:custGeom>
@@ -3533,7 +3533,7 @@
           </p:nvSpPr>
           <p:spPr>
             <a:xfrm>
-              <a:off x="2120732" y="4162159"/>
+              <a:off x="1739242" y="4162179"/>
               <a:ext cx="63202" cy="63202"/>
             </a:xfrm>
             <a:custGeom>
@@ -3576,7 +3576,7 @@
           </p:nvSpPr>
           <p:spPr>
             <a:xfrm>
-              <a:off x="1706236" y="4506198"/>
+              <a:off x="1705916" y="4506229"/>
               <a:ext cx="63202" cy="63202"/>
             </a:xfrm>
             <a:custGeom>
@@ -3619,7 +3619,7 @@
           </p:nvSpPr>
           <p:spPr>
             <a:xfrm>
-              <a:off x="2154590" y="4162199"/>
+              <a:off x="1723357" y="4162185"/>
               <a:ext cx="63202" cy="63202"/>
             </a:xfrm>
             <a:custGeom>
@@ -3662,7 +3662,7 @@
           </p:nvSpPr>
           <p:spPr>
             <a:xfrm>
-              <a:off x="2008225" y="4355695"/>
+              <a:off x="1739991" y="4355732"/>
               <a:ext cx="63202" cy="63202"/>
             </a:xfrm>
             <a:custGeom>
@@ -3705,7 +3705,7 @@
           </p:nvSpPr>
           <p:spPr>
             <a:xfrm>
-              <a:off x="1868092" y="4258642"/>
+              <a:off x="1667293" y="4258681"/>
               <a:ext cx="63202" cy="63202"/>
             </a:xfrm>
             <a:custGeom>
@@ -3748,7 +3748,7 @@
           </p:nvSpPr>
           <p:spPr>
             <a:xfrm>
-              <a:off x="2653272" y="4806572"/>
+              <a:off x="2749129" y="4806667"/>
               <a:ext cx="63202" cy="63202"/>
             </a:xfrm>
             <a:custGeom>
@@ -3791,7 +3791,7 @@
           </p:nvSpPr>
           <p:spPr>
             <a:xfrm>
-              <a:off x="2004272" y="4354827"/>
+              <a:off x="2120697" y="4354856"/>
               <a:ext cx="63202" cy="63202"/>
             </a:xfrm>
             <a:custGeom>
@@ -3834,7 +3834,7 @@
           </p:nvSpPr>
           <p:spPr>
             <a:xfrm>
-              <a:off x="2244138" y="4421727"/>
+              <a:off x="2181823" y="4421762"/>
               <a:ext cx="63202" cy="63202"/>
             </a:xfrm>
             <a:custGeom>
@@ -3877,7 +3877,7 @@
           </p:nvSpPr>
           <p:spPr>
             <a:xfrm>
-              <a:off x="1815581" y="4520888"/>
+              <a:off x="2246703" y="4520949"/>
               <a:ext cx="63202" cy="63202"/>
             </a:xfrm>
             <a:custGeom>
@@ -3920,7 +3920,7 @@
           </p:nvSpPr>
           <p:spPr>
             <a:xfrm>
-              <a:off x="2482437" y="4726503"/>
+              <a:off x="2841474" y="4726566"/>
               <a:ext cx="63202" cy="63202"/>
             </a:xfrm>
             <a:custGeom>
@@ -3963,7 +3963,7 @@
           </p:nvSpPr>
           <p:spPr>
             <a:xfrm>
-              <a:off x="2770628" y="4704946"/>
+              <a:off x="2705869" y="4704965"/>
               <a:ext cx="63202" cy="63202"/>
             </a:xfrm>
             <a:custGeom>
@@ -4006,7 +4006,7 @@
           </p:nvSpPr>
           <p:spPr>
             <a:xfrm>
-              <a:off x="1622643" y="4599251"/>
+              <a:off x="2222098" y="4599309"/>
               <a:ext cx="63202" cy="63202"/>
             </a:xfrm>
             <a:custGeom>
@@ -4049,7 +4049,7 @@
           </p:nvSpPr>
           <p:spPr>
             <a:xfrm>
-              <a:off x="1742641" y="4449558"/>
+              <a:off x="1927771" y="4449614"/>
               <a:ext cx="63202" cy="63202"/>
             </a:xfrm>
             <a:custGeom>
@@ -4092,7 +4092,7 @@
           </p:nvSpPr>
           <p:spPr>
             <a:xfrm>
-              <a:off x="2627955" y="4701388"/>
+              <a:off x="2702065" y="4701465"/>
               <a:ext cx="63202" cy="63202"/>
             </a:xfrm>
             <a:custGeom>
@@ -4135,7 +4135,7 @@
           </p:nvSpPr>
           <p:spPr>
             <a:xfrm>
-              <a:off x="2674870" y="4765418"/>
+              <a:off x="2511554" y="4765451"/>
               <a:ext cx="63202" cy="63202"/>
             </a:xfrm>
             <a:custGeom>
@@ -4178,7 +4178,7 @@
           </p:nvSpPr>
           <p:spPr>
             <a:xfrm>
-              <a:off x="1706406" y="3937138"/>
+              <a:off x="1797206" y="3937147"/>
               <a:ext cx="63202" cy="63202"/>
             </a:xfrm>
             <a:custGeom>
@@ -4221,7 +4221,7 @@
           </p:nvSpPr>
           <p:spPr>
             <a:xfrm>
-              <a:off x="2095458" y="4656089"/>
+              <a:off x="1706574" y="4656108"/>
               <a:ext cx="63202" cy="63202"/>
             </a:xfrm>
             <a:custGeom>
@@ -4264,7 +4264,7 @@
           </p:nvSpPr>
           <p:spPr>
             <a:xfrm>
-              <a:off x="2145381" y="3973728"/>
+              <a:off x="1689405" y="3973737"/>
               <a:ext cx="63202" cy="63202"/>
             </a:xfrm>
             <a:custGeom>
@@ -4307,7 +4307,7 @@
           </p:nvSpPr>
           <p:spPr>
             <a:xfrm>
-              <a:off x="2094478" y="4473990"/>
+              <a:off x="2066315" y="4474031"/>
               <a:ext cx="63202" cy="63202"/>
             </a:xfrm>
             <a:custGeom>
@@ -4350,7 +4350,7 @@
           </p:nvSpPr>
           <p:spPr>
             <a:xfrm>
-              <a:off x="1734647" y="4552346"/>
+              <a:off x="1659263" y="4552378"/>
               <a:ext cx="63202" cy="63202"/>
             </a:xfrm>
             <a:custGeom>
@@ -4393,7 +4393,7 @@
           </p:nvSpPr>
           <p:spPr>
             <a:xfrm>
-              <a:off x="1723775" y="4519307"/>
+              <a:off x="2058548" y="4519321"/>
               <a:ext cx="63202" cy="63202"/>
             </a:xfrm>
             <a:custGeom>
@@ -4436,7 +4436,7 @@
           </p:nvSpPr>
           <p:spPr>
             <a:xfrm>
-              <a:off x="2915524" y="4789250"/>
+              <a:off x="2982301" y="4789278"/>
               <a:ext cx="63202" cy="63202"/>
             </a:xfrm>
             <a:custGeom>
@@ -4535,7 +4535,7 @@
           </p:nvSpPr>
           <p:spPr>
             <a:xfrm>
-              <a:off x="1459435" y="6701404"/>
+              <a:off x="1459435" y="6701444"/>
               <a:ext cx="2796732" cy="0"/>
             </a:xfrm>
             <a:custGeom>
@@ -4578,7 +4578,7 @@
           </p:nvSpPr>
           <p:spPr>
             <a:xfrm>
-              <a:off x="1459435" y="6229384"/>
+              <a:off x="1459435" y="6229401"/>
               <a:ext cx="2796732" cy="0"/>
             </a:xfrm>
             <a:custGeom>
@@ -4621,7 +4621,7 @@
           </p:nvSpPr>
           <p:spPr>
             <a:xfrm>
-              <a:off x="1459435" y="5757363"/>
+              <a:off x="1459435" y="5757358"/>
               <a:ext cx="2796732" cy="0"/>
             </a:xfrm>
             <a:custGeom>
@@ -4664,7 +4664,7 @@
           </p:nvSpPr>
           <p:spPr>
             <a:xfrm>
-              <a:off x="1459435" y="5285343"/>
+              <a:off x="1459435" y="5285316"/>
               <a:ext cx="2796732" cy="0"/>
             </a:xfrm>
             <a:custGeom>
@@ -4707,7 +4707,7 @@
           </p:nvSpPr>
           <p:spPr>
             <a:xfrm>
-              <a:off x="1459435" y="6465394"/>
+              <a:off x="1459435" y="6465423"/>
               <a:ext cx="2796732" cy="0"/>
             </a:xfrm>
             <a:custGeom>
@@ -4750,7 +4750,7 @@
           </p:nvSpPr>
           <p:spPr>
             <a:xfrm>
-              <a:off x="1459435" y="5993374"/>
+              <a:off x="1459435" y="5993380"/>
               <a:ext cx="2796732" cy="0"/>
             </a:xfrm>
             <a:custGeom>
@@ -4793,7 +4793,7 @@
           </p:nvSpPr>
           <p:spPr>
             <a:xfrm>
-              <a:off x="1459435" y="5521353"/>
+              <a:off x="1459435" y="5521337"/>
               <a:ext cx="2796732" cy="0"/>
             </a:xfrm>
             <a:custGeom>
@@ -4965,7 +4965,7 @@
           </p:nvSpPr>
           <p:spPr>
             <a:xfrm>
-              <a:off x="1700561" y="5625292"/>
+              <a:off x="2281111" y="5625341"/>
               <a:ext cx="63202" cy="63202"/>
             </a:xfrm>
             <a:custGeom>
@@ -5008,7 +5008,7 @@
           </p:nvSpPr>
           <p:spPr>
             <a:xfrm>
-              <a:off x="2069410" y="5620493"/>
+              <a:off x="2114227" y="5620521"/>
               <a:ext cx="63202" cy="63202"/>
             </a:xfrm>
             <a:custGeom>
@@ -5051,7 +5051,7 @@
           </p:nvSpPr>
           <p:spPr>
             <a:xfrm>
-              <a:off x="1781107" y="5617765"/>
+              <a:off x="2275992" y="5617749"/>
               <a:ext cx="63202" cy="63202"/>
             </a:xfrm>
             <a:custGeom>
@@ -5094,7 +5094,7 @@
           </p:nvSpPr>
           <p:spPr>
             <a:xfrm>
-              <a:off x="1962367" y="5794513"/>
+              <a:off x="1918864" y="5794481"/>
               <a:ext cx="63202" cy="63202"/>
             </a:xfrm>
             <a:custGeom>
@@ -5137,7 +5137,7 @@
           </p:nvSpPr>
           <p:spPr>
             <a:xfrm>
-              <a:off x="1847685" y="5922691"/>
+              <a:off x="1971026" y="5922668"/>
               <a:ext cx="63202" cy="63202"/>
             </a:xfrm>
             <a:custGeom>
@@ -5180,7 +5180,7 @@
           </p:nvSpPr>
           <p:spPr>
             <a:xfrm>
-              <a:off x="2138170" y="5859444"/>
+              <a:off x="2028304" y="5859415"/>
               <a:ext cx="63202" cy="63202"/>
             </a:xfrm>
             <a:custGeom>
@@ -5223,7 +5223,7 @@
           </p:nvSpPr>
           <p:spPr>
             <a:xfrm>
-              <a:off x="1667071" y="5766191"/>
+              <a:off x="2041282" y="5766163"/>
               <a:ext cx="63202" cy="63202"/>
             </a:xfrm>
             <a:custGeom>
@@ -5266,7 +5266,7 @@
           </p:nvSpPr>
           <p:spPr>
             <a:xfrm>
-              <a:off x="1798043" y="5743416"/>
+              <a:off x="2245993" y="5743377"/>
               <a:ext cx="63202" cy="63202"/>
             </a:xfrm>
             <a:custGeom>
@@ -5309,7 +5309,7 @@
           </p:nvSpPr>
           <p:spPr>
             <a:xfrm>
-              <a:off x="1657813" y="6356376"/>
+              <a:off x="1873536" y="6356407"/>
               <a:ext cx="63202" cy="63202"/>
             </a:xfrm>
             <a:custGeom>
@@ -5352,7 +5352,7 @@
           </p:nvSpPr>
           <p:spPr>
             <a:xfrm>
-              <a:off x="1718413" y="5766724"/>
+              <a:off x="1769252" y="5766761"/>
               <a:ext cx="63202" cy="63202"/>
             </a:xfrm>
             <a:custGeom>
@@ -5395,7 +5395,7 @@
           </p:nvSpPr>
           <p:spPr>
             <a:xfrm>
-              <a:off x="2248071" y="5900125"/>
+              <a:off x="1775716" y="5900141"/>
               <a:ext cx="63202" cy="63202"/>
             </a:xfrm>
             <a:custGeom>
@@ -5438,7 +5438,7 @@
           </p:nvSpPr>
           <p:spPr>
             <a:xfrm>
-              <a:off x="1885080" y="5942667"/>
+              <a:off x="1923523" y="5942698"/>
               <a:ext cx="63202" cy="63202"/>
             </a:xfrm>
             <a:custGeom>
@@ -5481,7 +5481,7 @@
           </p:nvSpPr>
           <p:spPr>
             <a:xfrm>
-              <a:off x="2220769" y="5748692"/>
+              <a:off x="1937220" y="5748706"/>
               <a:ext cx="63202" cy="63202"/>
             </a:xfrm>
             <a:custGeom>
@@ -5524,7 +5524,7 @@
           </p:nvSpPr>
           <p:spPr>
             <a:xfrm>
-              <a:off x="1934188" y="5845721"/>
+              <a:off x="2006196" y="5845714"/>
               <a:ext cx="63202" cy="63202"/>
             </a:xfrm>
             <a:custGeom>
@@ -5567,7 +5567,7 @@
           </p:nvSpPr>
           <p:spPr>
             <a:xfrm>
-              <a:off x="2215583" y="6201688"/>
+              <a:off x="1611305" y="6201643"/>
               <a:ext cx="63202" cy="63202"/>
             </a:xfrm>
             <a:custGeom>
@@ -5610,7 +5610,7 @@
           </p:nvSpPr>
           <p:spPr>
             <a:xfrm>
-              <a:off x="1642952" y="5864991"/>
+              <a:off x="2267989" y="5865013"/>
               <a:ext cx="63202" cy="63202"/>
             </a:xfrm>
             <a:custGeom>
@@ -5653,7 +5653,7 @@
           </p:nvSpPr>
           <p:spPr>
             <a:xfrm>
-              <a:off x="2283910" y="5764289"/>
+              <a:off x="1936158" y="5764276"/>
               <a:ext cx="63202" cy="63202"/>
             </a:xfrm>
             <a:custGeom>
@@ -5696,7 +5696,7 @@
           </p:nvSpPr>
           <p:spPr>
             <a:xfrm>
-              <a:off x="2063443" y="5854840"/>
+              <a:off x="1956177" y="5854802"/>
               <a:ext cx="63202" cy="63202"/>
             </a:xfrm>
             <a:custGeom>
@@ -5739,7 +5739,7 @@
           </p:nvSpPr>
           <p:spPr>
             <a:xfrm>
-              <a:off x="2186035" y="6401602"/>
+              <a:off x="2025525" y="6401615"/>
               <a:ext cx="63202" cy="63202"/>
             </a:xfrm>
             <a:custGeom>
@@ -5782,7 +5782,7 @@
           </p:nvSpPr>
           <p:spPr>
             <a:xfrm>
-              <a:off x="2218412" y="5861741"/>
+              <a:off x="2240107" y="5861669"/>
               <a:ext cx="63202" cy="63202"/>
             </a:xfrm>
             <a:custGeom>
@@ -5825,7 +5825,7 @@
           </p:nvSpPr>
           <p:spPr>
             <a:xfrm>
-              <a:off x="1984828" y="5907668"/>
+              <a:off x="1632257" y="5907671"/>
               <a:ext cx="63202" cy="63202"/>
             </a:xfrm>
             <a:custGeom>
@@ -5868,7 +5868,7 @@
           </p:nvSpPr>
           <p:spPr>
             <a:xfrm>
-              <a:off x="2227946" y="6189126"/>
+              <a:off x="1863463" y="6189110"/>
               <a:ext cx="63202" cy="63202"/>
             </a:xfrm>
             <a:custGeom>
@@ -5911,7 +5911,7 @@
           </p:nvSpPr>
           <p:spPr>
             <a:xfrm>
-              <a:off x="1903613" y="5729546"/>
+              <a:off x="2115073" y="5729557"/>
               <a:ext cx="63202" cy="63202"/>
             </a:xfrm>
             <a:custGeom>
@@ -5954,7 +5954,7 @@
           </p:nvSpPr>
           <p:spPr>
             <a:xfrm>
-              <a:off x="1937207" y="5706570"/>
+              <a:off x="1695833" y="5706628"/>
               <a:ext cx="63202" cy="63202"/>
             </a:xfrm>
             <a:custGeom>
@@ -5997,7 +5997,7 @@
           </p:nvSpPr>
           <p:spPr>
             <a:xfrm>
-              <a:off x="1725972" y="6424612"/>
+              <a:off x="1649379" y="6424676"/>
               <a:ext cx="63202" cy="63202"/>
             </a:xfrm>
             <a:custGeom>
@@ -6040,7 +6040,7 @@
           </p:nvSpPr>
           <p:spPr>
             <a:xfrm>
-              <a:off x="2065637" y="6441898"/>
+              <a:off x="1781017" y="6441905"/>
               <a:ext cx="63202" cy="63202"/>
             </a:xfrm>
             <a:custGeom>
@@ -6083,7 +6083,7 @@
           </p:nvSpPr>
           <p:spPr>
             <a:xfrm>
-              <a:off x="2240676" y="6570555"/>
+              <a:off x="2266471" y="6570624"/>
               <a:ext cx="63202" cy="63202"/>
             </a:xfrm>
             <a:custGeom>
@@ -6126,7 +6126,7 @@
           </p:nvSpPr>
           <p:spPr>
             <a:xfrm>
-              <a:off x="1877930" y="5917004"/>
+              <a:off x="2142672" y="5917045"/>
               <a:ext cx="63202" cy="63202"/>
             </a:xfrm>
             <a:custGeom>
@@ -6169,7 +6169,7 @@
           </p:nvSpPr>
           <p:spPr>
             <a:xfrm>
-              <a:off x="2126213" y="5876707"/>
+              <a:off x="1805444" y="5876729"/>
               <a:ext cx="63202" cy="63202"/>
             </a:xfrm>
             <a:custGeom>
@@ -6212,7 +6212,7 @@
           </p:nvSpPr>
           <p:spPr>
             <a:xfrm>
-              <a:off x="2071596" y="6264717"/>
+              <a:off x="1998976" y="6264750"/>
               <a:ext cx="63202" cy="63202"/>
             </a:xfrm>
             <a:custGeom>
@@ -6255,7 +6255,7 @@
           </p:nvSpPr>
           <p:spPr>
             <a:xfrm>
-              <a:off x="1628785" y="5875552"/>
+              <a:off x="1817202" y="5875562"/>
               <a:ext cx="63202" cy="63202"/>
             </a:xfrm>
             <a:custGeom>
@@ -6298,7 +6298,7 @@
           </p:nvSpPr>
           <p:spPr>
             <a:xfrm>
-              <a:off x="2068361" y="6237338"/>
+              <a:off x="2199567" y="6237379"/>
               <a:ext cx="63202" cy="63202"/>
             </a:xfrm>
             <a:custGeom>
@@ -6341,7 +6341,7 @@
           </p:nvSpPr>
           <p:spPr>
             <a:xfrm>
-              <a:off x="1634002" y="6232058"/>
+              <a:off x="1959483" y="6232071"/>
               <a:ext cx="63202" cy="63202"/>
             </a:xfrm>
             <a:custGeom>
@@ -6384,7 +6384,7 @@
           </p:nvSpPr>
           <p:spPr>
             <a:xfrm>
-              <a:off x="1603251" y="5991199"/>
+              <a:off x="1657263" y="5991198"/>
               <a:ext cx="63202" cy="63202"/>
             </a:xfrm>
             <a:custGeom>
@@ -6427,7 +6427,7 @@
           </p:nvSpPr>
           <p:spPr>
             <a:xfrm>
-              <a:off x="1778318" y="5885019"/>
+              <a:off x="2177827" y="5885051"/>
               <a:ext cx="63202" cy="63202"/>
             </a:xfrm>
             <a:custGeom>
@@ -6470,7 +6470,7 @@
           </p:nvSpPr>
           <p:spPr>
             <a:xfrm>
-              <a:off x="1762965" y="6061292"/>
+              <a:off x="1686894" y="6061273"/>
               <a:ext cx="63202" cy="63202"/>
             </a:xfrm>
             <a:custGeom>
@@ -6513,7 +6513,7 @@
           </p:nvSpPr>
           <p:spPr>
             <a:xfrm>
-              <a:off x="1850970" y="6607804"/>
+              <a:off x="2151017" y="6607807"/>
               <a:ext cx="63202" cy="63202"/>
             </a:xfrm>
             <a:custGeom>
@@ -6556,7 +6556,7 @@
           </p:nvSpPr>
           <p:spPr>
             <a:xfrm>
-              <a:off x="2258478" y="6052420"/>
+              <a:off x="1902298" y="6052441"/>
               <a:ext cx="63202" cy="63202"/>
             </a:xfrm>
             <a:custGeom>
@@ -6599,7 +6599,7 @@
           </p:nvSpPr>
           <p:spPr>
             <a:xfrm>
-              <a:off x="1947634" y="6268566"/>
+              <a:off x="2263878" y="6268617"/>
               <a:ext cx="63202" cy="63202"/>
             </a:xfrm>
             <a:custGeom>
@@ -6642,7 +6642,7 @@
           </p:nvSpPr>
           <p:spPr>
             <a:xfrm>
-              <a:off x="2147245" y="5679880"/>
+              <a:off x="2300846" y="5679873"/>
               <a:ext cx="63202" cy="63202"/>
             </a:xfrm>
             <a:custGeom>
@@ -6685,7 +6685,7 @@
           </p:nvSpPr>
           <p:spPr>
             <a:xfrm>
-              <a:off x="1741764" y="5849360"/>
+              <a:off x="2196104" y="5849328"/>
               <a:ext cx="63202" cy="63202"/>
             </a:xfrm>
             <a:custGeom>
@@ -6728,7 +6728,7 @@
           </p:nvSpPr>
           <p:spPr>
             <a:xfrm>
-              <a:off x="2184464" y="5967975"/>
+              <a:off x="1639617" y="5968026"/>
               <a:ext cx="63202" cy="63202"/>
             </a:xfrm>
             <a:custGeom>
@@ -6771,7 +6771,7 @@
           </p:nvSpPr>
           <p:spPr>
             <a:xfrm>
-              <a:off x="1746650" y="5862001"/>
+              <a:off x="1963663" y="5862018"/>
               <a:ext cx="63202" cy="63202"/>
             </a:xfrm>
             <a:custGeom>
@@ -6814,7 +6814,7 @@
           </p:nvSpPr>
           <p:spPr>
             <a:xfrm>
-              <a:off x="1815773" y="5625122"/>
+              <a:off x="2169548" y="5625086"/>
               <a:ext cx="63202" cy="63202"/>
             </a:xfrm>
             <a:custGeom>
@@ -6857,7 +6857,7 @@
           </p:nvSpPr>
           <p:spPr>
             <a:xfrm>
-              <a:off x="2224787" y="6409984"/>
+              <a:off x="1954268" y="6410042"/>
               <a:ext cx="63202" cy="63202"/>
             </a:xfrm>
             <a:custGeom>
@@ -6900,7 +6900,7 @@
           </p:nvSpPr>
           <p:spPr>
             <a:xfrm>
-              <a:off x="2146187" y="5911742"/>
+              <a:off x="2106515" y="5911768"/>
               <a:ext cx="63202" cy="63202"/>
             </a:xfrm>
             <a:custGeom>
@@ -6943,7 +6943,7 @@
           </p:nvSpPr>
           <p:spPr>
             <a:xfrm>
-              <a:off x="1726405" y="5968191"/>
+              <a:off x="1613475" y="5968175"/>
               <a:ext cx="63202" cy="63202"/>
             </a:xfrm>
             <a:custGeom>
@@ -6986,7 +6986,7 @@
           </p:nvSpPr>
           <p:spPr>
             <a:xfrm>
-              <a:off x="2055180" y="5611658"/>
+              <a:off x="1764662" y="5611641"/>
               <a:ext cx="63202" cy="63202"/>
             </a:xfrm>
             <a:custGeom>
@@ -7029,7 +7029,7 @@
           </p:nvSpPr>
           <p:spPr>
             <a:xfrm>
-              <a:off x="2194377" y="6256946"/>
+              <a:off x="1643515" y="6256971"/>
               <a:ext cx="63202" cy="63202"/>
             </a:xfrm>
             <a:custGeom>
@@ -7072,7 +7072,7 @@
           </p:nvSpPr>
           <p:spPr>
             <a:xfrm>
-              <a:off x="1814899" y="5861607"/>
+              <a:off x="2061391" y="5861616"/>
               <a:ext cx="63202" cy="63202"/>
             </a:xfrm>
             <a:custGeom>
@@ -7115,7 +7115,7 @@
           </p:nvSpPr>
           <p:spPr>
             <a:xfrm>
-              <a:off x="3032476" y="6641401"/>
+              <a:off x="2476954" y="6641443"/>
               <a:ext cx="63202" cy="63202"/>
             </a:xfrm>
             <a:custGeom>
@@ -7158,7 +7158,7 @@
           </p:nvSpPr>
           <p:spPr>
             <a:xfrm>
-              <a:off x="2043981" y="5681616"/>
+              <a:off x="2120881" y="5681563"/>
               <a:ext cx="63202" cy="63202"/>
             </a:xfrm>
             <a:custGeom>
@@ -7201,7 +7201,7 @@
           </p:nvSpPr>
           <p:spPr>
             <a:xfrm>
-              <a:off x="2224887" y="5942824"/>
+              <a:off x="1747023" y="5942792"/>
               <a:ext cx="63202" cy="63202"/>
             </a:xfrm>
             <a:custGeom>
@@ -7244,7 +7244,7 @@
           </p:nvSpPr>
           <p:spPr>
             <a:xfrm>
-              <a:off x="2192585" y="5712047"/>
+              <a:off x="2090830" y="5712066"/>
               <a:ext cx="63202" cy="63202"/>
             </a:xfrm>
             <a:custGeom>
@@ -7287,7 +7287,7 @@
           </p:nvSpPr>
           <p:spPr>
             <a:xfrm>
-              <a:off x="1787751" y="5849368"/>
+              <a:off x="1658775" y="5849303"/>
               <a:ext cx="63202" cy="63202"/>
             </a:xfrm>
             <a:custGeom>
@@ -7330,7 +7330,7 @@
           </p:nvSpPr>
           <p:spPr>
             <a:xfrm>
-              <a:off x="2809864" y="6672757"/>
+              <a:off x="2699079" y="6672783"/>
               <a:ext cx="63202" cy="63202"/>
             </a:xfrm>
             <a:custGeom>
@@ -7373,7 +7373,7 @@
           </p:nvSpPr>
           <p:spPr>
             <a:xfrm>
-              <a:off x="1724126" y="5619474"/>
+              <a:off x="2137435" y="5619482"/>
               <a:ext cx="63202" cy="63202"/>
             </a:xfrm>
             <a:custGeom>
@@ -7416,7 +7416,7 @@
           </p:nvSpPr>
           <p:spPr>
             <a:xfrm>
-              <a:off x="1910696" y="5618864"/>
+              <a:off x="2035892" y="5618892"/>
               <a:ext cx="63202" cy="63202"/>
             </a:xfrm>
             <a:custGeom>
@@ -7459,7 +7459,7 @@
           </p:nvSpPr>
           <p:spPr>
             <a:xfrm>
-              <a:off x="2066031" y="5620790"/>
+              <a:off x="1882668" y="5620757"/>
               <a:ext cx="63202" cy="63202"/>
             </a:xfrm>
             <a:custGeom>
@@ -7502,7 +7502,7 @@
           </p:nvSpPr>
           <p:spPr>
             <a:xfrm>
-              <a:off x="1883785" y="5620134"/>
+              <a:off x="1932197" y="5620096"/>
               <a:ext cx="63202" cy="63202"/>
             </a:xfrm>
             <a:custGeom>
@@ -7545,7 +7545,7 @@
           </p:nvSpPr>
           <p:spPr>
             <a:xfrm>
-              <a:off x="2248030" y="5617697"/>
+              <a:off x="1988845" y="5617657"/>
               <a:ext cx="63202" cy="63202"/>
             </a:xfrm>
             <a:custGeom>
@@ -7588,7 +7588,7 @@
           </p:nvSpPr>
           <p:spPr>
             <a:xfrm>
-              <a:off x="1610098" y="6071785"/>
+              <a:off x="2225410" y="6071779"/>
               <a:ext cx="63202" cy="63202"/>
             </a:xfrm>
             <a:custGeom>
@@ -7631,7 +7631,7 @@
           </p:nvSpPr>
           <p:spPr>
             <a:xfrm>
-              <a:off x="2234832" y="5790397"/>
+              <a:off x="1723878" y="5790432"/>
               <a:ext cx="63202" cy="63202"/>
             </a:xfrm>
             <a:custGeom>
@@ -7674,7 +7674,7 @@
           </p:nvSpPr>
           <p:spPr>
             <a:xfrm>
-              <a:off x="2089674" y="6568067"/>
+              <a:off x="1997388" y="6568089"/>
               <a:ext cx="63202" cy="63202"/>
             </a:xfrm>
             <a:custGeom>
@@ -7717,7 +7717,7 @@
           </p:nvSpPr>
           <p:spPr>
             <a:xfrm>
-              <a:off x="2947494" y="6672746"/>
+              <a:off x="2917080" y="6672807"/>
               <a:ext cx="63202" cy="63202"/>
             </a:xfrm>
             <a:custGeom>
@@ -7760,7 +7760,7 @@
           </p:nvSpPr>
           <p:spPr>
             <a:xfrm>
-              <a:off x="1992593" y="5626570"/>
+              <a:off x="1680964" y="5626539"/>
               <a:ext cx="63202" cy="63202"/>
             </a:xfrm>
             <a:custGeom>
@@ -7803,7 +7803,7 @@
           </p:nvSpPr>
           <p:spPr>
             <a:xfrm>
-              <a:off x="2133997" y="5668097"/>
+              <a:off x="1782160" y="5668066"/>
               <a:ext cx="63202" cy="63202"/>
             </a:xfrm>
             <a:custGeom>
@@ -7846,7 +7846,7 @@
           </p:nvSpPr>
           <p:spPr>
             <a:xfrm>
-              <a:off x="1880627" y="6370054"/>
+              <a:off x="1740774" y="6370129"/>
               <a:ext cx="63202" cy="63202"/>
             </a:xfrm>
             <a:custGeom>
@@ -7889,7 +7889,7 @@
           </p:nvSpPr>
           <p:spPr>
             <a:xfrm>
-              <a:off x="2118675" y="5692191"/>
+              <a:off x="2296539" y="5692165"/>
               <a:ext cx="63202" cy="63202"/>
             </a:xfrm>
             <a:custGeom>
@@ -7932,7 +7932,7 @@
           </p:nvSpPr>
           <p:spPr>
             <a:xfrm>
-              <a:off x="1718681" y="5840274"/>
+              <a:off x="2150690" y="5840292"/>
               <a:ext cx="63202" cy="63202"/>
             </a:xfrm>
             <a:custGeom>
@@ -7975,7 +7975,7 @@
           </p:nvSpPr>
           <p:spPr>
             <a:xfrm>
-              <a:off x="2271024" y="6342221"/>
+              <a:off x="1915013" y="6342248"/>
               <a:ext cx="63202" cy="63202"/>
             </a:xfrm>
             <a:custGeom>
@@ -8018,7 +8018,7 @@
           </p:nvSpPr>
           <p:spPr>
             <a:xfrm>
-              <a:off x="2078822" y="6386285"/>
+              <a:off x="1961387" y="6386346"/>
               <a:ext cx="63202" cy="63202"/>
             </a:xfrm>
             <a:custGeom>
@@ -8061,7 +8061,7 @@
           </p:nvSpPr>
           <p:spPr>
             <a:xfrm>
-              <a:off x="2954655" y="6729956"/>
+              <a:off x="2482646" y="6729982"/>
               <a:ext cx="63202" cy="63202"/>
             </a:xfrm>
             <a:custGeom>
@@ -8104,7 +8104,7 @@
           </p:nvSpPr>
           <p:spPr>
             <a:xfrm>
-              <a:off x="1604821" y="5610042"/>
+              <a:off x="1968173" y="5610022"/>
               <a:ext cx="63202" cy="63202"/>
             </a:xfrm>
             <a:custGeom>
@@ -8147,7 +8147,7 @@
           </p:nvSpPr>
           <p:spPr>
             <a:xfrm>
-              <a:off x="1939239" y="5613437"/>
+              <a:off x="2162468" y="5613426"/>
               <a:ext cx="63202" cy="63202"/>
             </a:xfrm>
             <a:custGeom>
@@ -8190,7 +8190,7 @@
           </p:nvSpPr>
           <p:spPr>
             <a:xfrm>
-              <a:off x="1743655" y="5611253"/>
+              <a:off x="2235097" y="5611208"/>
               <a:ext cx="63202" cy="63202"/>
             </a:xfrm>
             <a:custGeom>
@@ -8233,7 +8233,7 @@
           </p:nvSpPr>
           <p:spPr>
             <a:xfrm>
-              <a:off x="1603472" y="5713308"/>
+              <a:off x="1699479" y="5713274"/>
               <a:ext cx="63202" cy="63202"/>
             </a:xfrm>
             <a:custGeom>
@@ -8276,7 +8276,7 @@
           </p:nvSpPr>
           <p:spPr>
             <a:xfrm>
-              <a:off x="1917130" y="6042772"/>
+              <a:off x="2117373" y="6042765"/>
               <a:ext cx="63202" cy="63202"/>
             </a:xfrm>
             <a:custGeom>
@@ -8319,7 +8319,7 @@
           </p:nvSpPr>
           <p:spPr>
             <a:xfrm>
-              <a:off x="2099504" y="5610428"/>
+              <a:off x="2147570" y="5610361"/>
               <a:ext cx="63202" cy="63202"/>
             </a:xfrm>
             <a:custGeom>
@@ -8362,7 +8362,7 @@
           </p:nvSpPr>
           <p:spPr>
             <a:xfrm>
-              <a:off x="1707357" y="6074982"/>
+              <a:off x="1915186" y="6074978"/>
               <a:ext cx="63202" cy="63202"/>
             </a:xfrm>
             <a:custGeom>
@@ -8405,7 +8405,7 @@
           </p:nvSpPr>
           <p:spPr>
             <a:xfrm>
-              <a:off x="1757769" y="6057039"/>
+              <a:off x="1844749" y="6057046"/>
               <a:ext cx="63202" cy="63202"/>
             </a:xfrm>
             <a:custGeom>
@@ -8448,7 +8448,7 @@
           </p:nvSpPr>
           <p:spPr>
             <a:xfrm>
-              <a:off x="1768993" y="5610866"/>
+              <a:off x="2080317" y="5610853"/>
               <a:ext cx="63202" cy="63202"/>
             </a:xfrm>
             <a:custGeom>
@@ -8491,7 +8491,7 @@
           </p:nvSpPr>
           <p:spPr>
             <a:xfrm>
-              <a:off x="2041422" y="5614643"/>
+              <a:off x="1727032" y="5614638"/>
               <a:ext cx="63202" cy="63202"/>
             </a:xfrm>
             <a:custGeom>
@@ -8534,7 +8534,7 @@
           </p:nvSpPr>
           <p:spPr>
             <a:xfrm>
-              <a:off x="2271639" y="5610970"/>
+              <a:off x="2187913" y="5610965"/>
               <a:ext cx="63202" cy="63202"/>
             </a:xfrm>
             <a:custGeom>
@@ -8577,7 +8577,7 @@
           </p:nvSpPr>
           <p:spPr>
             <a:xfrm>
-              <a:off x="1978275" y="6228287"/>
+              <a:off x="1954006" y="6228281"/>
               <a:ext cx="63202" cy="63202"/>
             </a:xfrm>
             <a:custGeom>
@@ -8620,7 +8620,7 @@
           </p:nvSpPr>
           <p:spPr>
             <a:xfrm>
-              <a:off x="2141860" y="5847940"/>
+              <a:off x="1916572" y="5847889"/>
               <a:ext cx="63202" cy="63202"/>
             </a:xfrm>
             <a:custGeom>
@@ -8663,7 +8663,7 @@
           </p:nvSpPr>
           <p:spPr>
             <a:xfrm>
-              <a:off x="1766894" y="5876689"/>
+              <a:off x="2012005" y="5876730"/>
               <a:ext cx="63202" cy="63202"/>
             </a:xfrm>
             <a:custGeom>
@@ -8706,7 +8706,7 @@
           </p:nvSpPr>
           <p:spPr>
             <a:xfrm>
-              <a:off x="1947825" y="6612379"/>
+              <a:off x="1689958" y="6612423"/>
               <a:ext cx="63202" cy="63202"/>
             </a:xfrm>
             <a:custGeom>
@@ -8749,7 +8749,7 @@
           </p:nvSpPr>
           <p:spPr>
             <a:xfrm>
-              <a:off x="1757823" y="5605139"/>
+              <a:off x="2298184" y="5605065"/>
               <a:ext cx="63202" cy="63202"/>
             </a:xfrm>
             <a:custGeom>
@@ -8792,7 +8792,7 @@
           </p:nvSpPr>
           <p:spPr>
             <a:xfrm>
-              <a:off x="1653841" y="5603788"/>
+              <a:off x="2063274" y="5603810"/>
               <a:ext cx="63202" cy="63202"/>
             </a:xfrm>
             <a:custGeom>
@@ -8835,7 +8835,7 @@
           </p:nvSpPr>
           <p:spPr>
             <a:xfrm>
-              <a:off x="1803447" y="6110922"/>
+              <a:off x="1612131" y="6110971"/>
               <a:ext cx="63202" cy="63202"/>
             </a:xfrm>
             <a:custGeom>
@@ -8878,7 +8878,7 @@
           </p:nvSpPr>
           <p:spPr>
             <a:xfrm>
-              <a:off x="1819211" y="6009381"/>
+              <a:off x="1620842" y="6009379"/>
               <a:ext cx="63202" cy="63202"/>
             </a:xfrm>
             <a:custGeom>
@@ -8921,7 +8921,7 @@
           </p:nvSpPr>
           <p:spPr>
             <a:xfrm>
-              <a:off x="2205003" y="6077730"/>
+              <a:off x="1948821" y="6077708"/>
               <a:ext cx="63202" cy="63202"/>
             </a:xfrm>
             <a:custGeom>
@@ -8964,7 +8964,7 @@
           </p:nvSpPr>
           <p:spPr>
             <a:xfrm>
-              <a:off x="1612972" y="5872551"/>
+              <a:off x="2027618" y="5872534"/>
               <a:ext cx="63202" cy="63202"/>
             </a:xfrm>
             <a:custGeom>
@@ -9007,7 +9007,7 @@
           </p:nvSpPr>
           <p:spPr>
             <a:xfrm>
-              <a:off x="1789639" y="5859058"/>
+              <a:off x="2055719" y="5859088"/>
               <a:ext cx="63202" cy="63202"/>
             </a:xfrm>
             <a:custGeom>
@@ -9050,7 +9050,7 @@
           </p:nvSpPr>
           <p:spPr>
             <a:xfrm>
-              <a:off x="1603171" y="5839461"/>
+              <a:off x="1827924" y="5839398"/>
               <a:ext cx="63202" cy="63202"/>
             </a:xfrm>
             <a:custGeom>
@@ -9093,7 +9093,7 @@
           </p:nvSpPr>
           <p:spPr>
             <a:xfrm>
-              <a:off x="1939816" y="5844824"/>
+              <a:off x="1704048" y="5844801"/>
               <a:ext cx="63202" cy="63202"/>
             </a:xfrm>
             <a:custGeom>
@@ -9136,7 +9136,7 @@
           </p:nvSpPr>
           <p:spPr>
             <a:xfrm>
-              <a:off x="1916254" y="5846724"/>
+              <a:off x="1633676" y="5846680"/>
               <a:ext cx="63202" cy="63202"/>
             </a:xfrm>
             <a:custGeom>
@@ -9179,7 +9179,7 @@
           </p:nvSpPr>
           <p:spPr>
             <a:xfrm>
-              <a:off x="2038968" y="5831057"/>
+              <a:off x="1968150" y="5831002"/>
               <a:ext cx="63202" cy="63202"/>
             </a:xfrm>
             <a:custGeom>
@@ -9222,7 +9222,7 @@
           </p:nvSpPr>
           <p:spPr>
             <a:xfrm>
-              <a:off x="1756445" y="5782958"/>
+              <a:off x="1699917" y="5782986"/>
               <a:ext cx="63202" cy="63202"/>
             </a:xfrm>
             <a:custGeom>
@@ -9265,7 +9265,7 @@
           </p:nvSpPr>
           <p:spPr>
             <a:xfrm>
-              <a:off x="2110617" y="5872570"/>
+              <a:off x="2228444" y="5872554"/>
               <a:ext cx="63202" cy="63202"/>
             </a:xfrm>
             <a:custGeom>
@@ -9308,7 +9308,7 @@
           </p:nvSpPr>
           <p:spPr>
             <a:xfrm>
-              <a:off x="2233085" y="6325604"/>
+              <a:off x="2050876" y="6325614"/>
               <a:ext cx="63202" cy="63202"/>
             </a:xfrm>
             <a:custGeom>
@@ -9351,7 +9351,7 @@
           </p:nvSpPr>
           <p:spPr>
             <a:xfrm>
-              <a:off x="2277436" y="6516285"/>
+              <a:off x="1765779" y="6516340"/>
               <a:ext cx="63202" cy="63202"/>
             </a:xfrm>
             <a:custGeom>
@@ -9394,7 +9394,7 @@
           </p:nvSpPr>
           <p:spPr>
             <a:xfrm>
-              <a:off x="2174502" y="6327968"/>
+              <a:off x="2017154" y="6328010"/>
               <a:ext cx="63202" cy="63202"/>
             </a:xfrm>
             <a:custGeom>
@@ -9437,7 +9437,7 @@
           </p:nvSpPr>
           <p:spPr>
             <a:xfrm>
-              <a:off x="2150313" y="6367731"/>
+              <a:off x="1793452" y="6367704"/>
               <a:ext cx="63202" cy="63202"/>
             </a:xfrm>
             <a:custGeom>
@@ -9480,7 +9480,7 @@
           </p:nvSpPr>
           <p:spPr>
             <a:xfrm>
-              <a:off x="1683192" y="6529726"/>
+              <a:off x="2168032" y="6529775"/>
               <a:ext cx="63202" cy="63202"/>
             </a:xfrm>
             <a:custGeom>
@@ -9523,7 +9523,7 @@
           </p:nvSpPr>
           <p:spPr>
             <a:xfrm>
-              <a:off x="1816016" y="5599661"/>
+              <a:off x="1751147" y="5599610"/>
               <a:ext cx="63202" cy="63202"/>
             </a:xfrm>
             <a:custGeom>
@@ -9566,7 +9566,7 @@
           </p:nvSpPr>
           <p:spPr>
             <a:xfrm>
-              <a:off x="1664610" y="6376852"/>
+              <a:off x="1858154" y="6376866"/>
               <a:ext cx="63202" cy="63202"/>
             </a:xfrm>
             <a:custGeom>
@@ -9609,7 +9609,7 @@
           </p:nvSpPr>
           <p:spPr>
             <a:xfrm>
-              <a:off x="2300073" y="5940834"/>
+              <a:off x="1995131" y="5940806"/>
               <a:ext cx="63202" cy="63202"/>
             </a:xfrm>
             <a:custGeom>
@@ -9652,7 +9652,7 @@
           </p:nvSpPr>
           <p:spPr>
             <a:xfrm>
-              <a:off x="1772271" y="5614927"/>
+              <a:off x="1813648" y="5614949"/>
               <a:ext cx="63202" cy="63202"/>
             </a:xfrm>
             <a:custGeom>
@@ -9695,7 +9695,7 @@
           </p:nvSpPr>
           <p:spPr>
             <a:xfrm>
-              <a:off x="1676420" y="5619550"/>
+              <a:off x="2200334" y="5619551"/>
               <a:ext cx="63202" cy="63202"/>
             </a:xfrm>
             <a:custGeom>
@@ -9738,7 +9738,7 @@
           </p:nvSpPr>
           <p:spPr>
             <a:xfrm>
-              <a:off x="2190857" y="5623437"/>
+              <a:off x="1709817" y="5623433"/>
               <a:ext cx="63202" cy="63202"/>
             </a:xfrm>
             <a:custGeom>
@@ -9781,7 +9781,7 @@
           </p:nvSpPr>
           <p:spPr>
             <a:xfrm>
-              <a:off x="2042005" y="5622142"/>
+              <a:off x="2003172" y="5622078"/>
               <a:ext cx="63202" cy="63202"/>
             </a:xfrm>
             <a:custGeom>
@@ -9824,7 +9824,7 @@
           </p:nvSpPr>
           <p:spPr>
             <a:xfrm>
-              <a:off x="2115412" y="5612756"/>
+              <a:off x="1759936" y="5612740"/>
               <a:ext cx="63202" cy="63202"/>
             </a:xfrm>
             <a:custGeom>
@@ -9867,7 +9867,7 @@
           </p:nvSpPr>
           <p:spPr>
             <a:xfrm>
-              <a:off x="1794506" y="6371137"/>
+              <a:off x="1852603" y="6371120"/>
               <a:ext cx="63202" cy="63202"/>
             </a:xfrm>
             <a:custGeom>
@@ -9910,7 +9910,7 @@
           </p:nvSpPr>
           <p:spPr>
             <a:xfrm>
-              <a:off x="1700449" y="6152789"/>
+              <a:off x="1812364" y="6152795"/>
               <a:ext cx="63202" cy="63202"/>
             </a:xfrm>
             <a:custGeom>
@@ -9953,7 +9953,7 @@
           </p:nvSpPr>
           <p:spPr>
             <a:xfrm>
-              <a:off x="2261586" y="5606229"/>
+              <a:off x="1838253" y="5606274"/>
               <a:ext cx="63202" cy="63202"/>
             </a:xfrm>
             <a:custGeom>
@@ -9996,7 +9996,7 @@
           </p:nvSpPr>
           <p:spPr>
             <a:xfrm>
-              <a:off x="1951219" y="5868150"/>
+              <a:off x="2201369" y="5868138"/>
               <a:ext cx="63202" cy="63202"/>
             </a:xfrm>
             <a:custGeom>
@@ -10095,7 +10095,7 @@
           </p:nvSpPr>
           <p:spPr>
             <a:xfrm>
-              <a:off x="4325757" y="2850739"/>
+              <a:off x="4325757" y="2850779"/>
               <a:ext cx="2796732" cy="0"/>
             </a:xfrm>
             <a:custGeom>
@@ -10138,7 +10138,7 @@
           </p:nvSpPr>
           <p:spPr>
             <a:xfrm>
-              <a:off x="4325757" y="2378719"/>
+              <a:off x="4325757" y="2378736"/>
               <a:ext cx="2796732" cy="0"/>
             </a:xfrm>
             <a:custGeom>
@@ -10181,7 +10181,7 @@
           </p:nvSpPr>
           <p:spPr>
             <a:xfrm>
-              <a:off x="4325757" y="1906698"/>
+              <a:off x="4325757" y="1906693"/>
               <a:ext cx="2796732" cy="0"/>
             </a:xfrm>
             <a:custGeom>
@@ -10224,7 +10224,7 @@
           </p:nvSpPr>
           <p:spPr>
             <a:xfrm>
-              <a:off x="4325757" y="1434678"/>
+              <a:off x="4325757" y="1434651"/>
               <a:ext cx="2796732" cy="0"/>
             </a:xfrm>
             <a:custGeom>
@@ -10267,7 +10267,7 @@
           </p:nvSpPr>
           <p:spPr>
             <a:xfrm>
-              <a:off x="4325757" y="2614729"/>
+              <a:off x="4325757" y="2614757"/>
               <a:ext cx="2796732" cy="0"/>
             </a:xfrm>
             <a:custGeom>
@@ -10310,7 +10310,7 @@
           </p:nvSpPr>
           <p:spPr>
             <a:xfrm>
-              <a:off x="4325757" y="2142709"/>
+              <a:off x="4325757" y="2142715"/>
               <a:ext cx="2796732" cy="0"/>
             </a:xfrm>
             <a:custGeom>
@@ -10353,7 +10353,7 @@
           </p:nvSpPr>
           <p:spPr>
             <a:xfrm>
-              <a:off x="4325757" y="1670688"/>
+              <a:off x="4325757" y="1670672"/>
               <a:ext cx="2796732" cy="0"/>
             </a:xfrm>
             <a:custGeom>
@@ -10525,7 +10525,7 @@
           </p:nvSpPr>
           <p:spPr>
             <a:xfrm>
-              <a:off x="4863797" y="2111047"/>
+              <a:off x="5014280" y="2111055"/>
               <a:ext cx="63202" cy="63202"/>
             </a:xfrm>
             <a:custGeom>
@@ -10568,7 +10568,7 @@
           </p:nvSpPr>
           <p:spPr>
             <a:xfrm>
-              <a:off x="4974436" y="1890192"/>
+              <a:off x="4500252" y="1890218"/>
               <a:ext cx="63202" cy="63202"/>
             </a:xfrm>
             <a:custGeom>
@@ -10611,7 +10611,7 @@
           </p:nvSpPr>
           <p:spPr>
             <a:xfrm>
-              <a:off x="4866598" y="1811338"/>
+              <a:off x="4547026" y="1811347"/>
               <a:ext cx="63202" cy="63202"/>
             </a:xfrm>
             <a:custGeom>
@@ -10654,7 +10654,7 @@
           </p:nvSpPr>
           <p:spPr>
             <a:xfrm>
-              <a:off x="4863295" y="1904365"/>
+              <a:off x="5159756" y="1904373"/>
               <a:ext cx="63202" cy="63202"/>
             </a:xfrm>
             <a:custGeom>
@@ -10697,7 +10697,7 @@
           </p:nvSpPr>
           <p:spPr>
             <a:xfrm>
-              <a:off x="4602304" y="1947983"/>
+              <a:off x="4932126" y="1947977"/>
               <a:ext cx="63202" cy="63202"/>
             </a:xfrm>
             <a:custGeom>
@@ -10740,7 +10740,7 @@
           </p:nvSpPr>
           <p:spPr>
             <a:xfrm>
-              <a:off x="4820665" y="2355344"/>
+              <a:off x="4735153" y="2355327"/>
               <a:ext cx="63202" cy="63202"/>
             </a:xfrm>
             <a:custGeom>
@@ -10783,7 +10783,7 @@
           </p:nvSpPr>
           <p:spPr>
             <a:xfrm>
-              <a:off x="4480772" y="1851793"/>
+              <a:off x="4915720" y="1851795"/>
               <a:ext cx="63202" cy="63202"/>
             </a:xfrm>
             <a:custGeom>
@@ -10826,7 +10826,7 @@
           </p:nvSpPr>
           <p:spPr>
             <a:xfrm>
-              <a:off x="5091077" y="1908707"/>
+              <a:off x="4997929" y="1908678"/>
               <a:ext cx="63202" cy="63202"/>
             </a:xfrm>
             <a:custGeom>
@@ -10869,7 +10869,7 @@
           </p:nvSpPr>
           <p:spPr>
             <a:xfrm>
-              <a:off x="4846166" y="1855105"/>
+              <a:off x="5016897" y="1855049"/>
               <a:ext cx="63202" cy="63202"/>
             </a:xfrm>
             <a:custGeom>
@@ -10912,7 +10912,7 @@
           </p:nvSpPr>
           <p:spPr>
             <a:xfrm>
-              <a:off x="5111383" y="1885475"/>
+              <a:off x="4764096" y="1885468"/>
               <a:ext cx="63202" cy="63202"/>
             </a:xfrm>
             <a:custGeom>
@@ -10955,7 +10955,7 @@
           </p:nvSpPr>
           <p:spPr>
             <a:xfrm>
-              <a:off x="5090386" y="2846539"/>
+              <a:off x="4714063" y="2846590"/>
               <a:ext cx="63202" cy="63202"/>
             </a:xfrm>
             <a:custGeom>
@@ -10998,7 +10998,7 @@
           </p:nvSpPr>
           <p:spPr>
             <a:xfrm>
-              <a:off x="4923473" y="1868278"/>
+              <a:off x="4831627" y="1868311"/>
               <a:ext cx="63202" cy="63202"/>
             </a:xfrm>
             <a:custGeom>
@@ -11041,7 +11041,7 @@
           </p:nvSpPr>
           <p:spPr>
             <a:xfrm>
-              <a:off x="4606336" y="1882300"/>
+              <a:off x="5117097" y="1882282"/>
               <a:ext cx="63202" cy="63202"/>
             </a:xfrm>
             <a:custGeom>
@@ -11084,7 +11084,7 @@
           </p:nvSpPr>
           <p:spPr>
             <a:xfrm>
-              <a:off x="4532314" y="1909053"/>
+              <a:off x="4931576" y="1909114"/>
               <a:ext cx="63202" cy="63202"/>
             </a:xfrm>
             <a:custGeom>
@@ -11127,7 +11127,7 @@
           </p:nvSpPr>
           <p:spPr>
             <a:xfrm>
-              <a:off x="4732041" y="2226063"/>
+              <a:off x="4932397" y="2226094"/>
               <a:ext cx="63202" cy="63202"/>
             </a:xfrm>
             <a:custGeom>
@@ -11170,7 +11170,7 @@
           </p:nvSpPr>
           <p:spPr>
             <a:xfrm>
-              <a:off x="5072832" y="1918391"/>
+              <a:off x="4943679" y="1918412"/>
               <a:ext cx="63202" cy="63202"/>
             </a:xfrm>
             <a:custGeom>
@@ -11213,7 +11213,7 @@
           </p:nvSpPr>
           <p:spPr>
             <a:xfrm>
-              <a:off x="4593584" y="2357005"/>
+              <a:off x="4846719" y="2357076"/>
               <a:ext cx="63202" cy="63202"/>
             </a:xfrm>
             <a:custGeom>
@@ -11256,7 +11256,7 @@
           </p:nvSpPr>
           <p:spPr>
             <a:xfrm>
-              <a:off x="4535358" y="1833924"/>
+              <a:off x="5159737" y="1833916"/>
               <a:ext cx="63202" cy="63202"/>
             </a:xfrm>
             <a:custGeom>
@@ -11299,7 +11299,7 @@
           </p:nvSpPr>
           <p:spPr>
             <a:xfrm>
-              <a:off x="5096119" y="1875973"/>
+              <a:off x="4552137" y="1875945"/>
               <a:ext cx="63202" cy="63202"/>
             </a:xfrm>
             <a:custGeom>
@@ -11342,7 +11342,7 @@
           </p:nvSpPr>
           <p:spPr>
             <a:xfrm>
-              <a:off x="5102716" y="1981407"/>
+              <a:off x="4756318" y="1981374"/>
               <a:ext cx="63202" cy="63202"/>
             </a:xfrm>
             <a:custGeom>
@@ -11385,7 +11385,7 @@
           </p:nvSpPr>
           <p:spPr>
             <a:xfrm>
-              <a:off x="4988059" y="1914537"/>
+              <a:off x="5091456" y="1914530"/>
               <a:ext cx="63202" cy="63202"/>
             </a:xfrm>
             <a:custGeom>
@@ -11428,7 +11428,7 @@
           </p:nvSpPr>
           <p:spPr>
             <a:xfrm>
-              <a:off x="4795629" y="1943546"/>
+              <a:off x="5114326" y="1943517"/>
               <a:ext cx="63202" cy="63202"/>
             </a:xfrm>
             <a:custGeom>
@@ -11471,7 +11471,7 @@
           </p:nvSpPr>
           <p:spPr>
             <a:xfrm>
-              <a:off x="4920162" y="2538444"/>
+              <a:off x="4674753" y="2538487"/>
               <a:ext cx="63202" cy="63202"/>
             </a:xfrm>
             <a:custGeom>
@@ -11514,7 +11514,7 @@
           </p:nvSpPr>
           <p:spPr>
             <a:xfrm>
-              <a:off x="5025800" y="2199078"/>
+              <a:off x="4958968" y="2199072"/>
               <a:ext cx="63202" cy="63202"/>
             </a:xfrm>
             <a:custGeom>
@@ -11557,7 +11557,7 @@
           </p:nvSpPr>
           <p:spPr>
             <a:xfrm>
-              <a:off x="5164202" y="2000069"/>
+              <a:off x="4512045" y="2000085"/>
               <a:ext cx="63202" cy="63202"/>
             </a:xfrm>
             <a:custGeom>
@@ -11600,7 +11600,7 @@
           </p:nvSpPr>
           <p:spPr>
             <a:xfrm>
-              <a:off x="5008503" y="1882484"/>
+              <a:off x="5108313" y="1882483"/>
               <a:ext cx="63202" cy="63202"/>
             </a:xfrm>
             <a:custGeom>
@@ -11643,7 +11643,7 @@
           </p:nvSpPr>
           <p:spPr>
             <a:xfrm>
-              <a:off x="4819545" y="2620803"/>
+              <a:off x="4585708" y="2620852"/>
               <a:ext cx="63202" cy="63202"/>
             </a:xfrm>
             <a:custGeom>
@@ -11686,7 +11686,7 @@
           </p:nvSpPr>
           <p:spPr>
             <a:xfrm>
-              <a:off x="5160123" y="1900410"/>
+              <a:off x="5160607" y="1900361"/>
               <a:ext cx="63202" cy="63202"/>
             </a:xfrm>
             <a:custGeom>
@@ -11729,7 +11729,7 @@
           </p:nvSpPr>
           <p:spPr>
             <a:xfrm>
-              <a:off x="5027352" y="1933080"/>
+              <a:off x="5058199" y="1933039"/>
               <a:ext cx="63202" cy="63202"/>
             </a:xfrm>
             <a:custGeom>
@@ -11772,7 +11772,7 @@
           </p:nvSpPr>
           <p:spPr>
             <a:xfrm>
-              <a:off x="4494852" y="1816395"/>
+              <a:off x="5061752" y="1816360"/>
               <a:ext cx="63202" cy="63202"/>
             </a:xfrm>
             <a:custGeom>
@@ -11815,7 +11815,7 @@
           </p:nvSpPr>
           <p:spPr>
             <a:xfrm>
-              <a:off x="4640292" y="1919204"/>
+              <a:off x="4714077" y="1919182"/>
               <a:ext cx="63202" cy="63202"/>
             </a:xfrm>
             <a:custGeom>
@@ -11858,7 +11858,7 @@
           </p:nvSpPr>
           <p:spPr>
             <a:xfrm>
-              <a:off x="4742267" y="1835621"/>
+              <a:off x="4724137" y="1835663"/>
               <a:ext cx="63202" cy="63202"/>
             </a:xfrm>
             <a:custGeom>
@@ -11901,7 +11901,7 @@
           </p:nvSpPr>
           <p:spPr>
             <a:xfrm>
-              <a:off x="4831282" y="1940363"/>
+              <a:off x="4692830" y="1940328"/>
               <a:ext cx="63202" cy="63202"/>
             </a:xfrm>
             <a:custGeom>
@@ -11944,7 +11944,7 @@
           </p:nvSpPr>
           <p:spPr>
             <a:xfrm>
-              <a:off x="4842854" y="1995446"/>
+              <a:off x="4566090" y="1995464"/>
               <a:ext cx="63202" cy="63202"/>
             </a:xfrm>
             <a:custGeom>
@@ -11987,7 +11987,7 @@
           </p:nvSpPr>
           <p:spPr>
             <a:xfrm>
-              <a:off x="4571882" y="1894443"/>
+              <a:off x="4549906" y="1894462"/>
               <a:ext cx="63202" cy="63202"/>
             </a:xfrm>
             <a:custGeom>
@@ -12030,7 +12030,7 @@
           </p:nvSpPr>
           <p:spPr>
             <a:xfrm>
-              <a:off x="4905657" y="1882281"/>
+              <a:off x="4502312" y="1882292"/>
               <a:ext cx="63202" cy="63202"/>
             </a:xfrm>
             <a:custGeom>
@@ -12073,7 +12073,7 @@
           </p:nvSpPr>
           <p:spPr>
             <a:xfrm>
-              <a:off x="4813262" y="1908825"/>
+              <a:off x="4827047" y="1908827"/>
               <a:ext cx="63202" cy="63202"/>
             </a:xfrm>
             <a:custGeom>
@@ -12116,7 +12116,7 @@
           </p:nvSpPr>
           <p:spPr>
             <a:xfrm>
-              <a:off x="4835628" y="1987601"/>
+              <a:off x="4907666" y="1987593"/>
               <a:ext cx="63202" cy="63202"/>
             </a:xfrm>
             <a:custGeom>
@@ -12159,7 +12159,7 @@
           </p:nvSpPr>
           <p:spPr>
             <a:xfrm>
-              <a:off x="4697717" y="1899918"/>
+              <a:off x="5144563" y="1899896"/>
               <a:ext cx="63202" cy="63202"/>
             </a:xfrm>
             <a:custGeom>
@@ -12202,7 +12202,7 @@
           </p:nvSpPr>
           <p:spPr>
             <a:xfrm>
-              <a:off x="4686978" y="2010178"/>
+              <a:off x="4569199" y="2010224"/>
               <a:ext cx="63202" cy="63202"/>
             </a:xfrm>
             <a:custGeom>
@@ -12245,7 +12245,7 @@
           </p:nvSpPr>
           <p:spPr>
             <a:xfrm>
-              <a:off x="4472849" y="1952066"/>
+              <a:off x="5076370" y="1952025"/>
               <a:ext cx="63202" cy="63202"/>
             </a:xfrm>
             <a:custGeom>
@@ -12288,7 +12288,7 @@
           </p:nvSpPr>
           <p:spPr>
             <a:xfrm>
-              <a:off x="4482055" y="2742026"/>
+              <a:off x="4627913" y="2742018"/>
               <a:ext cx="63202" cy="63202"/>
             </a:xfrm>
             <a:custGeom>
@@ -12331,7 +12331,7 @@
           </p:nvSpPr>
           <p:spPr>
             <a:xfrm>
-              <a:off x="4804020" y="1917005"/>
+              <a:off x="4501287" y="1917015"/>
               <a:ext cx="63202" cy="63202"/>
             </a:xfrm>
             <a:custGeom>
@@ -12374,7 +12374,7 @@
           </p:nvSpPr>
           <p:spPr>
             <a:xfrm>
-              <a:off x="4729244" y="2136601"/>
+              <a:off x="5156411" y="2136619"/>
               <a:ext cx="63202" cy="63202"/>
             </a:xfrm>
             <a:custGeom>
@@ -12417,7 +12417,7 @@
           </p:nvSpPr>
           <p:spPr>
             <a:xfrm>
-              <a:off x="4632496" y="1877397"/>
+              <a:off x="4547615" y="1877337"/>
               <a:ext cx="63202" cy="63202"/>
             </a:xfrm>
             <a:custGeom>
@@ -12460,7 +12460,7 @@
           </p:nvSpPr>
           <p:spPr>
             <a:xfrm>
-              <a:off x="4880993" y="1899991"/>
+              <a:off x="4842412" y="1900032"/>
               <a:ext cx="63202" cy="63202"/>
             </a:xfrm>
             <a:custGeom>
@@ -12503,7 +12503,7 @@
           </p:nvSpPr>
           <p:spPr>
             <a:xfrm>
-              <a:off x="4762871" y="1843466"/>
+              <a:off x="5157084" y="1843452"/>
               <a:ext cx="63202" cy="63202"/>
             </a:xfrm>
             <a:custGeom>
@@ -12546,7 +12546,7 @@
           </p:nvSpPr>
           <p:spPr>
             <a:xfrm>
-              <a:off x="4533480" y="1889630"/>
+              <a:off x="5017221" y="1889653"/>
               <a:ext cx="63202" cy="63202"/>
             </a:xfrm>
             <a:custGeom>
@@ -12589,7 +12589,7 @@
           </p:nvSpPr>
           <p:spPr>
             <a:xfrm>
-              <a:off x="5023497" y="1913741"/>
+              <a:off x="5158956" y="1913736"/>
               <a:ext cx="63202" cy="63202"/>
             </a:xfrm>
             <a:custGeom>
@@ -12632,7 +12632,7 @@
           </p:nvSpPr>
           <p:spPr>
             <a:xfrm>
-              <a:off x="4964618" y="2279911"/>
+              <a:off x="4792983" y="2279905"/>
               <a:ext cx="63202" cy="63202"/>
             </a:xfrm>
             <a:custGeom>
@@ -12675,7 +12675,7 @@
           </p:nvSpPr>
           <p:spPr>
             <a:xfrm>
-              <a:off x="4868313" y="1917957"/>
+              <a:off x="5128743" y="1917987"/>
               <a:ext cx="63202" cy="63202"/>
             </a:xfrm>
             <a:custGeom>
@@ -12718,7 +12718,7 @@
           </p:nvSpPr>
           <p:spPr>
             <a:xfrm>
-              <a:off x="4481876" y="2088934"/>
+              <a:off x="4699612" y="2088937"/>
               <a:ext cx="63202" cy="63202"/>
             </a:xfrm>
             <a:custGeom>
@@ -12761,7 +12761,7 @@
           </p:nvSpPr>
           <p:spPr>
             <a:xfrm>
-              <a:off x="6000643" y="2773142"/>
+              <a:off x="5597154" y="2773205"/>
               <a:ext cx="63202" cy="63202"/>
             </a:xfrm>
             <a:custGeom>
@@ -12804,7 +12804,7 @@
           </p:nvSpPr>
           <p:spPr>
             <a:xfrm>
-              <a:off x="4866800" y="1808158"/>
+              <a:off x="4479085" y="1808140"/>
               <a:ext cx="63202" cy="63202"/>
             </a:xfrm>
             <a:custGeom>
@@ -12847,7 +12847,7 @@
           </p:nvSpPr>
           <p:spPr>
             <a:xfrm>
-              <a:off x="4576281" y="1849062"/>
+              <a:off x="4940599" y="1849034"/>
               <a:ext cx="63202" cy="63202"/>
             </a:xfrm>
             <a:custGeom>
@@ -12890,7 +12890,7 @@
           </p:nvSpPr>
           <p:spPr>
             <a:xfrm>
-              <a:off x="5053033" y="2417132"/>
+              <a:off x="5165651" y="2417181"/>
               <a:ext cx="63202" cy="63202"/>
             </a:xfrm>
             <a:custGeom>
@@ -12933,7 +12933,7 @@
           </p:nvSpPr>
           <p:spPr>
             <a:xfrm>
-              <a:off x="4477245" y="1933236"/>
+              <a:off x="4715511" y="1933214"/>
               <a:ext cx="63202" cy="63202"/>
             </a:xfrm>
             <a:custGeom>
@@ -12976,7 +12976,7 @@
           </p:nvSpPr>
           <p:spPr>
             <a:xfrm>
-              <a:off x="5060244" y="1852629"/>
+              <a:off x="5135858" y="1852643"/>
               <a:ext cx="63202" cy="63202"/>
             </a:xfrm>
             <a:custGeom>
@@ -13019,7 +13019,7 @@
           </p:nvSpPr>
           <p:spPr>
             <a:xfrm>
-              <a:off x="4536895" y="1917973"/>
+              <a:off x="5011225" y="1917983"/>
               <a:ext cx="63202" cy="63202"/>
             </a:xfrm>
             <a:custGeom>
@@ -13062,7 +13062,7 @@
           </p:nvSpPr>
           <p:spPr>
             <a:xfrm>
-              <a:off x="4591294" y="1954195"/>
+              <a:off x="4578528" y="1954183"/>
               <a:ext cx="63202" cy="63202"/>
             </a:xfrm>
             <a:custGeom>
@@ -13105,7 +13105,7 @@
           </p:nvSpPr>
           <p:spPr>
             <a:xfrm>
-              <a:off x="5144798" y="1926179"/>
+              <a:off x="4667487" y="1926201"/>
               <a:ext cx="63202" cy="63202"/>
             </a:xfrm>
             <a:custGeom>
@@ -13148,7 +13148,7 @@
           </p:nvSpPr>
           <p:spPr>
             <a:xfrm>
-              <a:off x="4827328" y="2037817"/>
+              <a:off x="4975392" y="2037829"/>
               <a:ext cx="63202" cy="63202"/>
             </a:xfrm>
             <a:custGeom>
@@ -13191,7 +13191,7 @@
           </p:nvSpPr>
           <p:spPr>
             <a:xfrm>
-              <a:off x="4995593" y="1889562"/>
+              <a:off x="4866716" y="1889551"/>
               <a:ext cx="63202" cy="63202"/>
             </a:xfrm>
             <a:custGeom>
@@ -13234,7 +13234,7 @@
           </p:nvSpPr>
           <p:spPr>
             <a:xfrm>
-              <a:off x="4601721" y="1898331"/>
+              <a:off x="4698092" y="1898303"/>
               <a:ext cx="63202" cy="63202"/>
             </a:xfrm>
             <a:custGeom>
@@ -13277,7 +13277,7 @@
           </p:nvSpPr>
           <p:spPr>
             <a:xfrm>
-              <a:off x="4604772" y="2128193"/>
+              <a:off x="4631775" y="2128234"/>
               <a:ext cx="63202" cy="63202"/>
             </a:xfrm>
             <a:custGeom>
@@ -13320,7 +13320,7 @@
           </p:nvSpPr>
           <p:spPr>
             <a:xfrm>
-              <a:off x="5113956" y="1974634"/>
+              <a:off x="4988265" y="1974598"/>
               <a:ext cx="63202" cy="63202"/>
             </a:xfrm>
             <a:custGeom>
@@ -13363,7 +13363,7 @@
           </p:nvSpPr>
           <p:spPr>
             <a:xfrm>
-              <a:off x="4595326" y="1875815"/>
+              <a:off x="5162828" y="1875830"/>
               <a:ext cx="63202" cy="63202"/>
             </a:xfrm>
             <a:custGeom>
@@ -13406,7 +13406,7 @@
           </p:nvSpPr>
           <p:spPr>
             <a:xfrm>
-              <a:off x="4584625" y="2071814"/>
+              <a:off x="4700274" y="2071858"/>
               <a:ext cx="63202" cy="63202"/>
             </a:xfrm>
             <a:custGeom>
@@ -13449,7 +13449,7 @@
           </p:nvSpPr>
           <p:spPr>
             <a:xfrm>
-              <a:off x="4501955" y="2082346"/>
+              <a:off x="4754627" y="2082290"/>
               <a:ext cx="63202" cy="63202"/>
             </a:xfrm>
             <a:custGeom>
@@ -13492,7 +13492,7 @@
           </p:nvSpPr>
           <p:spPr>
             <a:xfrm>
-              <a:off x="5064765" y="1972791"/>
+              <a:off x="4483967" y="1972821"/>
               <a:ext cx="63202" cy="63202"/>
             </a:xfrm>
             <a:custGeom>
@@ -13535,7 +13535,7 @@
           </p:nvSpPr>
           <p:spPr>
             <a:xfrm>
-              <a:off x="4659997" y="2050940"/>
+              <a:off x="4757233" y="2050998"/>
               <a:ext cx="63202" cy="63202"/>
             </a:xfrm>
             <a:custGeom>
@@ -13578,7 +13578,7 @@
           </p:nvSpPr>
           <p:spPr>
             <a:xfrm>
-              <a:off x="4530986" y="1937713"/>
+              <a:off x="5064060" y="1937657"/>
               <a:ext cx="63202" cy="63202"/>
             </a:xfrm>
             <a:custGeom>
@@ -13621,7 +13621,7 @@
           </p:nvSpPr>
           <p:spPr>
             <a:xfrm>
-              <a:off x="4768030" y="1883760"/>
+              <a:off x="4797888" y="1883765"/>
               <a:ext cx="63202" cy="63202"/>
             </a:xfrm>
             <a:custGeom>
@@ -13664,7 +13664,7 @@
           </p:nvSpPr>
           <p:spPr>
             <a:xfrm>
-              <a:off x="5102240" y="1809802"/>
+              <a:off x="4547077" y="1809743"/>
               <a:ext cx="63202" cy="63202"/>
             </a:xfrm>
             <a:custGeom>
@@ -13707,7 +13707,7 @@
           </p:nvSpPr>
           <p:spPr>
             <a:xfrm>
-              <a:off x="5119406" y="1812628"/>
+              <a:off x="5164236" y="1812611"/>
               <a:ext cx="63202" cy="63202"/>
             </a:xfrm>
             <a:custGeom>
@@ -13750,7 +13750,7 @@
           </p:nvSpPr>
           <p:spPr>
             <a:xfrm>
-              <a:off x="4919311" y="2329404"/>
+              <a:off x="4774759" y="2329406"/>
               <a:ext cx="63202" cy="63202"/>
             </a:xfrm>
             <a:custGeom>
@@ -13793,7 +13793,7 @@
           </p:nvSpPr>
           <p:spPr>
             <a:xfrm>
-              <a:off x="4696499" y="1859733"/>
+              <a:off x="4484466" y="1859727"/>
               <a:ext cx="63202" cy="63202"/>
             </a:xfrm>
             <a:custGeom>
@@ -13836,7 +13836,7 @@
           </p:nvSpPr>
           <p:spPr>
             <a:xfrm>
-              <a:off x="4573108" y="2564374"/>
+              <a:off x="4809467" y="2564389"/>
               <a:ext cx="63202" cy="63202"/>
             </a:xfrm>
             <a:custGeom>
@@ -13879,7 +13879,7 @@
           </p:nvSpPr>
           <p:spPr>
             <a:xfrm>
-              <a:off x="4839194" y="1809923"/>
+              <a:off x="5052016" y="1809929"/>
               <a:ext cx="63202" cy="63202"/>
             </a:xfrm>
             <a:custGeom>
@@ -13922,7 +13922,7 @@
           </p:nvSpPr>
           <p:spPr>
             <a:xfrm>
-              <a:off x="4647242" y="1867053"/>
+              <a:off x="4902703" y="1867070"/>
               <a:ext cx="63202" cy="63202"/>
             </a:xfrm>
             <a:custGeom>
@@ -13965,7 +13965,7 @@
           </p:nvSpPr>
           <p:spPr>
             <a:xfrm>
-              <a:off x="4780810" y="1882918"/>
+              <a:off x="4989617" y="1882943"/>
               <a:ext cx="63202" cy="63202"/>
             </a:xfrm>
             <a:custGeom>
@@ -14008,7 +14008,7 @@
           </p:nvSpPr>
           <p:spPr>
             <a:xfrm>
-              <a:off x="4902394" y="2037300"/>
+              <a:off x="4499330" y="2037259"/>
               <a:ext cx="63202" cy="63202"/>
             </a:xfrm>
             <a:custGeom>
@@ -14051,7 +14051,7 @@
           </p:nvSpPr>
           <p:spPr>
             <a:xfrm>
-              <a:off x="4586893" y="1794008"/>
+              <a:off x="4553111" y="1793992"/>
               <a:ext cx="63202" cy="63202"/>
             </a:xfrm>
             <a:custGeom>
@@ -14094,7 +14094,7 @@
           </p:nvSpPr>
           <p:spPr>
             <a:xfrm>
-              <a:off x="4853652" y="1900036"/>
+              <a:off x="4669017" y="1900029"/>
               <a:ext cx="63202" cy="63202"/>
             </a:xfrm>
             <a:custGeom>
@@ -14137,7 +14137,7 @@
           </p:nvSpPr>
           <p:spPr>
             <a:xfrm>
-              <a:off x="5096151" y="1877991"/>
+              <a:off x="4796490" y="1878047"/>
               <a:ext cx="63202" cy="63202"/>
             </a:xfrm>
             <a:custGeom>
@@ -14236,7 +14236,7 @@
           </p:nvSpPr>
           <p:spPr>
             <a:xfrm>
-              <a:off x="4325757" y="4776072"/>
+              <a:off x="4325757" y="4776111"/>
               <a:ext cx="2796732" cy="0"/>
             </a:xfrm>
             <a:custGeom>
@@ -14279,7 +14279,7 @@
           </p:nvSpPr>
           <p:spPr>
             <a:xfrm>
-              <a:off x="4325757" y="4304051"/>
+              <a:off x="4325757" y="4304069"/>
               <a:ext cx="2796732" cy="0"/>
             </a:xfrm>
             <a:custGeom>
@@ -14322,7 +14322,7 @@
           </p:nvSpPr>
           <p:spPr>
             <a:xfrm>
-              <a:off x="4325757" y="3832031"/>
+              <a:off x="4325757" y="3832026"/>
               <a:ext cx="2796732" cy="0"/>
             </a:xfrm>
             <a:custGeom>
@@ -14365,7 +14365,7 @@
           </p:nvSpPr>
           <p:spPr>
             <a:xfrm>
-              <a:off x="4325757" y="3360011"/>
+              <a:off x="4325757" y="3359983"/>
               <a:ext cx="2796732" cy="0"/>
             </a:xfrm>
             <a:custGeom>
@@ -14408,7 +14408,7 @@
           </p:nvSpPr>
           <p:spPr>
             <a:xfrm>
-              <a:off x="4325757" y="4540061"/>
+              <a:off x="4325757" y="4540090"/>
               <a:ext cx="2796732" cy="0"/>
             </a:xfrm>
             <a:custGeom>
@@ -14451,7 +14451,7 @@
           </p:nvSpPr>
           <p:spPr>
             <a:xfrm>
-              <a:off x="4325757" y="4068041"/>
+              <a:off x="4325757" y="4068047"/>
               <a:ext cx="2796732" cy="0"/>
             </a:xfrm>
             <a:custGeom>
@@ -14494,7 +14494,7 @@
           </p:nvSpPr>
           <p:spPr>
             <a:xfrm>
-              <a:off x="4325757" y="3596021"/>
+              <a:off x="4325757" y="3596005"/>
               <a:ext cx="2796732" cy="0"/>
             </a:xfrm>
             <a:custGeom>
@@ -14666,7 +14666,7 @@
           </p:nvSpPr>
           <p:spPr>
             <a:xfrm>
-              <a:off x="5765827" y="4763260"/>
+              <a:off x="5942110" y="4763302"/>
               <a:ext cx="63202" cy="63202"/>
             </a:xfrm>
             <a:custGeom>
@@ -14709,7 +14709,7 @@
           </p:nvSpPr>
           <p:spPr>
             <a:xfrm>
-              <a:off x="4776113" y="4588829"/>
+              <a:off x="4865433" y="4588865"/>
               <a:ext cx="63202" cy="63202"/>
             </a:xfrm>
             <a:custGeom>
@@ -14752,7 +14752,7 @@
           </p:nvSpPr>
           <p:spPr>
             <a:xfrm>
-              <a:off x="4903405" y="3891090"/>
+              <a:off x="4570903" y="3891045"/>
               <a:ext cx="63202" cy="63202"/>
             </a:xfrm>
             <a:custGeom>
@@ -14795,7 +14795,7 @@
           </p:nvSpPr>
           <p:spPr>
             <a:xfrm>
-              <a:off x="6744871" y="4883747"/>
+              <a:off x="6756294" y="4883747"/>
               <a:ext cx="63202" cy="63202"/>
             </a:xfrm>
             <a:custGeom>
@@ -14894,7 +14894,7 @@
           </p:nvSpPr>
           <p:spPr>
             <a:xfrm>
-              <a:off x="4325757" y="6701404"/>
+              <a:off x="4325757" y="6701444"/>
               <a:ext cx="2796732" cy="0"/>
             </a:xfrm>
             <a:custGeom>
@@ -14937,7 +14937,7 @@
           </p:nvSpPr>
           <p:spPr>
             <a:xfrm>
-              <a:off x="4325757" y="6229384"/>
+              <a:off x="4325757" y="6229401"/>
               <a:ext cx="2796732" cy="0"/>
             </a:xfrm>
             <a:custGeom>
@@ -14980,7 +14980,7 @@
           </p:nvSpPr>
           <p:spPr>
             <a:xfrm>
-              <a:off x="4325757" y="5757363"/>
+              <a:off x="4325757" y="5757358"/>
               <a:ext cx="2796732" cy="0"/>
             </a:xfrm>
             <a:custGeom>
@@ -15023,7 +15023,7 @@
           </p:nvSpPr>
           <p:spPr>
             <a:xfrm>
-              <a:off x="4325757" y="5285343"/>
+              <a:off x="4325757" y="5285316"/>
               <a:ext cx="2796732" cy="0"/>
             </a:xfrm>
             <a:custGeom>
@@ -15066,7 +15066,7 @@
           </p:nvSpPr>
           <p:spPr>
             <a:xfrm>
-              <a:off x="4325757" y="6465394"/>
+              <a:off x="4325757" y="6465423"/>
               <a:ext cx="2796732" cy="0"/>
             </a:xfrm>
             <a:custGeom>
@@ -15109,7 +15109,7 @@
           </p:nvSpPr>
           <p:spPr>
             <a:xfrm>
-              <a:off x="4325757" y="5993374"/>
+              <a:off x="4325757" y="5993380"/>
               <a:ext cx="2796732" cy="0"/>
             </a:xfrm>
             <a:custGeom>
@@ -15152,7 +15152,7 @@
           </p:nvSpPr>
           <p:spPr>
             <a:xfrm>
-              <a:off x="4325757" y="5521353"/>
+              <a:off x="4325757" y="5521337"/>
               <a:ext cx="2796732" cy="0"/>
             </a:xfrm>
             <a:custGeom>
@@ -15324,7 +15324,7 @@
           </p:nvSpPr>
           <p:spPr>
             <a:xfrm>
-              <a:off x="4736655" y="5368761"/>
+              <a:off x="5165213" y="5368680"/>
               <a:ext cx="63202" cy="63202"/>
             </a:xfrm>
             <a:custGeom>
@@ -15367,7 +15367,7 @@
           </p:nvSpPr>
           <p:spPr>
             <a:xfrm>
-              <a:off x="4717761" y="5356626"/>
+              <a:off x="4554365" y="5356640"/>
               <a:ext cx="63202" cy="63202"/>
             </a:xfrm>
             <a:custGeom>
@@ -15410,7 +15410,7 @@
           </p:nvSpPr>
           <p:spPr>
             <a:xfrm>
-              <a:off x="4594232" y="5375268"/>
+              <a:off x="4958491" y="5375212"/>
               <a:ext cx="63202" cy="63202"/>
             </a:xfrm>
             <a:custGeom>
@@ -15453,7 +15453,7 @@
           </p:nvSpPr>
           <p:spPr>
             <a:xfrm>
-              <a:off x="4645017" y="5342671"/>
+              <a:off x="5119802" y="5342629"/>
               <a:ext cx="63202" cy="63202"/>
             </a:xfrm>
             <a:custGeom>
@@ -15496,7 +15496,7 @@
           </p:nvSpPr>
           <p:spPr>
             <a:xfrm>
-              <a:off x="5115976" y="5347772"/>
+              <a:off x="4758120" y="5347735"/>
               <a:ext cx="63202" cy="63202"/>
             </a:xfrm>
             <a:custGeom>
@@ -15539,7 +15539,7 @@
           </p:nvSpPr>
           <p:spPr>
             <a:xfrm>
-              <a:off x="4894254" y="5373931"/>
+              <a:off x="4733950" y="5373904"/>
               <a:ext cx="63202" cy="63202"/>
             </a:xfrm>
             <a:custGeom>
@@ -15582,7 +15582,7 @@
           </p:nvSpPr>
           <p:spPr>
             <a:xfrm>
-              <a:off x="4889027" y="5342047"/>
+              <a:off x="4897955" y="5341995"/>
               <a:ext cx="63202" cy="63202"/>
             </a:xfrm>
             <a:custGeom>
@@ -15625,7 +15625,7 @@
           </p:nvSpPr>
           <p:spPr>
             <a:xfrm>
-              <a:off x="4857105" y="6135213"/>
+              <a:off x="4716818" y="6135202"/>
               <a:ext cx="63202" cy="63202"/>
             </a:xfrm>
             <a:custGeom>
@@ -15668,7 +15668,7 @@
           </p:nvSpPr>
           <p:spPr>
             <a:xfrm>
-              <a:off x="5118237" y="5378948"/>
+              <a:off x="4604408" y="5378904"/>
               <a:ext cx="63202" cy="63202"/>
             </a:xfrm>
             <a:custGeom>
@@ -15711,7 +15711,7 @@
           </p:nvSpPr>
           <p:spPr>
             <a:xfrm>
-              <a:off x="4810726" y="5387787"/>
+              <a:off x="4700719" y="5387796"/>
               <a:ext cx="63202" cy="63202"/>
             </a:xfrm>
             <a:custGeom>
@@ -15754,7 +15754,7 @@
           </p:nvSpPr>
           <p:spPr>
             <a:xfrm>
-              <a:off x="4904896" y="5388518"/>
+              <a:off x="4913963" y="5388511"/>
               <a:ext cx="63202" cy="63202"/>
             </a:xfrm>
             <a:custGeom>
@@ -15797,7 +15797,7 @@
           </p:nvSpPr>
           <p:spPr>
             <a:xfrm>
-              <a:off x="4653155" y="5500222"/>
+              <a:off x="5115753" y="5500243"/>
               <a:ext cx="63202" cy="63202"/>
             </a:xfrm>
             <a:custGeom>
@@ -15840,7 +15840,7 @@
           </p:nvSpPr>
           <p:spPr>
             <a:xfrm>
-              <a:off x="4515018" y="5568045"/>
+              <a:off x="4818246" y="5567982"/>
               <a:ext cx="63202" cy="63202"/>
             </a:xfrm>
             <a:custGeom>
@@ -15883,7 +15883,7 @@
           </p:nvSpPr>
           <p:spPr>
             <a:xfrm>
-              <a:off x="5149711" y="5373604"/>
+              <a:off x="4650630" y="5373613"/>
               <a:ext cx="63202" cy="63202"/>
             </a:xfrm>
             <a:custGeom>
@@ -15926,7 +15926,7 @@
           </p:nvSpPr>
           <p:spPr>
             <a:xfrm>
-              <a:off x="4997035" y="5373098"/>
+              <a:off x="4698941" y="5373035"/>
               <a:ext cx="63202" cy="63202"/>
             </a:xfrm>
             <a:custGeom>
@@ -15969,7 +15969,7 @@
           </p:nvSpPr>
           <p:spPr>
             <a:xfrm>
-              <a:off x="4940400" y="5332549"/>
+              <a:off x="4702304" y="5332565"/>
               <a:ext cx="63202" cy="63202"/>
             </a:xfrm>
             <a:custGeom>
@@ -16012,7 +16012,7 @@
           </p:nvSpPr>
           <p:spPr>
             <a:xfrm>
-              <a:off x="4960292" y="5381591"/>
+              <a:off x="4875256" y="5381579"/>
               <a:ext cx="63202" cy="63202"/>
             </a:xfrm>
             <a:custGeom>
@@ -16055,7 +16055,7 @@
           </p:nvSpPr>
           <p:spPr>
             <a:xfrm>
-              <a:off x="4546835" y="5317369"/>
+              <a:off x="5150165" y="5317369"/>
               <a:ext cx="63202" cy="63202"/>
             </a:xfrm>
             <a:custGeom>
@@ -16098,7 +16098,7 @@
           </p:nvSpPr>
           <p:spPr>
             <a:xfrm>
-              <a:off x="4902856" y="5371333"/>
+              <a:off x="4867137" y="5371373"/>
               <a:ext cx="63202" cy="63202"/>
             </a:xfrm>
             <a:custGeom>
@@ -16141,7 +16141,7 @@
           </p:nvSpPr>
           <p:spPr>
             <a:xfrm>
-              <a:off x="4957281" y="5342410"/>
+              <a:off x="4855585" y="5342346"/>
               <a:ext cx="63202" cy="63202"/>
             </a:xfrm>
             <a:custGeom>
@@ -16184,7 +16184,7 @@
           </p:nvSpPr>
           <p:spPr>
             <a:xfrm>
-              <a:off x="4961374" y="5829524"/>
+              <a:off x="4479927" y="5829490"/>
               <a:ext cx="63202" cy="63202"/>
             </a:xfrm>
             <a:custGeom>
@@ -16227,7 +16227,7 @@
           </p:nvSpPr>
           <p:spPr>
             <a:xfrm>
-              <a:off x="4918847" y="5496372"/>
+              <a:off x="4711916" y="5496363"/>
               <a:ext cx="63202" cy="63202"/>
             </a:xfrm>
             <a:custGeom>
@@ -16270,7 +16270,7 @@
           </p:nvSpPr>
           <p:spPr>
             <a:xfrm>
-              <a:off x="5000552" y="5370594"/>
+              <a:off x="4571471" y="5370589"/>
               <a:ext cx="63202" cy="63202"/>
             </a:xfrm>
             <a:custGeom>
@@ -16313,7 +16313,7 @@
           </p:nvSpPr>
           <p:spPr>
             <a:xfrm>
-              <a:off x="4893682" y="5338305"/>
+              <a:off x="4810675" y="5338306"/>
               <a:ext cx="63202" cy="63202"/>
             </a:xfrm>
             <a:custGeom>
@@ -16356,7 +16356,7 @@
           </p:nvSpPr>
           <p:spPr>
             <a:xfrm>
-              <a:off x="4575865" y="5347074"/>
+              <a:off x="4580350" y="5347073"/>
               <a:ext cx="63202" cy="63202"/>
             </a:xfrm>
             <a:custGeom>
@@ -16399,7 +16399,7 @@
           </p:nvSpPr>
           <p:spPr>
             <a:xfrm>
-              <a:off x="4921578" y="5358263"/>
+              <a:off x="4999778" y="5358234"/>
               <a:ext cx="63202" cy="63202"/>
             </a:xfrm>
             <a:custGeom>
@@ -16442,7 +16442,7 @@
           </p:nvSpPr>
           <p:spPr>
             <a:xfrm>
-              <a:off x="4539848" y="5387872"/>
+              <a:off x="5127771" y="5387901"/>
               <a:ext cx="63202" cy="63202"/>
             </a:xfrm>
             <a:custGeom>
@@ -16485,7 +16485,7 @@
           </p:nvSpPr>
           <p:spPr>
             <a:xfrm>
-              <a:off x="4714227" y="5380804"/>
+              <a:off x="4792369" y="5380769"/>
               <a:ext cx="63202" cy="63202"/>
             </a:xfrm>
             <a:custGeom>
@@ -16528,7 +16528,7 @@
           </p:nvSpPr>
           <p:spPr>
             <a:xfrm>
-              <a:off x="4594356" y="5352475"/>
+              <a:off x="4990639" y="5352439"/>
               <a:ext cx="63202" cy="63202"/>
             </a:xfrm>
             <a:custGeom>
@@ -16571,7 +16571,7 @@
           </p:nvSpPr>
           <p:spPr>
             <a:xfrm>
-              <a:off x="4994415" y="5378809"/>
+              <a:off x="4617755" y="5378781"/>
               <a:ext cx="63202" cy="63202"/>
             </a:xfrm>
             <a:custGeom>
@@ -16614,7 +16614,7 @@
           </p:nvSpPr>
           <p:spPr>
             <a:xfrm>
-              <a:off x="4890859" y="5366101"/>
+              <a:off x="5061376" y="5366043"/>
               <a:ext cx="63202" cy="63202"/>
             </a:xfrm>
             <a:custGeom>
@@ -16657,7 +16657,7 @@
           </p:nvSpPr>
           <p:spPr>
             <a:xfrm>
-              <a:off x="4603152" y="5333247"/>
+              <a:off x="4953002" y="5333185"/>
               <a:ext cx="63202" cy="63202"/>
             </a:xfrm>
             <a:custGeom>
@@ -16700,7 +16700,7 @@
           </p:nvSpPr>
           <p:spPr>
             <a:xfrm>
-              <a:off x="4861980" y="5334932"/>
+              <a:off x="4837695" y="5334892"/>
               <a:ext cx="63202" cy="63202"/>
             </a:xfrm>
             <a:custGeom>
@@ -16743,7 +16743,7 @@
           </p:nvSpPr>
           <p:spPr>
             <a:xfrm>
-              <a:off x="4842925" y="5342015"/>
+              <a:off x="4954170" y="5341956"/>
               <a:ext cx="63202" cy="63202"/>
             </a:xfrm>
             <a:custGeom>
@@ -16786,7 +16786,7 @@
           </p:nvSpPr>
           <p:spPr>
             <a:xfrm>
-              <a:off x="4800457" y="5372763"/>
+              <a:off x="4476154" y="5372766"/>
               <a:ext cx="63202" cy="63202"/>
             </a:xfrm>
             <a:custGeom>
@@ -16829,7 +16829,7 @@
           </p:nvSpPr>
           <p:spPr>
             <a:xfrm>
-              <a:off x="4532545" y="5381672"/>
+              <a:off x="4691471" y="5381630"/>
               <a:ext cx="63202" cy="63202"/>
             </a:xfrm>
             <a:custGeom>
@@ -16872,7 +16872,7 @@
           </p:nvSpPr>
           <p:spPr>
             <a:xfrm>
-              <a:off x="4691238" y="5370880"/>
+              <a:off x="5117185" y="5370882"/>
               <a:ext cx="63202" cy="63202"/>
             </a:xfrm>
             <a:custGeom>
@@ -16915,7 +16915,7 @@
           </p:nvSpPr>
           <p:spPr>
             <a:xfrm>
-              <a:off x="4629668" y="5334940"/>
+              <a:off x="4962449" y="5334925"/>
               <a:ext cx="63202" cy="63202"/>
             </a:xfrm>
             <a:custGeom>
@@ -16958,7 +16958,7 @@
           </p:nvSpPr>
           <p:spPr>
             <a:xfrm>
-              <a:off x="4805535" y="5379382"/>
+              <a:off x="5142773" y="5379387"/>
               <a:ext cx="63202" cy="63202"/>
             </a:xfrm>
             <a:custGeom>
@@ -17001,7 +17001,7 @@
           </p:nvSpPr>
           <p:spPr>
             <a:xfrm>
-              <a:off x="4541107" y="5475147"/>
+              <a:off x="4512750" y="5475128"/>
               <a:ext cx="63202" cy="63202"/>
             </a:xfrm>
             <a:custGeom>
@@ -17044,7 +17044,7 @@
           </p:nvSpPr>
           <p:spPr>
             <a:xfrm>
-              <a:off x="4477543" y="5349960"/>
+              <a:off x="4925954" y="5349935"/>
               <a:ext cx="63202" cy="63202"/>
             </a:xfrm>
             <a:custGeom>
@@ -17087,7 +17087,7 @@
           </p:nvSpPr>
           <p:spPr>
             <a:xfrm>
-              <a:off x="4988289" y="5341628"/>
+              <a:off x="4667899" y="5341639"/>
               <a:ext cx="63202" cy="63202"/>
             </a:xfrm>
             <a:custGeom>
@@ -17130,7 +17130,7 @@
           </p:nvSpPr>
           <p:spPr>
             <a:xfrm>
-              <a:off x="4874035" y="5361093"/>
+              <a:off x="4571216" y="5361037"/>
               <a:ext cx="63202" cy="63202"/>
             </a:xfrm>
             <a:custGeom>
@@ -17173,7 +17173,7 @@
           </p:nvSpPr>
           <p:spPr>
             <a:xfrm>
-              <a:off x="4654888" y="5384402"/>
+              <a:off x="4885311" y="5384407"/>
               <a:ext cx="63202" cy="63202"/>
             </a:xfrm>
             <a:custGeom>
@@ -17216,7 +17216,7 @@
           </p:nvSpPr>
           <p:spPr>
             <a:xfrm>
-              <a:off x="4843568" y="5372821"/>
+              <a:off x="5106351" y="5372756"/>
               <a:ext cx="63202" cy="63202"/>
             </a:xfrm>
             <a:custGeom>
@@ -17259,7 +17259,7 @@
           </p:nvSpPr>
           <p:spPr>
             <a:xfrm>
-              <a:off x="4913327" y="5360419"/>
+              <a:off x="5091780" y="5360368"/>
               <a:ext cx="63202" cy="63202"/>
             </a:xfrm>
             <a:custGeom>
@@ -17302,7 +17302,7 @@
           </p:nvSpPr>
           <p:spPr>
             <a:xfrm>
-              <a:off x="4493329" y="5423349"/>
+              <a:off x="4731201" y="5423367"/>
               <a:ext cx="63202" cy="63202"/>
             </a:xfrm>
             <a:custGeom>
@@ -17345,7 +17345,7 @@
           </p:nvSpPr>
           <p:spPr>
             <a:xfrm>
-              <a:off x="4746402" y="5331326"/>
+              <a:off x="4617463" y="5331350"/>
               <a:ext cx="63202" cy="63202"/>
             </a:xfrm>
             <a:custGeom>
@@ -17388,7 +17388,7 @@
           </p:nvSpPr>
           <p:spPr>
             <a:xfrm>
-              <a:off x="4546157" y="5395075"/>
+              <a:off x="4558190" y="5395037"/>
               <a:ext cx="63202" cy="63202"/>
             </a:xfrm>
             <a:custGeom>
@@ -17431,7 +17431,7 @@
           </p:nvSpPr>
           <p:spPr>
             <a:xfrm>
-              <a:off x="4974014" y="5332642"/>
+              <a:off x="5091928" y="5332613"/>
               <a:ext cx="63202" cy="63202"/>
             </a:xfrm>
             <a:custGeom>
@@ -17474,7 +17474,7 @@
           </p:nvSpPr>
           <p:spPr>
             <a:xfrm>
-              <a:off x="4962366" y="5395361"/>
+              <a:off x="4595422" y="5395296"/>
               <a:ext cx="63202" cy="63202"/>
             </a:xfrm>
             <a:custGeom>
@@ -17517,7 +17517,7 @@
           </p:nvSpPr>
           <p:spPr>
             <a:xfrm>
-              <a:off x="4621060" y="5351338"/>
+              <a:off x="4846597" y="5351368"/>
               <a:ext cx="63202" cy="63202"/>
             </a:xfrm>
             <a:custGeom>
@@ -17560,7 +17560,7 @@
           </p:nvSpPr>
           <p:spPr>
             <a:xfrm>
-              <a:off x="4840371" y="5970424"/>
+              <a:off x="4978684" y="5970461"/>
               <a:ext cx="63202" cy="63202"/>
             </a:xfrm>
             <a:custGeom>
@@ -17603,7 +17603,7 @@
           </p:nvSpPr>
           <p:spPr>
             <a:xfrm>
-              <a:off x="4672170" y="5337829"/>
+              <a:off x="4572270" y="5337829"/>
               <a:ext cx="63202" cy="63202"/>
             </a:xfrm>
             <a:custGeom>
@@ -17646,7 +17646,7 @@
           </p:nvSpPr>
           <p:spPr>
             <a:xfrm>
-              <a:off x="4544780" y="5347675"/>
+              <a:off x="4546350" y="5347678"/>
               <a:ext cx="63202" cy="63202"/>
             </a:xfrm>
             <a:custGeom>
@@ -17689,7 +17689,7 @@
           </p:nvSpPr>
           <p:spPr>
             <a:xfrm>
-              <a:off x="5025360" y="5327446"/>
+              <a:off x="5088424" y="5327438"/>
               <a:ext cx="63202" cy="63202"/>
             </a:xfrm>
             <a:custGeom>
@@ -17732,7 +17732,7 @@
           </p:nvSpPr>
           <p:spPr>
             <a:xfrm>
-              <a:off x="4947742" y="6266955"/>
+              <a:off x="5127377" y="6266975"/>
               <a:ext cx="63202" cy="63202"/>
             </a:xfrm>
             <a:custGeom>
@@ -17775,7 +17775,7 @@
           </p:nvSpPr>
           <p:spPr>
             <a:xfrm>
-              <a:off x="4595963" y="5343829"/>
+              <a:off x="4718177" y="5343798"/>
               <a:ext cx="63202" cy="63202"/>
             </a:xfrm>
             <a:custGeom>
@@ -17818,7 +17818,7 @@
           </p:nvSpPr>
           <p:spPr>
             <a:xfrm>
-              <a:off x="4665970" y="5343812"/>
+              <a:off x="5017454" y="5343787"/>
               <a:ext cx="63202" cy="63202"/>
             </a:xfrm>
             <a:custGeom>
@@ -17861,7 +17861,7 @@
           </p:nvSpPr>
           <p:spPr>
             <a:xfrm>
-              <a:off x="4742143" y="5371776"/>
+              <a:off x="5165607" y="5371717"/>
               <a:ext cx="63202" cy="63202"/>
             </a:xfrm>
             <a:custGeom>
@@ -17904,7 +17904,7 @@
           </p:nvSpPr>
           <p:spPr>
             <a:xfrm>
-              <a:off x="4634306" y="5362958"/>
+              <a:off x="4700841" y="5362925"/>
               <a:ext cx="63202" cy="63202"/>
             </a:xfrm>
             <a:custGeom>
@@ -17947,7 +17947,7 @@
           </p:nvSpPr>
           <p:spPr>
             <a:xfrm>
-              <a:off x="5117976" y="5371159"/>
+              <a:off x="4928267" y="5371152"/>
               <a:ext cx="63202" cy="63202"/>
             </a:xfrm>
             <a:custGeom>
@@ -17990,7 +17990,7 @@
           </p:nvSpPr>
           <p:spPr>
             <a:xfrm>
-              <a:off x="4854705" y="5593212"/>
+              <a:off x="5008834" y="5593244"/>
               <a:ext cx="63202" cy="63202"/>
             </a:xfrm>
             <a:custGeom>
@@ -18033,7 +18033,7 @@
           </p:nvSpPr>
           <p:spPr>
             <a:xfrm>
-              <a:off x="4874303" y="5670134"/>
+              <a:off x="4919322" y="5670187"/>
               <a:ext cx="63202" cy="63202"/>
             </a:xfrm>
             <a:custGeom>
@@ -18076,7 +18076,7 @@
           </p:nvSpPr>
           <p:spPr>
             <a:xfrm>
-              <a:off x="5060360" y="5347492"/>
+              <a:off x="5127670" y="5347432"/>
               <a:ext cx="63202" cy="63202"/>
             </a:xfrm>
             <a:custGeom>
@@ -18119,7 +18119,7 @@
           </p:nvSpPr>
           <p:spPr>
             <a:xfrm>
-              <a:off x="5060084" y="6217623"/>
+              <a:off x="5101572" y="6217608"/>
               <a:ext cx="63202" cy="63202"/>
             </a:xfrm>
             <a:custGeom>
@@ -18162,7 +18162,7 @@
           </p:nvSpPr>
           <p:spPr>
             <a:xfrm>
-              <a:off x="4563802" y="5395101"/>
+              <a:off x="4681612" y="5395048"/>
               <a:ext cx="63202" cy="63202"/>
             </a:xfrm>
             <a:custGeom>
@@ -18205,7 +18205,7 @@
           </p:nvSpPr>
           <p:spPr>
             <a:xfrm>
-              <a:off x="5092945" y="5421654"/>
+              <a:off x="5165706" y="5421681"/>
               <a:ext cx="63202" cy="63202"/>
             </a:xfrm>
             <a:custGeom>
@@ -18248,7 +18248,7 @@
           </p:nvSpPr>
           <p:spPr>
             <a:xfrm>
-              <a:off x="5128055" y="5337743"/>
+              <a:off x="5060386" y="5337728"/>
               <a:ext cx="63202" cy="63202"/>
             </a:xfrm>
             <a:custGeom>
@@ -18291,7 +18291,7 @@
           </p:nvSpPr>
           <p:spPr>
             <a:xfrm>
-              <a:off x="4887697" y="5372481"/>
+              <a:off x="4538045" y="5372491"/>
               <a:ext cx="63202" cy="63202"/>
             </a:xfrm>
             <a:custGeom>
@@ -18334,7 +18334,7 @@
           </p:nvSpPr>
           <p:spPr>
             <a:xfrm>
-              <a:off x="4559997" y="5367559"/>
+              <a:off x="5061942" y="5367574"/>
               <a:ext cx="63202" cy="63202"/>
             </a:xfrm>
             <a:custGeom>
@@ -18377,7 +18377,7 @@
           </p:nvSpPr>
           <p:spPr>
             <a:xfrm>
-              <a:off x="5053380" y="5330998"/>
+              <a:off x="4931185" y="5330929"/>
               <a:ext cx="63202" cy="63202"/>
             </a:xfrm>
             <a:custGeom>
@@ -18420,7 +18420,7 @@
           </p:nvSpPr>
           <p:spPr>
             <a:xfrm>
-              <a:off x="4478816" y="5824379"/>
+              <a:off x="4857843" y="5824449"/>
               <a:ext cx="63202" cy="63202"/>
             </a:xfrm>
             <a:custGeom>
@@ -18463,7 +18463,7 @@
           </p:nvSpPr>
           <p:spPr>
             <a:xfrm>
-              <a:off x="5075165" y="5336699"/>
+              <a:off x="4654733" y="5336706"/>
               <a:ext cx="63202" cy="63202"/>
             </a:xfrm>
             <a:custGeom>
@@ -18506,7 +18506,7 @@
           </p:nvSpPr>
           <p:spPr>
             <a:xfrm>
-              <a:off x="4755914" y="5358878"/>
+              <a:off x="4586460" y="5358880"/>
               <a:ext cx="63202" cy="63202"/>
             </a:xfrm>
             <a:custGeom>
@@ -18549,7 +18549,7 @@
           </p:nvSpPr>
           <p:spPr>
             <a:xfrm>
-              <a:off x="5127105" y="5423413"/>
+              <a:off x="4859334" y="5423397"/>
               <a:ext cx="63202" cy="63202"/>
             </a:xfrm>
             <a:custGeom>
@@ -18592,7 +18592,7 @@
           </p:nvSpPr>
           <p:spPr>
             <a:xfrm>
-              <a:off x="4637011" y="5364845"/>
+              <a:off x="5158065" y="5364828"/>
               <a:ext cx="63202" cy="63202"/>
             </a:xfrm>
             <a:custGeom>
@@ -18635,7 +18635,7 @@
           </p:nvSpPr>
           <p:spPr>
             <a:xfrm>
-              <a:off x="5053407" y="5362153"/>
+              <a:off x="4676430" y="5362083"/>
               <a:ext cx="63202" cy="63202"/>
             </a:xfrm>
             <a:custGeom>
@@ -18678,7 +18678,7 @@
           </p:nvSpPr>
           <p:spPr>
             <a:xfrm>
-              <a:off x="4630933" y="5365541"/>
+              <a:off x="4632847" y="5365486"/>
               <a:ext cx="63202" cy="63202"/>
             </a:xfrm>
             <a:custGeom>
@@ -18721,7 +18721,7 @@
           </p:nvSpPr>
           <p:spPr>
             <a:xfrm>
-              <a:off x="4645319" y="5369866"/>
+              <a:off x="4571954" y="5369871"/>
               <a:ext cx="63202" cy="63202"/>
             </a:xfrm>
             <a:custGeom>
@@ -18764,7 +18764,7 @@
           </p:nvSpPr>
           <p:spPr>
             <a:xfrm>
-              <a:off x="4753216" y="5381569"/>
+              <a:off x="4876392" y="5381549"/>
               <a:ext cx="63202" cy="63202"/>
             </a:xfrm>
             <a:custGeom>
@@ -18807,7 +18807,7 @@
           </p:nvSpPr>
           <p:spPr>
             <a:xfrm>
-              <a:off x="4557213" y="5367419"/>
+              <a:off x="4482590" y="5367411"/>
               <a:ext cx="63202" cy="63202"/>
             </a:xfrm>
             <a:custGeom>
@@ -18850,7 +18850,7 @@
           </p:nvSpPr>
           <p:spPr>
             <a:xfrm>
-              <a:off x="4761458" y="6265740"/>
+              <a:off x="5088671" y="6265810"/>
               <a:ext cx="63202" cy="63202"/>
             </a:xfrm>
             <a:custGeom>
@@ -18893,7 +18893,7 @@
           </p:nvSpPr>
           <p:spPr>
             <a:xfrm>
-              <a:off x="4724723" y="5379985"/>
+              <a:off x="4938203" y="5379958"/>
               <a:ext cx="63202" cy="63202"/>
             </a:xfrm>
             <a:custGeom>
@@ -18936,7 +18936,7 @@
           </p:nvSpPr>
           <p:spPr>
             <a:xfrm>
-              <a:off x="5980504" y="6644159"/>
+              <a:off x="5504075" y="6644144"/>
               <a:ext cx="63202" cy="63202"/>
             </a:xfrm>
             <a:custGeom>
@@ -18979,7 +18979,7 @@
           </p:nvSpPr>
           <p:spPr>
             <a:xfrm>
-              <a:off x="4664812" y="5847370"/>
+              <a:off x="4793585" y="5847385"/>
               <a:ext cx="63202" cy="63202"/>
             </a:xfrm>
             <a:custGeom>
@@ -19022,7 +19022,7 @@
           </p:nvSpPr>
           <p:spPr>
             <a:xfrm>
-              <a:off x="4995599" y="5374475"/>
+              <a:off x="4514234" y="5374488"/>
               <a:ext cx="63202" cy="63202"/>
             </a:xfrm>
             <a:custGeom>
@@ -19065,7 +19065,7 @@
           </p:nvSpPr>
           <p:spPr>
             <a:xfrm>
-              <a:off x="4576400" y="5360735"/>
+              <a:off x="4718089" y="5360649"/>
               <a:ext cx="63202" cy="63202"/>
             </a:xfrm>
             <a:custGeom>
@@ -19108,7 +19108,7 @@
           </p:nvSpPr>
           <p:spPr>
             <a:xfrm>
-              <a:off x="5081066" y="5362717"/>
+              <a:off x="5127575" y="5362694"/>
               <a:ext cx="63202" cy="63202"/>
             </a:xfrm>
             <a:custGeom>
@@ -19151,7 +19151,7 @@
           </p:nvSpPr>
           <p:spPr>
             <a:xfrm>
-              <a:off x="4895164" y="5382219"/>
+              <a:off x="4494996" y="5382181"/>
               <a:ext cx="63202" cy="63202"/>
             </a:xfrm>
             <a:custGeom>
@@ -19194,7 +19194,7 @@
           </p:nvSpPr>
           <p:spPr>
             <a:xfrm>
-              <a:off x="5147895" y="5390837"/>
+              <a:off x="4999667" y="5390832"/>
               <a:ext cx="63202" cy="63202"/>
             </a:xfrm>
             <a:custGeom>
@@ -19237,7 +19237,7 @@
           </p:nvSpPr>
           <p:spPr>
             <a:xfrm>
-              <a:off x="4550433" y="5371374"/>
+              <a:off x="4748240" y="5371346"/>
               <a:ext cx="63202" cy="63202"/>
             </a:xfrm>
             <a:custGeom>
@@ -19280,7 +19280,7 @@
           </p:nvSpPr>
           <p:spPr>
             <a:xfrm>
-              <a:off x="4570038" y="5375742"/>
+              <a:off x="4717990" y="5375653"/>
               <a:ext cx="63202" cy="63202"/>
             </a:xfrm>
             <a:custGeom>
@@ -19323,7 +19323,7 @@
           </p:nvSpPr>
           <p:spPr>
             <a:xfrm>
-              <a:off x="5164863" y="5367893"/>
+              <a:off x="4915612" y="5367836"/>
               <a:ext cx="63202" cy="63202"/>
             </a:xfrm>
             <a:custGeom>
@@ -19366,7 +19366,7 @@
           </p:nvSpPr>
           <p:spPr>
             <a:xfrm>
-              <a:off x="4865892" y="5337645"/>
+              <a:off x="4498606" y="5337643"/>
               <a:ext cx="63202" cy="63202"/>
             </a:xfrm>
             <a:custGeom>
@@ -19409,7 +19409,7 @@
           </p:nvSpPr>
           <p:spPr>
             <a:xfrm>
-              <a:off x="4773691" y="5352868"/>
+              <a:off x="4702382" y="5352835"/>
               <a:ext cx="63202" cy="63202"/>
             </a:xfrm>
             <a:custGeom>
@@ -19452,7 +19452,7 @@
           </p:nvSpPr>
           <p:spPr>
             <a:xfrm>
-              <a:off x="5052336" y="5349962"/>
+              <a:off x="5166145" y="5349943"/>
               <a:ext cx="63202" cy="63202"/>
             </a:xfrm>
             <a:custGeom>
@@ -19495,7 +19495,7 @@
           </p:nvSpPr>
           <p:spPr>
             <a:xfrm>
-              <a:off x="4674648" y="5428399"/>
+              <a:off x="4590186" y="5428386"/>
               <a:ext cx="63202" cy="63202"/>
             </a:xfrm>
             <a:custGeom>
@@ -19538,7 +19538,7 @@
           </p:nvSpPr>
           <p:spPr>
             <a:xfrm>
-              <a:off x="4745612" y="5360638"/>
+              <a:off x="4783962" y="5360613"/>
               <a:ext cx="63202" cy="63202"/>
             </a:xfrm>
             <a:custGeom>
@@ -19581,7 +19581,7 @@
           </p:nvSpPr>
           <p:spPr>
             <a:xfrm>
-              <a:off x="5070927" y="5919847"/>
+              <a:off x="5025446" y="5919842"/>
               <a:ext cx="63202" cy="63202"/>
             </a:xfrm>
             <a:custGeom>
@@ -19624,7 +19624,7 @@
           </p:nvSpPr>
           <p:spPr>
             <a:xfrm>
-              <a:off x="4622715" y="5388302"/>
+              <a:off x="4873660" y="5388256"/>
               <a:ext cx="63202" cy="63202"/>
             </a:xfrm>
             <a:custGeom>
@@ -19667,7 +19667,7 @@
           </p:nvSpPr>
           <p:spPr>
             <a:xfrm>
-              <a:off x="5139013" y="5372222"/>
+              <a:off x="4952220" y="5372172"/>
               <a:ext cx="63202" cy="63202"/>
             </a:xfrm>
             <a:custGeom>
@@ -19710,7 +19710,7 @@
           </p:nvSpPr>
           <p:spPr>
             <a:xfrm>
-              <a:off x="4496845" y="5438793"/>
+              <a:off x="4892425" y="5438750"/>
               <a:ext cx="63202" cy="63202"/>
             </a:xfrm>
             <a:custGeom>
@@ -19753,7 +19753,7 @@
           </p:nvSpPr>
           <p:spPr>
             <a:xfrm>
-              <a:off x="5080771" y="5348998"/>
+              <a:off x="4947442" y="5348992"/>
               <a:ext cx="63202" cy="63202"/>
             </a:xfrm>
             <a:custGeom>
@@ -19796,7 +19796,7 @@
           </p:nvSpPr>
           <p:spPr>
             <a:xfrm>
-              <a:off x="4664726" y="5346278"/>
+              <a:off x="4515264" y="5346240"/>
               <a:ext cx="63202" cy="63202"/>
             </a:xfrm>
             <a:custGeom>
@@ -19839,7 +19839,7 @@
           </p:nvSpPr>
           <p:spPr>
             <a:xfrm>
-              <a:off x="5537080" y="6666341"/>
+              <a:off x="5625637" y="6666337"/>
               <a:ext cx="63202" cy="63202"/>
             </a:xfrm>
             <a:custGeom>
@@ -19882,7 +19882,7 @@
           </p:nvSpPr>
           <p:spPr>
             <a:xfrm>
-              <a:off x="5062211" y="5474653"/>
+              <a:off x="4651870" y="5474643"/>
               <a:ext cx="63202" cy="63202"/>
             </a:xfrm>
             <a:custGeom>
@@ -19925,7 +19925,7 @@
           </p:nvSpPr>
           <p:spPr>
             <a:xfrm>
-              <a:off x="5120104" y="5382684"/>
+              <a:off x="4978268" y="5382689"/>
               <a:ext cx="63202" cy="63202"/>
             </a:xfrm>
             <a:custGeom>
@@ -19968,7 +19968,7 @@
           </p:nvSpPr>
           <p:spPr>
             <a:xfrm>
-              <a:off x="4970644" y="5963846"/>
+              <a:off x="4526069" y="5963857"/>
               <a:ext cx="63202" cy="63202"/>
             </a:xfrm>
             <a:custGeom>
@@ -20011,7 +20011,7 @@
           </p:nvSpPr>
           <p:spPr>
             <a:xfrm>
-              <a:off x="4628236" y="5331215"/>
+              <a:off x="4951294" y="5331244"/>
               <a:ext cx="63202" cy="63202"/>
             </a:xfrm>
             <a:custGeom>
@@ -20054,7 +20054,7 @@
           </p:nvSpPr>
           <p:spPr>
             <a:xfrm>
-              <a:off x="4928759" y="5334904"/>
+              <a:off x="4978583" y="5334886"/>
               <a:ext cx="63202" cy="63202"/>
             </a:xfrm>
             <a:custGeom>
@@ -20097,7 +20097,7 @@
           </p:nvSpPr>
           <p:spPr>
             <a:xfrm>
-              <a:off x="4942159" y="5333610"/>
+              <a:off x="4651420" y="5333550"/>
               <a:ext cx="63202" cy="63202"/>
             </a:xfrm>
             <a:custGeom>
@@ -20140,7 +20140,7 @@
           </p:nvSpPr>
           <p:spPr>
             <a:xfrm>
-              <a:off x="4925659" y="5338765"/>
+              <a:off x="4857538" y="5338760"/>
               <a:ext cx="63202" cy="63202"/>
             </a:xfrm>
             <a:custGeom>
@@ -20183,7 +20183,7 @@
           </p:nvSpPr>
           <p:spPr>
             <a:xfrm>
-              <a:off x="5046172" y="5357133"/>
+              <a:off x="4496982" y="5357076"/>
               <a:ext cx="63202" cy="63202"/>
             </a:xfrm>
             <a:custGeom>
@@ -20226,7 +20226,7 @@
           </p:nvSpPr>
           <p:spPr>
             <a:xfrm>
-              <a:off x="5152054" y="5421615"/>
+              <a:off x="4603114" y="5421572"/>
               <a:ext cx="63202" cy="63202"/>
             </a:xfrm>
             <a:custGeom>
@@ -20269,7 +20269,7 @@
           </p:nvSpPr>
           <p:spPr>
             <a:xfrm>
-              <a:off x="4854861" y="5323223"/>
+              <a:off x="4616434" y="5323164"/>
               <a:ext cx="63202" cy="63202"/>
             </a:xfrm>
             <a:custGeom>
@@ -20312,7 +20312,7 @@
           </p:nvSpPr>
           <p:spPr>
             <a:xfrm>
-              <a:off x="4473630" y="5379380"/>
+              <a:off x="5067740" y="5379338"/>
               <a:ext cx="63202" cy="63202"/>
             </a:xfrm>
             <a:custGeom>
@@ -20355,7 +20355,7 @@
           </p:nvSpPr>
           <p:spPr>
             <a:xfrm>
-              <a:off x="4765142" y="5320588"/>
+              <a:off x="4981862" y="5320593"/>
               <a:ext cx="63202" cy="63202"/>
             </a:xfrm>
             <a:custGeom>
@@ -20398,7 +20398,7 @@
           </p:nvSpPr>
           <p:spPr>
             <a:xfrm>
-              <a:off x="4916807" y="5339775"/>
+              <a:off x="4851452" y="5339735"/>
               <a:ext cx="63202" cy="63202"/>
             </a:xfrm>
             <a:custGeom>
@@ -20441,7 +20441,7 @@
           </p:nvSpPr>
           <p:spPr>
             <a:xfrm>
-              <a:off x="4672734" y="5379877"/>
+              <a:off x="4616038" y="5379841"/>
               <a:ext cx="63202" cy="63202"/>
             </a:xfrm>
             <a:custGeom>
@@ -20484,7 +20484,7 @@
           </p:nvSpPr>
           <p:spPr>
             <a:xfrm>
-              <a:off x="4993206" y="5356724"/>
+              <a:off x="4541443" y="5356730"/>
               <a:ext cx="63202" cy="63202"/>
             </a:xfrm>
             <a:custGeom>
@@ -20527,7 +20527,7 @@
           </p:nvSpPr>
           <p:spPr>
             <a:xfrm>
-              <a:off x="5047395" y="6155857"/>
+              <a:off x="5002277" y="6155877"/>
               <a:ext cx="63202" cy="63202"/>
             </a:xfrm>
             <a:custGeom>
@@ -20570,7 +20570,7 @@
           </p:nvSpPr>
           <p:spPr>
             <a:xfrm>
-              <a:off x="5096660" y="5635061"/>
+              <a:off x="5069587" y="5635016"/>
               <a:ext cx="63202" cy="63202"/>
             </a:xfrm>
             <a:custGeom>
@@ -20613,7 +20613,7 @@
           </p:nvSpPr>
           <p:spPr>
             <a:xfrm>
-              <a:off x="4844514" y="5347408"/>
+              <a:off x="4627492" y="5347394"/>
               <a:ext cx="63202" cy="63202"/>
             </a:xfrm>
             <a:custGeom>
@@ -20656,7 +20656,7 @@
           </p:nvSpPr>
           <p:spPr>
             <a:xfrm>
-              <a:off x="4581151" y="5342867"/>
+              <a:off x="5097156" y="5342841"/>
               <a:ext cx="63202" cy="63202"/>
             </a:xfrm>
             <a:custGeom>
@@ -20699,7 +20699,7 @@
           </p:nvSpPr>
           <p:spPr>
             <a:xfrm>
-              <a:off x="4844019" y="5408030"/>
+              <a:off x="5138312" y="5407990"/>
               <a:ext cx="63202" cy="63202"/>
             </a:xfrm>
             <a:custGeom>
@@ -20742,7 +20742,7 @@
           </p:nvSpPr>
           <p:spPr>
             <a:xfrm>
-              <a:off x="4897974" y="5382292"/>
+              <a:off x="4473171" y="5382295"/>
               <a:ext cx="63202" cy="63202"/>
             </a:xfrm>
             <a:custGeom>
@@ -20785,7 +20785,7 @@
           </p:nvSpPr>
           <p:spPr>
             <a:xfrm>
-              <a:off x="4697435" y="5361097"/>
+              <a:off x="4948105" y="5361029"/>
               <a:ext cx="63202" cy="63202"/>
             </a:xfrm>
             <a:custGeom>
@@ -20828,7 +20828,7 @@
           </p:nvSpPr>
           <p:spPr>
             <a:xfrm>
-              <a:off x="4724073" y="5947998"/>
+              <a:off x="4618060" y="5947964"/>
               <a:ext cx="63202" cy="63202"/>
             </a:xfrm>
             <a:custGeom>
@@ -20871,7 +20871,7 @@
           </p:nvSpPr>
           <p:spPr>
             <a:xfrm>
-              <a:off x="4787977" y="5349738"/>
+              <a:off x="4905823" y="5349701"/>
               <a:ext cx="63202" cy="63202"/>
             </a:xfrm>
             <a:custGeom>
@@ -20914,7 +20914,7 @@
           </p:nvSpPr>
           <p:spPr>
             <a:xfrm>
-              <a:off x="4590993" y="5400248"/>
+              <a:off x="4913724" y="5400215"/>
               <a:ext cx="63202" cy="63202"/>
             </a:xfrm>
             <a:custGeom>
@@ -20957,7 +20957,7 @@
           </p:nvSpPr>
           <p:spPr>
             <a:xfrm>
-              <a:off x="5088400" y="6278990"/>
+              <a:off x="4783015" y="6278963"/>
               <a:ext cx="63202" cy="63202"/>
             </a:xfrm>
             <a:custGeom>
@@ -21000,7 +21000,7 @@
           </p:nvSpPr>
           <p:spPr>
             <a:xfrm>
-              <a:off x="4496987" y="5674110"/>
+              <a:off x="4545745" y="5674107"/>
               <a:ext cx="63202" cy="63202"/>
             </a:xfrm>
             <a:custGeom>
@@ -21043,7 +21043,7 @@
           </p:nvSpPr>
           <p:spPr>
             <a:xfrm>
-              <a:off x="5039110" y="6265346"/>
+              <a:off x="5045011" y="6265414"/>
               <a:ext cx="63202" cy="63202"/>
             </a:xfrm>
             <a:custGeom>
@@ -21086,7 +21086,7 @@
           </p:nvSpPr>
           <p:spPr>
             <a:xfrm>
-              <a:off x="4763244" y="6265813"/>
+              <a:off x="4532214" y="6265833"/>
               <a:ext cx="63202" cy="63202"/>
             </a:xfrm>
             <a:custGeom>
@@ -21129,7 +21129,7 @@
           </p:nvSpPr>
           <p:spPr>
             <a:xfrm>
-              <a:off x="4996110" y="5337574"/>
+              <a:off x="4931318" y="5337543"/>
               <a:ext cx="63202" cy="63202"/>
             </a:xfrm>
             <a:custGeom>
@@ -21172,7 +21172,7 @@
           </p:nvSpPr>
           <p:spPr>
             <a:xfrm>
-              <a:off x="4777964" y="6111489"/>
+              <a:off x="4951442" y="6111534"/>
               <a:ext cx="63202" cy="63202"/>
             </a:xfrm>
             <a:custGeom>
@@ -21215,7 +21215,7 @@
           </p:nvSpPr>
           <p:spPr>
             <a:xfrm>
-              <a:off x="4496187" y="6421584"/>
+              <a:off x="4804480" y="6421650"/>
               <a:ext cx="63202" cy="63202"/>
             </a:xfrm>
             <a:custGeom>
@@ -21258,7 +21258,7 @@
           </p:nvSpPr>
           <p:spPr>
             <a:xfrm>
-              <a:off x="5167712" y="5616081"/>
+              <a:off x="4922124" y="5616035"/>
               <a:ext cx="63202" cy="63202"/>
             </a:xfrm>
             <a:custGeom>
@@ -21301,7 +21301,7 @@
           </p:nvSpPr>
           <p:spPr>
             <a:xfrm>
-              <a:off x="5131175" y="5368406"/>
+              <a:off x="5087528" y="5368430"/>
               <a:ext cx="63202" cy="63202"/>
             </a:xfrm>
             <a:custGeom>
@@ -21344,7 +21344,7 @@
           </p:nvSpPr>
           <p:spPr>
             <a:xfrm>
-              <a:off x="4583049" y="5825721"/>
+              <a:off x="4768934" y="5825768"/>
               <a:ext cx="63202" cy="63202"/>
             </a:xfrm>
             <a:custGeom>
@@ -21387,7 +21387,7 @@
           </p:nvSpPr>
           <p:spPr>
             <a:xfrm>
-              <a:off x="5062054" y="5418869"/>
+              <a:off x="4804298" y="5418826"/>
               <a:ext cx="63202" cy="63202"/>
             </a:xfrm>
             <a:custGeom>
@@ -21430,7 +21430,7 @@
           </p:nvSpPr>
           <p:spPr>
             <a:xfrm>
-              <a:off x="5049461" y="5355262"/>
+              <a:off x="4767341" y="5355239"/>
               <a:ext cx="63202" cy="63202"/>
             </a:xfrm>
             <a:custGeom>
@@ -21473,7 +21473,7 @@
           </p:nvSpPr>
           <p:spPr>
             <a:xfrm>
-              <a:off x="4538874" y="5625002"/>
+              <a:off x="4933821" y="5625027"/>
               <a:ext cx="63202" cy="63202"/>
             </a:xfrm>
             <a:custGeom>
@@ -21516,7 +21516,7 @@
           </p:nvSpPr>
           <p:spPr>
             <a:xfrm>
-              <a:off x="4602035" y="6248093"/>
+              <a:off x="4776456" y="6248149"/>
               <a:ext cx="63202" cy="63202"/>
             </a:xfrm>
             <a:custGeom>
@@ -21559,7 +21559,7 @@
           </p:nvSpPr>
           <p:spPr>
             <a:xfrm>
-              <a:off x="4523150" y="5433926"/>
+              <a:off x="4549144" y="5433904"/>
               <a:ext cx="63202" cy="63202"/>
             </a:xfrm>
             <a:custGeom>
@@ -21602,7 +21602,7 @@
           </p:nvSpPr>
           <p:spPr>
             <a:xfrm>
-              <a:off x="4495731" y="5367938"/>
+              <a:off x="4755947" y="5367915"/>
               <a:ext cx="63202" cy="63202"/>
             </a:xfrm>
             <a:custGeom>
@@ -21645,7 +21645,7 @@
           </p:nvSpPr>
           <p:spPr>
             <a:xfrm>
-              <a:off x="4888170" y="5430535"/>
+              <a:off x="5009873" y="5430510"/>
               <a:ext cx="63202" cy="63202"/>
             </a:xfrm>
             <a:custGeom>
@@ -21688,7 +21688,7 @@
           </p:nvSpPr>
           <p:spPr>
             <a:xfrm>
-              <a:off x="4589002" y="5362219"/>
+              <a:off x="4784206" y="5362212"/>
               <a:ext cx="63202" cy="63202"/>
             </a:xfrm>
             <a:custGeom>
@@ -21731,7 +21731,7 @@
           </p:nvSpPr>
           <p:spPr>
             <a:xfrm>
-              <a:off x="4531261" y="6059749"/>
+              <a:off x="5109810" y="6059777"/>
               <a:ext cx="63202" cy="63202"/>
             </a:xfrm>
             <a:custGeom>
@@ -21774,7 +21774,7 @@
           </p:nvSpPr>
           <p:spPr>
             <a:xfrm>
-              <a:off x="4992892" y="5382300"/>
+              <a:off x="4633333" y="5382314"/>
               <a:ext cx="63202" cy="63202"/>
             </a:xfrm>
             <a:custGeom>
@@ -21817,7 +21817,7 @@
           </p:nvSpPr>
           <p:spPr>
             <a:xfrm>
-              <a:off x="4660457" y="5465483"/>
+              <a:off x="5162518" y="5465470"/>
               <a:ext cx="63202" cy="63202"/>
             </a:xfrm>
             <a:custGeom>
@@ -21860,7 +21860,7 @@
           </p:nvSpPr>
           <p:spPr>
             <a:xfrm>
-              <a:off x="5068178" y="5406580"/>
+              <a:off x="4944474" y="5406582"/>
               <a:ext cx="63202" cy="63202"/>
             </a:xfrm>
             <a:custGeom>
@@ -21903,7 +21903,7 @@
           </p:nvSpPr>
           <p:spPr>
             <a:xfrm>
-              <a:off x="5053437" y="5378993"/>
+              <a:off x="4586073" y="5379015"/>
               <a:ext cx="63202" cy="63202"/>
             </a:xfrm>
             <a:custGeom>
@@ -21946,7 +21946,7 @@
           </p:nvSpPr>
           <p:spPr>
             <a:xfrm>
-              <a:off x="4893908" y="5977190"/>
+              <a:off x="4697487" y="5977141"/>
               <a:ext cx="63202" cy="63202"/>
             </a:xfrm>
             <a:custGeom>
@@ -21989,7 +21989,7 @@
           </p:nvSpPr>
           <p:spPr>
             <a:xfrm>
-              <a:off x="4529103" y="5378289"/>
+              <a:off x="4723632" y="5378248"/>
               <a:ext cx="63202" cy="63202"/>
             </a:xfrm>
             <a:custGeom>
@@ -22032,7 +22032,7 @@
           </p:nvSpPr>
           <p:spPr>
             <a:xfrm>
-              <a:off x="5009639" y="5381694"/>
+              <a:off x="4863135" y="5381635"/>
               <a:ext cx="63202" cy="63202"/>
             </a:xfrm>
             <a:custGeom>
@@ -22075,7 +22075,7 @@
           </p:nvSpPr>
           <p:spPr>
             <a:xfrm>
-              <a:off x="4886310" y="5345654"/>
+              <a:off x="4870148" y="5345684"/>
               <a:ext cx="63202" cy="63202"/>
             </a:xfrm>
             <a:custGeom>
@@ -22118,7 +22118,7 @@
           </p:nvSpPr>
           <p:spPr>
             <a:xfrm>
-              <a:off x="4891070" y="5370261"/>
+              <a:off x="4538168" y="5370213"/>
               <a:ext cx="63202" cy="63202"/>
             </a:xfrm>
             <a:custGeom>
@@ -22161,7 +22161,7 @@
           </p:nvSpPr>
           <p:spPr>
             <a:xfrm>
-              <a:off x="4926387" y="5384099"/>
+              <a:off x="4880337" y="5384084"/>
               <a:ext cx="63202" cy="63202"/>
             </a:xfrm>
             <a:custGeom>
@@ -22204,7 +22204,7 @@
           </p:nvSpPr>
           <p:spPr>
             <a:xfrm>
-              <a:off x="5026310" y="5523548"/>
+              <a:off x="4852648" y="5523518"/>
               <a:ext cx="63202" cy="63202"/>
             </a:xfrm>
             <a:custGeom>
@@ -22247,7 +22247,7 @@
           </p:nvSpPr>
           <p:spPr>
             <a:xfrm>
-              <a:off x="5125233" y="5333158"/>
+              <a:off x="4620314" y="5333149"/>
               <a:ext cx="63202" cy="63202"/>
             </a:xfrm>
             <a:custGeom>
@@ -22290,7 +22290,7 @@
           </p:nvSpPr>
           <p:spPr>
             <a:xfrm>
-              <a:off x="4832089" y="5361843"/>
+              <a:off x="5160994" y="5361787"/>
               <a:ext cx="63202" cy="63202"/>
             </a:xfrm>
             <a:custGeom>
@@ -22333,7 +22333,7 @@
           </p:nvSpPr>
           <p:spPr>
             <a:xfrm>
-              <a:off x="5163489" y="5409690"/>
+              <a:off x="4591479" y="5409672"/>
               <a:ext cx="63202" cy="63202"/>
             </a:xfrm>
             <a:custGeom>
@@ -22376,7 +22376,7 @@
           </p:nvSpPr>
           <p:spPr>
             <a:xfrm>
-              <a:off x="4500568" y="5353924"/>
+              <a:off x="4794154" y="5353861"/>
               <a:ext cx="63202" cy="63202"/>
             </a:xfrm>
             <a:custGeom>
@@ -22419,7 +22419,7 @@
           </p:nvSpPr>
           <p:spPr>
             <a:xfrm>
-              <a:off x="4893833" y="5393372"/>
+              <a:off x="5118690" y="5393356"/>
               <a:ext cx="63202" cy="63202"/>
             </a:xfrm>
             <a:custGeom>
@@ -22462,7 +22462,7 @@
           </p:nvSpPr>
           <p:spPr>
             <a:xfrm>
-              <a:off x="4550357" y="5369839"/>
+              <a:off x="4712765" y="5369869"/>
               <a:ext cx="63202" cy="63202"/>
             </a:xfrm>
             <a:custGeom>
@@ -22505,7 +22505,7 @@
           </p:nvSpPr>
           <p:spPr>
             <a:xfrm>
-              <a:off x="4757000" y="5370177"/>
+              <a:off x="4932334" y="5370084"/>
               <a:ext cx="63202" cy="63202"/>
             </a:xfrm>
             <a:custGeom>
@@ -22548,7 +22548,7 @@
           </p:nvSpPr>
           <p:spPr>
             <a:xfrm>
-              <a:off x="4568397" y="5385243"/>
+              <a:off x="4733283" y="5385249"/>
               <a:ext cx="63202" cy="63202"/>
             </a:xfrm>
             <a:custGeom>
@@ -22591,7 +22591,7 @@
           </p:nvSpPr>
           <p:spPr>
             <a:xfrm>
-              <a:off x="5005077" y="5344113"/>
+              <a:off x="4749131" y="5344083"/>
               <a:ext cx="63202" cy="63202"/>
             </a:xfrm>
             <a:custGeom>
@@ -22634,7 +22634,7 @@
           </p:nvSpPr>
           <p:spPr>
             <a:xfrm>
-              <a:off x="4507443" y="5376741"/>
+              <a:off x="5078590" y="5376732"/>
               <a:ext cx="63202" cy="63202"/>
             </a:xfrm>
             <a:custGeom>
@@ -22677,7 +22677,7 @@
           </p:nvSpPr>
           <p:spPr>
             <a:xfrm>
-              <a:off x="4651662" y="5390517"/>
+              <a:off x="4483007" y="5390539"/>
               <a:ext cx="63202" cy="63202"/>
             </a:xfrm>
             <a:custGeom>
@@ -22720,7 +22720,7 @@
           </p:nvSpPr>
           <p:spPr>
             <a:xfrm>
-              <a:off x="4642343" y="5349496"/>
+              <a:off x="4939435" y="5349440"/>
               <a:ext cx="63202" cy="63202"/>
             </a:xfrm>
             <a:custGeom>
@@ -22763,7 +22763,7 @@
           </p:nvSpPr>
           <p:spPr>
             <a:xfrm>
-              <a:off x="4936361" y="5384931"/>
+              <a:off x="5028927" y="5384942"/>
               <a:ext cx="63202" cy="63202"/>
             </a:xfrm>
             <a:custGeom>
@@ -22806,7 +22806,7 @@
           </p:nvSpPr>
           <p:spPr>
             <a:xfrm>
-              <a:off x="5055181" y="6357878"/>
+              <a:off x="4773999" y="6357920"/>
               <a:ext cx="63202" cy="63202"/>
             </a:xfrm>
             <a:custGeom>
@@ -22849,7 +22849,7 @@
           </p:nvSpPr>
           <p:spPr>
             <a:xfrm>
-              <a:off x="4727971" y="5372818"/>
+              <a:off x="4889858" y="5372755"/>
               <a:ext cx="63202" cy="63202"/>
             </a:xfrm>
             <a:custGeom>
@@ -22892,7 +22892,7 @@
           </p:nvSpPr>
           <p:spPr>
             <a:xfrm>
-              <a:off x="4896737" y="5401770"/>
+              <a:off x="4566901" y="5401775"/>
               <a:ext cx="63202" cy="63202"/>
             </a:xfrm>
             <a:custGeom>
@@ -22935,7 +22935,7 @@
           </p:nvSpPr>
           <p:spPr>
             <a:xfrm>
-              <a:off x="4960249" y="5344499"/>
+              <a:off x="5144258" y="5344431"/>
               <a:ext cx="63202" cy="63202"/>
             </a:xfrm>
             <a:custGeom>
@@ -22978,7 +22978,7 @@
           </p:nvSpPr>
           <p:spPr>
             <a:xfrm>
-              <a:off x="4550434" y="5318709"/>
+              <a:off x="4948008" y="5318685"/>
               <a:ext cx="63202" cy="63202"/>
             </a:xfrm>
             <a:custGeom>
@@ -23021,7 +23021,7 @@
           </p:nvSpPr>
           <p:spPr>
             <a:xfrm>
-              <a:off x="5091844" y="5339947"/>
+              <a:off x="4730986" y="5339929"/>
               <a:ext cx="63202" cy="63202"/>
             </a:xfrm>
             <a:custGeom>
@@ -23064,7 +23064,7 @@
           </p:nvSpPr>
           <p:spPr>
             <a:xfrm>
-              <a:off x="4678262" y="5370911"/>
+              <a:off x="4805659" y="5370870"/>
               <a:ext cx="63202" cy="63202"/>
             </a:xfrm>
             <a:custGeom>
@@ -23107,7 +23107,7 @@
           </p:nvSpPr>
           <p:spPr>
             <a:xfrm>
-              <a:off x="4581869" y="5355153"/>
+              <a:off x="4887976" y="5355098"/>
               <a:ext cx="63202" cy="63202"/>
             </a:xfrm>
             <a:custGeom>
@@ -23150,7 +23150,7 @@
           </p:nvSpPr>
           <p:spPr>
             <a:xfrm>
-              <a:off x="4878752" y="5342369"/>
+              <a:off x="4884843" y="5342344"/>
               <a:ext cx="63202" cy="63202"/>
             </a:xfrm>
             <a:custGeom>
@@ -23193,7 +23193,7 @@
           </p:nvSpPr>
           <p:spPr>
             <a:xfrm>
-              <a:off x="4975690" y="5362759"/>
+              <a:off x="4995725" y="5362731"/>
               <a:ext cx="63202" cy="63202"/>
             </a:xfrm>
             <a:custGeom>
@@ -23236,7 +23236,7 @@
           </p:nvSpPr>
           <p:spPr>
             <a:xfrm>
-              <a:off x="4480735" y="5340325"/>
+              <a:off x="4810556" y="5340322"/>
               <a:ext cx="63202" cy="63202"/>
             </a:xfrm>
             <a:custGeom>
@@ -23279,7 +23279,7 @@
           </p:nvSpPr>
           <p:spPr>
             <a:xfrm>
-              <a:off x="5027719" y="5467469"/>
+              <a:off x="4790925" y="5467466"/>
               <a:ext cx="63202" cy="63202"/>
             </a:xfrm>
             <a:custGeom>
@@ -23322,7 +23322,7 @@
           </p:nvSpPr>
           <p:spPr>
             <a:xfrm>
-              <a:off x="4612236" y="5378542"/>
+              <a:off x="4738120" y="5378491"/>
               <a:ext cx="63202" cy="63202"/>
             </a:xfrm>
             <a:custGeom>
@@ -23365,7 +23365,7 @@
           </p:nvSpPr>
           <p:spPr>
             <a:xfrm>
-              <a:off x="4782156" y="5466316"/>
+              <a:off x="4624985" y="5466321"/>
               <a:ext cx="63202" cy="63202"/>
             </a:xfrm>
             <a:custGeom>
@@ -23408,7 +23408,7 @@
           </p:nvSpPr>
           <p:spPr>
             <a:xfrm>
-              <a:off x="5135651" y="5452056"/>
+              <a:off x="4469669" y="5452087"/>
               <a:ext cx="63202" cy="63202"/>
             </a:xfrm>
             <a:custGeom>
@@ -23451,7 +23451,7 @@
           </p:nvSpPr>
           <p:spPr>
             <a:xfrm>
-              <a:off x="4854645" y="5343141"/>
+              <a:off x="5114887" y="5343100"/>
               <a:ext cx="63202" cy="63202"/>
             </a:xfrm>
             <a:custGeom>
@@ -23494,7 +23494,7 @@
           </p:nvSpPr>
           <p:spPr>
             <a:xfrm>
-              <a:off x="4707092" y="5374026"/>
+              <a:off x="4808426" y="5374012"/>
               <a:ext cx="63202" cy="63202"/>
             </a:xfrm>
             <a:custGeom>
@@ -23537,7 +23537,7 @@
           </p:nvSpPr>
           <p:spPr>
             <a:xfrm>
-              <a:off x="4920073" y="5378196"/>
+              <a:off x="5133523" y="5378116"/>
               <a:ext cx="63202" cy="63202"/>
             </a:xfrm>
             <a:custGeom>
@@ -23580,7 +23580,7 @@
           </p:nvSpPr>
           <p:spPr>
             <a:xfrm>
-              <a:off x="4670463" y="5337121"/>
+              <a:off x="4762296" y="5337108"/>
               <a:ext cx="63202" cy="63202"/>
             </a:xfrm>
             <a:custGeom>
@@ -23623,7 +23623,7 @@
           </p:nvSpPr>
           <p:spPr>
             <a:xfrm>
-              <a:off x="4715087" y="5342131"/>
+              <a:off x="5084571" y="5342115"/>
               <a:ext cx="63202" cy="63202"/>
             </a:xfrm>
             <a:custGeom>
@@ -23666,7 +23666,7 @@
           </p:nvSpPr>
           <p:spPr>
             <a:xfrm>
-              <a:off x="5121686" y="5349254"/>
+              <a:off x="4644603" y="5349267"/>
               <a:ext cx="63202" cy="63202"/>
             </a:xfrm>
             <a:custGeom>
@@ -23709,7 +23709,7 @@
           </p:nvSpPr>
           <p:spPr>
             <a:xfrm>
-              <a:off x="4757546" y="6050894"/>
+              <a:off x="5135536" y="6050894"/>
               <a:ext cx="63202" cy="63202"/>
             </a:xfrm>
             <a:custGeom>
@@ -23752,7 +23752,7 @@
           </p:nvSpPr>
           <p:spPr>
             <a:xfrm>
-              <a:off x="4586639" y="5377330"/>
+              <a:off x="4755821" y="5377321"/>
               <a:ext cx="63202" cy="63202"/>
             </a:xfrm>
             <a:custGeom>
@@ -23795,7 +23795,7 @@
           </p:nvSpPr>
           <p:spPr>
             <a:xfrm>
-              <a:off x="5086215" y="5384031"/>
+              <a:off x="4994610" y="5383995"/>
               <a:ext cx="63202" cy="63202"/>
             </a:xfrm>
             <a:custGeom>
@@ -23838,7 +23838,7 @@
           </p:nvSpPr>
           <p:spPr>
             <a:xfrm>
-              <a:off x="5046182" y="5378245"/>
+              <a:off x="5017946" y="5378268"/>
               <a:ext cx="63202" cy="63202"/>
             </a:xfrm>
             <a:custGeom>
@@ -23881,7 +23881,7 @@
           </p:nvSpPr>
           <p:spPr>
             <a:xfrm>
-              <a:off x="4989611" y="5379994"/>
+              <a:off x="4810833" y="5379958"/>
               <a:ext cx="63202" cy="63202"/>
             </a:xfrm>
             <a:custGeom>
@@ -23924,7 +23924,7 @@
           </p:nvSpPr>
           <p:spPr>
             <a:xfrm>
-              <a:off x="5121767" y="5374368"/>
+              <a:off x="4834971" y="5374331"/>
               <a:ext cx="63202" cy="63202"/>
             </a:xfrm>
             <a:custGeom>
@@ -23967,7 +23967,7 @@
           </p:nvSpPr>
           <p:spPr>
             <a:xfrm>
-              <a:off x="4500999" y="5408764"/>
+              <a:off x="5137404" y="5408753"/>
               <a:ext cx="63202" cy="63202"/>
             </a:xfrm>
             <a:custGeom>
@@ -24010,7 +24010,7 @@
           </p:nvSpPr>
           <p:spPr>
             <a:xfrm>
-              <a:off x="4861269" y="5368913"/>
+              <a:off x="5159321" y="5368866"/>
               <a:ext cx="63202" cy="63202"/>
             </a:xfrm>
             <a:custGeom>
@@ -24053,7 +24053,7 @@
           </p:nvSpPr>
           <p:spPr>
             <a:xfrm>
-              <a:off x="5027892" y="5335177"/>
+              <a:off x="4879410" y="5335160"/>
               <a:ext cx="63202" cy="63202"/>
             </a:xfrm>
             <a:custGeom>
@@ -24096,7 +24096,7 @@
           </p:nvSpPr>
           <p:spPr>
             <a:xfrm>
-              <a:off x="4739892" y="5776571"/>
+              <a:off x="4967502" y="5776561"/>
               <a:ext cx="63202" cy="63202"/>
             </a:xfrm>
             <a:custGeom>
@@ -24139,7 +24139,7 @@
           </p:nvSpPr>
           <p:spPr>
             <a:xfrm>
-              <a:off x="4896404" y="5359447"/>
+              <a:off x="4630582" y="5359427"/>
               <a:ext cx="63202" cy="63202"/>
             </a:xfrm>
             <a:custGeom>
@@ -24182,7 +24182,7 @@
           </p:nvSpPr>
           <p:spPr>
             <a:xfrm>
-              <a:off x="4735517" y="5326827"/>
+              <a:off x="4708319" y="5326797"/>
               <a:ext cx="63202" cy="63202"/>
             </a:xfrm>
             <a:custGeom>
@@ -24225,7 +24225,7 @@
           </p:nvSpPr>
           <p:spPr>
             <a:xfrm>
-              <a:off x="4497087" y="5342163"/>
+              <a:off x="4778098" y="5342186"/>
               <a:ext cx="63202" cy="63202"/>
             </a:xfrm>
             <a:custGeom>
@@ -24268,7 +24268,7 @@
           </p:nvSpPr>
           <p:spPr>
             <a:xfrm>
-              <a:off x="5067163" y="5377443"/>
+              <a:off x="5073064" y="5377380"/>
               <a:ext cx="63202" cy="63202"/>
             </a:xfrm>
             <a:custGeom>
@@ -24311,7 +24311,7 @@
           </p:nvSpPr>
           <p:spPr>
             <a:xfrm>
-              <a:off x="4710783" y="5335531"/>
+              <a:off x="5077223" y="5335436"/>
               <a:ext cx="63202" cy="63202"/>
             </a:xfrm>
             <a:custGeom>
@@ -24354,7 +24354,7 @@
           </p:nvSpPr>
           <p:spPr>
             <a:xfrm>
-              <a:off x="4868992" y="5670460"/>
+              <a:off x="4514737" y="5670444"/>
               <a:ext cx="63202" cy="63202"/>
             </a:xfrm>
             <a:custGeom>
@@ -24397,7 +24397,7 @@
           </p:nvSpPr>
           <p:spPr>
             <a:xfrm>
-              <a:off x="4698418" y="5780350"/>
+              <a:off x="5158817" y="5780360"/>
               <a:ext cx="63202" cy="63202"/>
             </a:xfrm>
             <a:custGeom>
@@ -24440,7 +24440,7 @@
           </p:nvSpPr>
           <p:spPr>
             <a:xfrm>
-              <a:off x="4578540" y="5387856"/>
+              <a:off x="4540410" y="5387833"/>
               <a:ext cx="63202" cy="63202"/>
             </a:xfrm>
             <a:custGeom>
@@ -24483,7 +24483,7 @@
           </p:nvSpPr>
           <p:spPr>
             <a:xfrm>
-              <a:off x="4803656" y="5386834"/>
+              <a:off x="4798595" y="5386849"/>
               <a:ext cx="63202" cy="63202"/>
             </a:xfrm>
             <a:custGeom>
@@ -24526,7 +24526,7 @@
           </p:nvSpPr>
           <p:spPr>
             <a:xfrm>
-              <a:off x="5119425" y="5361239"/>
+              <a:off x="4495914" y="5361272"/>
               <a:ext cx="63202" cy="63202"/>
             </a:xfrm>
             <a:custGeom>
@@ -24569,7 +24569,7 @@
           </p:nvSpPr>
           <p:spPr>
             <a:xfrm>
-              <a:off x="5058035" y="6354275"/>
+              <a:off x="4666081" y="6354293"/>
               <a:ext cx="63202" cy="63202"/>
             </a:xfrm>
             <a:custGeom>
@@ -24612,7 +24612,7 @@
           </p:nvSpPr>
           <p:spPr>
             <a:xfrm>
-              <a:off x="4722253" y="5435366"/>
+              <a:off x="4772078" y="5435351"/>
               <a:ext cx="63202" cy="63202"/>
             </a:xfrm>
             <a:custGeom>
@@ -24655,7 +24655,7 @@
           </p:nvSpPr>
           <p:spPr>
             <a:xfrm>
-              <a:off x="5003397" y="5431353"/>
+              <a:off x="5015148" y="5431276"/>
               <a:ext cx="63202" cy="63202"/>
             </a:xfrm>
             <a:custGeom>
@@ -24698,7 +24698,7 @@
           </p:nvSpPr>
           <p:spPr>
             <a:xfrm>
-              <a:off x="4641431" y="5436575"/>
+              <a:off x="4518625" y="5436595"/>
               <a:ext cx="63202" cy="63202"/>
             </a:xfrm>
             <a:custGeom>
@@ -24741,7 +24741,7 @@
           </p:nvSpPr>
           <p:spPr>
             <a:xfrm>
-              <a:off x="4560024" y="5878775"/>
+              <a:off x="4838427" y="5878759"/>
               <a:ext cx="63202" cy="63202"/>
             </a:xfrm>
             <a:custGeom>
@@ -24784,7 +24784,7 @@
           </p:nvSpPr>
           <p:spPr>
             <a:xfrm>
-              <a:off x="5107496" y="5586898"/>
+              <a:off x="4631360" y="5586882"/>
               <a:ext cx="63202" cy="63202"/>
             </a:xfrm>
             <a:custGeom>
@@ -24827,7 +24827,7 @@
           </p:nvSpPr>
           <p:spPr>
             <a:xfrm>
-              <a:off x="4923984" y="5328961"/>
+              <a:off x="4873273" y="5328962"/>
               <a:ext cx="63202" cy="63202"/>
             </a:xfrm>
             <a:custGeom>
@@ -24870,7 +24870,7 @@
           </p:nvSpPr>
           <p:spPr>
             <a:xfrm>
-              <a:off x="4503208" y="5431511"/>
+              <a:off x="5066339" y="5431460"/>
               <a:ext cx="63202" cy="63202"/>
             </a:xfrm>
             <a:custGeom>
@@ -24913,7 +24913,7 @@
           </p:nvSpPr>
           <p:spPr>
             <a:xfrm>
-              <a:off x="4991073" y="5492112"/>
+              <a:off x="4684693" y="5492063"/>
               <a:ext cx="63202" cy="63202"/>
             </a:xfrm>
             <a:custGeom>
@@ -24956,7 +24956,7 @@
           </p:nvSpPr>
           <p:spPr>
             <a:xfrm>
-              <a:off x="4552342" y="5337379"/>
+              <a:off x="4868541" y="5337396"/>
               <a:ext cx="63202" cy="63202"/>
             </a:xfrm>
             <a:custGeom>
@@ -24999,7 +24999,7 @@
           </p:nvSpPr>
           <p:spPr>
             <a:xfrm>
-              <a:off x="5125896" y="5337762"/>
+              <a:off x="4517375" y="5337763"/>
               <a:ext cx="63202" cy="63202"/>
             </a:xfrm>
             <a:custGeom>
@@ -25042,7 +25042,7 @@
           </p:nvSpPr>
           <p:spPr>
             <a:xfrm>
-              <a:off x="5045245" y="5358872"/>
+              <a:off x="4926469" y="5358892"/>
               <a:ext cx="63202" cy="63202"/>
             </a:xfrm>
             <a:custGeom>
@@ -25085,7 +25085,7 @@
           </p:nvSpPr>
           <p:spPr>
             <a:xfrm>
-              <a:off x="4672406" y="5430592"/>
+              <a:off x="4893325" y="5430531"/>
               <a:ext cx="63202" cy="63202"/>
             </a:xfrm>
             <a:custGeom>
@@ -25128,7 +25128,7 @@
           </p:nvSpPr>
           <p:spPr>
             <a:xfrm>
-              <a:off x="4779673" y="5381691"/>
+              <a:off x="4474005" y="5381658"/>
               <a:ext cx="63202" cy="63202"/>
             </a:xfrm>
             <a:custGeom>
@@ -25171,7 +25171,7 @@
           </p:nvSpPr>
           <p:spPr>
             <a:xfrm>
-              <a:off x="4719763" y="5376273"/>
+              <a:off x="5111271" y="5376233"/>
               <a:ext cx="63202" cy="63202"/>
             </a:xfrm>
             <a:custGeom>
@@ -25214,7 +25214,7 @@
           </p:nvSpPr>
           <p:spPr>
             <a:xfrm>
-              <a:off x="5074379" y="5364252"/>
+              <a:off x="4649086" y="5364258"/>
               <a:ext cx="63202" cy="63202"/>
             </a:xfrm>
             <a:custGeom>
@@ -25257,7 +25257,7 @@
           </p:nvSpPr>
           <p:spPr>
             <a:xfrm>
-              <a:off x="4771353" y="5528714"/>
+              <a:off x="4668727" y="5528697"/>
               <a:ext cx="63202" cy="63202"/>
             </a:xfrm>
             <a:custGeom>
@@ -25300,7 +25300,7 @@
           </p:nvSpPr>
           <p:spPr>
             <a:xfrm>
-              <a:off x="4776960" y="5376120"/>
+              <a:off x="4586733" y="5376051"/>
               <a:ext cx="63202" cy="63202"/>
             </a:xfrm>
             <a:custGeom>
@@ -25343,7 +25343,7 @@
           </p:nvSpPr>
           <p:spPr>
             <a:xfrm>
-              <a:off x="4581019" y="5354692"/>
+              <a:off x="4855297" y="5354648"/>
               <a:ext cx="63202" cy="63202"/>
             </a:xfrm>
             <a:custGeom>
@@ -25386,7 +25386,7 @@
           </p:nvSpPr>
           <p:spPr>
             <a:xfrm>
-              <a:off x="4891769" y="6055205"/>
+              <a:off x="4830985" y="6055255"/>
               <a:ext cx="63202" cy="63202"/>
             </a:xfrm>
             <a:custGeom>
@@ -25429,7 +25429,7 @@
           </p:nvSpPr>
           <p:spPr>
             <a:xfrm>
-              <a:off x="4862291" y="5346919"/>
+              <a:off x="4854597" y="5346921"/>
               <a:ext cx="63202" cy="63202"/>
             </a:xfrm>
             <a:custGeom>
@@ -25472,7 +25472,7 @@
           </p:nvSpPr>
           <p:spPr>
             <a:xfrm>
-              <a:off x="4866922" y="5364357"/>
+              <a:off x="5077133" y="5364389"/>
               <a:ext cx="63202" cy="63202"/>
             </a:xfrm>
             <a:custGeom>
@@ -25515,7 +25515,7 @@
           </p:nvSpPr>
           <p:spPr>
             <a:xfrm>
-              <a:off x="4977245" y="5380115"/>
+              <a:off x="4666259" y="5380153"/>
               <a:ext cx="63202" cy="63202"/>
             </a:xfrm>
             <a:custGeom>
@@ -25558,7 +25558,7 @@
           </p:nvSpPr>
           <p:spPr>
             <a:xfrm>
-              <a:off x="5576815" y="6744918"/>
+              <a:off x="5962325" y="6744987"/>
               <a:ext cx="63202" cy="63202"/>
             </a:xfrm>
             <a:custGeom>
@@ -25601,7 +25601,7 @@
           </p:nvSpPr>
           <p:spPr>
             <a:xfrm>
-              <a:off x="4556532" y="5337832"/>
+              <a:off x="4683391" y="5337851"/>
               <a:ext cx="63202" cy="63202"/>
             </a:xfrm>
             <a:custGeom>
@@ -25644,7 +25644,7 @@
           </p:nvSpPr>
           <p:spPr>
             <a:xfrm>
-              <a:off x="4913094" y="5382040"/>
+              <a:off x="5052632" y="5381988"/>
               <a:ext cx="63202" cy="63202"/>
             </a:xfrm>
             <a:custGeom>
@@ -25687,7 +25687,7 @@
           </p:nvSpPr>
           <p:spPr>
             <a:xfrm>
-              <a:off x="4900779" y="5372969"/>
+              <a:off x="4515188" y="5372963"/>
               <a:ext cx="63202" cy="63202"/>
             </a:xfrm>
             <a:custGeom>
@@ -25730,7 +25730,7 @@
           </p:nvSpPr>
           <p:spPr>
             <a:xfrm>
-              <a:off x="4486329" y="5334811"/>
+              <a:off x="5127394" y="5334837"/>
               <a:ext cx="63202" cy="63202"/>
             </a:xfrm>
             <a:custGeom>
@@ -25773,7 +25773,7 @@
           </p:nvSpPr>
           <p:spPr>
             <a:xfrm>
-              <a:off x="4526913" y="5360864"/>
+              <a:off x="4479801" y="5360858"/>
               <a:ext cx="63202" cy="63202"/>
             </a:xfrm>
             <a:custGeom>
@@ -25816,7 +25816,7 @@
           </p:nvSpPr>
           <p:spPr>
             <a:xfrm>
-              <a:off x="4548207" y="5352411"/>
+              <a:off x="4795312" y="5352342"/>
               <a:ext cx="63202" cy="63202"/>
             </a:xfrm>
             <a:custGeom>
@@ -25859,7 +25859,7 @@
           </p:nvSpPr>
           <p:spPr>
             <a:xfrm>
-              <a:off x="4910733" y="5361434"/>
+              <a:off x="4697291" y="5361441"/>
               <a:ext cx="63202" cy="63202"/>
             </a:xfrm>
             <a:custGeom>
@@ -25902,7 +25902,7 @@
           </p:nvSpPr>
           <p:spPr>
             <a:xfrm>
-              <a:off x="5113003" y="5342302"/>
+              <a:off x="5039665" y="5342280"/>
               <a:ext cx="63202" cy="63202"/>
             </a:xfrm>
             <a:custGeom>
@@ -25945,7 +25945,7 @@
           </p:nvSpPr>
           <p:spPr>
             <a:xfrm>
-              <a:off x="4522151" y="5387201"/>
+              <a:off x="4617750" y="5387242"/>
               <a:ext cx="63202" cy="63202"/>
             </a:xfrm>
             <a:custGeom>
@@ -25988,7 +25988,7 @@
           </p:nvSpPr>
           <p:spPr>
             <a:xfrm>
-              <a:off x="4898895" y="5694123"/>
+              <a:off x="4482490" y="5694115"/>
               <a:ext cx="63202" cy="63202"/>
             </a:xfrm>
             <a:custGeom>
@@ -26031,7 +26031,7 @@
           </p:nvSpPr>
           <p:spPr>
             <a:xfrm>
-              <a:off x="4661900" y="5346453"/>
+              <a:off x="4688112" y="5346403"/>
               <a:ext cx="63202" cy="63202"/>
             </a:xfrm>
             <a:custGeom>
@@ -26074,7 +26074,7 @@
           </p:nvSpPr>
           <p:spPr>
             <a:xfrm>
-              <a:off x="5092836" y="5396920"/>
+              <a:off x="4545631" y="5396970"/>
               <a:ext cx="63202" cy="63202"/>
             </a:xfrm>
             <a:custGeom>
@@ -26117,7 +26117,7 @@
           </p:nvSpPr>
           <p:spPr>
             <a:xfrm>
-              <a:off x="4668345" y="5395358"/>
+              <a:off x="5009495" y="5395353"/>
               <a:ext cx="63202" cy="63202"/>
             </a:xfrm>
             <a:custGeom>
@@ -26160,7 +26160,7 @@
           </p:nvSpPr>
           <p:spPr>
             <a:xfrm>
-              <a:off x="4791747" y="5337267"/>
+              <a:off x="4970756" y="5337267"/>
               <a:ext cx="63202" cy="63202"/>
             </a:xfrm>
             <a:custGeom>
@@ -26203,7 +26203,7 @@
           </p:nvSpPr>
           <p:spPr>
             <a:xfrm>
-              <a:off x="4998191" y="5379403"/>
+              <a:off x="4537413" y="5379359"/>
               <a:ext cx="63202" cy="63202"/>
             </a:xfrm>
             <a:custGeom>
@@ -26246,7 +26246,7 @@
           </p:nvSpPr>
           <p:spPr>
             <a:xfrm>
-              <a:off x="4659392" y="5846015"/>
+              <a:off x="4906787" y="5846038"/>
               <a:ext cx="63202" cy="63202"/>
             </a:xfrm>
             <a:custGeom>
@@ -26289,7 +26289,7 @@
           </p:nvSpPr>
           <p:spPr>
             <a:xfrm>
-              <a:off x="4720630" y="5384359"/>
+              <a:off x="4673221" y="5384373"/>
               <a:ext cx="63202" cy="63202"/>
             </a:xfrm>
             <a:custGeom>
@@ -26332,7 +26332,7 @@
           </p:nvSpPr>
           <p:spPr>
             <a:xfrm>
-              <a:off x="5101262" y="5395622"/>
+              <a:off x="5008291" y="5395601"/>
               <a:ext cx="63202" cy="63202"/>
             </a:xfrm>
             <a:custGeom>
@@ -26375,7 +26375,7 @@
           </p:nvSpPr>
           <p:spPr>
             <a:xfrm>
-              <a:off x="4758244" y="5363036"/>
+              <a:off x="5009540" y="5363021"/>
               <a:ext cx="63202" cy="63202"/>
             </a:xfrm>
             <a:custGeom>
@@ -26418,7 +26418,7 @@
           </p:nvSpPr>
           <p:spPr>
             <a:xfrm>
-              <a:off x="4991810" y="5332203"/>
+              <a:off x="4554731" y="5332150"/>
               <a:ext cx="63202" cy="63202"/>
             </a:xfrm>
             <a:custGeom>
@@ -26461,7 +26461,7 @@
           </p:nvSpPr>
           <p:spPr>
             <a:xfrm>
-              <a:off x="4584075" y="5346882"/>
+              <a:off x="4719522" y="5346931"/>
               <a:ext cx="63202" cy="63202"/>
             </a:xfrm>
             <a:custGeom>
@@ -26504,7 +26504,7 @@
           </p:nvSpPr>
           <p:spPr>
             <a:xfrm>
-              <a:off x="4733685" y="5394219"/>
+              <a:off x="4772598" y="5394225"/>
               <a:ext cx="63202" cy="63202"/>
             </a:xfrm>
             <a:custGeom>
@@ -26547,7 +26547,7 @@
           </p:nvSpPr>
           <p:spPr>
             <a:xfrm>
-              <a:off x="4641529" y="5339655"/>
+              <a:off x="4631658" y="5339611"/>
               <a:ext cx="63202" cy="63202"/>
             </a:xfrm>
             <a:custGeom>
@@ -26590,7 +26590,7 @@
           </p:nvSpPr>
           <p:spPr>
             <a:xfrm>
-              <a:off x="5082613" y="5346671"/>
+              <a:off x="4981533" y="5346649"/>
               <a:ext cx="63202" cy="63202"/>
             </a:xfrm>
             <a:custGeom>
@@ -26633,7 +26633,7 @@
           </p:nvSpPr>
           <p:spPr>
             <a:xfrm>
-              <a:off x="4607382" y="5402777"/>
+              <a:off x="4694148" y="5402768"/>
               <a:ext cx="63202" cy="63202"/>
             </a:xfrm>
             <a:custGeom>
@@ -26676,7 +26676,7 @@
           </p:nvSpPr>
           <p:spPr>
             <a:xfrm>
-              <a:off x="4792442" y="5398387"/>
+              <a:off x="4945669" y="5398384"/>
               <a:ext cx="63202" cy="63202"/>
             </a:xfrm>
             <a:custGeom>
@@ -26719,7 +26719,7 @@
           </p:nvSpPr>
           <p:spPr>
             <a:xfrm>
-              <a:off x="5081170" y="5533484"/>
+              <a:off x="4569916" y="5533453"/>
               <a:ext cx="63202" cy="63202"/>
             </a:xfrm>
             <a:custGeom>
@@ -26762,7 +26762,7 @@
           </p:nvSpPr>
           <p:spPr>
             <a:xfrm>
-              <a:off x="4470453" y="5384966"/>
+              <a:off x="4640989" y="5384966"/>
               <a:ext cx="63202" cy="63202"/>
             </a:xfrm>
             <a:custGeom>
@@ -26805,7 +26805,7 @@
           </p:nvSpPr>
           <p:spPr>
             <a:xfrm>
-              <a:off x="6368363" y="6807855"/>
+              <a:off x="6654444" y="6807873"/>
               <a:ext cx="63202" cy="63202"/>
             </a:xfrm>
             <a:custGeom>
@@ -26848,7 +26848,7 @@
           </p:nvSpPr>
           <p:spPr>
             <a:xfrm>
-              <a:off x="4836151" y="5350778"/>
+              <a:off x="4600016" y="5350777"/>
               <a:ext cx="63202" cy="63202"/>
             </a:xfrm>
             <a:custGeom>
@@ -26891,7 +26891,7 @@
           </p:nvSpPr>
           <p:spPr>
             <a:xfrm>
-              <a:off x="4484301" y="5378602"/>
+              <a:off x="4762685" y="5378618"/>
               <a:ext cx="63202" cy="63202"/>
             </a:xfrm>
             <a:custGeom>
@@ -26934,7 +26934,7 @@
           </p:nvSpPr>
           <p:spPr>
             <a:xfrm>
-              <a:off x="4881917" y="5357305"/>
+              <a:off x="5163869" y="5357265"/>
               <a:ext cx="63202" cy="63202"/>
             </a:xfrm>
             <a:custGeom>
@@ -26977,7 +26977,7 @@
           </p:nvSpPr>
           <p:spPr>
             <a:xfrm>
-              <a:off x="4911323" y="5345905"/>
+              <a:off x="4714778" y="5345832"/>
               <a:ext cx="63202" cy="63202"/>
             </a:xfrm>
             <a:custGeom>
@@ -27020,7 +27020,7 @@
           </p:nvSpPr>
           <p:spPr>
             <a:xfrm>
-              <a:off x="5083081" y="5348171"/>
+              <a:off x="4803204" y="5348141"/>
               <a:ext cx="63202" cy="63202"/>
             </a:xfrm>
             <a:custGeom>
@@ -27063,7 +27063,7 @@
           </p:nvSpPr>
           <p:spPr>
             <a:xfrm>
-              <a:off x="5094927" y="5355231"/>
+              <a:off x="4829355" y="5355238"/>
               <a:ext cx="63202" cy="63202"/>
             </a:xfrm>
             <a:custGeom>
@@ -27106,7 +27106,7 @@
           </p:nvSpPr>
           <p:spPr>
             <a:xfrm>
-              <a:off x="4772412" y="5342829"/>
+              <a:off x="5111776" y="5342868"/>
               <a:ext cx="63202" cy="63202"/>
             </a:xfrm>
             <a:custGeom>
@@ -27149,7 +27149,7 @@
           </p:nvSpPr>
           <p:spPr>
             <a:xfrm>
-              <a:off x="4529558" y="5332274"/>
+              <a:off x="4523142" y="5332288"/>
               <a:ext cx="63202" cy="63202"/>
             </a:xfrm>
             <a:custGeom>
@@ -27192,7 +27192,7 @@
           </p:nvSpPr>
           <p:spPr>
             <a:xfrm>
-              <a:off x="4655662" y="5396673"/>
+              <a:off x="4606857" y="5396674"/>
               <a:ext cx="63202" cy="63202"/>
             </a:xfrm>
             <a:custGeom>
@@ -27235,7 +27235,7 @@
           </p:nvSpPr>
           <p:spPr>
             <a:xfrm>
-              <a:off x="4494415" y="5408348"/>
+              <a:off x="4497044" y="5408351"/>
               <a:ext cx="63202" cy="63202"/>
             </a:xfrm>
             <a:custGeom>
@@ -27278,7 +27278,7 @@
           </p:nvSpPr>
           <p:spPr>
             <a:xfrm>
-              <a:off x="5142847" y="5347422"/>
+              <a:off x="4697974" y="5347349"/>
               <a:ext cx="63202" cy="63202"/>
             </a:xfrm>
             <a:custGeom>
@@ -27321,7 +27321,7 @@
           </p:nvSpPr>
           <p:spPr>
             <a:xfrm>
-              <a:off x="5148128" y="5355876"/>
+              <a:off x="5143414" y="5355859"/>
               <a:ext cx="63202" cy="63202"/>
             </a:xfrm>
             <a:custGeom>
@@ -27364,7 +27364,7 @@
           </p:nvSpPr>
           <p:spPr>
             <a:xfrm>
-              <a:off x="5015285" y="5357491"/>
+              <a:off x="5050178" y="5357483"/>
               <a:ext cx="63202" cy="63202"/>
             </a:xfrm>
             <a:custGeom>
@@ -27407,7 +27407,7 @@
           </p:nvSpPr>
           <p:spPr>
             <a:xfrm>
-              <a:off x="4469462" y="5378371"/>
+              <a:off x="4932270" y="5378328"/>
               <a:ext cx="63202" cy="63202"/>
             </a:xfrm>
             <a:custGeom>
@@ -27450,7 +27450,7 @@
           </p:nvSpPr>
           <p:spPr>
             <a:xfrm>
-              <a:off x="4758241" y="5323196"/>
+              <a:off x="5033516" y="5323176"/>
               <a:ext cx="63202" cy="63202"/>
             </a:xfrm>
             <a:custGeom>
@@ -27493,7 +27493,7 @@
           </p:nvSpPr>
           <p:spPr>
             <a:xfrm>
-              <a:off x="4978464" y="5415955"/>
+              <a:off x="4681281" y="5415924"/>
               <a:ext cx="63202" cy="63202"/>
             </a:xfrm>
             <a:custGeom>
@@ -27536,7 +27536,7 @@
           </p:nvSpPr>
           <p:spPr>
             <a:xfrm>
-              <a:off x="4590315" y="5345755"/>
+              <a:off x="4939020" y="5345764"/>
               <a:ext cx="63202" cy="63202"/>
             </a:xfrm>
             <a:custGeom>
@@ -27579,7 +27579,7 @@
           </p:nvSpPr>
           <p:spPr>
             <a:xfrm>
-              <a:off x="5162802" y="5329842"/>
+              <a:off x="4589848" y="5329794"/>
               <a:ext cx="63202" cy="63202"/>
             </a:xfrm>
             <a:custGeom>
@@ -27622,7 +27622,7 @@
           </p:nvSpPr>
           <p:spPr>
             <a:xfrm>
-              <a:off x="4618554" y="5548645"/>
+              <a:off x="4476113" y="5548627"/>
               <a:ext cx="63202" cy="63202"/>
             </a:xfrm>
             <a:custGeom>
@@ -27665,7 +27665,7 @@
           </p:nvSpPr>
           <p:spPr>
             <a:xfrm>
-              <a:off x="4620166" y="5534278"/>
+              <a:off x="5096618" y="5534316"/>
               <a:ext cx="63202" cy="63202"/>
             </a:xfrm>
             <a:custGeom>
@@ -27708,7 +27708,7 @@
           </p:nvSpPr>
           <p:spPr>
             <a:xfrm>
-              <a:off x="5097927" y="5329852"/>
+              <a:off x="4825060" y="5329804"/>
               <a:ext cx="63202" cy="63202"/>
             </a:xfrm>
             <a:custGeom>
@@ -27751,7 +27751,7 @@
           </p:nvSpPr>
           <p:spPr>
             <a:xfrm>
-              <a:off x="4941516" y="5340107"/>
+              <a:off x="4591794" y="5340124"/>
               <a:ext cx="63202" cy="63202"/>
             </a:xfrm>
             <a:custGeom>
@@ -27794,7 +27794,7 @@
           </p:nvSpPr>
           <p:spPr>
             <a:xfrm>
-              <a:off x="4612799" y="5349015"/>
+              <a:off x="5112401" y="5348981"/>
               <a:ext cx="63202" cy="63202"/>
             </a:xfrm>
             <a:custGeom>
@@ -27837,7 +27837,7 @@
           </p:nvSpPr>
           <p:spPr>
             <a:xfrm>
-              <a:off x="5101451" y="5373081"/>
+              <a:off x="4656135" y="5373055"/>
               <a:ext cx="63202" cy="63202"/>
             </a:xfrm>
             <a:custGeom>
@@ -27880,7 +27880,7 @@
           </p:nvSpPr>
           <p:spPr>
             <a:xfrm>
-              <a:off x="4506427" y="5377246"/>
+              <a:off x="4829528" y="5377196"/>
               <a:ext cx="63202" cy="63202"/>
             </a:xfrm>
             <a:custGeom>
@@ -27923,7 +27923,7 @@
           </p:nvSpPr>
           <p:spPr>
             <a:xfrm>
-              <a:off x="4665345" y="5318351"/>
+              <a:off x="4913834" y="5318316"/>
               <a:ext cx="63202" cy="63202"/>
             </a:xfrm>
             <a:custGeom>
@@ -27966,7 +27966,7 @@
           </p:nvSpPr>
           <p:spPr>
             <a:xfrm>
-              <a:off x="5029166" y="5353888"/>
+              <a:off x="4986462" y="5353892"/>
               <a:ext cx="63202" cy="63202"/>
             </a:xfrm>
             <a:custGeom>
@@ -28009,7 +28009,7 @@
           </p:nvSpPr>
           <p:spPr>
             <a:xfrm>
-              <a:off x="4764350" y="5361662"/>
+              <a:off x="4775397" y="5361587"/>
               <a:ext cx="63202" cy="63202"/>
             </a:xfrm>
             <a:custGeom>
@@ -28052,7 +28052,7 @@
           </p:nvSpPr>
           <p:spPr>
             <a:xfrm>
-              <a:off x="4939424" y="5434540"/>
+              <a:off x="4472026" y="5434535"/>
               <a:ext cx="63202" cy="63202"/>
             </a:xfrm>
             <a:custGeom>
@@ -28095,7 +28095,7 @@
           </p:nvSpPr>
           <p:spPr>
             <a:xfrm>
-              <a:off x="4943227" y="5337068"/>
+              <a:off x="5070843" y="5337058"/>
               <a:ext cx="63202" cy="63202"/>
             </a:xfrm>
             <a:custGeom>
@@ -28138,7 +28138,7 @@
           </p:nvSpPr>
           <p:spPr>
             <a:xfrm>
-              <a:off x="4825546" y="5338870"/>
+              <a:off x="4677304" y="5338846"/>
               <a:ext cx="63202" cy="63202"/>
             </a:xfrm>
             <a:custGeom>
@@ -28181,7 +28181,7 @@
           </p:nvSpPr>
           <p:spPr>
             <a:xfrm>
-              <a:off x="4788270" y="5421993"/>
+              <a:off x="5088189" y="5421930"/>
               <a:ext cx="63202" cy="63202"/>
             </a:xfrm>
             <a:custGeom>
@@ -28224,7 +28224,7 @@
           </p:nvSpPr>
           <p:spPr>
             <a:xfrm>
-              <a:off x="5124258" y="5348803"/>
+              <a:off x="4952499" y="5348789"/>
               <a:ext cx="63202" cy="63202"/>
             </a:xfrm>
             <a:custGeom>
@@ -28267,7 +28267,7 @@
           </p:nvSpPr>
           <p:spPr>
             <a:xfrm>
-              <a:off x="5061115" y="5355861"/>
+              <a:off x="4621049" y="5355867"/>
               <a:ext cx="63202" cy="63202"/>
             </a:xfrm>
             <a:custGeom>
@@ -28310,7 +28310,7 @@
           </p:nvSpPr>
           <p:spPr>
             <a:xfrm>
-              <a:off x="4510837" y="5372155"/>
+              <a:off x="4755004" y="5372084"/>
               <a:ext cx="63202" cy="63202"/>
             </a:xfrm>
             <a:custGeom>
@@ -28353,7 +28353,7 @@
           </p:nvSpPr>
           <p:spPr>
             <a:xfrm>
-              <a:off x="4987919" y="5363819"/>
+              <a:off x="4990347" y="5363812"/>
               <a:ext cx="63202" cy="63202"/>
             </a:xfrm>
             <a:custGeom>
@@ -28396,7 +28396,7 @@
           </p:nvSpPr>
           <p:spPr>
             <a:xfrm>
-              <a:off x="4501420" y="5367188"/>
+              <a:off x="4794659" y="5367168"/>
               <a:ext cx="63202" cy="63202"/>
             </a:xfrm>
             <a:custGeom>
@@ -28439,7 +28439,7 @@
           </p:nvSpPr>
           <p:spPr>
             <a:xfrm>
-              <a:off x="4745213" y="5381680"/>
+              <a:off x="5064722" y="5381623"/>
               <a:ext cx="63202" cy="63202"/>
             </a:xfrm>
             <a:custGeom>
@@ -28482,7 +28482,7 @@
           </p:nvSpPr>
           <p:spPr>
             <a:xfrm>
-              <a:off x="4719574" y="5377404"/>
+              <a:off x="4769467" y="5377409"/>
               <a:ext cx="63202" cy="63202"/>
             </a:xfrm>
             <a:custGeom>
@@ -28525,7 +28525,7 @@
           </p:nvSpPr>
           <p:spPr>
             <a:xfrm>
-              <a:off x="5029527" y="5360973"/>
+              <a:off x="4655003" y="5360954"/>
               <a:ext cx="63202" cy="63202"/>
             </a:xfrm>
             <a:custGeom>
@@ -28568,7 +28568,7 @@
           </p:nvSpPr>
           <p:spPr>
             <a:xfrm>
-              <a:off x="4988941" y="5378082"/>
+              <a:off x="4712023" y="5378032"/>
               <a:ext cx="63202" cy="63202"/>
             </a:xfrm>
             <a:custGeom>
@@ -28611,7 +28611,7 @@
           </p:nvSpPr>
           <p:spPr>
             <a:xfrm>
-              <a:off x="4878306" y="5379172"/>
+              <a:off x="5019066" y="5379148"/>
               <a:ext cx="63202" cy="63202"/>
             </a:xfrm>
             <a:custGeom>
@@ -28654,7 +28654,7 @@
           </p:nvSpPr>
           <p:spPr>
             <a:xfrm>
-              <a:off x="4527899" y="6240436"/>
+              <a:off x="4664823" y="6240477"/>
               <a:ext cx="63202" cy="63202"/>
             </a:xfrm>
             <a:custGeom>
@@ -28697,7 +28697,7 @@
           </p:nvSpPr>
           <p:spPr>
             <a:xfrm>
-              <a:off x="4830971" y="5376019"/>
+              <a:off x="4553481" y="5375971"/>
               <a:ext cx="63202" cy="63202"/>
             </a:xfrm>
             <a:custGeom>
@@ -28740,7 +28740,7 @@
           </p:nvSpPr>
           <p:spPr>
             <a:xfrm>
-              <a:off x="4862656" y="5356649"/>
+              <a:off x="4551290" y="5356621"/>
               <a:ext cx="63202" cy="63202"/>
             </a:xfrm>
             <a:custGeom>
@@ -28783,7 +28783,7 @@
           </p:nvSpPr>
           <p:spPr>
             <a:xfrm>
-              <a:off x="4855825" y="5411858"/>
+              <a:off x="5137572" y="5411825"/>
               <a:ext cx="63202" cy="63202"/>
             </a:xfrm>
             <a:custGeom>
@@ -28826,7 +28826,7 @@
           </p:nvSpPr>
           <p:spPr>
             <a:xfrm>
-              <a:off x="4834864" y="5376944"/>
+              <a:off x="4744359" y="5376944"/>
               <a:ext cx="63202" cy="63202"/>
             </a:xfrm>
             <a:custGeom>
@@ -28869,7 +28869,7 @@
           </p:nvSpPr>
           <p:spPr>
             <a:xfrm>
-              <a:off x="4576028" y="5373932"/>
+              <a:off x="4659548" y="5373870"/>
               <a:ext cx="63202" cy="63202"/>
             </a:xfrm>
             <a:custGeom>
@@ -28912,7 +28912,7 @@
           </p:nvSpPr>
           <p:spPr>
             <a:xfrm>
-              <a:off x="4478480" y="5348211"/>
+              <a:off x="4706983" y="5348181"/>
               <a:ext cx="63202" cy="63202"/>
             </a:xfrm>
             <a:custGeom>
@@ -28955,7 +28955,7 @@
           </p:nvSpPr>
           <p:spPr>
             <a:xfrm>
-              <a:off x="5008252" y="5348739"/>
+              <a:off x="4922858" y="5348663"/>
               <a:ext cx="63202" cy="63202"/>
             </a:xfrm>
             <a:custGeom>
@@ -28998,7 +28998,7 @@
           </p:nvSpPr>
           <p:spPr>
             <a:xfrm>
-              <a:off x="4831562" y="5349200"/>
+              <a:off x="4612341" y="5349157"/>
               <a:ext cx="63202" cy="63202"/>
             </a:xfrm>
             <a:custGeom>
@@ -29041,7 +29041,7 @@
           </p:nvSpPr>
           <p:spPr>
             <a:xfrm>
-              <a:off x="5019085" y="6303892"/>
+              <a:off x="4601688" y="6303916"/>
               <a:ext cx="63202" cy="63202"/>
             </a:xfrm>
             <a:custGeom>
@@ -29084,7 +29084,7 @@
           </p:nvSpPr>
           <p:spPr>
             <a:xfrm>
-              <a:off x="4792485" y="5980174"/>
+              <a:off x="4919260" y="5980213"/>
               <a:ext cx="63202" cy="63202"/>
             </a:xfrm>
             <a:custGeom>
@@ -29127,7 +29127,7 @@
           </p:nvSpPr>
           <p:spPr>
             <a:xfrm>
-              <a:off x="4745698" y="5973547"/>
+              <a:off x="4928993" y="5973572"/>
               <a:ext cx="63202" cy="63202"/>
             </a:xfrm>
             <a:custGeom>
@@ -29170,7 +29170,7 @@
           </p:nvSpPr>
           <p:spPr>
             <a:xfrm>
-              <a:off x="4878224" y="6107714"/>
+              <a:off x="4710849" y="6107707"/>
               <a:ext cx="63202" cy="63202"/>
             </a:xfrm>
             <a:custGeom>
@@ -29213,7 +29213,7 @@
           </p:nvSpPr>
           <p:spPr>
             <a:xfrm>
-              <a:off x="4617551" y="5358541"/>
+              <a:off x="4951773" y="5358510"/>
               <a:ext cx="63202" cy="63202"/>
             </a:xfrm>
             <a:custGeom>
@@ -29256,7 +29256,7 @@
           </p:nvSpPr>
           <p:spPr>
             <a:xfrm>
-              <a:off x="5457040" y="6626879"/>
+              <a:off x="5358867" y="6626864"/>
               <a:ext cx="63202" cy="63202"/>
             </a:xfrm>
             <a:custGeom>
@@ -29299,7 +29299,7 @@
           </p:nvSpPr>
           <p:spPr>
             <a:xfrm>
-              <a:off x="5000037" y="5784880"/>
+              <a:off x="4483074" y="5784864"/>
               <a:ext cx="63202" cy="63202"/>
             </a:xfrm>
             <a:custGeom>
@@ -29342,7 +29342,7 @@
           </p:nvSpPr>
           <p:spPr>
             <a:xfrm>
-              <a:off x="4564307" y="5357025"/>
+              <a:off x="5008349" y="5356985"/>
               <a:ext cx="63202" cy="63202"/>
             </a:xfrm>
             <a:custGeom>
@@ -29385,7 +29385,7 @@
           </p:nvSpPr>
           <p:spPr>
             <a:xfrm>
-              <a:off x="4746518" y="5335415"/>
+              <a:off x="5053855" y="5335346"/>
               <a:ext cx="63202" cy="63202"/>
             </a:xfrm>
             <a:custGeom>
@@ -29428,7 +29428,7 @@
           </p:nvSpPr>
           <p:spPr>
             <a:xfrm>
-              <a:off x="5030803" y="5401556"/>
+              <a:off x="5039193" y="5401533"/>
               <a:ext cx="63202" cy="63202"/>
             </a:xfrm>
             <a:custGeom>
@@ -29471,7 +29471,7 @@
           </p:nvSpPr>
           <p:spPr>
             <a:xfrm>
-              <a:off x="4855625" y="5340122"/>
+              <a:off x="5156138" y="5340091"/>
               <a:ext cx="63202" cy="63202"/>
             </a:xfrm>
             <a:custGeom>
@@ -29514,7 +29514,7 @@
           </p:nvSpPr>
           <p:spPr>
             <a:xfrm>
-              <a:off x="4883329" y="5363707"/>
+              <a:off x="4817022" y="5363683"/>
               <a:ext cx="63202" cy="63202"/>
             </a:xfrm>
             <a:custGeom>
@@ -29557,7 +29557,7 @@
           </p:nvSpPr>
           <p:spPr>
             <a:xfrm>
-              <a:off x="5032551" y="5349381"/>
+              <a:off x="4544670" y="5349326"/>
               <a:ext cx="63202" cy="63202"/>
             </a:xfrm>
             <a:custGeom>
@@ -29600,7 +29600,7 @@
           </p:nvSpPr>
           <p:spPr>
             <a:xfrm>
-              <a:off x="4899125" y="5466723"/>
+              <a:off x="5135583" y="5466670"/>
               <a:ext cx="63202" cy="63202"/>
             </a:xfrm>
             <a:custGeom>
@@ -29643,7 +29643,7 @@
           </p:nvSpPr>
           <p:spPr>
             <a:xfrm>
-              <a:off x="4749703" y="5343981"/>
+              <a:off x="4915238" y="5344004"/>
               <a:ext cx="63202" cy="63202"/>
             </a:xfrm>
             <a:custGeom>
@@ -29686,7 +29686,7 @@
           </p:nvSpPr>
           <p:spPr>
             <a:xfrm>
-              <a:off x="4672598" y="5429676"/>
+              <a:off x="5096249" y="5429686"/>
               <a:ext cx="63202" cy="63202"/>
             </a:xfrm>
             <a:custGeom>
@@ -29729,7 +29729,7 @@
           </p:nvSpPr>
           <p:spPr>
             <a:xfrm>
-              <a:off x="4767927" y="5349779"/>
+              <a:off x="5019755" y="5349728"/>
               <a:ext cx="63202" cy="63202"/>
             </a:xfrm>
             <a:custGeom>
@@ -29772,7 +29772,7 @@
           </p:nvSpPr>
           <p:spPr>
             <a:xfrm>
-              <a:off x="4812195" y="5365488"/>
+              <a:off x="5038989" y="5365487"/>
               <a:ext cx="63202" cy="63202"/>
             </a:xfrm>
             <a:custGeom>
@@ -29815,7 +29815,7 @@
           </p:nvSpPr>
           <p:spPr>
             <a:xfrm>
-              <a:off x="5135530" y="5318063"/>
+              <a:off x="4910271" y="5317982"/>
               <a:ext cx="63202" cy="63202"/>
             </a:xfrm>
             <a:custGeom>
@@ -29858,7 +29858,7 @@
           </p:nvSpPr>
           <p:spPr>
             <a:xfrm>
-              <a:off x="4931712" y="5373656"/>
+              <a:off x="4771783" y="5373651"/>
               <a:ext cx="63202" cy="63202"/>
             </a:xfrm>
             <a:custGeom>
@@ -29901,7 +29901,7 @@
           </p:nvSpPr>
           <p:spPr>
             <a:xfrm>
-              <a:off x="5043243" y="5374386"/>
+              <a:off x="5038603" y="5374339"/>
               <a:ext cx="63202" cy="63202"/>
             </a:xfrm>
             <a:custGeom>
@@ -29944,7 +29944,7 @@
           </p:nvSpPr>
           <p:spPr>
             <a:xfrm>
-              <a:off x="5095649" y="5372915"/>
+              <a:off x="4517116" y="5372855"/>
               <a:ext cx="63202" cy="63202"/>
             </a:xfrm>
             <a:custGeom>
@@ -29987,7 +29987,7 @@
           </p:nvSpPr>
           <p:spPr>
             <a:xfrm>
-              <a:off x="5105915" y="5372765"/>
+              <a:off x="5044667" y="5372769"/>
               <a:ext cx="63202" cy="63202"/>
             </a:xfrm>
             <a:custGeom>
@@ -30030,7 +30030,7 @@
           </p:nvSpPr>
           <p:spPr>
             <a:xfrm>
-              <a:off x="4815131" y="5371007"/>
+              <a:off x="4482310" y="5370978"/>
               <a:ext cx="63202" cy="63202"/>
             </a:xfrm>
             <a:custGeom>
@@ -30073,7 +30073,7 @@
           </p:nvSpPr>
           <p:spPr>
             <a:xfrm>
-              <a:off x="4680565" y="5385716"/>
+              <a:off x="4924229" y="5385703"/>
               <a:ext cx="63202" cy="63202"/>
             </a:xfrm>
             <a:custGeom>
@@ -30116,7 +30116,7 @@
           </p:nvSpPr>
           <p:spPr>
             <a:xfrm>
-              <a:off x="5033158" y="5502188"/>
+              <a:off x="4762080" y="5502180"/>
               <a:ext cx="63202" cy="63202"/>
             </a:xfrm>
             <a:custGeom>
@@ -30159,7 +30159,7 @@
           </p:nvSpPr>
           <p:spPr>
             <a:xfrm>
-              <a:off x="4901994" y="5360782"/>
+              <a:off x="4497872" y="5360737"/>
               <a:ext cx="63202" cy="63202"/>
             </a:xfrm>
             <a:custGeom>
@@ -30202,7 +30202,7 @@
           </p:nvSpPr>
           <p:spPr>
             <a:xfrm>
-              <a:off x="4854334" y="5348889"/>
+              <a:off x="4901328" y="5348879"/>
               <a:ext cx="63202" cy="63202"/>
             </a:xfrm>
             <a:custGeom>
@@ -30245,7 +30245,7 @@
           </p:nvSpPr>
           <p:spPr>
             <a:xfrm>
-              <a:off x="4633402" y="5592959"/>
+              <a:off x="5060079" y="5592947"/>
               <a:ext cx="63202" cy="63202"/>
             </a:xfrm>
             <a:custGeom>
@@ -30288,7 +30288,7 @@
           </p:nvSpPr>
           <p:spPr>
             <a:xfrm>
-              <a:off x="4618619" y="5441535"/>
+              <a:off x="4832986" y="5441460"/>
               <a:ext cx="63202" cy="63202"/>
             </a:xfrm>
             <a:custGeom>
@@ -30331,7 +30331,7 @@
           </p:nvSpPr>
           <p:spPr>
             <a:xfrm>
-              <a:off x="4897263" y="5368827"/>
+              <a:off x="4976366" y="5368796"/>
               <a:ext cx="63202" cy="63202"/>
             </a:xfrm>
             <a:custGeom>
@@ -30374,7 +30374,7 @@
           </p:nvSpPr>
           <p:spPr>
             <a:xfrm>
-              <a:off x="4852524" y="5337041"/>
+              <a:off x="4739502" y="5337015"/>
               <a:ext cx="63202" cy="63202"/>
             </a:xfrm>
             <a:custGeom>
@@ -30417,7 +30417,7 @@
           </p:nvSpPr>
           <p:spPr>
             <a:xfrm>
-              <a:off x="4505095" y="5358244"/>
+              <a:off x="5000783" y="5358201"/>
               <a:ext cx="63202" cy="63202"/>
             </a:xfrm>
             <a:custGeom>
@@ -30460,7 +30460,7 @@
           </p:nvSpPr>
           <p:spPr>
             <a:xfrm>
-              <a:off x="4602299" y="5514048"/>
+              <a:off x="5060918" y="5514036"/>
               <a:ext cx="63202" cy="63202"/>
             </a:xfrm>
             <a:custGeom>
@@ -30503,7 +30503,7 @@
           </p:nvSpPr>
           <p:spPr>
             <a:xfrm>
-              <a:off x="5153936" y="5386458"/>
+              <a:off x="4661454" y="5386453"/>
               <a:ext cx="63202" cy="63202"/>
             </a:xfrm>
             <a:custGeom>
@@ -30546,7 +30546,7 @@
           </p:nvSpPr>
           <p:spPr>
             <a:xfrm>
-              <a:off x="5128000" y="5466722"/>
+              <a:off x="4958110" y="5466720"/>
               <a:ext cx="63202" cy="63202"/>
             </a:xfrm>
             <a:custGeom>
@@ -30589,7 +30589,7 @@
           </p:nvSpPr>
           <p:spPr>
             <a:xfrm>
-              <a:off x="4556142" y="5383643"/>
+              <a:off x="4760711" y="5383623"/>
               <a:ext cx="63202" cy="63202"/>
             </a:xfrm>
             <a:custGeom>
@@ -30688,7 +30688,7 @@
           </p:nvSpPr>
           <p:spPr>
             <a:xfrm>
-              <a:off x="7192078" y="2850739"/>
+              <a:off x="7192078" y="2850779"/>
               <a:ext cx="2796732" cy="0"/>
             </a:xfrm>
             <a:custGeom>
@@ -30731,7 +30731,7 @@
           </p:nvSpPr>
           <p:spPr>
             <a:xfrm>
-              <a:off x="7192078" y="2378719"/>
+              <a:off x="7192078" y="2378736"/>
               <a:ext cx="2796732" cy="0"/>
             </a:xfrm>
             <a:custGeom>
@@ -30774,7 +30774,7 @@
           </p:nvSpPr>
           <p:spPr>
             <a:xfrm>
-              <a:off x="7192078" y="1906698"/>
+              <a:off x="7192078" y="1906693"/>
               <a:ext cx="2796732" cy="0"/>
             </a:xfrm>
             <a:custGeom>
@@ -30817,7 +30817,7 @@
           </p:nvSpPr>
           <p:spPr>
             <a:xfrm>
-              <a:off x="7192078" y="1434678"/>
+              <a:off x="7192078" y="1434651"/>
               <a:ext cx="2796732" cy="0"/>
             </a:xfrm>
             <a:custGeom>
@@ -30860,7 +30860,7 @@
           </p:nvSpPr>
           <p:spPr>
             <a:xfrm>
-              <a:off x="7192078" y="2614729"/>
+              <a:off x="7192078" y="2614757"/>
               <a:ext cx="2796732" cy="0"/>
             </a:xfrm>
             <a:custGeom>
@@ -30903,7 +30903,7 @@
           </p:nvSpPr>
           <p:spPr>
             <a:xfrm>
-              <a:off x="7192078" y="2142709"/>
+              <a:off x="7192078" y="2142715"/>
               <a:ext cx="2796732" cy="0"/>
             </a:xfrm>
             <a:custGeom>
@@ -30946,7 +30946,7 @@
           </p:nvSpPr>
           <p:spPr>
             <a:xfrm>
-              <a:off x="7192078" y="1670688"/>
+              <a:off x="7192078" y="1670672"/>
               <a:ext cx="2796732" cy="0"/>
             </a:xfrm>
             <a:custGeom>
@@ -31118,7 +31118,7 @@
           </p:nvSpPr>
           <p:spPr>
             <a:xfrm>
-              <a:off x="7826793" y="2541578"/>
+              <a:off x="7650661" y="2541639"/>
               <a:ext cx="63202" cy="63202"/>
             </a:xfrm>
             <a:custGeom>
@@ -31161,7 +31161,7 @@
           </p:nvSpPr>
           <p:spPr>
             <a:xfrm>
-              <a:off x="7352685" y="2383097"/>
+              <a:off x="7737621" y="2383128"/>
               <a:ext cx="63202" cy="63202"/>
             </a:xfrm>
             <a:custGeom>
@@ -31204,7 +31204,7 @@
           </p:nvSpPr>
           <p:spPr>
             <a:xfrm>
-              <a:off x="7941048" y="2106181"/>
+              <a:off x="7513386" y="2106181"/>
               <a:ext cx="63202" cy="63202"/>
             </a:xfrm>
             <a:custGeom>
@@ -31247,7 +31247,7 @@
           </p:nvSpPr>
           <p:spPr>
             <a:xfrm>
-              <a:off x="7797858" y="2223726"/>
+              <a:off x="7497965" y="2223738"/>
               <a:ext cx="63202" cy="63202"/>
             </a:xfrm>
             <a:custGeom>
@@ -31290,7 +31290,7 @@
           </p:nvSpPr>
           <p:spPr>
             <a:xfrm>
-              <a:off x="7948461" y="2151605"/>
+              <a:off x="7462987" y="2151614"/>
               <a:ext cx="63202" cy="63202"/>
             </a:xfrm>
             <a:custGeom>
@@ -31333,7 +31333,7 @@
           </p:nvSpPr>
           <p:spPr>
             <a:xfrm>
-              <a:off x="7664380" y="1773883"/>
+              <a:off x="7391832" y="1773890"/>
               <a:ext cx="63202" cy="63202"/>
             </a:xfrm>
             <a:custGeom>
@@ -31376,7 +31376,7 @@
           </p:nvSpPr>
           <p:spPr>
             <a:xfrm>
-              <a:off x="7485558" y="2347781"/>
+              <a:off x="7357990" y="2347799"/>
               <a:ext cx="63202" cy="63202"/>
             </a:xfrm>
             <a:custGeom>
@@ -31419,7 +31419,7 @@
           </p:nvSpPr>
           <p:spPr>
             <a:xfrm>
-              <a:off x="7465305" y="2386861"/>
+              <a:off x="7727883" y="2386909"/>
               <a:ext cx="63202" cy="63202"/>
             </a:xfrm>
             <a:custGeom>
@@ -31462,7 +31462,7 @@
           </p:nvSpPr>
           <p:spPr>
             <a:xfrm>
-              <a:off x="7883290" y="2151262"/>
+              <a:off x="7422556" y="2151269"/>
               <a:ext cx="63202" cy="63202"/>
             </a:xfrm>
             <a:custGeom>
@@ -31505,7 +31505,7 @@
           </p:nvSpPr>
           <p:spPr>
             <a:xfrm>
-              <a:off x="7486024" y="2172585"/>
+              <a:off x="7552525" y="2172567"/>
               <a:ext cx="63202" cy="63202"/>
             </a:xfrm>
             <a:custGeom>
@@ -31548,7 +31548,7 @@
           </p:nvSpPr>
           <p:spPr>
             <a:xfrm>
-              <a:off x="7595932" y="2349969"/>
+              <a:off x="7941018" y="2349941"/>
               <a:ext cx="63202" cy="63202"/>
             </a:xfrm>
             <a:custGeom>
@@ -31591,7 +31591,7 @@
           </p:nvSpPr>
           <p:spPr>
             <a:xfrm>
-              <a:off x="7986160" y="2632276"/>
+              <a:off x="7675745" y="2632309"/>
               <a:ext cx="63202" cy="63202"/>
             </a:xfrm>
             <a:custGeom>
@@ -31634,7 +31634,7 @@
           </p:nvSpPr>
           <p:spPr>
             <a:xfrm>
-              <a:off x="7480814" y="2443474"/>
+              <a:off x="7448992" y="2443516"/>
               <a:ext cx="63202" cy="63202"/>
             </a:xfrm>
             <a:custGeom>
@@ -31677,7 +31677,7 @@
           </p:nvSpPr>
           <p:spPr>
             <a:xfrm>
-              <a:off x="7881677" y="2356714"/>
+              <a:off x="7381326" y="2356748"/>
               <a:ext cx="63202" cy="63202"/>
             </a:xfrm>
             <a:custGeom>
@@ -31720,7 +31720,7 @@
           </p:nvSpPr>
           <p:spPr>
             <a:xfrm>
-              <a:off x="7506234" y="2350977"/>
+              <a:off x="7840373" y="2351006"/>
               <a:ext cx="63202" cy="63202"/>
             </a:xfrm>
             <a:custGeom>
@@ -31763,7 +31763,7 @@
           </p:nvSpPr>
           <p:spPr>
             <a:xfrm>
-              <a:off x="7428516" y="2573023"/>
+              <a:off x="7416724" y="2573059"/>
               <a:ext cx="63202" cy="63202"/>
             </a:xfrm>
             <a:custGeom>
@@ -31806,7 +31806,7 @@
           </p:nvSpPr>
           <p:spPr>
             <a:xfrm>
-              <a:off x="7408937" y="2364488"/>
+              <a:off x="7759390" y="2364496"/>
               <a:ext cx="63202" cy="63202"/>
             </a:xfrm>
             <a:custGeom>
@@ -31849,7 +31849,7 @@
           </p:nvSpPr>
           <p:spPr>
             <a:xfrm>
-              <a:off x="7801271" y="2220539"/>
+              <a:off x="7368281" y="2220516"/>
               <a:ext cx="63202" cy="63202"/>
             </a:xfrm>
             <a:custGeom>
@@ -31892,7 +31892,7 @@
           </p:nvSpPr>
           <p:spPr>
             <a:xfrm>
-              <a:off x="7600844" y="2514105"/>
+              <a:off x="7879688" y="2514121"/>
               <a:ext cx="63202" cy="63202"/>
             </a:xfrm>
             <a:custGeom>
@@ -31935,7 +31935,7 @@
           </p:nvSpPr>
           <p:spPr>
             <a:xfrm>
-              <a:off x="7534959" y="2324103"/>
+              <a:off x="7836652" y="2324100"/>
               <a:ext cx="63202" cy="63202"/>
             </a:xfrm>
             <a:custGeom>
@@ -31978,7 +31978,7 @@
           </p:nvSpPr>
           <p:spPr>
             <a:xfrm>
-              <a:off x="7488496" y="2315777"/>
+              <a:off x="7562271" y="2315795"/>
               <a:ext cx="63202" cy="63202"/>
             </a:xfrm>
             <a:custGeom>
@@ -32021,7 +32021,7 @@
           </p:nvSpPr>
           <p:spPr>
             <a:xfrm>
-              <a:off x="8011206" y="2382672"/>
+              <a:off x="8026909" y="2382750"/>
               <a:ext cx="63202" cy="63202"/>
             </a:xfrm>
             <a:custGeom>
@@ -32064,7 +32064,7 @@
           </p:nvSpPr>
           <p:spPr>
             <a:xfrm>
-              <a:off x="7419158" y="2559462"/>
+              <a:off x="7599555" y="2559444"/>
               <a:ext cx="63202" cy="63202"/>
             </a:xfrm>
             <a:custGeom>
@@ -32107,7 +32107,7 @@
           </p:nvSpPr>
           <p:spPr>
             <a:xfrm>
-              <a:off x="7374307" y="2387496"/>
+              <a:off x="7974796" y="2387539"/>
               <a:ext cx="63202" cy="63202"/>
             </a:xfrm>
             <a:custGeom>
@@ -32150,7 +32150,7 @@
           </p:nvSpPr>
           <p:spPr>
             <a:xfrm>
-              <a:off x="7680014" y="2348903"/>
+              <a:off x="7984514" y="2348894"/>
               <a:ext cx="63202" cy="63202"/>
             </a:xfrm>
             <a:custGeom>
@@ -32193,7 +32193,7 @@
           </p:nvSpPr>
           <p:spPr>
             <a:xfrm>
-              <a:off x="7517297" y="1774256"/>
+              <a:off x="7831896" y="1774242"/>
               <a:ext cx="63202" cy="63202"/>
             </a:xfrm>
             <a:custGeom>
@@ -32236,7 +32236,7 @@
           </p:nvSpPr>
           <p:spPr>
             <a:xfrm>
-              <a:off x="7607561" y="2361014"/>
+              <a:off x="7708055" y="2361000"/>
               <a:ext cx="63202" cy="63202"/>
             </a:xfrm>
             <a:custGeom>
@@ -32279,7 +32279,7 @@
           </p:nvSpPr>
           <p:spPr>
             <a:xfrm>
-              <a:off x="7551421" y="2352773"/>
+              <a:off x="7866481" y="2352808"/>
               <a:ext cx="63202" cy="63202"/>
             </a:xfrm>
             <a:custGeom>
@@ -32322,7 +32322,7 @@
           </p:nvSpPr>
           <p:spPr>
             <a:xfrm>
-              <a:off x="7778213" y="1771148"/>
+              <a:off x="7482020" y="1771111"/>
               <a:ext cx="63202" cy="63202"/>
             </a:xfrm>
             <a:custGeom>
@@ -32365,7 +32365,7 @@
           </p:nvSpPr>
           <p:spPr>
             <a:xfrm>
-              <a:off x="7956737" y="2228903"/>
+              <a:off x="7959433" y="2228924"/>
               <a:ext cx="63202" cy="63202"/>
             </a:xfrm>
             <a:custGeom>
@@ -32408,7 +32408,7 @@
           </p:nvSpPr>
           <p:spPr>
             <a:xfrm>
-              <a:off x="7408225" y="2269891"/>
+              <a:off x="7845721" y="2269920"/>
               <a:ext cx="63202" cy="63202"/>
             </a:xfrm>
             <a:custGeom>
@@ -32451,7 +32451,7 @@
           </p:nvSpPr>
           <p:spPr>
             <a:xfrm>
-              <a:off x="7729041" y="2290680"/>
+              <a:off x="7461141" y="2290714"/>
               <a:ext cx="63202" cy="63202"/>
             </a:xfrm>
             <a:custGeom>
@@ -32494,7 +32494,7 @@
           </p:nvSpPr>
           <p:spPr>
             <a:xfrm>
-              <a:off x="7525891" y="2265275"/>
+              <a:off x="7539659" y="2265292"/>
               <a:ext cx="63202" cy="63202"/>
             </a:xfrm>
             <a:custGeom>
@@ -32537,7 +32537,7 @@
           </p:nvSpPr>
           <p:spPr>
             <a:xfrm>
-              <a:off x="7955020" y="2267474"/>
+              <a:off x="7448004" y="2267448"/>
               <a:ext cx="63202" cy="63202"/>
             </a:xfrm>
             <a:custGeom>
@@ -32580,7 +32580,7 @@
           </p:nvSpPr>
           <p:spPr>
             <a:xfrm>
-              <a:off x="7379712" y="2265683"/>
+              <a:off x="7986799" y="2265661"/>
               <a:ext cx="63202" cy="63202"/>
             </a:xfrm>
             <a:custGeom>
@@ -32623,7 +32623,7 @@
           </p:nvSpPr>
           <p:spPr>
             <a:xfrm>
-              <a:off x="7496127" y="2315216"/>
+              <a:off x="7566543" y="2315221"/>
               <a:ext cx="63202" cy="63202"/>
             </a:xfrm>
             <a:custGeom>
@@ -32666,7 +32666,7 @@
           </p:nvSpPr>
           <p:spPr>
             <a:xfrm>
-              <a:off x="7530338" y="2318220"/>
+              <a:off x="7650192" y="2318272"/>
               <a:ext cx="63202" cy="63202"/>
             </a:xfrm>
             <a:custGeom>
@@ -32709,7 +32709,7 @@
           </p:nvSpPr>
           <p:spPr>
             <a:xfrm>
-              <a:off x="7851620" y="2439808"/>
+              <a:off x="7882965" y="2439809"/>
               <a:ext cx="63202" cy="63202"/>
             </a:xfrm>
             <a:custGeom>
@@ -32752,7 +32752,7 @@
           </p:nvSpPr>
           <p:spPr>
             <a:xfrm>
-              <a:off x="7661925" y="2368230"/>
+              <a:off x="7879620" y="2368265"/>
               <a:ext cx="63202" cy="63202"/>
             </a:xfrm>
             <a:custGeom>
@@ -32795,7 +32795,7 @@
           </p:nvSpPr>
           <p:spPr>
             <a:xfrm>
-              <a:off x="7776332" y="2223727"/>
+              <a:off x="7604995" y="2223712"/>
               <a:ext cx="63202" cy="63202"/>
             </a:xfrm>
             <a:custGeom>
@@ -32838,7 +32838,7 @@
           </p:nvSpPr>
           <p:spPr>
             <a:xfrm>
-              <a:off x="7919806" y="2546774"/>
+              <a:off x="7581256" y="2546777"/>
               <a:ext cx="63202" cy="63202"/>
             </a:xfrm>
             <a:custGeom>
@@ -32881,7 +32881,7 @@
           </p:nvSpPr>
           <p:spPr>
             <a:xfrm>
-              <a:off x="7805585" y="2401316"/>
+              <a:off x="7755428" y="2401339"/>
               <a:ext cx="63202" cy="63202"/>
             </a:xfrm>
             <a:custGeom>
@@ -32924,7 +32924,7 @@
           </p:nvSpPr>
           <p:spPr>
             <a:xfrm>
-              <a:off x="7831549" y="2222132"/>
+              <a:off x="7954394" y="2222173"/>
               <a:ext cx="63202" cy="63202"/>
             </a:xfrm>
             <a:custGeom>
@@ -32967,7 +32967,7 @@
           </p:nvSpPr>
           <p:spPr>
             <a:xfrm>
-              <a:off x="7862196" y="2220503"/>
+              <a:off x="7461056" y="2220526"/>
               <a:ext cx="63202" cy="63202"/>
             </a:xfrm>
             <a:custGeom>
@@ -33010,7 +33010,7 @@
           </p:nvSpPr>
           <p:spPr>
             <a:xfrm>
-              <a:off x="7550472" y="2311406"/>
+              <a:off x="7959649" y="2311476"/>
               <a:ext cx="63202" cy="63202"/>
             </a:xfrm>
             <a:custGeom>
@@ -33053,7 +33053,7 @@
           </p:nvSpPr>
           <p:spPr>
             <a:xfrm>
-              <a:off x="7714693" y="2221712"/>
+              <a:off x="7840231" y="2221788"/>
               <a:ext cx="63202" cy="63202"/>
             </a:xfrm>
             <a:custGeom>
@@ -33096,7 +33096,7 @@
           </p:nvSpPr>
           <p:spPr>
             <a:xfrm>
-              <a:off x="7880732" y="2151634"/>
+              <a:off x="7440323" y="2151636"/>
               <a:ext cx="63202" cy="63202"/>
             </a:xfrm>
             <a:custGeom>
@@ -33195,7 +33195,7 @@
           </p:nvSpPr>
           <p:spPr>
             <a:xfrm>
-              <a:off x="7192078" y="4776072"/>
+              <a:off x="7192078" y="4776111"/>
               <a:ext cx="2796732" cy="0"/>
             </a:xfrm>
             <a:custGeom>
@@ -33238,7 +33238,7 @@
           </p:nvSpPr>
           <p:spPr>
             <a:xfrm>
-              <a:off x="7192078" y="4304051"/>
+              <a:off x="7192078" y="4304069"/>
               <a:ext cx="2796732" cy="0"/>
             </a:xfrm>
             <a:custGeom>
@@ -33281,7 +33281,7 @@
           </p:nvSpPr>
           <p:spPr>
             <a:xfrm>
-              <a:off x="7192078" y="3832031"/>
+              <a:off x="7192078" y="3832026"/>
               <a:ext cx="2796732" cy="0"/>
             </a:xfrm>
             <a:custGeom>
@@ -33324,7 +33324,7 @@
           </p:nvSpPr>
           <p:spPr>
             <a:xfrm>
-              <a:off x="7192078" y="3360011"/>
+              <a:off x="7192078" y="3359983"/>
               <a:ext cx="2796732" cy="0"/>
             </a:xfrm>
             <a:custGeom>
@@ -33367,7 +33367,7 @@
           </p:nvSpPr>
           <p:spPr>
             <a:xfrm>
-              <a:off x="7192078" y="4540061"/>
+              <a:off x="7192078" y="4540090"/>
               <a:ext cx="2796732" cy="0"/>
             </a:xfrm>
             <a:custGeom>
@@ -33410,7 +33410,7 @@
           </p:nvSpPr>
           <p:spPr>
             <a:xfrm>
-              <a:off x="7192078" y="4068041"/>
+              <a:off x="7192078" y="4068047"/>
               <a:ext cx="2796732" cy="0"/>
             </a:xfrm>
             <a:custGeom>
@@ -33453,7 +33453,7 @@
           </p:nvSpPr>
           <p:spPr>
             <a:xfrm>
-              <a:off x="7192078" y="3596021"/>
+              <a:off x="7192078" y="3596005"/>
               <a:ext cx="2796732" cy="0"/>
             </a:xfrm>
             <a:custGeom>
@@ -33625,7 +33625,7 @@
           </p:nvSpPr>
           <p:spPr>
             <a:xfrm>
-              <a:off x="7451438" y="4037446"/>
+              <a:off x="7744380" y="4037461"/>
               <a:ext cx="63202" cy="63202"/>
             </a:xfrm>
             <a:custGeom>
@@ -33668,7 +33668,7 @@
           </p:nvSpPr>
           <p:spPr>
             <a:xfrm>
-              <a:off x="7799168" y="4021778"/>
+              <a:off x="7998883" y="4021827"/>
               <a:ext cx="63202" cy="63202"/>
             </a:xfrm>
             <a:custGeom>
@@ -33711,7 +33711,7 @@
           </p:nvSpPr>
           <p:spPr>
             <a:xfrm>
-              <a:off x="7426886" y="4238209"/>
+              <a:off x="7828657" y="4238167"/>
               <a:ext cx="63202" cy="63202"/>
             </a:xfrm>
             <a:custGeom>
@@ -33754,7 +33754,7 @@
           </p:nvSpPr>
           <p:spPr>
             <a:xfrm>
-              <a:off x="8486323" y="4712020"/>
+              <a:off x="8430712" y="4712049"/>
               <a:ext cx="63202" cy="63202"/>
             </a:xfrm>
             <a:custGeom>
@@ -33797,7 +33797,7 @@
           </p:nvSpPr>
           <p:spPr>
             <a:xfrm>
-              <a:off x="7774862" y="4162948"/>
+              <a:off x="7531837" y="4162955"/>
               <a:ext cx="63202" cy="63202"/>
             </a:xfrm>
             <a:custGeom>
@@ -33840,7 +33840,7 @@
           </p:nvSpPr>
           <p:spPr>
             <a:xfrm>
-              <a:off x="7485471" y="3980804"/>
+              <a:off x="7789032" y="3980833"/>
               <a:ext cx="63202" cy="63202"/>
             </a:xfrm>
             <a:custGeom>
@@ -33883,7 +33883,7 @@
           </p:nvSpPr>
           <p:spPr>
             <a:xfrm>
-              <a:off x="7534372" y="4197992"/>
+              <a:off x="7399192" y="4198011"/>
               <a:ext cx="63202" cy="63202"/>
             </a:xfrm>
             <a:custGeom>
@@ -33926,7 +33926,7 @@
           </p:nvSpPr>
           <p:spPr>
             <a:xfrm>
-              <a:off x="7501419" y="4137245"/>
+              <a:off x="7367101" y="4137250"/>
               <a:ext cx="63202" cy="63202"/>
             </a:xfrm>
             <a:custGeom>
@@ -33969,7 +33969,7 @@
           </p:nvSpPr>
           <p:spPr>
             <a:xfrm>
-              <a:off x="7924169" y="4265775"/>
+              <a:off x="7395667" y="4265737"/>
               <a:ext cx="63202" cy="63202"/>
             </a:xfrm>
             <a:custGeom>
@@ -34012,7 +34012,7 @@
           </p:nvSpPr>
           <p:spPr>
             <a:xfrm>
-              <a:off x="7519431" y="4030750"/>
+              <a:off x="7599924" y="4030799"/>
               <a:ext cx="63202" cy="63202"/>
             </a:xfrm>
             <a:custGeom>
@@ -34055,7 +34055,7 @@
           </p:nvSpPr>
           <p:spPr>
             <a:xfrm>
-              <a:off x="7433461" y="4019093"/>
+              <a:off x="7649419" y="4019099"/>
               <a:ext cx="63202" cy="63202"/>
             </a:xfrm>
             <a:custGeom>
@@ -34098,7 +34098,7 @@
           </p:nvSpPr>
           <p:spPr>
             <a:xfrm>
-              <a:off x="7491624" y="4132413"/>
+              <a:off x="7987654" y="4132450"/>
               <a:ext cx="63202" cy="63202"/>
             </a:xfrm>
             <a:custGeom>
@@ -34141,7 +34141,7 @@
           </p:nvSpPr>
           <p:spPr>
             <a:xfrm>
-              <a:off x="7738482" y="3972775"/>
+              <a:off x="7449511" y="3972850"/>
               <a:ext cx="63202" cy="63202"/>
             </a:xfrm>
             <a:custGeom>
@@ -34184,7 +34184,7 @@
           </p:nvSpPr>
           <p:spPr>
             <a:xfrm>
-              <a:off x="7666032" y="4088352"/>
+              <a:off x="7708986" y="4088406"/>
               <a:ext cx="63202" cy="63202"/>
             </a:xfrm>
             <a:custGeom>
@@ -35679,7 +35679,7 @@
           </p:nvSpPr>
           <p:spPr>
             <a:xfrm>
-              <a:off x="1210339" y="2573037"/>
+              <a:off x="1210339" y="2573066"/>
               <a:ext cx="186466" cy="81691"/>
             </a:xfrm>
             <a:prstGeom prst="rect">
@@ -35725,7 +35725,7 @@
           </p:nvSpPr>
           <p:spPr>
             <a:xfrm>
-              <a:off x="1148183" y="2101017"/>
+              <a:off x="1148183" y="2101023"/>
               <a:ext cx="248622" cy="81691"/>
             </a:xfrm>
             <a:prstGeom prst="rect">
@@ -35771,7 +35771,7 @@
           </p:nvSpPr>
           <p:spPr>
             <a:xfrm>
-              <a:off x="1148183" y="1628996"/>
+              <a:off x="1148183" y="1628980"/>
               <a:ext cx="248622" cy="81691"/>
             </a:xfrm>
             <a:prstGeom prst="rect">
@@ -35817,7 +35817,7 @@
           </p:nvSpPr>
           <p:spPr>
             <a:xfrm>
-              <a:off x="1424641" y="2614729"/>
+              <a:off x="1424641" y="2614757"/>
               <a:ext cx="34794" cy="0"/>
             </a:xfrm>
             <a:custGeom>
@@ -35857,7 +35857,7 @@
           </p:nvSpPr>
           <p:spPr>
             <a:xfrm>
-              <a:off x="1424641" y="2142709"/>
+              <a:off x="1424641" y="2142715"/>
               <a:ext cx="34794" cy="0"/>
             </a:xfrm>
             <a:custGeom>
@@ -35897,7 +35897,7 @@
           </p:nvSpPr>
           <p:spPr>
             <a:xfrm>
-              <a:off x="1424641" y="1670688"/>
+              <a:off x="1424641" y="1670672"/>
               <a:ext cx="34794" cy="0"/>
             </a:xfrm>
             <a:custGeom>
@@ -35937,7 +35937,7 @@
           </p:nvSpPr>
           <p:spPr>
             <a:xfrm>
-              <a:off x="1210339" y="4498370"/>
+              <a:off x="1210339" y="4498398"/>
               <a:ext cx="186466" cy="81691"/>
             </a:xfrm>
             <a:prstGeom prst="rect">
@@ -35983,7 +35983,7 @@
           </p:nvSpPr>
           <p:spPr>
             <a:xfrm>
-              <a:off x="1148183" y="4026349"/>
+              <a:off x="1148183" y="4026356"/>
               <a:ext cx="248622" cy="81691"/>
             </a:xfrm>
             <a:prstGeom prst="rect">
@@ -36029,7 +36029,7 @@
           </p:nvSpPr>
           <p:spPr>
             <a:xfrm>
-              <a:off x="1148183" y="3554329"/>
+              <a:off x="1148183" y="3554313"/>
               <a:ext cx="248622" cy="81691"/>
             </a:xfrm>
             <a:prstGeom prst="rect">
@@ -36075,7 +36075,7 @@
           </p:nvSpPr>
           <p:spPr>
             <a:xfrm>
-              <a:off x="1424641" y="4540061"/>
+              <a:off x="1424641" y="4540090"/>
               <a:ext cx="34794" cy="0"/>
             </a:xfrm>
             <a:custGeom>
@@ -36115,7 +36115,7 @@
           </p:nvSpPr>
           <p:spPr>
             <a:xfrm>
-              <a:off x="1424641" y="4068041"/>
+              <a:off x="1424641" y="4068047"/>
               <a:ext cx="34794" cy="0"/>
             </a:xfrm>
             <a:custGeom>
@@ -36155,7 +36155,7 @@
           </p:nvSpPr>
           <p:spPr>
             <a:xfrm>
-              <a:off x="1424641" y="3596021"/>
+              <a:off x="1424641" y="3596005"/>
               <a:ext cx="34794" cy="0"/>
             </a:xfrm>
             <a:custGeom>
@@ -36195,7 +36195,7 @@
           </p:nvSpPr>
           <p:spPr>
             <a:xfrm>
-              <a:off x="1210339" y="6423702"/>
+              <a:off x="1210339" y="6423731"/>
               <a:ext cx="186466" cy="81691"/>
             </a:xfrm>
             <a:prstGeom prst="rect">
@@ -36241,7 +36241,7 @@
           </p:nvSpPr>
           <p:spPr>
             <a:xfrm>
-              <a:off x="1148183" y="5951682"/>
+              <a:off x="1148183" y="5951688"/>
               <a:ext cx="248622" cy="81691"/>
             </a:xfrm>
             <a:prstGeom prst="rect">
@@ -36287,7 +36287,7 @@
           </p:nvSpPr>
           <p:spPr>
             <a:xfrm>
-              <a:off x="1148183" y="5479662"/>
+              <a:off x="1148183" y="5479645"/>
               <a:ext cx="248622" cy="81691"/>
             </a:xfrm>
             <a:prstGeom prst="rect">
@@ -36333,7 +36333,7 @@
           </p:nvSpPr>
           <p:spPr>
             <a:xfrm>
-              <a:off x="1424641" y="6465394"/>
+              <a:off x="1424641" y="6465423"/>
               <a:ext cx="34794" cy="0"/>
             </a:xfrm>
             <a:custGeom>
@@ -36373,7 +36373,7 @@
           </p:nvSpPr>
           <p:spPr>
             <a:xfrm>
-              <a:off x="1424641" y="5993374"/>
+              <a:off x="1424641" y="5993380"/>
               <a:ext cx="34794" cy="0"/>
             </a:xfrm>
             <a:custGeom>
@@ -36413,7 +36413,7 @@
           </p:nvSpPr>
           <p:spPr>
             <a:xfrm>
-              <a:off x="1424641" y="5521353"/>
+              <a:off x="1424641" y="5521337"/>
               <a:ext cx="34794" cy="0"/>
             </a:xfrm>
             <a:custGeom>

--- a/Images/Figures_PPT/Jitter_Plot_Raptor_Domain.pptx
+++ b/Images/Figures_PPT/Jitter_Plot_Raptor_Domain.pptx
@@ -2359,7 +2359,7 @@
           </p:nvSpPr>
           <p:spPr>
             <a:xfrm>
-              <a:off x="1459435" y="2850779"/>
+              <a:off x="1459435" y="2850753"/>
               <a:ext cx="2796732" cy="0"/>
             </a:xfrm>
             <a:custGeom>
@@ -2445,7 +2445,7 @@
           </p:nvSpPr>
           <p:spPr>
             <a:xfrm>
-              <a:off x="1459435" y="1906693"/>
+              <a:off x="1459435" y="1906719"/>
               <a:ext cx="2796732" cy="0"/>
             </a:xfrm>
             <a:custGeom>
@@ -2488,7 +2488,7 @@
           </p:nvSpPr>
           <p:spPr>
             <a:xfrm>
-              <a:off x="1459435" y="1434651"/>
+              <a:off x="1459435" y="1434702"/>
               <a:ext cx="2796732" cy="0"/>
             </a:xfrm>
             <a:custGeom>
@@ -2531,7 +2531,7 @@
           </p:nvSpPr>
           <p:spPr>
             <a:xfrm>
-              <a:off x="1459435" y="2614757"/>
+              <a:off x="1459435" y="2614744"/>
               <a:ext cx="2796732" cy="0"/>
             </a:xfrm>
             <a:custGeom>
@@ -2574,7 +2574,7 @@
           </p:nvSpPr>
           <p:spPr>
             <a:xfrm>
-              <a:off x="1459435" y="2142715"/>
+              <a:off x="1459435" y="2142727"/>
               <a:ext cx="2796732" cy="0"/>
             </a:xfrm>
             <a:custGeom>
@@ -2617,7 +2617,7 @@
           </p:nvSpPr>
           <p:spPr>
             <a:xfrm>
-              <a:off x="1459435" y="1670672"/>
+              <a:off x="1459435" y="1670711"/>
               <a:ext cx="2796732" cy="0"/>
             </a:xfrm>
             <a:custGeom>
@@ -2789,7 +2789,7 @@
           </p:nvSpPr>
           <p:spPr>
             <a:xfrm>
-              <a:off x="3497822" y="2744477"/>
+              <a:off x="3754932" y="2744474"/>
               <a:ext cx="63202" cy="63202"/>
             </a:xfrm>
             <a:custGeom>
@@ -2832,7 +2832,7 @@
           </p:nvSpPr>
           <p:spPr>
             <a:xfrm>
-              <a:off x="1815355" y="2736095"/>
+              <a:off x="1995695" y="2736074"/>
               <a:ext cx="63202" cy="63202"/>
             </a:xfrm>
             <a:custGeom>
@@ -2875,7 +2875,7 @@
           </p:nvSpPr>
           <p:spPr>
             <a:xfrm>
-              <a:off x="2228076" y="2681176"/>
+              <a:off x="2017890" y="2681101"/>
               <a:ext cx="63202" cy="63202"/>
             </a:xfrm>
             <a:custGeom>
@@ -2918,7 +2918,7 @@
           </p:nvSpPr>
           <p:spPr>
             <a:xfrm>
-              <a:off x="3067843" y="2846442"/>
+              <a:off x="2686911" y="2846448"/>
               <a:ext cx="63202" cy="63202"/>
             </a:xfrm>
             <a:custGeom>
@@ -2961,7 +2961,7 @@
           </p:nvSpPr>
           <p:spPr>
             <a:xfrm>
-              <a:off x="1635301" y="2759593"/>
+              <a:off x="1826920" y="2759609"/>
               <a:ext cx="63202" cy="63202"/>
             </a:xfrm>
             <a:custGeom>
@@ -3004,7 +3004,7 @@
           </p:nvSpPr>
           <p:spPr>
             <a:xfrm>
-              <a:off x="2570874" y="2845517"/>
+              <a:off x="3045073" y="2845454"/>
               <a:ext cx="63202" cy="63202"/>
             </a:xfrm>
             <a:custGeom>
@@ -3103,7 +3103,7 @@
           </p:nvSpPr>
           <p:spPr>
             <a:xfrm>
-              <a:off x="1459435" y="4776111"/>
+              <a:off x="1459435" y="4776085"/>
               <a:ext cx="2796732" cy="0"/>
             </a:xfrm>
             <a:custGeom>
@@ -3146,7 +3146,7 @@
           </p:nvSpPr>
           <p:spPr>
             <a:xfrm>
-              <a:off x="1459435" y="4304069"/>
+              <a:off x="1459435" y="4304068"/>
               <a:ext cx="2796732" cy="0"/>
             </a:xfrm>
             <a:custGeom>
@@ -3189,7 +3189,7 @@
           </p:nvSpPr>
           <p:spPr>
             <a:xfrm>
-              <a:off x="1459435" y="3832026"/>
+              <a:off x="1459435" y="3832052"/>
               <a:ext cx="2796732" cy="0"/>
             </a:xfrm>
             <a:custGeom>
@@ -3232,7 +3232,7 @@
           </p:nvSpPr>
           <p:spPr>
             <a:xfrm>
-              <a:off x="1459435" y="3359983"/>
+              <a:off x="1459435" y="3360035"/>
               <a:ext cx="2796732" cy="0"/>
             </a:xfrm>
             <a:custGeom>
@@ -3275,7 +3275,7 @@
           </p:nvSpPr>
           <p:spPr>
             <a:xfrm>
-              <a:off x="1459435" y="4540090"/>
+              <a:off x="1459435" y="4540077"/>
               <a:ext cx="2796732" cy="0"/>
             </a:xfrm>
             <a:custGeom>
@@ -3318,7 +3318,7 @@
           </p:nvSpPr>
           <p:spPr>
             <a:xfrm>
-              <a:off x="1459435" y="4068047"/>
+              <a:off x="1459435" y="4068060"/>
               <a:ext cx="2796732" cy="0"/>
             </a:xfrm>
             <a:custGeom>
@@ -3361,7 +3361,7 @@
           </p:nvSpPr>
           <p:spPr>
             <a:xfrm>
-              <a:off x="1459435" y="3596005"/>
+              <a:off x="1459435" y="3596043"/>
               <a:ext cx="2796732" cy="0"/>
             </a:xfrm>
             <a:custGeom>
@@ -3533,7 +3533,7 @@
           </p:nvSpPr>
           <p:spPr>
             <a:xfrm>
-              <a:off x="1739242" y="4162179"/>
+              <a:off x="2032576" y="4162222"/>
               <a:ext cx="63202" cy="63202"/>
             </a:xfrm>
             <a:custGeom>
@@ -3576,7 +3576,7 @@
           </p:nvSpPr>
           <p:spPr>
             <a:xfrm>
-              <a:off x="1705916" y="4506229"/>
+              <a:off x="1823839" y="4506222"/>
               <a:ext cx="63202" cy="63202"/>
             </a:xfrm>
             <a:custGeom>
@@ -3619,7 +3619,7 @@
           </p:nvSpPr>
           <p:spPr>
             <a:xfrm>
-              <a:off x="1723357" y="4162185"/>
+              <a:off x="1608559" y="4162183"/>
               <a:ext cx="63202" cy="63202"/>
             </a:xfrm>
             <a:custGeom>
@@ -3662,7 +3662,7 @@
           </p:nvSpPr>
           <p:spPr>
             <a:xfrm>
-              <a:off x="1739991" y="4355732"/>
+              <a:off x="1604111" y="4355721"/>
               <a:ext cx="63202" cy="63202"/>
             </a:xfrm>
             <a:custGeom>
@@ -3705,7 +3705,7 @@
           </p:nvSpPr>
           <p:spPr>
             <a:xfrm>
-              <a:off x="1667293" y="4258681"/>
+              <a:off x="1958405" y="4258685"/>
               <a:ext cx="63202" cy="63202"/>
             </a:xfrm>
             <a:custGeom>
@@ -3748,7 +3748,7 @@
           </p:nvSpPr>
           <p:spPr>
             <a:xfrm>
-              <a:off x="2749129" y="4806667"/>
+              <a:off x="3162348" y="4806568"/>
               <a:ext cx="63202" cy="63202"/>
             </a:xfrm>
             <a:custGeom>
@@ -3791,7 +3791,7 @@
           </p:nvSpPr>
           <p:spPr>
             <a:xfrm>
-              <a:off x="2120697" y="4354856"/>
+              <a:off x="2220777" y="4354848"/>
               <a:ext cx="63202" cy="63202"/>
             </a:xfrm>
             <a:custGeom>
@@ -3834,7 +3834,7 @@
           </p:nvSpPr>
           <p:spPr>
             <a:xfrm>
-              <a:off x="2181823" y="4421762"/>
+              <a:off x="2299907" y="4421686"/>
               <a:ext cx="63202" cy="63202"/>
             </a:xfrm>
             <a:custGeom>
@@ -3877,7 +3877,7 @@
           </p:nvSpPr>
           <p:spPr>
             <a:xfrm>
-              <a:off x="2246703" y="4520949"/>
+              <a:off x="1941082" y="4520928"/>
               <a:ext cx="63202" cy="63202"/>
             </a:xfrm>
             <a:custGeom>
@@ -3920,7 +3920,7 @@
           </p:nvSpPr>
           <p:spPr>
             <a:xfrm>
-              <a:off x="2841474" y="4726566"/>
+              <a:off x="2872436" y="4726512"/>
               <a:ext cx="63202" cy="63202"/>
             </a:xfrm>
             <a:custGeom>
@@ -3963,7 +3963,7 @@
           </p:nvSpPr>
           <p:spPr>
             <a:xfrm>
-              <a:off x="2705869" y="4704965"/>
+              <a:off x="2817128" y="4704917"/>
               <a:ext cx="63202" cy="63202"/>
             </a:xfrm>
             <a:custGeom>
@@ -4006,7 +4006,7 @@
           </p:nvSpPr>
           <p:spPr>
             <a:xfrm>
-              <a:off x="2222098" y="4599309"/>
+              <a:off x="2088563" y="4599263"/>
               <a:ext cx="63202" cy="63202"/>
             </a:xfrm>
             <a:custGeom>
@@ -4049,7 +4049,7 @@
           </p:nvSpPr>
           <p:spPr>
             <a:xfrm>
-              <a:off x="1927771" y="4449614"/>
+              <a:off x="2238402" y="4449577"/>
               <a:ext cx="63202" cy="63202"/>
             </a:xfrm>
             <a:custGeom>
@@ -4092,7 +4092,7 @@
           </p:nvSpPr>
           <p:spPr>
             <a:xfrm>
-              <a:off x="2702065" y="4701465"/>
+              <a:off x="2995945" y="4701403"/>
               <a:ext cx="63202" cy="63202"/>
             </a:xfrm>
             <a:custGeom>
@@ -4135,7 +4135,7 @@
           </p:nvSpPr>
           <p:spPr>
             <a:xfrm>
-              <a:off x="2511554" y="4765451"/>
+              <a:off x="2895069" y="4765411"/>
               <a:ext cx="63202" cy="63202"/>
             </a:xfrm>
             <a:custGeom>
@@ -4178,7 +4178,7 @@
           </p:nvSpPr>
           <p:spPr>
             <a:xfrm>
-              <a:off x="1797206" y="3937147"/>
+              <a:off x="1782402" y="3937120"/>
               <a:ext cx="63202" cy="63202"/>
             </a:xfrm>
             <a:custGeom>
@@ -4221,7 +4221,7 @@
           </p:nvSpPr>
           <p:spPr>
             <a:xfrm>
-              <a:off x="1706574" y="4656108"/>
+              <a:off x="1798699" y="4656130"/>
               <a:ext cx="63202" cy="63202"/>
             </a:xfrm>
             <a:custGeom>
@@ -4264,7 +4264,7 @@
           </p:nvSpPr>
           <p:spPr>
             <a:xfrm>
-              <a:off x="1689405" y="3973737"/>
+              <a:off x="2265500" y="3973788"/>
               <a:ext cx="63202" cy="63202"/>
             </a:xfrm>
             <a:custGeom>
@@ -4307,7 +4307,7 @@
           </p:nvSpPr>
           <p:spPr>
             <a:xfrm>
-              <a:off x="2066315" y="4474031"/>
+              <a:off x="1999475" y="4474031"/>
               <a:ext cx="63202" cy="63202"/>
             </a:xfrm>
             <a:custGeom>
@@ -4350,7 +4350,7 @@
           </p:nvSpPr>
           <p:spPr>
             <a:xfrm>
-              <a:off x="1659263" y="4552378"/>
+              <a:off x="1955417" y="4552373"/>
               <a:ext cx="63202" cy="63202"/>
             </a:xfrm>
             <a:custGeom>
@@ -4393,7 +4393,7 @@
           </p:nvSpPr>
           <p:spPr>
             <a:xfrm>
-              <a:off x="2058548" y="4519321"/>
+              <a:off x="1642878" y="4519301"/>
               <a:ext cx="63202" cy="63202"/>
             </a:xfrm>
             <a:custGeom>
@@ -4436,7 +4436,7 @@
           </p:nvSpPr>
           <p:spPr>
             <a:xfrm>
-              <a:off x="2982301" y="4789278"/>
+              <a:off x="2886238" y="4789243"/>
               <a:ext cx="63202" cy="63202"/>
             </a:xfrm>
             <a:custGeom>
@@ -4535,7 +4535,7 @@
           </p:nvSpPr>
           <p:spPr>
             <a:xfrm>
-              <a:off x="1459435" y="6701444"/>
+              <a:off x="1459435" y="6701418"/>
               <a:ext cx="2796732" cy="0"/>
             </a:xfrm>
             <a:custGeom>
@@ -4621,7 +4621,7 @@
           </p:nvSpPr>
           <p:spPr>
             <a:xfrm>
-              <a:off x="1459435" y="5757358"/>
+              <a:off x="1459435" y="5757384"/>
               <a:ext cx="2796732" cy="0"/>
             </a:xfrm>
             <a:custGeom>
@@ -4664,7 +4664,7 @@
           </p:nvSpPr>
           <p:spPr>
             <a:xfrm>
-              <a:off x="1459435" y="5285316"/>
+              <a:off x="1459435" y="5285367"/>
               <a:ext cx="2796732" cy="0"/>
             </a:xfrm>
             <a:custGeom>
@@ -4707,7 +4707,7 @@
           </p:nvSpPr>
           <p:spPr>
             <a:xfrm>
-              <a:off x="1459435" y="6465423"/>
+              <a:off x="1459435" y="6465409"/>
               <a:ext cx="2796732" cy="0"/>
             </a:xfrm>
             <a:custGeom>
@@ -4750,7 +4750,7 @@
           </p:nvSpPr>
           <p:spPr>
             <a:xfrm>
-              <a:off x="1459435" y="5993380"/>
+              <a:off x="1459435" y="5993393"/>
               <a:ext cx="2796732" cy="0"/>
             </a:xfrm>
             <a:custGeom>
@@ -4793,7 +4793,7 @@
           </p:nvSpPr>
           <p:spPr>
             <a:xfrm>
-              <a:off x="1459435" y="5521337"/>
+              <a:off x="1459435" y="5521376"/>
               <a:ext cx="2796732" cy="0"/>
             </a:xfrm>
             <a:custGeom>
@@ -4965,7 +4965,7 @@
           </p:nvSpPr>
           <p:spPr>
             <a:xfrm>
-              <a:off x="2281111" y="5625341"/>
+              <a:off x="1646527" y="5625309"/>
               <a:ext cx="63202" cy="63202"/>
             </a:xfrm>
             <a:custGeom>
@@ -5008,7 +5008,7 @@
           </p:nvSpPr>
           <p:spPr>
             <a:xfrm>
-              <a:off x="2114227" y="5620521"/>
+              <a:off x="1688490" y="5620489"/>
               <a:ext cx="63202" cy="63202"/>
             </a:xfrm>
             <a:custGeom>
@@ -5051,7 +5051,7 @@
           </p:nvSpPr>
           <p:spPr>
             <a:xfrm>
-              <a:off x="2275992" y="5617749"/>
+              <a:off x="2160776" y="5617786"/>
               <a:ext cx="63202" cy="63202"/>
             </a:xfrm>
             <a:custGeom>
@@ -5094,7 +5094,7 @@
           </p:nvSpPr>
           <p:spPr>
             <a:xfrm>
-              <a:off x="1918864" y="5794481"/>
+              <a:off x="1829371" y="5794477"/>
               <a:ext cx="63202" cy="63202"/>
             </a:xfrm>
             <a:custGeom>
@@ -5137,7 +5137,7 @@
           </p:nvSpPr>
           <p:spPr>
             <a:xfrm>
-              <a:off x="1971026" y="5922668"/>
+              <a:off x="2055341" y="5922693"/>
               <a:ext cx="63202" cy="63202"/>
             </a:xfrm>
             <a:custGeom>
@@ -5180,7 +5180,7 @@
           </p:nvSpPr>
           <p:spPr>
             <a:xfrm>
-              <a:off x="2028304" y="5859415"/>
+              <a:off x="2138609" y="5859434"/>
               <a:ext cx="63202" cy="63202"/>
             </a:xfrm>
             <a:custGeom>
@@ -5223,7 +5223,7 @@
           </p:nvSpPr>
           <p:spPr>
             <a:xfrm>
-              <a:off x="2041282" y="5766163"/>
+              <a:off x="1895449" y="5766207"/>
               <a:ext cx="63202" cy="63202"/>
             </a:xfrm>
             <a:custGeom>
@@ -5266,7 +5266,7 @@
           </p:nvSpPr>
           <p:spPr>
             <a:xfrm>
-              <a:off x="2245993" y="5743377"/>
+              <a:off x="1864117" y="5743451"/>
               <a:ext cx="63202" cy="63202"/>
             </a:xfrm>
             <a:custGeom>
@@ -5309,7 +5309,7 @@
           </p:nvSpPr>
           <p:spPr>
             <a:xfrm>
-              <a:off x="1873536" y="6356407"/>
+              <a:off x="1860834" y="6356385"/>
               <a:ext cx="63202" cy="63202"/>
             </a:xfrm>
             <a:custGeom>
@@ -5352,7 +5352,7 @@
           </p:nvSpPr>
           <p:spPr>
             <a:xfrm>
-              <a:off x="1769252" y="5766761"/>
+              <a:off x="2259822" y="5766734"/>
               <a:ext cx="63202" cy="63202"/>
             </a:xfrm>
             <a:custGeom>
@@ -5395,7 +5395,7 @@
           </p:nvSpPr>
           <p:spPr>
             <a:xfrm>
-              <a:off x="1775716" y="5900141"/>
+              <a:off x="1789435" y="5900122"/>
               <a:ext cx="63202" cy="63202"/>
             </a:xfrm>
             <a:custGeom>
@@ -5438,7 +5438,7 @@
           </p:nvSpPr>
           <p:spPr>
             <a:xfrm>
-              <a:off x="1923523" y="5942698"/>
+              <a:off x="2200267" y="5942757"/>
               <a:ext cx="63202" cy="63202"/>
             </a:xfrm>
             <a:custGeom>
@@ -5481,7 +5481,7 @@
           </p:nvSpPr>
           <p:spPr>
             <a:xfrm>
-              <a:off x="1937220" y="5748706"/>
+              <a:off x="1692323" y="5748725"/>
               <a:ext cx="63202" cy="63202"/>
             </a:xfrm>
             <a:custGeom>
@@ -5524,7 +5524,7 @@
           </p:nvSpPr>
           <p:spPr>
             <a:xfrm>
-              <a:off x="2006196" y="5845714"/>
+              <a:off x="2035113" y="5845782"/>
               <a:ext cx="63202" cy="63202"/>
             </a:xfrm>
             <a:custGeom>
@@ -5567,7 +5567,7 @@
           </p:nvSpPr>
           <p:spPr>
             <a:xfrm>
-              <a:off x="1611305" y="6201643"/>
+              <a:off x="1619485" y="6201633"/>
               <a:ext cx="63202" cy="63202"/>
             </a:xfrm>
             <a:custGeom>
@@ -5610,7 +5610,7 @@
           </p:nvSpPr>
           <p:spPr>
             <a:xfrm>
-              <a:off x="2267989" y="5865013"/>
+              <a:off x="1618661" y="5864991"/>
               <a:ext cx="63202" cy="63202"/>
             </a:xfrm>
             <a:custGeom>
@@ -5653,7 +5653,7 @@
           </p:nvSpPr>
           <p:spPr>
             <a:xfrm>
-              <a:off x="1936158" y="5764276"/>
+              <a:off x="1665371" y="5764269"/>
               <a:ext cx="63202" cy="63202"/>
             </a:xfrm>
             <a:custGeom>
@@ -5696,7 +5696,7 @@
           </p:nvSpPr>
           <p:spPr>
             <a:xfrm>
-              <a:off x="1956177" y="5854802"/>
+              <a:off x="2234129" y="5854863"/>
               <a:ext cx="63202" cy="63202"/>
             </a:xfrm>
             <a:custGeom>
@@ -5739,7 +5739,7 @@
           </p:nvSpPr>
           <p:spPr>
             <a:xfrm>
-              <a:off x="2025525" y="6401615"/>
+              <a:off x="1674042" y="6401613"/>
               <a:ext cx="63202" cy="63202"/>
             </a:xfrm>
             <a:custGeom>
@@ -5782,7 +5782,7 @@
           </p:nvSpPr>
           <p:spPr>
             <a:xfrm>
-              <a:off x="2240107" y="5861669"/>
+              <a:off x="1852829" y="5861714"/>
               <a:ext cx="63202" cy="63202"/>
             </a:xfrm>
             <a:custGeom>
@@ -5825,7 +5825,7 @@
           </p:nvSpPr>
           <p:spPr>
             <a:xfrm>
-              <a:off x="1632257" y="5907671"/>
+              <a:off x="1833245" y="5907714"/>
               <a:ext cx="63202" cy="63202"/>
             </a:xfrm>
             <a:custGeom>
@@ -5868,7 +5868,7 @@
           </p:nvSpPr>
           <p:spPr>
             <a:xfrm>
-              <a:off x="1863463" y="6189110"/>
+              <a:off x="2091816" y="6189079"/>
               <a:ext cx="63202" cy="63202"/>
             </a:xfrm>
             <a:custGeom>
@@ -5911,7 +5911,7 @@
           </p:nvSpPr>
           <p:spPr>
             <a:xfrm>
-              <a:off x="2115073" y="5729557"/>
+              <a:off x="2143808" y="5729570"/>
               <a:ext cx="63202" cy="63202"/>
             </a:xfrm>
             <a:custGeom>
@@ -5954,7 +5954,7 @@
           </p:nvSpPr>
           <p:spPr>
             <a:xfrm>
-              <a:off x="1695833" y="5706628"/>
+              <a:off x="2066913" y="5706612"/>
               <a:ext cx="63202" cy="63202"/>
             </a:xfrm>
             <a:custGeom>
@@ -5997,7 +5997,7 @@
           </p:nvSpPr>
           <p:spPr>
             <a:xfrm>
-              <a:off x="1649379" y="6424676"/>
+              <a:off x="1748009" y="6424680"/>
               <a:ext cx="63202" cy="63202"/>
             </a:xfrm>
             <a:custGeom>
@@ -6040,7 +6040,7 @@
           </p:nvSpPr>
           <p:spPr>
             <a:xfrm>
-              <a:off x="1781017" y="6441905"/>
+              <a:off x="1759746" y="6441911"/>
               <a:ext cx="63202" cy="63202"/>
             </a:xfrm>
             <a:custGeom>
@@ -6083,7 +6083,7 @@
           </p:nvSpPr>
           <p:spPr>
             <a:xfrm>
-              <a:off x="2266471" y="6570624"/>
+              <a:off x="1907559" y="6570618"/>
               <a:ext cx="63202" cy="63202"/>
             </a:xfrm>
             <a:custGeom>
@@ -6126,7 +6126,7 @@
           </p:nvSpPr>
           <p:spPr>
             <a:xfrm>
-              <a:off x="2142672" y="5917045"/>
+              <a:off x="1843123" y="5917019"/>
               <a:ext cx="63202" cy="63202"/>
             </a:xfrm>
             <a:custGeom>
@@ -6169,7 +6169,7 @@
           </p:nvSpPr>
           <p:spPr>
             <a:xfrm>
-              <a:off x="1805444" y="5876729"/>
+              <a:off x="1894461" y="5876764"/>
               <a:ext cx="63202" cy="63202"/>
             </a:xfrm>
             <a:custGeom>
@@ -6212,7 +6212,7 @@
           </p:nvSpPr>
           <p:spPr>
             <a:xfrm>
-              <a:off x="1998976" y="6264750"/>
+              <a:off x="1608561" y="6264738"/>
               <a:ext cx="63202" cy="63202"/>
             </a:xfrm>
             <a:custGeom>
@@ -6255,7 +6255,7 @@
           </p:nvSpPr>
           <p:spPr>
             <a:xfrm>
-              <a:off x="1817202" y="5875562"/>
+              <a:off x="2271099" y="5875608"/>
               <a:ext cx="63202" cy="63202"/>
             </a:xfrm>
             <a:custGeom>
@@ -6298,7 +6298,7 @@
           </p:nvSpPr>
           <p:spPr>
             <a:xfrm>
-              <a:off x="2199567" y="6237379"/>
+              <a:off x="2003322" y="6237373"/>
               <a:ext cx="63202" cy="63202"/>
             </a:xfrm>
             <a:custGeom>
@@ -6341,7 +6341,7 @@
           </p:nvSpPr>
           <p:spPr>
             <a:xfrm>
-              <a:off x="1959483" y="6232071"/>
+              <a:off x="2111491" y="6232082"/>
               <a:ext cx="63202" cy="63202"/>
             </a:xfrm>
             <a:custGeom>
@@ -6384,7 +6384,7 @@
           </p:nvSpPr>
           <p:spPr>
             <a:xfrm>
-              <a:off x="1657263" y="5991198"/>
+              <a:off x="1656850" y="5991252"/>
               <a:ext cx="63202" cy="63202"/>
             </a:xfrm>
             <a:custGeom>
@@ -6427,7 +6427,7 @@
           </p:nvSpPr>
           <p:spPr>
             <a:xfrm>
-              <a:off x="2177827" y="5885051"/>
+              <a:off x="1977724" y="5885055"/>
               <a:ext cx="63202" cy="63202"/>
             </a:xfrm>
             <a:custGeom>
@@ -6470,7 +6470,7 @@
           </p:nvSpPr>
           <p:spPr>
             <a:xfrm>
-              <a:off x="1686894" y="6061273"/>
+              <a:off x="1742627" y="6061297"/>
               <a:ext cx="63202" cy="63202"/>
             </a:xfrm>
             <a:custGeom>
@@ -6513,7 +6513,7 @@
           </p:nvSpPr>
           <p:spPr>
             <a:xfrm>
-              <a:off x="2151017" y="6607807"/>
+              <a:off x="2184943" y="6607817"/>
               <a:ext cx="63202" cy="63202"/>
             </a:xfrm>
             <a:custGeom>
@@ -6556,7 +6556,7 @@
           </p:nvSpPr>
           <p:spPr>
             <a:xfrm>
-              <a:off x="1902298" y="6052441"/>
+              <a:off x="1736856" y="6052386"/>
               <a:ext cx="63202" cy="63202"/>
             </a:xfrm>
             <a:custGeom>
@@ -6599,7 +6599,7 @@
           </p:nvSpPr>
           <p:spPr>
             <a:xfrm>
-              <a:off x="2263878" y="6268617"/>
+              <a:off x="2233564" y="6268611"/>
               <a:ext cx="63202" cy="63202"/>
             </a:xfrm>
             <a:custGeom>
@@ -6642,7 +6642,7 @@
           </p:nvSpPr>
           <p:spPr>
             <a:xfrm>
-              <a:off x="2300846" y="5679873"/>
+              <a:off x="2188548" y="5679913"/>
               <a:ext cx="63202" cy="63202"/>
             </a:xfrm>
             <a:custGeom>
@@ -6685,7 +6685,7 @@
           </p:nvSpPr>
           <p:spPr>
             <a:xfrm>
-              <a:off x="2196104" y="5849328"/>
+              <a:off x="2088739" y="5849352"/>
               <a:ext cx="63202" cy="63202"/>
             </a:xfrm>
             <a:custGeom>
@@ -6728,7 +6728,7 @@
           </p:nvSpPr>
           <p:spPr>
             <a:xfrm>
-              <a:off x="1639617" y="5968026"/>
+              <a:off x="2008454" y="5967998"/>
               <a:ext cx="63202" cy="63202"/>
             </a:xfrm>
             <a:custGeom>
@@ -6771,7 +6771,7 @@
           </p:nvSpPr>
           <p:spPr>
             <a:xfrm>
-              <a:off x="1963663" y="5862018"/>
+              <a:off x="1917532" y="5861993"/>
               <a:ext cx="63202" cy="63202"/>
             </a:xfrm>
             <a:custGeom>
@@ -6814,7 +6814,7 @@
           </p:nvSpPr>
           <p:spPr>
             <a:xfrm>
-              <a:off x="2169548" y="5625086"/>
+              <a:off x="2274839" y="5625160"/>
               <a:ext cx="63202" cy="63202"/>
             </a:xfrm>
             <a:custGeom>
@@ -6857,7 +6857,7 @@
           </p:nvSpPr>
           <p:spPr>
             <a:xfrm>
-              <a:off x="1954268" y="6410042"/>
+              <a:off x="1630281" y="6409983"/>
               <a:ext cx="63202" cy="63202"/>
             </a:xfrm>
             <a:custGeom>
@@ -6900,7 +6900,7 @@
           </p:nvSpPr>
           <p:spPr>
             <a:xfrm>
-              <a:off x="2106515" y="5911768"/>
+              <a:off x="1701493" y="5911739"/>
               <a:ext cx="63202" cy="63202"/>
             </a:xfrm>
             <a:custGeom>
@@ -6943,7 +6943,7 @@
           </p:nvSpPr>
           <p:spPr>
             <a:xfrm>
-              <a:off x="1613475" y="5968175"/>
+              <a:off x="1991853" y="5968238"/>
               <a:ext cx="63202" cy="63202"/>
             </a:xfrm>
             <a:custGeom>
@@ -6986,7 +6986,7 @@
           </p:nvSpPr>
           <p:spPr>
             <a:xfrm>
-              <a:off x="1764662" y="5611641"/>
+              <a:off x="1971640" y="5611642"/>
               <a:ext cx="63202" cy="63202"/>
             </a:xfrm>
             <a:custGeom>
@@ -7029,7 +7029,7 @@
           </p:nvSpPr>
           <p:spPr>
             <a:xfrm>
-              <a:off x="1643515" y="6256971"/>
+              <a:off x="2084227" y="6256975"/>
               <a:ext cx="63202" cy="63202"/>
             </a:xfrm>
             <a:custGeom>
@@ -7072,7 +7072,7 @@
           </p:nvSpPr>
           <p:spPr>
             <a:xfrm>
-              <a:off x="2061391" y="5861616"/>
+              <a:off x="1720656" y="5861635"/>
               <a:ext cx="63202" cy="63202"/>
             </a:xfrm>
             <a:custGeom>
@@ -7115,7 +7115,7 @@
           </p:nvSpPr>
           <p:spPr>
             <a:xfrm>
-              <a:off x="2476954" y="6641443"/>
+              <a:off x="2934283" y="6641439"/>
               <a:ext cx="63202" cy="63202"/>
             </a:xfrm>
             <a:custGeom>
@@ -7158,7 +7158,7 @@
           </p:nvSpPr>
           <p:spPr>
             <a:xfrm>
-              <a:off x="2120881" y="5681563"/>
+              <a:off x="2160377" y="5681611"/>
               <a:ext cx="63202" cy="63202"/>
             </a:xfrm>
             <a:custGeom>
@@ -7201,7 +7201,7 @@
           </p:nvSpPr>
           <p:spPr>
             <a:xfrm>
-              <a:off x="1747023" y="5942792"/>
+              <a:off x="2128376" y="5942821"/>
               <a:ext cx="63202" cy="63202"/>
             </a:xfrm>
             <a:custGeom>
@@ -7244,7 +7244,7 @@
           </p:nvSpPr>
           <p:spPr>
             <a:xfrm>
-              <a:off x="2090830" y="5712066"/>
+              <a:off x="2064327" y="5712065"/>
               <a:ext cx="63202" cy="63202"/>
             </a:xfrm>
             <a:custGeom>
@@ -7287,7 +7287,7 @@
           </p:nvSpPr>
           <p:spPr>
             <a:xfrm>
-              <a:off x="1658775" y="5849303"/>
+              <a:off x="2246772" y="5849341"/>
               <a:ext cx="63202" cy="63202"/>
             </a:xfrm>
             <a:custGeom>
@@ -7330,7 +7330,7 @@
           </p:nvSpPr>
           <p:spPr>
             <a:xfrm>
-              <a:off x="2699079" y="6672783"/>
+              <a:off x="2788345" y="6672777"/>
               <a:ext cx="63202" cy="63202"/>
             </a:xfrm>
             <a:custGeom>
@@ -7373,7 +7373,7 @@
           </p:nvSpPr>
           <p:spPr>
             <a:xfrm>
-              <a:off x="2137435" y="5619482"/>
+              <a:off x="1634377" y="5619466"/>
               <a:ext cx="63202" cy="63202"/>
             </a:xfrm>
             <a:custGeom>
@@ -7416,7 +7416,7 @@
           </p:nvSpPr>
           <p:spPr>
             <a:xfrm>
-              <a:off x="2035892" y="5618892"/>
+              <a:off x="1738660" y="5618923"/>
               <a:ext cx="63202" cy="63202"/>
             </a:xfrm>
             <a:custGeom>
@@ -7459,7 +7459,7 @@
           </p:nvSpPr>
           <p:spPr>
             <a:xfrm>
-              <a:off x="1882668" y="5620757"/>
+              <a:off x="1954963" y="5620770"/>
               <a:ext cx="63202" cy="63202"/>
             </a:xfrm>
             <a:custGeom>
@@ -7502,7 +7502,7 @@
           </p:nvSpPr>
           <p:spPr>
             <a:xfrm>
-              <a:off x="1932197" y="5620096"/>
+              <a:off x="1949549" y="5620165"/>
               <a:ext cx="63202" cy="63202"/>
             </a:xfrm>
             <a:custGeom>
@@ -7545,7 +7545,7 @@
           </p:nvSpPr>
           <p:spPr>
             <a:xfrm>
-              <a:off x="1988845" y="5617657"/>
+              <a:off x="2017338" y="5617684"/>
               <a:ext cx="63202" cy="63202"/>
             </a:xfrm>
             <a:custGeom>
@@ -7588,7 +7588,7 @@
           </p:nvSpPr>
           <p:spPr>
             <a:xfrm>
-              <a:off x="2225410" y="6071779"/>
+              <a:off x="1784085" y="6071791"/>
               <a:ext cx="63202" cy="63202"/>
             </a:xfrm>
             <a:custGeom>
@@ -7631,7 +7631,7 @@
           </p:nvSpPr>
           <p:spPr>
             <a:xfrm>
-              <a:off x="1723878" y="5790432"/>
+              <a:off x="1683449" y="5790432"/>
               <a:ext cx="63202" cy="63202"/>
             </a:xfrm>
             <a:custGeom>
@@ -7674,7 +7674,7 @@
           </p:nvSpPr>
           <p:spPr>
             <a:xfrm>
-              <a:off x="1997388" y="6568089"/>
+              <a:off x="1752326" y="6568067"/>
               <a:ext cx="63202" cy="63202"/>
             </a:xfrm>
             <a:custGeom>
@@ -7717,7 +7717,7 @@
           </p:nvSpPr>
           <p:spPr>
             <a:xfrm>
-              <a:off x="2917080" y="6672807"/>
+              <a:off x="2640829" y="6672752"/>
               <a:ext cx="63202" cy="63202"/>
             </a:xfrm>
             <a:custGeom>
@@ -7760,7 +7760,7 @@
           </p:nvSpPr>
           <p:spPr>
             <a:xfrm>
-              <a:off x="1680964" y="5626539"/>
+              <a:off x="1756650" y="5626595"/>
               <a:ext cx="63202" cy="63202"/>
             </a:xfrm>
             <a:custGeom>
@@ -7803,7 +7803,7 @@
           </p:nvSpPr>
           <p:spPr>
             <a:xfrm>
-              <a:off x="1782160" y="5668066"/>
+              <a:off x="1951994" y="5668116"/>
               <a:ext cx="63202" cy="63202"/>
             </a:xfrm>
             <a:custGeom>
@@ -7846,7 +7846,7 @@
           </p:nvSpPr>
           <p:spPr>
             <a:xfrm>
-              <a:off x="1740774" y="6370129"/>
+              <a:off x="1705655" y="6370052"/>
               <a:ext cx="63202" cy="63202"/>
             </a:xfrm>
             <a:custGeom>
@@ -7889,7 +7889,7 @@
           </p:nvSpPr>
           <p:spPr>
             <a:xfrm>
-              <a:off x="2296539" y="5692165"/>
+              <a:off x="1783286" y="5692156"/>
               <a:ext cx="63202" cy="63202"/>
             </a:xfrm>
             <a:custGeom>
@@ -7932,7 +7932,7 @@
           </p:nvSpPr>
           <p:spPr>
             <a:xfrm>
-              <a:off x="2150690" y="5840292"/>
+              <a:off x="1785605" y="5840262"/>
               <a:ext cx="63202" cy="63202"/>
             </a:xfrm>
             <a:custGeom>
@@ -7975,7 +7975,7 @@
           </p:nvSpPr>
           <p:spPr>
             <a:xfrm>
-              <a:off x="1915013" y="6342248"/>
+              <a:off x="2261570" y="6342212"/>
               <a:ext cx="63202" cy="63202"/>
             </a:xfrm>
             <a:custGeom>
@@ -8018,7 +8018,7 @@
           </p:nvSpPr>
           <p:spPr>
             <a:xfrm>
-              <a:off x="1961387" y="6386346"/>
+              <a:off x="1930816" y="6386325"/>
               <a:ext cx="63202" cy="63202"/>
             </a:xfrm>
             <a:custGeom>
@@ -8061,7 +8061,7 @@
           </p:nvSpPr>
           <p:spPr>
             <a:xfrm>
-              <a:off x="2482646" y="6729982"/>
+              <a:off x="3112287" y="6729988"/>
               <a:ext cx="63202" cy="63202"/>
             </a:xfrm>
             <a:custGeom>
@@ -8104,7 +8104,7 @@
           </p:nvSpPr>
           <p:spPr>
             <a:xfrm>
-              <a:off x="1968173" y="5610022"/>
+              <a:off x="2023974" y="5610023"/>
               <a:ext cx="63202" cy="63202"/>
             </a:xfrm>
             <a:custGeom>
@@ -8147,7 +8147,7 @@
           </p:nvSpPr>
           <p:spPr>
             <a:xfrm>
-              <a:off x="2162468" y="5613426"/>
+              <a:off x="1624082" y="5613467"/>
               <a:ext cx="63202" cy="63202"/>
             </a:xfrm>
             <a:custGeom>
@@ -8190,7 +8190,7 @@
           </p:nvSpPr>
           <p:spPr>
             <a:xfrm>
-              <a:off x="2235097" y="5611208"/>
+              <a:off x="1676020" y="5611289"/>
               <a:ext cx="63202" cy="63202"/>
             </a:xfrm>
             <a:custGeom>
@@ -8233,7 +8233,7 @@
           </p:nvSpPr>
           <p:spPr>
             <a:xfrm>
-              <a:off x="1699479" y="5713274"/>
+              <a:off x="1705542" y="5713352"/>
               <a:ext cx="63202" cy="63202"/>
             </a:xfrm>
             <a:custGeom>
@@ -8276,7 +8276,7 @@
           </p:nvSpPr>
           <p:spPr>
             <a:xfrm>
-              <a:off x="2117373" y="6042765"/>
+              <a:off x="2190185" y="6042768"/>
               <a:ext cx="63202" cy="63202"/>
             </a:xfrm>
             <a:custGeom>
@@ -8319,7 +8319,7 @@
           </p:nvSpPr>
           <p:spPr>
             <a:xfrm>
-              <a:off x="2147570" y="5610361"/>
+              <a:off x="1797580" y="5610395"/>
               <a:ext cx="63202" cy="63202"/>
             </a:xfrm>
             <a:custGeom>
@@ -8362,7 +8362,7 @@
           </p:nvSpPr>
           <p:spPr>
             <a:xfrm>
-              <a:off x="1915186" y="6074978"/>
+              <a:off x="1802025" y="6074945"/>
               <a:ext cx="63202" cy="63202"/>
             </a:xfrm>
             <a:custGeom>
@@ -8405,7 +8405,7 @@
           </p:nvSpPr>
           <p:spPr>
             <a:xfrm>
-              <a:off x="1844749" y="6057046"/>
+              <a:off x="2056784" y="6057035"/>
               <a:ext cx="63202" cy="63202"/>
             </a:xfrm>
             <a:custGeom>
@@ -8448,7 +8448,7 @@
           </p:nvSpPr>
           <p:spPr>
             <a:xfrm>
-              <a:off x="2080317" y="5610853"/>
+              <a:off x="2187974" y="5610905"/>
               <a:ext cx="63202" cy="63202"/>
             </a:xfrm>
             <a:custGeom>
@@ -8491,7 +8491,7 @@
           </p:nvSpPr>
           <p:spPr>
             <a:xfrm>
-              <a:off x="1727032" y="5614638"/>
+              <a:off x="2176228" y="5614703"/>
               <a:ext cx="63202" cy="63202"/>
             </a:xfrm>
             <a:custGeom>
@@ -8534,7 +8534,7 @@
           </p:nvSpPr>
           <p:spPr>
             <a:xfrm>
-              <a:off x="2187913" y="5610965"/>
+              <a:off x="2082401" y="5610953"/>
               <a:ext cx="63202" cy="63202"/>
             </a:xfrm>
             <a:custGeom>
@@ -8577,7 +8577,7 @@
           </p:nvSpPr>
           <p:spPr>
             <a:xfrm>
-              <a:off x="1954006" y="6228281"/>
+              <a:off x="2239030" y="6228265"/>
               <a:ext cx="63202" cy="63202"/>
             </a:xfrm>
             <a:custGeom>
@@ -8620,7 +8620,7 @@
           </p:nvSpPr>
           <p:spPr>
             <a:xfrm>
-              <a:off x="1916572" y="5847889"/>
+              <a:off x="1970835" y="5847908"/>
               <a:ext cx="63202" cy="63202"/>
             </a:xfrm>
             <a:custGeom>
@@ -8663,7 +8663,7 @@
           </p:nvSpPr>
           <p:spPr>
             <a:xfrm>
-              <a:off x="2012005" y="5876730"/>
+              <a:off x="2011365" y="5876725"/>
               <a:ext cx="63202" cy="63202"/>
             </a:xfrm>
             <a:custGeom>
@@ -8706,7 +8706,7 @@
           </p:nvSpPr>
           <p:spPr>
             <a:xfrm>
-              <a:off x="1689958" y="6612423"/>
+              <a:off x="1604916" y="6612382"/>
               <a:ext cx="63202" cy="63202"/>
             </a:xfrm>
             <a:custGeom>
@@ -8749,7 +8749,7 @@
           </p:nvSpPr>
           <p:spPr>
             <a:xfrm>
-              <a:off x="2298184" y="5605065"/>
+              <a:off x="2085070" y="5605107"/>
               <a:ext cx="63202" cy="63202"/>
             </a:xfrm>
             <a:custGeom>
@@ -8792,7 +8792,7 @@
           </p:nvSpPr>
           <p:spPr>
             <a:xfrm>
-              <a:off x="2063274" y="5603810"/>
+              <a:off x="2236440" y="5603820"/>
               <a:ext cx="63202" cy="63202"/>
             </a:xfrm>
             <a:custGeom>
@@ -8835,7 +8835,7 @@
           </p:nvSpPr>
           <p:spPr>
             <a:xfrm>
-              <a:off x="1612131" y="6110971"/>
+              <a:off x="1950673" y="6110911"/>
               <a:ext cx="63202" cy="63202"/>
             </a:xfrm>
             <a:custGeom>
@@ -8878,7 +8878,7 @@
           </p:nvSpPr>
           <p:spPr>
             <a:xfrm>
-              <a:off x="1620842" y="6009379"/>
+              <a:off x="2012516" y="6009334"/>
               <a:ext cx="63202" cy="63202"/>
             </a:xfrm>
             <a:custGeom>
@@ -8921,7 +8921,7 @@
           </p:nvSpPr>
           <p:spPr>
             <a:xfrm>
-              <a:off x="1948821" y="6077708"/>
+              <a:off x="2108044" y="6077707"/>
               <a:ext cx="63202" cy="63202"/>
             </a:xfrm>
             <a:custGeom>
@@ -8964,7 +8964,7 @@
           </p:nvSpPr>
           <p:spPr>
             <a:xfrm>
-              <a:off x="2027618" y="5872534"/>
+              <a:off x="1789254" y="5872606"/>
               <a:ext cx="63202" cy="63202"/>
             </a:xfrm>
             <a:custGeom>
@@ -9007,7 +9007,7 @@
           </p:nvSpPr>
           <p:spPr>
             <a:xfrm>
-              <a:off x="2055719" y="5859088"/>
+              <a:off x="1617023" y="5859104"/>
               <a:ext cx="63202" cy="63202"/>
             </a:xfrm>
             <a:custGeom>
@@ -9050,7 +9050,7 @@
           </p:nvSpPr>
           <p:spPr>
             <a:xfrm>
-              <a:off x="1827924" y="5839398"/>
+              <a:off x="1721062" y="5839474"/>
               <a:ext cx="63202" cy="63202"/>
             </a:xfrm>
             <a:custGeom>
@@ -9093,7 +9093,7 @@
           </p:nvSpPr>
           <p:spPr>
             <a:xfrm>
-              <a:off x="1704048" y="5844801"/>
+              <a:off x="1625708" y="5844849"/>
               <a:ext cx="63202" cy="63202"/>
             </a:xfrm>
             <a:custGeom>
@@ -9136,7 +9136,7 @@
           </p:nvSpPr>
           <p:spPr>
             <a:xfrm>
-              <a:off x="1633676" y="5846680"/>
+              <a:off x="2148472" y="5846740"/>
               <a:ext cx="63202" cy="63202"/>
             </a:xfrm>
             <a:custGeom>
@@ -9179,7 +9179,7 @@
           </p:nvSpPr>
           <p:spPr>
             <a:xfrm>
-              <a:off x="1968150" y="5831002"/>
+              <a:off x="2147406" y="5831020"/>
               <a:ext cx="63202" cy="63202"/>
             </a:xfrm>
             <a:custGeom>
@@ -9222,7 +9222,7 @@
           </p:nvSpPr>
           <p:spPr>
             <a:xfrm>
-              <a:off x="1699917" y="5782986"/>
+              <a:off x="1739760" y="5782979"/>
               <a:ext cx="63202" cy="63202"/>
             </a:xfrm>
             <a:custGeom>
@@ -9265,7 +9265,7 @@
           </p:nvSpPr>
           <p:spPr>
             <a:xfrm>
-              <a:off x="2228444" y="5872554"/>
+              <a:off x="1735754" y="5872571"/>
               <a:ext cx="63202" cy="63202"/>
             </a:xfrm>
             <a:custGeom>
@@ -9308,7 +9308,7 @@
           </p:nvSpPr>
           <p:spPr>
             <a:xfrm>
-              <a:off x="2050876" y="6325614"/>
+              <a:off x="2106186" y="6325594"/>
               <a:ext cx="63202" cy="63202"/>
             </a:xfrm>
             <a:custGeom>
@@ -9351,7 +9351,7 @@
           </p:nvSpPr>
           <p:spPr>
             <a:xfrm>
-              <a:off x="1765779" y="6516340"/>
+              <a:off x="1979107" y="6516329"/>
               <a:ext cx="63202" cy="63202"/>
             </a:xfrm>
             <a:custGeom>
@@ -9394,7 +9394,7 @@
           </p:nvSpPr>
           <p:spPr>
             <a:xfrm>
-              <a:off x="2017154" y="6328010"/>
+              <a:off x="2084200" y="6328007"/>
               <a:ext cx="63202" cy="63202"/>
             </a:xfrm>
             <a:custGeom>
@@ -9437,7 +9437,7 @@
           </p:nvSpPr>
           <p:spPr>
             <a:xfrm>
-              <a:off x="1793452" y="6367704"/>
+              <a:off x="1775411" y="6367733"/>
               <a:ext cx="63202" cy="63202"/>
             </a:xfrm>
             <a:custGeom>
@@ -9480,7 +9480,7 @@
           </p:nvSpPr>
           <p:spPr>
             <a:xfrm>
-              <a:off x="2168032" y="6529775"/>
+              <a:off x="1750611" y="6529702"/>
               <a:ext cx="63202" cy="63202"/>
             </a:xfrm>
             <a:custGeom>
@@ -9523,7 +9523,7 @@
           </p:nvSpPr>
           <p:spPr>
             <a:xfrm>
-              <a:off x="1751147" y="5599610"/>
+              <a:off x="1622275" y="5599666"/>
               <a:ext cx="63202" cy="63202"/>
             </a:xfrm>
             <a:custGeom>
@@ -9566,7 +9566,7 @@
           </p:nvSpPr>
           <p:spPr>
             <a:xfrm>
-              <a:off x="1858154" y="6376866"/>
+              <a:off x="1719068" y="6376897"/>
               <a:ext cx="63202" cy="63202"/>
             </a:xfrm>
             <a:custGeom>
@@ -9609,7 +9609,7 @@
           </p:nvSpPr>
           <p:spPr>
             <a:xfrm>
-              <a:off x="1995131" y="5940806"/>
+              <a:off x="2146653" y="5940850"/>
               <a:ext cx="63202" cy="63202"/>
             </a:xfrm>
             <a:custGeom>
@@ -9652,7 +9652,7 @@
           </p:nvSpPr>
           <p:spPr>
             <a:xfrm>
-              <a:off x="1813648" y="5614949"/>
+              <a:off x="2047060" y="5614918"/>
               <a:ext cx="63202" cy="63202"/>
             </a:xfrm>
             <a:custGeom>
@@ -9695,7 +9695,7 @@
           </p:nvSpPr>
           <p:spPr>
             <a:xfrm>
-              <a:off x="2200334" y="5619551"/>
+              <a:off x="2030252" y="5619554"/>
               <a:ext cx="63202" cy="63202"/>
             </a:xfrm>
             <a:custGeom>
@@ -9738,7 +9738,7 @@
           </p:nvSpPr>
           <p:spPr>
             <a:xfrm>
-              <a:off x="1709817" y="5623433"/>
+              <a:off x="1663215" y="5623421"/>
               <a:ext cx="63202" cy="63202"/>
             </a:xfrm>
             <a:custGeom>
@@ -9781,7 +9781,7 @@
           </p:nvSpPr>
           <p:spPr>
             <a:xfrm>
-              <a:off x="2003172" y="5622078"/>
+              <a:off x="1887243" y="5622125"/>
               <a:ext cx="63202" cy="63202"/>
             </a:xfrm>
             <a:custGeom>
@@ -9824,7 +9824,7 @@
           </p:nvSpPr>
           <p:spPr>
             <a:xfrm>
-              <a:off x="1759936" y="5612740"/>
+              <a:off x="1813912" y="5612806"/>
               <a:ext cx="63202" cy="63202"/>
             </a:xfrm>
             <a:custGeom>
@@ -9867,7 +9867,7 @@
           </p:nvSpPr>
           <p:spPr>
             <a:xfrm>
-              <a:off x="1852603" y="6371120"/>
+              <a:off x="1865305" y="6371149"/>
               <a:ext cx="63202" cy="63202"/>
             </a:xfrm>
             <a:custGeom>
@@ -9910,7 +9910,7 @@
           </p:nvSpPr>
           <p:spPr>
             <a:xfrm>
-              <a:off x="1812364" y="6152795"/>
+              <a:off x="2237095" y="6152778"/>
               <a:ext cx="63202" cy="63202"/>
             </a:xfrm>
             <a:custGeom>
@@ -9953,7 +9953,7 @@
           </p:nvSpPr>
           <p:spPr>
             <a:xfrm>
-              <a:off x="1838253" y="5606274"/>
+              <a:off x="2111390" y="5606269"/>
               <a:ext cx="63202" cy="63202"/>
             </a:xfrm>
             <a:custGeom>
@@ -9996,7 +9996,7 @@
           </p:nvSpPr>
           <p:spPr>
             <a:xfrm>
-              <a:off x="2201369" y="5868138"/>
+              <a:off x="1841166" y="5868163"/>
               <a:ext cx="63202" cy="63202"/>
             </a:xfrm>
             <a:custGeom>
@@ -10095,7 +10095,7 @@
           </p:nvSpPr>
           <p:spPr>
             <a:xfrm>
-              <a:off x="4325757" y="2850779"/>
+              <a:off x="4325757" y="2850753"/>
               <a:ext cx="2796732" cy="0"/>
             </a:xfrm>
             <a:custGeom>
@@ -10181,7 +10181,7 @@
           </p:nvSpPr>
           <p:spPr>
             <a:xfrm>
-              <a:off x="4325757" y="1906693"/>
+              <a:off x="4325757" y="1906719"/>
               <a:ext cx="2796732" cy="0"/>
             </a:xfrm>
             <a:custGeom>
@@ -10224,7 +10224,7 @@
           </p:nvSpPr>
           <p:spPr>
             <a:xfrm>
-              <a:off x="4325757" y="1434651"/>
+              <a:off x="4325757" y="1434702"/>
               <a:ext cx="2796732" cy="0"/>
             </a:xfrm>
             <a:custGeom>
@@ -10267,7 +10267,7 @@
           </p:nvSpPr>
           <p:spPr>
             <a:xfrm>
-              <a:off x="4325757" y="2614757"/>
+              <a:off x="4325757" y="2614744"/>
               <a:ext cx="2796732" cy="0"/>
             </a:xfrm>
             <a:custGeom>
@@ -10310,7 +10310,7 @@
           </p:nvSpPr>
           <p:spPr>
             <a:xfrm>
-              <a:off x="4325757" y="2142715"/>
+              <a:off x="4325757" y="2142727"/>
               <a:ext cx="2796732" cy="0"/>
             </a:xfrm>
             <a:custGeom>
@@ -10353,7 +10353,7 @@
           </p:nvSpPr>
           <p:spPr>
             <a:xfrm>
-              <a:off x="4325757" y="1670672"/>
+              <a:off x="4325757" y="1670711"/>
               <a:ext cx="2796732" cy="0"/>
             </a:xfrm>
             <a:custGeom>
@@ -10525,7 +10525,7 @@
           </p:nvSpPr>
           <p:spPr>
             <a:xfrm>
-              <a:off x="5014280" y="2111055"/>
+              <a:off x="4629524" y="2111028"/>
               <a:ext cx="63202" cy="63202"/>
             </a:xfrm>
             <a:custGeom>
@@ -10568,7 +10568,7 @@
           </p:nvSpPr>
           <p:spPr>
             <a:xfrm>
-              <a:off x="4500252" y="1890218"/>
+              <a:off x="4494030" y="1890201"/>
               <a:ext cx="63202" cy="63202"/>
             </a:xfrm>
             <a:custGeom>
@@ -10611,7 +10611,7 @@
           </p:nvSpPr>
           <p:spPr>
             <a:xfrm>
-              <a:off x="4547026" y="1811347"/>
+              <a:off x="4905908" y="1811410"/>
               <a:ext cx="63202" cy="63202"/>
             </a:xfrm>
             <a:custGeom>
@@ -10654,7 +10654,7 @@
           </p:nvSpPr>
           <p:spPr>
             <a:xfrm>
-              <a:off x="5159756" y="1904373"/>
+              <a:off x="5101242" y="1904352"/>
               <a:ext cx="63202" cy="63202"/>
             </a:xfrm>
             <a:custGeom>
@@ -10697,7 +10697,7 @@
           </p:nvSpPr>
           <p:spPr>
             <a:xfrm>
-              <a:off x="4932126" y="1947977"/>
+              <a:off x="5075537" y="1948008"/>
               <a:ext cx="63202" cy="63202"/>
             </a:xfrm>
             <a:custGeom>
@@ -10740,7 +10740,7 @@
           </p:nvSpPr>
           <p:spPr>
             <a:xfrm>
-              <a:off x="4735153" y="2355327"/>
+              <a:off x="4772442" y="2355340"/>
               <a:ext cx="63202" cy="63202"/>
             </a:xfrm>
             <a:custGeom>
@@ -10783,7 +10783,7 @@
           </p:nvSpPr>
           <p:spPr>
             <a:xfrm>
-              <a:off x="4915720" y="1851795"/>
+              <a:off x="4648559" y="1851789"/>
               <a:ext cx="63202" cy="63202"/>
             </a:xfrm>
             <a:custGeom>
@@ -10826,7 +10826,7 @@
           </p:nvSpPr>
           <p:spPr>
             <a:xfrm>
-              <a:off x="4997929" y="1908678"/>
+              <a:off x="5047886" y="1908742"/>
               <a:ext cx="63202" cy="63202"/>
             </a:xfrm>
             <a:custGeom>
@@ -10869,7 +10869,7 @@
           </p:nvSpPr>
           <p:spPr>
             <a:xfrm>
-              <a:off x="5016897" y="1855049"/>
+              <a:off x="4804102" y="1855070"/>
               <a:ext cx="63202" cy="63202"/>
             </a:xfrm>
             <a:custGeom>
@@ -10912,7 +10912,7 @@
           </p:nvSpPr>
           <p:spPr>
             <a:xfrm>
-              <a:off x="4764096" y="1885468"/>
+              <a:off x="5116764" y="1885525"/>
               <a:ext cx="63202" cy="63202"/>
             </a:xfrm>
             <a:custGeom>
@@ -10955,7 +10955,7 @@
           </p:nvSpPr>
           <p:spPr>
             <a:xfrm>
-              <a:off x="4714063" y="2846590"/>
+              <a:off x="4961670" y="2846546"/>
               <a:ext cx="63202" cy="63202"/>
             </a:xfrm>
             <a:custGeom>
@@ -10998,7 +10998,7 @@
           </p:nvSpPr>
           <p:spPr>
             <a:xfrm>
-              <a:off x="4831627" y="1868311"/>
+              <a:off x="4491524" y="1868290"/>
               <a:ext cx="63202" cy="63202"/>
             </a:xfrm>
             <a:custGeom>
@@ -11041,7 +11041,7 @@
           </p:nvSpPr>
           <p:spPr>
             <a:xfrm>
-              <a:off x="5117097" y="1882282"/>
+              <a:off x="5050078" y="1882296"/>
               <a:ext cx="63202" cy="63202"/>
             </a:xfrm>
             <a:custGeom>
@@ -11084,7 +11084,7 @@
           </p:nvSpPr>
           <p:spPr>
             <a:xfrm>
-              <a:off x="4931576" y="1909114"/>
+              <a:off x="5004863" y="1909076"/>
               <a:ext cx="63202" cy="63202"/>
             </a:xfrm>
             <a:custGeom>
@@ -11127,7 +11127,7 @@
           </p:nvSpPr>
           <p:spPr>
             <a:xfrm>
-              <a:off x="4932397" y="2226094"/>
+              <a:off x="4911356" y="2226106"/>
               <a:ext cx="63202" cy="63202"/>
             </a:xfrm>
             <a:custGeom>
@@ -11170,7 +11170,7 @@
           </p:nvSpPr>
           <p:spPr>
             <a:xfrm>
-              <a:off x="4943679" y="1918412"/>
+              <a:off x="4533664" y="1918460"/>
               <a:ext cx="63202" cy="63202"/>
             </a:xfrm>
             <a:custGeom>
@@ -11213,7 +11213,7 @@
           </p:nvSpPr>
           <p:spPr>
             <a:xfrm>
-              <a:off x="4846719" y="2357076"/>
+              <a:off x="5093694" y="2357012"/>
               <a:ext cx="63202" cy="63202"/>
             </a:xfrm>
             <a:custGeom>
@@ -11256,7 +11256,7 @@
           </p:nvSpPr>
           <p:spPr>
             <a:xfrm>
-              <a:off x="5159737" y="1833916"/>
+              <a:off x="4904651" y="1833931"/>
               <a:ext cx="63202" cy="63202"/>
             </a:xfrm>
             <a:custGeom>
@@ -11299,7 +11299,7 @@
           </p:nvSpPr>
           <p:spPr>
             <a:xfrm>
-              <a:off x="4552137" y="1875945"/>
+              <a:off x="4970055" y="1875991"/>
               <a:ext cx="63202" cy="63202"/>
             </a:xfrm>
             <a:custGeom>
@@ -11342,7 +11342,7 @@
           </p:nvSpPr>
           <p:spPr>
             <a:xfrm>
-              <a:off x="4756318" y="1981374"/>
+              <a:off x="4961761" y="1981447"/>
               <a:ext cx="63202" cy="63202"/>
             </a:xfrm>
             <a:custGeom>
@@ -11385,7 +11385,7 @@
           </p:nvSpPr>
           <p:spPr>
             <a:xfrm>
-              <a:off x="5091456" y="1914530"/>
+              <a:off x="4558758" y="1914613"/>
               <a:ext cx="63202" cy="63202"/>
             </a:xfrm>
             <a:custGeom>
@@ -11428,7 +11428,7 @@
           </p:nvSpPr>
           <p:spPr>
             <a:xfrm>
-              <a:off x="5114326" y="1943517"/>
+              <a:off x="4986626" y="1943535"/>
               <a:ext cx="63202" cy="63202"/>
             </a:xfrm>
             <a:custGeom>
@@ -11471,7 +11471,7 @@
           </p:nvSpPr>
           <p:spPr>
             <a:xfrm>
-              <a:off x="4674753" y="2538487"/>
+              <a:off x="5044078" y="2538454"/>
               <a:ext cx="63202" cy="63202"/>
             </a:xfrm>
             <a:custGeom>
@@ -11514,7 +11514,7 @@
           </p:nvSpPr>
           <p:spPr>
             <a:xfrm>
-              <a:off x="4958968" y="2199072"/>
+              <a:off x="4633592" y="2199112"/>
               <a:ext cx="63202" cy="63202"/>
             </a:xfrm>
             <a:custGeom>
@@ -11557,7 +11557,7 @@
           </p:nvSpPr>
           <p:spPr>
             <a:xfrm>
-              <a:off x="4512045" y="2000085"/>
+              <a:off x="4953527" y="2000108"/>
               <a:ext cx="63202" cy="63202"/>
             </a:xfrm>
             <a:custGeom>
@@ -11600,7 +11600,7 @@
           </p:nvSpPr>
           <p:spPr>
             <a:xfrm>
-              <a:off x="5108313" y="1882483"/>
+              <a:off x="5144059" y="1882513"/>
               <a:ext cx="63202" cy="63202"/>
             </a:xfrm>
             <a:custGeom>
@@ -11643,7 +11643,7 @@
           </p:nvSpPr>
           <p:spPr>
             <a:xfrm>
-              <a:off x="4585708" y="2620852"/>
+              <a:off x="5011206" y="2620824"/>
               <a:ext cx="63202" cy="63202"/>
             </a:xfrm>
             <a:custGeom>
@@ -11686,7 +11686,7 @@
           </p:nvSpPr>
           <p:spPr>
             <a:xfrm>
-              <a:off x="5160607" y="1900361"/>
+              <a:off x="5157191" y="1900413"/>
               <a:ext cx="63202" cy="63202"/>
             </a:xfrm>
             <a:custGeom>
@@ -11729,7 +11729,7 @@
           </p:nvSpPr>
           <p:spPr>
             <a:xfrm>
-              <a:off x="5058199" y="1933039"/>
+              <a:off x="5143946" y="1933083"/>
               <a:ext cx="63202" cy="63202"/>
             </a:xfrm>
             <a:custGeom>
@@ -11772,7 +11772,7 @@
           </p:nvSpPr>
           <p:spPr>
             <a:xfrm>
-              <a:off x="5061752" y="1816360"/>
+              <a:off x="4938166" y="1816376"/>
               <a:ext cx="63202" cy="63202"/>
             </a:xfrm>
             <a:custGeom>
@@ -11815,7 +11815,7 @@
           </p:nvSpPr>
           <p:spPr>
             <a:xfrm>
-              <a:off x="4714077" y="1919182"/>
+              <a:off x="5111281" y="1919168"/>
               <a:ext cx="63202" cy="63202"/>
             </a:xfrm>
             <a:custGeom>
@@ -11858,7 +11858,7 @@
           </p:nvSpPr>
           <p:spPr>
             <a:xfrm>
-              <a:off x="4724137" y="1835663"/>
+              <a:off x="4508890" y="1835648"/>
               <a:ext cx="63202" cy="63202"/>
             </a:xfrm>
             <a:custGeom>
@@ -11901,7 +11901,7 @@
           </p:nvSpPr>
           <p:spPr>
             <a:xfrm>
-              <a:off x="4692830" y="1940328"/>
+              <a:off x="4958183" y="1940341"/>
               <a:ext cx="63202" cy="63202"/>
             </a:xfrm>
             <a:custGeom>
@@ -11944,7 +11944,7 @@
           </p:nvSpPr>
           <p:spPr>
             <a:xfrm>
-              <a:off x="4566090" y="1995464"/>
+              <a:off x="4600487" y="1995448"/>
               <a:ext cx="63202" cy="63202"/>
             </a:xfrm>
             <a:custGeom>
@@ -11987,7 +11987,7 @@
           </p:nvSpPr>
           <p:spPr>
             <a:xfrm>
-              <a:off x="4549906" y="1894462"/>
+              <a:off x="4535041" y="1894487"/>
               <a:ext cx="63202" cy="63202"/>
             </a:xfrm>
             <a:custGeom>
@@ -12030,7 +12030,7 @@
           </p:nvSpPr>
           <p:spPr>
             <a:xfrm>
-              <a:off x="4502312" y="1882292"/>
+              <a:off x="4634603" y="1882265"/>
               <a:ext cx="63202" cy="63202"/>
             </a:xfrm>
             <a:custGeom>
@@ -12073,7 +12073,7 @@
           </p:nvSpPr>
           <p:spPr>
             <a:xfrm>
-              <a:off x="4827047" y="1908827"/>
+              <a:off x="4531609" y="1908816"/>
               <a:ext cx="63202" cy="63202"/>
             </a:xfrm>
             <a:custGeom>
@@ -12116,7 +12116,7 @@
           </p:nvSpPr>
           <p:spPr>
             <a:xfrm>
-              <a:off x="4907666" y="1987593"/>
+              <a:off x="4677823" y="1987642"/>
               <a:ext cx="63202" cy="63202"/>
             </a:xfrm>
             <a:custGeom>
@@ -12159,7 +12159,7 @@
           </p:nvSpPr>
           <p:spPr>
             <a:xfrm>
-              <a:off x="5144563" y="1899896"/>
+              <a:off x="4784219" y="1899967"/>
               <a:ext cx="63202" cy="63202"/>
             </a:xfrm>
             <a:custGeom>
@@ -12202,7 +12202,7 @@
           </p:nvSpPr>
           <p:spPr>
             <a:xfrm>
-              <a:off x="4569199" y="2010224"/>
+              <a:off x="4686454" y="2010184"/>
               <a:ext cx="63202" cy="63202"/>
             </a:xfrm>
             <a:custGeom>
@@ -12245,7 +12245,7 @@
           </p:nvSpPr>
           <p:spPr>
             <a:xfrm>
-              <a:off x="5076370" y="1952025"/>
+              <a:off x="4830695" y="1952041"/>
               <a:ext cx="63202" cy="63202"/>
             </a:xfrm>
             <a:custGeom>
@@ -12288,7 +12288,7 @@
           </p:nvSpPr>
           <p:spPr>
             <a:xfrm>
-              <a:off x="4627913" y="2742018"/>
+              <a:off x="4731336" y="2742003"/>
               <a:ext cx="63202" cy="63202"/>
             </a:xfrm>
             <a:custGeom>
@@ -12331,7 +12331,7 @@
           </p:nvSpPr>
           <p:spPr>
             <a:xfrm>
-              <a:off x="4501287" y="1917015"/>
+              <a:off x="4789511" y="1917002"/>
               <a:ext cx="63202" cy="63202"/>
             </a:xfrm>
             <a:custGeom>
@@ -12374,7 +12374,7 @@
           </p:nvSpPr>
           <p:spPr>
             <a:xfrm>
-              <a:off x="5156411" y="2136619"/>
+              <a:off x="5129562" y="2136648"/>
               <a:ext cx="63202" cy="63202"/>
             </a:xfrm>
             <a:custGeom>
@@ -12417,7 +12417,7 @@
           </p:nvSpPr>
           <p:spPr>
             <a:xfrm>
-              <a:off x="4547615" y="1877337"/>
+              <a:off x="4602111" y="1877371"/>
               <a:ext cx="63202" cy="63202"/>
             </a:xfrm>
             <a:custGeom>
@@ -12460,7 +12460,7 @@
           </p:nvSpPr>
           <p:spPr>
             <a:xfrm>
-              <a:off x="4842412" y="1900032"/>
+              <a:off x="5046701" y="1900037"/>
               <a:ext cx="63202" cy="63202"/>
             </a:xfrm>
             <a:custGeom>
@@ -12503,7 +12503,7 @@
           </p:nvSpPr>
           <p:spPr>
             <a:xfrm>
-              <a:off x="5157084" y="1843452"/>
+              <a:off x="5042155" y="1843512"/>
               <a:ext cx="63202" cy="63202"/>
             </a:xfrm>
             <a:custGeom>
@@ -12546,7 +12546,7 @@
           </p:nvSpPr>
           <p:spPr>
             <a:xfrm>
-              <a:off x="5017221" y="1889653"/>
+              <a:off x="4707777" y="1889670"/>
               <a:ext cx="63202" cy="63202"/>
             </a:xfrm>
             <a:custGeom>
@@ -12589,7 +12589,7 @@
           </p:nvSpPr>
           <p:spPr>
             <a:xfrm>
-              <a:off x="5158956" y="1913736"/>
+              <a:off x="4813947" y="1913726"/>
               <a:ext cx="63202" cy="63202"/>
             </a:xfrm>
             <a:custGeom>
@@ -12632,7 +12632,7 @@
           </p:nvSpPr>
           <p:spPr>
             <a:xfrm>
-              <a:off x="4792983" y="2279905"/>
+              <a:off x="5022174" y="2279918"/>
               <a:ext cx="63202" cy="63202"/>
             </a:xfrm>
             <a:custGeom>
@@ -12675,7 +12675,7 @@
           </p:nvSpPr>
           <p:spPr>
             <a:xfrm>
-              <a:off x="5128743" y="1917987"/>
+              <a:off x="5074790" y="1917978"/>
               <a:ext cx="63202" cy="63202"/>
             </a:xfrm>
             <a:custGeom>
@@ -12718,7 +12718,7 @@
           </p:nvSpPr>
           <p:spPr>
             <a:xfrm>
-              <a:off x="4699612" y="2088937"/>
+              <a:off x="5041480" y="2088905"/>
               <a:ext cx="63202" cy="63202"/>
             </a:xfrm>
             <a:custGeom>
@@ -12761,7 +12761,7 @@
           </p:nvSpPr>
           <p:spPr>
             <a:xfrm>
-              <a:off x="5597154" y="2773205"/>
+              <a:off x="5557724" y="2773185"/>
               <a:ext cx="63202" cy="63202"/>
             </a:xfrm>
             <a:custGeom>
@@ -12804,7 +12804,7 @@
           </p:nvSpPr>
           <p:spPr>
             <a:xfrm>
-              <a:off x="4479085" y="1808140"/>
+              <a:off x="5025663" y="1808155"/>
               <a:ext cx="63202" cy="63202"/>
             </a:xfrm>
             <a:custGeom>
@@ -12847,7 +12847,7 @@
           </p:nvSpPr>
           <p:spPr>
             <a:xfrm>
-              <a:off x="4940599" y="1849034"/>
+              <a:off x="4501076" y="1849052"/>
               <a:ext cx="63202" cy="63202"/>
             </a:xfrm>
             <a:custGeom>
@@ -12890,7 +12890,7 @@
           </p:nvSpPr>
           <p:spPr>
             <a:xfrm>
-              <a:off x="5165651" y="2417181"/>
+              <a:off x="4914333" y="2417177"/>
               <a:ext cx="63202" cy="63202"/>
             </a:xfrm>
             <a:custGeom>
@@ -12933,7 +12933,7 @@
           </p:nvSpPr>
           <p:spPr>
             <a:xfrm>
-              <a:off x="4715511" y="1933214"/>
+              <a:off x="4571214" y="1933292"/>
               <a:ext cx="63202" cy="63202"/>
             </a:xfrm>
             <a:custGeom>
@@ -12976,7 +12976,7 @@
           </p:nvSpPr>
           <p:spPr>
             <a:xfrm>
-              <a:off x="5135858" y="1852643"/>
+              <a:off x="4539552" y="1852643"/>
               <a:ext cx="63202" cy="63202"/>
             </a:xfrm>
             <a:custGeom>
@@ -13019,7 +13019,7 @@
           </p:nvSpPr>
           <p:spPr>
             <a:xfrm>
-              <a:off x="5011225" y="1917983"/>
+              <a:off x="4973192" y="1917945"/>
               <a:ext cx="63202" cy="63202"/>
             </a:xfrm>
             <a:custGeom>
@@ -13062,7 +13062,7 @@
           </p:nvSpPr>
           <p:spPr>
             <a:xfrm>
-              <a:off x="4578528" y="1954183"/>
+              <a:off x="5013175" y="1954237"/>
               <a:ext cx="63202" cy="63202"/>
             </a:xfrm>
             <a:custGeom>
@@ -13105,7 +13105,7 @@
           </p:nvSpPr>
           <p:spPr>
             <a:xfrm>
-              <a:off x="4667487" y="1926201"/>
+              <a:off x="5020525" y="1926155"/>
               <a:ext cx="63202" cy="63202"/>
             </a:xfrm>
             <a:custGeom>
@@ -13148,7 +13148,7 @@
           </p:nvSpPr>
           <p:spPr>
             <a:xfrm>
-              <a:off x="4975392" y="2037829"/>
+              <a:off x="5130803" y="2037877"/>
               <a:ext cx="63202" cy="63202"/>
             </a:xfrm>
             <a:custGeom>
@@ -13191,7 +13191,7 @@
           </p:nvSpPr>
           <p:spPr>
             <a:xfrm>
-              <a:off x="4866716" y="1889551"/>
+              <a:off x="4907382" y="1889577"/>
               <a:ext cx="63202" cy="63202"/>
             </a:xfrm>
             <a:custGeom>
@@ -13234,7 +13234,7 @@
           </p:nvSpPr>
           <p:spPr>
             <a:xfrm>
-              <a:off x="4698092" y="1898303"/>
+              <a:off x="4498707" y="1898327"/>
               <a:ext cx="63202" cy="63202"/>
             </a:xfrm>
             <a:custGeom>
@@ -13277,7 +13277,7 @@
           </p:nvSpPr>
           <p:spPr>
             <a:xfrm>
-              <a:off x="4631775" y="2128234"/>
+              <a:off x="5087533" y="2128211"/>
               <a:ext cx="63202" cy="63202"/>
             </a:xfrm>
             <a:custGeom>
@@ -13320,7 +13320,7 @@
           </p:nvSpPr>
           <p:spPr>
             <a:xfrm>
-              <a:off x="4988265" y="1974598"/>
+              <a:off x="4891013" y="1974597"/>
               <a:ext cx="63202" cy="63202"/>
             </a:xfrm>
             <a:custGeom>
@@ -13363,7 +13363,7 @@
           </p:nvSpPr>
           <p:spPr>
             <a:xfrm>
-              <a:off x="5162828" y="1875830"/>
+              <a:off x="5012288" y="1875894"/>
               <a:ext cx="63202" cy="63202"/>
             </a:xfrm>
             <a:custGeom>
@@ -13406,7 +13406,7 @@
           </p:nvSpPr>
           <p:spPr>
             <a:xfrm>
-              <a:off x="4700274" y="2071858"/>
+              <a:off x="5135303" y="2071830"/>
               <a:ext cx="63202" cy="63202"/>
             </a:xfrm>
             <a:custGeom>
@@ -13449,7 +13449,7 @@
           </p:nvSpPr>
           <p:spPr>
             <a:xfrm>
-              <a:off x="4754627" y="2082290"/>
+              <a:off x="4907268" y="2082333"/>
               <a:ext cx="63202" cy="63202"/>
             </a:xfrm>
             <a:custGeom>
@@ -13492,7 +13492,7 @@
           </p:nvSpPr>
           <p:spPr>
             <a:xfrm>
-              <a:off x="4483967" y="1972821"/>
+              <a:off x="4867602" y="1972855"/>
               <a:ext cx="63202" cy="63202"/>
             </a:xfrm>
             <a:custGeom>
@@ -13535,7 +13535,7 @@
           </p:nvSpPr>
           <p:spPr>
             <a:xfrm>
-              <a:off x="4757233" y="2050998"/>
+              <a:off x="4595127" y="2051011"/>
               <a:ext cx="63202" cy="63202"/>
             </a:xfrm>
             <a:custGeom>
@@ -13578,7 +13578,7 @@
           </p:nvSpPr>
           <p:spPr>
             <a:xfrm>
-              <a:off x="5064060" y="1937657"/>
+              <a:off x="4651163" y="1937680"/>
               <a:ext cx="63202" cy="63202"/>
             </a:xfrm>
             <a:custGeom>
@@ -13621,7 +13621,7 @@
           </p:nvSpPr>
           <p:spPr>
             <a:xfrm>
-              <a:off x="4797888" y="1883765"/>
+              <a:off x="4737698" y="1883805"/>
               <a:ext cx="63202" cy="63202"/>
             </a:xfrm>
             <a:custGeom>
@@ -13664,7 +13664,7 @@
           </p:nvSpPr>
           <p:spPr>
             <a:xfrm>
-              <a:off x="4547077" y="1809743"/>
+              <a:off x="4712110" y="1809780"/>
               <a:ext cx="63202" cy="63202"/>
             </a:xfrm>
             <a:custGeom>
@@ -13707,7 +13707,7 @@
           </p:nvSpPr>
           <p:spPr>
             <a:xfrm>
-              <a:off x="5164236" y="1812611"/>
+              <a:off x="4532336" y="1812646"/>
               <a:ext cx="63202" cy="63202"/>
             </a:xfrm>
             <a:custGeom>
@@ -13750,7 +13750,7 @@
           </p:nvSpPr>
           <p:spPr>
             <a:xfrm>
-              <a:off x="4774759" y="2329406"/>
+              <a:off x="4681631" y="2329395"/>
               <a:ext cx="63202" cy="63202"/>
             </a:xfrm>
             <a:custGeom>
@@ -13793,7 +13793,7 @@
           </p:nvSpPr>
           <p:spPr>
             <a:xfrm>
-              <a:off x="4484466" y="1859727"/>
+              <a:off x="4637568" y="1859750"/>
               <a:ext cx="63202" cy="63202"/>
             </a:xfrm>
             <a:custGeom>
@@ -13836,7 +13836,7 @@
           </p:nvSpPr>
           <p:spPr>
             <a:xfrm>
-              <a:off x="4809467" y="2564389"/>
+              <a:off x="5122846" y="2564326"/>
               <a:ext cx="63202" cy="63202"/>
             </a:xfrm>
             <a:custGeom>
@@ -13879,7 +13879,7 @@
           </p:nvSpPr>
           <p:spPr>
             <a:xfrm>
-              <a:off x="5052016" y="1809929"/>
+              <a:off x="4853419" y="1810001"/>
               <a:ext cx="63202" cy="63202"/>
             </a:xfrm>
             <a:custGeom>
@@ -13922,7 +13922,7 @@
           </p:nvSpPr>
           <p:spPr>
             <a:xfrm>
-              <a:off x="4902703" y="1867070"/>
+              <a:off x="5073845" y="1867122"/>
               <a:ext cx="63202" cy="63202"/>
             </a:xfrm>
             <a:custGeom>
@@ -13965,7 +13965,7 @@
           </p:nvSpPr>
           <p:spPr>
             <a:xfrm>
-              <a:off x="4989617" y="1882943"/>
+              <a:off x="4648077" y="1882989"/>
               <a:ext cx="63202" cy="63202"/>
             </a:xfrm>
             <a:custGeom>
@@ -14008,7 +14008,7 @@
           </p:nvSpPr>
           <p:spPr>
             <a:xfrm>
-              <a:off x="4499330" y="2037259"/>
+              <a:off x="4921263" y="2037268"/>
               <a:ext cx="63202" cy="63202"/>
             </a:xfrm>
             <a:custGeom>
@@ -14051,7 +14051,7 @@
           </p:nvSpPr>
           <p:spPr>
             <a:xfrm>
-              <a:off x="4553111" y="1793992"/>
+              <a:off x="5027422" y="1794000"/>
               <a:ext cx="63202" cy="63202"/>
             </a:xfrm>
             <a:custGeom>
@@ -14094,7 +14094,7 @@
           </p:nvSpPr>
           <p:spPr>
             <a:xfrm>
-              <a:off x="4669017" y="1900029"/>
+              <a:off x="5031512" y="1900017"/>
               <a:ext cx="63202" cy="63202"/>
             </a:xfrm>
             <a:custGeom>
@@ -14137,7 +14137,7 @@
           </p:nvSpPr>
           <p:spPr>
             <a:xfrm>
-              <a:off x="4796490" y="1878047"/>
+              <a:off x="4505139" y="1878015"/>
               <a:ext cx="63202" cy="63202"/>
             </a:xfrm>
             <a:custGeom>
@@ -14236,7 +14236,7 @@
           </p:nvSpPr>
           <p:spPr>
             <a:xfrm>
-              <a:off x="4325757" y="4776111"/>
+              <a:off x="4325757" y="4776085"/>
               <a:ext cx="2796732" cy="0"/>
             </a:xfrm>
             <a:custGeom>
@@ -14279,7 +14279,7 @@
           </p:nvSpPr>
           <p:spPr>
             <a:xfrm>
-              <a:off x="4325757" y="4304069"/>
+              <a:off x="4325757" y="4304068"/>
               <a:ext cx="2796732" cy="0"/>
             </a:xfrm>
             <a:custGeom>
@@ -14322,7 +14322,7 @@
           </p:nvSpPr>
           <p:spPr>
             <a:xfrm>
-              <a:off x="4325757" y="3832026"/>
+              <a:off x="4325757" y="3832052"/>
               <a:ext cx="2796732" cy="0"/>
             </a:xfrm>
             <a:custGeom>
@@ -14365,7 +14365,7 @@
           </p:nvSpPr>
           <p:spPr>
             <a:xfrm>
-              <a:off x="4325757" y="3359983"/>
+              <a:off x="4325757" y="3360035"/>
               <a:ext cx="2796732" cy="0"/>
             </a:xfrm>
             <a:custGeom>
@@ -14408,7 +14408,7 @@
           </p:nvSpPr>
           <p:spPr>
             <a:xfrm>
-              <a:off x="4325757" y="4540090"/>
+              <a:off x="4325757" y="4540077"/>
               <a:ext cx="2796732" cy="0"/>
             </a:xfrm>
             <a:custGeom>
@@ -14451,7 +14451,7 @@
           </p:nvSpPr>
           <p:spPr>
             <a:xfrm>
-              <a:off x="4325757" y="4068047"/>
+              <a:off x="4325757" y="4068060"/>
               <a:ext cx="2796732" cy="0"/>
             </a:xfrm>
             <a:custGeom>
@@ -14494,7 +14494,7 @@
           </p:nvSpPr>
           <p:spPr>
             <a:xfrm>
-              <a:off x="4325757" y="3596005"/>
+              <a:off x="4325757" y="3596043"/>
               <a:ext cx="2796732" cy="0"/>
             </a:xfrm>
             <a:custGeom>
@@ -14666,7 +14666,7 @@
           </p:nvSpPr>
           <p:spPr>
             <a:xfrm>
-              <a:off x="5942110" y="4763302"/>
+              <a:off x="5367701" y="4763273"/>
               <a:ext cx="63202" cy="63202"/>
             </a:xfrm>
             <a:custGeom>
@@ -14709,7 +14709,7 @@
           </p:nvSpPr>
           <p:spPr>
             <a:xfrm>
-              <a:off x="4865433" y="4588865"/>
+              <a:off x="5029996" y="4588788"/>
               <a:ext cx="63202" cy="63202"/>
             </a:xfrm>
             <a:custGeom>
@@ -14752,7 +14752,7 @@
           </p:nvSpPr>
           <p:spPr>
             <a:xfrm>
-              <a:off x="4570903" y="3891045"/>
+              <a:off x="5013031" y="3891091"/>
               <a:ext cx="63202" cy="63202"/>
             </a:xfrm>
             <a:custGeom>
@@ -14795,7 +14795,7 @@
           </p:nvSpPr>
           <p:spPr>
             <a:xfrm>
-              <a:off x="6756294" y="4883747"/>
+              <a:off x="6514672" y="4883747"/>
               <a:ext cx="63202" cy="63202"/>
             </a:xfrm>
             <a:custGeom>
@@ -14894,7 +14894,7 @@
           </p:nvSpPr>
           <p:spPr>
             <a:xfrm>
-              <a:off x="4325757" y="6701444"/>
+              <a:off x="4325757" y="6701418"/>
               <a:ext cx="2796732" cy="0"/>
             </a:xfrm>
             <a:custGeom>
@@ -14980,7 +14980,7 @@
           </p:nvSpPr>
           <p:spPr>
             <a:xfrm>
-              <a:off x="4325757" y="5757358"/>
+              <a:off x="4325757" y="5757384"/>
               <a:ext cx="2796732" cy="0"/>
             </a:xfrm>
             <a:custGeom>
@@ -15023,7 +15023,7 @@
           </p:nvSpPr>
           <p:spPr>
             <a:xfrm>
-              <a:off x="4325757" y="5285316"/>
+              <a:off x="4325757" y="5285367"/>
               <a:ext cx="2796732" cy="0"/>
             </a:xfrm>
             <a:custGeom>
@@ -15066,7 +15066,7 @@
           </p:nvSpPr>
           <p:spPr>
             <a:xfrm>
-              <a:off x="4325757" y="6465423"/>
+              <a:off x="4325757" y="6465409"/>
               <a:ext cx="2796732" cy="0"/>
             </a:xfrm>
             <a:custGeom>
@@ -15109,7 +15109,7 @@
           </p:nvSpPr>
           <p:spPr>
             <a:xfrm>
-              <a:off x="4325757" y="5993380"/>
+              <a:off x="4325757" y="5993393"/>
               <a:ext cx="2796732" cy="0"/>
             </a:xfrm>
             <a:custGeom>
@@ -15152,7 +15152,7 @@
           </p:nvSpPr>
           <p:spPr>
             <a:xfrm>
-              <a:off x="4325757" y="5521337"/>
+              <a:off x="4325757" y="5521376"/>
               <a:ext cx="2796732" cy="0"/>
             </a:xfrm>
             <a:custGeom>
@@ -15324,7 +15324,7 @@
           </p:nvSpPr>
           <p:spPr>
             <a:xfrm>
-              <a:off x="5165213" y="5368680"/>
+              <a:off x="4551761" y="5368785"/>
               <a:ext cx="63202" cy="63202"/>
             </a:xfrm>
             <a:custGeom>
@@ -15367,7 +15367,7 @@
           </p:nvSpPr>
           <p:spPr>
             <a:xfrm>
-              <a:off x="4554365" y="5356640"/>
+              <a:off x="4535693" y="5356695"/>
               <a:ext cx="63202" cy="63202"/>
             </a:xfrm>
             <a:custGeom>
@@ -15410,7 +15410,7 @@
           </p:nvSpPr>
           <p:spPr>
             <a:xfrm>
-              <a:off x="4958491" y="5375212"/>
+              <a:off x="4534005" y="5375234"/>
               <a:ext cx="63202" cy="63202"/>
             </a:xfrm>
             <a:custGeom>
@@ -15453,7 +15453,7 @@
           </p:nvSpPr>
           <p:spPr>
             <a:xfrm>
-              <a:off x="5119802" y="5342629"/>
+              <a:off x="4681368" y="5342673"/>
               <a:ext cx="63202" cy="63202"/>
             </a:xfrm>
             <a:custGeom>
@@ -15496,7 +15496,7 @@
           </p:nvSpPr>
           <p:spPr>
             <a:xfrm>
-              <a:off x="4758120" y="5347735"/>
+              <a:off x="4930858" y="5347794"/>
               <a:ext cx="63202" cy="63202"/>
             </a:xfrm>
             <a:custGeom>
@@ -15539,7 +15539,7 @@
           </p:nvSpPr>
           <p:spPr>
             <a:xfrm>
-              <a:off x="4733950" y="5373904"/>
+              <a:off x="4690141" y="5373921"/>
               <a:ext cx="63202" cy="63202"/>
             </a:xfrm>
             <a:custGeom>
@@ -15582,7 +15582,7 @@
           </p:nvSpPr>
           <p:spPr>
             <a:xfrm>
-              <a:off x="4897955" y="5341995"/>
+              <a:off x="4508301" y="5342049"/>
               <a:ext cx="63202" cy="63202"/>
             </a:xfrm>
             <a:custGeom>
@@ -15625,7 +15625,7 @@
           </p:nvSpPr>
           <p:spPr>
             <a:xfrm>
-              <a:off x="4716818" y="6135202"/>
+              <a:off x="5079024" y="6135224"/>
               <a:ext cx="63202" cy="63202"/>
             </a:xfrm>
             <a:custGeom>
@@ -15668,7 +15668,7 @@
           </p:nvSpPr>
           <p:spPr>
             <a:xfrm>
-              <a:off x="4604408" y="5378904"/>
+              <a:off x="4598528" y="5378952"/>
               <a:ext cx="63202" cy="63202"/>
             </a:xfrm>
             <a:custGeom>
@@ -15711,7 +15711,7 @@
           </p:nvSpPr>
           <p:spPr>
             <a:xfrm>
-              <a:off x="4700719" y="5387796"/>
+              <a:off x="4785261" y="5387839"/>
               <a:ext cx="63202" cy="63202"/>
             </a:xfrm>
             <a:custGeom>
@@ -15754,7 +15754,7 @@
           </p:nvSpPr>
           <p:spPr>
             <a:xfrm>
-              <a:off x="4913963" y="5388511"/>
+              <a:off x="5010972" y="5388578"/>
               <a:ext cx="63202" cy="63202"/>
             </a:xfrm>
             <a:custGeom>
@@ -15797,7 +15797,7 @@
           </p:nvSpPr>
           <p:spPr>
             <a:xfrm>
-              <a:off x="5115753" y="5500243"/>
+              <a:off x="4689231" y="5500220"/>
               <a:ext cx="63202" cy="63202"/>
             </a:xfrm>
             <a:custGeom>
@@ -15840,7 +15840,7 @@
           </p:nvSpPr>
           <p:spPr>
             <a:xfrm>
-              <a:off x="4818246" y="5567982"/>
+              <a:off x="4789125" y="5567998"/>
               <a:ext cx="63202" cy="63202"/>
             </a:xfrm>
             <a:custGeom>
@@ -15883,7 +15883,7 @@
           </p:nvSpPr>
           <p:spPr>
             <a:xfrm>
-              <a:off x="4650630" y="5373613"/>
+              <a:off x="4785233" y="5373674"/>
               <a:ext cx="63202" cy="63202"/>
             </a:xfrm>
             <a:custGeom>
@@ -15926,7 +15926,7 @@
           </p:nvSpPr>
           <p:spPr>
             <a:xfrm>
-              <a:off x="4698941" y="5373035"/>
+              <a:off x="4852149" y="5373068"/>
               <a:ext cx="63202" cy="63202"/>
             </a:xfrm>
             <a:custGeom>
@@ -15969,7 +15969,7 @@
           </p:nvSpPr>
           <p:spPr>
             <a:xfrm>
-              <a:off x="4702304" y="5332565"/>
+              <a:off x="5065234" y="5332614"/>
               <a:ext cx="63202" cy="63202"/>
             </a:xfrm>
             <a:custGeom>
@@ -16012,7 +16012,7 @@
           </p:nvSpPr>
           <p:spPr>
             <a:xfrm>
-              <a:off x="4875256" y="5381579"/>
+              <a:off x="4768619" y="5381571"/>
               <a:ext cx="63202" cy="63202"/>
             </a:xfrm>
             <a:custGeom>
@@ -16055,7 +16055,7 @@
           </p:nvSpPr>
           <p:spPr>
             <a:xfrm>
-              <a:off x="5150165" y="5317369"/>
+              <a:off x="4955916" y="5317369"/>
               <a:ext cx="63202" cy="63202"/>
             </a:xfrm>
             <a:custGeom>
@@ -16098,7 +16098,7 @@
           </p:nvSpPr>
           <p:spPr>
             <a:xfrm>
-              <a:off x="4867137" y="5371373"/>
+              <a:off x="4599676" y="5371400"/>
               <a:ext cx="63202" cy="63202"/>
             </a:xfrm>
             <a:custGeom>
@@ -16141,7 +16141,7 @@
           </p:nvSpPr>
           <p:spPr>
             <a:xfrm>
-              <a:off x="4855585" y="5342346"/>
+              <a:off x="4798609" y="5342379"/>
               <a:ext cx="63202" cy="63202"/>
             </a:xfrm>
             <a:custGeom>
@@ -16184,7 +16184,7 @@
           </p:nvSpPr>
           <p:spPr>
             <a:xfrm>
-              <a:off x="4479927" y="5829490"/>
+              <a:off x="4816891" y="5829529"/>
               <a:ext cx="63202" cy="63202"/>
             </a:xfrm>
             <a:custGeom>
@@ -16227,7 +16227,7 @@
           </p:nvSpPr>
           <p:spPr>
             <a:xfrm>
-              <a:off x="4711916" y="5496363"/>
+              <a:off x="4618071" y="5496363"/>
               <a:ext cx="63202" cy="63202"/>
             </a:xfrm>
             <a:custGeom>
@@ -16270,7 +16270,7 @@
           </p:nvSpPr>
           <p:spPr>
             <a:xfrm>
-              <a:off x="4571471" y="5370589"/>
+              <a:off x="4936823" y="5370660"/>
               <a:ext cx="63202" cy="63202"/>
             </a:xfrm>
             <a:custGeom>
@@ -16313,7 +16313,7 @@
           </p:nvSpPr>
           <p:spPr>
             <a:xfrm>
-              <a:off x="4810675" y="5338306"/>
+              <a:off x="4995498" y="5338314"/>
               <a:ext cx="63202" cy="63202"/>
             </a:xfrm>
             <a:custGeom>
@@ -16356,7 +16356,7 @@
           </p:nvSpPr>
           <p:spPr>
             <a:xfrm>
-              <a:off x="4580350" y="5347073"/>
+              <a:off x="4715746" y="5347099"/>
               <a:ext cx="63202" cy="63202"/>
             </a:xfrm>
             <a:custGeom>
@@ -16399,7 +16399,7 @@
           </p:nvSpPr>
           <p:spPr>
             <a:xfrm>
-              <a:off x="4999778" y="5358234"/>
+              <a:off x="4739319" y="5358252"/>
               <a:ext cx="63202" cy="63202"/>
             </a:xfrm>
             <a:custGeom>
@@ -16442,7 +16442,7 @@
           </p:nvSpPr>
           <p:spPr>
             <a:xfrm>
-              <a:off x="5127771" y="5387901"/>
+              <a:off x="4997431" y="5387913"/>
               <a:ext cx="63202" cy="63202"/>
             </a:xfrm>
             <a:custGeom>
@@ -16485,7 +16485,7 @@
           </p:nvSpPr>
           <p:spPr>
             <a:xfrm>
-              <a:off x="4792369" y="5380769"/>
+              <a:off x="4605530" y="5380844"/>
               <a:ext cx="63202" cy="63202"/>
             </a:xfrm>
             <a:custGeom>
@@ -16528,7 +16528,7 @@
           </p:nvSpPr>
           <p:spPr>
             <a:xfrm>
-              <a:off x="4990639" y="5352439"/>
+              <a:off x="4487400" y="5352496"/>
               <a:ext cx="63202" cy="63202"/>
             </a:xfrm>
             <a:custGeom>
@@ -16571,7 +16571,7 @@
           </p:nvSpPr>
           <p:spPr>
             <a:xfrm>
-              <a:off x="4617755" y="5378781"/>
+              <a:off x="4654111" y="5378837"/>
               <a:ext cx="63202" cy="63202"/>
             </a:xfrm>
             <a:custGeom>
@@ -16614,7 +16614,7 @@
           </p:nvSpPr>
           <p:spPr>
             <a:xfrm>
-              <a:off x="5061376" y="5366043"/>
+              <a:off x="5051416" y="5366097"/>
               <a:ext cx="63202" cy="63202"/>
             </a:xfrm>
             <a:custGeom>
@@ -16657,7 +16657,7 @@
           </p:nvSpPr>
           <p:spPr>
             <a:xfrm>
-              <a:off x="4953002" y="5333185"/>
+              <a:off x="5089163" y="5333268"/>
               <a:ext cx="63202" cy="63202"/>
             </a:xfrm>
             <a:custGeom>
@@ -16700,7 +16700,7 @@
           </p:nvSpPr>
           <p:spPr>
             <a:xfrm>
-              <a:off x="4837695" y="5334892"/>
+              <a:off x="5037181" y="5334967"/>
               <a:ext cx="63202" cy="63202"/>
             </a:xfrm>
             <a:custGeom>
@@ -16743,7 +16743,7 @@
           </p:nvSpPr>
           <p:spPr>
             <a:xfrm>
-              <a:off x="4954170" y="5341956"/>
+              <a:off x="4744781" y="5342032"/>
               <a:ext cx="63202" cy="63202"/>
             </a:xfrm>
             <a:custGeom>
@@ -16786,7 +16786,7 @@
           </p:nvSpPr>
           <p:spPr>
             <a:xfrm>
-              <a:off x="4476154" y="5372766"/>
+              <a:off x="4754412" y="5372809"/>
               <a:ext cx="63202" cy="63202"/>
             </a:xfrm>
             <a:custGeom>
@@ -16829,7 +16829,7 @@
           </p:nvSpPr>
           <p:spPr>
             <a:xfrm>
-              <a:off x="4691471" y="5381630"/>
+              <a:off x="5154362" y="5381668"/>
               <a:ext cx="63202" cy="63202"/>
             </a:xfrm>
             <a:custGeom>
@@ -16872,7 +16872,7 @@
           </p:nvSpPr>
           <p:spPr>
             <a:xfrm>
-              <a:off x="5117185" y="5370882"/>
+              <a:off x="4899905" y="5370902"/>
               <a:ext cx="63202" cy="63202"/>
             </a:xfrm>
             <a:custGeom>
@@ -16915,7 +16915,7 @@
           </p:nvSpPr>
           <p:spPr>
             <a:xfrm>
-              <a:off x="4962449" y="5334925"/>
+              <a:off x="4542876" y="5334945"/>
               <a:ext cx="63202" cy="63202"/>
             </a:xfrm>
             <a:custGeom>
@@ -16958,7 +16958,7 @@
           </p:nvSpPr>
           <p:spPr>
             <a:xfrm>
-              <a:off x="5142773" y="5379387"/>
+              <a:off x="5032079" y="5379449"/>
               <a:ext cx="63202" cy="63202"/>
             </a:xfrm>
             <a:custGeom>
@@ -17001,7 +17001,7 @@
           </p:nvSpPr>
           <p:spPr>
             <a:xfrm>
-              <a:off x="4512750" y="5475128"/>
+              <a:off x="4687561" y="5475109"/>
               <a:ext cx="63202" cy="63202"/>
             </a:xfrm>
             <a:custGeom>
@@ -17044,7 +17044,7 @@
           </p:nvSpPr>
           <p:spPr>
             <a:xfrm>
-              <a:off x="4925954" y="5349935"/>
+              <a:off x="5147910" y="5349986"/>
               <a:ext cx="63202" cy="63202"/>
             </a:xfrm>
             <a:custGeom>
@@ -17087,7 +17087,7 @@
           </p:nvSpPr>
           <p:spPr>
             <a:xfrm>
-              <a:off x="4667899" y="5341639"/>
+              <a:off x="4826945" y="5341627"/>
               <a:ext cx="63202" cy="63202"/>
             </a:xfrm>
             <a:custGeom>
@@ -17130,7 +17130,7 @@
           </p:nvSpPr>
           <p:spPr>
             <a:xfrm>
-              <a:off x="4571216" y="5361037"/>
+              <a:off x="4770472" y="5361078"/>
               <a:ext cx="63202" cy="63202"/>
             </a:xfrm>
             <a:custGeom>
@@ -17173,7 +17173,7 @@
           </p:nvSpPr>
           <p:spPr>
             <a:xfrm>
-              <a:off x="4885311" y="5384407"/>
+              <a:off x="4679949" y="5384428"/>
               <a:ext cx="63202" cy="63202"/>
             </a:xfrm>
             <a:custGeom>
@@ -17216,7 +17216,7 @@
           </p:nvSpPr>
           <p:spPr>
             <a:xfrm>
-              <a:off x="5106351" y="5372756"/>
+              <a:off x="4794724" y="5372793"/>
               <a:ext cx="63202" cy="63202"/>
             </a:xfrm>
             <a:custGeom>
@@ -17259,7 +17259,7 @@
           </p:nvSpPr>
           <p:spPr>
             <a:xfrm>
-              <a:off x="5091780" y="5360368"/>
+              <a:off x="4569962" y="5360441"/>
               <a:ext cx="63202" cy="63202"/>
             </a:xfrm>
             <a:custGeom>
@@ -17302,7 +17302,7 @@
           </p:nvSpPr>
           <p:spPr>
             <a:xfrm>
-              <a:off x="4731201" y="5423367"/>
+              <a:off x="4571654" y="5423401"/>
               <a:ext cx="63202" cy="63202"/>
             </a:xfrm>
             <a:custGeom>
@@ -17345,7 +17345,7 @@
           </p:nvSpPr>
           <p:spPr>
             <a:xfrm>
-              <a:off x="4617463" y="5331350"/>
+              <a:off x="4835777" y="5331331"/>
               <a:ext cx="63202" cy="63202"/>
             </a:xfrm>
             <a:custGeom>
@@ -17388,7 +17388,7 @@
           </p:nvSpPr>
           <p:spPr>
             <a:xfrm>
-              <a:off x="4558190" y="5395037"/>
+              <a:off x="4578342" y="5395119"/>
               <a:ext cx="63202" cy="63202"/>
             </a:xfrm>
             <a:custGeom>
@@ -17431,7 +17431,7 @@
           </p:nvSpPr>
           <p:spPr>
             <a:xfrm>
-              <a:off x="5091928" y="5332613"/>
+              <a:off x="4801063" y="5332703"/>
               <a:ext cx="63202" cy="63202"/>
             </a:xfrm>
             <a:custGeom>
@@ -17474,7 +17474,7 @@
           </p:nvSpPr>
           <p:spPr>
             <a:xfrm>
-              <a:off x="4595422" y="5395296"/>
+              <a:off x="4648224" y="5395342"/>
               <a:ext cx="63202" cy="63202"/>
             </a:xfrm>
             <a:custGeom>
@@ -17517,7 +17517,7 @@
           </p:nvSpPr>
           <p:spPr>
             <a:xfrm>
-              <a:off x="4846597" y="5351368"/>
+              <a:off x="4982100" y="5351383"/>
               <a:ext cx="63202" cy="63202"/>
             </a:xfrm>
             <a:custGeom>
@@ -17560,7 +17560,7 @@
           </p:nvSpPr>
           <p:spPr>
             <a:xfrm>
-              <a:off x="4978684" y="5970461"/>
+              <a:off x="5159276" y="5970512"/>
               <a:ext cx="63202" cy="63202"/>
             </a:xfrm>
             <a:custGeom>
@@ -17603,7 +17603,7 @@
           </p:nvSpPr>
           <p:spPr>
             <a:xfrm>
-              <a:off x="4572270" y="5337829"/>
+              <a:off x="4693487" y="5337878"/>
               <a:ext cx="63202" cy="63202"/>
             </a:xfrm>
             <a:custGeom>
@@ -17646,7 +17646,7 @@
           </p:nvSpPr>
           <p:spPr>
             <a:xfrm>
-              <a:off x="4546350" y="5347678"/>
+              <a:off x="4773174" y="5347715"/>
               <a:ext cx="63202" cy="63202"/>
             </a:xfrm>
             <a:custGeom>
@@ -17689,7 +17689,7 @@
           </p:nvSpPr>
           <p:spPr>
             <a:xfrm>
-              <a:off x="5088424" y="5327438"/>
+              <a:off x="4680873" y="5327491"/>
               <a:ext cx="63202" cy="63202"/>
             </a:xfrm>
             <a:custGeom>
@@ -17732,7 +17732,7 @@
           </p:nvSpPr>
           <p:spPr>
             <a:xfrm>
-              <a:off x="5127377" y="6266975"/>
+              <a:off x="5047785" y="6267029"/>
               <a:ext cx="63202" cy="63202"/>
             </a:xfrm>
             <a:custGeom>
@@ -17775,7 +17775,7 @@
           </p:nvSpPr>
           <p:spPr>
             <a:xfrm>
-              <a:off x="4718177" y="5343798"/>
+              <a:off x="4566805" y="5343814"/>
               <a:ext cx="63202" cy="63202"/>
             </a:xfrm>
             <a:custGeom>
@@ -17818,7 +17818,7 @@
           </p:nvSpPr>
           <p:spPr>
             <a:xfrm>
-              <a:off x="5017454" y="5343787"/>
+              <a:off x="4934305" y="5343836"/>
               <a:ext cx="63202" cy="63202"/>
             </a:xfrm>
             <a:custGeom>
@@ -17861,7 +17861,7 @@
           </p:nvSpPr>
           <p:spPr>
             <a:xfrm>
-              <a:off x="5165607" y="5371717"/>
+              <a:off x="4643515" y="5371793"/>
               <a:ext cx="63202" cy="63202"/>
             </a:xfrm>
             <a:custGeom>
@@ -17904,7 +17904,7 @@
           </p:nvSpPr>
           <p:spPr>
             <a:xfrm>
-              <a:off x="4700841" y="5362925"/>
+              <a:off x="4584183" y="5363017"/>
               <a:ext cx="63202" cy="63202"/>
             </a:xfrm>
             <a:custGeom>
@@ -17947,7 +17947,7 @@
           </p:nvSpPr>
           <p:spPr>
             <a:xfrm>
-              <a:off x="4928267" y="5371152"/>
+              <a:off x="4948016" y="5371199"/>
               <a:ext cx="63202" cy="63202"/>
             </a:xfrm>
             <a:custGeom>
@@ -17990,7 +17990,7 @@
           </p:nvSpPr>
           <p:spPr>
             <a:xfrm>
-              <a:off x="5008834" y="5593244"/>
+              <a:off x="4947310" y="5593205"/>
               <a:ext cx="63202" cy="63202"/>
             </a:xfrm>
             <a:custGeom>
@@ -18033,7 +18033,7 @@
           </p:nvSpPr>
           <p:spPr>
             <a:xfrm>
-              <a:off x="4919322" y="5670187"/>
+              <a:off x="4777552" y="5670170"/>
               <a:ext cx="63202" cy="63202"/>
             </a:xfrm>
             <a:custGeom>
@@ -18076,7 +18076,7 @@
           </p:nvSpPr>
           <p:spPr>
             <a:xfrm>
-              <a:off x="5127670" y="5347432"/>
+              <a:off x="5167378" y="5347505"/>
               <a:ext cx="63202" cy="63202"/>
             </a:xfrm>
             <a:custGeom>
@@ -18119,7 +18119,7 @@
           </p:nvSpPr>
           <p:spPr>
             <a:xfrm>
-              <a:off x="5101572" y="6217608"/>
+              <a:off x="5152404" y="6217628"/>
               <a:ext cx="63202" cy="63202"/>
             </a:xfrm>
             <a:custGeom>
@@ -18162,7 +18162,7 @@
           </p:nvSpPr>
           <p:spPr>
             <a:xfrm>
-              <a:off x="4681612" y="5395048"/>
+              <a:off x="4632327" y="5395103"/>
               <a:ext cx="63202" cy="63202"/>
             </a:xfrm>
             <a:custGeom>
@@ -18205,7 +18205,7 @@
           </p:nvSpPr>
           <p:spPr>
             <a:xfrm>
-              <a:off x="5165706" y="5421681"/>
+              <a:off x="5061790" y="5421723"/>
               <a:ext cx="63202" cy="63202"/>
             </a:xfrm>
             <a:custGeom>
@@ -18248,7 +18248,7 @@
           </p:nvSpPr>
           <p:spPr>
             <a:xfrm>
-              <a:off x="5060386" y="5337728"/>
+              <a:off x="4758204" y="5337817"/>
               <a:ext cx="63202" cy="63202"/>
             </a:xfrm>
             <a:custGeom>
@@ -18291,7 +18291,7 @@
           </p:nvSpPr>
           <p:spPr>
             <a:xfrm>
-              <a:off x="4538045" y="5372491"/>
+              <a:off x="5125762" y="5372554"/>
               <a:ext cx="63202" cy="63202"/>
             </a:xfrm>
             <a:custGeom>
@@ -18334,7 +18334,7 @@
           </p:nvSpPr>
           <p:spPr>
             <a:xfrm>
-              <a:off x="5061942" y="5367574"/>
+              <a:off x="4746640" y="5367619"/>
               <a:ext cx="63202" cy="63202"/>
             </a:xfrm>
             <a:custGeom>
@@ -18377,7 +18377,7 @@
           </p:nvSpPr>
           <p:spPr>
             <a:xfrm>
-              <a:off x="4931185" y="5330929"/>
+              <a:off x="5139387" y="5330979"/>
               <a:ext cx="63202" cy="63202"/>
             </a:xfrm>
             <a:custGeom>
@@ -18420,7 +18420,7 @@
           </p:nvSpPr>
           <p:spPr>
             <a:xfrm>
-              <a:off x="4857843" y="5824449"/>
+              <a:off x="4990870" y="5824465"/>
               <a:ext cx="63202" cy="63202"/>
             </a:xfrm>
             <a:custGeom>
@@ -18463,7 +18463,7 @@
           </p:nvSpPr>
           <p:spPr>
             <a:xfrm>
-              <a:off x="4654733" y="5336706"/>
+              <a:off x="4997871" y="5336716"/>
               <a:ext cx="63202" cy="63202"/>
             </a:xfrm>
             <a:custGeom>
@@ -18506,7 +18506,7 @@
           </p:nvSpPr>
           <p:spPr>
             <a:xfrm>
-              <a:off x="4586460" y="5358880"/>
+              <a:off x="4620447" y="5358908"/>
               <a:ext cx="63202" cy="63202"/>
             </a:xfrm>
             <a:custGeom>
@@ -18549,7 +18549,7 @@
           </p:nvSpPr>
           <p:spPr>
             <a:xfrm>
-              <a:off x="4859334" y="5423397"/>
+              <a:off x="4562006" y="5423414"/>
               <a:ext cx="63202" cy="63202"/>
             </a:xfrm>
             <a:custGeom>
@@ -18592,7 +18592,7 @@
           </p:nvSpPr>
           <p:spPr>
             <a:xfrm>
-              <a:off x="5158065" y="5364828"/>
+              <a:off x="4746779" y="5364901"/>
               <a:ext cx="63202" cy="63202"/>
             </a:xfrm>
             <a:custGeom>
@@ -18635,7 +18635,7 @@
           </p:nvSpPr>
           <p:spPr>
             <a:xfrm>
-              <a:off x="4676430" y="5362083"/>
+              <a:off x="5030710" y="5362162"/>
               <a:ext cx="63202" cy="63202"/>
             </a:xfrm>
             <a:custGeom>
@@ -18678,7 +18678,7 @@
           </p:nvSpPr>
           <p:spPr>
             <a:xfrm>
-              <a:off x="4632847" y="5365486"/>
+              <a:off x="4777585" y="5365558"/>
               <a:ext cx="63202" cy="63202"/>
             </a:xfrm>
             <a:custGeom>
@@ -18721,7 +18721,7 @@
           </p:nvSpPr>
           <p:spPr>
             <a:xfrm>
-              <a:off x="4571954" y="5369871"/>
+              <a:off x="4744664" y="5369864"/>
               <a:ext cx="63202" cy="63202"/>
             </a:xfrm>
             <a:custGeom>
@@ -18764,7 +18764,7 @@
           </p:nvSpPr>
           <p:spPr>
             <a:xfrm>
-              <a:off x="4876392" y="5381549"/>
+              <a:off x="4938857" y="5381598"/>
               <a:ext cx="63202" cy="63202"/>
             </a:xfrm>
             <a:custGeom>
@@ -18807,7 +18807,7 @@
           </p:nvSpPr>
           <p:spPr>
             <a:xfrm>
-              <a:off x="4482590" y="5367411"/>
+              <a:off x="4725956" y="5367434"/>
               <a:ext cx="63202" cy="63202"/>
             </a:xfrm>
             <a:custGeom>
@@ -18850,7 +18850,7 @@
           </p:nvSpPr>
           <p:spPr>
             <a:xfrm>
-              <a:off x="5088671" y="6265810"/>
+              <a:off x="4519934" y="6265766"/>
               <a:ext cx="63202" cy="63202"/>
             </a:xfrm>
             <a:custGeom>
@@ -18893,7 +18893,7 @@
           </p:nvSpPr>
           <p:spPr>
             <a:xfrm>
-              <a:off x="4938203" y="5379958"/>
+              <a:off x="4616495" y="5379965"/>
               <a:ext cx="63202" cy="63202"/>
             </a:xfrm>
             <a:custGeom>
@@ -18936,7 +18936,7 @@
           </p:nvSpPr>
           <p:spPr>
             <a:xfrm>
-              <a:off x="5504075" y="6644144"/>
+              <a:off x="5667646" y="6644114"/>
               <a:ext cx="63202" cy="63202"/>
             </a:xfrm>
             <a:custGeom>
@@ -18979,7 +18979,7 @@
           </p:nvSpPr>
           <p:spPr>
             <a:xfrm>
-              <a:off x="4793585" y="5847385"/>
+              <a:off x="4509568" y="5847393"/>
               <a:ext cx="63202" cy="63202"/>
             </a:xfrm>
             <a:custGeom>
@@ -19022,7 +19022,7 @@
           </p:nvSpPr>
           <p:spPr>
             <a:xfrm>
-              <a:off x="4514234" y="5374488"/>
+              <a:off x="5120761" y="5374517"/>
               <a:ext cx="63202" cy="63202"/>
             </a:xfrm>
             <a:custGeom>
@@ -19065,7 +19065,7 @@
           </p:nvSpPr>
           <p:spPr>
             <a:xfrm>
-              <a:off x="4718089" y="5360649"/>
+              <a:off x="5055849" y="5360742"/>
               <a:ext cx="63202" cy="63202"/>
             </a:xfrm>
             <a:custGeom>
@@ -19108,7 +19108,7 @@
           </p:nvSpPr>
           <p:spPr>
             <a:xfrm>
-              <a:off x="5127575" y="5362694"/>
+              <a:off x="5117163" y="5362689"/>
               <a:ext cx="63202" cy="63202"/>
             </a:xfrm>
             <a:custGeom>
@@ -19151,7 +19151,7 @@
           </p:nvSpPr>
           <p:spPr>
             <a:xfrm>
-              <a:off x="4494996" y="5382181"/>
+              <a:off x="5045170" y="5382237"/>
               <a:ext cx="63202" cy="63202"/>
             </a:xfrm>
             <a:custGeom>
@@ -19194,7 +19194,7 @@
           </p:nvSpPr>
           <p:spPr>
             <a:xfrm>
-              <a:off x="4999667" y="5390832"/>
+              <a:off x="4965354" y="5390828"/>
               <a:ext cx="63202" cy="63202"/>
             </a:xfrm>
             <a:custGeom>
@@ -19237,7 +19237,7 @@
           </p:nvSpPr>
           <p:spPr>
             <a:xfrm>
-              <a:off x="4748240" y="5371346"/>
+              <a:off x="4682496" y="5371396"/>
               <a:ext cx="63202" cy="63202"/>
             </a:xfrm>
             <a:custGeom>
@@ -19280,7 +19280,7 @@
           </p:nvSpPr>
           <p:spPr>
             <a:xfrm>
-              <a:off x="4717990" y="5375653"/>
+              <a:off x="4760835" y="5375751"/>
               <a:ext cx="63202" cy="63202"/>
             </a:xfrm>
             <a:custGeom>
@@ -19323,7 +19323,7 @@
           </p:nvSpPr>
           <p:spPr>
             <a:xfrm>
-              <a:off x="4915612" y="5367836"/>
+              <a:off x="4776652" y="5367886"/>
               <a:ext cx="63202" cy="63202"/>
             </a:xfrm>
             <a:custGeom>
@@ -19366,7 +19366,7 @@
           </p:nvSpPr>
           <p:spPr>
             <a:xfrm>
-              <a:off x="4498606" y="5337643"/>
+              <a:off x="5139419" y="5337699"/>
               <a:ext cx="63202" cy="63202"/>
             </a:xfrm>
             <a:custGeom>
@@ -19409,7 +19409,7 @@
           </p:nvSpPr>
           <p:spPr>
             <a:xfrm>
-              <a:off x="4702382" y="5352835"/>
+              <a:off x="4527359" y="5352924"/>
               <a:ext cx="63202" cy="63202"/>
             </a:xfrm>
             <a:custGeom>
@@ -19452,7 +19452,7 @@
           </p:nvSpPr>
           <p:spPr>
             <a:xfrm>
-              <a:off x="5166145" y="5349943"/>
+              <a:off x="4647075" y="5349960"/>
               <a:ext cx="63202" cy="63202"/>
             </a:xfrm>
             <a:custGeom>
@@ -19495,7 +19495,7 @@
           </p:nvSpPr>
           <p:spPr>
             <a:xfrm>
-              <a:off x="4590186" y="5428386"/>
+              <a:off x="4765552" y="5428393"/>
               <a:ext cx="63202" cy="63202"/>
             </a:xfrm>
             <a:custGeom>
@@ -19538,7 +19538,7 @@
           </p:nvSpPr>
           <p:spPr>
             <a:xfrm>
-              <a:off x="4783962" y="5360613"/>
+              <a:off x="5156882" y="5360637"/>
               <a:ext cx="63202" cy="63202"/>
             </a:xfrm>
             <a:custGeom>
@@ -19581,7 +19581,7 @@
           </p:nvSpPr>
           <p:spPr>
             <a:xfrm>
-              <a:off x="5025446" y="5919842"/>
+              <a:off x="4966699" y="5919871"/>
               <a:ext cx="63202" cy="63202"/>
             </a:xfrm>
             <a:custGeom>
@@ -19624,7 +19624,7 @@
           </p:nvSpPr>
           <p:spPr>
             <a:xfrm>
-              <a:off x="4873660" y="5388256"/>
+              <a:off x="4493325" y="5388261"/>
               <a:ext cx="63202" cy="63202"/>
             </a:xfrm>
             <a:custGeom>
@@ -19667,7 +19667,7 @@
           </p:nvSpPr>
           <p:spPr>
             <a:xfrm>
-              <a:off x="4952220" y="5372172"/>
+              <a:off x="4484583" y="5372236"/>
               <a:ext cx="63202" cy="63202"/>
             </a:xfrm>
             <a:custGeom>
@@ -19710,7 +19710,7 @@
           </p:nvSpPr>
           <p:spPr>
             <a:xfrm>
-              <a:off x="4892425" y="5438750"/>
+              <a:off x="5165572" y="5438778"/>
               <a:ext cx="63202" cy="63202"/>
             </a:xfrm>
             <a:custGeom>
@@ -19753,7 +19753,7 @@
           </p:nvSpPr>
           <p:spPr>
             <a:xfrm>
-              <a:off x="4947442" y="5348992"/>
+              <a:off x="4594437" y="5349024"/>
               <a:ext cx="63202" cy="63202"/>
             </a:xfrm>
             <a:custGeom>
@@ -19796,7 +19796,7 @@
           </p:nvSpPr>
           <p:spPr>
             <a:xfrm>
-              <a:off x="4515264" y="5346240"/>
+              <a:off x="4656330" y="5346287"/>
               <a:ext cx="63202" cy="63202"/>
             </a:xfrm>
             <a:custGeom>
@@ -19839,7 +19839,7 @@
           </p:nvSpPr>
           <p:spPr>
             <a:xfrm>
-              <a:off x="5625637" y="6666337"/>
+              <a:off x="5557262" y="6666354"/>
               <a:ext cx="63202" cy="63202"/>
             </a:xfrm>
             <a:custGeom>
@@ -19882,7 +19882,7 @@
           </p:nvSpPr>
           <p:spPr>
             <a:xfrm>
-              <a:off x="4651870" y="5474643"/>
+              <a:off x="4855223" y="5474701"/>
               <a:ext cx="63202" cy="63202"/>
             </a:xfrm>
             <a:custGeom>
@@ -19925,7 +19925,7 @@
           </p:nvSpPr>
           <p:spPr>
             <a:xfrm>
-              <a:off x="4978268" y="5382689"/>
+              <a:off x="4800675" y="5382720"/>
               <a:ext cx="63202" cy="63202"/>
             </a:xfrm>
             <a:custGeom>
@@ -19968,7 +19968,7 @@
           </p:nvSpPr>
           <p:spPr>
             <a:xfrm>
-              <a:off x="4526069" y="5963857"/>
+              <a:off x="5133367" y="5963834"/>
               <a:ext cx="63202" cy="63202"/>
             </a:xfrm>
             <a:custGeom>
@@ -20011,7 +20011,7 @@
           </p:nvSpPr>
           <p:spPr>
             <a:xfrm>
-              <a:off x="4951294" y="5331244"/>
+              <a:off x="4864298" y="5331243"/>
               <a:ext cx="63202" cy="63202"/>
             </a:xfrm>
             <a:custGeom>
@@ -20054,7 +20054,7 @@
           </p:nvSpPr>
           <p:spPr>
             <a:xfrm>
-              <a:off x="4978583" y="5334886"/>
+              <a:off x="4688136" y="5334944"/>
               <a:ext cx="63202" cy="63202"/>
             </a:xfrm>
             <a:custGeom>
@@ -20097,7 +20097,7 @@
           </p:nvSpPr>
           <p:spPr>
             <a:xfrm>
-              <a:off x="4651420" y="5333550"/>
+              <a:off x="5108982" y="5333609"/>
               <a:ext cx="63202" cy="63202"/>
             </a:xfrm>
             <a:custGeom>
@@ -20140,7 +20140,7 @@
           </p:nvSpPr>
           <p:spPr>
             <a:xfrm>
-              <a:off x="4857538" y="5338760"/>
+              <a:off x="5136570" y="5338827"/>
               <a:ext cx="63202" cy="63202"/>
             </a:xfrm>
             <a:custGeom>
@@ -20183,7 +20183,7 @@
           </p:nvSpPr>
           <p:spPr>
             <a:xfrm>
-              <a:off x="4496982" y="5357076"/>
+              <a:off x="4988754" y="5357132"/>
               <a:ext cx="63202" cy="63202"/>
             </a:xfrm>
             <a:custGeom>
@@ -20226,7 +20226,7 @@
           </p:nvSpPr>
           <p:spPr>
             <a:xfrm>
-              <a:off x="4603114" y="5421572"/>
+              <a:off x="4778387" y="5421581"/>
               <a:ext cx="63202" cy="63202"/>
             </a:xfrm>
             <a:custGeom>
@@ -20269,7 +20269,7 @@
           </p:nvSpPr>
           <p:spPr>
             <a:xfrm>
-              <a:off x="4616434" y="5323164"/>
+              <a:off x="4838495" y="5323261"/>
               <a:ext cx="63202" cy="63202"/>
             </a:xfrm>
             <a:custGeom>
@@ -20312,7 +20312,7 @@
           </p:nvSpPr>
           <p:spPr>
             <a:xfrm>
-              <a:off x="5067740" y="5379338"/>
+              <a:off x="5167816" y="5379437"/>
               <a:ext cx="63202" cy="63202"/>
             </a:xfrm>
             <a:custGeom>
@@ -20355,7 +20355,7 @@
           </p:nvSpPr>
           <p:spPr>
             <a:xfrm>
-              <a:off x="4981862" y="5320593"/>
+              <a:off x="4577491" y="5320581"/>
               <a:ext cx="63202" cy="63202"/>
             </a:xfrm>
             <a:custGeom>
@@ -20398,7 +20398,7 @@
           </p:nvSpPr>
           <p:spPr>
             <a:xfrm>
-              <a:off x="4851452" y="5339735"/>
+              <a:off x="4602381" y="5339800"/>
               <a:ext cx="63202" cy="63202"/>
             </a:xfrm>
             <a:custGeom>
@@ -20441,7 +20441,7 @@
           </p:nvSpPr>
           <p:spPr>
             <a:xfrm>
-              <a:off x="4616038" y="5379841"/>
+              <a:off x="5014489" y="5379909"/>
               <a:ext cx="63202" cy="63202"/>
             </a:xfrm>
             <a:custGeom>
@@ -20484,7 +20484,7 @@
           </p:nvSpPr>
           <p:spPr>
             <a:xfrm>
-              <a:off x="4541443" y="5356730"/>
+              <a:off x="4490568" y="5356754"/>
               <a:ext cx="63202" cy="63202"/>
             </a:xfrm>
             <a:custGeom>
@@ -20527,7 +20527,7 @@
           </p:nvSpPr>
           <p:spPr>
             <a:xfrm>
-              <a:off x="5002277" y="6155877"/>
+              <a:off x="4598369" y="6155858"/>
               <a:ext cx="63202" cy="63202"/>
             </a:xfrm>
             <a:custGeom>
@@ -20570,7 +20570,7 @@
           </p:nvSpPr>
           <p:spPr>
             <a:xfrm>
-              <a:off x="5069587" y="5635016"/>
+              <a:off x="4479538" y="5635073"/>
               <a:ext cx="63202" cy="63202"/>
             </a:xfrm>
             <a:custGeom>
@@ -20613,7 +20613,7 @@
           </p:nvSpPr>
           <p:spPr>
             <a:xfrm>
-              <a:off x="4627492" y="5347394"/>
+              <a:off x="5045197" y="5347428"/>
               <a:ext cx="63202" cy="63202"/>
             </a:xfrm>
             <a:custGeom>
@@ -20656,7 +20656,7 @@
           </p:nvSpPr>
           <p:spPr>
             <a:xfrm>
-              <a:off x="5097156" y="5342841"/>
+              <a:off x="5091980" y="5342846"/>
               <a:ext cx="63202" cy="63202"/>
             </a:xfrm>
             <a:custGeom>
@@ -20699,7 +20699,7 @@
           </p:nvSpPr>
           <p:spPr>
             <a:xfrm>
-              <a:off x="5138312" y="5407990"/>
+              <a:off x="4907317" y="5408031"/>
               <a:ext cx="63202" cy="63202"/>
             </a:xfrm>
             <a:custGeom>
@@ -20742,7 +20742,7 @@
           </p:nvSpPr>
           <p:spPr>
             <a:xfrm>
-              <a:off x="4473171" y="5382295"/>
+              <a:off x="4673631" y="5382358"/>
               <a:ext cx="63202" cy="63202"/>
             </a:xfrm>
             <a:custGeom>
@@ -20785,7 +20785,7 @@
           </p:nvSpPr>
           <p:spPr>
             <a:xfrm>
-              <a:off x="4948105" y="5361029"/>
+              <a:off x="5122256" y="5361087"/>
               <a:ext cx="63202" cy="63202"/>
             </a:xfrm>
             <a:custGeom>
@@ -20828,7 +20828,7 @@
           </p:nvSpPr>
           <p:spPr>
             <a:xfrm>
-              <a:off x="4618060" y="5947964"/>
+              <a:off x="5103096" y="5947992"/>
               <a:ext cx="63202" cy="63202"/>
             </a:xfrm>
             <a:custGeom>
@@ -20871,7 +20871,7 @@
           </p:nvSpPr>
           <p:spPr>
             <a:xfrm>
-              <a:off x="4905823" y="5349701"/>
+              <a:off x="5089142" y="5349740"/>
               <a:ext cx="63202" cy="63202"/>
             </a:xfrm>
             <a:custGeom>
@@ -20914,7 +20914,7 @@
           </p:nvSpPr>
           <p:spPr>
             <a:xfrm>
-              <a:off x="4913724" y="5400215"/>
+              <a:off x="4711573" y="5400282"/>
               <a:ext cx="63202" cy="63202"/>
             </a:xfrm>
             <a:custGeom>
@@ -20957,7 +20957,7 @@
           </p:nvSpPr>
           <p:spPr>
             <a:xfrm>
-              <a:off x="4783015" y="6278963"/>
+              <a:off x="5108114" y="6278956"/>
               <a:ext cx="63202" cy="63202"/>
             </a:xfrm>
             <a:custGeom>
@@ -21000,7 +21000,7 @@
           </p:nvSpPr>
           <p:spPr>
             <a:xfrm>
-              <a:off x="4545745" y="5674107"/>
+              <a:off x="5046134" y="5674121"/>
               <a:ext cx="63202" cy="63202"/>
             </a:xfrm>
             <a:custGeom>
@@ -21043,7 +21043,7 @@
           </p:nvSpPr>
           <p:spPr>
             <a:xfrm>
-              <a:off x="5045011" y="6265414"/>
+              <a:off x="4790261" y="6265398"/>
               <a:ext cx="63202" cy="63202"/>
             </a:xfrm>
             <a:custGeom>
@@ -21086,7 +21086,7 @@
           </p:nvSpPr>
           <p:spPr>
             <a:xfrm>
-              <a:off x="4532214" y="6265833"/>
+              <a:off x="5137145" y="6265870"/>
               <a:ext cx="63202" cy="63202"/>
             </a:xfrm>
             <a:custGeom>
@@ -21129,7 +21129,7 @@
           </p:nvSpPr>
           <p:spPr>
             <a:xfrm>
-              <a:off x="4931318" y="5337543"/>
+              <a:off x="4521372" y="5337609"/>
               <a:ext cx="63202" cy="63202"/>
             </a:xfrm>
             <a:custGeom>
@@ -21172,7 +21172,7 @@
           </p:nvSpPr>
           <p:spPr>
             <a:xfrm>
-              <a:off x="4951442" y="6111534"/>
+              <a:off x="4502313" y="6111486"/>
               <a:ext cx="63202" cy="63202"/>
             </a:xfrm>
             <a:custGeom>
@@ -21215,7 +21215,7 @@
           </p:nvSpPr>
           <p:spPr>
             <a:xfrm>
-              <a:off x="4804480" y="6421650"/>
+              <a:off x="4640683" y="6421637"/>
               <a:ext cx="63202" cy="63202"/>
             </a:xfrm>
             <a:custGeom>
@@ -21258,7 +21258,7 @@
           </p:nvSpPr>
           <p:spPr>
             <a:xfrm>
-              <a:off x="4922124" y="5616035"/>
+              <a:off x="5167663" y="5616115"/>
               <a:ext cx="63202" cy="63202"/>
             </a:xfrm>
             <a:custGeom>
@@ -21301,7 +21301,7 @@
           </p:nvSpPr>
           <p:spPr>
             <a:xfrm>
-              <a:off x="5087528" y="5368430"/>
+              <a:off x="5000624" y="5368475"/>
               <a:ext cx="63202" cy="63202"/>
             </a:xfrm>
             <a:custGeom>
@@ -21344,7 +21344,7 @@
           </p:nvSpPr>
           <p:spPr>
             <a:xfrm>
-              <a:off x="4768934" y="5825768"/>
+              <a:off x="5020047" y="5825740"/>
               <a:ext cx="63202" cy="63202"/>
             </a:xfrm>
             <a:custGeom>
@@ -21387,7 +21387,7 @@
           </p:nvSpPr>
           <p:spPr>
             <a:xfrm>
-              <a:off x="4804298" y="5418826"/>
+              <a:off x="4754085" y="5418857"/>
               <a:ext cx="63202" cy="63202"/>
             </a:xfrm>
             <a:custGeom>
@@ -21430,7 +21430,7 @@
           </p:nvSpPr>
           <p:spPr>
             <a:xfrm>
-              <a:off x="4767341" y="5355239"/>
+              <a:off x="5050954" y="5355283"/>
               <a:ext cx="63202" cy="63202"/>
             </a:xfrm>
             <a:custGeom>
@@ -21473,7 +21473,7 @@
           </p:nvSpPr>
           <p:spPr>
             <a:xfrm>
-              <a:off x="4933821" y="5625027"/>
+              <a:off x="4552041" y="5625026"/>
               <a:ext cx="63202" cy="63202"/>
             </a:xfrm>
             <a:custGeom>
@@ -21516,7 +21516,7 @@
           </p:nvSpPr>
           <p:spPr>
             <a:xfrm>
-              <a:off x="4776456" y="6248149"/>
+              <a:off x="4607477" y="6248080"/>
               <a:ext cx="63202" cy="63202"/>
             </a:xfrm>
             <a:custGeom>
@@ -21559,7 +21559,7 @@
           </p:nvSpPr>
           <p:spPr>
             <a:xfrm>
-              <a:off x="4549144" y="5433904"/>
+              <a:off x="5024550" y="5433968"/>
               <a:ext cx="63202" cy="63202"/>
             </a:xfrm>
             <a:custGeom>
@@ -21602,7 +21602,7 @@
           </p:nvSpPr>
           <p:spPr>
             <a:xfrm>
-              <a:off x="4755947" y="5367915"/>
+              <a:off x="4852666" y="5367958"/>
               <a:ext cx="63202" cy="63202"/>
             </a:xfrm>
             <a:custGeom>
@@ -21645,7 +21645,7 @@
           </p:nvSpPr>
           <p:spPr>
             <a:xfrm>
-              <a:off x="5009873" y="5430510"/>
+              <a:off x="4696758" y="5430564"/>
               <a:ext cx="63202" cy="63202"/>
             </a:xfrm>
             <a:custGeom>
@@ -21688,7 +21688,7 @@
           </p:nvSpPr>
           <p:spPr>
             <a:xfrm>
-              <a:off x="4784206" y="5362212"/>
+              <a:off x="4706750" y="5362243"/>
               <a:ext cx="63202" cy="63202"/>
             </a:xfrm>
             <a:custGeom>
@@ -21731,7 +21731,7 @@
           </p:nvSpPr>
           <p:spPr>
             <a:xfrm>
-              <a:off x="5109810" y="6059777"/>
+              <a:off x="5135258" y="6059750"/>
               <a:ext cx="63202" cy="63202"/>
             </a:xfrm>
             <a:custGeom>
@@ -21774,7 +21774,7 @@
           </p:nvSpPr>
           <p:spPr>
             <a:xfrm>
-              <a:off x="4633333" y="5382314"/>
+              <a:off x="4741303" y="5382340"/>
               <a:ext cx="63202" cy="63202"/>
             </a:xfrm>
             <a:custGeom>
@@ -21817,7 +21817,7 @@
           </p:nvSpPr>
           <p:spPr>
             <a:xfrm>
-              <a:off x="5162518" y="5465470"/>
+              <a:off x="4799359" y="5465538"/>
               <a:ext cx="63202" cy="63202"/>
             </a:xfrm>
             <a:custGeom>
@@ -21860,7 +21860,7 @@
           </p:nvSpPr>
           <p:spPr>
             <a:xfrm>
-              <a:off x="4944474" y="5406582"/>
+              <a:off x="4472354" y="5406641"/>
               <a:ext cx="63202" cy="63202"/>
             </a:xfrm>
             <a:custGeom>
@@ -21903,7 +21903,7 @@
           </p:nvSpPr>
           <p:spPr>
             <a:xfrm>
-              <a:off x="4586073" y="5379015"/>
+              <a:off x="5060097" y="5379062"/>
               <a:ext cx="63202" cy="63202"/>
             </a:xfrm>
             <a:custGeom>
@@ -21946,7 +21946,7 @@
           </p:nvSpPr>
           <p:spPr>
             <a:xfrm>
-              <a:off x="4697487" y="5977141"/>
+              <a:off x="4888574" y="5977196"/>
               <a:ext cx="63202" cy="63202"/>
             </a:xfrm>
             <a:custGeom>
@@ -21989,7 +21989,7 @@
           </p:nvSpPr>
           <p:spPr>
             <a:xfrm>
-              <a:off x="4723632" y="5378248"/>
+              <a:off x="5017918" y="5378298"/>
               <a:ext cx="63202" cy="63202"/>
             </a:xfrm>
             <a:custGeom>
@@ -22032,7 +22032,7 @@
           </p:nvSpPr>
           <p:spPr>
             <a:xfrm>
-              <a:off x="4863135" y="5381635"/>
+              <a:off x="5092799" y="5381703"/>
               <a:ext cx="63202" cy="63202"/>
             </a:xfrm>
             <a:custGeom>
@@ -22075,7 +22075,7 @@
           </p:nvSpPr>
           <p:spPr>
             <a:xfrm>
-              <a:off x="4870148" y="5345684"/>
+              <a:off x="4669721" y="5345703"/>
               <a:ext cx="63202" cy="63202"/>
             </a:xfrm>
             <a:custGeom>
@@ -22118,7 +22118,7 @@
           </p:nvSpPr>
           <p:spPr>
             <a:xfrm>
-              <a:off x="4538168" y="5370213"/>
+              <a:off x="4575970" y="5370272"/>
               <a:ext cx="63202" cy="63202"/>
             </a:xfrm>
             <a:custGeom>
@@ -22161,7 +22161,7 @@
           </p:nvSpPr>
           <p:spPr>
             <a:xfrm>
-              <a:off x="4880337" y="5384084"/>
+              <a:off x="4561669" y="5384174"/>
               <a:ext cx="63202" cy="63202"/>
             </a:xfrm>
             <a:custGeom>
@@ -22204,7 +22204,7 @@
           </p:nvSpPr>
           <p:spPr>
             <a:xfrm>
-              <a:off x="4852648" y="5523518"/>
+              <a:off x="4611996" y="5523537"/>
               <a:ext cx="63202" cy="63202"/>
             </a:xfrm>
             <a:custGeom>
@@ -22247,7 +22247,7 @@
           </p:nvSpPr>
           <p:spPr>
             <a:xfrm>
-              <a:off x="4620314" y="5333149"/>
+              <a:off x="5080911" y="5333181"/>
               <a:ext cx="63202" cy="63202"/>
             </a:xfrm>
             <a:custGeom>
@@ -22290,7 +22290,7 @@
           </p:nvSpPr>
           <p:spPr>
             <a:xfrm>
-              <a:off x="5160994" y="5361787"/>
+              <a:off x="4469950" y="5361850"/>
               <a:ext cx="63202" cy="63202"/>
             </a:xfrm>
             <a:custGeom>
@@ -22333,7 +22333,7 @@
           </p:nvSpPr>
           <p:spPr>
             <a:xfrm>
-              <a:off x="4591479" y="5409672"/>
+              <a:off x="4930384" y="5409734"/>
               <a:ext cx="63202" cy="63202"/>
             </a:xfrm>
             <a:custGeom>
@@ -22376,7 +22376,7 @@
           </p:nvSpPr>
           <p:spPr>
             <a:xfrm>
-              <a:off x="4794154" y="5353861"/>
+              <a:off x="5018935" y="5353914"/>
               <a:ext cx="63202" cy="63202"/>
             </a:xfrm>
             <a:custGeom>
@@ -22419,7 +22419,7 @@
           </p:nvSpPr>
           <p:spPr>
             <a:xfrm>
-              <a:off x="5118690" y="5393356"/>
+              <a:off x="4663507" y="5393370"/>
               <a:ext cx="63202" cy="63202"/>
             </a:xfrm>
             <a:custGeom>
@@ -22462,7 +22462,7 @@
           </p:nvSpPr>
           <p:spPr>
             <a:xfrm>
-              <a:off x="4712765" y="5369869"/>
+              <a:off x="5162240" y="5369906"/>
               <a:ext cx="63202" cy="63202"/>
             </a:xfrm>
             <a:custGeom>
@@ -22505,7 +22505,7 @@
           </p:nvSpPr>
           <p:spPr>
             <a:xfrm>
-              <a:off x="4932334" y="5370084"/>
+              <a:off x="4816396" y="5370191"/>
               <a:ext cx="63202" cy="63202"/>
             </a:xfrm>
             <a:custGeom>
@@ -22548,7 +22548,7 @@
           </p:nvSpPr>
           <p:spPr>
             <a:xfrm>
-              <a:off x="4733283" y="5385249"/>
+              <a:off x="4866459" y="5385278"/>
               <a:ext cx="63202" cy="63202"/>
             </a:xfrm>
             <a:custGeom>
@@ -22591,7 +22591,7 @@
           </p:nvSpPr>
           <p:spPr>
             <a:xfrm>
-              <a:off x="4749131" y="5344083"/>
+              <a:off x="4877018" y="5344132"/>
               <a:ext cx="63202" cy="63202"/>
             </a:xfrm>
             <a:custGeom>
@@ -22634,7 +22634,7 @@
           </p:nvSpPr>
           <p:spPr>
             <a:xfrm>
-              <a:off x="5078590" y="5376732"/>
+              <a:off x="4536236" y="5376747"/>
               <a:ext cx="63202" cy="63202"/>
             </a:xfrm>
             <a:custGeom>
@@ -22677,7 +22677,7 @@
           </p:nvSpPr>
           <p:spPr>
             <a:xfrm>
-              <a:off x="4483007" y="5390539"/>
+              <a:off x="4499686" y="5390559"/>
               <a:ext cx="63202" cy="63202"/>
             </a:xfrm>
             <a:custGeom>
@@ -22720,7 +22720,7 @@
           </p:nvSpPr>
           <p:spPr>
             <a:xfrm>
-              <a:off x="4939435" y="5349440"/>
+              <a:off x="4607371" y="5349518"/>
               <a:ext cx="63202" cy="63202"/>
             </a:xfrm>
             <a:custGeom>
@@ -22763,7 +22763,7 @@
           </p:nvSpPr>
           <p:spPr>
             <a:xfrm>
-              <a:off x="5028927" y="5384942"/>
+              <a:off x="4856018" y="5384962"/>
               <a:ext cx="63202" cy="63202"/>
             </a:xfrm>
             <a:custGeom>
@@ -22806,7 +22806,7 @@
           </p:nvSpPr>
           <p:spPr>
             <a:xfrm>
-              <a:off x="4773999" y="6357920"/>
+              <a:off x="5166572" y="6357881"/>
               <a:ext cx="63202" cy="63202"/>
             </a:xfrm>
             <a:custGeom>
@@ -22849,7 +22849,7 @@
           </p:nvSpPr>
           <p:spPr>
             <a:xfrm>
-              <a:off x="4889858" y="5372755"/>
+              <a:off x="4652750" y="5372802"/>
               <a:ext cx="63202" cy="63202"/>
             </a:xfrm>
             <a:custGeom>
@@ -22892,7 +22892,7 @@
           </p:nvSpPr>
           <p:spPr>
             <a:xfrm>
-              <a:off x="4566901" y="5401775"/>
+              <a:off x="4781044" y="5401767"/>
               <a:ext cx="63202" cy="63202"/>
             </a:xfrm>
             <a:custGeom>
@@ -22935,7 +22935,7 @@
           </p:nvSpPr>
           <p:spPr>
             <a:xfrm>
-              <a:off x="5144258" y="5344431"/>
+              <a:off x="4658497" y="5344455"/>
               <a:ext cx="63202" cy="63202"/>
             </a:xfrm>
             <a:custGeom>
@@ -22978,7 +22978,7 @@
           </p:nvSpPr>
           <p:spPr>
             <a:xfrm>
-              <a:off x="4948008" y="5318685"/>
+              <a:off x="4678512" y="5318717"/>
               <a:ext cx="63202" cy="63202"/>
             </a:xfrm>
             <a:custGeom>
@@ -23021,7 +23021,7 @@
           </p:nvSpPr>
           <p:spPr>
             <a:xfrm>
-              <a:off x="4730986" y="5339929"/>
+              <a:off x="4623526" y="5339963"/>
               <a:ext cx="63202" cy="63202"/>
             </a:xfrm>
             <a:custGeom>
@@ -23064,7 +23064,7 @@
           </p:nvSpPr>
           <p:spPr>
             <a:xfrm>
-              <a:off x="4805659" y="5370870"/>
+              <a:off x="4900823" y="5370893"/>
               <a:ext cx="63202" cy="63202"/>
             </a:xfrm>
             <a:custGeom>
@@ -23107,7 +23107,7 @@
           </p:nvSpPr>
           <p:spPr>
             <a:xfrm>
-              <a:off x="4887976" y="5355098"/>
+              <a:off x="4884767" y="5355178"/>
               <a:ext cx="63202" cy="63202"/>
             </a:xfrm>
             <a:custGeom>
@@ -23150,7 +23150,7 @@
           </p:nvSpPr>
           <p:spPr>
             <a:xfrm>
-              <a:off x="4884843" y="5342344"/>
+              <a:off x="4577661" y="5342431"/>
               <a:ext cx="63202" cy="63202"/>
             </a:xfrm>
             <a:custGeom>
@@ -23193,7 +23193,7 @@
           </p:nvSpPr>
           <p:spPr>
             <a:xfrm>
-              <a:off x="4995725" y="5362731"/>
+              <a:off x="4539962" y="5362798"/>
               <a:ext cx="63202" cy="63202"/>
             </a:xfrm>
             <a:custGeom>
@@ -23236,7 +23236,7 @@
           </p:nvSpPr>
           <p:spPr>
             <a:xfrm>
-              <a:off x="4810556" y="5340322"/>
+              <a:off x="5071113" y="5340368"/>
               <a:ext cx="63202" cy="63202"/>
             </a:xfrm>
             <a:custGeom>
@@ -23279,7 +23279,7 @@
           </p:nvSpPr>
           <p:spPr>
             <a:xfrm>
-              <a:off x="4790925" y="5467466"/>
+              <a:off x="4613436" y="5467532"/>
               <a:ext cx="63202" cy="63202"/>
             </a:xfrm>
             <a:custGeom>
@@ -23322,7 +23322,7 @@
           </p:nvSpPr>
           <p:spPr>
             <a:xfrm>
-              <a:off x="4738120" y="5378491"/>
+              <a:off x="5018025" y="5378557"/>
               <a:ext cx="63202" cy="63202"/>
             </a:xfrm>
             <a:custGeom>
@@ -23365,7 +23365,7 @@
           </p:nvSpPr>
           <p:spPr>
             <a:xfrm>
-              <a:off x="4624985" y="5466321"/>
+              <a:off x="4867104" y="5466376"/>
               <a:ext cx="63202" cy="63202"/>
             </a:xfrm>
             <a:custGeom>
@@ -23408,7 +23408,7 @@
           </p:nvSpPr>
           <p:spPr>
             <a:xfrm>
-              <a:off x="4469669" y="5452087"/>
+              <a:off x="4905548" y="5452120"/>
               <a:ext cx="63202" cy="63202"/>
             </a:xfrm>
             <a:custGeom>
@@ -23451,7 +23451,7 @@
           </p:nvSpPr>
           <p:spPr>
             <a:xfrm>
-              <a:off x="5114887" y="5343100"/>
+              <a:off x="5069917" y="5343136"/>
               <a:ext cx="63202" cy="63202"/>
             </a:xfrm>
             <a:custGeom>
@@ -23494,7 +23494,7 @@
           </p:nvSpPr>
           <p:spPr>
             <a:xfrm>
-              <a:off x="4808426" y="5374012"/>
+              <a:off x="4590395" y="5374048"/>
               <a:ext cx="63202" cy="63202"/>
             </a:xfrm>
             <a:custGeom>
@@ -23537,7 +23537,7 @@
           </p:nvSpPr>
           <p:spPr>
             <a:xfrm>
-              <a:off x="5133523" y="5378116"/>
+              <a:off x="4756939" y="5378216"/>
               <a:ext cx="63202" cy="63202"/>
             </a:xfrm>
             <a:custGeom>
@@ -23580,7 +23580,7 @@
           </p:nvSpPr>
           <p:spPr>
             <a:xfrm>
-              <a:off x="4762296" y="5337108"/>
+              <a:off x="5018619" y="5337111"/>
               <a:ext cx="63202" cy="63202"/>
             </a:xfrm>
             <a:custGeom>
@@ -23623,7 +23623,7 @@
           </p:nvSpPr>
           <p:spPr>
             <a:xfrm>
-              <a:off x="5084571" y="5342115"/>
+              <a:off x="4957207" y="5342121"/>
               <a:ext cx="63202" cy="63202"/>
             </a:xfrm>
             <a:custGeom>
@@ -23666,7 +23666,7 @@
           </p:nvSpPr>
           <p:spPr>
             <a:xfrm>
-              <a:off x="4644603" y="5349267"/>
+              <a:off x="4680293" y="5349310"/>
               <a:ext cx="63202" cy="63202"/>
             </a:xfrm>
             <a:custGeom>
@@ -23709,7 +23709,7 @@
           </p:nvSpPr>
           <p:spPr>
             <a:xfrm>
-              <a:off x="5135536" y="6050894"/>
+              <a:off x="4620932" y="6050913"/>
               <a:ext cx="63202" cy="63202"/>
             </a:xfrm>
             <a:custGeom>
@@ -23752,7 +23752,7 @@
           </p:nvSpPr>
           <p:spPr>
             <a:xfrm>
-              <a:off x="4755821" y="5377321"/>
+              <a:off x="5093893" y="5377318"/>
               <a:ext cx="63202" cy="63202"/>
             </a:xfrm>
             <a:custGeom>
@@ -23795,7 +23795,7 @@
           </p:nvSpPr>
           <p:spPr>
             <a:xfrm>
-              <a:off x="4994610" y="5383995"/>
+              <a:off x="5152578" y="5384060"/>
               <a:ext cx="63202" cy="63202"/>
             </a:xfrm>
             <a:custGeom>
@@ -23838,7 +23838,7 @@
           </p:nvSpPr>
           <p:spPr>
             <a:xfrm>
-              <a:off x="5017946" y="5378268"/>
+              <a:off x="5019391" y="5378304"/>
               <a:ext cx="63202" cy="63202"/>
             </a:xfrm>
             <a:custGeom>
@@ -23881,7 +23881,7 @@
           </p:nvSpPr>
           <p:spPr>
             <a:xfrm>
-              <a:off x="4810833" y="5379958"/>
+              <a:off x="4524860" y="5380000"/>
               <a:ext cx="63202" cy="63202"/>
             </a:xfrm>
             <a:custGeom>
@@ -23924,7 +23924,7 @@
           </p:nvSpPr>
           <p:spPr>
             <a:xfrm>
-              <a:off x="4834971" y="5374331"/>
+              <a:off x="4797593" y="5374389"/>
               <a:ext cx="63202" cy="63202"/>
             </a:xfrm>
             <a:custGeom>
@@ -23967,7 +23967,7 @@
           </p:nvSpPr>
           <p:spPr>
             <a:xfrm>
-              <a:off x="5137404" y="5408753"/>
+              <a:off x="4624002" y="5408768"/>
               <a:ext cx="63202" cy="63202"/>
             </a:xfrm>
             <a:custGeom>
@@ -24010,7 +24010,7 @@
           </p:nvSpPr>
           <p:spPr>
             <a:xfrm>
-              <a:off x="5159321" y="5368866"/>
+              <a:off x="4540818" y="5368946"/>
               <a:ext cx="63202" cy="63202"/>
             </a:xfrm>
             <a:custGeom>
@@ -24053,7 +24053,7 @@
           </p:nvSpPr>
           <p:spPr>
             <a:xfrm>
-              <a:off x="4879410" y="5335160"/>
+              <a:off x="4708126" y="5335233"/>
               <a:ext cx="63202" cy="63202"/>
             </a:xfrm>
             <a:custGeom>
@@ -24096,7 +24096,7 @@
           </p:nvSpPr>
           <p:spPr>
             <a:xfrm>
-              <a:off x="4967502" y="5776561"/>
+              <a:off x="4798875" y="5776580"/>
               <a:ext cx="63202" cy="63202"/>
             </a:xfrm>
             <a:custGeom>
@@ -24139,7 +24139,7 @@
           </p:nvSpPr>
           <p:spPr>
             <a:xfrm>
-              <a:off x="4630582" y="5359427"/>
+              <a:off x="4936040" y="5359484"/>
               <a:ext cx="63202" cy="63202"/>
             </a:xfrm>
             <a:custGeom>
@@ -24182,7 +24182,7 @@
           </p:nvSpPr>
           <p:spPr>
             <a:xfrm>
-              <a:off x="4708319" y="5326797"/>
+              <a:off x="5141957" y="5326829"/>
               <a:ext cx="63202" cy="63202"/>
             </a:xfrm>
             <a:custGeom>
@@ -24225,7 +24225,7 @@
           </p:nvSpPr>
           <p:spPr>
             <a:xfrm>
-              <a:off x="4778098" y="5342186"/>
+              <a:off x="4999064" y="5342196"/>
               <a:ext cx="63202" cy="63202"/>
             </a:xfrm>
             <a:custGeom>
@@ -24268,7 +24268,7 @@
           </p:nvSpPr>
           <p:spPr>
             <a:xfrm>
-              <a:off x="5073064" y="5377380"/>
+              <a:off x="4723588" y="5377405"/>
               <a:ext cx="63202" cy="63202"/>
             </a:xfrm>
             <a:custGeom>
@@ -24311,7 +24311,7 @@
           </p:nvSpPr>
           <p:spPr>
             <a:xfrm>
-              <a:off x="5077223" y="5335436"/>
+              <a:off x="4602241" y="5335549"/>
               <a:ext cx="63202" cy="63202"/>
             </a:xfrm>
             <a:custGeom>
@@ -24354,7 +24354,7 @@
           </p:nvSpPr>
           <p:spPr>
             <a:xfrm>
-              <a:off x="4514737" y="5670444"/>
+              <a:off x="4999816" y="5670496"/>
               <a:ext cx="63202" cy="63202"/>
             </a:xfrm>
             <a:custGeom>
@@ -24397,7 +24397,7 @@
           </p:nvSpPr>
           <p:spPr>
             <a:xfrm>
-              <a:off x="5158817" y="5780360"/>
+              <a:off x="4723257" y="5780355"/>
               <a:ext cx="63202" cy="63202"/>
             </a:xfrm>
             <a:custGeom>
@@ -24440,7 +24440,7 @@
           </p:nvSpPr>
           <p:spPr>
             <a:xfrm>
-              <a:off x="4540410" y="5387833"/>
+              <a:off x="5124147" y="5387904"/>
               <a:ext cx="63202" cy="63202"/>
             </a:xfrm>
             <a:custGeom>
@@ -24483,7 +24483,7 @@
           </p:nvSpPr>
           <p:spPr>
             <a:xfrm>
-              <a:off x="4798595" y="5386849"/>
+              <a:off x="4910269" y="5386875"/>
               <a:ext cx="63202" cy="63202"/>
             </a:xfrm>
             <a:custGeom>
@@ -24526,7 +24526,7 @@
           </p:nvSpPr>
           <p:spPr>
             <a:xfrm>
-              <a:off x="4495914" y="5361272"/>
+              <a:off x="4759009" y="5361308"/>
               <a:ext cx="63202" cy="63202"/>
             </a:xfrm>
             <a:custGeom>
@@ -24569,7 +24569,7 @@
           </p:nvSpPr>
           <p:spPr>
             <a:xfrm>
-              <a:off x="4666081" y="6354293"/>
+              <a:off x="4682593" y="6354332"/>
               <a:ext cx="63202" cy="63202"/>
             </a:xfrm>
             <a:custGeom>
@@ -24612,7 +24612,7 @@
           </p:nvSpPr>
           <p:spPr>
             <a:xfrm>
-              <a:off x="4772078" y="5435351"/>
+              <a:off x="4533795" y="5435397"/>
               <a:ext cx="63202" cy="63202"/>
             </a:xfrm>
             <a:custGeom>
@@ -24655,7 +24655,7 @@
           </p:nvSpPr>
           <p:spPr>
             <a:xfrm>
-              <a:off x="5015148" y="5431276"/>
+              <a:off x="5040452" y="5431371"/>
               <a:ext cx="63202" cy="63202"/>
             </a:xfrm>
             <a:custGeom>
@@ -24698,7 +24698,7 @@
           </p:nvSpPr>
           <p:spPr>
             <a:xfrm>
-              <a:off x="4518625" y="5436595"/>
+              <a:off x="4727379" y="5436595"/>
               <a:ext cx="63202" cy="63202"/>
             </a:xfrm>
             <a:custGeom>
@@ -24741,7 +24741,7 @@
           </p:nvSpPr>
           <p:spPr>
             <a:xfrm>
-              <a:off x="4838427" y="5878759"/>
+              <a:off x="5101276" y="5878826"/>
               <a:ext cx="63202" cy="63202"/>
             </a:xfrm>
             <a:custGeom>
@@ -24784,7 +24784,7 @@
           </p:nvSpPr>
           <p:spPr>
             <a:xfrm>
-              <a:off x="4631360" y="5586882"/>
+              <a:off x="4849645" y="5586913"/>
               <a:ext cx="63202" cy="63202"/>
             </a:xfrm>
             <a:custGeom>
@@ -24827,7 +24827,7 @@
           </p:nvSpPr>
           <p:spPr>
             <a:xfrm>
-              <a:off x="4873273" y="5328962"/>
+              <a:off x="5155428" y="5328986"/>
               <a:ext cx="63202" cy="63202"/>
             </a:xfrm>
             <a:custGeom>
@@ -24870,7 +24870,7 @@
           </p:nvSpPr>
           <p:spPr>
             <a:xfrm>
-              <a:off x="5066339" y="5431460"/>
+              <a:off x="4921986" y="5431520"/>
               <a:ext cx="63202" cy="63202"/>
             </a:xfrm>
             <a:custGeom>
@@ -24913,7 +24913,7 @@
           </p:nvSpPr>
           <p:spPr>
             <a:xfrm>
-              <a:off x="4684693" y="5492063"/>
+              <a:off x="4628460" y="5492102"/>
               <a:ext cx="63202" cy="63202"/>
             </a:xfrm>
             <a:custGeom>
@@ -24956,7 +24956,7 @@
           </p:nvSpPr>
           <p:spPr>
             <a:xfrm>
-              <a:off x="4868541" y="5337396"/>
+              <a:off x="4534498" y="5337381"/>
               <a:ext cx="63202" cy="63202"/>
             </a:xfrm>
             <a:custGeom>
@@ -24999,7 +24999,7 @@
           </p:nvSpPr>
           <p:spPr>
             <a:xfrm>
-              <a:off x="4517375" y="5337763"/>
+              <a:off x="4671767" y="5337783"/>
               <a:ext cx="63202" cy="63202"/>
             </a:xfrm>
             <a:custGeom>
@@ -25042,7 +25042,7 @@
           </p:nvSpPr>
           <p:spPr>
             <a:xfrm>
-              <a:off x="4926469" y="5358892"/>
+              <a:off x="4904745" y="5358930"/>
               <a:ext cx="63202" cy="63202"/>
             </a:xfrm>
             <a:custGeom>
@@ -25085,7 +25085,7 @@
           </p:nvSpPr>
           <p:spPr>
             <a:xfrm>
-              <a:off x="4893325" y="5430531"/>
+              <a:off x="4570297" y="5430591"/>
               <a:ext cx="63202" cy="63202"/>
             </a:xfrm>
             <a:custGeom>
@@ -25128,7 +25128,7 @@
           </p:nvSpPr>
           <p:spPr>
             <a:xfrm>
-              <a:off x="4474005" y="5381658"/>
+              <a:off x="4921833" y="5381699"/>
               <a:ext cx="63202" cy="63202"/>
             </a:xfrm>
             <a:custGeom>
@@ -25171,7 +25171,7 @@
           </p:nvSpPr>
           <p:spPr>
             <a:xfrm>
-              <a:off x="5111271" y="5376233"/>
+              <a:off x="4881275" y="5376276"/>
               <a:ext cx="63202" cy="63202"/>
             </a:xfrm>
             <a:custGeom>
@@ -25214,7 +25214,7 @@
           </p:nvSpPr>
           <p:spPr>
             <a:xfrm>
-              <a:off x="4649086" y="5364258"/>
+              <a:off x="4930470" y="5364296"/>
               <a:ext cx="63202" cy="63202"/>
             </a:xfrm>
             <a:custGeom>
@@ -25257,7 +25257,7 @@
           </p:nvSpPr>
           <p:spPr>
             <a:xfrm>
-              <a:off x="4668727" y="5528697"/>
+              <a:off x="4644003" y="5528780"/>
               <a:ext cx="63202" cy="63202"/>
             </a:xfrm>
             <a:custGeom>
@@ -25300,7 +25300,7 @@
           </p:nvSpPr>
           <p:spPr>
             <a:xfrm>
-              <a:off x="4586733" y="5376051"/>
+              <a:off x="4731854" y="5376131"/>
               <a:ext cx="63202" cy="63202"/>
             </a:xfrm>
             <a:custGeom>
@@ -25343,7 +25343,7 @@
           </p:nvSpPr>
           <p:spPr>
             <a:xfrm>
-              <a:off x="4855297" y="5354648"/>
+              <a:off x="4646045" y="5354670"/>
               <a:ext cx="63202" cy="63202"/>
             </a:xfrm>
             <a:custGeom>
@@ -25386,7 +25386,7 @@
           </p:nvSpPr>
           <p:spPr>
             <a:xfrm>
-              <a:off x="4830985" y="6055255"/>
+              <a:off x="4928214" y="6055282"/>
               <a:ext cx="63202" cy="63202"/>
             </a:xfrm>
             <a:custGeom>
@@ -25429,7 +25429,7 @@
           </p:nvSpPr>
           <p:spPr>
             <a:xfrm>
-              <a:off x="4854597" y="5346921"/>
+              <a:off x="4799467" y="5346911"/>
               <a:ext cx="63202" cy="63202"/>
             </a:xfrm>
             <a:custGeom>
@@ -25472,7 +25472,7 @@
           </p:nvSpPr>
           <p:spPr>
             <a:xfrm>
-              <a:off x="5077133" y="5364389"/>
+              <a:off x="4922465" y="5364422"/>
               <a:ext cx="63202" cy="63202"/>
             </a:xfrm>
             <a:custGeom>
@@ -25515,7 +25515,7 @@
           </p:nvSpPr>
           <p:spPr>
             <a:xfrm>
-              <a:off x="4666259" y="5380153"/>
+              <a:off x="4728851" y="5380194"/>
               <a:ext cx="63202" cy="63202"/>
             </a:xfrm>
             <a:custGeom>
@@ -25558,7 +25558,7 @@
           </p:nvSpPr>
           <p:spPr>
             <a:xfrm>
-              <a:off x="5962325" y="6744987"/>
+              <a:off x="5961264" y="6744940"/>
               <a:ext cx="63202" cy="63202"/>
             </a:xfrm>
             <a:custGeom>
@@ -25601,7 +25601,7 @@
           </p:nvSpPr>
           <p:spPr>
             <a:xfrm>
-              <a:off x="4683391" y="5337851"/>
+              <a:off x="4772105" y="5337890"/>
               <a:ext cx="63202" cy="63202"/>
             </a:xfrm>
             <a:custGeom>
@@ -25644,7 +25644,7 @@
           </p:nvSpPr>
           <p:spPr>
             <a:xfrm>
-              <a:off x="5052632" y="5381988"/>
+              <a:off x="5038326" y="5382046"/>
               <a:ext cx="63202" cy="63202"/>
             </a:xfrm>
             <a:custGeom>
@@ -25687,7 +25687,7 @@
           </p:nvSpPr>
           <p:spPr>
             <a:xfrm>
-              <a:off x="4515188" y="5372963"/>
+              <a:off x="5150139" y="5373014"/>
               <a:ext cx="63202" cy="63202"/>
             </a:xfrm>
             <a:custGeom>
@@ -25730,7 +25730,7 @@
           </p:nvSpPr>
           <p:spPr>
             <a:xfrm>
-              <a:off x="5127394" y="5334837"/>
+              <a:off x="5110910" y="5334861"/>
               <a:ext cx="63202" cy="63202"/>
             </a:xfrm>
             <a:custGeom>
@@ -25773,7 +25773,7 @@
           </p:nvSpPr>
           <p:spPr>
             <a:xfrm>
-              <a:off x="4479801" y="5360858"/>
+              <a:off x="4636980" y="5360944"/>
               <a:ext cx="63202" cy="63202"/>
             </a:xfrm>
             <a:custGeom>
@@ -25816,7 +25816,7 @@
           </p:nvSpPr>
           <p:spPr>
             <a:xfrm>
-              <a:off x="4795312" y="5352342"/>
+              <a:off x="4697170" y="5352398"/>
               <a:ext cx="63202" cy="63202"/>
             </a:xfrm>
             <a:custGeom>
@@ -25859,7 +25859,7 @@
           </p:nvSpPr>
           <p:spPr>
             <a:xfrm>
-              <a:off x="4697291" y="5361441"/>
+              <a:off x="4729221" y="5361518"/>
               <a:ext cx="63202" cy="63202"/>
             </a:xfrm>
             <a:custGeom>
@@ -25902,7 +25902,7 @@
           </p:nvSpPr>
           <p:spPr>
             <a:xfrm>
-              <a:off x="5039665" y="5342280"/>
+              <a:off x="4893015" y="5342280"/>
               <a:ext cx="63202" cy="63202"/>
             </a:xfrm>
             <a:custGeom>
@@ -25945,7 +25945,7 @@
           </p:nvSpPr>
           <p:spPr>
             <a:xfrm>
-              <a:off x="4617750" y="5387242"/>
+              <a:off x="4604160" y="5387230"/>
               <a:ext cx="63202" cy="63202"/>
             </a:xfrm>
             <a:custGeom>
@@ -25988,7 +25988,7 @@
           </p:nvSpPr>
           <p:spPr>
             <a:xfrm>
-              <a:off x="4482490" y="5694115"/>
+              <a:off x="4545225" y="5694147"/>
               <a:ext cx="63202" cy="63202"/>
             </a:xfrm>
             <a:custGeom>
@@ -26031,7 +26031,7 @@
           </p:nvSpPr>
           <p:spPr>
             <a:xfrm>
-              <a:off x="4688112" y="5346403"/>
+              <a:off x="4957956" y="5346445"/>
               <a:ext cx="63202" cy="63202"/>
             </a:xfrm>
             <a:custGeom>
@@ -26074,7 +26074,7 @@
           </p:nvSpPr>
           <p:spPr>
             <a:xfrm>
-              <a:off x="4545631" y="5396970"/>
+              <a:off x="4934144" y="5396995"/>
               <a:ext cx="63202" cy="63202"/>
             </a:xfrm>
             <a:custGeom>
@@ -26117,7 +26117,7 @@
           </p:nvSpPr>
           <p:spPr>
             <a:xfrm>
-              <a:off x="5009495" y="5395353"/>
+              <a:off x="4526763" y="5395339"/>
               <a:ext cx="63202" cy="63202"/>
             </a:xfrm>
             <a:custGeom>
@@ -26160,7 +26160,7 @@
           </p:nvSpPr>
           <p:spPr>
             <a:xfrm>
-              <a:off x="4970756" y="5337267"/>
+              <a:off x="4689406" y="5337284"/>
               <a:ext cx="63202" cy="63202"/>
             </a:xfrm>
             <a:custGeom>
@@ -26203,7 +26203,7 @@
           </p:nvSpPr>
           <p:spPr>
             <a:xfrm>
-              <a:off x="4537413" y="5379359"/>
+              <a:off x="4684133" y="5379437"/>
               <a:ext cx="63202" cy="63202"/>
             </a:xfrm>
             <a:custGeom>
@@ -26246,7 +26246,7 @@
           </p:nvSpPr>
           <p:spPr>
             <a:xfrm>
-              <a:off x="4906787" y="5846038"/>
+              <a:off x="4993221" y="5846060"/>
               <a:ext cx="63202" cy="63202"/>
             </a:xfrm>
             <a:custGeom>
@@ -26289,7 +26289,7 @@
           </p:nvSpPr>
           <p:spPr>
             <a:xfrm>
-              <a:off x="4673221" y="5384373"/>
+              <a:off x="5132310" y="5384402"/>
               <a:ext cx="63202" cy="63202"/>
             </a:xfrm>
             <a:custGeom>
@@ -26332,7 +26332,7 @@
           </p:nvSpPr>
           <p:spPr>
             <a:xfrm>
-              <a:off x="5008291" y="5395601"/>
+              <a:off x="4964596" y="5395651"/>
               <a:ext cx="63202" cy="63202"/>
             </a:xfrm>
             <a:custGeom>
@@ -26375,7 +26375,7 @@
           </p:nvSpPr>
           <p:spPr>
             <a:xfrm>
-              <a:off x="5009540" y="5363021"/>
+              <a:off x="4564105" y="5363058"/>
               <a:ext cx="63202" cy="63202"/>
             </a:xfrm>
             <a:custGeom>
@@ -26418,7 +26418,7 @@
           </p:nvSpPr>
           <p:spPr>
             <a:xfrm>
-              <a:off x="4554731" y="5332150"/>
+              <a:off x="4945921" y="5332203"/>
               <a:ext cx="63202" cy="63202"/>
             </a:xfrm>
             <a:custGeom>
@@ -26461,7 +26461,7 @@
           </p:nvSpPr>
           <p:spPr>
             <a:xfrm>
-              <a:off x="4719522" y="5346931"/>
+              <a:off x="4796425" y="5346934"/>
               <a:ext cx="63202" cy="63202"/>
             </a:xfrm>
             <a:custGeom>
@@ -26504,7 +26504,7 @@
           </p:nvSpPr>
           <p:spPr>
             <a:xfrm>
-              <a:off x="4772598" y="5394225"/>
+              <a:off x="5035109" y="5394275"/>
               <a:ext cx="63202" cy="63202"/>
             </a:xfrm>
             <a:custGeom>
@@ -26547,7 +26547,7 @@
           </p:nvSpPr>
           <p:spPr>
             <a:xfrm>
-              <a:off x="4631658" y="5339611"/>
+              <a:off x="5136018" y="5339704"/>
               <a:ext cx="63202" cy="63202"/>
             </a:xfrm>
             <a:custGeom>
@@ -26590,7 +26590,7 @@
           </p:nvSpPr>
           <p:spPr>
             <a:xfrm>
-              <a:off x="4981533" y="5346649"/>
+              <a:off x="4842460" y="5346670"/>
               <a:ext cx="63202" cy="63202"/>
             </a:xfrm>
             <a:custGeom>
@@ -26633,7 +26633,7 @@
           </p:nvSpPr>
           <p:spPr>
             <a:xfrm>
-              <a:off x="4694148" y="5402768"/>
+              <a:off x="4937914" y="5402792"/>
               <a:ext cx="63202" cy="63202"/>
             </a:xfrm>
             <a:custGeom>
@@ -26676,7 +26676,7 @@
           </p:nvSpPr>
           <p:spPr>
             <a:xfrm>
-              <a:off x="4945669" y="5398384"/>
+              <a:off x="4785265" y="5398357"/>
               <a:ext cx="63202" cy="63202"/>
             </a:xfrm>
             <a:custGeom>
@@ -26719,7 +26719,7 @@
           </p:nvSpPr>
           <p:spPr>
             <a:xfrm>
-              <a:off x="4569916" y="5533453"/>
+              <a:off x="4476530" y="5533461"/>
               <a:ext cx="63202" cy="63202"/>
             </a:xfrm>
             <a:custGeom>
@@ -26762,7 +26762,7 @@
           </p:nvSpPr>
           <p:spPr>
             <a:xfrm>
-              <a:off x="4640989" y="5384966"/>
+              <a:off x="5143896" y="5385001"/>
               <a:ext cx="63202" cy="63202"/>
             </a:xfrm>
             <a:custGeom>
@@ -26805,7 +26805,7 @@
           </p:nvSpPr>
           <p:spPr>
             <a:xfrm>
-              <a:off x="6654444" y="6807873"/>
+              <a:off x="6891861" y="6807870"/>
               <a:ext cx="63202" cy="63202"/>
             </a:xfrm>
             <a:custGeom>
@@ -26848,7 +26848,7 @@
           </p:nvSpPr>
           <p:spPr>
             <a:xfrm>
-              <a:off x="4600016" y="5350777"/>
+              <a:off x="4970236" y="5350780"/>
               <a:ext cx="63202" cy="63202"/>
             </a:xfrm>
             <a:custGeom>
@@ -26891,7 +26891,7 @@
           </p:nvSpPr>
           <p:spPr>
             <a:xfrm>
-              <a:off x="4762685" y="5378618"/>
+              <a:off x="4672088" y="5378692"/>
               <a:ext cx="63202" cy="63202"/>
             </a:xfrm>
             <a:custGeom>
@@ -26934,7 +26934,7 @@
           </p:nvSpPr>
           <p:spPr>
             <a:xfrm>
-              <a:off x="5163869" y="5357265"/>
+              <a:off x="4901258" y="5357289"/>
               <a:ext cx="63202" cy="63202"/>
             </a:xfrm>
             <a:custGeom>
@@ -26977,7 +26977,7 @@
           </p:nvSpPr>
           <p:spPr>
             <a:xfrm>
-              <a:off x="4714778" y="5345832"/>
+              <a:off x="4592894" y="5345910"/>
               <a:ext cx="63202" cy="63202"/>
             </a:xfrm>
             <a:custGeom>
@@ -27020,7 +27020,7 @@
           </p:nvSpPr>
           <p:spPr>
             <a:xfrm>
-              <a:off x="4803204" y="5348141"/>
+              <a:off x="5091993" y="5348155"/>
               <a:ext cx="63202" cy="63202"/>
             </a:xfrm>
             <a:custGeom>
@@ -27063,7 +27063,7 @@
           </p:nvSpPr>
           <p:spPr>
             <a:xfrm>
-              <a:off x="4829355" y="5355238"/>
+              <a:off x="4948015" y="5355238"/>
               <a:ext cx="63202" cy="63202"/>
             </a:xfrm>
             <a:custGeom>
@@ -27106,7 +27106,7 @@
           </p:nvSpPr>
           <p:spPr>
             <a:xfrm>
-              <a:off x="5111776" y="5342868"/>
+              <a:off x="5143526" y="5342883"/>
               <a:ext cx="63202" cy="63202"/>
             </a:xfrm>
             <a:custGeom>
@@ -27149,7 +27149,7 @@
           </p:nvSpPr>
           <p:spPr>
             <a:xfrm>
-              <a:off x="4523142" y="5332288"/>
+              <a:off x="5100495" y="5332289"/>
               <a:ext cx="63202" cy="63202"/>
             </a:xfrm>
             <a:custGeom>
@@ -27192,7 +27192,7 @@
           </p:nvSpPr>
           <p:spPr>
             <a:xfrm>
-              <a:off x="4606857" y="5396674"/>
+              <a:off x="5106996" y="5396673"/>
               <a:ext cx="63202" cy="63202"/>
             </a:xfrm>
             <a:custGeom>
@@ -27235,7 +27235,7 @@
           </p:nvSpPr>
           <p:spPr>
             <a:xfrm>
-              <a:off x="4497044" y="5408351"/>
+              <a:off x="4568416" y="5408403"/>
               <a:ext cx="63202" cy="63202"/>
             </a:xfrm>
             <a:custGeom>
@@ -27278,7 +27278,7 @@
           </p:nvSpPr>
           <p:spPr>
             <a:xfrm>
-              <a:off x="4697974" y="5347349"/>
+              <a:off x="4603720" y="5347404"/>
               <a:ext cx="63202" cy="63202"/>
             </a:xfrm>
             <a:custGeom>
@@ -27321,7 +27321,7 @@
           </p:nvSpPr>
           <p:spPr>
             <a:xfrm>
-              <a:off x="5143414" y="5355859"/>
+              <a:off x="4519197" y="5355881"/>
               <a:ext cx="63202" cy="63202"/>
             </a:xfrm>
             <a:custGeom>
@@ -27364,7 +27364,7 @@
           </p:nvSpPr>
           <p:spPr>
             <a:xfrm>
-              <a:off x="5050178" y="5357483"/>
+              <a:off x="5146905" y="5357510"/>
               <a:ext cx="63202" cy="63202"/>
             </a:xfrm>
             <a:custGeom>
@@ -27407,7 +27407,7 @@
           </p:nvSpPr>
           <p:spPr>
             <a:xfrm>
-              <a:off x="4932270" y="5378328"/>
+              <a:off x="4483746" y="5378401"/>
               <a:ext cx="63202" cy="63202"/>
             </a:xfrm>
             <a:custGeom>
@@ -27450,7 +27450,7 @@
           </p:nvSpPr>
           <p:spPr>
             <a:xfrm>
-              <a:off x="5033516" y="5323176"/>
+              <a:off x="4943852" y="5323279"/>
               <a:ext cx="63202" cy="63202"/>
             </a:xfrm>
             <a:custGeom>
@@ -27493,7 +27493,7 @@
           </p:nvSpPr>
           <p:spPr>
             <a:xfrm>
-              <a:off x="4681281" y="5415924"/>
+              <a:off x="4910928" y="5415937"/>
               <a:ext cx="63202" cy="63202"/>
             </a:xfrm>
             <a:custGeom>
@@ -27536,7 +27536,7 @@
           </p:nvSpPr>
           <p:spPr>
             <a:xfrm>
-              <a:off x="4939020" y="5345764"/>
+              <a:off x="4741529" y="5345835"/>
               <a:ext cx="63202" cy="63202"/>
             </a:xfrm>
             <a:custGeom>
@@ -27579,7 +27579,7 @@
           </p:nvSpPr>
           <p:spPr>
             <a:xfrm>
-              <a:off x="4589848" y="5329794"/>
+              <a:off x="4567931" y="5329882"/>
               <a:ext cx="63202" cy="63202"/>
             </a:xfrm>
             <a:custGeom>
@@ -27622,7 +27622,7 @@
           </p:nvSpPr>
           <p:spPr>
             <a:xfrm>
-              <a:off x="4476113" y="5548627"/>
+              <a:off x="4475188" y="5548663"/>
               <a:ext cx="63202" cy="63202"/>
             </a:xfrm>
             <a:custGeom>
@@ -27665,7 +27665,7 @@
           </p:nvSpPr>
           <p:spPr>
             <a:xfrm>
-              <a:off x="5096618" y="5534316"/>
+              <a:off x="4886409" y="5534363"/>
               <a:ext cx="63202" cy="63202"/>
             </a:xfrm>
             <a:custGeom>
@@ -27708,7 +27708,7 @@
           </p:nvSpPr>
           <p:spPr>
             <a:xfrm>
-              <a:off x="4825060" y="5329804"/>
+              <a:off x="4525119" y="5329843"/>
               <a:ext cx="63202" cy="63202"/>
             </a:xfrm>
             <a:custGeom>
@@ -27751,7 +27751,7 @@
           </p:nvSpPr>
           <p:spPr>
             <a:xfrm>
-              <a:off x="4591794" y="5340124"/>
+              <a:off x="5131403" y="5340141"/>
               <a:ext cx="63202" cy="63202"/>
             </a:xfrm>
             <a:custGeom>
@@ -27794,7 +27794,7 @@
           </p:nvSpPr>
           <p:spPr>
             <a:xfrm>
-              <a:off x="5112401" y="5348981"/>
+              <a:off x="4662227" y="5348982"/>
               <a:ext cx="63202" cy="63202"/>
             </a:xfrm>
             <a:custGeom>
@@ -27837,7 +27837,7 @@
           </p:nvSpPr>
           <p:spPr>
             <a:xfrm>
-              <a:off x="4656135" y="5373055"/>
+              <a:off x="4901881" y="5373070"/>
               <a:ext cx="63202" cy="63202"/>
             </a:xfrm>
             <a:custGeom>
@@ -27880,7 +27880,7 @@
           </p:nvSpPr>
           <p:spPr>
             <a:xfrm>
-              <a:off x="4829528" y="5377196"/>
+              <a:off x="4659019" y="5377220"/>
               <a:ext cx="63202" cy="63202"/>
             </a:xfrm>
             <a:custGeom>
@@ -27923,7 +27923,7 @@
           </p:nvSpPr>
           <p:spPr>
             <a:xfrm>
-              <a:off x="4913834" y="5318316"/>
+              <a:off x="4647851" y="5318355"/>
               <a:ext cx="63202" cy="63202"/>
             </a:xfrm>
             <a:custGeom>
@@ -27966,7 +27966,7 @@
           </p:nvSpPr>
           <p:spPr>
             <a:xfrm>
-              <a:off x="4986462" y="5353892"/>
+              <a:off x="5032793" y="5353935"/>
               <a:ext cx="63202" cy="63202"/>
             </a:xfrm>
             <a:custGeom>
@@ -28009,7 +28009,7 @@
           </p:nvSpPr>
           <p:spPr>
             <a:xfrm>
-              <a:off x="4775397" y="5361587"/>
+              <a:off x="4800842" y="5361650"/>
               <a:ext cx="63202" cy="63202"/>
             </a:xfrm>
             <a:custGeom>
@@ -28052,7 +28052,7 @@
           </p:nvSpPr>
           <p:spPr>
             <a:xfrm>
-              <a:off x="4472026" y="5434535"/>
+              <a:off x="4611650" y="5434558"/>
               <a:ext cx="63202" cy="63202"/>
             </a:xfrm>
             <a:custGeom>
@@ -28095,7 +28095,7 @@
           </p:nvSpPr>
           <p:spPr>
             <a:xfrm>
-              <a:off x="5070843" y="5337058"/>
+              <a:off x="4980510" y="5337122"/>
               <a:ext cx="63202" cy="63202"/>
             </a:xfrm>
             <a:custGeom>
@@ -28138,7 +28138,7 @@
           </p:nvSpPr>
           <p:spPr>
             <a:xfrm>
-              <a:off x="4677304" y="5338846"/>
+              <a:off x="4810310" y="5338892"/>
               <a:ext cx="63202" cy="63202"/>
             </a:xfrm>
             <a:custGeom>
@@ -28181,7 +28181,7 @@
           </p:nvSpPr>
           <p:spPr>
             <a:xfrm>
-              <a:off x="5088189" y="5421930"/>
+              <a:off x="4922094" y="5422025"/>
               <a:ext cx="63202" cy="63202"/>
             </a:xfrm>
             <a:custGeom>
@@ -28224,7 +28224,7 @@
           </p:nvSpPr>
           <p:spPr>
             <a:xfrm>
-              <a:off x="4952499" y="5348789"/>
+              <a:off x="4506266" y="5348854"/>
               <a:ext cx="63202" cy="63202"/>
             </a:xfrm>
             <a:custGeom>
@@ -28267,7 +28267,7 @@
           </p:nvSpPr>
           <p:spPr>
             <a:xfrm>
-              <a:off x="4621049" y="5355867"/>
+              <a:off x="5020586" y="5355899"/>
               <a:ext cx="63202" cy="63202"/>
             </a:xfrm>
             <a:custGeom>
@@ -28310,7 +28310,7 @@
           </p:nvSpPr>
           <p:spPr>
             <a:xfrm>
-              <a:off x="4755004" y="5372084"/>
+              <a:off x="4576320" y="5372154"/>
               <a:ext cx="63202" cy="63202"/>
             </a:xfrm>
             <a:custGeom>
@@ -28353,7 +28353,7 @@
           </p:nvSpPr>
           <p:spPr>
             <a:xfrm>
-              <a:off x="4990347" y="5363812"/>
+              <a:off x="4835227" y="5363821"/>
               <a:ext cx="63202" cy="63202"/>
             </a:xfrm>
             <a:custGeom>
@@ -28396,7 +28396,7 @@
           </p:nvSpPr>
           <p:spPr>
             <a:xfrm>
-              <a:off x="4794659" y="5367168"/>
+              <a:off x="4811776" y="5367221"/>
               <a:ext cx="63202" cy="63202"/>
             </a:xfrm>
             <a:custGeom>
@@ -28439,7 +28439,7 @@
           </p:nvSpPr>
           <p:spPr>
             <a:xfrm>
-              <a:off x="5064722" y="5381623"/>
+              <a:off x="5140974" y="5381704"/>
               <a:ext cx="63202" cy="63202"/>
             </a:xfrm>
             <a:custGeom>
@@ -28482,7 +28482,7 @@
           </p:nvSpPr>
           <p:spPr>
             <a:xfrm>
-              <a:off x="4769467" y="5377409"/>
+              <a:off x="5166817" y="5377427"/>
               <a:ext cx="63202" cy="63202"/>
             </a:xfrm>
             <a:custGeom>
@@ -28525,7 +28525,7 @@
           </p:nvSpPr>
           <p:spPr>
             <a:xfrm>
-              <a:off x="4655003" y="5360954"/>
+              <a:off x="4553474" y="5361007"/>
               <a:ext cx="63202" cy="63202"/>
             </a:xfrm>
             <a:custGeom>
@@ -28568,7 +28568,7 @@
           </p:nvSpPr>
           <p:spPr>
             <a:xfrm>
-              <a:off x="4712023" y="5378032"/>
+              <a:off x="4948504" y="5378065"/>
               <a:ext cx="63202" cy="63202"/>
             </a:xfrm>
             <a:custGeom>
@@ -28611,7 +28611,7 @@
           </p:nvSpPr>
           <p:spPr>
             <a:xfrm>
-              <a:off x="5019066" y="5379148"/>
+              <a:off x="4850375" y="5379263"/>
               <a:ext cx="63202" cy="63202"/>
             </a:xfrm>
             <a:custGeom>
@@ -28654,7 +28654,7 @@
           </p:nvSpPr>
           <p:spPr>
             <a:xfrm>
-              <a:off x="4664823" y="6240477"/>
+              <a:off x="4548513" y="6240470"/>
               <a:ext cx="63202" cy="63202"/>
             </a:xfrm>
             <a:custGeom>
@@ -28697,7 +28697,7 @@
           </p:nvSpPr>
           <p:spPr>
             <a:xfrm>
-              <a:off x="4553481" y="5375971"/>
+              <a:off x="5075396" y="5375982"/>
               <a:ext cx="63202" cy="63202"/>
             </a:xfrm>
             <a:custGeom>
@@ -28740,7 +28740,7 @@
           </p:nvSpPr>
           <p:spPr>
             <a:xfrm>
-              <a:off x="4551290" y="5356621"/>
+              <a:off x="4570912" y="5356654"/>
               <a:ext cx="63202" cy="63202"/>
             </a:xfrm>
             <a:custGeom>
@@ -28783,7 +28783,7 @@
           </p:nvSpPr>
           <p:spPr>
             <a:xfrm>
-              <a:off x="5137572" y="5411825"/>
+              <a:off x="4822565" y="5411901"/>
               <a:ext cx="63202" cy="63202"/>
             </a:xfrm>
             <a:custGeom>
@@ -28826,7 +28826,7 @@
           </p:nvSpPr>
           <p:spPr>
             <a:xfrm>
-              <a:off x="4744359" y="5376944"/>
+              <a:off x="5064849" y="5376967"/>
               <a:ext cx="63202" cy="63202"/>
             </a:xfrm>
             <a:custGeom>
@@ -28869,7 +28869,7 @@
           </p:nvSpPr>
           <p:spPr>
             <a:xfrm>
-              <a:off x="4659548" y="5373870"/>
+              <a:off x="4682080" y="5373966"/>
               <a:ext cx="63202" cy="63202"/>
             </a:xfrm>
             <a:custGeom>
@@ -28912,7 +28912,7 @@
           </p:nvSpPr>
           <p:spPr>
             <a:xfrm>
-              <a:off x="4706983" y="5348181"/>
+              <a:off x="5045021" y="5348283"/>
               <a:ext cx="63202" cy="63202"/>
             </a:xfrm>
             <a:custGeom>
@@ -28955,7 +28955,7 @@
           </p:nvSpPr>
           <p:spPr>
             <a:xfrm>
-              <a:off x="4922858" y="5348663"/>
+              <a:off x="4752296" y="5348759"/>
               <a:ext cx="63202" cy="63202"/>
             </a:xfrm>
             <a:custGeom>
@@ -28998,7 +28998,7 @@
           </p:nvSpPr>
           <p:spPr>
             <a:xfrm>
-              <a:off x="4612341" y="5349157"/>
+              <a:off x="5112431" y="5349233"/>
               <a:ext cx="63202" cy="63202"/>
             </a:xfrm>
             <a:custGeom>
@@ -29041,7 +29041,7 @@
           </p:nvSpPr>
           <p:spPr>
             <a:xfrm>
-              <a:off x="4601688" y="6303916"/>
+              <a:off x="5087917" y="6303940"/>
               <a:ext cx="63202" cy="63202"/>
             </a:xfrm>
             <a:custGeom>
@@ -29084,7 +29084,7 @@
           </p:nvSpPr>
           <p:spPr>
             <a:xfrm>
-              <a:off x="4919260" y="5980213"/>
+              <a:off x="4921866" y="5980185"/>
               <a:ext cx="63202" cy="63202"/>
             </a:xfrm>
             <a:custGeom>
@@ -29127,7 +29127,7 @@
           </p:nvSpPr>
           <p:spPr>
             <a:xfrm>
-              <a:off x="4928993" y="5973572"/>
+              <a:off x="5035313" y="5973563"/>
               <a:ext cx="63202" cy="63202"/>
             </a:xfrm>
             <a:custGeom>
@@ -29170,7 +29170,7 @@
           </p:nvSpPr>
           <p:spPr>
             <a:xfrm>
-              <a:off x="4710849" y="6107707"/>
+              <a:off x="4852058" y="6107737"/>
               <a:ext cx="63202" cy="63202"/>
             </a:xfrm>
             <a:custGeom>
@@ -29213,7 +29213,7 @@
           </p:nvSpPr>
           <p:spPr>
             <a:xfrm>
-              <a:off x="4951773" y="5358510"/>
+              <a:off x="4553586" y="5358533"/>
               <a:ext cx="63202" cy="63202"/>
             </a:xfrm>
             <a:custGeom>
@@ -29256,7 +29256,7 @@
           </p:nvSpPr>
           <p:spPr>
             <a:xfrm>
-              <a:off x="5358867" y="6626864"/>
+              <a:off x="5724277" y="6626849"/>
               <a:ext cx="63202" cy="63202"/>
             </a:xfrm>
             <a:custGeom>
@@ -29299,7 +29299,7 @@
           </p:nvSpPr>
           <p:spPr>
             <a:xfrm>
-              <a:off x="4483074" y="5784864"/>
+              <a:off x="4526375" y="5784903"/>
               <a:ext cx="63202" cy="63202"/>
             </a:xfrm>
             <a:custGeom>
@@ -29342,7 +29342,7 @@
           </p:nvSpPr>
           <p:spPr>
             <a:xfrm>
-              <a:off x="5008349" y="5356985"/>
+              <a:off x="4650240" y="5357055"/>
               <a:ext cx="63202" cy="63202"/>
             </a:xfrm>
             <a:custGeom>
@@ -29385,7 +29385,7 @@
           </p:nvSpPr>
           <p:spPr>
             <a:xfrm>
-              <a:off x="5053855" y="5335346"/>
+              <a:off x="4974674" y="5335397"/>
               <a:ext cx="63202" cy="63202"/>
             </a:xfrm>
             <a:custGeom>
@@ -29428,7 +29428,7 @@
           </p:nvSpPr>
           <p:spPr>
             <a:xfrm>
-              <a:off x="5039193" y="5401533"/>
+              <a:off x="4828182" y="5401618"/>
               <a:ext cx="63202" cy="63202"/>
             </a:xfrm>
             <a:custGeom>
@@ -29471,7 +29471,7 @@
           </p:nvSpPr>
           <p:spPr>
             <a:xfrm>
-              <a:off x="5156138" y="5340091"/>
+              <a:off x="4542057" y="5340159"/>
               <a:ext cx="63202" cy="63202"/>
             </a:xfrm>
             <a:custGeom>
@@ -29514,7 +29514,7 @@
           </p:nvSpPr>
           <p:spPr>
             <a:xfrm>
-              <a:off x="4817022" y="5363683"/>
+              <a:off x="4729977" y="5363782"/>
               <a:ext cx="63202" cy="63202"/>
             </a:xfrm>
             <a:custGeom>
@@ -29557,7 +29557,7 @@
           </p:nvSpPr>
           <p:spPr>
             <a:xfrm>
-              <a:off x="4544670" y="5349326"/>
+              <a:off x="4508281" y="5349395"/>
               <a:ext cx="63202" cy="63202"/>
             </a:xfrm>
             <a:custGeom>
@@ -29600,7 +29600,7 @@
           </p:nvSpPr>
           <p:spPr>
             <a:xfrm>
-              <a:off x="5135583" y="5466670"/>
+              <a:off x="4838600" y="5466771"/>
               <a:ext cx="63202" cy="63202"/>
             </a:xfrm>
             <a:custGeom>
@@ -29643,7 +29643,7 @@
           </p:nvSpPr>
           <p:spPr>
             <a:xfrm>
-              <a:off x="4915238" y="5344004"/>
+              <a:off x="4583254" y="5344044"/>
               <a:ext cx="63202" cy="63202"/>
             </a:xfrm>
             <a:custGeom>
@@ -29686,7 +29686,7 @@
           </p:nvSpPr>
           <p:spPr>
             <a:xfrm>
-              <a:off x="5096249" y="5429686"/>
+              <a:off x="4762194" y="5429745"/>
               <a:ext cx="63202" cy="63202"/>
             </a:xfrm>
             <a:custGeom>
@@ -29729,7 +29729,7 @@
           </p:nvSpPr>
           <p:spPr>
             <a:xfrm>
-              <a:off x="5019755" y="5349728"/>
+              <a:off x="4692597" y="5349764"/>
               <a:ext cx="63202" cy="63202"/>
             </a:xfrm>
             <a:custGeom>
@@ -29772,7 +29772,7 @@
           </p:nvSpPr>
           <p:spPr>
             <a:xfrm>
-              <a:off x="5038989" y="5365487"/>
+              <a:off x="5150799" y="5365552"/>
               <a:ext cx="63202" cy="63202"/>
             </a:xfrm>
             <a:custGeom>
@@ -29815,7 +29815,7 @@
           </p:nvSpPr>
           <p:spPr>
             <a:xfrm>
-              <a:off x="4910271" y="5317982"/>
+              <a:off x="4704226" y="5318082"/>
               <a:ext cx="63202" cy="63202"/>
             </a:xfrm>
             <a:custGeom>
@@ -29858,7 +29858,7 @@
           </p:nvSpPr>
           <p:spPr>
             <a:xfrm>
-              <a:off x="4771783" y="5373651"/>
+              <a:off x="4877458" y="5373665"/>
               <a:ext cx="63202" cy="63202"/>
             </a:xfrm>
             <a:custGeom>
@@ -29901,7 +29901,7 @@
           </p:nvSpPr>
           <p:spPr>
             <a:xfrm>
-              <a:off x="5038603" y="5374339"/>
+              <a:off x="5094234" y="5374436"/>
               <a:ext cx="63202" cy="63202"/>
             </a:xfrm>
             <a:custGeom>
@@ -29944,7 +29944,7 @@
           </p:nvSpPr>
           <p:spPr>
             <a:xfrm>
-              <a:off x="4517116" y="5372855"/>
+              <a:off x="4779704" y="5372873"/>
               <a:ext cx="63202" cy="63202"/>
             </a:xfrm>
             <a:custGeom>
@@ -29987,7 +29987,7 @@
           </p:nvSpPr>
           <p:spPr>
             <a:xfrm>
-              <a:off x="5044667" y="5372769"/>
+              <a:off x="5054766" y="5372771"/>
               <a:ext cx="63202" cy="63202"/>
             </a:xfrm>
             <a:custGeom>
@@ -30030,7 +30030,7 @@
           </p:nvSpPr>
           <p:spPr>
             <a:xfrm>
-              <a:off x="4482310" y="5370978"/>
+              <a:off x="4559690" y="5371023"/>
               <a:ext cx="63202" cy="63202"/>
             </a:xfrm>
             <a:custGeom>
@@ -30073,7 +30073,7 @@
           </p:nvSpPr>
           <p:spPr>
             <a:xfrm>
-              <a:off x="4924229" y="5385703"/>
+              <a:off x="4623980" y="5385753"/>
               <a:ext cx="63202" cy="63202"/>
             </a:xfrm>
             <a:custGeom>
@@ -30116,7 +30116,7 @@
           </p:nvSpPr>
           <p:spPr>
             <a:xfrm>
-              <a:off x="4762080" y="5502180"/>
+              <a:off x="4774931" y="5502262"/>
               <a:ext cx="63202" cy="63202"/>
             </a:xfrm>
             <a:custGeom>
@@ -30159,7 +30159,7 @@
           </p:nvSpPr>
           <p:spPr>
             <a:xfrm>
-              <a:off x="4497872" y="5360737"/>
+              <a:off x="4577755" y="5360804"/>
               <a:ext cx="63202" cy="63202"/>
             </a:xfrm>
             <a:custGeom>
@@ -30202,7 +30202,7 @@
           </p:nvSpPr>
           <p:spPr>
             <a:xfrm>
-              <a:off x="4901328" y="5348879"/>
+              <a:off x="4691470" y="5348901"/>
               <a:ext cx="63202" cy="63202"/>
             </a:xfrm>
             <a:custGeom>
@@ -30245,7 +30245,7 @@
           </p:nvSpPr>
           <p:spPr>
             <a:xfrm>
-              <a:off x="5060079" y="5592947"/>
+              <a:off x="4580733" y="5592986"/>
               <a:ext cx="63202" cy="63202"/>
             </a:xfrm>
             <a:custGeom>
@@ -30288,7 +30288,7 @@
           </p:nvSpPr>
           <p:spPr>
             <a:xfrm>
-              <a:off x="4832986" y="5441460"/>
+              <a:off x="4758904" y="5441565"/>
               <a:ext cx="63202" cy="63202"/>
             </a:xfrm>
             <a:custGeom>
@@ -30331,7 +30331,7 @@
           </p:nvSpPr>
           <p:spPr>
             <a:xfrm>
-              <a:off x="4976366" y="5368796"/>
+              <a:off x="5048306" y="5368838"/>
               <a:ext cx="63202" cy="63202"/>
             </a:xfrm>
             <a:custGeom>
@@ -30374,7 +30374,7 @@
           </p:nvSpPr>
           <p:spPr>
             <a:xfrm>
-              <a:off x="4739502" y="5337015"/>
+              <a:off x="5085345" y="5336995"/>
               <a:ext cx="63202" cy="63202"/>
             </a:xfrm>
             <a:custGeom>
@@ -30417,7 +30417,7 @@
           </p:nvSpPr>
           <p:spPr>
             <a:xfrm>
-              <a:off x="5000783" y="5358201"/>
+              <a:off x="5112538" y="5358269"/>
               <a:ext cx="63202" cy="63202"/>
             </a:xfrm>
             <a:custGeom>
@@ -30460,7 +30460,7 @@
           </p:nvSpPr>
           <p:spPr>
             <a:xfrm>
-              <a:off x="5060918" y="5514036"/>
+              <a:off x="4602451" y="5514026"/>
               <a:ext cx="63202" cy="63202"/>
             </a:xfrm>
             <a:custGeom>
@@ -30503,7 +30503,7 @@
           </p:nvSpPr>
           <p:spPr>
             <a:xfrm>
-              <a:off x="4661454" y="5386453"/>
+              <a:off x="4829930" y="5386494"/>
               <a:ext cx="63202" cy="63202"/>
             </a:xfrm>
             <a:custGeom>
@@ -30546,7 +30546,7 @@
           </p:nvSpPr>
           <p:spPr>
             <a:xfrm>
-              <a:off x="4958110" y="5466720"/>
+              <a:off x="4808931" y="5466773"/>
               <a:ext cx="63202" cy="63202"/>
             </a:xfrm>
             <a:custGeom>
@@ -30589,7 +30589,7 @@
           </p:nvSpPr>
           <p:spPr>
             <a:xfrm>
-              <a:off x="4760711" y="5383623"/>
+              <a:off x="4477846" y="5383665"/>
               <a:ext cx="63202" cy="63202"/>
             </a:xfrm>
             <a:custGeom>
@@ -30688,7 +30688,7 @@
           </p:nvSpPr>
           <p:spPr>
             <a:xfrm>
-              <a:off x="7192078" y="2850779"/>
+              <a:off x="7192078" y="2850753"/>
               <a:ext cx="2796732" cy="0"/>
             </a:xfrm>
             <a:custGeom>
@@ -30774,7 +30774,7 @@
           </p:nvSpPr>
           <p:spPr>
             <a:xfrm>
-              <a:off x="7192078" y="1906693"/>
+              <a:off x="7192078" y="1906719"/>
               <a:ext cx="2796732" cy="0"/>
             </a:xfrm>
             <a:custGeom>
@@ -30817,7 +30817,7 @@
           </p:nvSpPr>
           <p:spPr>
             <a:xfrm>
-              <a:off x="7192078" y="1434651"/>
+              <a:off x="7192078" y="1434702"/>
               <a:ext cx="2796732" cy="0"/>
             </a:xfrm>
             <a:custGeom>
@@ -30860,7 +30860,7 @@
           </p:nvSpPr>
           <p:spPr>
             <a:xfrm>
-              <a:off x="7192078" y="2614757"/>
+              <a:off x="7192078" y="2614744"/>
               <a:ext cx="2796732" cy="0"/>
             </a:xfrm>
             <a:custGeom>
@@ -30903,7 +30903,7 @@
           </p:nvSpPr>
           <p:spPr>
             <a:xfrm>
-              <a:off x="7192078" y="2142715"/>
+              <a:off x="7192078" y="2142727"/>
               <a:ext cx="2796732" cy="0"/>
             </a:xfrm>
             <a:custGeom>
@@ -30946,7 +30946,7 @@
           </p:nvSpPr>
           <p:spPr>
             <a:xfrm>
-              <a:off x="7192078" y="1670672"/>
+              <a:off x="7192078" y="1670711"/>
               <a:ext cx="2796732" cy="0"/>
             </a:xfrm>
             <a:custGeom>
@@ -31118,7 +31118,7 @@
           </p:nvSpPr>
           <p:spPr>
             <a:xfrm>
-              <a:off x="7650661" y="2541639"/>
+              <a:off x="7755812" y="2541577"/>
               <a:ext cx="63202" cy="63202"/>
             </a:xfrm>
             <a:custGeom>
@@ -31161,7 +31161,7 @@
           </p:nvSpPr>
           <p:spPr>
             <a:xfrm>
-              <a:off x="7737621" y="2383128"/>
+              <a:off x="7646486" y="2383078"/>
               <a:ext cx="63202" cy="63202"/>
             </a:xfrm>
             <a:custGeom>
@@ -31204,7 +31204,7 @@
           </p:nvSpPr>
           <p:spPr>
             <a:xfrm>
-              <a:off x="7513386" y="2106181"/>
+              <a:off x="7497377" y="2106223"/>
               <a:ext cx="63202" cy="63202"/>
             </a:xfrm>
             <a:custGeom>
@@ -31247,7 +31247,7 @@
           </p:nvSpPr>
           <p:spPr>
             <a:xfrm>
-              <a:off x="7497965" y="2223738"/>
+              <a:off x="7549322" y="2223764"/>
               <a:ext cx="63202" cy="63202"/>
             </a:xfrm>
             <a:custGeom>
@@ -31290,7 +31290,7 @@
           </p:nvSpPr>
           <p:spPr>
             <a:xfrm>
-              <a:off x="7462987" y="2151614"/>
+              <a:off x="7631693" y="2151604"/>
               <a:ext cx="63202" cy="63202"/>
             </a:xfrm>
             <a:custGeom>
@@ -31333,7 +31333,7 @@
           </p:nvSpPr>
           <p:spPr>
             <a:xfrm>
-              <a:off x="7391832" y="1773890"/>
+              <a:off x="7661888" y="1773881"/>
               <a:ext cx="63202" cy="63202"/>
             </a:xfrm>
             <a:custGeom>
@@ -31376,7 +31376,7 @@
           </p:nvSpPr>
           <p:spPr>
             <a:xfrm>
-              <a:off x="7357990" y="2347799"/>
+              <a:off x="7677247" y="2347783"/>
               <a:ext cx="63202" cy="63202"/>
             </a:xfrm>
             <a:custGeom>
@@ -31419,7 +31419,7 @@
           </p:nvSpPr>
           <p:spPr>
             <a:xfrm>
-              <a:off x="7727883" y="2386909"/>
+              <a:off x="7696853" y="2386868"/>
               <a:ext cx="63202" cy="63202"/>
             </a:xfrm>
             <a:custGeom>
@@ -31462,7 +31462,7 @@
           </p:nvSpPr>
           <p:spPr>
             <a:xfrm>
-              <a:off x="7422556" y="2151269"/>
+              <a:off x="7697952" y="2151246"/>
               <a:ext cx="63202" cy="63202"/>
             </a:xfrm>
             <a:custGeom>
@@ -31505,7 +31505,7 @@
           </p:nvSpPr>
           <p:spPr>
             <a:xfrm>
-              <a:off x="7552525" y="2172567"/>
+              <a:off x="7871387" y="2172572"/>
               <a:ext cx="63202" cy="63202"/>
             </a:xfrm>
             <a:custGeom>
@@ -31548,7 +31548,7 @@
           </p:nvSpPr>
           <p:spPr>
             <a:xfrm>
-              <a:off x="7941018" y="2349941"/>
+              <a:off x="7370464" y="2349931"/>
               <a:ext cx="63202" cy="63202"/>
             </a:xfrm>
             <a:custGeom>
@@ -31591,7 +31591,7 @@
           </p:nvSpPr>
           <p:spPr>
             <a:xfrm>
-              <a:off x="7675745" y="2632309"/>
+              <a:off x="7842981" y="2632306"/>
               <a:ext cx="63202" cy="63202"/>
             </a:xfrm>
             <a:custGeom>
@@ -31634,7 +31634,7 @@
           </p:nvSpPr>
           <p:spPr>
             <a:xfrm>
-              <a:off x="7448992" y="2443516"/>
+              <a:off x="7861485" y="2443506"/>
               <a:ext cx="63202" cy="63202"/>
             </a:xfrm>
             <a:custGeom>
@@ -31677,7 +31677,7 @@
           </p:nvSpPr>
           <p:spPr>
             <a:xfrm>
-              <a:off x="7381326" y="2356748"/>
+              <a:off x="7584275" y="2356763"/>
               <a:ext cx="63202" cy="63202"/>
             </a:xfrm>
             <a:custGeom>
@@ -31720,7 +31720,7 @@
           </p:nvSpPr>
           <p:spPr>
             <a:xfrm>
-              <a:off x="7840373" y="2351006"/>
+              <a:off x="7705910" y="2351018"/>
               <a:ext cx="63202" cy="63202"/>
             </a:xfrm>
             <a:custGeom>
@@ -31763,7 +31763,7 @@
           </p:nvSpPr>
           <p:spPr>
             <a:xfrm>
-              <a:off x="7416724" y="2573059"/>
+              <a:off x="7882182" y="2573006"/>
               <a:ext cx="63202" cy="63202"/>
             </a:xfrm>
             <a:custGeom>
@@ -31806,7 +31806,7 @@
           </p:nvSpPr>
           <p:spPr>
             <a:xfrm>
-              <a:off x="7759390" y="2364496"/>
+              <a:off x="7783971" y="2364536"/>
               <a:ext cx="63202" cy="63202"/>
             </a:xfrm>
             <a:custGeom>
@@ -31849,7 +31849,7 @@
           </p:nvSpPr>
           <p:spPr>
             <a:xfrm>
-              <a:off x="7368281" y="2220516"/>
+              <a:off x="7858145" y="2220541"/>
               <a:ext cx="63202" cy="63202"/>
             </a:xfrm>
             <a:custGeom>
@@ -31892,7 +31892,7 @@
           </p:nvSpPr>
           <p:spPr>
             <a:xfrm>
-              <a:off x="7879688" y="2514121"/>
+              <a:off x="7756725" y="2514097"/>
               <a:ext cx="63202" cy="63202"/>
             </a:xfrm>
             <a:custGeom>
@@ -31935,7 +31935,7 @@
           </p:nvSpPr>
           <p:spPr>
             <a:xfrm>
-              <a:off x="7836652" y="2324100"/>
+              <a:off x="7571184" y="2324103"/>
               <a:ext cx="63202" cy="63202"/>
             </a:xfrm>
             <a:custGeom>
@@ -31978,7 +31978,7 @@
           </p:nvSpPr>
           <p:spPr>
             <a:xfrm>
-              <a:off x="7562271" y="2315795"/>
+              <a:off x="7446606" y="2315793"/>
               <a:ext cx="63202" cy="63202"/>
             </a:xfrm>
             <a:custGeom>
@@ -32021,7 +32021,7 @@
           </p:nvSpPr>
           <p:spPr>
             <a:xfrm>
-              <a:off x="8026909" y="2382750"/>
+              <a:off x="7997435" y="2382701"/>
               <a:ext cx="63202" cy="63202"/>
             </a:xfrm>
             <a:custGeom>
@@ -32064,7 +32064,7 @@
           </p:nvSpPr>
           <p:spPr>
             <a:xfrm>
-              <a:off x="7599555" y="2559444"/>
+              <a:off x="7513383" y="2559476"/>
               <a:ext cx="63202" cy="63202"/>
             </a:xfrm>
             <a:custGeom>
@@ -32107,7 +32107,7 @@
           </p:nvSpPr>
           <p:spPr>
             <a:xfrm>
-              <a:off x="7974796" y="2387539"/>
+              <a:off x="7745268" y="2387573"/>
               <a:ext cx="63202" cy="63202"/>
             </a:xfrm>
             <a:custGeom>
@@ -32150,7 +32150,7 @@
           </p:nvSpPr>
           <p:spPr>
             <a:xfrm>
-              <a:off x="7984514" y="2348894"/>
+              <a:off x="7662540" y="2348899"/>
               <a:ext cx="63202" cy="63202"/>
             </a:xfrm>
             <a:custGeom>
@@ -32193,7 +32193,7 @@
           </p:nvSpPr>
           <p:spPr>
             <a:xfrm>
-              <a:off x="7831896" y="1774242"/>
+              <a:off x="7871781" y="1774268"/>
               <a:ext cx="63202" cy="63202"/>
             </a:xfrm>
             <a:custGeom>
@@ -32236,7 +32236,7 @@
           </p:nvSpPr>
           <p:spPr>
             <a:xfrm>
-              <a:off x="7708055" y="2361000"/>
+              <a:off x="7745176" y="2360998"/>
               <a:ext cx="63202" cy="63202"/>
             </a:xfrm>
             <a:custGeom>
@@ -32279,7 +32279,7 @@
           </p:nvSpPr>
           <p:spPr>
             <a:xfrm>
-              <a:off x="7866481" y="2352808"/>
+              <a:off x="7541612" y="2352788"/>
               <a:ext cx="63202" cy="63202"/>
             </a:xfrm>
             <a:custGeom>
@@ -32322,7 +32322,7 @@
           </p:nvSpPr>
           <p:spPr>
             <a:xfrm>
-              <a:off x="7482020" y="1771111"/>
+              <a:off x="7619396" y="1771191"/>
               <a:ext cx="63202" cy="63202"/>
             </a:xfrm>
             <a:custGeom>
@@ -32365,7 +32365,7 @@
           </p:nvSpPr>
           <p:spPr>
             <a:xfrm>
-              <a:off x="7959433" y="2228924"/>
+              <a:off x="7878106" y="2228947"/>
               <a:ext cx="63202" cy="63202"/>
             </a:xfrm>
             <a:custGeom>
@@ -32408,7 +32408,7 @@
           </p:nvSpPr>
           <p:spPr>
             <a:xfrm>
-              <a:off x="7845721" y="2269920"/>
+              <a:off x="7349724" y="2269930"/>
               <a:ext cx="63202" cy="63202"/>
             </a:xfrm>
             <a:custGeom>
@@ -32451,7 +32451,7 @@
           </p:nvSpPr>
           <p:spPr>
             <a:xfrm>
-              <a:off x="7461141" y="2290714"/>
+              <a:off x="7435539" y="2290667"/>
               <a:ext cx="63202" cy="63202"/>
             </a:xfrm>
             <a:custGeom>
@@ -32494,7 +32494,7 @@
           </p:nvSpPr>
           <p:spPr>
             <a:xfrm>
-              <a:off x="7539659" y="2265292"/>
+              <a:off x="7927307" y="2265266"/>
               <a:ext cx="63202" cy="63202"/>
             </a:xfrm>
             <a:custGeom>
@@ -32537,7 +32537,7 @@
           </p:nvSpPr>
           <p:spPr>
             <a:xfrm>
-              <a:off x="7448004" y="2267448"/>
+              <a:off x="7731172" y="2267423"/>
               <a:ext cx="63202" cy="63202"/>
             </a:xfrm>
             <a:custGeom>
@@ -32580,7 +32580,7 @@
           </p:nvSpPr>
           <p:spPr>
             <a:xfrm>
-              <a:off x="7986799" y="2265661"/>
+              <a:off x="7456976" y="2265653"/>
               <a:ext cx="63202" cy="63202"/>
             </a:xfrm>
             <a:custGeom>
@@ -32623,7 +32623,7 @@
           </p:nvSpPr>
           <p:spPr>
             <a:xfrm>
-              <a:off x="7566543" y="2315221"/>
+              <a:off x="7973190" y="2315261"/>
               <a:ext cx="63202" cy="63202"/>
             </a:xfrm>
             <a:custGeom>
@@ -32666,7 +32666,7 @@
           </p:nvSpPr>
           <p:spPr>
             <a:xfrm>
-              <a:off x="7650192" y="2318272"/>
+              <a:off x="7360649" y="2318260"/>
               <a:ext cx="63202" cy="63202"/>
             </a:xfrm>
             <a:custGeom>
@@ -32709,7 +32709,7 @@
           </p:nvSpPr>
           <p:spPr>
             <a:xfrm>
-              <a:off x="7882965" y="2439809"/>
+              <a:off x="7779011" y="2439838"/>
               <a:ext cx="63202" cy="63202"/>
             </a:xfrm>
             <a:custGeom>
@@ -32752,7 +32752,7 @@
           </p:nvSpPr>
           <p:spPr>
             <a:xfrm>
-              <a:off x="7879620" y="2368265"/>
+              <a:off x="7969718" y="2368295"/>
               <a:ext cx="63202" cy="63202"/>
             </a:xfrm>
             <a:custGeom>
@@ -32795,7 +32795,7 @@
           </p:nvSpPr>
           <p:spPr>
             <a:xfrm>
-              <a:off x="7604995" y="2223712"/>
+              <a:off x="7842000" y="2223714"/>
               <a:ext cx="63202" cy="63202"/>
             </a:xfrm>
             <a:custGeom>
@@ -32838,7 +32838,7 @@
           </p:nvSpPr>
           <p:spPr>
             <a:xfrm>
-              <a:off x="7581256" y="2546777"/>
+              <a:off x="7712120" y="2546809"/>
               <a:ext cx="63202" cy="63202"/>
             </a:xfrm>
             <a:custGeom>
@@ -32881,7 +32881,7 @@
           </p:nvSpPr>
           <p:spPr>
             <a:xfrm>
-              <a:off x="7755428" y="2401339"/>
+              <a:off x="8014760" y="2401351"/>
               <a:ext cx="63202" cy="63202"/>
             </a:xfrm>
             <a:custGeom>
@@ -32924,7 +32924,7 @@
           </p:nvSpPr>
           <p:spPr>
             <a:xfrm>
-              <a:off x="7954394" y="2222173"/>
+              <a:off x="7601839" y="2222127"/>
               <a:ext cx="63202" cy="63202"/>
             </a:xfrm>
             <a:custGeom>
@@ -32967,7 +32967,7 @@
           </p:nvSpPr>
           <p:spPr>
             <a:xfrm>
-              <a:off x="7461056" y="2220526"/>
+              <a:off x="7692415" y="2220518"/>
               <a:ext cx="63202" cy="63202"/>
             </a:xfrm>
             <a:custGeom>
@@ -33010,7 +33010,7 @@
           </p:nvSpPr>
           <p:spPr>
             <a:xfrm>
-              <a:off x="7959649" y="2311476"/>
+              <a:off x="7909198" y="2311473"/>
               <a:ext cx="63202" cy="63202"/>
             </a:xfrm>
             <a:custGeom>
@@ -33053,7 +33053,7 @@
           </p:nvSpPr>
           <p:spPr>
             <a:xfrm>
-              <a:off x="7840231" y="2221788"/>
+              <a:off x="7771196" y="2221761"/>
               <a:ext cx="63202" cy="63202"/>
             </a:xfrm>
             <a:custGeom>
@@ -33096,7 +33096,7 @@
           </p:nvSpPr>
           <p:spPr>
             <a:xfrm>
-              <a:off x="7440323" y="2151636"/>
+              <a:off x="7590607" y="2151639"/>
               <a:ext cx="63202" cy="63202"/>
             </a:xfrm>
             <a:custGeom>
@@ -33195,7 +33195,7 @@
           </p:nvSpPr>
           <p:spPr>
             <a:xfrm>
-              <a:off x="7192078" y="4776111"/>
+              <a:off x="7192078" y="4776085"/>
               <a:ext cx="2796732" cy="0"/>
             </a:xfrm>
             <a:custGeom>
@@ -33238,7 +33238,7 @@
           </p:nvSpPr>
           <p:spPr>
             <a:xfrm>
-              <a:off x="7192078" y="4304069"/>
+              <a:off x="7192078" y="4304068"/>
               <a:ext cx="2796732" cy="0"/>
             </a:xfrm>
             <a:custGeom>
@@ -33281,7 +33281,7 @@
           </p:nvSpPr>
           <p:spPr>
             <a:xfrm>
-              <a:off x="7192078" y="3832026"/>
+              <a:off x="7192078" y="3832052"/>
               <a:ext cx="2796732" cy="0"/>
             </a:xfrm>
             <a:custGeom>
@@ -33324,7 +33324,7 @@
           </p:nvSpPr>
           <p:spPr>
             <a:xfrm>
-              <a:off x="7192078" y="3359983"/>
+              <a:off x="7192078" y="3360035"/>
               <a:ext cx="2796732" cy="0"/>
             </a:xfrm>
             <a:custGeom>
@@ -33367,7 +33367,7 @@
           </p:nvSpPr>
           <p:spPr>
             <a:xfrm>
-              <a:off x="7192078" y="4540090"/>
+              <a:off x="7192078" y="4540077"/>
               <a:ext cx="2796732" cy="0"/>
             </a:xfrm>
             <a:custGeom>
@@ -33410,7 +33410,7 @@
           </p:nvSpPr>
           <p:spPr>
             <a:xfrm>
-              <a:off x="7192078" y="4068047"/>
+              <a:off x="7192078" y="4068060"/>
               <a:ext cx="2796732" cy="0"/>
             </a:xfrm>
             <a:custGeom>
@@ -33453,7 +33453,7 @@
           </p:nvSpPr>
           <p:spPr>
             <a:xfrm>
-              <a:off x="7192078" y="3596005"/>
+              <a:off x="7192078" y="3596043"/>
               <a:ext cx="2796732" cy="0"/>
             </a:xfrm>
             <a:custGeom>
@@ -33625,7 +33625,7 @@
           </p:nvSpPr>
           <p:spPr>
             <a:xfrm>
-              <a:off x="7744380" y="4037461"/>
+              <a:off x="7914764" y="4037468"/>
               <a:ext cx="63202" cy="63202"/>
             </a:xfrm>
             <a:custGeom>
@@ -33668,7 +33668,7 @@
           </p:nvSpPr>
           <p:spPr>
             <a:xfrm>
-              <a:off x="7998883" y="4021827"/>
+              <a:off x="7775772" y="4021859"/>
               <a:ext cx="63202" cy="63202"/>
             </a:xfrm>
             <a:custGeom>
@@ -33711,7 +33711,7 @@
           </p:nvSpPr>
           <p:spPr>
             <a:xfrm>
-              <a:off x="7828657" y="4238167"/>
+              <a:off x="7808533" y="4238206"/>
               <a:ext cx="63202" cy="63202"/>
             </a:xfrm>
             <a:custGeom>
@@ -33754,7 +33754,7 @@
           </p:nvSpPr>
           <p:spPr>
             <a:xfrm>
-              <a:off x="8430712" y="4712049"/>
+              <a:off x="8401769" y="4712016"/>
               <a:ext cx="63202" cy="63202"/>
             </a:xfrm>
             <a:custGeom>
@@ -33797,7 +33797,7 @@
           </p:nvSpPr>
           <p:spPr>
             <a:xfrm>
-              <a:off x="7531837" y="4162955"/>
+              <a:off x="7638541" y="4162982"/>
               <a:ext cx="63202" cy="63202"/>
             </a:xfrm>
             <a:custGeom>
@@ -33840,7 +33840,7 @@
           </p:nvSpPr>
           <p:spPr>
             <a:xfrm>
-              <a:off x="7789032" y="3980833"/>
+              <a:off x="7755801" y="3980892"/>
               <a:ext cx="63202" cy="63202"/>
             </a:xfrm>
             <a:custGeom>
@@ -33883,7 +33883,7 @@
           </p:nvSpPr>
           <p:spPr>
             <a:xfrm>
-              <a:off x="7399192" y="4198011"/>
+              <a:off x="7487880" y="4197948"/>
               <a:ext cx="63202" cy="63202"/>
             </a:xfrm>
             <a:custGeom>
@@ -33926,7 +33926,7 @@
           </p:nvSpPr>
           <p:spPr>
             <a:xfrm>
-              <a:off x="7367101" y="4137250"/>
+              <a:off x="7996175" y="4137250"/>
               <a:ext cx="63202" cy="63202"/>
             </a:xfrm>
             <a:custGeom>
@@ -33969,7 +33969,7 @@
           </p:nvSpPr>
           <p:spPr>
             <a:xfrm>
-              <a:off x="7395667" y="4265737"/>
+              <a:off x="7462950" y="4265727"/>
               <a:ext cx="63202" cy="63202"/>
             </a:xfrm>
             <a:custGeom>
@@ -34012,7 +34012,7 @@
           </p:nvSpPr>
           <p:spPr>
             <a:xfrm>
-              <a:off x="7599924" y="4030799"/>
+              <a:off x="7521250" y="4030797"/>
               <a:ext cx="63202" cy="63202"/>
             </a:xfrm>
             <a:custGeom>
@@ -34055,7 +34055,7 @@
           </p:nvSpPr>
           <p:spPr>
             <a:xfrm>
-              <a:off x="7649419" y="4019099"/>
+              <a:off x="7736665" y="4019067"/>
               <a:ext cx="63202" cy="63202"/>
             </a:xfrm>
             <a:custGeom>
@@ -34098,7 +34098,7 @@
           </p:nvSpPr>
           <p:spPr>
             <a:xfrm>
-              <a:off x="7987654" y="4132450"/>
+              <a:off x="7607671" y="4132432"/>
               <a:ext cx="63202" cy="63202"/>
             </a:xfrm>
             <a:custGeom>
@@ -34141,7 +34141,7 @@
           </p:nvSpPr>
           <p:spPr>
             <a:xfrm>
-              <a:off x="7449511" y="3972850"/>
+              <a:off x="7795339" y="3972845"/>
               <a:ext cx="63202" cy="63202"/>
             </a:xfrm>
             <a:custGeom>
@@ -34184,7 +34184,7 @@
           </p:nvSpPr>
           <p:spPr>
             <a:xfrm>
-              <a:off x="7708986" y="4088406"/>
+              <a:off x="7593141" y="4088410"/>
               <a:ext cx="63202" cy="63202"/>
             </a:xfrm>
             <a:custGeom>
@@ -35679,7 +35679,7 @@
           </p:nvSpPr>
           <p:spPr>
             <a:xfrm>
-              <a:off x="1210339" y="2573066"/>
+              <a:off x="1210339" y="2573053"/>
               <a:ext cx="186466" cy="81691"/>
             </a:xfrm>
             <a:prstGeom prst="rect">
@@ -35725,7 +35725,7 @@
           </p:nvSpPr>
           <p:spPr>
             <a:xfrm>
-              <a:off x="1148183" y="2101023"/>
+              <a:off x="1148183" y="2101036"/>
               <a:ext cx="248622" cy="81691"/>
             </a:xfrm>
             <a:prstGeom prst="rect">
@@ -35771,7 +35771,7 @@
           </p:nvSpPr>
           <p:spPr>
             <a:xfrm>
-              <a:off x="1148183" y="1628980"/>
+              <a:off x="1148183" y="1629019"/>
               <a:ext cx="248622" cy="81691"/>
             </a:xfrm>
             <a:prstGeom prst="rect">
@@ -35817,7 +35817,7 @@
           </p:nvSpPr>
           <p:spPr>
             <a:xfrm>
-              <a:off x="1424641" y="2614757"/>
+              <a:off x="1424641" y="2614744"/>
               <a:ext cx="34794" cy="0"/>
             </a:xfrm>
             <a:custGeom>
@@ -35857,7 +35857,7 @@
           </p:nvSpPr>
           <p:spPr>
             <a:xfrm>
-              <a:off x="1424641" y="2142715"/>
+              <a:off x="1424641" y="2142727"/>
               <a:ext cx="34794" cy="0"/>
             </a:xfrm>
             <a:custGeom>
@@ -35897,7 +35897,7 @@
           </p:nvSpPr>
           <p:spPr>
             <a:xfrm>
-              <a:off x="1424641" y="1670672"/>
+              <a:off x="1424641" y="1670711"/>
               <a:ext cx="34794" cy="0"/>
             </a:xfrm>
             <a:custGeom>
@@ -35937,7 +35937,7 @@
           </p:nvSpPr>
           <p:spPr>
             <a:xfrm>
-              <a:off x="1210339" y="4498398"/>
+              <a:off x="1210339" y="4498385"/>
               <a:ext cx="186466" cy="81691"/>
             </a:xfrm>
             <a:prstGeom prst="rect">
@@ -35983,7 +35983,7 @@
           </p:nvSpPr>
           <p:spPr>
             <a:xfrm>
-              <a:off x="1148183" y="4026356"/>
+              <a:off x="1148183" y="4026368"/>
               <a:ext cx="248622" cy="81691"/>
             </a:xfrm>
             <a:prstGeom prst="rect">
@@ -36029,7 +36029,7 @@
           </p:nvSpPr>
           <p:spPr>
             <a:xfrm>
-              <a:off x="1148183" y="3554313"/>
+              <a:off x="1148183" y="3554351"/>
               <a:ext cx="248622" cy="81691"/>
             </a:xfrm>
             <a:prstGeom prst="rect">
@@ -36075,7 +36075,7 @@
           </p:nvSpPr>
           <p:spPr>
             <a:xfrm>
-              <a:off x="1424641" y="4540090"/>
+              <a:off x="1424641" y="4540077"/>
               <a:ext cx="34794" cy="0"/>
             </a:xfrm>
             <a:custGeom>
@@ -36115,7 +36115,7 @@
           </p:nvSpPr>
           <p:spPr>
             <a:xfrm>
-              <a:off x="1424641" y="4068047"/>
+              <a:off x="1424641" y="4068060"/>
               <a:ext cx="34794" cy="0"/>
             </a:xfrm>
             <a:custGeom>
@@ -36155,7 +36155,7 @@
           </p:nvSpPr>
           <p:spPr>
             <a:xfrm>
-              <a:off x="1424641" y="3596005"/>
+              <a:off x="1424641" y="3596043"/>
               <a:ext cx="34794" cy="0"/>
             </a:xfrm>
             <a:custGeom>
@@ -36195,7 +36195,7 @@
           </p:nvSpPr>
           <p:spPr>
             <a:xfrm>
-              <a:off x="1210339" y="6423731"/>
+              <a:off x="1210339" y="6423718"/>
               <a:ext cx="186466" cy="81691"/>
             </a:xfrm>
             <a:prstGeom prst="rect">
@@ -36241,7 +36241,7 @@
           </p:nvSpPr>
           <p:spPr>
             <a:xfrm>
-              <a:off x="1148183" y="5951688"/>
+              <a:off x="1148183" y="5951701"/>
               <a:ext cx="248622" cy="81691"/>
             </a:xfrm>
             <a:prstGeom prst="rect">
@@ -36287,7 +36287,7 @@
           </p:nvSpPr>
           <p:spPr>
             <a:xfrm>
-              <a:off x="1148183" y="5479645"/>
+              <a:off x="1148183" y="5479684"/>
               <a:ext cx="248622" cy="81691"/>
             </a:xfrm>
             <a:prstGeom prst="rect">
@@ -36333,7 +36333,7 @@
           </p:nvSpPr>
           <p:spPr>
             <a:xfrm>
-              <a:off x="1424641" y="6465423"/>
+              <a:off x="1424641" y="6465409"/>
               <a:ext cx="34794" cy="0"/>
             </a:xfrm>
             <a:custGeom>
@@ -36373,7 +36373,7 @@
           </p:nvSpPr>
           <p:spPr>
             <a:xfrm>
-              <a:off x="1424641" y="5993380"/>
+              <a:off x="1424641" y="5993393"/>
               <a:ext cx="34794" cy="0"/>
             </a:xfrm>
             <a:custGeom>
@@ -36413,7 +36413,7 @@
           </p:nvSpPr>
           <p:spPr>
             <a:xfrm>
-              <a:off x="1424641" y="5521337"/>
+              <a:off x="1424641" y="5521376"/>
               <a:ext cx="34794" cy="0"/>
             </a:xfrm>
             <a:custGeom>

--- a/Images/Figures_PPT/Jitter_Plot_Raptor_Domain.pptx
+++ b/Images/Figures_PPT/Jitter_Plot_Raptor_Domain.pptx
@@ -2359,7 +2359,7 @@
           </p:nvSpPr>
           <p:spPr>
             <a:xfrm>
-              <a:off x="1459435" y="2850753"/>
+              <a:off x="1459435" y="2850773"/>
               <a:ext cx="2796732" cy="0"/>
             </a:xfrm>
             <a:custGeom>
@@ -2402,7 +2402,7 @@
           </p:nvSpPr>
           <p:spPr>
             <a:xfrm>
-              <a:off x="1459435" y="2378736"/>
+              <a:off x="1459435" y="2378734"/>
               <a:ext cx="2796732" cy="0"/>
             </a:xfrm>
             <a:custGeom>
@@ -2445,7 +2445,7 @@
           </p:nvSpPr>
           <p:spPr>
             <a:xfrm>
-              <a:off x="1459435" y="1906719"/>
+              <a:off x="1459435" y="1906695"/>
               <a:ext cx="2796732" cy="0"/>
             </a:xfrm>
             <a:custGeom>
@@ -2488,7 +2488,7 @@
           </p:nvSpPr>
           <p:spPr>
             <a:xfrm>
-              <a:off x="1459435" y="1434702"/>
+              <a:off x="1459435" y="1434656"/>
               <a:ext cx="2796732" cy="0"/>
             </a:xfrm>
             <a:custGeom>
@@ -2531,7 +2531,7 @@
           </p:nvSpPr>
           <p:spPr>
             <a:xfrm>
-              <a:off x="1459435" y="2614744"/>
+              <a:off x="1459435" y="2614753"/>
               <a:ext cx="2796732" cy="0"/>
             </a:xfrm>
             <a:custGeom>
@@ -2574,7 +2574,7 @@
           </p:nvSpPr>
           <p:spPr>
             <a:xfrm>
-              <a:off x="1459435" y="2142727"/>
+              <a:off x="1459435" y="2142714"/>
               <a:ext cx="2796732" cy="0"/>
             </a:xfrm>
             <a:custGeom>
@@ -2617,7 +2617,7 @@
           </p:nvSpPr>
           <p:spPr>
             <a:xfrm>
-              <a:off x="1459435" y="1670711"/>
+              <a:off x="1459435" y="1670675"/>
               <a:ext cx="2796732" cy="0"/>
             </a:xfrm>
             <a:custGeom>
@@ -2789,7 +2789,7 @@
           </p:nvSpPr>
           <p:spPr>
             <a:xfrm>
-              <a:off x="3754932" y="2744474"/>
+              <a:off x="3454343" y="2744528"/>
               <a:ext cx="63202" cy="63202"/>
             </a:xfrm>
             <a:custGeom>
@@ -2832,7 +2832,7 @@
           </p:nvSpPr>
           <p:spPr>
             <a:xfrm>
-              <a:off x="1995695" y="2736074"/>
+              <a:off x="2100873" y="2736081"/>
               <a:ext cx="63202" cy="63202"/>
             </a:xfrm>
             <a:custGeom>
@@ -2875,7 +2875,7 @@
           </p:nvSpPr>
           <p:spPr>
             <a:xfrm>
-              <a:off x="2017890" y="2681101"/>
+              <a:off x="2267434" y="2681160"/>
               <a:ext cx="63202" cy="63202"/>
             </a:xfrm>
             <a:custGeom>
@@ -2918,7 +2918,7 @@
           </p:nvSpPr>
           <p:spPr>
             <a:xfrm>
-              <a:off x="2686911" y="2846448"/>
+              <a:off x="2567024" y="2846458"/>
               <a:ext cx="63202" cy="63202"/>
             </a:xfrm>
             <a:custGeom>
@@ -2961,7 +2961,7 @@
           </p:nvSpPr>
           <p:spPr>
             <a:xfrm>
-              <a:off x="1826920" y="2759609"/>
+              <a:off x="1933672" y="2759605"/>
               <a:ext cx="63202" cy="63202"/>
             </a:xfrm>
             <a:custGeom>
@@ -3004,7 +3004,7 @@
           </p:nvSpPr>
           <p:spPr>
             <a:xfrm>
-              <a:off x="3045073" y="2845454"/>
+              <a:off x="2931544" y="2845534"/>
               <a:ext cx="63202" cy="63202"/>
             </a:xfrm>
             <a:custGeom>
@@ -3103,7 +3103,7 @@
           </p:nvSpPr>
           <p:spPr>
             <a:xfrm>
-              <a:off x="1459435" y="4776085"/>
+              <a:off x="1459435" y="4776106"/>
               <a:ext cx="2796732" cy="0"/>
             </a:xfrm>
             <a:custGeom>
@@ -3146,7 +3146,7 @@
           </p:nvSpPr>
           <p:spPr>
             <a:xfrm>
-              <a:off x="1459435" y="4304068"/>
+              <a:off x="1459435" y="4304066"/>
               <a:ext cx="2796732" cy="0"/>
             </a:xfrm>
             <a:custGeom>
@@ -3189,7 +3189,7 @@
           </p:nvSpPr>
           <p:spPr>
             <a:xfrm>
-              <a:off x="1459435" y="3832052"/>
+              <a:off x="1459435" y="3832027"/>
               <a:ext cx="2796732" cy="0"/>
             </a:xfrm>
             <a:custGeom>
@@ -3232,7 +3232,7 @@
           </p:nvSpPr>
           <p:spPr>
             <a:xfrm>
-              <a:off x="1459435" y="3360035"/>
+              <a:off x="1459435" y="3359988"/>
               <a:ext cx="2796732" cy="0"/>
             </a:xfrm>
             <a:custGeom>
@@ -3275,7 +3275,7 @@
           </p:nvSpPr>
           <p:spPr>
             <a:xfrm>
-              <a:off x="1459435" y="4540077"/>
+              <a:off x="1459435" y="4540086"/>
               <a:ext cx="2796732" cy="0"/>
             </a:xfrm>
             <a:custGeom>
@@ -3318,7 +3318,7 @@
           </p:nvSpPr>
           <p:spPr>
             <a:xfrm>
-              <a:off x="1459435" y="4068060"/>
+              <a:off x="1459435" y="4068047"/>
               <a:ext cx="2796732" cy="0"/>
             </a:xfrm>
             <a:custGeom>
@@ -3361,7 +3361,7 @@
           </p:nvSpPr>
           <p:spPr>
             <a:xfrm>
-              <a:off x="1459435" y="3596043"/>
+              <a:off x="1459435" y="3596008"/>
               <a:ext cx="2796732" cy="0"/>
             </a:xfrm>
             <a:custGeom>
@@ -3533,7 +3533,7 @@
           </p:nvSpPr>
           <p:spPr>
             <a:xfrm>
-              <a:off x="2032576" y="4162222"/>
+              <a:off x="2263426" y="4162160"/>
               <a:ext cx="63202" cy="63202"/>
             </a:xfrm>
             <a:custGeom>
@@ -3576,7 +3576,7 @@
           </p:nvSpPr>
           <p:spPr>
             <a:xfrm>
-              <a:off x="1823839" y="4506222"/>
+              <a:off x="2022715" y="4506203"/>
               <a:ext cx="63202" cy="63202"/>
             </a:xfrm>
             <a:custGeom>
@@ -3619,7 +3619,7 @@
           </p:nvSpPr>
           <p:spPr>
             <a:xfrm>
-              <a:off x="1608559" y="4162183"/>
+              <a:off x="2065342" y="4162170"/>
               <a:ext cx="63202" cy="63202"/>
             </a:xfrm>
             <a:custGeom>
@@ -3662,7 +3662,7 @@
           </p:nvSpPr>
           <p:spPr>
             <a:xfrm>
-              <a:off x="1604111" y="4355721"/>
+              <a:off x="2213632" y="4355709"/>
               <a:ext cx="63202" cy="63202"/>
             </a:xfrm>
             <a:custGeom>
@@ -3705,7 +3705,7 @@
           </p:nvSpPr>
           <p:spPr>
             <a:xfrm>
-              <a:off x="1958405" y="4258685"/>
+              <a:off x="1797555" y="4258688"/>
               <a:ext cx="63202" cy="63202"/>
             </a:xfrm>
             <a:custGeom>
@@ -3748,7 +3748,7 @@
           </p:nvSpPr>
           <p:spPr>
             <a:xfrm>
-              <a:off x="3162348" y="4806568"/>
+              <a:off x="2835507" y="4806647"/>
               <a:ext cx="63202" cy="63202"/>
             </a:xfrm>
             <a:custGeom>
@@ -3791,7 +3791,7 @@
           </p:nvSpPr>
           <p:spPr>
             <a:xfrm>
-              <a:off x="2220777" y="4354848"/>
+              <a:off x="2239417" y="4354858"/>
               <a:ext cx="63202" cy="63202"/>
             </a:xfrm>
             <a:custGeom>
@@ -3834,7 +3834,7 @@
           </p:nvSpPr>
           <p:spPr>
             <a:xfrm>
-              <a:off x="2299907" y="4421686"/>
+              <a:off x="2164486" y="4421739"/>
               <a:ext cx="63202" cy="63202"/>
             </a:xfrm>
             <a:custGeom>
@@ -3877,7 +3877,7 @@
           </p:nvSpPr>
           <p:spPr>
             <a:xfrm>
-              <a:off x="1941082" y="4520928"/>
+              <a:off x="1980541" y="4520924"/>
               <a:ext cx="63202" cy="63202"/>
             </a:xfrm>
             <a:custGeom>
@@ -3920,7 +3920,7 @@
           </p:nvSpPr>
           <p:spPr>
             <a:xfrm>
-              <a:off x="2872436" y="4726512"/>
+              <a:off x="2705415" y="4726585"/>
               <a:ext cx="63202" cy="63202"/>
             </a:xfrm>
             <a:custGeom>
@@ -3963,7 +3963,7 @@
           </p:nvSpPr>
           <p:spPr>
             <a:xfrm>
-              <a:off x="2817128" y="4704917"/>
+              <a:off x="2911921" y="4704918"/>
               <a:ext cx="63202" cy="63202"/>
             </a:xfrm>
             <a:custGeom>
@@ -4006,7 +4006,7 @@
           </p:nvSpPr>
           <p:spPr>
             <a:xfrm>
-              <a:off x="2088563" y="4599263"/>
+              <a:off x="2087446" y="4599268"/>
               <a:ext cx="63202" cy="63202"/>
             </a:xfrm>
             <a:custGeom>
@@ -4049,7 +4049,7 @@
           </p:nvSpPr>
           <p:spPr>
             <a:xfrm>
-              <a:off x="2238402" y="4449577"/>
+              <a:off x="1847747" y="4449555"/>
               <a:ext cx="63202" cy="63202"/>
             </a:xfrm>
             <a:custGeom>
@@ -4092,7 +4092,7 @@
           </p:nvSpPr>
           <p:spPr>
             <a:xfrm>
-              <a:off x="2995945" y="4701403"/>
+              <a:off x="2530342" y="4701424"/>
               <a:ext cx="63202" cy="63202"/>
             </a:xfrm>
             <a:custGeom>
@@ -4135,7 +4135,7 @@
           </p:nvSpPr>
           <p:spPr>
             <a:xfrm>
-              <a:off x="2895069" y="4765411"/>
+              <a:off x="2483449" y="4765454"/>
               <a:ext cx="63202" cy="63202"/>
             </a:xfrm>
             <a:custGeom>
@@ -4178,7 +4178,7 @@
           </p:nvSpPr>
           <p:spPr>
             <a:xfrm>
-              <a:off x="1782402" y="3937120"/>
+              <a:off x="1772078" y="3937100"/>
               <a:ext cx="63202" cy="63202"/>
             </a:xfrm>
             <a:custGeom>
@@ -4221,7 +4221,7 @@
           </p:nvSpPr>
           <p:spPr>
             <a:xfrm>
-              <a:off x="1798699" y="4656130"/>
+              <a:off x="2277915" y="4656123"/>
               <a:ext cx="63202" cy="63202"/>
             </a:xfrm>
             <a:custGeom>
@@ -4264,7 +4264,7 @@
           </p:nvSpPr>
           <p:spPr>
             <a:xfrm>
-              <a:off x="2265500" y="3973788"/>
+              <a:off x="2078477" y="3973776"/>
               <a:ext cx="63202" cy="63202"/>
             </a:xfrm>
             <a:custGeom>
@@ -4307,7 +4307,7 @@
           </p:nvSpPr>
           <p:spPr>
             <a:xfrm>
-              <a:off x="1999475" y="4474031"/>
+              <a:off x="1686037" y="4473989"/>
               <a:ext cx="63202" cy="63202"/>
             </a:xfrm>
             <a:custGeom>
@@ -4350,7 +4350,7 @@
           </p:nvSpPr>
           <p:spPr>
             <a:xfrm>
-              <a:off x="1955417" y="4552373"/>
+              <a:off x="1956663" y="4552360"/>
               <a:ext cx="63202" cy="63202"/>
             </a:xfrm>
             <a:custGeom>
@@ -4393,7 +4393,7 @@
           </p:nvSpPr>
           <p:spPr>
             <a:xfrm>
-              <a:off x="1642878" y="4519301"/>
+              <a:off x="2144664" y="4519329"/>
               <a:ext cx="63202" cy="63202"/>
             </a:xfrm>
             <a:custGeom>
@@ -4436,7 +4436,7 @@
           </p:nvSpPr>
           <p:spPr>
             <a:xfrm>
-              <a:off x="2886238" y="4789243"/>
+              <a:off x="2897958" y="4789288"/>
               <a:ext cx="63202" cy="63202"/>
             </a:xfrm>
             <a:custGeom>
@@ -4535,7 +4535,7 @@
           </p:nvSpPr>
           <p:spPr>
             <a:xfrm>
-              <a:off x="1459435" y="6701418"/>
+              <a:off x="1459435" y="6701438"/>
               <a:ext cx="2796732" cy="0"/>
             </a:xfrm>
             <a:custGeom>
@@ -4578,7 +4578,7 @@
           </p:nvSpPr>
           <p:spPr>
             <a:xfrm>
-              <a:off x="1459435" y="6229401"/>
+              <a:off x="1459435" y="6229399"/>
               <a:ext cx="2796732" cy="0"/>
             </a:xfrm>
             <a:custGeom>
@@ -4621,7 +4621,7 @@
           </p:nvSpPr>
           <p:spPr>
             <a:xfrm>
-              <a:off x="1459435" y="5757384"/>
+              <a:off x="1459435" y="5757360"/>
               <a:ext cx="2796732" cy="0"/>
             </a:xfrm>
             <a:custGeom>
@@ -4664,7 +4664,7 @@
           </p:nvSpPr>
           <p:spPr>
             <a:xfrm>
-              <a:off x="1459435" y="5285367"/>
+              <a:off x="1459435" y="5285321"/>
               <a:ext cx="2796732" cy="0"/>
             </a:xfrm>
             <a:custGeom>
@@ -4707,7 +4707,7 @@
           </p:nvSpPr>
           <p:spPr>
             <a:xfrm>
-              <a:off x="1459435" y="6465409"/>
+              <a:off x="1459435" y="6465419"/>
               <a:ext cx="2796732" cy="0"/>
             </a:xfrm>
             <a:custGeom>
@@ -4750,7 +4750,7 @@
           </p:nvSpPr>
           <p:spPr>
             <a:xfrm>
-              <a:off x="1459435" y="5993393"/>
+              <a:off x="1459435" y="5993380"/>
               <a:ext cx="2796732" cy="0"/>
             </a:xfrm>
             <a:custGeom>
@@ -4793,7 +4793,7 @@
           </p:nvSpPr>
           <p:spPr>
             <a:xfrm>
-              <a:off x="1459435" y="5521376"/>
+              <a:off x="1459435" y="5521340"/>
               <a:ext cx="2796732" cy="0"/>
             </a:xfrm>
             <a:custGeom>
@@ -4965,7 +4965,7 @@
           </p:nvSpPr>
           <p:spPr>
             <a:xfrm>
-              <a:off x="1646527" y="5625309"/>
+              <a:off x="2168396" y="5625304"/>
               <a:ext cx="63202" cy="63202"/>
             </a:xfrm>
             <a:custGeom>
@@ -5008,7 +5008,7 @@
           </p:nvSpPr>
           <p:spPr>
             <a:xfrm>
-              <a:off x="1688490" y="5620489"/>
+              <a:off x="1998529" y="5620513"/>
               <a:ext cx="63202" cy="63202"/>
             </a:xfrm>
             <a:custGeom>
@@ -5051,7 +5051,7 @@
           </p:nvSpPr>
           <p:spPr>
             <a:xfrm>
-              <a:off x="2160776" y="5617786"/>
+              <a:off x="2029009" y="5617792"/>
               <a:ext cx="63202" cy="63202"/>
             </a:xfrm>
             <a:custGeom>
@@ -5094,7 +5094,7 @@
           </p:nvSpPr>
           <p:spPr>
             <a:xfrm>
-              <a:off x="1829371" y="5794477"/>
+              <a:off x="2021316" y="5794506"/>
               <a:ext cx="63202" cy="63202"/>
             </a:xfrm>
             <a:custGeom>
@@ -5137,7 +5137,7 @@
           </p:nvSpPr>
           <p:spPr>
             <a:xfrm>
-              <a:off x="2055341" y="5922693"/>
+              <a:off x="1818149" y="5922667"/>
               <a:ext cx="63202" cy="63202"/>
             </a:xfrm>
             <a:custGeom>
@@ -5180,7 +5180,7 @@
           </p:nvSpPr>
           <p:spPr>
             <a:xfrm>
-              <a:off x="2138609" y="5859434"/>
+              <a:off x="1850885" y="5859436"/>
               <a:ext cx="63202" cy="63202"/>
             </a:xfrm>
             <a:custGeom>
@@ -5223,7 +5223,7 @@
           </p:nvSpPr>
           <p:spPr>
             <a:xfrm>
-              <a:off x="1895449" y="5766207"/>
+              <a:off x="2005470" y="5766179"/>
               <a:ext cx="63202" cy="63202"/>
             </a:xfrm>
             <a:custGeom>
@@ -5266,7 +5266,7 @@
           </p:nvSpPr>
           <p:spPr>
             <a:xfrm>
-              <a:off x="1864117" y="5743451"/>
+              <a:off x="1786309" y="5743422"/>
               <a:ext cx="63202" cy="63202"/>
             </a:xfrm>
             <a:custGeom>
@@ -5309,7 +5309,7 @@
           </p:nvSpPr>
           <p:spPr>
             <a:xfrm>
-              <a:off x="1860834" y="6356385"/>
+              <a:off x="1726636" y="6356395"/>
               <a:ext cx="63202" cy="63202"/>
             </a:xfrm>
             <a:custGeom>
@@ -5352,7 +5352,7 @@
           </p:nvSpPr>
           <p:spPr>
             <a:xfrm>
-              <a:off x="2259822" y="5766734"/>
+              <a:off x="2001598" y="5766705"/>
               <a:ext cx="63202" cy="63202"/>
             </a:xfrm>
             <a:custGeom>
@@ -5395,7 +5395,7 @@
           </p:nvSpPr>
           <p:spPr>
             <a:xfrm>
-              <a:off x="1789435" y="5900122"/>
+              <a:off x="2010631" y="5900144"/>
               <a:ext cx="63202" cy="63202"/>
             </a:xfrm>
             <a:custGeom>
@@ -5438,7 +5438,7 @@
           </p:nvSpPr>
           <p:spPr>
             <a:xfrm>
-              <a:off x="2200267" y="5942757"/>
+              <a:off x="2246405" y="5942686"/>
               <a:ext cx="63202" cy="63202"/>
             </a:xfrm>
             <a:custGeom>
@@ -5481,7 +5481,7 @@
           </p:nvSpPr>
           <p:spPr>
             <a:xfrm>
-              <a:off x="1692323" y="5748725"/>
+              <a:off x="2292403" y="5748711"/>
               <a:ext cx="63202" cy="63202"/>
             </a:xfrm>
             <a:custGeom>
@@ -5524,7 +5524,7 @@
           </p:nvSpPr>
           <p:spPr>
             <a:xfrm>
-              <a:off x="2035113" y="5845782"/>
+              <a:off x="2239544" y="5845787"/>
               <a:ext cx="63202" cy="63202"/>
             </a:xfrm>
             <a:custGeom>
@@ -5567,7 +5567,7 @@
           </p:nvSpPr>
           <p:spPr>
             <a:xfrm>
-              <a:off x="1619485" y="6201633"/>
+              <a:off x="2217653" y="6201672"/>
               <a:ext cx="63202" cy="63202"/>
             </a:xfrm>
             <a:custGeom>
@@ -5610,7 +5610,7 @@
           </p:nvSpPr>
           <p:spPr>
             <a:xfrm>
-              <a:off x="1618661" y="5864991"/>
+              <a:off x="2220600" y="5864984"/>
               <a:ext cx="63202" cy="63202"/>
             </a:xfrm>
             <a:custGeom>
@@ -5653,7 +5653,7 @@
           </p:nvSpPr>
           <p:spPr>
             <a:xfrm>
-              <a:off x="1665371" y="5764269"/>
+              <a:off x="1802503" y="5764283"/>
               <a:ext cx="63202" cy="63202"/>
             </a:xfrm>
             <a:custGeom>
@@ -5696,7 +5696,7 @@
           </p:nvSpPr>
           <p:spPr>
             <a:xfrm>
-              <a:off x="2234129" y="5854863"/>
+              <a:off x="2222532" y="5854834"/>
               <a:ext cx="63202" cy="63202"/>
             </a:xfrm>
             <a:custGeom>
@@ -5739,7 +5739,7 @@
           </p:nvSpPr>
           <p:spPr>
             <a:xfrm>
-              <a:off x="1674042" y="6401613"/>
+              <a:off x="2174772" y="6401649"/>
               <a:ext cx="63202" cy="63202"/>
             </a:xfrm>
             <a:custGeom>
@@ -5782,7 +5782,7 @@
           </p:nvSpPr>
           <p:spPr>
             <a:xfrm>
-              <a:off x="1852829" y="5861714"/>
+              <a:off x="2074748" y="5861690"/>
               <a:ext cx="63202" cy="63202"/>
             </a:xfrm>
             <a:custGeom>
@@ -5825,7 +5825,7 @@
           </p:nvSpPr>
           <p:spPr>
             <a:xfrm>
-              <a:off x="1833245" y="5907714"/>
+              <a:off x="1714399" y="5907711"/>
               <a:ext cx="63202" cy="63202"/>
             </a:xfrm>
             <a:custGeom>
@@ -5868,7 +5868,7 @@
           </p:nvSpPr>
           <p:spPr>
             <a:xfrm>
-              <a:off x="2091816" y="6189079"/>
+              <a:off x="1846640" y="6189078"/>
               <a:ext cx="63202" cy="63202"/>
             </a:xfrm>
             <a:custGeom>
@@ -5911,7 +5911,7 @@
           </p:nvSpPr>
           <p:spPr>
             <a:xfrm>
-              <a:off x="2143808" y="5729570"/>
+              <a:off x="2129782" y="5729572"/>
               <a:ext cx="63202" cy="63202"/>
             </a:xfrm>
             <a:custGeom>
@@ -5954,7 +5954,7 @@
           </p:nvSpPr>
           <p:spPr>
             <a:xfrm>
-              <a:off x="2066913" y="5706612"/>
+              <a:off x="1745312" y="5706594"/>
               <a:ext cx="63202" cy="63202"/>
             </a:xfrm>
             <a:custGeom>
@@ -5997,7 +5997,7 @@
           </p:nvSpPr>
           <p:spPr>
             <a:xfrm>
-              <a:off x="1748009" y="6424680"/>
+              <a:off x="2196352" y="6424669"/>
               <a:ext cx="63202" cy="63202"/>
             </a:xfrm>
             <a:custGeom>
@@ -6040,7 +6040,7 @@
           </p:nvSpPr>
           <p:spPr>
             <a:xfrm>
-              <a:off x="1759746" y="6441911"/>
+              <a:off x="1891437" y="6441917"/>
               <a:ext cx="63202" cy="63202"/>
             </a:xfrm>
             <a:custGeom>
@@ -6083,7 +6083,7 @@
           </p:nvSpPr>
           <p:spPr>
             <a:xfrm>
-              <a:off x="1907559" y="6570618"/>
+              <a:off x="1923499" y="6570630"/>
               <a:ext cx="63202" cy="63202"/>
             </a:xfrm>
             <a:custGeom>
@@ -6126,7 +6126,7 @@
           </p:nvSpPr>
           <p:spPr>
             <a:xfrm>
-              <a:off x="1843123" y="5917019"/>
+              <a:off x="2019989" y="5917008"/>
               <a:ext cx="63202" cy="63202"/>
             </a:xfrm>
             <a:custGeom>
@@ -6169,7 +6169,7 @@
           </p:nvSpPr>
           <p:spPr>
             <a:xfrm>
-              <a:off x="1894461" y="5876764"/>
+              <a:off x="1929844" y="5876717"/>
               <a:ext cx="63202" cy="63202"/>
             </a:xfrm>
             <a:custGeom>
@@ -6212,7 +6212,7 @@
           </p:nvSpPr>
           <p:spPr>
             <a:xfrm>
-              <a:off x="1608561" y="6264738"/>
+              <a:off x="2091841" y="6264743"/>
               <a:ext cx="63202" cy="63202"/>
             </a:xfrm>
             <a:custGeom>
@@ -6255,7 +6255,7 @@
           </p:nvSpPr>
           <p:spPr>
             <a:xfrm>
-              <a:off x="2271099" y="5875608"/>
+              <a:off x="2284530" y="5875589"/>
               <a:ext cx="63202" cy="63202"/>
             </a:xfrm>
             <a:custGeom>
@@ -6298,7 +6298,7 @@
           </p:nvSpPr>
           <p:spPr>
             <a:xfrm>
-              <a:off x="2003322" y="6237373"/>
+              <a:off x="1849137" y="6237365"/>
               <a:ext cx="63202" cy="63202"/>
             </a:xfrm>
             <a:custGeom>
@@ -6341,7 +6341,7 @@
           </p:nvSpPr>
           <p:spPr>
             <a:xfrm>
-              <a:off x="2111491" y="6232082"/>
+              <a:off x="2244084" y="6232062"/>
               <a:ext cx="63202" cy="63202"/>
             </a:xfrm>
             <a:custGeom>
@@ -6384,7 +6384,7 @@
           </p:nvSpPr>
           <p:spPr>
             <a:xfrm>
-              <a:off x="1656850" y="5991252"/>
+              <a:off x="2105562" y="5991225"/>
               <a:ext cx="63202" cy="63202"/>
             </a:xfrm>
             <a:custGeom>
@@ -6427,7 +6427,7 @@
           </p:nvSpPr>
           <p:spPr>
             <a:xfrm>
-              <a:off x="1977724" y="5885055"/>
+              <a:off x="1665572" y="5885011"/>
               <a:ext cx="63202" cy="63202"/>
             </a:xfrm>
             <a:custGeom>
@@ -6470,7 +6470,7 @@
           </p:nvSpPr>
           <p:spPr>
             <a:xfrm>
-              <a:off x="1742627" y="6061297"/>
+              <a:off x="1608714" y="6061284"/>
               <a:ext cx="63202" cy="63202"/>
             </a:xfrm>
             <a:custGeom>
@@ -6513,7 +6513,7 @@
           </p:nvSpPr>
           <p:spPr>
             <a:xfrm>
-              <a:off x="2184943" y="6607817"/>
+              <a:off x="2077335" y="6607822"/>
               <a:ext cx="63202" cy="63202"/>
             </a:xfrm>
             <a:custGeom>
@@ -6556,7 +6556,7 @@
           </p:nvSpPr>
           <p:spPr>
             <a:xfrm>
-              <a:off x="1736856" y="6052386"/>
+              <a:off x="2255784" y="6052372"/>
               <a:ext cx="63202" cy="63202"/>
             </a:xfrm>
             <a:custGeom>
@@ -6599,7 +6599,7 @@
           </p:nvSpPr>
           <p:spPr>
             <a:xfrm>
-              <a:off x="2233564" y="6268611"/>
+              <a:off x="1706789" y="6268566"/>
               <a:ext cx="63202" cy="63202"/>
             </a:xfrm>
             <a:custGeom>
@@ -6642,7 +6642,7 @@
           </p:nvSpPr>
           <p:spPr>
             <a:xfrm>
-              <a:off x="2188548" y="5679913"/>
+              <a:off x="2250315" y="5679873"/>
               <a:ext cx="63202" cy="63202"/>
             </a:xfrm>
             <a:custGeom>
@@ -6685,7 +6685,7 @@
           </p:nvSpPr>
           <p:spPr>
             <a:xfrm>
-              <a:off x="2088739" y="5849352"/>
+              <a:off x="2297765" y="5849319"/>
               <a:ext cx="63202" cy="63202"/>
             </a:xfrm>
             <a:custGeom>
@@ -6728,7 +6728,7 @@
           </p:nvSpPr>
           <p:spPr>
             <a:xfrm>
-              <a:off x="2008454" y="5967998"/>
+              <a:off x="1791699" y="5968018"/>
               <a:ext cx="63202" cy="63202"/>
             </a:xfrm>
             <a:custGeom>
@@ -6771,7 +6771,7 @@
           </p:nvSpPr>
           <p:spPr>
             <a:xfrm>
-              <a:off x="1917532" y="5861993"/>
+              <a:off x="1898609" y="5862020"/>
               <a:ext cx="63202" cy="63202"/>
             </a:xfrm>
             <a:custGeom>
@@ -6814,7 +6814,7 @@
           </p:nvSpPr>
           <p:spPr>
             <a:xfrm>
-              <a:off x="2274839" y="5625160"/>
+              <a:off x="1709147" y="5625093"/>
               <a:ext cx="63202" cy="63202"/>
             </a:xfrm>
             <a:custGeom>
@@ -6857,7 +6857,7 @@
           </p:nvSpPr>
           <p:spPr>
             <a:xfrm>
-              <a:off x="1630281" y="6409983"/>
+              <a:off x="1650258" y="6409995"/>
               <a:ext cx="63202" cy="63202"/>
             </a:xfrm>
             <a:custGeom>
@@ -6900,7 +6900,7 @@
           </p:nvSpPr>
           <p:spPr>
             <a:xfrm>
-              <a:off x="1701493" y="5911739"/>
+              <a:off x="1762770" y="5911744"/>
               <a:ext cx="63202" cy="63202"/>
             </a:xfrm>
             <a:custGeom>
@@ -6943,7 +6943,7 @@
           </p:nvSpPr>
           <p:spPr>
             <a:xfrm>
-              <a:off x="1991853" y="5968238"/>
+              <a:off x="2196267" y="5968222"/>
               <a:ext cx="63202" cy="63202"/>
             </a:xfrm>
             <a:custGeom>
@@ -6986,7 +6986,7 @@
           </p:nvSpPr>
           <p:spPr>
             <a:xfrm>
-              <a:off x="1971640" y="5611642"/>
+              <a:off x="1628272" y="5611655"/>
               <a:ext cx="63202" cy="63202"/>
             </a:xfrm>
             <a:custGeom>
@@ -7029,7 +7029,7 @@
           </p:nvSpPr>
           <p:spPr>
             <a:xfrm>
-              <a:off x="2084227" y="6256975"/>
+              <a:off x="2180602" y="6256961"/>
               <a:ext cx="63202" cy="63202"/>
             </a:xfrm>
             <a:custGeom>
@@ -7072,7 +7072,7 @@
           </p:nvSpPr>
           <p:spPr>
             <a:xfrm>
-              <a:off x="1720656" y="5861635"/>
+              <a:off x="1679863" y="5861634"/>
               <a:ext cx="63202" cy="63202"/>
             </a:xfrm>
             <a:custGeom>
@@ -7115,7 +7115,7 @@
           </p:nvSpPr>
           <p:spPr>
             <a:xfrm>
-              <a:off x="2934283" y="6641439"/>
+              <a:off x="2654071" y="6641450"/>
               <a:ext cx="63202" cy="63202"/>
             </a:xfrm>
             <a:custGeom>
@@ -7158,7 +7158,7 @@
           </p:nvSpPr>
           <p:spPr>
             <a:xfrm>
-              <a:off x="2160377" y="5681611"/>
+              <a:off x="2165197" y="5681540"/>
               <a:ext cx="63202" cy="63202"/>
             </a:xfrm>
             <a:custGeom>
@@ -7201,7 +7201,7 @@
           </p:nvSpPr>
           <p:spPr>
             <a:xfrm>
-              <a:off x="2128376" y="5942821"/>
+              <a:off x="2189776" y="5942801"/>
               <a:ext cx="63202" cy="63202"/>
             </a:xfrm>
             <a:custGeom>
@@ -7244,7 +7244,7 @@
           </p:nvSpPr>
           <p:spPr>
             <a:xfrm>
-              <a:off x="2064327" y="5712065"/>
+              <a:off x="1605989" y="5712067"/>
               <a:ext cx="63202" cy="63202"/>
             </a:xfrm>
             <a:custGeom>
@@ -7287,7 +7287,7 @@
           </p:nvSpPr>
           <p:spPr>
             <a:xfrm>
-              <a:off x="2246772" y="5849341"/>
+              <a:off x="1841609" y="5849321"/>
               <a:ext cx="63202" cy="63202"/>
             </a:xfrm>
             <a:custGeom>
@@ -7330,7 +7330,7 @@
           </p:nvSpPr>
           <p:spPr>
             <a:xfrm>
-              <a:off x="2788345" y="6672777"/>
+              <a:off x="3168704" y="6672732"/>
               <a:ext cx="63202" cy="63202"/>
             </a:xfrm>
             <a:custGeom>
@@ -7373,7 +7373,7 @@
           </p:nvSpPr>
           <p:spPr>
             <a:xfrm>
-              <a:off x="1634377" y="5619466"/>
+              <a:off x="1677853" y="5619463"/>
               <a:ext cx="63202" cy="63202"/>
             </a:xfrm>
             <a:custGeom>
@@ -7416,7 +7416,7 @@
           </p:nvSpPr>
           <p:spPr>
             <a:xfrm>
-              <a:off x="1738660" y="5618923"/>
+              <a:off x="1834325" y="5618862"/>
               <a:ext cx="63202" cy="63202"/>
             </a:xfrm>
             <a:custGeom>
@@ -7459,7 +7459,7 @@
           </p:nvSpPr>
           <p:spPr>
             <a:xfrm>
-              <a:off x="1954963" y="5620770"/>
+              <a:off x="1623421" y="5620810"/>
               <a:ext cx="63202" cy="63202"/>
             </a:xfrm>
             <a:custGeom>
@@ -7502,7 +7502,7 @@
           </p:nvSpPr>
           <p:spPr>
             <a:xfrm>
-              <a:off x="1949549" y="5620165"/>
+              <a:off x="1903608" y="5620124"/>
               <a:ext cx="63202" cy="63202"/>
             </a:xfrm>
             <a:custGeom>
@@ -7545,7 +7545,7 @@
           </p:nvSpPr>
           <p:spPr>
             <a:xfrm>
-              <a:off x="2017338" y="5617684"/>
+              <a:off x="2155914" y="5617658"/>
               <a:ext cx="63202" cy="63202"/>
             </a:xfrm>
             <a:custGeom>
@@ -7588,7 +7588,7 @@
           </p:nvSpPr>
           <p:spPr>
             <a:xfrm>
-              <a:off x="1784085" y="6071791"/>
+              <a:off x="1825434" y="6071728"/>
               <a:ext cx="63202" cy="63202"/>
             </a:xfrm>
             <a:custGeom>
@@ -7631,7 +7631,7 @@
           </p:nvSpPr>
           <p:spPr>
             <a:xfrm>
-              <a:off x="1683449" y="5790432"/>
+              <a:off x="2275876" y="5790437"/>
               <a:ext cx="63202" cy="63202"/>
             </a:xfrm>
             <a:custGeom>
@@ -7674,7 +7674,7 @@
           </p:nvSpPr>
           <p:spPr>
             <a:xfrm>
-              <a:off x="1752326" y="6568067"/>
+              <a:off x="2272883" y="6568092"/>
               <a:ext cx="63202" cy="63202"/>
             </a:xfrm>
             <a:custGeom>
@@ -7717,7 +7717,7 @@
           </p:nvSpPr>
           <p:spPr>
             <a:xfrm>
-              <a:off x="2640829" y="6672752"/>
+              <a:off x="3139926" y="6672777"/>
               <a:ext cx="63202" cy="63202"/>
             </a:xfrm>
             <a:custGeom>
@@ -7760,7 +7760,7 @@
           </p:nvSpPr>
           <p:spPr>
             <a:xfrm>
-              <a:off x="1756650" y="5626595"/>
+              <a:off x="1660145" y="5626529"/>
               <a:ext cx="63202" cy="63202"/>
             </a:xfrm>
             <a:custGeom>
@@ -7803,7 +7803,7 @@
           </p:nvSpPr>
           <p:spPr>
             <a:xfrm>
-              <a:off x="1951994" y="5668116"/>
+              <a:off x="2123147" y="5668044"/>
               <a:ext cx="63202" cy="63202"/>
             </a:xfrm>
             <a:custGeom>
@@ -7846,7 +7846,7 @@
           </p:nvSpPr>
           <p:spPr>
             <a:xfrm>
-              <a:off x="1705655" y="6370052"/>
+              <a:off x="1930429" y="6370078"/>
               <a:ext cx="63202" cy="63202"/>
             </a:xfrm>
             <a:custGeom>
@@ -7889,7 +7889,7 @@
           </p:nvSpPr>
           <p:spPr>
             <a:xfrm>
-              <a:off x="1783286" y="5692156"/>
+              <a:off x="2003492" y="5692170"/>
               <a:ext cx="63202" cy="63202"/>
             </a:xfrm>
             <a:custGeom>
@@ -7932,7 +7932,7 @@
           </p:nvSpPr>
           <p:spPr>
             <a:xfrm>
-              <a:off x="1785605" y="5840262"/>
+              <a:off x="1637411" y="5840247"/>
               <a:ext cx="63202" cy="63202"/>
             </a:xfrm>
             <a:custGeom>
@@ -7975,7 +7975,7 @@
           </p:nvSpPr>
           <p:spPr>
             <a:xfrm>
-              <a:off x="2261570" y="6342212"/>
+              <a:off x="2162530" y="6342260"/>
               <a:ext cx="63202" cy="63202"/>
             </a:xfrm>
             <a:custGeom>
@@ -8018,7 +8018,7 @@
           </p:nvSpPr>
           <p:spPr>
             <a:xfrm>
-              <a:off x="1930816" y="6386325"/>
+              <a:off x="1823707" y="6386316"/>
               <a:ext cx="63202" cy="63202"/>
             </a:xfrm>
             <a:custGeom>
@@ -8061,7 +8061,7 @@
           </p:nvSpPr>
           <p:spPr>
             <a:xfrm>
-              <a:off x="3112287" y="6729988"/>
+              <a:off x="2875346" y="6729981"/>
               <a:ext cx="63202" cy="63202"/>
             </a:xfrm>
             <a:custGeom>
@@ -8104,7 +8104,7 @@
           </p:nvSpPr>
           <p:spPr>
             <a:xfrm>
-              <a:off x="2023974" y="5610023"/>
+              <a:off x="2187077" y="5610033"/>
               <a:ext cx="63202" cy="63202"/>
             </a:xfrm>
             <a:custGeom>
@@ -8147,7 +8147,7 @@
           </p:nvSpPr>
           <p:spPr>
             <a:xfrm>
-              <a:off x="1624082" y="5613467"/>
+              <a:off x="2039795" y="5613401"/>
               <a:ext cx="63202" cy="63202"/>
             </a:xfrm>
             <a:custGeom>
@@ -8190,7 +8190,7 @@
           </p:nvSpPr>
           <p:spPr>
             <a:xfrm>
-              <a:off x="1676020" y="5611289"/>
+              <a:off x="1703538" y="5611241"/>
               <a:ext cx="63202" cy="63202"/>
             </a:xfrm>
             <a:custGeom>
@@ -8233,7 +8233,7 @@
           </p:nvSpPr>
           <p:spPr>
             <a:xfrm>
-              <a:off x="1705542" y="5713352"/>
+              <a:off x="1733501" y="5713263"/>
               <a:ext cx="63202" cy="63202"/>
             </a:xfrm>
             <a:custGeom>
@@ -8276,7 +8276,7 @@
           </p:nvSpPr>
           <p:spPr>
             <a:xfrm>
-              <a:off x="2190185" y="6042768"/>
+              <a:off x="1690325" y="6042748"/>
               <a:ext cx="63202" cy="63202"/>
             </a:xfrm>
             <a:custGeom>
@@ -8319,7 +8319,7 @@
           </p:nvSpPr>
           <p:spPr>
             <a:xfrm>
-              <a:off x="1797580" y="5610395"/>
+              <a:off x="2093213" y="5610377"/>
               <a:ext cx="63202" cy="63202"/>
             </a:xfrm>
             <a:custGeom>
@@ -8362,7 +8362,7 @@
           </p:nvSpPr>
           <p:spPr>
             <a:xfrm>
-              <a:off x="1802025" y="6074945"/>
+              <a:off x="1721457" y="6074946"/>
               <a:ext cx="63202" cy="63202"/>
             </a:xfrm>
             <a:custGeom>
@@ -8405,7 +8405,7 @@
           </p:nvSpPr>
           <p:spPr>
             <a:xfrm>
-              <a:off x="2056784" y="6057035"/>
+              <a:off x="2254824" y="6057016"/>
               <a:ext cx="63202" cy="63202"/>
             </a:xfrm>
             <a:custGeom>
@@ -8448,7 +8448,7 @@
           </p:nvSpPr>
           <p:spPr>
             <a:xfrm>
-              <a:off x="2187974" y="5610905"/>
+              <a:off x="1844739" y="5610902"/>
               <a:ext cx="63202" cy="63202"/>
             </a:xfrm>
             <a:custGeom>
@@ -8491,7 +8491,7 @@
           </p:nvSpPr>
           <p:spPr>
             <a:xfrm>
-              <a:off x="2176228" y="5614703"/>
+              <a:off x="2132543" y="5614606"/>
               <a:ext cx="63202" cy="63202"/>
             </a:xfrm>
             <a:custGeom>
@@ -8534,7 +8534,7 @@
           </p:nvSpPr>
           <p:spPr>
             <a:xfrm>
-              <a:off x="2082401" y="5610953"/>
+              <a:off x="2159089" y="5610967"/>
               <a:ext cx="63202" cy="63202"/>
             </a:xfrm>
             <a:custGeom>
@@ -8577,7 +8577,7 @@
           </p:nvSpPr>
           <p:spPr>
             <a:xfrm>
-              <a:off x="2239030" y="6228265"/>
+              <a:off x="1638595" y="6228286"/>
               <a:ext cx="63202" cy="63202"/>
             </a:xfrm>
             <a:custGeom>
@@ -8620,7 +8620,7 @@
           </p:nvSpPr>
           <p:spPr>
             <a:xfrm>
-              <a:off x="1970835" y="5847908"/>
+              <a:off x="2017020" y="5847901"/>
               <a:ext cx="63202" cy="63202"/>
             </a:xfrm>
             <a:custGeom>
@@ -8663,7 +8663,7 @@
           </p:nvSpPr>
           <p:spPr>
             <a:xfrm>
-              <a:off x="2011365" y="5876725"/>
+              <a:off x="1615657" y="5876752"/>
               <a:ext cx="63202" cy="63202"/>
             </a:xfrm>
             <a:custGeom>
@@ -8706,7 +8706,7 @@
           </p:nvSpPr>
           <p:spPr>
             <a:xfrm>
-              <a:off x="1604916" y="6612382"/>
+              <a:off x="1802431" y="6612413"/>
               <a:ext cx="63202" cy="63202"/>
             </a:xfrm>
             <a:custGeom>
@@ -8749,7 +8749,7 @@
           </p:nvSpPr>
           <p:spPr>
             <a:xfrm>
-              <a:off x="2085070" y="5605107"/>
+              <a:off x="2093604" y="5605124"/>
               <a:ext cx="63202" cy="63202"/>
             </a:xfrm>
             <a:custGeom>
@@ -8792,7 +8792,7 @@
           </p:nvSpPr>
           <p:spPr>
             <a:xfrm>
-              <a:off x="2236440" y="5603820"/>
+              <a:off x="1910631" y="5603754"/>
               <a:ext cx="63202" cy="63202"/>
             </a:xfrm>
             <a:custGeom>
@@ -8835,7 +8835,7 @@
           </p:nvSpPr>
           <p:spPr>
             <a:xfrm>
-              <a:off x="1950673" y="6110911"/>
+              <a:off x="2066817" y="6110936"/>
               <a:ext cx="63202" cy="63202"/>
             </a:xfrm>
             <a:custGeom>
@@ -8878,7 +8878,7 @@
           </p:nvSpPr>
           <p:spPr>
             <a:xfrm>
-              <a:off x="2012516" y="6009334"/>
+              <a:off x="2294867" y="6009373"/>
               <a:ext cx="63202" cy="63202"/>
             </a:xfrm>
             <a:custGeom>
@@ -8921,7 +8921,7 @@
           </p:nvSpPr>
           <p:spPr>
             <a:xfrm>
-              <a:off x="2108044" y="6077707"/>
+              <a:off x="2117658" y="6077731"/>
               <a:ext cx="63202" cy="63202"/>
             </a:xfrm>
             <a:custGeom>
@@ -8964,7 +8964,7 @@
           </p:nvSpPr>
           <p:spPr>
             <a:xfrm>
-              <a:off x="1789254" y="5872606"/>
+              <a:off x="2000617" y="5872535"/>
               <a:ext cx="63202" cy="63202"/>
             </a:xfrm>
             <a:custGeom>
@@ -9007,7 +9007,7 @@
           </p:nvSpPr>
           <p:spPr>
             <a:xfrm>
-              <a:off x="1617023" y="5859104"/>
+              <a:off x="1692321" y="5859073"/>
               <a:ext cx="63202" cy="63202"/>
             </a:xfrm>
             <a:custGeom>
@@ -9050,7 +9050,7 @@
           </p:nvSpPr>
           <p:spPr>
             <a:xfrm>
-              <a:off x="1721062" y="5839474"/>
+              <a:off x="2054258" y="5839405"/>
               <a:ext cx="63202" cy="63202"/>
             </a:xfrm>
             <a:custGeom>
@@ -9093,7 +9093,7 @@
           </p:nvSpPr>
           <p:spPr>
             <a:xfrm>
-              <a:off x="1625708" y="5844849"/>
+              <a:off x="2018345" y="5844836"/>
               <a:ext cx="63202" cy="63202"/>
             </a:xfrm>
             <a:custGeom>
@@ -9136,7 +9136,7 @@
           </p:nvSpPr>
           <p:spPr>
             <a:xfrm>
-              <a:off x="2148472" y="5846740"/>
+              <a:off x="1891276" y="5846673"/>
               <a:ext cx="63202" cy="63202"/>
             </a:xfrm>
             <a:custGeom>
@@ -9179,7 +9179,7 @@
           </p:nvSpPr>
           <p:spPr>
             <a:xfrm>
-              <a:off x="2147406" y="5831020"/>
+              <a:off x="1816724" y="5831032"/>
               <a:ext cx="63202" cy="63202"/>
             </a:xfrm>
             <a:custGeom>
@@ -9222,7 +9222,7 @@
           </p:nvSpPr>
           <p:spPr>
             <a:xfrm>
-              <a:off x="1739760" y="5782979"/>
+              <a:off x="1611088" y="5782978"/>
               <a:ext cx="63202" cy="63202"/>
             </a:xfrm>
             <a:custGeom>
@@ -9265,7 +9265,7 @@
           </p:nvSpPr>
           <p:spPr>
             <a:xfrm>
-              <a:off x="1735754" y="5872571"/>
+              <a:off x="1858844" y="5872548"/>
               <a:ext cx="63202" cy="63202"/>
             </a:xfrm>
             <a:custGeom>
@@ -9308,7 +9308,7 @@
           </p:nvSpPr>
           <p:spPr>
             <a:xfrm>
-              <a:off x="2106186" y="6325594"/>
+              <a:off x="2011154" y="6325663"/>
               <a:ext cx="63202" cy="63202"/>
             </a:xfrm>
             <a:custGeom>
@@ -9351,7 +9351,7 @@
           </p:nvSpPr>
           <p:spPr>
             <a:xfrm>
-              <a:off x="1979107" y="6516329"/>
+              <a:off x="2111575" y="6516321"/>
               <a:ext cx="63202" cy="63202"/>
             </a:xfrm>
             <a:custGeom>
@@ -9394,7 +9394,7 @@
           </p:nvSpPr>
           <p:spPr>
             <a:xfrm>
-              <a:off x="2084200" y="6328007"/>
+              <a:off x="2005972" y="6328021"/>
               <a:ext cx="63202" cy="63202"/>
             </a:xfrm>
             <a:custGeom>
@@ -9437,7 +9437,7 @@
           </p:nvSpPr>
           <p:spPr>
             <a:xfrm>
-              <a:off x="1775411" y="6367733"/>
+              <a:off x="1931773" y="6367760"/>
               <a:ext cx="63202" cy="63202"/>
             </a:xfrm>
             <a:custGeom>
@@ -9480,7 +9480,7 @@
           </p:nvSpPr>
           <p:spPr>
             <a:xfrm>
-              <a:off x="1750611" y="6529702"/>
+              <a:off x="1972272" y="6529744"/>
               <a:ext cx="63202" cy="63202"/>
             </a:xfrm>
             <a:custGeom>
@@ -9523,7 +9523,7 @@
           </p:nvSpPr>
           <p:spPr>
             <a:xfrm>
-              <a:off x="1622275" y="5599666"/>
+              <a:off x="1729211" y="5599648"/>
               <a:ext cx="63202" cy="63202"/>
             </a:xfrm>
             <a:custGeom>
@@ -9566,7 +9566,7 @@
           </p:nvSpPr>
           <p:spPr>
             <a:xfrm>
-              <a:off x="1719068" y="6376897"/>
+              <a:off x="1908042" y="6376886"/>
               <a:ext cx="63202" cy="63202"/>
             </a:xfrm>
             <a:custGeom>
@@ -9609,7 +9609,7 @@
           </p:nvSpPr>
           <p:spPr>
             <a:xfrm>
-              <a:off x="2146653" y="5940850"/>
+              <a:off x="2246401" y="5940805"/>
               <a:ext cx="63202" cy="63202"/>
             </a:xfrm>
             <a:custGeom>
@@ -9652,7 +9652,7 @@
           </p:nvSpPr>
           <p:spPr>
             <a:xfrm>
-              <a:off x="2047060" y="5614918"/>
+              <a:off x="1717417" y="5614937"/>
               <a:ext cx="63202" cy="63202"/>
             </a:xfrm>
             <a:custGeom>
@@ -9695,7 +9695,7 @@
           </p:nvSpPr>
           <p:spPr>
             <a:xfrm>
-              <a:off x="2030252" y="5619554"/>
+              <a:off x="1875187" y="5619528"/>
               <a:ext cx="63202" cy="63202"/>
             </a:xfrm>
             <a:custGeom>
@@ -9738,7 +9738,7 @@
           </p:nvSpPr>
           <p:spPr>
             <a:xfrm>
-              <a:off x="1663215" y="5623421"/>
+              <a:off x="2054060" y="5623402"/>
               <a:ext cx="63202" cy="63202"/>
             </a:xfrm>
             <a:custGeom>
@@ -9781,7 +9781,7 @@
           </p:nvSpPr>
           <p:spPr>
             <a:xfrm>
-              <a:off x="1887243" y="5622125"/>
+              <a:off x="1951588" y="5622116"/>
               <a:ext cx="63202" cy="63202"/>
             </a:xfrm>
             <a:custGeom>
@@ -9824,7 +9824,7 @@
           </p:nvSpPr>
           <p:spPr>
             <a:xfrm>
-              <a:off x="1813912" y="5612806"/>
+              <a:off x="1938176" y="5612776"/>
               <a:ext cx="63202" cy="63202"/>
             </a:xfrm>
             <a:custGeom>
@@ -9867,7 +9867,7 @@
           </p:nvSpPr>
           <p:spPr>
             <a:xfrm>
-              <a:off x="1865305" y="6371149"/>
+              <a:off x="1771603" y="6371105"/>
               <a:ext cx="63202" cy="63202"/>
             </a:xfrm>
             <a:custGeom>
@@ -9910,7 +9910,7 @@
           </p:nvSpPr>
           <p:spPr>
             <a:xfrm>
-              <a:off x="2237095" y="6152778"/>
+              <a:off x="1729160" y="6152737"/>
               <a:ext cx="63202" cy="63202"/>
             </a:xfrm>
             <a:custGeom>
@@ -9953,7 +9953,7 @@
           </p:nvSpPr>
           <p:spPr>
             <a:xfrm>
-              <a:off x="2111390" y="5606269"/>
+              <a:off x="1874147" y="5606260"/>
               <a:ext cx="63202" cy="63202"/>
             </a:xfrm>
             <a:custGeom>
@@ -9996,7 +9996,7 @@
           </p:nvSpPr>
           <p:spPr>
             <a:xfrm>
-              <a:off x="1841166" y="5868163"/>
+              <a:off x="1991471" y="5868133"/>
               <a:ext cx="63202" cy="63202"/>
             </a:xfrm>
             <a:custGeom>
@@ -10095,7 +10095,7 @@
           </p:nvSpPr>
           <p:spPr>
             <a:xfrm>
-              <a:off x="4325757" y="2850753"/>
+              <a:off x="4325757" y="2850773"/>
               <a:ext cx="2796732" cy="0"/>
             </a:xfrm>
             <a:custGeom>
@@ -10138,7 +10138,7 @@
           </p:nvSpPr>
           <p:spPr>
             <a:xfrm>
-              <a:off x="4325757" y="2378736"/>
+              <a:off x="4325757" y="2378734"/>
               <a:ext cx="2796732" cy="0"/>
             </a:xfrm>
             <a:custGeom>
@@ -10181,7 +10181,7 @@
           </p:nvSpPr>
           <p:spPr>
             <a:xfrm>
-              <a:off x="4325757" y="1906719"/>
+              <a:off x="4325757" y="1906695"/>
               <a:ext cx="2796732" cy="0"/>
             </a:xfrm>
             <a:custGeom>
@@ -10224,7 +10224,7 @@
           </p:nvSpPr>
           <p:spPr>
             <a:xfrm>
-              <a:off x="4325757" y="1434702"/>
+              <a:off x="4325757" y="1434656"/>
               <a:ext cx="2796732" cy="0"/>
             </a:xfrm>
             <a:custGeom>
@@ -10267,7 +10267,7 @@
           </p:nvSpPr>
           <p:spPr>
             <a:xfrm>
-              <a:off x="4325757" y="2614744"/>
+              <a:off x="4325757" y="2614753"/>
               <a:ext cx="2796732" cy="0"/>
             </a:xfrm>
             <a:custGeom>
@@ -10310,7 +10310,7 @@
           </p:nvSpPr>
           <p:spPr>
             <a:xfrm>
-              <a:off x="4325757" y="2142727"/>
+              <a:off x="4325757" y="2142714"/>
               <a:ext cx="2796732" cy="0"/>
             </a:xfrm>
             <a:custGeom>
@@ -10353,7 +10353,7 @@
           </p:nvSpPr>
           <p:spPr>
             <a:xfrm>
-              <a:off x="4325757" y="1670711"/>
+              <a:off x="4325757" y="1670675"/>
               <a:ext cx="2796732" cy="0"/>
             </a:xfrm>
             <a:custGeom>
@@ -10525,7 +10525,7 @@
           </p:nvSpPr>
           <p:spPr>
             <a:xfrm>
-              <a:off x="4629524" y="2111028"/>
+              <a:off x="4509490" y="2111015"/>
               <a:ext cx="63202" cy="63202"/>
             </a:xfrm>
             <a:custGeom>
@@ -10568,7 +10568,7 @@
           </p:nvSpPr>
           <p:spPr>
             <a:xfrm>
-              <a:off x="4494030" y="1890201"/>
+              <a:off x="5135286" y="1890181"/>
               <a:ext cx="63202" cy="63202"/>
             </a:xfrm>
             <a:custGeom>
@@ -10611,7 +10611,7 @@
           </p:nvSpPr>
           <p:spPr>
             <a:xfrm>
-              <a:off x="4905908" y="1811410"/>
+              <a:off x="5079880" y="1811396"/>
               <a:ext cx="63202" cy="63202"/>
             </a:xfrm>
             <a:custGeom>
@@ -10654,7 +10654,7 @@
           </p:nvSpPr>
           <p:spPr>
             <a:xfrm>
-              <a:off x="5101242" y="1904352"/>
+              <a:off x="4683369" y="1904390"/>
               <a:ext cx="63202" cy="63202"/>
             </a:xfrm>
             <a:custGeom>
@@ -10697,7 +10697,7 @@
           </p:nvSpPr>
           <p:spPr>
             <a:xfrm>
-              <a:off x="5075537" y="1948008"/>
+              <a:off x="4550908" y="1947989"/>
               <a:ext cx="63202" cy="63202"/>
             </a:xfrm>
             <a:custGeom>
@@ -10740,7 +10740,7 @@
           </p:nvSpPr>
           <p:spPr>
             <a:xfrm>
-              <a:off x="4772442" y="2355340"/>
+              <a:off x="5013387" y="2355363"/>
               <a:ext cx="63202" cy="63202"/>
             </a:xfrm>
             <a:custGeom>
@@ -10783,7 +10783,7 @@
           </p:nvSpPr>
           <p:spPr>
             <a:xfrm>
-              <a:off x="4648559" y="1851789"/>
+              <a:off x="4575510" y="1851807"/>
               <a:ext cx="63202" cy="63202"/>
             </a:xfrm>
             <a:custGeom>
@@ -10826,7 +10826,7 @@
           </p:nvSpPr>
           <p:spPr>
             <a:xfrm>
-              <a:off x="5047886" y="1908742"/>
+              <a:off x="4602778" y="1908705"/>
               <a:ext cx="63202" cy="63202"/>
             </a:xfrm>
             <a:custGeom>
@@ -10869,7 +10869,7 @@
           </p:nvSpPr>
           <p:spPr>
             <a:xfrm>
-              <a:off x="4804102" y="1855070"/>
+              <a:off x="5090320" y="1855107"/>
               <a:ext cx="63202" cy="63202"/>
             </a:xfrm>
             <a:custGeom>
@@ -10912,7 +10912,7 @@
           </p:nvSpPr>
           <p:spPr>
             <a:xfrm>
-              <a:off x="5116764" y="1885525"/>
+              <a:off x="5031929" y="1885491"/>
               <a:ext cx="63202" cy="63202"/>
             </a:xfrm>
             <a:custGeom>
@@ -10955,7 +10955,7 @@
           </p:nvSpPr>
           <p:spPr>
             <a:xfrm>
-              <a:off x="4961670" y="2846546"/>
+              <a:off x="4907883" y="2846555"/>
               <a:ext cx="63202" cy="63202"/>
             </a:xfrm>
             <a:custGeom>
@@ -10998,7 +10998,7 @@
           </p:nvSpPr>
           <p:spPr>
             <a:xfrm>
-              <a:off x="4491524" y="1868290"/>
+              <a:off x="5108557" y="1868283"/>
               <a:ext cx="63202" cy="63202"/>
             </a:xfrm>
             <a:custGeom>
@@ -11041,7 +11041,7 @@
           </p:nvSpPr>
           <p:spPr>
             <a:xfrm>
-              <a:off x="5050078" y="1882296"/>
+              <a:off x="4598754" y="1882261"/>
               <a:ext cx="63202" cy="63202"/>
             </a:xfrm>
             <a:custGeom>
@@ -11084,7 +11084,7 @@
           </p:nvSpPr>
           <p:spPr>
             <a:xfrm>
-              <a:off x="5004863" y="1909076"/>
+              <a:off x="5023117" y="1909077"/>
               <a:ext cx="63202" cy="63202"/>
             </a:xfrm>
             <a:custGeom>
@@ -11127,7 +11127,7 @@
           </p:nvSpPr>
           <p:spPr>
             <a:xfrm>
-              <a:off x="4911356" y="2226106"/>
+              <a:off x="4585432" y="2226064"/>
               <a:ext cx="63202" cy="63202"/>
             </a:xfrm>
             <a:custGeom>
@@ -11170,7 +11170,7 @@
           </p:nvSpPr>
           <p:spPr>
             <a:xfrm>
-              <a:off x="4533664" y="1918460"/>
+              <a:off x="4530375" y="1918431"/>
               <a:ext cx="63202" cy="63202"/>
             </a:xfrm>
             <a:custGeom>
@@ -11213,7 +11213,7 @@
           </p:nvSpPr>
           <p:spPr>
             <a:xfrm>
-              <a:off x="5093694" y="2357012"/>
+              <a:off x="4837277" y="2357053"/>
               <a:ext cx="63202" cy="63202"/>
             </a:xfrm>
             <a:custGeom>
@@ -11256,7 +11256,7 @@
           </p:nvSpPr>
           <p:spPr>
             <a:xfrm>
-              <a:off x="4904651" y="1833931"/>
+              <a:off x="4648105" y="1833921"/>
               <a:ext cx="63202" cy="63202"/>
             </a:xfrm>
             <a:custGeom>
@@ -11299,7 +11299,7 @@
           </p:nvSpPr>
           <p:spPr>
             <a:xfrm>
-              <a:off x="4970055" y="1875991"/>
+              <a:off x="4840937" y="1875908"/>
               <a:ext cx="63202" cy="63202"/>
             </a:xfrm>
             <a:custGeom>
@@ -11342,7 +11342,7 @@
           </p:nvSpPr>
           <p:spPr>
             <a:xfrm>
-              <a:off x="4961761" y="1981447"/>
+              <a:off x="4902124" y="1981429"/>
               <a:ext cx="63202" cy="63202"/>
             </a:xfrm>
             <a:custGeom>
@@ -11385,7 +11385,7 @@
           </p:nvSpPr>
           <p:spPr>
             <a:xfrm>
-              <a:off x="4558758" y="1914613"/>
+              <a:off x="4731781" y="1914525"/>
               <a:ext cx="63202" cy="63202"/>
             </a:xfrm>
             <a:custGeom>
@@ -11428,7 +11428,7 @@
           </p:nvSpPr>
           <p:spPr>
             <a:xfrm>
-              <a:off x="4986626" y="1943535"/>
+              <a:off x="4470150" y="1943560"/>
               <a:ext cx="63202" cy="63202"/>
             </a:xfrm>
             <a:custGeom>
@@ -11471,7 +11471,7 @@
           </p:nvSpPr>
           <p:spPr>
             <a:xfrm>
-              <a:off x="5044078" y="2538454"/>
+              <a:off x="4483428" y="2538507"/>
               <a:ext cx="63202" cy="63202"/>
             </a:xfrm>
             <a:custGeom>
@@ -11514,7 +11514,7 @@
           </p:nvSpPr>
           <p:spPr>
             <a:xfrm>
-              <a:off x="4633592" y="2199112"/>
+              <a:off x="4679601" y="2199087"/>
               <a:ext cx="63202" cy="63202"/>
             </a:xfrm>
             <a:custGeom>
@@ -11557,7 +11557,7 @@
           </p:nvSpPr>
           <p:spPr>
             <a:xfrm>
-              <a:off x="4953527" y="2000108"/>
+              <a:off x="4538705" y="2000111"/>
               <a:ext cx="63202" cy="63202"/>
             </a:xfrm>
             <a:custGeom>
@@ -11600,7 +11600,7 @@
           </p:nvSpPr>
           <p:spPr>
             <a:xfrm>
-              <a:off x="5144059" y="1882513"/>
+              <a:off x="5149324" y="1882478"/>
               <a:ext cx="63202" cy="63202"/>
             </a:xfrm>
             <a:custGeom>
@@ -11643,7 +11643,7 @@
           </p:nvSpPr>
           <p:spPr>
             <a:xfrm>
-              <a:off x="5011206" y="2620824"/>
+              <a:off x="4656558" y="2620792"/>
               <a:ext cx="63202" cy="63202"/>
             </a:xfrm>
             <a:custGeom>
@@ -11686,7 +11686,7 @@
           </p:nvSpPr>
           <p:spPr>
             <a:xfrm>
-              <a:off x="5157191" y="1900413"/>
+              <a:off x="5161847" y="1900388"/>
               <a:ext cx="63202" cy="63202"/>
             </a:xfrm>
             <a:custGeom>
@@ -11729,7 +11729,7 @@
           </p:nvSpPr>
           <p:spPr>
             <a:xfrm>
-              <a:off x="5143946" y="1933083"/>
+              <a:off x="4877434" y="1933024"/>
               <a:ext cx="63202" cy="63202"/>
             </a:xfrm>
             <a:custGeom>
@@ -11772,7 +11772,7 @@
           </p:nvSpPr>
           <p:spPr>
             <a:xfrm>
-              <a:off x="4938166" y="1816376"/>
+              <a:off x="4860206" y="1816346"/>
               <a:ext cx="63202" cy="63202"/>
             </a:xfrm>
             <a:custGeom>
@@ -11815,7 +11815,7 @@
           </p:nvSpPr>
           <p:spPr>
             <a:xfrm>
-              <a:off x="5111281" y="1919168"/>
+              <a:off x="5094085" y="1919157"/>
               <a:ext cx="63202" cy="63202"/>
             </a:xfrm>
             <a:custGeom>
@@ -11858,7 +11858,7 @@
           </p:nvSpPr>
           <p:spPr>
             <a:xfrm>
-              <a:off x="4508890" y="1835648"/>
+              <a:off x="4919734" y="1835662"/>
               <a:ext cx="63202" cy="63202"/>
             </a:xfrm>
             <a:custGeom>
@@ -11901,7 +11901,7 @@
           </p:nvSpPr>
           <p:spPr>
             <a:xfrm>
-              <a:off x="4958183" y="1940341"/>
+              <a:off x="4755670" y="1940299"/>
               <a:ext cx="63202" cy="63202"/>
             </a:xfrm>
             <a:custGeom>
@@ -11944,7 +11944,7 @@
           </p:nvSpPr>
           <p:spPr>
             <a:xfrm>
-              <a:off x="4600487" y="1995448"/>
+              <a:off x="4752948" y="1995480"/>
               <a:ext cx="63202" cy="63202"/>
             </a:xfrm>
             <a:custGeom>
@@ -11987,7 +11987,7 @@
           </p:nvSpPr>
           <p:spPr>
             <a:xfrm>
-              <a:off x="4535041" y="1894487"/>
+              <a:off x="4541323" y="1894424"/>
               <a:ext cx="63202" cy="63202"/>
             </a:xfrm>
             <a:custGeom>
@@ -12030,7 +12030,7 @@
           </p:nvSpPr>
           <p:spPr>
             <a:xfrm>
-              <a:off x="4634603" y="1882265"/>
+              <a:off x="4934703" y="1882285"/>
               <a:ext cx="63202" cy="63202"/>
             </a:xfrm>
             <a:custGeom>
@@ -12073,7 +12073,7 @@
           </p:nvSpPr>
           <p:spPr>
             <a:xfrm>
-              <a:off x="4531609" y="1908816"/>
+              <a:off x="4909505" y="1908805"/>
               <a:ext cx="63202" cy="63202"/>
             </a:xfrm>
             <a:custGeom>
@@ -12116,7 +12116,7 @@
           </p:nvSpPr>
           <p:spPr>
             <a:xfrm>
-              <a:off x="4677823" y="1987642"/>
+              <a:off x="4471607" y="1987627"/>
               <a:ext cx="63202" cy="63202"/>
             </a:xfrm>
             <a:custGeom>
@@ -12159,7 +12159,7 @@
           </p:nvSpPr>
           <p:spPr>
             <a:xfrm>
-              <a:off x="4784219" y="1899967"/>
+              <a:off x="4721277" y="1899921"/>
               <a:ext cx="63202" cy="63202"/>
             </a:xfrm>
             <a:custGeom>
@@ -12202,7 +12202,7 @@
           </p:nvSpPr>
           <p:spPr>
             <a:xfrm>
-              <a:off x="4686454" y="2010184"/>
+              <a:off x="4636956" y="2010156"/>
               <a:ext cx="63202" cy="63202"/>
             </a:xfrm>
             <a:custGeom>
@@ -12245,7 +12245,7 @@
           </p:nvSpPr>
           <p:spPr>
             <a:xfrm>
-              <a:off x="4830695" y="1952041"/>
+              <a:off x="4810834" y="1952014"/>
               <a:ext cx="63202" cy="63202"/>
             </a:xfrm>
             <a:custGeom>
@@ -12288,7 +12288,7 @@
           </p:nvSpPr>
           <p:spPr>
             <a:xfrm>
-              <a:off x="4731336" y="2742003"/>
+              <a:off x="5072574" y="2742065"/>
               <a:ext cx="63202" cy="63202"/>
             </a:xfrm>
             <a:custGeom>
@@ -12331,7 +12331,7 @@
           </p:nvSpPr>
           <p:spPr>
             <a:xfrm>
-              <a:off x="4789511" y="1917002"/>
+              <a:off x="4680200" y="1916974"/>
               <a:ext cx="63202" cy="63202"/>
             </a:xfrm>
             <a:custGeom>
@@ -12374,7 +12374,7 @@
           </p:nvSpPr>
           <p:spPr>
             <a:xfrm>
-              <a:off x="5129562" y="2136648"/>
+              <a:off x="4984060" y="2136618"/>
               <a:ext cx="63202" cy="63202"/>
             </a:xfrm>
             <a:custGeom>
@@ -12417,7 +12417,7 @@
           </p:nvSpPr>
           <p:spPr>
             <a:xfrm>
-              <a:off x="4602111" y="1877371"/>
+              <a:off x="5062669" y="1877388"/>
               <a:ext cx="63202" cy="63202"/>
             </a:xfrm>
             <a:custGeom>
@@ -12460,7 +12460,7 @@
           </p:nvSpPr>
           <p:spPr>
             <a:xfrm>
-              <a:off x="5046701" y="1900037"/>
+              <a:off x="4870051" y="1899990"/>
               <a:ext cx="63202" cy="63202"/>
             </a:xfrm>
             <a:custGeom>
@@ -12503,7 +12503,7 @@
           </p:nvSpPr>
           <p:spPr>
             <a:xfrm>
-              <a:off x="5042155" y="1843512"/>
+              <a:off x="4897449" y="1843456"/>
               <a:ext cx="63202" cy="63202"/>
             </a:xfrm>
             <a:custGeom>
@@ -12546,7 +12546,7 @@
           </p:nvSpPr>
           <p:spPr>
             <a:xfrm>
-              <a:off x="4707777" y="1889670"/>
+              <a:off x="4571881" y="1889617"/>
               <a:ext cx="63202" cy="63202"/>
             </a:xfrm>
             <a:custGeom>
@@ -12589,7 +12589,7 @@
           </p:nvSpPr>
           <p:spPr>
             <a:xfrm>
-              <a:off x="4813947" y="1913726"/>
+              <a:off x="4722853" y="1913702"/>
               <a:ext cx="63202" cy="63202"/>
             </a:xfrm>
             <a:custGeom>
@@ -12632,7 +12632,7 @@
           </p:nvSpPr>
           <p:spPr>
             <a:xfrm>
-              <a:off x="5022174" y="2279918"/>
+              <a:off x="4518994" y="2279948"/>
               <a:ext cx="63202" cy="63202"/>
             </a:xfrm>
             <a:custGeom>
@@ -12675,7 +12675,7 @@
           </p:nvSpPr>
           <p:spPr>
             <a:xfrm>
-              <a:off x="5074790" y="1917978"/>
+              <a:off x="4485384" y="1917964"/>
               <a:ext cx="63202" cy="63202"/>
             </a:xfrm>
             <a:custGeom>
@@ -12718,7 +12718,7 @@
           </p:nvSpPr>
           <p:spPr>
             <a:xfrm>
-              <a:off x="5041480" y="2088905"/>
+              <a:off x="4908357" y="2088962"/>
               <a:ext cx="63202" cy="63202"/>
             </a:xfrm>
             <a:custGeom>
@@ -12761,7 +12761,7 @@
           </p:nvSpPr>
           <p:spPr>
             <a:xfrm>
-              <a:off x="5557724" y="2773185"/>
+              <a:off x="5825405" y="2773175"/>
               <a:ext cx="63202" cy="63202"/>
             </a:xfrm>
             <a:custGeom>
@@ -12804,7 +12804,7 @@
           </p:nvSpPr>
           <p:spPr>
             <a:xfrm>
-              <a:off x="5025663" y="1808155"/>
+              <a:off x="4796468" y="1808184"/>
               <a:ext cx="63202" cy="63202"/>
             </a:xfrm>
             <a:custGeom>
@@ -12847,7 +12847,7 @@
           </p:nvSpPr>
           <p:spPr>
             <a:xfrm>
-              <a:off x="4501076" y="1849052"/>
+              <a:off x="4825898" y="1849067"/>
               <a:ext cx="63202" cy="63202"/>
             </a:xfrm>
             <a:custGeom>
@@ -12890,7 +12890,7 @@
           </p:nvSpPr>
           <p:spPr>
             <a:xfrm>
-              <a:off x="4914333" y="2417177"/>
+              <a:off x="4710651" y="2417181"/>
               <a:ext cx="63202" cy="63202"/>
             </a:xfrm>
             <a:custGeom>
@@ -12933,7 +12933,7 @@
           </p:nvSpPr>
           <p:spPr>
             <a:xfrm>
-              <a:off x="4571214" y="1933292"/>
+              <a:off x="5091503" y="1933240"/>
               <a:ext cx="63202" cy="63202"/>
             </a:xfrm>
             <a:custGeom>
@@ -12976,7 +12976,7 @@
           </p:nvSpPr>
           <p:spPr>
             <a:xfrm>
-              <a:off x="4539552" y="1852643"/>
+              <a:off x="5000068" y="1852658"/>
               <a:ext cx="63202" cy="63202"/>
             </a:xfrm>
             <a:custGeom>
@@ -13019,7 +13019,7 @@
           </p:nvSpPr>
           <p:spPr>
             <a:xfrm>
-              <a:off x="4973192" y="1917945"/>
+              <a:off x="4827473" y="1917923"/>
               <a:ext cx="63202" cy="63202"/>
             </a:xfrm>
             <a:custGeom>
@@ -13062,7 +13062,7 @@
           </p:nvSpPr>
           <p:spPr>
             <a:xfrm>
-              <a:off x="5013175" y="1954237"/>
+              <a:off x="4768061" y="1954222"/>
               <a:ext cx="63202" cy="63202"/>
             </a:xfrm>
             <a:custGeom>
@@ -13105,7 +13105,7 @@
           </p:nvSpPr>
           <p:spPr>
             <a:xfrm>
-              <a:off x="5020525" y="1926155"/>
+              <a:off x="5015647" y="1926177"/>
               <a:ext cx="63202" cy="63202"/>
             </a:xfrm>
             <a:custGeom>
@@ -13148,7 +13148,7 @@
           </p:nvSpPr>
           <p:spPr>
             <a:xfrm>
-              <a:off x="5130803" y="2037877"/>
+              <a:off x="4485490" y="2037881"/>
               <a:ext cx="63202" cy="63202"/>
             </a:xfrm>
             <a:custGeom>
@@ -13191,7 +13191,7 @@
           </p:nvSpPr>
           <p:spPr>
             <a:xfrm>
-              <a:off x="4907382" y="1889577"/>
+              <a:off x="4619524" y="1889555"/>
               <a:ext cx="63202" cy="63202"/>
             </a:xfrm>
             <a:custGeom>
@@ -13234,7 +13234,7 @@
           </p:nvSpPr>
           <p:spPr>
             <a:xfrm>
-              <a:off x="4498707" y="1898327"/>
+              <a:off x="4997453" y="1898297"/>
               <a:ext cx="63202" cy="63202"/>
             </a:xfrm>
             <a:custGeom>
@@ -13277,7 +13277,7 @@
           </p:nvSpPr>
           <p:spPr>
             <a:xfrm>
-              <a:off x="5087533" y="2128211"/>
+              <a:off x="4620852" y="2128222"/>
               <a:ext cx="63202" cy="63202"/>
             </a:xfrm>
             <a:custGeom>
@@ -13320,7 +13320,7 @@
           </p:nvSpPr>
           <p:spPr>
             <a:xfrm>
-              <a:off x="4891013" y="1974597"/>
+              <a:off x="4967298" y="1974586"/>
               <a:ext cx="63202" cy="63202"/>
             </a:xfrm>
             <a:custGeom>
@@ -13363,7 +13363,7 @@
           </p:nvSpPr>
           <p:spPr>
             <a:xfrm>
-              <a:off x="5012288" y="1875894"/>
+              <a:off x="4849905" y="1875875"/>
               <a:ext cx="63202" cy="63202"/>
             </a:xfrm>
             <a:custGeom>
@@ -13406,7 +13406,7 @@
           </p:nvSpPr>
           <p:spPr>
             <a:xfrm>
-              <a:off x="5135303" y="2071830"/>
+              <a:off x="4872112" y="2071845"/>
               <a:ext cx="63202" cy="63202"/>
             </a:xfrm>
             <a:custGeom>
@@ -13449,7 +13449,7 @@
           </p:nvSpPr>
           <p:spPr>
             <a:xfrm>
-              <a:off x="4907268" y="2082333"/>
+              <a:off x="4489031" y="2082324"/>
               <a:ext cx="63202" cy="63202"/>
             </a:xfrm>
             <a:custGeom>
@@ -13492,7 +13492,7 @@
           </p:nvSpPr>
           <p:spPr>
             <a:xfrm>
-              <a:off x="4867602" y="1972855"/>
+              <a:off x="4780376" y="1972785"/>
               <a:ext cx="63202" cy="63202"/>
             </a:xfrm>
             <a:custGeom>
@@ -13535,7 +13535,7 @@
           </p:nvSpPr>
           <p:spPr>
             <a:xfrm>
-              <a:off x="4595127" y="2051011"/>
+              <a:off x="4694506" y="2051002"/>
               <a:ext cx="63202" cy="63202"/>
             </a:xfrm>
             <a:custGeom>
@@ -13578,7 +13578,7 @@
           </p:nvSpPr>
           <p:spPr>
             <a:xfrm>
-              <a:off x="4651163" y="1937680"/>
+              <a:off x="4846867" y="1937722"/>
               <a:ext cx="63202" cy="63202"/>
             </a:xfrm>
             <a:custGeom>
@@ -13621,7 +13621,7 @@
           </p:nvSpPr>
           <p:spPr>
             <a:xfrm>
-              <a:off x="4737698" y="1883805"/>
+              <a:off x="5013716" y="1883795"/>
               <a:ext cx="63202" cy="63202"/>
             </a:xfrm>
             <a:custGeom>
@@ -13664,7 +13664,7 @@
           </p:nvSpPr>
           <p:spPr>
             <a:xfrm>
-              <a:off x="4712110" y="1809780"/>
+              <a:off x="4527549" y="1809760"/>
               <a:ext cx="63202" cy="63202"/>
             </a:xfrm>
             <a:custGeom>
@@ -13707,7 +13707,7 @@
           </p:nvSpPr>
           <p:spPr>
             <a:xfrm>
-              <a:off x="4532336" y="1812646"/>
+              <a:off x="4842821" y="1812626"/>
               <a:ext cx="63202" cy="63202"/>
             </a:xfrm>
             <a:custGeom>
@@ -13750,7 +13750,7 @@
           </p:nvSpPr>
           <p:spPr>
             <a:xfrm>
-              <a:off x="4681631" y="2329395"/>
+              <a:off x="4783255" y="2329415"/>
               <a:ext cx="63202" cy="63202"/>
             </a:xfrm>
             <a:custGeom>
@@ -13793,7 +13793,7 @@
           </p:nvSpPr>
           <p:spPr>
             <a:xfrm>
-              <a:off x="4637568" y="1859750"/>
+              <a:off x="4924981" y="1859722"/>
               <a:ext cx="63202" cy="63202"/>
             </a:xfrm>
             <a:custGeom>
@@ -13836,7 +13836,7 @@
           </p:nvSpPr>
           <p:spPr>
             <a:xfrm>
-              <a:off x="5122846" y="2564326"/>
+              <a:off x="4567713" y="2564351"/>
               <a:ext cx="63202" cy="63202"/>
             </a:xfrm>
             <a:custGeom>
@@ -13879,7 +13879,7 @@
           </p:nvSpPr>
           <p:spPr>
             <a:xfrm>
-              <a:off x="4853419" y="1810001"/>
+              <a:off x="5116956" y="1809975"/>
               <a:ext cx="63202" cy="63202"/>
             </a:xfrm>
             <a:custGeom>
@@ -13922,7 +13922,7 @@
           </p:nvSpPr>
           <p:spPr>
             <a:xfrm>
-              <a:off x="5073845" y="1867122"/>
+              <a:off x="4502910" y="1867095"/>
               <a:ext cx="63202" cy="63202"/>
             </a:xfrm>
             <a:custGeom>
@@ -13965,7 +13965,7 @@
           </p:nvSpPr>
           <p:spPr>
             <a:xfrm>
-              <a:off x="4648077" y="1882989"/>
+              <a:off x="4944443" y="1882946"/>
               <a:ext cx="63202" cy="63202"/>
             </a:xfrm>
             <a:custGeom>
@@ -14008,7 +14008,7 @@
           </p:nvSpPr>
           <p:spPr>
             <a:xfrm>
-              <a:off x="4921263" y="2037268"/>
+              <a:off x="4998799" y="2037313"/>
               <a:ext cx="63202" cy="63202"/>
             </a:xfrm>
             <a:custGeom>
@@ -14051,7 +14051,7 @@
           </p:nvSpPr>
           <p:spPr>
             <a:xfrm>
-              <a:off x="5027422" y="1794000"/>
+              <a:off x="4742739" y="1793968"/>
               <a:ext cx="63202" cy="63202"/>
             </a:xfrm>
             <a:custGeom>
@@ -14094,7 +14094,7 @@
           </p:nvSpPr>
           <p:spPr>
             <a:xfrm>
-              <a:off x="5031512" y="1900017"/>
+              <a:off x="4506168" y="1900014"/>
               <a:ext cx="63202" cy="63202"/>
             </a:xfrm>
             <a:custGeom>
@@ -14137,7 +14137,7 @@
           </p:nvSpPr>
           <p:spPr>
             <a:xfrm>
-              <a:off x="4505139" y="1878015"/>
+              <a:off x="4878396" y="1878014"/>
               <a:ext cx="63202" cy="63202"/>
             </a:xfrm>
             <a:custGeom>
@@ -14236,7 +14236,7 @@
           </p:nvSpPr>
           <p:spPr>
             <a:xfrm>
-              <a:off x="4325757" y="4776085"/>
+              <a:off x="4325757" y="4776106"/>
               <a:ext cx="2796732" cy="0"/>
             </a:xfrm>
             <a:custGeom>
@@ -14279,7 +14279,7 @@
           </p:nvSpPr>
           <p:spPr>
             <a:xfrm>
-              <a:off x="4325757" y="4304068"/>
+              <a:off x="4325757" y="4304066"/>
               <a:ext cx="2796732" cy="0"/>
             </a:xfrm>
             <a:custGeom>
@@ -14322,7 +14322,7 @@
           </p:nvSpPr>
           <p:spPr>
             <a:xfrm>
-              <a:off x="4325757" y="3832052"/>
+              <a:off x="4325757" y="3832027"/>
               <a:ext cx="2796732" cy="0"/>
             </a:xfrm>
             <a:custGeom>
@@ -14365,7 +14365,7 @@
           </p:nvSpPr>
           <p:spPr>
             <a:xfrm>
-              <a:off x="4325757" y="3360035"/>
+              <a:off x="4325757" y="3359988"/>
               <a:ext cx="2796732" cy="0"/>
             </a:xfrm>
             <a:custGeom>
@@ -14408,7 +14408,7 @@
           </p:nvSpPr>
           <p:spPr>
             <a:xfrm>
-              <a:off x="4325757" y="4540077"/>
+              <a:off x="4325757" y="4540086"/>
               <a:ext cx="2796732" cy="0"/>
             </a:xfrm>
             <a:custGeom>
@@ -14451,7 +14451,7 @@
           </p:nvSpPr>
           <p:spPr>
             <a:xfrm>
-              <a:off x="4325757" y="4068060"/>
+              <a:off x="4325757" y="4068047"/>
               <a:ext cx="2796732" cy="0"/>
             </a:xfrm>
             <a:custGeom>
@@ -14494,7 +14494,7 @@
           </p:nvSpPr>
           <p:spPr>
             <a:xfrm>
-              <a:off x="4325757" y="3596043"/>
+              <a:off x="4325757" y="3596008"/>
               <a:ext cx="2796732" cy="0"/>
             </a:xfrm>
             <a:custGeom>
@@ -14666,7 +14666,7 @@
           </p:nvSpPr>
           <p:spPr>
             <a:xfrm>
-              <a:off x="5367701" y="4763273"/>
+              <a:off x="5497722" y="4763313"/>
               <a:ext cx="63202" cy="63202"/>
             </a:xfrm>
             <a:custGeom>
@@ -14709,7 +14709,7 @@
           </p:nvSpPr>
           <p:spPr>
             <a:xfrm>
-              <a:off x="5029996" y="4588788"/>
+              <a:off x="4703534" y="4588827"/>
               <a:ext cx="63202" cy="63202"/>
             </a:xfrm>
             <a:custGeom>
@@ -14752,7 +14752,7 @@
           </p:nvSpPr>
           <p:spPr>
             <a:xfrm>
-              <a:off x="5013031" y="3891091"/>
+              <a:off x="4548646" y="3891068"/>
               <a:ext cx="63202" cy="63202"/>
             </a:xfrm>
             <a:custGeom>
@@ -14795,7 +14795,7 @@
           </p:nvSpPr>
           <p:spPr>
             <a:xfrm>
-              <a:off x="6514672" y="4883747"/>
+              <a:off x="6622809" y="4883747"/>
               <a:ext cx="63202" cy="63202"/>
             </a:xfrm>
             <a:custGeom>
@@ -14894,7 +14894,7 @@
           </p:nvSpPr>
           <p:spPr>
             <a:xfrm>
-              <a:off x="4325757" y="6701418"/>
+              <a:off x="4325757" y="6701438"/>
               <a:ext cx="2796732" cy="0"/>
             </a:xfrm>
             <a:custGeom>
@@ -14937,7 +14937,7 @@
           </p:nvSpPr>
           <p:spPr>
             <a:xfrm>
-              <a:off x="4325757" y="6229401"/>
+              <a:off x="4325757" y="6229399"/>
               <a:ext cx="2796732" cy="0"/>
             </a:xfrm>
             <a:custGeom>
@@ -14980,7 +14980,7 @@
           </p:nvSpPr>
           <p:spPr>
             <a:xfrm>
-              <a:off x="4325757" y="5757384"/>
+              <a:off x="4325757" y="5757360"/>
               <a:ext cx="2796732" cy="0"/>
             </a:xfrm>
             <a:custGeom>
@@ -15023,7 +15023,7 @@
           </p:nvSpPr>
           <p:spPr>
             <a:xfrm>
-              <a:off x="4325757" y="5285367"/>
+              <a:off x="4325757" y="5285321"/>
               <a:ext cx="2796732" cy="0"/>
             </a:xfrm>
             <a:custGeom>
@@ -15066,7 +15066,7 @@
           </p:nvSpPr>
           <p:spPr>
             <a:xfrm>
-              <a:off x="4325757" y="6465409"/>
+              <a:off x="4325757" y="6465419"/>
               <a:ext cx="2796732" cy="0"/>
             </a:xfrm>
             <a:custGeom>
@@ -15109,7 +15109,7 @@
           </p:nvSpPr>
           <p:spPr>
             <a:xfrm>
-              <a:off x="4325757" y="5993393"/>
+              <a:off x="4325757" y="5993380"/>
               <a:ext cx="2796732" cy="0"/>
             </a:xfrm>
             <a:custGeom>
@@ -15152,7 +15152,7 @@
           </p:nvSpPr>
           <p:spPr>
             <a:xfrm>
-              <a:off x="4325757" y="5521376"/>
+              <a:off x="4325757" y="5521340"/>
               <a:ext cx="2796732" cy="0"/>
             </a:xfrm>
             <a:custGeom>
@@ -15324,7 +15324,7 @@
           </p:nvSpPr>
           <p:spPr>
             <a:xfrm>
-              <a:off x="4551761" y="5368785"/>
+              <a:off x="4917199" y="5368701"/>
               <a:ext cx="63202" cy="63202"/>
             </a:xfrm>
             <a:custGeom>
@@ -15367,7 +15367,7 @@
           </p:nvSpPr>
           <p:spPr>
             <a:xfrm>
-              <a:off x="4535693" y="5356695"/>
+              <a:off x="4561352" y="5356634"/>
               <a:ext cx="63202" cy="63202"/>
             </a:xfrm>
             <a:custGeom>
@@ -15410,7 +15410,7 @@
           </p:nvSpPr>
           <p:spPr>
             <a:xfrm>
-              <a:off x="4534005" y="5375234"/>
+              <a:off x="5030167" y="5375243"/>
               <a:ext cx="63202" cy="63202"/>
             </a:xfrm>
             <a:custGeom>
@@ -15453,7 +15453,7 @@
           </p:nvSpPr>
           <p:spPr>
             <a:xfrm>
-              <a:off x="4681368" y="5342673"/>
+              <a:off x="4874536" y="5342625"/>
               <a:ext cx="63202" cy="63202"/>
             </a:xfrm>
             <a:custGeom>
@@ -15496,7 +15496,7 @@
           </p:nvSpPr>
           <p:spPr>
             <a:xfrm>
-              <a:off x="4930858" y="5347794"/>
+              <a:off x="4507017" y="5347762"/>
               <a:ext cx="63202" cy="63202"/>
             </a:xfrm>
             <a:custGeom>
@@ -15539,7 +15539,7 @@
           </p:nvSpPr>
           <p:spPr>
             <a:xfrm>
-              <a:off x="4690141" y="5373921"/>
+              <a:off x="4566512" y="5373880"/>
               <a:ext cx="63202" cy="63202"/>
             </a:xfrm>
             <a:custGeom>
@@ -15582,7 +15582,7 @@
           </p:nvSpPr>
           <p:spPr>
             <a:xfrm>
-              <a:off x="4508301" y="5342049"/>
+              <a:off x="4497561" y="5342021"/>
               <a:ext cx="63202" cy="63202"/>
             </a:xfrm>
             <a:custGeom>
@@ -15625,7 +15625,7 @@
           </p:nvSpPr>
           <p:spPr>
             <a:xfrm>
-              <a:off x="5079024" y="6135224"/>
+              <a:off x="4767361" y="6135215"/>
               <a:ext cx="63202" cy="63202"/>
             </a:xfrm>
             <a:custGeom>
@@ -15668,7 +15668,7 @@
           </p:nvSpPr>
           <p:spPr>
             <a:xfrm>
-              <a:off x="4598528" y="5378952"/>
+              <a:off x="4684482" y="5378893"/>
               <a:ext cx="63202" cy="63202"/>
             </a:xfrm>
             <a:custGeom>
@@ -15711,7 +15711,7 @@
           </p:nvSpPr>
           <p:spPr>
             <a:xfrm>
-              <a:off x="4785261" y="5387839"/>
+              <a:off x="5094809" y="5387762"/>
               <a:ext cx="63202" cy="63202"/>
             </a:xfrm>
             <a:custGeom>
@@ -15754,7 +15754,7 @@
           </p:nvSpPr>
           <p:spPr>
             <a:xfrm>
-              <a:off x="5010972" y="5388578"/>
+              <a:off x="4524431" y="5388540"/>
               <a:ext cx="63202" cy="63202"/>
             </a:xfrm>
             <a:custGeom>
@@ -15797,7 +15797,7 @@
           </p:nvSpPr>
           <p:spPr>
             <a:xfrm>
-              <a:off x="4689231" y="5500220"/>
+              <a:off x="4573327" y="5500206"/>
               <a:ext cx="63202" cy="63202"/>
             </a:xfrm>
             <a:custGeom>
@@ -15840,7 +15840,7 @@
           </p:nvSpPr>
           <p:spPr>
             <a:xfrm>
-              <a:off x="4789125" y="5567998"/>
+              <a:off x="4569359" y="5567981"/>
               <a:ext cx="63202" cy="63202"/>
             </a:xfrm>
             <a:custGeom>
@@ -15883,7 +15883,7 @@
           </p:nvSpPr>
           <p:spPr>
             <a:xfrm>
-              <a:off x="4785233" y="5373674"/>
+              <a:off x="5113815" y="5373637"/>
               <a:ext cx="63202" cy="63202"/>
             </a:xfrm>
             <a:custGeom>
@@ -15926,7 +15926,7 @@
           </p:nvSpPr>
           <p:spPr>
             <a:xfrm>
-              <a:off x="4852149" y="5373068"/>
+              <a:off x="4952291" y="5373034"/>
               <a:ext cx="63202" cy="63202"/>
             </a:xfrm>
             <a:custGeom>
@@ -15969,7 +15969,7 @@
           </p:nvSpPr>
           <p:spPr>
             <a:xfrm>
-              <a:off x="5065234" y="5332614"/>
+              <a:off x="4948804" y="5332544"/>
               <a:ext cx="63202" cy="63202"/>
             </a:xfrm>
             <a:custGeom>
@@ -16012,7 +16012,7 @@
           </p:nvSpPr>
           <p:spPr>
             <a:xfrm>
-              <a:off x="4768619" y="5381571"/>
+              <a:off x="5121174" y="5381538"/>
               <a:ext cx="63202" cy="63202"/>
             </a:xfrm>
             <a:custGeom>
@@ -16055,7 +16055,7 @@
           </p:nvSpPr>
           <p:spPr>
             <a:xfrm>
-              <a:off x="4955916" y="5317369"/>
+              <a:off x="5076317" y="5317369"/>
               <a:ext cx="63202" cy="63202"/>
             </a:xfrm>
             <a:custGeom>
@@ -16098,7 +16098,7 @@
           </p:nvSpPr>
           <p:spPr>
             <a:xfrm>
-              <a:off x="4599676" y="5371400"/>
+              <a:off x="4800426" y="5371377"/>
               <a:ext cx="63202" cy="63202"/>
             </a:xfrm>
             <a:custGeom>
@@ -16141,7 +16141,7 @@
           </p:nvSpPr>
           <p:spPr>
             <a:xfrm>
-              <a:off x="4798609" y="5342379"/>
+              <a:off x="5148115" y="5342388"/>
               <a:ext cx="63202" cy="63202"/>
             </a:xfrm>
             <a:custGeom>
@@ -16184,7 +16184,7 @@
           </p:nvSpPr>
           <p:spPr>
             <a:xfrm>
-              <a:off x="4816891" y="5829529"/>
+              <a:off x="4714227" y="5829520"/>
               <a:ext cx="63202" cy="63202"/>
             </a:xfrm>
             <a:custGeom>
@@ -16227,7 +16227,7 @@
           </p:nvSpPr>
           <p:spPr>
             <a:xfrm>
-              <a:off x="4618071" y="5496363"/>
+              <a:off x="4916985" y="5496377"/>
               <a:ext cx="63202" cy="63202"/>
             </a:xfrm>
             <a:custGeom>
@@ -16270,7 +16270,7 @@
           </p:nvSpPr>
           <p:spPr>
             <a:xfrm>
-              <a:off x="4936823" y="5370660"/>
+              <a:off x="4980055" y="5370613"/>
               <a:ext cx="63202" cy="63202"/>
             </a:xfrm>
             <a:custGeom>
@@ -16313,7 +16313,7 @@
           </p:nvSpPr>
           <p:spPr>
             <a:xfrm>
-              <a:off x="4995498" y="5338314"/>
+              <a:off x="4969216" y="5338341"/>
               <a:ext cx="63202" cy="63202"/>
             </a:xfrm>
             <a:custGeom>
@@ -16356,7 +16356,7 @@
           </p:nvSpPr>
           <p:spPr>
             <a:xfrm>
-              <a:off x="4715746" y="5347099"/>
+              <a:off x="4778307" y="5347077"/>
               <a:ext cx="63202" cy="63202"/>
             </a:xfrm>
             <a:custGeom>
@@ -16399,7 +16399,7 @@
           </p:nvSpPr>
           <p:spPr>
             <a:xfrm>
-              <a:off x="4739319" y="5358252"/>
+              <a:off x="4788456" y="5358212"/>
               <a:ext cx="63202" cy="63202"/>
             </a:xfrm>
             <a:custGeom>
@@ -16442,7 +16442,7 @@
           </p:nvSpPr>
           <p:spPr>
             <a:xfrm>
-              <a:off x="4997431" y="5387913"/>
+              <a:off x="4812311" y="5387874"/>
               <a:ext cx="63202" cy="63202"/>
             </a:xfrm>
             <a:custGeom>
@@ -16485,7 +16485,7 @@
           </p:nvSpPr>
           <p:spPr>
             <a:xfrm>
-              <a:off x="4605530" y="5380844"/>
+              <a:off x="4639815" y="5380813"/>
               <a:ext cx="63202" cy="63202"/>
             </a:xfrm>
             <a:custGeom>
@@ -16528,7 +16528,7 @@
           </p:nvSpPr>
           <p:spPr>
             <a:xfrm>
-              <a:off x="4487400" y="5352496"/>
+              <a:off x="4822264" y="5352456"/>
               <a:ext cx="63202" cy="63202"/>
             </a:xfrm>
             <a:custGeom>
@@ -16571,7 +16571,7 @@
           </p:nvSpPr>
           <p:spPr>
             <a:xfrm>
-              <a:off x="4654111" y="5378837"/>
+              <a:off x="5030986" y="5378812"/>
               <a:ext cx="63202" cy="63202"/>
             </a:xfrm>
             <a:custGeom>
@@ -16614,7 +16614,7 @@
           </p:nvSpPr>
           <p:spPr>
             <a:xfrm>
-              <a:off x="5051416" y="5366097"/>
+              <a:off x="5162380" y="5366045"/>
               <a:ext cx="63202" cy="63202"/>
             </a:xfrm>
             <a:custGeom>
@@ -16657,7 +16657,7 @@
           </p:nvSpPr>
           <p:spPr>
             <a:xfrm>
-              <a:off x="5089163" y="5333268"/>
+              <a:off x="4953274" y="5333179"/>
               <a:ext cx="63202" cy="63202"/>
             </a:xfrm>
             <a:custGeom>
@@ -16700,7 +16700,7 @@
           </p:nvSpPr>
           <p:spPr>
             <a:xfrm>
-              <a:off x="5037181" y="5334967"/>
+              <a:off x="4549038" y="5334897"/>
               <a:ext cx="63202" cy="63202"/>
             </a:xfrm>
             <a:custGeom>
@@ -16743,7 +16743,7 @@
           </p:nvSpPr>
           <p:spPr>
             <a:xfrm>
-              <a:off x="4744781" y="5342032"/>
+              <a:off x="4975678" y="5342013"/>
               <a:ext cx="63202" cy="63202"/>
             </a:xfrm>
             <a:custGeom>
@@ -16786,7 +16786,7 @@
           </p:nvSpPr>
           <p:spPr>
             <a:xfrm>
-              <a:off x="4754412" y="5372809"/>
+              <a:off x="5116821" y="5372761"/>
               <a:ext cx="63202" cy="63202"/>
             </a:xfrm>
             <a:custGeom>
@@ -16829,7 +16829,7 @@
           </p:nvSpPr>
           <p:spPr>
             <a:xfrm>
-              <a:off x="5154362" y="5381668"/>
+              <a:off x="4848385" y="5381657"/>
               <a:ext cx="63202" cy="63202"/>
             </a:xfrm>
             <a:custGeom>
@@ -16872,7 +16872,7 @@
           </p:nvSpPr>
           <p:spPr>
             <a:xfrm>
-              <a:off x="4899905" y="5370902"/>
+              <a:off x="4622155" y="5370895"/>
               <a:ext cx="63202" cy="63202"/>
             </a:xfrm>
             <a:custGeom>
@@ -16915,7 +16915,7 @@
           </p:nvSpPr>
           <p:spPr>
             <a:xfrm>
-              <a:off x="4542876" y="5334945"/>
+              <a:off x="4927518" y="5334906"/>
               <a:ext cx="63202" cy="63202"/>
             </a:xfrm>
             <a:custGeom>
@@ -16958,7 +16958,7 @@
           </p:nvSpPr>
           <p:spPr>
             <a:xfrm>
-              <a:off x="5032079" y="5379449"/>
+              <a:off x="5091299" y="5379367"/>
               <a:ext cx="63202" cy="63202"/>
             </a:xfrm>
             <a:custGeom>
@@ -17001,7 +17001,7 @@
           </p:nvSpPr>
           <p:spPr>
             <a:xfrm>
-              <a:off x="4687561" y="5475109"/>
+              <a:off x="4970433" y="5475086"/>
               <a:ext cx="63202" cy="63202"/>
             </a:xfrm>
             <a:custGeom>
@@ -17044,7 +17044,7 @@
           </p:nvSpPr>
           <p:spPr>
             <a:xfrm>
-              <a:off x="5147910" y="5349986"/>
+              <a:off x="5014194" y="5349950"/>
               <a:ext cx="63202" cy="63202"/>
             </a:xfrm>
             <a:custGeom>
@@ -17087,7 +17087,7 @@
           </p:nvSpPr>
           <p:spPr>
             <a:xfrm>
-              <a:off x="4826945" y="5341627"/>
+              <a:off x="4976676" y="5341597"/>
               <a:ext cx="63202" cy="63202"/>
             </a:xfrm>
             <a:custGeom>
@@ -17130,7 +17130,7 @@
           </p:nvSpPr>
           <p:spPr>
             <a:xfrm>
-              <a:off x="4770472" y="5361078"/>
+              <a:off x="4713558" y="5361075"/>
               <a:ext cx="63202" cy="63202"/>
             </a:xfrm>
             <a:custGeom>
@@ -17173,7 +17173,7 @@
           </p:nvSpPr>
           <p:spPr>
             <a:xfrm>
-              <a:off x="4679949" y="5384428"/>
+              <a:off x="4690735" y="5384345"/>
               <a:ext cx="63202" cy="63202"/>
             </a:xfrm>
             <a:custGeom>
@@ -17216,7 +17216,7 @@
           </p:nvSpPr>
           <p:spPr>
             <a:xfrm>
-              <a:off x="4794724" y="5372793"/>
+              <a:off x="4674519" y="5372783"/>
               <a:ext cx="63202" cy="63202"/>
             </a:xfrm>
             <a:custGeom>
@@ -17259,7 +17259,7 @@
           </p:nvSpPr>
           <p:spPr>
             <a:xfrm>
-              <a:off x="4569962" y="5360441"/>
+              <a:off x="4737490" y="5360418"/>
               <a:ext cx="63202" cy="63202"/>
             </a:xfrm>
             <a:custGeom>
@@ -17302,7 +17302,7 @@
           </p:nvSpPr>
           <p:spPr>
             <a:xfrm>
-              <a:off x="4571654" y="5423401"/>
+              <a:off x="5126203" y="5423356"/>
               <a:ext cx="63202" cy="63202"/>
             </a:xfrm>
             <a:custGeom>
@@ -17345,7 +17345,7 @@
           </p:nvSpPr>
           <p:spPr>
             <a:xfrm>
-              <a:off x="4835777" y="5331331"/>
+              <a:off x="4973014" y="5331328"/>
               <a:ext cx="63202" cy="63202"/>
             </a:xfrm>
             <a:custGeom>
@@ -17388,7 +17388,7 @@
           </p:nvSpPr>
           <p:spPr>
             <a:xfrm>
-              <a:off x="4578342" y="5395119"/>
+              <a:off x="5131949" y="5395026"/>
               <a:ext cx="63202" cy="63202"/>
             </a:xfrm>
             <a:custGeom>
@@ -17431,7 +17431,7 @@
           </p:nvSpPr>
           <p:spPr>
             <a:xfrm>
-              <a:off x="4801063" y="5332703"/>
+              <a:off x="4972907" y="5332674"/>
               <a:ext cx="63202" cy="63202"/>
             </a:xfrm>
             <a:custGeom>
@@ -17474,7 +17474,7 @@
           </p:nvSpPr>
           <p:spPr>
             <a:xfrm>
-              <a:off x="4648224" y="5395342"/>
+              <a:off x="4984332" y="5395353"/>
               <a:ext cx="63202" cy="63202"/>
             </a:xfrm>
             <a:custGeom>
@@ -17517,7 +17517,7 @@
           </p:nvSpPr>
           <p:spPr>
             <a:xfrm>
-              <a:off x="4982100" y="5351383"/>
+              <a:off x="4900857" y="5351311"/>
               <a:ext cx="63202" cy="63202"/>
             </a:xfrm>
             <a:custGeom>
@@ -17560,7 +17560,7 @@
           </p:nvSpPr>
           <p:spPr>
             <a:xfrm>
-              <a:off x="5159276" y="5970512"/>
+              <a:off x="4643721" y="5970477"/>
               <a:ext cx="63202" cy="63202"/>
             </a:xfrm>
             <a:custGeom>
@@ -17603,7 +17603,7 @@
           </p:nvSpPr>
           <p:spPr>
             <a:xfrm>
-              <a:off x="4693487" y="5337878"/>
+              <a:off x="5092130" y="5337832"/>
               <a:ext cx="63202" cy="63202"/>
             </a:xfrm>
             <a:custGeom>
@@ -17646,7 +17646,7 @@
           </p:nvSpPr>
           <p:spPr>
             <a:xfrm>
-              <a:off x="4773174" y="5347715"/>
+              <a:off x="4685238" y="5347657"/>
               <a:ext cx="63202" cy="63202"/>
             </a:xfrm>
             <a:custGeom>
@@ -17689,7 +17689,7 @@
           </p:nvSpPr>
           <p:spPr>
             <a:xfrm>
-              <a:off x="4680873" y="5327491"/>
+              <a:off x="4659832" y="5327468"/>
               <a:ext cx="63202" cy="63202"/>
             </a:xfrm>
             <a:custGeom>
@@ -17732,7 +17732,7 @@
           </p:nvSpPr>
           <p:spPr>
             <a:xfrm>
-              <a:off x="5047785" y="6267029"/>
+              <a:off x="4900511" y="6267023"/>
               <a:ext cx="63202" cy="63202"/>
             </a:xfrm>
             <a:custGeom>
@@ -17775,7 +17775,7 @@
           </p:nvSpPr>
           <p:spPr>
             <a:xfrm>
-              <a:off x="4566805" y="5343814"/>
+              <a:off x="4650164" y="5343790"/>
               <a:ext cx="63202" cy="63202"/>
             </a:xfrm>
             <a:custGeom>
@@ -17818,7 +17818,7 @@
           </p:nvSpPr>
           <p:spPr>
             <a:xfrm>
-              <a:off x="4934305" y="5343836"/>
+              <a:off x="5029587" y="5343790"/>
               <a:ext cx="63202" cy="63202"/>
             </a:xfrm>
             <a:custGeom>
@@ -17861,7 +17861,7 @@
           </p:nvSpPr>
           <p:spPr>
             <a:xfrm>
-              <a:off x="4643515" y="5371793"/>
+              <a:off x="5004214" y="5371756"/>
               <a:ext cx="63202" cy="63202"/>
             </a:xfrm>
             <a:custGeom>
@@ -17904,7 +17904,7 @@
           </p:nvSpPr>
           <p:spPr>
             <a:xfrm>
-              <a:off x="4584183" y="5363017"/>
+              <a:off x="4611940" y="5362950"/>
               <a:ext cx="63202" cy="63202"/>
             </a:xfrm>
             <a:custGeom>
@@ -17947,7 +17947,7 @@
           </p:nvSpPr>
           <p:spPr>
             <a:xfrm>
-              <a:off x="4948016" y="5371199"/>
+              <a:off x="4997894" y="5371147"/>
               <a:ext cx="63202" cy="63202"/>
             </a:xfrm>
             <a:custGeom>
@@ -17990,7 +17990,7 @@
           </p:nvSpPr>
           <p:spPr>
             <a:xfrm>
-              <a:off x="4947310" y="5593205"/>
+              <a:off x="4764903" y="5593208"/>
               <a:ext cx="63202" cy="63202"/>
             </a:xfrm>
             <a:custGeom>
@@ -18033,7 +18033,7 @@
           </p:nvSpPr>
           <p:spPr>
             <a:xfrm>
-              <a:off x="4777552" y="5670170"/>
+              <a:off x="4705269" y="5670190"/>
               <a:ext cx="63202" cy="63202"/>
             </a:xfrm>
             <a:custGeom>
@@ -18076,7 +18076,7 @@
           </p:nvSpPr>
           <p:spPr>
             <a:xfrm>
-              <a:off x="5167378" y="5347505"/>
+              <a:off x="4720654" y="5347486"/>
               <a:ext cx="63202" cy="63202"/>
             </a:xfrm>
             <a:custGeom>
@@ -18119,7 +18119,7 @@
           </p:nvSpPr>
           <p:spPr>
             <a:xfrm>
-              <a:off x="5152404" y="6217628"/>
+              <a:off x="4784327" y="6217600"/>
               <a:ext cx="63202" cy="63202"/>
             </a:xfrm>
             <a:custGeom>
@@ -18162,7 +18162,7 @@
           </p:nvSpPr>
           <p:spPr>
             <a:xfrm>
-              <a:off x="4632327" y="5395103"/>
+              <a:off x="5057457" y="5395042"/>
               <a:ext cx="63202" cy="63202"/>
             </a:xfrm>
             <a:custGeom>
@@ -18205,7 +18205,7 @@
           </p:nvSpPr>
           <p:spPr>
             <a:xfrm>
-              <a:off x="5061790" y="5421723"/>
+              <a:off x="4540465" y="5421659"/>
               <a:ext cx="63202" cy="63202"/>
             </a:xfrm>
             <a:custGeom>
@@ -18248,7 +18248,7 @@
           </p:nvSpPr>
           <p:spPr>
             <a:xfrm>
-              <a:off x="4758204" y="5337817"/>
+              <a:off x="5099349" y="5337708"/>
               <a:ext cx="63202" cy="63202"/>
             </a:xfrm>
             <a:custGeom>
@@ -18291,7 +18291,7 @@
           </p:nvSpPr>
           <p:spPr>
             <a:xfrm>
-              <a:off x="5125762" y="5372554"/>
+              <a:off x="4602945" y="5372516"/>
               <a:ext cx="63202" cy="63202"/>
             </a:xfrm>
             <a:custGeom>
@@ -18334,7 +18334,7 @@
           </p:nvSpPr>
           <p:spPr>
             <a:xfrm>
-              <a:off x="4746640" y="5367619"/>
+              <a:off x="4747313" y="5367556"/>
               <a:ext cx="63202" cy="63202"/>
             </a:xfrm>
             <a:custGeom>
@@ -18377,7 +18377,7 @@
           </p:nvSpPr>
           <p:spPr>
             <a:xfrm>
-              <a:off x="5139387" y="5330979"/>
+              <a:off x="5069756" y="5330955"/>
               <a:ext cx="63202" cy="63202"/>
             </a:xfrm>
             <a:custGeom>
@@ -18420,7 +18420,7 @@
           </p:nvSpPr>
           <p:spPr>
             <a:xfrm>
-              <a:off x="4990870" y="5824465"/>
+              <a:off x="4601364" y="5824412"/>
               <a:ext cx="63202" cy="63202"/>
             </a:xfrm>
             <a:custGeom>
@@ -18463,7 +18463,7 @@
           </p:nvSpPr>
           <p:spPr>
             <a:xfrm>
-              <a:off x="4997871" y="5336716"/>
+              <a:off x="4550076" y="5336726"/>
               <a:ext cx="63202" cy="63202"/>
             </a:xfrm>
             <a:custGeom>
@@ -18506,7 +18506,7 @@
           </p:nvSpPr>
           <p:spPr>
             <a:xfrm>
-              <a:off x="4620447" y="5358908"/>
+              <a:off x="4489568" y="5358911"/>
               <a:ext cx="63202" cy="63202"/>
             </a:xfrm>
             <a:custGeom>
@@ -18549,7 +18549,7 @@
           </p:nvSpPr>
           <p:spPr>
             <a:xfrm>
-              <a:off x="4562006" y="5423414"/>
+              <a:off x="5105737" y="5423369"/>
               <a:ext cx="63202" cy="63202"/>
             </a:xfrm>
             <a:custGeom>
@@ -18592,7 +18592,7 @@
           </p:nvSpPr>
           <p:spPr>
             <a:xfrm>
-              <a:off x="4746779" y="5364901"/>
+              <a:off x="4609856" y="5364841"/>
               <a:ext cx="63202" cy="63202"/>
             </a:xfrm>
             <a:custGeom>
@@ -18635,7 +18635,7 @@
           </p:nvSpPr>
           <p:spPr>
             <a:xfrm>
-              <a:off x="5030710" y="5362162"/>
+              <a:off x="5064456" y="5362107"/>
               <a:ext cx="63202" cy="63202"/>
             </a:xfrm>
             <a:custGeom>
@@ -18678,7 +18678,7 @@
           </p:nvSpPr>
           <p:spPr>
             <a:xfrm>
-              <a:off x="4777585" y="5365558"/>
+              <a:off x="4693476" y="5365481"/>
               <a:ext cx="63202" cy="63202"/>
             </a:xfrm>
             <a:custGeom>
@@ -18721,7 +18721,7 @@
           </p:nvSpPr>
           <p:spPr>
             <a:xfrm>
-              <a:off x="4744664" y="5369864"/>
+              <a:off x="4700574" y="5369874"/>
               <a:ext cx="63202" cy="63202"/>
             </a:xfrm>
             <a:custGeom>
@@ -18764,7 +18764,7 @@
           </p:nvSpPr>
           <p:spPr>
             <a:xfrm>
-              <a:off x="4938857" y="5381598"/>
+              <a:off x="4901253" y="5381540"/>
               <a:ext cx="63202" cy="63202"/>
             </a:xfrm>
             <a:custGeom>
@@ -18807,7 +18807,7 @@
           </p:nvSpPr>
           <p:spPr>
             <a:xfrm>
-              <a:off x="4725956" y="5367434"/>
+              <a:off x="4966460" y="5367388"/>
               <a:ext cx="63202" cy="63202"/>
             </a:xfrm>
             <a:custGeom>
@@ -18850,7 +18850,7 @@
           </p:nvSpPr>
           <p:spPr>
             <a:xfrm>
-              <a:off x="4519934" y="6265766"/>
+              <a:off x="4578902" y="6265789"/>
               <a:ext cx="63202" cy="63202"/>
             </a:xfrm>
             <a:custGeom>
@@ -18893,7 +18893,7 @@
           </p:nvSpPr>
           <p:spPr>
             <a:xfrm>
-              <a:off x="4616495" y="5379965"/>
+              <a:off x="4872341" y="5379978"/>
               <a:ext cx="63202" cy="63202"/>
             </a:xfrm>
             <a:custGeom>
@@ -18936,7 +18936,7 @@
           </p:nvSpPr>
           <p:spPr>
             <a:xfrm>
-              <a:off x="5667646" y="6644114"/>
+              <a:off x="5560852" y="6644152"/>
               <a:ext cx="63202" cy="63202"/>
             </a:xfrm>
             <a:custGeom>
@@ -18979,7 +18979,7 @@
           </p:nvSpPr>
           <p:spPr>
             <a:xfrm>
-              <a:off x="4509568" y="5847393"/>
+              <a:off x="4603626" y="5847361"/>
               <a:ext cx="63202" cy="63202"/>
             </a:xfrm>
             <a:custGeom>
@@ -19022,7 +19022,7 @@
           </p:nvSpPr>
           <p:spPr>
             <a:xfrm>
-              <a:off x="5120761" y="5374517"/>
+              <a:off x="4692498" y="5374443"/>
               <a:ext cx="63202" cy="63202"/>
             </a:xfrm>
             <a:custGeom>
@@ -19065,7 +19065,7 @@
           </p:nvSpPr>
           <p:spPr>
             <a:xfrm>
-              <a:off x="5055849" y="5360742"/>
+              <a:off x="4647573" y="5360650"/>
               <a:ext cx="63202" cy="63202"/>
             </a:xfrm>
             <a:custGeom>
@@ -19108,7 +19108,7 @@
           </p:nvSpPr>
           <p:spPr>
             <a:xfrm>
-              <a:off x="5117163" y="5362689"/>
+              <a:off x="4488546" y="5362700"/>
               <a:ext cx="63202" cy="63202"/>
             </a:xfrm>
             <a:custGeom>
@@ -19151,7 +19151,7 @@
           </p:nvSpPr>
           <p:spPr>
             <a:xfrm>
-              <a:off x="5045170" y="5382237"/>
+              <a:off x="4924967" y="5382209"/>
               <a:ext cx="63202" cy="63202"/>
             </a:xfrm>
             <a:custGeom>
@@ -19194,7 +19194,7 @@
           </p:nvSpPr>
           <p:spPr>
             <a:xfrm>
-              <a:off x="4965354" y="5390828"/>
+              <a:off x="4656858" y="5390832"/>
               <a:ext cx="63202" cy="63202"/>
             </a:xfrm>
             <a:custGeom>
@@ -19237,7 +19237,7 @@
           </p:nvSpPr>
           <p:spPr>
             <a:xfrm>
-              <a:off x="4682496" y="5371396"/>
+              <a:off x="4893416" y="5371328"/>
               <a:ext cx="63202" cy="63202"/>
             </a:xfrm>
             <a:custGeom>
@@ -19280,7 +19280,7 @@
           </p:nvSpPr>
           <p:spPr>
             <a:xfrm>
-              <a:off x="4760835" y="5375751"/>
+              <a:off x="4614318" y="5375713"/>
               <a:ext cx="63202" cy="63202"/>
             </a:xfrm>
             <a:custGeom>
@@ -19323,7 +19323,7 @@
           </p:nvSpPr>
           <p:spPr>
             <a:xfrm>
-              <a:off x="4776652" y="5367886"/>
+              <a:off x="4562645" y="5367829"/>
               <a:ext cx="63202" cy="63202"/>
             </a:xfrm>
             <a:custGeom>
@@ -19366,7 +19366,7 @@
           </p:nvSpPr>
           <p:spPr>
             <a:xfrm>
-              <a:off x="5139419" y="5337699"/>
+              <a:off x="5131605" y="5337654"/>
               <a:ext cx="63202" cy="63202"/>
             </a:xfrm>
             <a:custGeom>
@@ -19409,7 +19409,7 @@
           </p:nvSpPr>
           <p:spPr>
             <a:xfrm>
-              <a:off x="4527359" y="5352924"/>
+              <a:off x="4517474" y="5352877"/>
               <a:ext cx="63202" cy="63202"/>
             </a:xfrm>
             <a:custGeom>
@@ -19452,7 +19452,7 @@
           </p:nvSpPr>
           <p:spPr>
             <a:xfrm>
-              <a:off x="4647075" y="5349960"/>
+              <a:off x="4579252" y="5349889"/>
               <a:ext cx="63202" cy="63202"/>
             </a:xfrm>
             <a:custGeom>
@@ -19495,7 +19495,7 @@
           </p:nvSpPr>
           <p:spPr>
             <a:xfrm>
-              <a:off x="4765552" y="5428393"/>
+              <a:off x="4650003" y="5428354"/>
               <a:ext cx="63202" cy="63202"/>
             </a:xfrm>
             <a:custGeom>
@@ -19538,7 +19538,7 @@
           </p:nvSpPr>
           <p:spPr>
             <a:xfrm>
-              <a:off x="5156882" y="5360637"/>
+              <a:off x="4693922" y="5360604"/>
               <a:ext cx="63202" cy="63202"/>
             </a:xfrm>
             <a:custGeom>
@@ -19581,7 +19581,7 @@
           </p:nvSpPr>
           <p:spPr>
             <a:xfrm>
-              <a:off x="4966699" y="5919871"/>
+              <a:off x="5095822" y="5919892"/>
               <a:ext cx="63202" cy="63202"/>
             </a:xfrm>
             <a:custGeom>
@@ -19624,7 +19624,7 @@
           </p:nvSpPr>
           <p:spPr>
             <a:xfrm>
-              <a:off x="4493325" y="5388261"/>
+              <a:off x="4567958" y="5388278"/>
               <a:ext cx="63202" cy="63202"/>
             </a:xfrm>
             <a:custGeom>
@@ -19667,7 +19667,7 @@
           </p:nvSpPr>
           <p:spPr>
             <a:xfrm>
-              <a:off x="4484583" y="5372236"/>
+              <a:off x="4866503" y="5372187"/>
               <a:ext cx="63202" cy="63202"/>
             </a:xfrm>
             <a:custGeom>
@@ -19710,7 +19710,7 @@
           </p:nvSpPr>
           <p:spPr>
             <a:xfrm>
-              <a:off x="5165572" y="5438778"/>
+              <a:off x="5138030" y="5438748"/>
               <a:ext cx="63202" cy="63202"/>
             </a:xfrm>
             <a:custGeom>
@@ -19753,7 +19753,7 @@
           </p:nvSpPr>
           <p:spPr>
             <a:xfrm>
-              <a:off x="4594437" y="5349024"/>
+              <a:off x="5068505" y="5348999"/>
               <a:ext cx="63202" cy="63202"/>
             </a:xfrm>
             <a:custGeom>
@@ -19796,7 +19796,7 @@
           </p:nvSpPr>
           <p:spPr>
             <a:xfrm>
-              <a:off x="4656330" y="5346287"/>
+              <a:off x="4714229" y="5346265"/>
               <a:ext cx="63202" cy="63202"/>
             </a:xfrm>
             <a:custGeom>
@@ -19839,7 +19839,7 @@
           </p:nvSpPr>
           <p:spPr>
             <a:xfrm>
-              <a:off x="5557262" y="6666354"/>
+              <a:off x="5956460" y="6666316"/>
               <a:ext cx="63202" cy="63202"/>
             </a:xfrm>
             <a:custGeom>
@@ -19882,7 +19882,7 @@
           </p:nvSpPr>
           <p:spPr>
             <a:xfrm>
-              <a:off x="4855223" y="5474701"/>
+              <a:off x="4839883" y="5474615"/>
               <a:ext cx="63202" cy="63202"/>
             </a:xfrm>
             <a:custGeom>
@@ -19925,7 +19925,7 @@
           </p:nvSpPr>
           <p:spPr>
             <a:xfrm>
-              <a:off x="4800675" y="5382720"/>
+              <a:off x="4874365" y="5382688"/>
               <a:ext cx="63202" cy="63202"/>
             </a:xfrm>
             <a:custGeom>
@@ -19968,7 +19968,7 @@
           </p:nvSpPr>
           <p:spPr>
             <a:xfrm>
-              <a:off x="5133367" y="5963834"/>
+              <a:off x="5054388" y="5963885"/>
               <a:ext cx="63202" cy="63202"/>
             </a:xfrm>
             <a:custGeom>
@@ -20011,7 +20011,7 @@
           </p:nvSpPr>
           <p:spPr>
             <a:xfrm>
-              <a:off x="4864298" y="5331243"/>
+              <a:off x="5029515" y="5331246"/>
               <a:ext cx="63202" cy="63202"/>
             </a:xfrm>
             <a:custGeom>
@@ -20054,7 +20054,7 @@
           </p:nvSpPr>
           <p:spPr>
             <a:xfrm>
-              <a:off x="4688136" y="5334944"/>
+              <a:off x="5064549" y="5334914"/>
               <a:ext cx="63202" cy="63202"/>
             </a:xfrm>
             <a:custGeom>
@@ -20097,7 +20097,7 @@
           </p:nvSpPr>
           <p:spPr>
             <a:xfrm>
-              <a:off x="5108982" y="5333609"/>
+              <a:off x="4941417" y="5333594"/>
               <a:ext cx="63202" cy="63202"/>
             </a:xfrm>
             <a:custGeom>
@@ -20140,7 +20140,7 @@
           </p:nvSpPr>
           <p:spPr>
             <a:xfrm>
-              <a:off x="5136570" y="5338827"/>
+              <a:off x="4514641" y="5338771"/>
               <a:ext cx="63202" cy="63202"/>
             </a:xfrm>
             <a:custGeom>
@@ -20183,7 +20183,7 @@
           </p:nvSpPr>
           <p:spPr>
             <a:xfrm>
-              <a:off x="4988754" y="5357132"/>
+              <a:off x="4944046" y="5357121"/>
               <a:ext cx="63202" cy="63202"/>
             </a:xfrm>
             <a:custGeom>
@@ -20226,7 +20226,7 @@
           </p:nvSpPr>
           <p:spPr>
             <a:xfrm>
-              <a:off x="4778387" y="5421581"/>
+              <a:off x="4737986" y="5421544"/>
               <a:ext cx="63202" cy="63202"/>
             </a:xfrm>
             <a:custGeom>
@@ -20269,7 +20269,7 @@
           </p:nvSpPr>
           <p:spPr>
             <a:xfrm>
-              <a:off x="4838495" y="5323261"/>
+              <a:off x="4774432" y="5323184"/>
               <a:ext cx="63202" cy="63202"/>
             </a:xfrm>
             <a:custGeom>
@@ -20312,7 +20312,7 @@
           </p:nvSpPr>
           <p:spPr>
             <a:xfrm>
-              <a:off x="5167816" y="5379437"/>
+              <a:off x="4958209" y="5379377"/>
               <a:ext cx="63202" cy="63202"/>
             </a:xfrm>
             <a:custGeom>
@@ -20355,7 +20355,7 @@
           </p:nvSpPr>
           <p:spPr>
             <a:xfrm>
-              <a:off x="4577491" y="5320581"/>
+              <a:off x="5009887" y="5320541"/>
               <a:ext cx="63202" cy="63202"/>
             </a:xfrm>
             <a:custGeom>
@@ -20398,7 +20398,7 @@
           </p:nvSpPr>
           <p:spPr>
             <a:xfrm>
-              <a:off x="4602381" y="5339800"/>
+              <a:off x="5163569" y="5339749"/>
               <a:ext cx="63202" cy="63202"/>
             </a:xfrm>
             <a:custGeom>
@@ -20441,7 +20441,7 @@
           </p:nvSpPr>
           <p:spPr>
             <a:xfrm>
-              <a:off x="5014489" y="5379909"/>
+              <a:off x="4995721" y="5379811"/>
               <a:ext cx="63202" cy="63202"/>
             </a:xfrm>
             <a:custGeom>
@@ -20484,7 +20484,7 @@
           </p:nvSpPr>
           <p:spPr>
             <a:xfrm>
-              <a:off x="4490568" y="5356754"/>
+              <a:off x="4877499" y="5356706"/>
               <a:ext cx="63202" cy="63202"/>
             </a:xfrm>
             <a:custGeom>
@@ -20527,7 +20527,7 @@
           </p:nvSpPr>
           <p:spPr>
             <a:xfrm>
-              <a:off x="4598369" y="6155858"/>
+              <a:off x="4651285" y="6155899"/>
               <a:ext cx="63202" cy="63202"/>
             </a:xfrm>
             <a:custGeom>
@@ -20570,7 +20570,7 @@
           </p:nvSpPr>
           <p:spPr>
             <a:xfrm>
-              <a:off x="4479538" y="5635073"/>
+              <a:off x="5055439" y="5635053"/>
               <a:ext cx="63202" cy="63202"/>
             </a:xfrm>
             <a:custGeom>
@@ -20613,7 +20613,7 @@
           </p:nvSpPr>
           <p:spPr>
             <a:xfrm>
-              <a:off x="5045197" y="5347428"/>
+              <a:off x="4786798" y="5347350"/>
               <a:ext cx="63202" cy="63202"/>
             </a:xfrm>
             <a:custGeom>
@@ -20656,7 +20656,7 @@
           </p:nvSpPr>
           <p:spPr>
             <a:xfrm>
-              <a:off x="5091980" y="5342846"/>
+              <a:off x="5035837" y="5342828"/>
               <a:ext cx="63202" cy="63202"/>
             </a:xfrm>
             <a:custGeom>
@@ -20699,7 +20699,7 @@
           </p:nvSpPr>
           <p:spPr>
             <a:xfrm>
-              <a:off x="4907317" y="5408031"/>
+              <a:off x="4900646" y="5407987"/>
               <a:ext cx="63202" cy="63202"/>
             </a:xfrm>
             <a:custGeom>
@@ -20742,7 +20742,7 @@
           </p:nvSpPr>
           <p:spPr>
             <a:xfrm>
-              <a:off x="4673631" y="5382358"/>
+              <a:off x="4583380" y="5382327"/>
               <a:ext cx="63202" cy="63202"/>
             </a:xfrm>
             <a:custGeom>
@@ -20785,7 +20785,7 @@
           </p:nvSpPr>
           <p:spPr>
             <a:xfrm>
-              <a:off x="5122256" y="5361087"/>
+              <a:off x="4523439" y="5361071"/>
               <a:ext cx="63202" cy="63202"/>
             </a:xfrm>
             <a:custGeom>
@@ -20828,7 +20828,7 @@
           </p:nvSpPr>
           <p:spPr>
             <a:xfrm>
-              <a:off x="5103096" y="5947992"/>
+              <a:off x="4585121" y="5948014"/>
               <a:ext cx="63202" cy="63202"/>
             </a:xfrm>
             <a:custGeom>
@@ -20871,7 +20871,7 @@
           </p:nvSpPr>
           <p:spPr>
             <a:xfrm>
-              <a:off x="5089142" y="5349740"/>
+              <a:off x="4698137" y="5349752"/>
               <a:ext cx="63202" cy="63202"/>
             </a:xfrm>
             <a:custGeom>
@@ -20914,7 +20914,7 @@
           </p:nvSpPr>
           <p:spPr>
             <a:xfrm>
-              <a:off x="4711573" y="5400282"/>
+              <a:off x="5085933" y="5400265"/>
               <a:ext cx="63202" cy="63202"/>
             </a:xfrm>
             <a:custGeom>
@@ -20957,7 +20957,7 @@
           </p:nvSpPr>
           <p:spPr>
             <a:xfrm>
-              <a:off x="5108114" y="6278956"/>
+              <a:off x="4473769" y="6278986"/>
               <a:ext cx="63202" cy="63202"/>
             </a:xfrm>
             <a:custGeom>
@@ -21000,7 +21000,7 @@
           </p:nvSpPr>
           <p:spPr>
             <a:xfrm>
-              <a:off x="5046134" y="5674121"/>
+              <a:off x="4696115" y="5674112"/>
               <a:ext cx="63202" cy="63202"/>
             </a:xfrm>
             <a:custGeom>
@@ -21043,7 +21043,7 @@
           </p:nvSpPr>
           <p:spPr>
             <a:xfrm>
-              <a:off x="4790261" y="6265398"/>
+              <a:off x="4533167" y="6265410"/>
               <a:ext cx="63202" cy="63202"/>
             </a:xfrm>
             <a:custGeom>
@@ -21086,7 +21086,7 @@
           </p:nvSpPr>
           <p:spPr>
             <a:xfrm>
-              <a:off x="5137145" y="6265870"/>
+              <a:off x="4713102" y="6265875"/>
               <a:ext cx="63202" cy="63202"/>
             </a:xfrm>
             <a:custGeom>
@@ -21129,7 +21129,7 @@
           </p:nvSpPr>
           <p:spPr>
             <a:xfrm>
-              <a:off x="4521372" y="5337609"/>
+              <a:off x="4992388" y="5337558"/>
               <a:ext cx="63202" cy="63202"/>
             </a:xfrm>
             <a:custGeom>
@@ -21172,7 +21172,7 @@
           </p:nvSpPr>
           <p:spPr>
             <a:xfrm>
-              <a:off x="4502313" y="6111486"/>
+              <a:off x="4824910" y="6111514"/>
               <a:ext cx="63202" cy="63202"/>
             </a:xfrm>
             <a:custGeom>
@@ -21215,7 +21215,7 @@
           </p:nvSpPr>
           <p:spPr>
             <a:xfrm>
-              <a:off x="4640683" y="6421637"/>
+              <a:off x="5161710" y="6421657"/>
               <a:ext cx="63202" cy="63202"/>
             </a:xfrm>
             <a:custGeom>
@@ -21258,7 +21258,7 @@
           </p:nvSpPr>
           <p:spPr>
             <a:xfrm>
-              <a:off x="5167663" y="5616115"/>
+              <a:off x="5126767" y="5616070"/>
               <a:ext cx="63202" cy="63202"/>
             </a:xfrm>
             <a:custGeom>
@@ -21301,7 +21301,7 @@
           </p:nvSpPr>
           <p:spPr>
             <a:xfrm>
-              <a:off x="5000624" y="5368475"/>
+              <a:off x="4983825" y="5368425"/>
               <a:ext cx="63202" cy="63202"/>
             </a:xfrm>
             <a:custGeom>
@@ -21344,7 +21344,7 @@
           </p:nvSpPr>
           <p:spPr>
             <a:xfrm>
-              <a:off x="5020047" y="5825740"/>
+              <a:off x="4640248" y="5825771"/>
               <a:ext cx="63202" cy="63202"/>
             </a:xfrm>
             <a:custGeom>
@@ -21387,7 +21387,7 @@
           </p:nvSpPr>
           <p:spPr>
             <a:xfrm>
-              <a:off x="4754085" y="5418857"/>
+              <a:off x="4825491" y="5418862"/>
               <a:ext cx="63202" cy="63202"/>
             </a:xfrm>
             <a:custGeom>
@@ -21430,7 +21430,7 @@
           </p:nvSpPr>
           <p:spPr>
             <a:xfrm>
-              <a:off x="5050954" y="5355283"/>
+              <a:off x="5144147" y="5355221"/>
               <a:ext cx="63202" cy="63202"/>
             </a:xfrm>
             <a:custGeom>
@@ -21473,7 +21473,7 @@
           </p:nvSpPr>
           <p:spPr>
             <a:xfrm>
-              <a:off x="4552041" y="5625026"/>
+              <a:off x="4951540" y="5625006"/>
               <a:ext cx="63202" cy="63202"/>
             </a:xfrm>
             <a:custGeom>
@@ -21516,7 +21516,7 @@
           </p:nvSpPr>
           <p:spPr>
             <a:xfrm>
-              <a:off x="4607477" y="6248080"/>
+              <a:off x="4919134" y="6248145"/>
               <a:ext cx="63202" cy="63202"/>
             </a:xfrm>
             <a:custGeom>
@@ -21559,7 +21559,7 @@
           </p:nvSpPr>
           <p:spPr>
             <a:xfrm>
-              <a:off x="5024550" y="5433968"/>
+              <a:off x="5033996" y="5433909"/>
               <a:ext cx="63202" cy="63202"/>
             </a:xfrm>
             <a:custGeom>
@@ -21602,7 +21602,7 @@
           </p:nvSpPr>
           <p:spPr>
             <a:xfrm>
-              <a:off x="4852666" y="5367958"/>
+              <a:off x="4636994" y="5367985"/>
               <a:ext cx="63202" cy="63202"/>
             </a:xfrm>
             <a:custGeom>
@@ -21645,7 +21645,7 @@
           </p:nvSpPr>
           <p:spPr>
             <a:xfrm>
-              <a:off x="4696758" y="5430564"/>
+              <a:off x="4712731" y="5430536"/>
               <a:ext cx="63202" cy="63202"/>
             </a:xfrm>
             <a:custGeom>
@@ -21688,7 +21688,7 @@
           </p:nvSpPr>
           <p:spPr>
             <a:xfrm>
-              <a:off x="4706750" y="5362243"/>
+              <a:off x="5164694" y="5362171"/>
               <a:ext cx="63202" cy="63202"/>
             </a:xfrm>
             <a:custGeom>
@@ -21731,7 +21731,7 @@
           </p:nvSpPr>
           <p:spPr>
             <a:xfrm>
-              <a:off x="5135258" y="6059750"/>
+              <a:off x="4547836" y="6059807"/>
               <a:ext cx="63202" cy="63202"/>
             </a:xfrm>
             <a:custGeom>
@@ -21774,7 +21774,7 @@
           </p:nvSpPr>
           <p:spPr>
             <a:xfrm>
-              <a:off x="4741303" y="5382340"/>
+              <a:off x="4899540" y="5382285"/>
               <a:ext cx="63202" cy="63202"/>
             </a:xfrm>
             <a:custGeom>
@@ -21817,7 +21817,7 @@
           </p:nvSpPr>
           <p:spPr>
             <a:xfrm>
-              <a:off x="4799359" y="5465538"/>
+              <a:off x="4566124" y="5465501"/>
               <a:ext cx="63202" cy="63202"/>
             </a:xfrm>
             <a:custGeom>
@@ -21860,7 +21860,7 @@
           </p:nvSpPr>
           <p:spPr>
             <a:xfrm>
-              <a:off x="4472354" y="5406641"/>
+              <a:off x="4898674" y="5406546"/>
               <a:ext cx="63202" cy="63202"/>
             </a:xfrm>
             <a:custGeom>
@@ -21903,7 +21903,7 @@
           </p:nvSpPr>
           <p:spPr>
             <a:xfrm>
-              <a:off x="5060097" y="5379062"/>
+              <a:off x="4652445" y="5379020"/>
               <a:ext cx="63202" cy="63202"/>
             </a:xfrm>
             <a:custGeom>
@@ -21946,7 +21946,7 @@
           </p:nvSpPr>
           <p:spPr>
             <a:xfrm>
-              <a:off x="4888574" y="5977196"/>
+              <a:off x="4630118" y="5977181"/>
               <a:ext cx="63202" cy="63202"/>
             </a:xfrm>
             <a:custGeom>
@@ -21989,7 +21989,7 @@
           </p:nvSpPr>
           <p:spPr>
             <a:xfrm>
-              <a:off x="5017918" y="5378298"/>
+              <a:off x="4948723" y="5378219"/>
               <a:ext cx="63202" cy="63202"/>
             </a:xfrm>
             <a:custGeom>
@@ -22032,7 +22032,7 @@
           </p:nvSpPr>
           <p:spPr>
             <a:xfrm>
-              <a:off x="5092799" y="5381703"/>
+              <a:off x="4649885" y="5381651"/>
               <a:ext cx="63202" cy="63202"/>
             </a:xfrm>
             <a:custGeom>
@@ -22075,7 +22075,7 @@
           </p:nvSpPr>
           <p:spPr>
             <a:xfrm>
-              <a:off x="4669721" y="5345703"/>
+              <a:off x="4896462" y="5345695"/>
               <a:ext cx="63202" cy="63202"/>
             </a:xfrm>
             <a:custGeom>
@@ -22118,7 +22118,7 @@
           </p:nvSpPr>
           <p:spPr>
             <a:xfrm>
-              <a:off x="4575970" y="5370272"/>
+              <a:off x="4969373" y="5370228"/>
               <a:ext cx="63202" cy="63202"/>
             </a:xfrm>
             <a:custGeom>
@@ -22161,7 +22161,7 @@
           </p:nvSpPr>
           <p:spPr>
             <a:xfrm>
-              <a:off x="4561669" y="5384174"/>
+              <a:off x="4858627" y="5384065"/>
               <a:ext cx="63202" cy="63202"/>
             </a:xfrm>
             <a:custGeom>
@@ -22204,7 +22204,7 @@
           </p:nvSpPr>
           <p:spPr>
             <a:xfrm>
-              <a:off x="4611996" y="5523537"/>
+              <a:off x="5100810" y="5523554"/>
               <a:ext cx="63202" cy="63202"/>
             </a:xfrm>
             <a:custGeom>
@@ -22247,7 +22247,7 @@
           </p:nvSpPr>
           <p:spPr>
             <a:xfrm>
-              <a:off x="5080911" y="5333181"/>
+              <a:off x="5038019" y="5333125"/>
               <a:ext cx="63202" cy="63202"/>
             </a:xfrm>
             <a:custGeom>
@@ -22290,7 +22290,7 @@
           </p:nvSpPr>
           <p:spPr>
             <a:xfrm>
-              <a:off x="4469950" y="5361850"/>
+              <a:off x="4904470" y="5361841"/>
               <a:ext cx="63202" cy="63202"/>
             </a:xfrm>
             <a:custGeom>
@@ -22333,7 +22333,7 @@
           </p:nvSpPr>
           <p:spPr>
             <a:xfrm>
-              <a:off x="4930384" y="5409734"/>
+              <a:off x="4952791" y="5409669"/>
               <a:ext cx="63202" cy="63202"/>
             </a:xfrm>
             <a:custGeom>
@@ -22376,7 +22376,7 @@
           </p:nvSpPr>
           <p:spPr>
             <a:xfrm>
-              <a:off x="5018935" y="5353914"/>
+              <a:off x="4879061" y="5353876"/>
               <a:ext cx="63202" cy="63202"/>
             </a:xfrm>
             <a:custGeom>
@@ -22419,7 +22419,7 @@
           </p:nvSpPr>
           <p:spPr>
             <a:xfrm>
-              <a:off x="4663507" y="5393370"/>
+              <a:off x="5004061" y="5393382"/>
               <a:ext cx="63202" cy="63202"/>
             </a:xfrm>
             <a:custGeom>
@@ -22462,7 +22462,7 @@
           </p:nvSpPr>
           <p:spPr>
             <a:xfrm>
-              <a:off x="5162240" y="5369906"/>
+              <a:off x="4636434" y="5369846"/>
               <a:ext cx="63202" cy="63202"/>
             </a:xfrm>
             <a:custGeom>
@@ -22505,7 +22505,7 @@
           </p:nvSpPr>
           <p:spPr>
             <a:xfrm>
-              <a:off x="4816396" y="5370191"/>
+              <a:off x="4902401" y="5370111"/>
               <a:ext cx="63202" cy="63202"/>
             </a:xfrm>
             <a:custGeom>
@@ -22548,7 +22548,7 @@
           </p:nvSpPr>
           <p:spPr>
             <a:xfrm>
-              <a:off x="4866459" y="5385278"/>
+              <a:off x="4659626" y="5385205"/>
               <a:ext cx="63202" cy="63202"/>
             </a:xfrm>
             <a:custGeom>
@@ -22591,7 +22591,7 @@
           </p:nvSpPr>
           <p:spPr>
             <a:xfrm>
-              <a:off x="4877018" y="5344132"/>
+              <a:off x="5040658" y="5344044"/>
               <a:ext cx="63202" cy="63202"/>
             </a:xfrm>
             <a:custGeom>
@@ -22634,7 +22634,7 @@
           </p:nvSpPr>
           <p:spPr>
             <a:xfrm>
-              <a:off x="4536236" y="5376747"/>
+              <a:off x="4533637" y="5376761"/>
               <a:ext cx="63202" cy="63202"/>
             </a:xfrm>
             <a:custGeom>
@@ -22677,7 +22677,7 @@
           </p:nvSpPr>
           <p:spPr>
             <a:xfrm>
-              <a:off x="4499686" y="5390559"/>
+              <a:off x="5138959" y="5390481"/>
               <a:ext cx="63202" cy="63202"/>
             </a:xfrm>
             <a:custGeom>
@@ -22720,7 +22720,7 @@
           </p:nvSpPr>
           <p:spPr>
             <a:xfrm>
-              <a:off x="4607371" y="5349518"/>
+              <a:off x="4792375" y="5349437"/>
               <a:ext cx="63202" cy="63202"/>
             </a:xfrm>
             <a:custGeom>
@@ -22763,7 +22763,7 @@
           </p:nvSpPr>
           <p:spPr>
             <a:xfrm>
-              <a:off x="4856018" y="5384962"/>
+              <a:off x="4630649" y="5384951"/>
               <a:ext cx="63202" cy="63202"/>
             </a:xfrm>
             <a:custGeom>
@@ -22806,7 +22806,7 @@
           </p:nvSpPr>
           <p:spPr>
             <a:xfrm>
-              <a:off x="5166572" y="6357881"/>
+              <a:off x="4908921" y="6357934"/>
               <a:ext cx="63202" cy="63202"/>
             </a:xfrm>
             <a:custGeom>
@@ -22849,7 +22849,7 @@
           </p:nvSpPr>
           <p:spPr>
             <a:xfrm>
-              <a:off x="4652750" y="5372802"/>
+              <a:off x="4579206" y="5372749"/>
               <a:ext cx="63202" cy="63202"/>
             </a:xfrm>
             <a:custGeom>
@@ -22892,7 +22892,7 @@
           </p:nvSpPr>
           <p:spPr>
             <a:xfrm>
-              <a:off x="4781044" y="5401767"/>
+              <a:off x="4935736" y="5401771"/>
               <a:ext cx="63202" cy="63202"/>
             </a:xfrm>
             <a:custGeom>
@@ -22935,7 +22935,7 @@
           </p:nvSpPr>
           <p:spPr>
             <a:xfrm>
-              <a:off x="4658497" y="5344455"/>
+              <a:off x="5061357" y="5344436"/>
               <a:ext cx="63202" cy="63202"/>
             </a:xfrm>
             <a:custGeom>
@@ -22978,7 +22978,7 @@
           </p:nvSpPr>
           <p:spPr>
             <a:xfrm>
-              <a:off x="4678512" y="5318717"/>
+              <a:off x="5089723" y="5318654"/>
               <a:ext cx="63202" cy="63202"/>
             </a:xfrm>
             <a:custGeom>
@@ -23021,7 +23021,7 @@
           </p:nvSpPr>
           <p:spPr>
             <a:xfrm>
-              <a:off x="4623526" y="5339963"/>
+              <a:off x="4572210" y="5339878"/>
               <a:ext cx="63202" cy="63202"/>
             </a:xfrm>
             <a:custGeom>
@@ -23064,7 +23064,7 @@
           </p:nvSpPr>
           <p:spPr>
             <a:xfrm>
-              <a:off x="4900823" y="5370893"/>
+              <a:off x="4885317" y="5370901"/>
               <a:ext cx="63202" cy="63202"/>
             </a:xfrm>
             <a:custGeom>
@@ -23107,7 +23107,7 @@
           </p:nvSpPr>
           <p:spPr>
             <a:xfrm>
-              <a:off x="4884767" y="5355178"/>
+              <a:off x="4836016" y="5355147"/>
               <a:ext cx="63202" cy="63202"/>
             </a:xfrm>
             <a:custGeom>
@@ -23150,7 +23150,7 @@
           </p:nvSpPr>
           <p:spPr>
             <a:xfrm>
-              <a:off x="4577661" y="5342431"/>
+              <a:off x="4781123" y="5342398"/>
               <a:ext cx="63202" cy="63202"/>
             </a:xfrm>
             <a:custGeom>
@@ -23193,7 +23193,7 @@
           </p:nvSpPr>
           <p:spPr>
             <a:xfrm>
-              <a:off x="4539962" y="5362798"/>
+              <a:off x="4846936" y="5362782"/>
               <a:ext cx="63202" cy="63202"/>
             </a:xfrm>
             <a:custGeom>
@@ -23236,7 +23236,7 @@
           </p:nvSpPr>
           <p:spPr>
             <a:xfrm>
-              <a:off x="5071113" y="5340368"/>
+              <a:off x="5049094" y="5340309"/>
               <a:ext cx="63202" cy="63202"/>
             </a:xfrm>
             <a:custGeom>
@@ -23279,7 +23279,7 @@
           </p:nvSpPr>
           <p:spPr>
             <a:xfrm>
-              <a:off x="4613436" y="5467532"/>
+              <a:off x="4720322" y="5467438"/>
               <a:ext cx="63202" cy="63202"/>
             </a:xfrm>
             <a:custGeom>
@@ -23322,7 +23322,7 @@
           </p:nvSpPr>
           <p:spPr>
             <a:xfrm>
-              <a:off x="5018025" y="5378557"/>
+              <a:off x="4951259" y="5378548"/>
               <a:ext cx="63202" cy="63202"/>
             </a:xfrm>
             <a:custGeom>
@@ -23365,7 +23365,7 @@
           </p:nvSpPr>
           <p:spPr>
             <a:xfrm>
-              <a:off x="4867104" y="5466376"/>
+              <a:off x="4876712" y="5466346"/>
               <a:ext cx="63202" cy="63202"/>
             </a:xfrm>
             <a:custGeom>
@@ -23408,7 +23408,7 @@
           </p:nvSpPr>
           <p:spPr>
             <a:xfrm>
-              <a:off x="4905548" y="5452120"/>
+              <a:off x="5138089" y="5452055"/>
               <a:ext cx="63202" cy="63202"/>
             </a:xfrm>
             <a:custGeom>
@@ -23451,7 +23451,7 @@
           </p:nvSpPr>
           <p:spPr>
             <a:xfrm>
-              <a:off x="5069917" y="5343136"/>
+              <a:off x="4889881" y="5343158"/>
               <a:ext cx="63202" cy="63202"/>
             </a:xfrm>
             <a:custGeom>
@@ -23494,7 +23494,7 @@
           </p:nvSpPr>
           <p:spPr>
             <a:xfrm>
-              <a:off x="4590395" y="5374048"/>
+              <a:off x="5033063" y="5374007"/>
               <a:ext cx="63202" cy="63202"/>
             </a:xfrm>
             <a:custGeom>
@@ -23537,7 +23537,7 @@
           </p:nvSpPr>
           <p:spPr>
             <a:xfrm>
-              <a:off x="4756939" y="5378216"/>
+              <a:off x="4651874" y="5378121"/>
               <a:ext cx="63202" cy="63202"/>
             </a:xfrm>
             <a:custGeom>
@@ -23580,7 +23580,7 @@
           </p:nvSpPr>
           <p:spPr>
             <a:xfrm>
-              <a:off x="5018619" y="5337111"/>
+              <a:off x="5041964" y="5337115"/>
               <a:ext cx="63202" cy="63202"/>
             </a:xfrm>
             <a:custGeom>
@@ -23623,7 +23623,7 @@
           </p:nvSpPr>
           <p:spPr>
             <a:xfrm>
-              <a:off x="4957207" y="5342121"/>
+              <a:off x="4692844" y="5342073"/>
               <a:ext cx="63202" cy="63202"/>
             </a:xfrm>
             <a:custGeom>
@@ -23666,7 +23666,7 @@
           </p:nvSpPr>
           <p:spPr>
             <a:xfrm>
-              <a:off x="4680293" y="5349310"/>
+              <a:off x="5024869" y="5349245"/>
               <a:ext cx="63202" cy="63202"/>
             </a:xfrm>
             <a:custGeom>
@@ -23709,7 +23709,7 @@
           </p:nvSpPr>
           <p:spPr>
             <a:xfrm>
-              <a:off x="4620932" y="6050913"/>
+              <a:off x="4937699" y="6050924"/>
               <a:ext cx="63202" cy="63202"/>
             </a:xfrm>
             <a:custGeom>
@@ -23752,7 +23752,7 @@
           </p:nvSpPr>
           <p:spPr>
             <a:xfrm>
-              <a:off x="5093893" y="5377318"/>
+              <a:off x="4687120" y="5377285"/>
               <a:ext cx="63202" cy="63202"/>
             </a:xfrm>
             <a:custGeom>
@@ -23795,7 +23795,7 @@
           </p:nvSpPr>
           <p:spPr>
             <a:xfrm>
-              <a:off x="5152578" y="5384060"/>
+              <a:off x="4823357" y="5383998"/>
               <a:ext cx="63202" cy="63202"/>
             </a:xfrm>
             <a:custGeom>
@@ -23838,7 +23838,7 @@
           </p:nvSpPr>
           <p:spPr>
             <a:xfrm>
-              <a:off x="5019391" y="5378304"/>
+              <a:off x="4991552" y="5378250"/>
               <a:ext cx="63202" cy="63202"/>
             </a:xfrm>
             <a:custGeom>
@@ -23881,7 +23881,7 @@
           </p:nvSpPr>
           <p:spPr>
             <a:xfrm>
-              <a:off x="4524860" y="5380000"/>
+              <a:off x="5067916" y="5379920"/>
               <a:ext cx="63202" cy="63202"/>
             </a:xfrm>
             <a:custGeom>
@@ -23924,7 +23924,7 @@
           </p:nvSpPr>
           <p:spPr>
             <a:xfrm>
-              <a:off x="4797593" y="5374389"/>
+              <a:off x="4636144" y="5374390"/>
               <a:ext cx="63202" cy="63202"/>
             </a:xfrm>
             <a:custGeom>
@@ -23967,7 +23967,7 @@
           </p:nvSpPr>
           <p:spPr>
             <a:xfrm>
-              <a:off x="4624002" y="5408768"/>
+              <a:off x="5056821" y="5408721"/>
               <a:ext cx="63202" cy="63202"/>
             </a:xfrm>
             <a:custGeom>
@@ -24010,7 +24010,7 @@
           </p:nvSpPr>
           <p:spPr>
             <a:xfrm>
-              <a:off x="4540818" y="5368946"/>
+              <a:off x="4727468" y="5368897"/>
               <a:ext cx="63202" cy="63202"/>
             </a:xfrm>
             <a:custGeom>
@@ -24053,7 +24053,7 @@
           </p:nvSpPr>
           <p:spPr>
             <a:xfrm>
-              <a:off x="4708126" y="5335233"/>
+              <a:off x="5149212" y="5335162"/>
               <a:ext cx="63202" cy="63202"/>
             </a:xfrm>
             <a:custGeom>
@@ -24096,7 +24096,7 @@
           </p:nvSpPr>
           <p:spPr>
             <a:xfrm>
-              <a:off x="4798875" y="5776580"/>
+              <a:off x="4827002" y="5776517"/>
               <a:ext cx="63202" cy="63202"/>
             </a:xfrm>
             <a:custGeom>
@@ -24139,7 +24139,7 @@
           </p:nvSpPr>
           <p:spPr>
             <a:xfrm>
-              <a:off x="4936040" y="5359484"/>
+              <a:off x="4559843" y="5359469"/>
               <a:ext cx="63202" cy="63202"/>
             </a:xfrm>
             <a:custGeom>
@@ -24182,7 +24182,7 @@
           </p:nvSpPr>
           <p:spPr>
             <a:xfrm>
-              <a:off x="5141957" y="5326829"/>
+              <a:off x="5147331" y="5326819"/>
               <a:ext cx="63202" cy="63202"/>
             </a:xfrm>
             <a:custGeom>
@@ -24225,7 +24225,7 @@
           </p:nvSpPr>
           <p:spPr>
             <a:xfrm>
-              <a:off x="4999064" y="5342196"/>
+              <a:off x="4949637" y="5342148"/>
               <a:ext cx="63202" cy="63202"/>
             </a:xfrm>
             <a:custGeom>
@@ -24268,7 +24268,7 @@
           </p:nvSpPr>
           <p:spPr>
             <a:xfrm>
-              <a:off x="4723588" y="5377405"/>
+              <a:off x="5078621" y="5377357"/>
               <a:ext cx="63202" cy="63202"/>
             </a:xfrm>
             <a:custGeom>
@@ -24311,7 +24311,7 @@
           </p:nvSpPr>
           <p:spPr>
             <a:xfrm>
-              <a:off x="4602241" y="5335549"/>
+              <a:off x="4905091" y="5335496"/>
               <a:ext cx="63202" cy="63202"/>
             </a:xfrm>
             <a:custGeom>
@@ -24354,7 +24354,7 @@
           </p:nvSpPr>
           <p:spPr>
             <a:xfrm>
-              <a:off x="4999816" y="5670496"/>
+              <a:off x="4805090" y="5670457"/>
               <a:ext cx="63202" cy="63202"/>
             </a:xfrm>
             <a:custGeom>
@@ -24397,7 +24397,7 @@
           </p:nvSpPr>
           <p:spPr>
             <a:xfrm>
-              <a:off x="4723257" y="5780355"/>
+              <a:off x="4975168" y="5780317"/>
               <a:ext cx="63202" cy="63202"/>
             </a:xfrm>
             <a:custGeom>
@@ -24440,7 +24440,7 @@
           </p:nvSpPr>
           <p:spPr>
             <a:xfrm>
-              <a:off x="5124147" y="5387904"/>
+              <a:off x="5096339" y="5387847"/>
               <a:ext cx="63202" cy="63202"/>
             </a:xfrm>
             <a:custGeom>
@@ -24483,7 +24483,7 @@
           </p:nvSpPr>
           <p:spPr>
             <a:xfrm>
-              <a:off x="4910269" y="5386875"/>
+              <a:off x="5118059" y="5386807"/>
               <a:ext cx="63202" cy="63202"/>
             </a:xfrm>
             <a:custGeom>
@@ -24526,7 +24526,7 @@
           </p:nvSpPr>
           <p:spPr>
             <a:xfrm>
-              <a:off x="4759009" y="5361308"/>
+              <a:off x="4779386" y="5361233"/>
               <a:ext cx="63202" cy="63202"/>
             </a:xfrm>
             <a:custGeom>
@@ -24569,7 +24569,7 @@
           </p:nvSpPr>
           <p:spPr>
             <a:xfrm>
-              <a:off x="4682593" y="6354332"/>
+              <a:off x="5068201" y="6354307"/>
               <a:ext cx="63202" cy="63202"/>
             </a:xfrm>
             <a:custGeom>
@@ -24612,7 +24612,7 @@
           </p:nvSpPr>
           <p:spPr>
             <a:xfrm>
-              <a:off x="4533795" y="5435397"/>
+              <a:off x="4924522" y="5435384"/>
               <a:ext cx="63202" cy="63202"/>
             </a:xfrm>
             <a:custGeom>
@@ -24655,7 +24655,7 @@
           </p:nvSpPr>
           <p:spPr>
             <a:xfrm>
-              <a:off x="5040452" y="5431371"/>
+              <a:off x="4850644" y="5431303"/>
               <a:ext cx="63202" cy="63202"/>
             </a:xfrm>
             <a:custGeom>
@@ -24698,7 +24698,7 @@
           </p:nvSpPr>
           <p:spPr>
             <a:xfrm>
-              <a:off x="4727379" y="5436595"/>
+              <a:off x="4729466" y="5436624"/>
               <a:ext cx="63202" cy="63202"/>
             </a:xfrm>
             <a:custGeom>
@@ -24741,7 +24741,7 @@
           </p:nvSpPr>
           <p:spPr>
             <a:xfrm>
-              <a:off x="5101276" y="5878826"/>
+              <a:off x="4942873" y="5878817"/>
               <a:ext cx="63202" cy="63202"/>
             </a:xfrm>
             <a:custGeom>
@@ -24784,7 +24784,7 @@
           </p:nvSpPr>
           <p:spPr>
             <a:xfrm>
-              <a:off x="4849645" y="5586913"/>
+              <a:off x="5145824" y="5586898"/>
               <a:ext cx="63202" cy="63202"/>
             </a:xfrm>
             <a:custGeom>
@@ -24827,7 +24827,7 @@
           </p:nvSpPr>
           <p:spPr>
             <a:xfrm>
-              <a:off x="5155428" y="5328986"/>
+              <a:off x="4782409" y="5328993"/>
               <a:ext cx="63202" cy="63202"/>
             </a:xfrm>
             <a:custGeom>
@@ -24870,7 +24870,7 @@
           </p:nvSpPr>
           <p:spPr>
             <a:xfrm>
-              <a:off x="4921986" y="5431520"/>
+              <a:off x="4985298" y="5431509"/>
               <a:ext cx="63202" cy="63202"/>
             </a:xfrm>
             <a:custGeom>
@@ -24913,7 +24913,7 @@
           </p:nvSpPr>
           <p:spPr>
             <a:xfrm>
-              <a:off x="4628460" y="5492102"/>
+              <a:off x="4937780" y="5492088"/>
               <a:ext cx="63202" cy="63202"/>
             </a:xfrm>
             <a:custGeom>
@@ -24956,7 +24956,7 @@
           </p:nvSpPr>
           <p:spPr>
             <a:xfrm>
-              <a:off x="4534498" y="5337381"/>
+              <a:off x="4544687" y="5337345"/>
               <a:ext cx="63202" cy="63202"/>
             </a:xfrm>
             <a:custGeom>
@@ -24999,7 +24999,7 @@
           </p:nvSpPr>
           <p:spPr>
             <a:xfrm>
-              <a:off x="4671767" y="5337783"/>
+              <a:off x="5048730" y="5337763"/>
               <a:ext cx="63202" cy="63202"/>
             </a:xfrm>
             <a:custGeom>
@@ -25042,7 +25042,7 @@
           </p:nvSpPr>
           <p:spPr>
             <a:xfrm>
-              <a:off x="4904745" y="5358930"/>
+              <a:off x="5149669" y="5358896"/>
               <a:ext cx="63202" cy="63202"/>
             </a:xfrm>
             <a:custGeom>
@@ -25085,7 +25085,7 @@
           </p:nvSpPr>
           <p:spPr>
             <a:xfrm>
-              <a:off x="4570297" y="5430591"/>
+              <a:off x="4648792" y="5430554"/>
               <a:ext cx="63202" cy="63202"/>
             </a:xfrm>
             <a:custGeom>
@@ -25128,7 +25128,7 @@
           </p:nvSpPr>
           <p:spPr>
             <a:xfrm>
-              <a:off x="4921833" y="5381699"/>
+              <a:off x="4612890" y="5381632"/>
               <a:ext cx="63202" cy="63202"/>
             </a:xfrm>
             <a:custGeom>
@@ -25171,7 +25171,7 @@
           </p:nvSpPr>
           <p:spPr>
             <a:xfrm>
-              <a:off x="4881275" y="5376276"/>
+              <a:off x="4814902" y="5376282"/>
               <a:ext cx="63202" cy="63202"/>
             </a:xfrm>
             <a:custGeom>
@@ -25214,7 +25214,7 @@
           </p:nvSpPr>
           <p:spPr>
             <a:xfrm>
-              <a:off x="4930470" y="5364296"/>
+              <a:off x="5155844" y="5364258"/>
               <a:ext cx="63202" cy="63202"/>
             </a:xfrm>
             <a:custGeom>
@@ -25257,7 +25257,7 @@
           </p:nvSpPr>
           <p:spPr>
             <a:xfrm>
-              <a:off x="4644003" y="5528780"/>
+              <a:off x="4857122" y="5528762"/>
               <a:ext cx="63202" cy="63202"/>
             </a:xfrm>
             <a:custGeom>
@@ -25300,7 +25300,7 @@
           </p:nvSpPr>
           <p:spPr>
             <a:xfrm>
-              <a:off x="4731854" y="5376131"/>
+              <a:off x="4508647" y="5376077"/>
               <a:ext cx="63202" cy="63202"/>
             </a:xfrm>
             <a:custGeom>
@@ -25343,7 +25343,7 @@
           </p:nvSpPr>
           <p:spPr>
             <a:xfrm>
-              <a:off x="4646045" y="5354670"/>
+              <a:off x="4677379" y="5354618"/>
               <a:ext cx="63202" cy="63202"/>
             </a:xfrm>
             <a:custGeom>
@@ -25386,7 +25386,7 @@
           </p:nvSpPr>
           <p:spPr>
             <a:xfrm>
-              <a:off x="4928214" y="6055282"/>
+              <a:off x="4849004" y="6055227"/>
               <a:ext cx="63202" cy="63202"/>
             </a:xfrm>
             <a:custGeom>
@@ -25429,7 +25429,7 @@
           </p:nvSpPr>
           <p:spPr>
             <a:xfrm>
-              <a:off x="4799467" y="5346911"/>
+              <a:off x="4741277" y="5346903"/>
               <a:ext cx="63202" cy="63202"/>
             </a:xfrm>
             <a:custGeom>
@@ -25472,7 +25472,7 @@
           </p:nvSpPr>
           <p:spPr>
             <a:xfrm>
-              <a:off x="4922465" y="5364422"/>
+              <a:off x="4844573" y="5364378"/>
               <a:ext cx="63202" cy="63202"/>
             </a:xfrm>
             <a:custGeom>
@@ -25515,7 +25515,7 @@
           </p:nvSpPr>
           <p:spPr>
             <a:xfrm>
-              <a:off x="4728851" y="5380194"/>
+              <a:off x="4548090" y="5380158"/>
               <a:ext cx="63202" cy="63202"/>
             </a:xfrm>
             <a:custGeom>
@@ -25558,7 +25558,7 @@
           </p:nvSpPr>
           <p:spPr>
             <a:xfrm>
-              <a:off x="5961264" y="6744940"/>
+              <a:off x="5552359" y="6745015"/>
               <a:ext cx="63202" cy="63202"/>
             </a:xfrm>
             <a:custGeom>
@@ -25601,7 +25601,7 @@
           </p:nvSpPr>
           <p:spPr>
             <a:xfrm>
-              <a:off x="4772105" y="5337890"/>
+              <a:off x="4566067" y="5337821"/>
               <a:ext cx="63202" cy="63202"/>
             </a:xfrm>
             <a:custGeom>
@@ -25644,7 +25644,7 @@
           </p:nvSpPr>
           <p:spPr>
             <a:xfrm>
-              <a:off x="5038326" y="5382046"/>
+              <a:off x="4744191" y="5382048"/>
               <a:ext cx="63202" cy="63202"/>
             </a:xfrm>
             <a:custGeom>
@@ -25687,7 +25687,7 @@
           </p:nvSpPr>
           <p:spPr>
             <a:xfrm>
-              <a:off x="5150139" y="5373014"/>
+              <a:off x="4585424" y="5372970"/>
               <a:ext cx="63202" cy="63202"/>
             </a:xfrm>
             <a:custGeom>
@@ -25730,7 +25730,7 @@
           </p:nvSpPr>
           <p:spPr>
             <a:xfrm>
-              <a:off x="5110910" y="5334861"/>
+              <a:off x="4640141" y="5334821"/>
               <a:ext cx="63202" cy="63202"/>
             </a:xfrm>
             <a:custGeom>
@@ -25773,7 +25773,7 @@
           </p:nvSpPr>
           <p:spPr>
             <a:xfrm>
-              <a:off x="4636980" y="5360944"/>
+              <a:off x="4860885" y="5360866"/>
               <a:ext cx="63202" cy="63202"/>
             </a:xfrm>
             <a:custGeom>
@@ -25816,7 +25816,7 @@
           </p:nvSpPr>
           <p:spPr>
             <a:xfrm>
-              <a:off x="4697170" y="5352398"/>
+              <a:off x="4792186" y="5352340"/>
               <a:ext cx="63202" cy="63202"/>
             </a:xfrm>
             <a:custGeom>
@@ -25859,7 +25859,7 @@
           </p:nvSpPr>
           <p:spPr>
             <a:xfrm>
-              <a:off x="4729221" y="5361518"/>
+              <a:off x="4990925" y="5361447"/>
               <a:ext cx="63202" cy="63202"/>
             </a:xfrm>
             <a:custGeom>
@@ -25902,7 +25902,7 @@
           </p:nvSpPr>
           <p:spPr>
             <a:xfrm>
-              <a:off x="4893015" y="5342280"/>
+              <a:off x="5065820" y="5342247"/>
               <a:ext cx="63202" cy="63202"/>
             </a:xfrm>
             <a:custGeom>
@@ -25945,7 +25945,7 @@
           </p:nvSpPr>
           <p:spPr>
             <a:xfrm>
-              <a:off x="4604160" y="5387230"/>
+              <a:off x="5123536" y="5387197"/>
               <a:ext cx="63202" cy="63202"/>
             </a:xfrm>
             <a:custGeom>
@@ -25988,7 +25988,7 @@
           </p:nvSpPr>
           <p:spPr>
             <a:xfrm>
-              <a:off x="4545225" y="5694147"/>
+              <a:off x="4704775" y="5694129"/>
               <a:ext cx="63202" cy="63202"/>
             </a:xfrm>
             <a:custGeom>
@@ -26031,7 +26031,7 @@
           </p:nvSpPr>
           <p:spPr>
             <a:xfrm>
-              <a:off x="4957956" y="5346445"/>
+              <a:off x="5099657" y="5346439"/>
               <a:ext cx="63202" cy="63202"/>
             </a:xfrm>
             <a:custGeom>
@@ -26074,7 +26074,7 @@
           </p:nvSpPr>
           <p:spPr>
             <a:xfrm>
-              <a:off x="4934144" y="5396995"/>
+              <a:off x="5115275" y="5396908"/>
               <a:ext cx="63202" cy="63202"/>
             </a:xfrm>
             <a:custGeom>
@@ -26117,7 +26117,7 @@
           </p:nvSpPr>
           <p:spPr>
             <a:xfrm>
-              <a:off x="4526763" y="5395339"/>
+              <a:off x="5106628" y="5395358"/>
               <a:ext cx="63202" cy="63202"/>
             </a:xfrm>
             <a:custGeom>
@@ -26160,7 +26160,7 @@
           </p:nvSpPr>
           <p:spPr>
             <a:xfrm>
-              <a:off x="4689406" y="5337284"/>
+              <a:off x="5023564" y="5337293"/>
               <a:ext cx="63202" cy="63202"/>
             </a:xfrm>
             <a:custGeom>
@@ -26203,7 +26203,7 @@
           </p:nvSpPr>
           <p:spPr>
             <a:xfrm>
-              <a:off x="4684133" y="5379437"/>
+              <a:off x="4880333" y="5379355"/>
               <a:ext cx="63202" cy="63202"/>
             </a:xfrm>
             <a:custGeom>
@@ -26246,7 +26246,7 @@
           </p:nvSpPr>
           <p:spPr>
             <a:xfrm>
-              <a:off x="4993221" y="5846060"/>
+              <a:off x="4799156" y="5846000"/>
               <a:ext cx="63202" cy="63202"/>
             </a:xfrm>
             <a:custGeom>
@@ -26289,7 +26289,7 @@
           </p:nvSpPr>
           <p:spPr>
             <a:xfrm>
-              <a:off x="5132310" y="5384402"/>
+              <a:off x="4589032" y="5384355"/>
               <a:ext cx="63202" cy="63202"/>
             </a:xfrm>
             <a:custGeom>
@@ -26332,7 +26332,7 @@
           </p:nvSpPr>
           <p:spPr>
             <a:xfrm>
-              <a:off x="4964596" y="5395651"/>
+              <a:off x="4714284" y="5395577"/>
               <a:ext cx="63202" cy="63202"/>
             </a:xfrm>
             <a:custGeom>
@@ -26375,7 +26375,7 @@
           </p:nvSpPr>
           <p:spPr>
             <a:xfrm>
-              <a:off x="4564105" y="5363058"/>
+              <a:off x="4713488" y="5363048"/>
               <a:ext cx="63202" cy="63202"/>
             </a:xfrm>
             <a:custGeom>
@@ -26418,7 +26418,7 @@
           </p:nvSpPr>
           <p:spPr>
             <a:xfrm>
-              <a:off x="4945921" y="5332203"/>
+              <a:off x="4531903" y="5332197"/>
               <a:ext cx="63202" cy="63202"/>
             </a:xfrm>
             <a:custGeom>
@@ -26461,7 +26461,7 @@
           </p:nvSpPr>
           <p:spPr>
             <a:xfrm>
-              <a:off x="4796425" y="5346934"/>
+              <a:off x="4522978" y="5346931"/>
               <a:ext cx="63202" cy="63202"/>
             </a:xfrm>
             <a:custGeom>
@@ -26504,7 +26504,7 @@
           </p:nvSpPr>
           <p:spPr>
             <a:xfrm>
-              <a:off x="5035109" y="5394275"/>
+              <a:off x="4705637" y="5394178"/>
               <a:ext cx="63202" cy="63202"/>
             </a:xfrm>
             <a:custGeom>
@@ -26547,7 +26547,7 @@
           </p:nvSpPr>
           <p:spPr>
             <a:xfrm>
-              <a:off x="5136018" y="5339704"/>
+              <a:off x="4878522" y="5339613"/>
               <a:ext cx="63202" cy="63202"/>
             </a:xfrm>
             <a:custGeom>
@@ -26590,7 +26590,7 @@
           </p:nvSpPr>
           <p:spPr>
             <a:xfrm>
-              <a:off x="4842460" y="5346670"/>
+              <a:off x="4893251" y="5346617"/>
               <a:ext cx="63202" cy="63202"/>
             </a:xfrm>
             <a:custGeom>
@@ -26633,7 +26633,7 @@
           </p:nvSpPr>
           <p:spPr>
             <a:xfrm>
-              <a:off x="4937914" y="5402792"/>
+              <a:off x="4556360" y="5402811"/>
               <a:ext cx="63202" cy="63202"/>
             </a:xfrm>
             <a:custGeom>
@@ -26676,7 +26676,7 @@
           </p:nvSpPr>
           <p:spPr>
             <a:xfrm>
-              <a:off x="4785265" y="5398357"/>
+              <a:off x="4505530" y="5398379"/>
               <a:ext cx="63202" cy="63202"/>
             </a:xfrm>
             <a:custGeom>
@@ -26719,7 +26719,7 @@
           </p:nvSpPr>
           <p:spPr>
             <a:xfrm>
-              <a:off x="4476530" y="5533461"/>
+              <a:off x="4603506" y="5533481"/>
               <a:ext cx="63202" cy="63202"/>
             </a:xfrm>
             <a:custGeom>
@@ -26762,7 +26762,7 @@
           </p:nvSpPr>
           <p:spPr>
             <a:xfrm>
-              <a:off x="5143896" y="5385001"/>
+              <a:off x="4971482" y="5384958"/>
               <a:ext cx="63202" cy="63202"/>
             </a:xfrm>
             <a:custGeom>
@@ -26805,7 +26805,7 @@
           </p:nvSpPr>
           <p:spPr>
             <a:xfrm>
-              <a:off x="6891861" y="6807870"/>
+              <a:off x="6836870" y="6807885"/>
               <a:ext cx="63202" cy="63202"/>
             </a:xfrm>
             <a:custGeom>
@@ -26848,7 +26848,7 @@
           </p:nvSpPr>
           <p:spPr>
             <a:xfrm>
-              <a:off x="4970236" y="5350780"/>
+              <a:off x="4790302" y="5350764"/>
               <a:ext cx="63202" cy="63202"/>
             </a:xfrm>
             <a:custGeom>
@@ -26891,7 +26891,7 @@
           </p:nvSpPr>
           <p:spPr>
             <a:xfrm>
-              <a:off x="4672088" y="5378692"/>
+              <a:off x="4477203" y="5378605"/>
               <a:ext cx="63202" cy="63202"/>
             </a:xfrm>
             <a:custGeom>
@@ -26934,7 +26934,7 @@
           </p:nvSpPr>
           <p:spPr>
             <a:xfrm>
-              <a:off x="4901258" y="5357289"/>
+              <a:off x="4555795" y="5357322"/>
               <a:ext cx="63202" cy="63202"/>
             </a:xfrm>
             <a:custGeom>
@@ -26977,7 +26977,7 @@
           </p:nvSpPr>
           <p:spPr>
             <a:xfrm>
-              <a:off x="4592894" y="5345910"/>
+              <a:off x="4791639" y="5345860"/>
               <a:ext cx="63202" cy="63202"/>
             </a:xfrm>
             <a:custGeom>
@@ -27020,7 +27020,7 @@
           </p:nvSpPr>
           <p:spPr>
             <a:xfrm>
-              <a:off x="5091993" y="5348155"/>
+              <a:off x="4511666" y="5348100"/>
               <a:ext cx="63202" cy="63202"/>
             </a:xfrm>
             <a:custGeom>
@@ -27063,7 +27063,7 @@
           </p:nvSpPr>
           <p:spPr>
             <a:xfrm>
-              <a:off x="4948015" y="5355238"/>
+              <a:off x="4826451" y="5355191"/>
               <a:ext cx="63202" cy="63202"/>
             </a:xfrm>
             <a:custGeom>
@@ -27106,7 +27106,7 @@
           </p:nvSpPr>
           <p:spPr>
             <a:xfrm>
-              <a:off x="5143526" y="5342883"/>
+              <a:off x="5065943" y="5342820"/>
               <a:ext cx="63202" cy="63202"/>
             </a:xfrm>
             <a:custGeom>
@@ -27149,7 +27149,7 @@
           </p:nvSpPr>
           <p:spPr>
             <a:xfrm>
-              <a:off x="5100495" y="5332289"/>
+              <a:off x="4580457" y="5332230"/>
               <a:ext cx="63202" cy="63202"/>
             </a:xfrm>
             <a:custGeom>
@@ -27192,7 +27192,7 @@
           </p:nvSpPr>
           <p:spPr>
             <a:xfrm>
-              <a:off x="5106996" y="5396673"/>
+              <a:off x="4602868" y="5396653"/>
               <a:ext cx="63202" cy="63202"/>
             </a:xfrm>
             <a:custGeom>
@@ -27235,7 +27235,7 @@
           </p:nvSpPr>
           <p:spPr>
             <a:xfrm>
-              <a:off x="4568416" y="5408403"/>
+              <a:off x="4922415" y="5408378"/>
               <a:ext cx="63202" cy="63202"/>
             </a:xfrm>
             <a:custGeom>
@@ -27278,7 +27278,7 @@
           </p:nvSpPr>
           <p:spPr>
             <a:xfrm>
-              <a:off x="4603720" y="5347404"/>
+              <a:off x="4720822" y="5347375"/>
               <a:ext cx="63202" cy="63202"/>
             </a:xfrm>
             <a:custGeom>
@@ -27321,7 +27321,7 @@
           </p:nvSpPr>
           <p:spPr>
             <a:xfrm>
-              <a:off x="4519197" y="5355881"/>
+              <a:off x="5023776" y="5355898"/>
               <a:ext cx="63202" cy="63202"/>
             </a:xfrm>
             <a:custGeom>
@@ -27364,7 +27364,7 @@
           </p:nvSpPr>
           <p:spPr>
             <a:xfrm>
-              <a:off x="5146905" y="5357510"/>
+              <a:off x="4588582" y="5357448"/>
               <a:ext cx="63202" cy="63202"/>
             </a:xfrm>
             <a:custGeom>
@@ -27407,7 +27407,7 @@
           </p:nvSpPr>
           <p:spPr>
             <a:xfrm>
-              <a:off x="4483746" y="5378401"/>
+              <a:off x="4705036" y="5378329"/>
               <a:ext cx="63202" cy="63202"/>
             </a:xfrm>
             <a:custGeom>
@@ -27450,7 +27450,7 @@
           </p:nvSpPr>
           <p:spPr>
             <a:xfrm>
-              <a:off x="4943852" y="5323279"/>
+              <a:off x="4734221" y="5323217"/>
               <a:ext cx="63202" cy="63202"/>
             </a:xfrm>
             <a:custGeom>
@@ -27493,7 +27493,7 @@
           </p:nvSpPr>
           <p:spPr>
             <a:xfrm>
-              <a:off x="4910928" y="5415937"/>
+              <a:off x="4512737" y="5415904"/>
               <a:ext cx="63202" cy="63202"/>
             </a:xfrm>
             <a:custGeom>
@@ -27536,7 +27536,7 @@
           </p:nvSpPr>
           <p:spPr>
             <a:xfrm>
-              <a:off x="4741529" y="5345835"/>
+              <a:off x="5090455" y="5345799"/>
               <a:ext cx="63202" cy="63202"/>
             </a:xfrm>
             <a:custGeom>
@@ -27579,7 +27579,7 @@
           </p:nvSpPr>
           <p:spPr>
             <a:xfrm>
-              <a:off x="4567931" y="5329882"/>
+              <a:off x="4730400" y="5329776"/>
               <a:ext cx="63202" cy="63202"/>
             </a:xfrm>
             <a:custGeom>
@@ -27622,7 +27622,7 @@
           </p:nvSpPr>
           <p:spPr>
             <a:xfrm>
-              <a:off x="4475188" y="5548663"/>
+              <a:off x="5027012" y="5548643"/>
               <a:ext cx="63202" cy="63202"/>
             </a:xfrm>
             <a:custGeom>
@@ -27665,7 +27665,7 @@
           </p:nvSpPr>
           <p:spPr>
             <a:xfrm>
-              <a:off x="4886409" y="5534363"/>
+              <a:off x="4955219" y="5534304"/>
               <a:ext cx="63202" cy="63202"/>
             </a:xfrm>
             <a:custGeom>
@@ -27708,7 +27708,7 @@
           </p:nvSpPr>
           <p:spPr>
             <a:xfrm>
-              <a:off x="4525119" y="5329843"/>
+              <a:off x="4728481" y="5329799"/>
               <a:ext cx="63202" cy="63202"/>
             </a:xfrm>
             <a:custGeom>
@@ -27751,7 +27751,7 @@
           </p:nvSpPr>
           <p:spPr>
             <a:xfrm>
-              <a:off x="5131403" y="5340141"/>
+              <a:off x="4610658" y="5340094"/>
               <a:ext cx="63202" cy="63202"/>
             </a:xfrm>
             <a:custGeom>
@@ -27794,7 +27794,7 @@
           </p:nvSpPr>
           <p:spPr>
             <a:xfrm>
-              <a:off x="4662227" y="5348982"/>
+              <a:off x="4904911" y="5348981"/>
               <a:ext cx="63202" cy="63202"/>
             </a:xfrm>
             <a:custGeom>
@@ -27837,7 +27837,7 @@
           </p:nvSpPr>
           <p:spPr>
             <a:xfrm>
-              <a:off x="4901881" y="5373070"/>
+              <a:off x="4488203" y="5373083"/>
               <a:ext cx="63202" cy="63202"/>
             </a:xfrm>
             <a:custGeom>
@@ -27880,7 +27880,7 @@
           </p:nvSpPr>
           <p:spPr>
             <a:xfrm>
-              <a:off x="4659019" y="5377220"/>
+              <a:off x="4999369" y="5377167"/>
               <a:ext cx="63202" cy="63202"/>
             </a:xfrm>
             <a:custGeom>
@@ -27923,7 +27923,7 @@
           </p:nvSpPr>
           <p:spPr>
             <a:xfrm>
-              <a:off x="4647851" y="5318355"/>
+              <a:off x="4670378" y="5318260"/>
               <a:ext cx="63202" cy="63202"/>
             </a:xfrm>
             <a:custGeom>
@@ -27966,7 +27966,7 @@
           </p:nvSpPr>
           <p:spPr>
             <a:xfrm>
-              <a:off x="5032793" y="5353935"/>
+              <a:off x="4714918" y="5353851"/>
               <a:ext cx="63202" cy="63202"/>
             </a:xfrm>
             <a:custGeom>
@@ -28009,7 +28009,7 @@
           </p:nvSpPr>
           <p:spPr>
             <a:xfrm>
-              <a:off x="4800842" y="5361650"/>
+              <a:off x="5016742" y="5361604"/>
               <a:ext cx="63202" cy="63202"/>
             </a:xfrm>
             <a:custGeom>
@@ -28052,7 +28052,7 @@
           </p:nvSpPr>
           <p:spPr>
             <a:xfrm>
-              <a:off x="4611650" y="5434558"/>
+              <a:off x="5004650" y="5434522"/>
               <a:ext cx="63202" cy="63202"/>
             </a:xfrm>
             <a:custGeom>
@@ -28095,7 +28095,7 @@
           </p:nvSpPr>
           <p:spPr>
             <a:xfrm>
-              <a:off x="4980510" y="5337122"/>
+              <a:off x="5043736" y="5337075"/>
               <a:ext cx="63202" cy="63202"/>
             </a:xfrm>
             <a:custGeom>
@@ -28138,7 +28138,7 @@
           </p:nvSpPr>
           <p:spPr>
             <a:xfrm>
-              <a:off x="4810310" y="5338892"/>
+              <a:off x="4760977" y="5338841"/>
               <a:ext cx="63202" cy="63202"/>
             </a:xfrm>
             <a:custGeom>
@@ -28181,7 +28181,7 @@
           </p:nvSpPr>
           <p:spPr>
             <a:xfrm>
-              <a:off x="4922094" y="5422025"/>
+              <a:off x="4549306" y="5421960"/>
               <a:ext cx="63202" cy="63202"/>
             </a:xfrm>
             <a:custGeom>
@@ -28224,7 +28224,7 @@
           </p:nvSpPr>
           <p:spPr>
             <a:xfrm>
-              <a:off x="4506266" y="5348854"/>
+              <a:off x="4882483" y="5348763"/>
               <a:ext cx="63202" cy="63202"/>
             </a:xfrm>
             <a:custGeom>
@@ -28267,7 +28267,7 @@
           </p:nvSpPr>
           <p:spPr>
             <a:xfrm>
-              <a:off x="5020586" y="5355899"/>
+              <a:off x="4754631" y="5355834"/>
               <a:ext cx="63202" cy="63202"/>
             </a:xfrm>
             <a:custGeom>
@@ -28310,7 +28310,7 @@
           </p:nvSpPr>
           <p:spPr>
             <a:xfrm>
-              <a:off x="4576320" y="5372154"/>
+              <a:off x="4511385" y="5372087"/>
               <a:ext cx="63202" cy="63202"/>
             </a:xfrm>
             <a:custGeom>
@@ -28353,7 +28353,7 @@
           </p:nvSpPr>
           <p:spPr>
             <a:xfrm>
-              <a:off x="4835227" y="5363821"/>
+              <a:off x="4942048" y="5363809"/>
               <a:ext cx="63202" cy="63202"/>
             </a:xfrm>
             <a:custGeom>
@@ -28396,7 +28396,7 @@
           </p:nvSpPr>
           <p:spPr>
             <a:xfrm>
-              <a:off x="4811776" y="5367221"/>
+              <a:off x="4679329" y="5367208"/>
               <a:ext cx="63202" cy="63202"/>
             </a:xfrm>
             <a:custGeom>
@@ -28439,7 +28439,7 @@
           </p:nvSpPr>
           <p:spPr>
             <a:xfrm>
-              <a:off x="5140974" y="5381704"/>
+              <a:off x="4509714" y="5381654"/>
               <a:ext cx="63202" cy="63202"/>
             </a:xfrm>
             <a:custGeom>
@@ -28482,7 +28482,7 @@
           </p:nvSpPr>
           <p:spPr>
             <a:xfrm>
-              <a:off x="5166817" y="5377427"/>
+              <a:off x="4762410" y="5377410"/>
               <a:ext cx="63202" cy="63202"/>
             </a:xfrm>
             <a:custGeom>
@@ -28525,7 +28525,7 @@
           </p:nvSpPr>
           <p:spPr>
             <a:xfrm>
-              <a:off x="4553474" y="5361007"/>
+              <a:off x="4902653" y="5360992"/>
               <a:ext cx="63202" cy="63202"/>
             </a:xfrm>
             <a:custGeom>
@@ -28568,7 +28568,7 @@
           </p:nvSpPr>
           <p:spPr>
             <a:xfrm>
-              <a:off x="4948504" y="5378065"/>
+              <a:off x="4882068" y="5378061"/>
               <a:ext cx="63202" cy="63202"/>
             </a:xfrm>
             <a:custGeom>
@@ -28611,7 +28611,7 @@
           </p:nvSpPr>
           <p:spPr>
             <a:xfrm>
-              <a:off x="4850375" y="5379263"/>
+              <a:off x="4806331" y="5379210"/>
               <a:ext cx="63202" cy="63202"/>
             </a:xfrm>
             <a:custGeom>
@@ -28654,7 +28654,7 @@
           </p:nvSpPr>
           <p:spPr>
             <a:xfrm>
-              <a:off x="4548513" y="6240470"/>
+              <a:off x="4554486" y="6240476"/>
               <a:ext cx="63202" cy="63202"/>
             </a:xfrm>
             <a:custGeom>
@@ -28697,7 +28697,7 @@
           </p:nvSpPr>
           <p:spPr>
             <a:xfrm>
-              <a:off x="5075396" y="5375982"/>
+              <a:off x="4842631" y="5375992"/>
               <a:ext cx="63202" cy="63202"/>
             </a:xfrm>
             <a:custGeom>
@@ -28740,7 +28740,7 @@
           </p:nvSpPr>
           <p:spPr>
             <a:xfrm>
-              <a:off x="4570912" y="5356654"/>
+              <a:off x="4567018" y="5356643"/>
               <a:ext cx="63202" cy="63202"/>
             </a:xfrm>
             <a:custGeom>
@@ -28783,7 +28783,7 @@
           </p:nvSpPr>
           <p:spPr>
             <a:xfrm>
-              <a:off x="4822565" y="5411901"/>
+              <a:off x="4565597" y="5411848"/>
               <a:ext cx="63202" cy="63202"/>
             </a:xfrm>
             <a:custGeom>
@@ -28826,7 +28826,7 @@
           </p:nvSpPr>
           <p:spPr>
             <a:xfrm>
-              <a:off x="5064849" y="5376967"/>
+              <a:off x="4732740" y="5376886"/>
               <a:ext cx="63202" cy="63202"/>
             </a:xfrm>
             <a:custGeom>
@@ -28869,7 +28869,7 @@
           </p:nvSpPr>
           <p:spPr>
             <a:xfrm>
-              <a:off x="4682080" y="5373966"/>
+              <a:off x="5096174" y="5373930"/>
               <a:ext cx="63202" cy="63202"/>
             </a:xfrm>
             <a:custGeom>
@@ -28912,7 +28912,7 @@
           </p:nvSpPr>
           <p:spPr>
             <a:xfrm>
-              <a:off x="5045021" y="5348283"/>
+              <a:off x="4552745" y="5348227"/>
               <a:ext cx="63202" cy="63202"/>
             </a:xfrm>
             <a:custGeom>
@@ -28955,7 +28955,7 @@
           </p:nvSpPr>
           <p:spPr>
             <a:xfrm>
-              <a:off x="4752296" y="5348759"/>
+              <a:off x="4994704" y="5348689"/>
               <a:ext cx="63202" cy="63202"/>
             </a:xfrm>
             <a:custGeom>
@@ -28998,7 +28998,7 @@
           </p:nvSpPr>
           <p:spPr>
             <a:xfrm>
-              <a:off x="5112431" y="5349233"/>
+              <a:off x="4632621" y="5349174"/>
               <a:ext cx="63202" cy="63202"/>
             </a:xfrm>
             <a:custGeom>
@@ -29041,7 +29041,7 @@
           </p:nvSpPr>
           <p:spPr>
             <a:xfrm>
-              <a:off x="5087917" y="6303940"/>
+              <a:off x="5056877" y="6303931"/>
               <a:ext cx="63202" cy="63202"/>
             </a:xfrm>
             <a:custGeom>
@@ -29084,7 +29084,7 @@
           </p:nvSpPr>
           <p:spPr>
             <a:xfrm>
-              <a:off x="4921866" y="5980185"/>
+              <a:off x="4973816" y="5980186"/>
               <a:ext cx="63202" cy="63202"/>
             </a:xfrm>
             <a:custGeom>
@@ -29127,7 +29127,7 @@
           </p:nvSpPr>
           <p:spPr>
             <a:xfrm>
-              <a:off x="5035313" y="5973563"/>
+              <a:off x="5027219" y="5973554"/>
               <a:ext cx="63202" cy="63202"/>
             </a:xfrm>
             <a:custGeom>
@@ -29170,7 +29170,7 @@
           </p:nvSpPr>
           <p:spPr>
             <a:xfrm>
-              <a:off x="4852058" y="6107737"/>
+              <a:off x="4917910" y="6107760"/>
               <a:ext cx="63202" cy="63202"/>
             </a:xfrm>
             <a:custGeom>
@@ -29213,7 +29213,7 @@
           </p:nvSpPr>
           <p:spPr>
             <a:xfrm>
-              <a:off x="4553586" y="5358533"/>
+              <a:off x="4688814" y="5358511"/>
               <a:ext cx="63202" cy="63202"/>
             </a:xfrm>
             <a:custGeom>
@@ -29256,7 +29256,7 @@
           </p:nvSpPr>
           <p:spPr>
             <a:xfrm>
-              <a:off x="5724277" y="6626849"/>
+              <a:off x="5508382" y="6626890"/>
               <a:ext cx="63202" cy="63202"/>
             </a:xfrm>
             <a:custGeom>
@@ -29299,7 +29299,7 @@
           </p:nvSpPr>
           <p:spPr>
             <a:xfrm>
-              <a:off x="4526375" y="5784903"/>
+              <a:off x="5168002" y="5784849"/>
               <a:ext cx="63202" cy="63202"/>
             </a:xfrm>
             <a:custGeom>
@@ -29342,7 +29342,7 @@
           </p:nvSpPr>
           <p:spPr>
             <a:xfrm>
-              <a:off x="4650240" y="5357055"/>
+              <a:off x="4585586" y="5356993"/>
               <a:ext cx="63202" cy="63202"/>
             </a:xfrm>
             <a:custGeom>
@@ -29385,7 +29385,7 @@
           </p:nvSpPr>
           <p:spPr>
             <a:xfrm>
-              <a:off x="4974674" y="5335397"/>
+              <a:off x="4689135" y="5335363"/>
               <a:ext cx="63202" cy="63202"/>
             </a:xfrm>
             <a:custGeom>
@@ -29428,7 +29428,7 @@
           </p:nvSpPr>
           <p:spPr>
             <a:xfrm>
-              <a:off x="4828182" y="5401618"/>
+              <a:off x="5085077" y="5401547"/>
               <a:ext cx="63202" cy="63202"/>
             </a:xfrm>
             <a:custGeom>
@@ -29471,7 +29471,7 @@
           </p:nvSpPr>
           <p:spPr>
             <a:xfrm>
-              <a:off x="4542057" y="5340159"/>
+              <a:off x="4915367" y="5340127"/>
               <a:ext cx="63202" cy="63202"/>
             </a:xfrm>
             <a:custGeom>
@@ -29514,7 +29514,7 @@
           </p:nvSpPr>
           <p:spPr>
             <a:xfrm>
-              <a:off x="4729977" y="5363782"/>
+              <a:off x="4552661" y="5363690"/>
               <a:ext cx="63202" cy="63202"/>
             </a:xfrm>
             <a:custGeom>
@@ -29557,7 +29557,7 @@
           </p:nvSpPr>
           <p:spPr>
             <a:xfrm>
-              <a:off x="4508281" y="5349395"/>
+              <a:off x="4653868" y="5349338"/>
               <a:ext cx="63202" cy="63202"/>
             </a:xfrm>
             <a:custGeom>
@@ -29600,7 +29600,7 @@
           </p:nvSpPr>
           <p:spPr>
             <a:xfrm>
-              <a:off x="4838600" y="5466771"/>
+              <a:off x="4978084" y="5466690"/>
               <a:ext cx="63202" cy="63202"/>
             </a:xfrm>
             <a:custGeom>
@@ -29643,7 +29643,7 @@
           </p:nvSpPr>
           <p:spPr>
             <a:xfrm>
-              <a:off x="4583254" y="5344044"/>
+              <a:off x="4504731" y="5343991"/>
               <a:ext cx="63202" cy="63202"/>
             </a:xfrm>
             <a:custGeom>
@@ -29686,7 +29686,7 @@
           </p:nvSpPr>
           <p:spPr>
             <a:xfrm>
-              <a:off x="4762194" y="5429745"/>
+              <a:off x="4638888" y="5429718"/>
               <a:ext cx="63202" cy="63202"/>
             </a:xfrm>
             <a:custGeom>
@@ -29729,7 +29729,7 @@
           </p:nvSpPr>
           <p:spPr>
             <a:xfrm>
-              <a:off x="4692597" y="5349764"/>
+              <a:off x="4806083" y="5349699"/>
               <a:ext cx="63202" cy="63202"/>
             </a:xfrm>
             <a:custGeom>
@@ -29772,7 +29772,7 @@
           </p:nvSpPr>
           <p:spPr>
             <a:xfrm>
-              <a:off x="5150799" y="5365552"/>
+              <a:off x="4637606" y="5365494"/>
               <a:ext cx="63202" cy="63202"/>
             </a:xfrm>
             <a:custGeom>
@@ -29815,7 +29815,7 @@
           </p:nvSpPr>
           <p:spPr>
             <a:xfrm>
-              <a:off x="4704226" y="5318082"/>
+              <a:off x="4863877" y="5318035"/>
               <a:ext cx="63202" cy="63202"/>
             </a:xfrm>
             <a:custGeom>
@@ -29858,7 +29858,7 @@
           </p:nvSpPr>
           <p:spPr>
             <a:xfrm>
-              <a:off x="4877458" y="5373665"/>
+              <a:off x="4477167" y="5373631"/>
               <a:ext cx="63202" cy="63202"/>
             </a:xfrm>
             <a:custGeom>
@@ -29901,7 +29901,7 @@
           </p:nvSpPr>
           <p:spPr>
             <a:xfrm>
-              <a:off x="5094234" y="5374436"/>
+              <a:off x="4867275" y="5374401"/>
               <a:ext cx="63202" cy="63202"/>
             </a:xfrm>
             <a:custGeom>
@@ -29944,7 +29944,7 @@
           </p:nvSpPr>
           <p:spPr>
             <a:xfrm>
-              <a:off x="4779704" y="5372873"/>
+              <a:off x="4626910" y="5372860"/>
               <a:ext cx="63202" cy="63202"/>
             </a:xfrm>
             <a:custGeom>
@@ -29987,7 +29987,7 @@
           </p:nvSpPr>
           <p:spPr>
             <a:xfrm>
-              <a:off x="5054766" y="5372771"/>
+              <a:off x="4863849" y="5372775"/>
               <a:ext cx="63202" cy="63202"/>
             </a:xfrm>
             <a:custGeom>
@@ -30030,7 +30030,7 @@
           </p:nvSpPr>
           <p:spPr>
             <a:xfrm>
-              <a:off x="4559690" y="5371023"/>
+              <a:off x="4618193" y="5370959"/>
               <a:ext cx="63202" cy="63202"/>
             </a:xfrm>
             <a:custGeom>
@@ -30073,7 +30073,7 @@
           </p:nvSpPr>
           <p:spPr>
             <a:xfrm>
-              <a:off x="4623980" y="5385753"/>
+              <a:off x="5111906" y="5385683"/>
               <a:ext cx="63202" cy="63202"/>
             </a:xfrm>
             <a:custGeom>
@@ -30116,7 +30116,7 @@
           </p:nvSpPr>
           <p:spPr>
             <a:xfrm>
-              <a:off x="4774931" y="5502262"/>
+              <a:off x="4867864" y="5502202"/>
               <a:ext cx="63202" cy="63202"/>
             </a:xfrm>
             <a:custGeom>
@@ -30159,7 +30159,7 @@
           </p:nvSpPr>
           <p:spPr>
             <a:xfrm>
-              <a:off x="4577755" y="5360804"/>
+              <a:off x="4805757" y="5360806"/>
               <a:ext cx="63202" cy="63202"/>
             </a:xfrm>
             <a:custGeom>
@@ -30202,7 +30202,7 @@
           </p:nvSpPr>
           <p:spPr>
             <a:xfrm>
-              <a:off x="4691470" y="5348901"/>
+              <a:off x="4732519" y="5348882"/>
               <a:ext cx="63202" cy="63202"/>
             </a:xfrm>
             <a:custGeom>
@@ -30245,7 +30245,7 @@
           </p:nvSpPr>
           <p:spPr>
             <a:xfrm>
-              <a:off x="4580733" y="5592986"/>
+              <a:off x="4775108" y="5592906"/>
               <a:ext cx="63202" cy="63202"/>
             </a:xfrm>
             <a:custGeom>
@@ -30288,7 +30288,7 @@
           </p:nvSpPr>
           <p:spPr>
             <a:xfrm>
-              <a:off x="4758904" y="5441565"/>
+              <a:off x="4869003" y="5441465"/>
               <a:ext cx="63202" cy="63202"/>
             </a:xfrm>
             <a:custGeom>
@@ -30331,7 +30331,7 @@
           </p:nvSpPr>
           <p:spPr>
             <a:xfrm>
-              <a:off x="5048306" y="5368838"/>
+              <a:off x="4887856" y="5368803"/>
               <a:ext cx="63202" cy="63202"/>
             </a:xfrm>
             <a:custGeom>
@@ -30374,7 +30374,7 @@
           </p:nvSpPr>
           <p:spPr>
             <a:xfrm>
-              <a:off x="5085345" y="5336995"/>
+              <a:off x="4780576" y="5337001"/>
               <a:ext cx="63202" cy="63202"/>
             </a:xfrm>
             <a:custGeom>
@@ -30417,7 +30417,7 @@
           </p:nvSpPr>
           <p:spPr>
             <a:xfrm>
-              <a:off x="5112538" y="5358269"/>
+              <a:off x="4930071" y="5358248"/>
               <a:ext cx="63202" cy="63202"/>
             </a:xfrm>
             <a:custGeom>
@@ -30460,7 +30460,7 @@
           </p:nvSpPr>
           <p:spPr>
             <a:xfrm>
-              <a:off x="4602451" y="5514026"/>
+              <a:off x="5056399" y="5514003"/>
               <a:ext cx="63202" cy="63202"/>
             </a:xfrm>
             <a:custGeom>
@@ -30503,7 +30503,7 @@
           </p:nvSpPr>
           <p:spPr>
             <a:xfrm>
-              <a:off x="4829930" y="5386494"/>
+              <a:off x="5130367" y="5386441"/>
               <a:ext cx="63202" cy="63202"/>
             </a:xfrm>
             <a:custGeom>
@@ -30546,7 +30546,7 @@
           </p:nvSpPr>
           <p:spPr>
             <a:xfrm>
-              <a:off x="4808931" y="5466773"/>
+              <a:off x="4868523" y="5466739"/>
               <a:ext cx="63202" cy="63202"/>
             </a:xfrm>
             <a:custGeom>
@@ -30589,7 +30589,7 @@
           </p:nvSpPr>
           <p:spPr>
             <a:xfrm>
-              <a:off x="4477846" y="5383665"/>
+              <a:off x="4497476" y="5383648"/>
               <a:ext cx="63202" cy="63202"/>
             </a:xfrm>
             <a:custGeom>
@@ -30688,7 +30688,7 @@
           </p:nvSpPr>
           <p:spPr>
             <a:xfrm>
-              <a:off x="7192078" y="2850753"/>
+              <a:off x="7192078" y="2850773"/>
               <a:ext cx="2796732" cy="0"/>
             </a:xfrm>
             <a:custGeom>
@@ -30731,7 +30731,7 @@
           </p:nvSpPr>
           <p:spPr>
             <a:xfrm>
-              <a:off x="7192078" y="2378736"/>
+              <a:off x="7192078" y="2378734"/>
               <a:ext cx="2796732" cy="0"/>
             </a:xfrm>
             <a:custGeom>
@@ -30774,7 +30774,7 @@
           </p:nvSpPr>
           <p:spPr>
             <a:xfrm>
-              <a:off x="7192078" y="1906719"/>
+              <a:off x="7192078" y="1906695"/>
               <a:ext cx="2796732" cy="0"/>
             </a:xfrm>
             <a:custGeom>
@@ -30817,7 +30817,7 @@
           </p:nvSpPr>
           <p:spPr>
             <a:xfrm>
-              <a:off x="7192078" y="1434702"/>
+              <a:off x="7192078" y="1434656"/>
               <a:ext cx="2796732" cy="0"/>
             </a:xfrm>
             <a:custGeom>
@@ -30860,7 +30860,7 @@
           </p:nvSpPr>
           <p:spPr>
             <a:xfrm>
-              <a:off x="7192078" y="2614744"/>
+              <a:off x="7192078" y="2614753"/>
               <a:ext cx="2796732" cy="0"/>
             </a:xfrm>
             <a:custGeom>
@@ -30903,7 +30903,7 @@
           </p:nvSpPr>
           <p:spPr>
             <a:xfrm>
-              <a:off x="7192078" y="2142727"/>
+              <a:off x="7192078" y="2142714"/>
               <a:ext cx="2796732" cy="0"/>
             </a:xfrm>
             <a:custGeom>
@@ -30946,7 +30946,7 @@
           </p:nvSpPr>
           <p:spPr>
             <a:xfrm>
-              <a:off x="7192078" y="1670711"/>
+              <a:off x="7192078" y="1670675"/>
               <a:ext cx="2796732" cy="0"/>
             </a:xfrm>
             <a:custGeom>
@@ -31118,7 +31118,7 @@
           </p:nvSpPr>
           <p:spPr>
             <a:xfrm>
-              <a:off x="7755812" y="2541577"/>
+              <a:off x="7410217" y="2541648"/>
               <a:ext cx="63202" cy="63202"/>
             </a:xfrm>
             <a:custGeom>
@@ -31161,7 +31161,7 @@
           </p:nvSpPr>
           <p:spPr>
             <a:xfrm>
-              <a:off x="7646486" y="2383078"/>
+              <a:off x="7455875" y="2383096"/>
               <a:ext cx="63202" cy="63202"/>
             </a:xfrm>
             <a:custGeom>
@@ -31204,7 +31204,7 @@
           </p:nvSpPr>
           <p:spPr>
             <a:xfrm>
-              <a:off x="7497377" y="2106223"/>
+              <a:off x="7354957" y="2106220"/>
               <a:ext cx="63202" cy="63202"/>
             </a:xfrm>
             <a:custGeom>
@@ -31247,7 +31247,7 @@
           </p:nvSpPr>
           <p:spPr>
             <a:xfrm>
-              <a:off x="7549322" y="2223764"/>
+              <a:off x="7608418" y="2223705"/>
               <a:ext cx="63202" cy="63202"/>
             </a:xfrm>
             <a:custGeom>
@@ -31290,7 +31290,7 @@
           </p:nvSpPr>
           <p:spPr>
             <a:xfrm>
-              <a:off x="7631693" y="2151604"/>
+              <a:off x="7367474" y="2151603"/>
               <a:ext cx="63202" cy="63202"/>
             </a:xfrm>
             <a:custGeom>
@@ -31333,7 +31333,7 @@
           </p:nvSpPr>
           <p:spPr>
             <a:xfrm>
-              <a:off x="7661888" y="1773881"/>
+              <a:off x="7666139" y="1773901"/>
               <a:ext cx="63202" cy="63202"/>
             </a:xfrm>
             <a:custGeom>
@@ -31376,7 +31376,7 @@
           </p:nvSpPr>
           <p:spPr>
             <a:xfrm>
-              <a:off x="7677247" y="2347783"/>
+              <a:off x="7997608" y="2347811"/>
               <a:ext cx="63202" cy="63202"/>
             </a:xfrm>
             <a:custGeom>
@@ -31419,7 +31419,7 @@
           </p:nvSpPr>
           <p:spPr>
             <a:xfrm>
-              <a:off x="7696853" y="2386868"/>
+              <a:off x="7521083" y="2386907"/>
               <a:ext cx="63202" cy="63202"/>
             </a:xfrm>
             <a:custGeom>
@@ -31462,7 +31462,7 @@
           </p:nvSpPr>
           <p:spPr>
             <a:xfrm>
-              <a:off x="7697952" y="2151246"/>
+              <a:off x="7756942" y="2151272"/>
               <a:ext cx="63202" cy="63202"/>
             </a:xfrm>
             <a:custGeom>
@@ -31505,7 +31505,7 @@
           </p:nvSpPr>
           <p:spPr>
             <a:xfrm>
-              <a:off x="7871387" y="2172572"/>
+              <a:off x="7640527" y="2172576"/>
               <a:ext cx="63202" cy="63202"/>
             </a:xfrm>
             <a:custGeom>
@@ -31548,7 +31548,7 @@
           </p:nvSpPr>
           <p:spPr>
             <a:xfrm>
-              <a:off x="7370464" y="2349931"/>
+              <a:off x="7353227" y="2349950"/>
               <a:ext cx="63202" cy="63202"/>
             </a:xfrm>
             <a:custGeom>
@@ -31591,7 +31591,7 @@
           </p:nvSpPr>
           <p:spPr>
             <a:xfrm>
-              <a:off x="7842981" y="2632306"/>
+              <a:off x="7607489" y="2632323"/>
               <a:ext cx="63202" cy="63202"/>
             </a:xfrm>
             <a:custGeom>
@@ -31634,7 +31634,7 @@
           </p:nvSpPr>
           <p:spPr>
             <a:xfrm>
-              <a:off x="7861485" y="2443506"/>
+              <a:off x="7621035" y="2443503"/>
               <a:ext cx="63202" cy="63202"/>
             </a:xfrm>
             <a:custGeom>
@@ -31677,7 +31677,7 @@
           </p:nvSpPr>
           <p:spPr>
             <a:xfrm>
-              <a:off x="7584275" y="2356763"/>
+              <a:off x="7624243" y="2356726"/>
               <a:ext cx="63202" cy="63202"/>
             </a:xfrm>
             <a:custGeom>
@@ -31720,7 +31720,7 @@
           </p:nvSpPr>
           <p:spPr>
             <a:xfrm>
-              <a:off x="7705910" y="2351018"/>
+              <a:off x="7401394" y="2351007"/>
               <a:ext cx="63202" cy="63202"/>
             </a:xfrm>
             <a:custGeom>
@@ -31763,7 +31763,7 @@
           </p:nvSpPr>
           <p:spPr>
             <a:xfrm>
-              <a:off x="7882182" y="2573006"/>
+              <a:off x="7622518" y="2573068"/>
               <a:ext cx="63202" cy="63202"/>
             </a:xfrm>
             <a:custGeom>
@@ -31806,7 +31806,7 @@
           </p:nvSpPr>
           <p:spPr>
             <a:xfrm>
-              <a:off x="7783971" y="2364536"/>
+              <a:off x="7551919" y="2364467"/>
               <a:ext cx="63202" cy="63202"/>
             </a:xfrm>
             <a:custGeom>
@@ -31849,7 +31849,7 @@
           </p:nvSpPr>
           <p:spPr>
             <a:xfrm>
-              <a:off x="7858145" y="2220541"/>
+              <a:off x="7862876" y="2220499"/>
               <a:ext cx="63202" cy="63202"/>
             </a:xfrm>
             <a:custGeom>
@@ -31892,7 +31892,7 @@
           </p:nvSpPr>
           <p:spPr>
             <a:xfrm>
-              <a:off x="7756725" y="2514097"/>
+              <a:off x="7634051" y="2514147"/>
               <a:ext cx="63202" cy="63202"/>
             </a:xfrm>
             <a:custGeom>
@@ -31935,7 +31935,7 @@
           </p:nvSpPr>
           <p:spPr>
             <a:xfrm>
-              <a:off x="7571184" y="2324103"/>
+              <a:off x="7446758" y="2324118"/>
               <a:ext cx="63202" cy="63202"/>
             </a:xfrm>
             <a:custGeom>
@@ -31978,7 +31978,7 @@
           </p:nvSpPr>
           <p:spPr>
             <a:xfrm>
-              <a:off x="7446606" y="2315793"/>
+              <a:off x="7996199" y="2315803"/>
               <a:ext cx="63202" cy="63202"/>
             </a:xfrm>
             <a:custGeom>
@@ -32021,7 +32021,7 @@
           </p:nvSpPr>
           <p:spPr>
             <a:xfrm>
-              <a:off x="7997435" y="2382701"/>
+              <a:off x="7872153" y="2382724"/>
               <a:ext cx="63202" cy="63202"/>
             </a:xfrm>
             <a:custGeom>
@@ -32064,7 +32064,7 @@
           </p:nvSpPr>
           <p:spPr>
             <a:xfrm>
-              <a:off x="7513383" y="2559476"/>
+              <a:off x="7657377" y="2559418"/>
               <a:ext cx="63202" cy="63202"/>
             </a:xfrm>
             <a:custGeom>
@@ -32107,7 +32107,7 @@
           </p:nvSpPr>
           <p:spPr>
             <a:xfrm>
-              <a:off x="7745268" y="2387573"/>
+              <a:off x="7829643" y="2387527"/>
               <a:ext cx="63202" cy="63202"/>
             </a:xfrm>
             <a:custGeom>
@@ -32150,7 +32150,7 @@
           </p:nvSpPr>
           <p:spPr>
             <a:xfrm>
-              <a:off x="7662540" y="2348899"/>
+              <a:off x="7736831" y="2348904"/>
               <a:ext cx="63202" cy="63202"/>
             </a:xfrm>
             <a:custGeom>
@@ -32193,7 +32193,7 @@
           </p:nvSpPr>
           <p:spPr>
             <a:xfrm>
-              <a:off x="7871781" y="1774268"/>
+              <a:off x="7916221" y="1774243"/>
               <a:ext cx="63202" cy="63202"/>
             </a:xfrm>
             <a:custGeom>
@@ -32236,7 +32236,7 @@
           </p:nvSpPr>
           <p:spPr>
             <a:xfrm>
-              <a:off x="7745176" y="2360998"/>
+              <a:off x="7764972" y="2361039"/>
               <a:ext cx="63202" cy="63202"/>
             </a:xfrm>
             <a:custGeom>
@@ -32279,7 +32279,7 @@
           </p:nvSpPr>
           <p:spPr>
             <a:xfrm>
-              <a:off x="7541612" y="2352788"/>
+              <a:off x="7760689" y="2352789"/>
               <a:ext cx="63202" cy="63202"/>
             </a:xfrm>
             <a:custGeom>
@@ -32322,7 +32322,7 @@
           </p:nvSpPr>
           <p:spPr>
             <a:xfrm>
-              <a:off x="7619396" y="1771191"/>
+              <a:off x="7884494" y="1771117"/>
               <a:ext cx="63202" cy="63202"/>
             </a:xfrm>
             <a:custGeom>
@@ -32365,7 +32365,7 @@
           </p:nvSpPr>
           <p:spPr>
             <a:xfrm>
-              <a:off x="7878106" y="2228947"/>
+              <a:off x="7706186" y="2228906"/>
               <a:ext cx="63202" cy="63202"/>
             </a:xfrm>
             <a:custGeom>
@@ -32408,7 +32408,7 @@
           </p:nvSpPr>
           <p:spPr>
             <a:xfrm>
-              <a:off x="7349724" y="2269930"/>
+              <a:off x="7352191" y="2269925"/>
               <a:ext cx="63202" cy="63202"/>
             </a:xfrm>
             <a:custGeom>
@@ -32451,7 +32451,7 @@
           </p:nvSpPr>
           <p:spPr>
             <a:xfrm>
-              <a:off x="7435539" y="2290667"/>
+              <a:off x="7801688" y="2290678"/>
               <a:ext cx="63202" cy="63202"/>
             </a:xfrm>
             <a:custGeom>
@@ -32494,7 +32494,7 @@
           </p:nvSpPr>
           <p:spPr>
             <a:xfrm>
-              <a:off x="7927307" y="2265266"/>
+              <a:off x="7598146" y="2265244"/>
               <a:ext cx="63202" cy="63202"/>
             </a:xfrm>
             <a:custGeom>
@@ -32537,7 +32537,7 @@
           </p:nvSpPr>
           <p:spPr>
             <a:xfrm>
-              <a:off x="7731172" y="2267423"/>
+              <a:off x="7897214" y="2267456"/>
               <a:ext cx="63202" cy="63202"/>
             </a:xfrm>
             <a:custGeom>
@@ -32580,7 +32580,7 @@
           </p:nvSpPr>
           <p:spPr>
             <a:xfrm>
-              <a:off x="7456976" y="2265653"/>
+              <a:off x="7884786" y="2265648"/>
               <a:ext cx="63202" cy="63202"/>
             </a:xfrm>
             <a:custGeom>
@@ -32623,7 +32623,7 @@
           </p:nvSpPr>
           <p:spPr>
             <a:xfrm>
-              <a:off x="7973190" y="2315261"/>
+              <a:off x="7915079" y="2315247"/>
               <a:ext cx="63202" cy="63202"/>
             </a:xfrm>
             <a:custGeom>
@@ -32666,7 +32666,7 @@
           </p:nvSpPr>
           <p:spPr>
             <a:xfrm>
-              <a:off x="7360649" y="2318260"/>
+              <a:off x="7953666" y="2318211"/>
               <a:ext cx="63202" cy="63202"/>
             </a:xfrm>
             <a:custGeom>
@@ -32709,7 +32709,7 @@
           </p:nvSpPr>
           <p:spPr>
             <a:xfrm>
-              <a:off x="7779011" y="2439838"/>
+              <a:off x="7526532" y="2439828"/>
               <a:ext cx="63202" cy="63202"/>
             </a:xfrm>
             <a:custGeom>
@@ -32752,7 +32752,7 @@
           </p:nvSpPr>
           <p:spPr>
             <a:xfrm>
-              <a:off x="7969718" y="2368295"/>
+              <a:off x="7626035" y="2368292"/>
               <a:ext cx="63202" cy="63202"/>
             </a:xfrm>
             <a:custGeom>
@@ -32795,7 +32795,7 @@
           </p:nvSpPr>
           <p:spPr>
             <a:xfrm>
-              <a:off x="7842000" y="2223714"/>
+              <a:off x="7645192" y="2223721"/>
               <a:ext cx="63202" cy="63202"/>
             </a:xfrm>
             <a:custGeom>
@@ -32838,7 +32838,7 @@
           </p:nvSpPr>
           <p:spPr>
             <a:xfrm>
-              <a:off x="7712120" y="2546809"/>
+              <a:off x="7491699" y="2546833"/>
               <a:ext cx="63202" cy="63202"/>
             </a:xfrm>
             <a:custGeom>
@@ -32881,7 +32881,7 @@
           </p:nvSpPr>
           <p:spPr>
             <a:xfrm>
-              <a:off x="8014760" y="2401351"/>
+              <a:off x="7938164" y="2401343"/>
               <a:ext cx="63202" cy="63202"/>
             </a:xfrm>
             <a:custGeom>
@@ -32924,7 +32924,7 @@
           </p:nvSpPr>
           <p:spPr>
             <a:xfrm>
-              <a:off x="7601839" y="2222127"/>
+              <a:off x="7727065" y="2222151"/>
               <a:ext cx="63202" cy="63202"/>
             </a:xfrm>
             <a:custGeom>
@@ -32967,7 +32967,7 @@
           </p:nvSpPr>
           <p:spPr>
             <a:xfrm>
-              <a:off x="7692415" y="2220518"/>
+              <a:off x="7419082" y="2220552"/>
               <a:ext cx="63202" cy="63202"/>
             </a:xfrm>
             <a:custGeom>
@@ -33010,7 +33010,7 @@
           </p:nvSpPr>
           <p:spPr>
             <a:xfrm>
-              <a:off x="7909198" y="2311473"/>
+              <a:off x="7629816" y="2311424"/>
               <a:ext cx="63202" cy="63202"/>
             </a:xfrm>
             <a:custGeom>
@@ -33053,7 +33053,7 @@
           </p:nvSpPr>
           <p:spPr>
             <a:xfrm>
-              <a:off x="7771196" y="2221761"/>
+              <a:off x="7724684" y="2221721"/>
               <a:ext cx="63202" cy="63202"/>
             </a:xfrm>
             <a:custGeom>
@@ -33096,7 +33096,7 @@
           </p:nvSpPr>
           <p:spPr>
             <a:xfrm>
-              <a:off x="7590607" y="2151639"/>
+              <a:off x="8032204" y="2151641"/>
               <a:ext cx="63202" cy="63202"/>
             </a:xfrm>
             <a:custGeom>
@@ -33195,7 +33195,7 @@
           </p:nvSpPr>
           <p:spPr>
             <a:xfrm>
-              <a:off x="7192078" y="4776085"/>
+              <a:off x="7192078" y="4776106"/>
               <a:ext cx="2796732" cy="0"/>
             </a:xfrm>
             <a:custGeom>
@@ -33238,7 +33238,7 @@
           </p:nvSpPr>
           <p:spPr>
             <a:xfrm>
-              <a:off x="7192078" y="4304068"/>
+              <a:off x="7192078" y="4304066"/>
               <a:ext cx="2796732" cy="0"/>
             </a:xfrm>
             <a:custGeom>
@@ -33281,7 +33281,7 @@
           </p:nvSpPr>
           <p:spPr>
             <a:xfrm>
-              <a:off x="7192078" y="3832052"/>
+              <a:off x="7192078" y="3832027"/>
               <a:ext cx="2796732" cy="0"/>
             </a:xfrm>
             <a:custGeom>
@@ -33324,7 +33324,7 @@
           </p:nvSpPr>
           <p:spPr>
             <a:xfrm>
-              <a:off x="7192078" y="3360035"/>
+              <a:off x="7192078" y="3359988"/>
               <a:ext cx="2796732" cy="0"/>
             </a:xfrm>
             <a:custGeom>
@@ -33367,7 +33367,7 @@
           </p:nvSpPr>
           <p:spPr>
             <a:xfrm>
-              <a:off x="7192078" y="4540077"/>
+              <a:off x="7192078" y="4540086"/>
               <a:ext cx="2796732" cy="0"/>
             </a:xfrm>
             <a:custGeom>
@@ -33410,7 +33410,7 @@
           </p:nvSpPr>
           <p:spPr>
             <a:xfrm>
-              <a:off x="7192078" y="4068060"/>
+              <a:off x="7192078" y="4068047"/>
               <a:ext cx="2796732" cy="0"/>
             </a:xfrm>
             <a:custGeom>
@@ -33453,7 +33453,7 @@
           </p:nvSpPr>
           <p:spPr>
             <a:xfrm>
-              <a:off x="7192078" y="3596043"/>
+              <a:off x="7192078" y="3596008"/>
               <a:ext cx="2796732" cy="0"/>
             </a:xfrm>
             <a:custGeom>
@@ -33625,7 +33625,7 @@
           </p:nvSpPr>
           <p:spPr>
             <a:xfrm>
-              <a:off x="7914764" y="4037468"/>
+              <a:off x="7408537" y="4037448"/>
               <a:ext cx="63202" cy="63202"/>
             </a:xfrm>
             <a:custGeom>
@@ -33668,7 +33668,7 @@
           </p:nvSpPr>
           <p:spPr>
             <a:xfrm>
-              <a:off x="7775772" y="4021859"/>
+              <a:off x="8008824" y="4021776"/>
               <a:ext cx="63202" cy="63202"/>
             </a:xfrm>
             <a:custGeom>
@@ -33711,7 +33711,7 @@
           </p:nvSpPr>
           <p:spPr>
             <a:xfrm>
-              <a:off x="7808533" y="4238206"/>
+              <a:off x="7565177" y="4238190"/>
               <a:ext cx="63202" cy="63202"/>
             </a:xfrm>
             <a:custGeom>
@@ -33754,7 +33754,7 @@
           </p:nvSpPr>
           <p:spPr>
             <a:xfrm>
-              <a:off x="8401769" y="4712016"/>
+              <a:off x="8702243" y="4711996"/>
               <a:ext cx="63202" cy="63202"/>
             </a:xfrm>
             <a:custGeom>
@@ -33797,7 +33797,7 @@
           </p:nvSpPr>
           <p:spPr>
             <a:xfrm>
-              <a:off x="7638541" y="4162982"/>
+              <a:off x="8025134" y="4162974"/>
               <a:ext cx="63202" cy="63202"/>
             </a:xfrm>
             <a:custGeom>
@@ -33840,7 +33840,7 @@
           </p:nvSpPr>
           <p:spPr>
             <a:xfrm>
-              <a:off x="7755801" y="3980892"/>
+              <a:off x="7974084" y="3980860"/>
               <a:ext cx="63202" cy="63202"/>
             </a:xfrm>
             <a:custGeom>
@@ -33883,7 +33883,7 @@
           </p:nvSpPr>
           <p:spPr>
             <a:xfrm>
-              <a:off x="7487880" y="4197948"/>
+              <a:off x="7402914" y="4197981"/>
               <a:ext cx="63202" cy="63202"/>
             </a:xfrm>
             <a:custGeom>
@@ -33926,7 +33926,7 @@
           </p:nvSpPr>
           <p:spPr>
             <a:xfrm>
-              <a:off x="7996175" y="4137250"/>
+              <a:off x="7905966" y="4137278"/>
               <a:ext cx="63202" cy="63202"/>
             </a:xfrm>
             <a:custGeom>
@@ -33969,7 +33969,7 @@
           </p:nvSpPr>
           <p:spPr>
             <a:xfrm>
-              <a:off x="7462950" y="4265727"/>
+              <a:off x="7486693" y="4265755"/>
               <a:ext cx="63202" cy="63202"/>
             </a:xfrm>
             <a:custGeom>
@@ -34012,7 +34012,7 @@
           </p:nvSpPr>
           <p:spPr>
             <a:xfrm>
-              <a:off x="7521250" y="4030797"/>
+              <a:off x="7966622" y="4030780"/>
               <a:ext cx="63202" cy="63202"/>
             </a:xfrm>
             <a:custGeom>
@@ -34055,7 +34055,7 @@
           </p:nvSpPr>
           <p:spPr>
             <a:xfrm>
-              <a:off x="7736665" y="4019067"/>
+              <a:off x="8025346" y="4019077"/>
               <a:ext cx="63202" cy="63202"/>
             </a:xfrm>
             <a:custGeom>
@@ -34098,7 +34098,7 @@
           </p:nvSpPr>
           <p:spPr>
             <a:xfrm>
-              <a:off x="7607671" y="4132432"/>
+              <a:off x="7353488" y="4132490"/>
               <a:ext cx="63202" cy="63202"/>
             </a:xfrm>
             <a:custGeom>
@@ -34141,7 +34141,7 @@
           </p:nvSpPr>
           <p:spPr>
             <a:xfrm>
-              <a:off x="7795339" y="3972845"/>
+              <a:off x="7793610" y="3972836"/>
               <a:ext cx="63202" cy="63202"/>
             </a:xfrm>
             <a:custGeom>
@@ -34184,7 +34184,7 @@
           </p:nvSpPr>
           <p:spPr>
             <a:xfrm>
-              <a:off x="7593141" y="4088410"/>
+              <a:off x="7892437" y="4088406"/>
               <a:ext cx="63202" cy="63202"/>
             </a:xfrm>
             <a:custGeom>
@@ -35679,7 +35679,7 @@
           </p:nvSpPr>
           <p:spPr>
             <a:xfrm>
-              <a:off x="1210339" y="2573053"/>
+              <a:off x="1210339" y="2573062"/>
               <a:ext cx="186466" cy="81691"/>
             </a:xfrm>
             <a:prstGeom prst="rect">
@@ -35725,7 +35725,7 @@
           </p:nvSpPr>
           <p:spPr>
             <a:xfrm>
-              <a:off x="1148183" y="2101036"/>
+              <a:off x="1148183" y="2101023"/>
               <a:ext cx="248622" cy="81691"/>
             </a:xfrm>
             <a:prstGeom prst="rect">
@@ -35771,7 +35771,7 @@
           </p:nvSpPr>
           <p:spPr>
             <a:xfrm>
-              <a:off x="1148183" y="1629019"/>
+              <a:off x="1148183" y="1628984"/>
               <a:ext cx="248622" cy="81691"/>
             </a:xfrm>
             <a:prstGeom prst="rect">
@@ -35817,7 +35817,7 @@
           </p:nvSpPr>
           <p:spPr>
             <a:xfrm>
-              <a:off x="1424641" y="2614744"/>
+              <a:off x="1424641" y="2614753"/>
               <a:ext cx="34794" cy="0"/>
             </a:xfrm>
             <a:custGeom>
@@ -35857,7 +35857,7 @@
           </p:nvSpPr>
           <p:spPr>
             <a:xfrm>
-              <a:off x="1424641" y="2142727"/>
+              <a:off x="1424641" y="2142714"/>
               <a:ext cx="34794" cy="0"/>
             </a:xfrm>
             <a:custGeom>
@@ -35897,7 +35897,7 @@
           </p:nvSpPr>
           <p:spPr>
             <a:xfrm>
-              <a:off x="1424641" y="1670711"/>
+              <a:off x="1424641" y="1670675"/>
               <a:ext cx="34794" cy="0"/>
             </a:xfrm>
             <a:custGeom>
@@ -35937,7 +35937,7 @@
           </p:nvSpPr>
           <p:spPr>
             <a:xfrm>
-              <a:off x="1210339" y="4498385"/>
+              <a:off x="1210339" y="4498394"/>
               <a:ext cx="186466" cy="81691"/>
             </a:xfrm>
             <a:prstGeom prst="rect">
@@ -35983,7 +35983,7 @@
           </p:nvSpPr>
           <p:spPr>
             <a:xfrm>
-              <a:off x="1148183" y="4026368"/>
+              <a:off x="1148183" y="4026355"/>
               <a:ext cx="248622" cy="81691"/>
             </a:xfrm>
             <a:prstGeom prst="rect">
@@ -36029,7 +36029,7 @@
           </p:nvSpPr>
           <p:spPr>
             <a:xfrm>
-              <a:off x="1148183" y="3554351"/>
+              <a:off x="1148183" y="3554316"/>
               <a:ext cx="248622" cy="81691"/>
             </a:xfrm>
             <a:prstGeom prst="rect">
@@ -36075,7 +36075,7 @@
           </p:nvSpPr>
           <p:spPr>
             <a:xfrm>
-              <a:off x="1424641" y="4540077"/>
+              <a:off x="1424641" y="4540086"/>
               <a:ext cx="34794" cy="0"/>
             </a:xfrm>
             <a:custGeom>
@@ -36115,7 +36115,7 @@
           </p:nvSpPr>
           <p:spPr>
             <a:xfrm>
-              <a:off x="1424641" y="4068060"/>
+              <a:off x="1424641" y="4068047"/>
               <a:ext cx="34794" cy="0"/>
             </a:xfrm>
             <a:custGeom>
@@ -36155,7 +36155,7 @@
           </p:nvSpPr>
           <p:spPr>
             <a:xfrm>
-              <a:off x="1424641" y="3596043"/>
+              <a:off x="1424641" y="3596008"/>
               <a:ext cx="34794" cy="0"/>
             </a:xfrm>
             <a:custGeom>
@@ -36195,7 +36195,7 @@
           </p:nvSpPr>
           <p:spPr>
             <a:xfrm>
-              <a:off x="1210339" y="6423718"/>
+              <a:off x="1210339" y="6423727"/>
               <a:ext cx="186466" cy="81691"/>
             </a:xfrm>
             <a:prstGeom prst="rect">
@@ -36241,7 +36241,7 @@
           </p:nvSpPr>
           <p:spPr>
             <a:xfrm>
-              <a:off x="1148183" y="5951701"/>
+              <a:off x="1148183" y="5951688"/>
               <a:ext cx="248622" cy="81691"/>
             </a:xfrm>
             <a:prstGeom prst="rect">
@@ -36287,7 +36287,7 @@
           </p:nvSpPr>
           <p:spPr>
             <a:xfrm>
-              <a:off x="1148183" y="5479684"/>
+              <a:off x="1148183" y="5479649"/>
               <a:ext cx="248622" cy="81691"/>
             </a:xfrm>
             <a:prstGeom prst="rect">
@@ -36333,7 +36333,7 @@
           </p:nvSpPr>
           <p:spPr>
             <a:xfrm>
-              <a:off x="1424641" y="6465409"/>
+              <a:off x="1424641" y="6465419"/>
               <a:ext cx="34794" cy="0"/>
             </a:xfrm>
             <a:custGeom>
@@ -36373,7 +36373,7 @@
           </p:nvSpPr>
           <p:spPr>
             <a:xfrm>
-              <a:off x="1424641" y="5993393"/>
+              <a:off x="1424641" y="5993380"/>
               <a:ext cx="34794" cy="0"/>
             </a:xfrm>
             <a:custGeom>
@@ -36413,7 +36413,7 @@
           </p:nvSpPr>
           <p:spPr>
             <a:xfrm>
-              <a:off x="1424641" y="5521376"/>
+              <a:off x="1424641" y="5521340"/>
               <a:ext cx="34794" cy="0"/>
             </a:xfrm>
             <a:custGeom>

--- a/Images/Figures_PPT/Jitter_Plot_Raptor_Domain.pptx
+++ b/Images/Figures_PPT/Jitter_Plot_Raptor_Domain.pptx
@@ -2359,7 +2359,7 @@
           </p:nvSpPr>
           <p:spPr>
             <a:xfrm>
-              <a:off x="1459435" y="2850773"/>
+              <a:off x="1459435" y="2850779"/>
               <a:ext cx="2796732" cy="0"/>
             </a:xfrm>
             <a:custGeom>
@@ -2402,7 +2402,7 @@
           </p:nvSpPr>
           <p:spPr>
             <a:xfrm>
-              <a:off x="1459435" y="2378734"/>
+              <a:off x="1459435" y="2378736"/>
               <a:ext cx="2796732" cy="0"/>
             </a:xfrm>
             <a:custGeom>
@@ -2445,7 +2445,7 @@
           </p:nvSpPr>
           <p:spPr>
             <a:xfrm>
-              <a:off x="1459435" y="1906695"/>
+              <a:off x="1459435" y="1906693"/>
               <a:ext cx="2796732" cy="0"/>
             </a:xfrm>
             <a:custGeom>
@@ -2488,7 +2488,7 @@
           </p:nvSpPr>
           <p:spPr>
             <a:xfrm>
-              <a:off x="1459435" y="1434656"/>
+              <a:off x="1459435" y="1434650"/>
               <a:ext cx="2796732" cy="0"/>
             </a:xfrm>
             <a:custGeom>
@@ -2531,7 +2531,7 @@
           </p:nvSpPr>
           <p:spPr>
             <a:xfrm>
-              <a:off x="1459435" y="2614753"/>
+              <a:off x="1459435" y="2614757"/>
               <a:ext cx="2796732" cy="0"/>
             </a:xfrm>
             <a:custGeom>
@@ -2574,7 +2574,7 @@
           </p:nvSpPr>
           <p:spPr>
             <a:xfrm>
-              <a:off x="1459435" y="2142714"/>
+              <a:off x="1459435" y="2142715"/>
               <a:ext cx="2796732" cy="0"/>
             </a:xfrm>
             <a:custGeom>
@@ -2617,7 +2617,7 @@
           </p:nvSpPr>
           <p:spPr>
             <a:xfrm>
-              <a:off x="1459435" y="1670675"/>
+              <a:off x="1459435" y="1670672"/>
               <a:ext cx="2796732" cy="0"/>
             </a:xfrm>
             <a:custGeom>
@@ -2789,7 +2789,7 @@
           </p:nvSpPr>
           <p:spPr>
             <a:xfrm>
-              <a:off x="3454343" y="2744528"/>
+              <a:off x="3492977" y="2744466"/>
               <a:ext cx="63202" cy="63202"/>
             </a:xfrm>
             <a:custGeom>
@@ -2832,7 +2832,7 @@
           </p:nvSpPr>
           <p:spPr>
             <a:xfrm>
-              <a:off x="2100873" y="2736081"/>
+              <a:off x="1932218" y="2736093"/>
               <a:ext cx="63202" cy="63202"/>
             </a:xfrm>
             <a:custGeom>
@@ -2875,7 +2875,7 @@
           </p:nvSpPr>
           <p:spPr>
             <a:xfrm>
-              <a:off x="2267434" y="2681160"/>
+              <a:off x="2015981" y="2681174"/>
               <a:ext cx="63202" cy="63202"/>
             </a:xfrm>
             <a:custGeom>
@@ -2918,7 +2918,7 @@
           </p:nvSpPr>
           <p:spPr>
             <a:xfrm>
-              <a:off x="2567024" y="2846458"/>
+              <a:off x="3158767" y="2846461"/>
               <a:ext cx="63202" cy="63202"/>
             </a:xfrm>
             <a:custGeom>
@@ -2961,7 +2961,7 @@
           </p:nvSpPr>
           <p:spPr>
             <a:xfrm>
-              <a:off x="1933672" y="2759605"/>
+              <a:off x="1736229" y="2759606"/>
               <a:ext cx="63202" cy="63202"/>
             </a:xfrm>
             <a:custGeom>
@@ -3004,7 +3004,7 @@
           </p:nvSpPr>
           <p:spPr>
             <a:xfrm>
-              <a:off x="2931544" y="2845534"/>
+              <a:off x="2793573" y="2845538"/>
               <a:ext cx="63202" cy="63202"/>
             </a:xfrm>
             <a:custGeom>
@@ -3103,7 +3103,7 @@
           </p:nvSpPr>
           <p:spPr>
             <a:xfrm>
-              <a:off x="1459435" y="4776106"/>
+              <a:off x="1459435" y="4776111"/>
               <a:ext cx="2796732" cy="0"/>
             </a:xfrm>
             <a:custGeom>
@@ -3146,7 +3146,7 @@
           </p:nvSpPr>
           <p:spPr>
             <a:xfrm>
-              <a:off x="1459435" y="4304066"/>
+              <a:off x="1459435" y="4304069"/>
               <a:ext cx="2796732" cy="0"/>
             </a:xfrm>
             <a:custGeom>
@@ -3189,7 +3189,7 @@
           </p:nvSpPr>
           <p:spPr>
             <a:xfrm>
-              <a:off x="1459435" y="3832027"/>
+              <a:off x="1459435" y="3832026"/>
               <a:ext cx="2796732" cy="0"/>
             </a:xfrm>
             <a:custGeom>
@@ -3232,7 +3232,7 @@
           </p:nvSpPr>
           <p:spPr>
             <a:xfrm>
-              <a:off x="1459435" y="3359988"/>
+              <a:off x="1459435" y="3359983"/>
               <a:ext cx="2796732" cy="0"/>
             </a:xfrm>
             <a:custGeom>
@@ -3275,7 +3275,7 @@
           </p:nvSpPr>
           <p:spPr>
             <a:xfrm>
-              <a:off x="1459435" y="4540086"/>
+              <a:off x="1459435" y="4540090"/>
               <a:ext cx="2796732" cy="0"/>
             </a:xfrm>
             <a:custGeom>
@@ -3361,7 +3361,7 @@
           </p:nvSpPr>
           <p:spPr>
             <a:xfrm>
-              <a:off x="1459435" y="3596008"/>
+              <a:off x="1459435" y="3596004"/>
               <a:ext cx="2796732" cy="0"/>
             </a:xfrm>
             <a:custGeom>
@@ -3533,7 +3533,7 @@
           </p:nvSpPr>
           <p:spPr>
             <a:xfrm>
-              <a:off x="2263426" y="4162160"/>
+              <a:off x="1766070" y="4162176"/>
               <a:ext cx="63202" cy="63202"/>
             </a:xfrm>
             <a:custGeom>
@@ -3576,7 +3576,7 @@
           </p:nvSpPr>
           <p:spPr>
             <a:xfrm>
-              <a:off x="2022715" y="4506203"/>
+              <a:off x="1744332" y="4506222"/>
               <a:ext cx="63202" cy="63202"/>
             </a:xfrm>
             <a:custGeom>
@@ -3619,7 +3619,7 @@
           </p:nvSpPr>
           <p:spPr>
             <a:xfrm>
-              <a:off x="2065342" y="4162170"/>
+              <a:off x="2003350" y="4162184"/>
               <a:ext cx="63202" cy="63202"/>
             </a:xfrm>
             <a:custGeom>
@@ -3662,7 +3662,7 @@
           </p:nvSpPr>
           <p:spPr>
             <a:xfrm>
-              <a:off x="2213632" y="4355709"/>
+              <a:off x="1896142" y="4355702"/>
               <a:ext cx="63202" cy="63202"/>
             </a:xfrm>
             <a:custGeom>
@@ -3705,7 +3705,7 @@
           </p:nvSpPr>
           <p:spPr>
             <a:xfrm>
-              <a:off x="1797555" y="4258688"/>
+              <a:off x="2216870" y="4258678"/>
               <a:ext cx="63202" cy="63202"/>
             </a:xfrm>
             <a:custGeom>
@@ -3748,7 +3748,7 @@
           </p:nvSpPr>
           <p:spPr>
             <a:xfrm>
-              <a:off x="2835507" y="4806647"/>
+              <a:off x="2486521" y="4806606"/>
               <a:ext cx="63202" cy="63202"/>
             </a:xfrm>
             <a:custGeom>
@@ -3791,7 +3791,7 @@
           </p:nvSpPr>
           <p:spPr>
             <a:xfrm>
-              <a:off x="2239417" y="4354858"/>
+              <a:off x="2023307" y="4354857"/>
               <a:ext cx="63202" cy="63202"/>
             </a:xfrm>
             <a:custGeom>
@@ -3834,7 +3834,7 @@
           </p:nvSpPr>
           <p:spPr>
             <a:xfrm>
-              <a:off x="2164486" y="4421739"/>
+              <a:off x="1636231" y="4421756"/>
               <a:ext cx="63202" cy="63202"/>
             </a:xfrm>
             <a:custGeom>
@@ -3877,7 +3877,7 @@
           </p:nvSpPr>
           <p:spPr>
             <a:xfrm>
-              <a:off x="1980541" y="4520924"/>
+              <a:off x="2169146" y="4520977"/>
               <a:ext cx="63202" cy="63202"/>
             </a:xfrm>
             <a:custGeom>
@@ -3920,7 +3920,7 @@
           </p:nvSpPr>
           <p:spPr>
             <a:xfrm>
-              <a:off x="2705415" y="4726585"/>
+              <a:off x="3175456" y="4726535"/>
               <a:ext cx="63202" cy="63202"/>
             </a:xfrm>
             <a:custGeom>
@@ -3963,7 +3963,7 @@
           </p:nvSpPr>
           <p:spPr>
             <a:xfrm>
-              <a:off x="2911921" y="4704918"/>
+              <a:off x="2945948" y="4704922"/>
               <a:ext cx="63202" cy="63202"/>
             </a:xfrm>
             <a:custGeom>
@@ -4006,7 +4006,7 @@
           </p:nvSpPr>
           <p:spPr>
             <a:xfrm>
-              <a:off x="2087446" y="4599268"/>
+              <a:off x="1986654" y="4599275"/>
               <a:ext cx="63202" cy="63202"/>
             </a:xfrm>
             <a:custGeom>
@@ -4049,7 +4049,7 @@
           </p:nvSpPr>
           <p:spPr>
             <a:xfrm>
-              <a:off x="1847747" y="4449555"/>
+              <a:off x="2205475" y="4449612"/>
               <a:ext cx="63202" cy="63202"/>
             </a:xfrm>
             <a:custGeom>
@@ -4092,7 +4092,7 @@
           </p:nvSpPr>
           <p:spPr>
             <a:xfrm>
-              <a:off x="2530342" y="4701424"/>
+              <a:off x="2500595" y="4701469"/>
               <a:ext cx="63202" cy="63202"/>
             </a:xfrm>
             <a:custGeom>
@@ -4135,7 +4135,7 @@
           </p:nvSpPr>
           <p:spPr>
             <a:xfrm>
-              <a:off x="2483449" y="4765454"/>
+              <a:off x="2808547" y="4765457"/>
               <a:ext cx="63202" cy="63202"/>
             </a:xfrm>
             <a:custGeom>
@@ -4178,7 +4178,7 @@
           </p:nvSpPr>
           <p:spPr>
             <a:xfrm>
-              <a:off x="1772078" y="3937100"/>
+              <a:off x="1928419" y="3937133"/>
               <a:ext cx="63202" cy="63202"/>
             </a:xfrm>
             <a:custGeom>
@@ -4221,7 +4221,7 @@
           </p:nvSpPr>
           <p:spPr>
             <a:xfrm>
-              <a:off x="2277915" y="4656123"/>
+              <a:off x="1716571" y="4656145"/>
               <a:ext cx="63202" cy="63202"/>
             </a:xfrm>
             <a:custGeom>
@@ -4264,7 +4264,7 @@
           </p:nvSpPr>
           <p:spPr>
             <a:xfrm>
-              <a:off x="2078477" y="3973776"/>
+              <a:off x="1618275" y="3973793"/>
               <a:ext cx="63202" cy="63202"/>
             </a:xfrm>
             <a:custGeom>
@@ -4307,7 +4307,7 @@
           </p:nvSpPr>
           <p:spPr>
             <a:xfrm>
-              <a:off x="1686037" y="4473989"/>
+              <a:off x="2236654" y="4474036"/>
               <a:ext cx="63202" cy="63202"/>
             </a:xfrm>
             <a:custGeom>
@@ -4350,7 +4350,7 @@
           </p:nvSpPr>
           <p:spPr>
             <a:xfrm>
-              <a:off x="1956663" y="4552360"/>
+              <a:off x="1967443" y="4552409"/>
               <a:ext cx="63202" cy="63202"/>
             </a:xfrm>
             <a:custGeom>
@@ -4393,7 +4393,7 @@
           </p:nvSpPr>
           <p:spPr>
             <a:xfrm>
-              <a:off x="2144664" y="4519329"/>
+              <a:off x="2190591" y="4519361"/>
               <a:ext cx="63202" cy="63202"/>
             </a:xfrm>
             <a:custGeom>
@@ -4436,7 +4436,7 @@
           </p:nvSpPr>
           <p:spPr>
             <a:xfrm>
-              <a:off x="2897958" y="4789288"/>
+              <a:off x="2575793" y="4789279"/>
               <a:ext cx="63202" cy="63202"/>
             </a:xfrm>
             <a:custGeom>
@@ -4535,7 +4535,7 @@
           </p:nvSpPr>
           <p:spPr>
             <a:xfrm>
-              <a:off x="1459435" y="6701438"/>
+              <a:off x="1459435" y="6701444"/>
               <a:ext cx="2796732" cy="0"/>
             </a:xfrm>
             <a:custGeom>
@@ -4578,7 +4578,7 @@
           </p:nvSpPr>
           <p:spPr>
             <a:xfrm>
-              <a:off x="1459435" y="6229399"/>
+              <a:off x="1459435" y="6229401"/>
               <a:ext cx="2796732" cy="0"/>
             </a:xfrm>
             <a:custGeom>
@@ -4621,7 +4621,7 @@
           </p:nvSpPr>
           <p:spPr>
             <a:xfrm>
-              <a:off x="1459435" y="5757360"/>
+              <a:off x="1459435" y="5757358"/>
               <a:ext cx="2796732" cy="0"/>
             </a:xfrm>
             <a:custGeom>
@@ -4664,7 +4664,7 @@
           </p:nvSpPr>
           <p:spPr>
             <a:xfrm>
-              <a:off x="1459435" y="5285321"/>
+              <a:off x="1459435" y="5285316"/>
               <a:ext cx="2796732" cy="0"/>
             </a:xfrm>
             <a:custGeom>
@@ -4707,7 +4707,7 @@
           </p:nvSpPr>
           <p:spPr>
             <a:xfrm>
-              <a:off x="1459435" y="6465419"/>
+              <a:off x="1459435" y="6465423"/>
               <a:ext cx="2796732" cy="0"/>
             </a:xfrm>
             <a:custGeom>
@@ -4793,7 +4793,7 @@
           </p:nvSpPr>
           <p:spPr>
             <a:xfrm>
-              <a:off x="1459435" y="5521340"/>
+              <a:off x="1459435" y="5521337"/>
               <a:ext cx="2796732" cy="0"/>
             </a:xfrm>
             <a:custGeom>
@@ -4965,7 +4965,7 @@
           </p:nvSpPr>
           <p:spPr>
             <a:xfrm>
-              <a:off x="2168396" y="5625304"/>
+              <a:off x="1813397" y="5625328"/>
               <a:ext cx="63202" cy="63202"/>
             </a:xfrm>
             <a:custGeom>
@@ -5008,7 +5008,7 @@
           </p:nvSpPr>
           <p:spPr>
             <a:xfrm>
-              <a:off x="1998529" y="5620513"/>
+              <a:off x="1762203" y="5620474"/>
               <a:ext cx="63202" cy="63202"/>
             </a:xfrm>
             <a:custGeom>
@@ -5051,7 +5051,7 @@
           </p:nvSpPr>
           <p:spPr>
             <a:xfrm>
-              <a:off x="2029009" y="5617792"/>
+              <a:off x="2095513" y="5617773"/>
               <a:ext cx="63202" cy="63202"/>
             </a:xfrm>
             <a:custGeom>
@@ -5094,7 +5094,7 @@
           </p:nvSpPr>
           <p:spPr>
             <a:xfrm>
-              <a:off x="2021316" y="5794506"/>
+              <a:off x="1966771" y="5794482"/>
               <a:ext cx="63202" cy="63202"/>
             </a:xfrm>
             <a:custGeom>
@@ -5137,7 +5137,7 @@
           </p:nvSpPr>
           <p:spPr>
             <a:xfrm>
-              <a:off x="1818149" y="5922667"/>
+              <a:off x="2173984" y="5922688"/>
               <a:ext cx="63202" cy="63202"/>
             </a:xfrm>
             <a:custGeom>
@@ -5180,7 +5180,7 @@
           </p:nvSpPr>
           <p:spPr>
             <a:xfrm>
-              <a:off x="1850885" y="5859436"/>
+              <a:off x="2079562" y="5859473"/>
               <a:ext cx="63202" cy="63202"/>
             </a:xfrm>
             <a:custGeom>
@@ -5223,7 +5223,7 @@
           </p:nvSpPr>
           <p:spPr>
             <a:xfrm>
-              <a:off x="2005470" y="5766179"/>
+              <a:off x="1897697" y="5766168"/>
               <a:ext cx="63202" cy="63202"/>
             </a:xfrm>
             <a:custGeom>
@@ -5266,7 +5266,7 @@
           </p:nvSpPr>
           <p:spPr>
             <a:xfrm>
-              <a:off x="1786309" y="5743422"/>
+              <a:off x="2184013" y="5743394"/>
               <a:ext cx="63202" cy="63202"/>
             </a:xfrm>
             <a:custGeom>
@@ -5309,7 +5309,7 @@
           </p:nvSpPr>
           <p:spPr>
             <a:xfrm>
-              <a:off x="1726636" y="6356395"/>
+              <a:off x="1620072" y="6356430"/>
               <a:ext cx="63202" cy="63202"/>
             </a:xfrm>
             <a:custGeom>
@@ -5352,7 +5352,7 @@
           </p:nvSpPr>
           <p:spPr>
             <a:xfrm>
-              <a:off x="2001598" y="5766705"/>
+              <a:off x="1931649" y="5766716"/>
               <a:ext cx="63202" cy="63202"/>
             </a:xfrm>
             <a:custGeom>
@@ -5395,7 +5395,7 @@
           </p:nvSpPr>
           <p:spPr>
             <a:xfrm>
-              <a:off x="2010631" y="5900144"/>
+              <a:off x="1881588" y="5900100"/>
               <a:ext cx="63202" cy="63202"/>
             </a:xfrm>
             <a:custGeom>
@@ -5438,7 +5438,7 @@
           </p:nvSpPr>
           <p:spPr>
             <a:xfrm>
-              <a:off x="2246405" y="5942686"/>
+              <a:off x="1672195" y="5942699"/>
               <a:ext cx="63202" cy="63202"/>
             </a:xfrm>
             <a:custGeom>
@@ -5481,7 +5481,7 @@
           </p:nvSpPr>
           <p:spPr>
             <a:xfrm>
-              <a:off x="2292403" y="5748711"/>
+              <a:off x="1681181" y="5748676"/>
               <a:ext cx="63202" cy="63202"/>
             </a:xfrm>
             <a:custGeom>
@@ -5524,7 +5524,7 @@
           </p:nvSpPr>
           <p:spPr>
             <a:xfrm>
-              <a:off x="2239544" y="5845787"/>
+              <a:off x="1903781" y="5845715"/>
               <a:ext cx="63202" cy="63202"/>
             </a:xfrm>
             <a:custGeom>
@@ -5567,7 +5567,7 @@
           </p:nvSpPr>
           <p:spPr>
             <a:xfrm>
-              <a:off x="2217653" y="6201672"/>
+              <a:off x="1883334" y="6201675"/>
               <a:ext cx="63202" cy="63202"/>
             </a:xfrm>
             <a:custGeom>
@@ -5610,7 +5610,7 @@
           </p:nvSpPr>
           <p:spPr>
             <a:xfrm>
-              <a:off x="2220600" y="5864984"/>
+              <a:off x="1748418" y="5864994"/>
               <a:ext cx="63202" cy="63202"/>
             </a:xfrm>
             <a:custGeom>
@@ -5653,7 +5653,7 @@
           </p:nvSpPr>
           <p:spPr>
             <a:xfrm>
-              <a:off x="1802503" y="5764283"/>
+              <a:off x="1725647" y="5764251"/>
               <a:ext cx="63202" cy="63202"/>
             </a:xfrm>
             <a:custGeom>
@@ -5696,7 +5696,7 @@
           </p:nvSpPr>
           <p:spPr>
             <a:xfrm>
-              <a:off x="2222532" y="5854834"/>
+              <a:off x="2151492" y="5854800"/>
               <a:ext cx="63202" cy="63202"/>
             </a:xfrm>
             <a:custGeom>
@@ -5739,7 +5739,7 @@
           </p:nvSpPr>
           <p:spPr>
             <a:xfrm>
-              <a:off x="2174772" y="6401649"/>
+              <a:off x="2099527" y="6401609"/>
               <a:ext cx="63202" cy="63202"/>
             </a:xfrm>
             <a:custGeom>
@@ -5782,7 +5782,7 @@
           </p:nvSpPr>
           <p:spPr>
             <a:xfrm>
-              <a:off x="2074748" y="5861690"/>
+              <a:off x="1875793" y="5861685"/>
               <a:ext cx="63202" cy="63202"/>
             </a:xfrm>
             <a:custGeom>
@@ -5825,7 +5825,7 @@
           </p:nvSpPr>
           <p:spPr>
             <a:xfrm>
-              <a:off x="1714399" y="5907711"/>
+              <a:off x="1951930" y="5907646"/>
               <a:ext cx="63202" cy="63202"/>
             </a:xfrm>
             <a:custGeom>
@@ -5868,7 +5868,7 @@
           </p:nvSpPr>
           <p:spPr>
             <a:xfrm>
-              <a:off x="1846640" y="6189078"/>
+              <a:off x="2111628" y="6189145"/>
               <a:ext cx="63202" cy="63202"/>
             </a:xfrm>
             <a:custGeom>
@@ -5911,7 +5911,7 @@
           </p:nvSpPr>
           <p:spPr>
             <a:xfrm>
-              <a:off x="2129782" y="5729572"/>
+              <a:off x="1837104" y="5729505"/>
               <a:ext cx="63202" cy="63202"/>
             </a:xfrm>
             <a:custGeom>
@@ -5954,7 +5954,7 @@
           </p:nvSpPr>
           <p:spPr>
             <a:xfrm>
-              <a:off x="1745312" y="5706594"/>
+              <a:off x="1837631" y="5706580"/>
               <a:ext cx="63202" cy="63202"/>
             </a:xfrm>
             <a:custGeom>
@@ -5997,7 +5997,7 @@
           </p:nvSpPr>
           <p:spPr>
             <a:xfrm>
-              <a:off x="2196352" y="6424669"/>
+              <a:off x="2025597" y="6424642"/>
               <a:ext cx="63202" cy="63202"/>
             </a:xfrm>
             <a:custGeom>
@@ -6040,7 +6040,7 @@
           </p:nvSpPr>
           <p:spPr>
             <a:xfrm>
-              <a:off x="1891437" y="6441917"/>
+              <a:off x="1776154" y="6441905"/>
               <a:ext cx="63202" cy="63202"/>
             </a:xfrm>
             <a:custGeom>
@@ -6083,7 +6083,7 @@
           </p:nvSpPr>
           <p:spPr>
             <a:xfrm>
-              <a:off x="1923499" y="6570630"/>
+              <a:off x="1859571" y="6570636"/>
               <a:ext cx="63202" cy="63202"/>
             </a:xfrm>
             <a:custGeom>
@@ -6126,7 +6126,7 @@
           </p:nvSpPr>
           <p:spPr>
             <a:xfrm>
-              <a:off x="2019989" y="5917008"/>
+              <a:off x="1778004" y="5917047"/>
               <a:ext cx="63202" cy="63202"/>
             </a:xfrm>
             <a:custGeom>
@@ -6169,7 +6169,7 @@
           </p:nvSpPr>
           <p:spPr>
             <a:xfrm>
-              <a:off x="1929844" y="5876717"/>
+              <a:off x="1724356" y="5876699"/>
               <a:ext cx="63202" cy="63202"/>
             </a:xfrm>
             <a:custGeom>
@@ -6212,7 +6212,7 @@
           </p:nvSpPr>
           <p:spPr>
             <a:xfrm>
-              <a:off x="2091841" y="6264743"/>
+              <a:off x="2013809" y="6264700"/>
               <a:ext cx="63202" cy="63202"/>
             </a:xfrm>
             <a:custGeom>
@@ -6255,7 +6255,7 @@
           </p:nvSpPr>
           <p:spPr>
             <a:xfrm>
-              <a:off x="2284530" y="5875589"/>
+              <a:off x="1803704" y="5875566"/>
               <a:ext cx="63202" cy="63202"/>
             </a:xfrm>
             <a:custGeom>
@@ -6298,7 +6298,7 @@
           </p:nvSpPr>
           <p:spPr>
             <a:xfrm>
-              <a:off x="1849137" y="6237365"/>
+              <a:off x="1673977" y="6237357"/>
               <a:ext cx="63202" cy="63202"/>
             </a:xfrm>
             <a:custGeom>
@@ -6341,7 +6341,7 @@
           </p:nvSpPr>
           <p:spPr>
             <a:xfrm>
-              <a:off x="2244084" y="6232062"/>
+              <a:off x="1934678" y="6232057"/>
               <a:ext cx="63202" cy="63202"/>
             </a:xfrm>
             <a:custGeom>
@@ -6384,7 +6384,7 @@
           </p:nvSpPr>
           <p:spPr>
             <a:xfrm>
-              <a:off x="2105562" y="5991225"/>
+              <a:off x="1841787" y="5991268"/>
               <a:ext cx="63202" cy="63202"/>
             </a:xfrm>
             <a:custGeom>
@@ -6427,7 +6427,7 @@
           </p:nvSpPr>
           <p:spPr>
             <a:xfrm>
-              <a:off x="1665572" y="5885011"/>
+              <a:off x="1867861" y="5885041"/>
               <a:ext cx="63202" cy="63202"/>
             </a:xfrm>
             <a:custGeom>
@@ -6470,7 +6470,7 @@
           </p:nvSpPr>
           <p:spPr>
             <a:xfrm>
-              <a:off x="1608714" y="6061284"/>
+              <a:off x="1805741" y="6061278"/>
               <a:ext cx="63202" cy="63202"/>
             </a:xfrm>
             <a:custGeom>
@@ -6513,7 +6513,7 @@
           </p:nvSpPr>
           <p:spPr>
             <a:xfrm>
-              <a:off x="2077335" y="6607822"/>
+              <a:off x="1700721" y="6607790"/>
               <a:ext cx="63202" cy="63202"/>
             </a:xfrm>
             <a:custGeom>
@@ -6556,7 +6556,7 @@
           </p:nvSpPr>
           <p:spPr>
             <a:xfrm>
-              <a:off x="2255784" y="6052372"/>
+              <a:off x="2129106" y="6052387"/>
               <a:ext cx="63202" cy="63202"/>
             </a:xfrm>
             <a:custGeom>
@@ -6599,7 +6599,7 @@
           </p:nvSpPr>
           <p:spPr>
             <a:xfrm>
-              <a:off x="1706789" y="6268566"/>
+              <a:off x="2281164" y="6268583"/>
               <a:ext cx="63202" cy="63202"/>
             </a:xfrm>
             <a:custGeom>
@@ -6642,7 +6642,7 @@
           </p:nvSpPr>
           <p:spPr>
             <a:xfrm>
-              <a:off x="2250315" y="5679873"/>
+              <a:off x="1901669" y="5679844"/>
               <a:ext cx="63202" cy="63202"/>
             </a:xfrm>
             <a:custGeom>
@@ -6685,7 +6685,7 @@
           </p:nvSpPr>
           <p:spPr>
             <a:xfrm>
-              <a:off x="2297765" y="5849319"/>
+              <a:off x="2032822" y="5849353"/>
               <a:ext cx="63202" cy="63202"/>
             </a:xfrm>
             <a:custGeom>
@@ -6728,7 +6728,7 @@
           </p:nvSpPr>
           <p:spPr>
             <a:xfrm>
-              <a:off x="1791699" y="5968018"/>
+              <a:off x="2011822" y="5967986"/>
               <a:ext cx="63202" cy="63202"/>
             </a:xfrm>
             <a:custGeom>
@@ -6771,7 +6771,7 @@
           </p:nvSpPr>
           <p:spPr>
             <a:xfrm>
-              <a:off x="1898609" y="5862020"/>
+              <a:off x="2206816" y="5861979"/>
               <a:ext cx="63202" cy="63202"/>
             </a:xfrm>
             <a:custGeom>
@@ -6814,7 +6814,7 @@
           </p:nvSpPr>
           <p:spPr>
             <a:xfrm>
-              <a:off x="1709147" y="5625093"/>
+              <a:off x="1653783" y="5625117"/>
               <a:ext cx="63202" cy="63202"/>
             </a:xfrm>
             <a:custGeom>
@@ -6857,7 +6857,7 @@
           </p:nvSpPr>
           <p:spPr>
             <a:xfrm>
-              <a:off x="1650258" y="6409995"/>
+              <a:off x="1965382" y="6410025"/>
               <a:ext cx="63202" cy="63202"/>
             </a:xfrm>
             <a:custGeom>
@@ -6900,7 +6900,7 @@
           </p:nvSpPr>
           <p:spPr>
             <a:xfrm>
-              <a:off x="1762770" y="5911744"/>
+              <a:off x="2104009" y="5911716"/>
               <a:ext cx="63202" cy="63202"/>
             </a:xfrm>
             <a:custGeom>
@@ -6943,7 +6943,7 @@
           </p:nvSpPr>
           <p:spPr>
             <a:xfrm>
-              <a:off x="2196267" y="5968222"/>
+              <a:off x="2167455" y="5968212"/>
               <a:ext cx="63202" cy="63202"/>
             </a:xfrm>
             <a:custGeom>
@@ -6986,7 +6986,7 @@
           </p:nvSpPr>
           <p:spPr>
             <a:xfrm>
-              <a:off x="1628272" y="5611655"/>
+              <a:off x="1648786" y="5611609"/>
               <a:ext cx="63202" cy="63202"/>
             </a:xfrm>
             <a:custGeom>
@@ -7029,7 +7029,7 @@
           </p:nvSpPr>
           <p:spPr>
             <a:xfrm>
-              <a:off x="2180602" y="6256961"/>
+              <a:off x="2147900" y="6256985"/>
               <a:ext cx="63202" cy="63202"/>
             </a:xfrm>
             <a:custGeom>
@@ -7072,7 +7072,7 @@
           </p:nvSpPr>
           <p:spPr>
             <a:xfrm>
-              <a:off x="1679863" y="5861634"/>
+              <a:off x="1980607" y="5861642"/>
               <a:ext cx="63202" cy="63202"/>
             </a:xfrm>
             <a:custGeom>
@@ -7115,7 +7115,7 @@
           </p:nvSpPr>
           <p:spPr>
             <a:xfrm>
-              <a:off x="2654071" y="6641450"/>
+              <a:off x="2975145" y="6641391"/>
               <a:ext cx="63202" cy="63202"/>
             </a:xfrm>
             <a:custGeom>
@@ -7158,7 +7158,7 @@
           </p:nvSpPr>
           <p:spPr>
             <a:xfrm>
-              <a:off x="2165197" y="5681540"/>
+              <a:off x="1935379" y="5681542"/>
               <a:ext cx="63202" cy="63202"/>
             </a:xfrm>
             <a:custGeom>
@@ -7201,7 +7201,7 @@
           </p:nvSpPr>
           <p:spPr>
             <a:xfrm>
-              <a:off x="2189776" y="5942801"/>
+              <a:off x="1947028" y="5942832"/>
               <a:ext cx="63202" cy="63202"/>
             </a:xfrm>
             <a:custGeom>
@@ -7244,7 +7244,7 @@
           </p:nvSpPr>
           <p:spPr>
             <a:xfrm>
-              <a:off x="1605989" y="5712067"/>
+              <a:off x="1660206" y="5712055"/>
               <a:ext cx="63202" cy="63202"/>
             </a:xfrm>
             <a:custGeom>
@@ -7287,7 +7287,7 @@
           </p:nvSpPr>
           <p:spPr>
             <a:xfrm>
-              <a:off x="1841609" y="5849321"/>
+              <a:off x="1982223" y="5849364"/>
               <a:ext cx="63202" cy="63202"/>
             </a:xfrm>
             <a:custGeom>
@@ -7330,7 +7330,7 @@
           </p:nvSpPr>
           <p:spPr>
             <a:xfrm>
-              <a:off x="3168704" y="6672732"/>
+              <a:off x="2678986" y="6672734"/>
               <a:ext cx="63202" cy="63202"/>
             </a:xfrm>
             <a:custGeom>
@@ -7373,7 +7373,7 @@
           </p:nvSpPr>
           <p:spPr>
             <a:xfrm>
-              <a:off x="1677853" y="5619463"/>
+              <a:off x="1655503" y="5619474"/>
               <a:ext cx="63202" cy="63202"/>
             </a:xfrm>
             <a:custGeom>
@@ -7416,7 +7416,7 @@
           </p:nvSpPr>
           <p:spPr>
             <a:xfrm>
-              <a:off x="1834325" y="5618862"/>
+              <a:off x="2164918" y="5618920"/>
               <a:ext cx="63202" cy="63202"/>
             </a:xfrm>
             <a:custGeom>
@@ -7459,7 +7459,7 @@
           </p:nvSpPr>
           <p:spPr>
             <a:xfrm>
-              <a:off x="1623421" y="5620810"/>
+              <a:off x="1855487" y="5620807"/>
               <a:ext cx="63202" cy="63202"/>
             </a:xfrm>
             <a:custGeom>
@@ -7502,7 +7502,7 @@
           </p:nvSpPr>
           <p:spPr>
             <a:xfrm>
-              <a:off x="1903608" y="5620124"/>
+              <a:off x="2220457" y="5620133"/>
               <a:ext cx="63202" cy="63202"/>
             </a:xfrm>
             <a:custGeom>
@@ -7545,7 +7545,7 @@
           </p:nvSpPr>
           <p:spPr>
             <a:xfrm>
-              <a:off x="2155914" y="5617658"/>
+              <a:off x="1699911" y="5617661"/>
               <a:ext cx="63202" cy="63202"/>
             </a:xfrm>
             <a:custGeom>
@@ -7588,7 +7588,7 @@
           </p:nvSpPr>
           <p:spPr>
             <a:xfrm>
-              <a:off x="1825434" y="6071728"/>
+              <a:off x="2115688" y="6071757"/>
               <a:ext cx="63202" cy="63202"/>
             </a:xfrm>
             <a:custGeom>
@@ -7631,7 +7631,7 @@
           </p:nvSpPr>
           <p:spPr>
             <a:xfrm>
-              <a:off x="2275876" y="5790437"/>
+              <a:off x="2000911" y="5790435"/>
               <a:ext cx="63202" cy="63202"/>
             </a:xfrm>
             <a:custGeom>
@@ -7674,7 +7674,7 @@
           </p:nvSpPr>
           <p:spPr>
             <a:xfrm>
-              <a:off x="2272883" y="6568092"/>
+              <a:off x="1731583" y="6568075"/>
               <a:ext cx="63202" cy="63202"/>
             </a:xfrm>
             <a:custGeom>
@@ -7717,7 +7717,7 @@
           </p:nvSpPr>
           <p:spPr>
             <a:xfrm>
-              <a:off x="3139926" y="6672777"/>
+              <a:off x="2623223" y="6672750"/>
               <a:ext cx="63202" cy="63202"/>
             </a:xfrm>
             <a:custGeom>
@@ -7760,7 +7760,7 @@
           </p:nvSpPr>
           <p:spPr>
             <a:xfrm>
-              <a:off x="1660145" y="5626529"/>
+              <a:off x="1741040" y="5626542"/>
               <a:ext cx="63202" cy="63202"/>
             </a:xfrm>
             <a:custGeom>
@@ -7803,7 +7803,7 @@
           </p:nvSpPr>
           <p:spPr>
             <a:xfrm>
-              <a:off x="2123147" y="5668044"/>
+              <a:off x="2088839" y="5668072"/>
               <a:ext cx="63202" cy="63202"/>
             </a:xfrm>
             <a:custGeom>
@@ -7846,7 +7846,7 @@
           </p:nvSpPr>
           <p:spPr>
             <a:xfrm>
-              <a:off x="1930429" y="6370078"/>
+              <a:off x="2006420" y="6370106"/>
               <a:ext cx="63202" cy="63202"/>
             </a:xfrm>
             <a:custGeom>
@@ -7889,7 +7889,7 @@
           </p:nvSpPr>
           <p:spPr>
             <a:xfrm>
-              <a:off x="2003492" y="5692170"/>
+              <a:off x="1701604" y="5692173"/>
               <a:ext cx="63202" cy="63202"/>
             </a:xfrm>
             <a:custGeom>
@@ -7932,7 +7932,7 @@
           </p:nvSpPr>
           <p:spPr>
             <a:xfrm>
-              <a:off x="1637411" y="5840247"/>
+              <a:off x="1745320" y="5840257"/>
               <a:ext cx="63202" cy="63202"/>
             </a:xfrm>
             <a:custGeom>
@@ -7975,7 +7975,7 @@
           </p:nvSpPr>
           <p:spPr>
             <a:xfrm>
-              <a:off x="2162530" y="6342260"/>
+              <a:off x="1894842" y="6342246"/>
               <a:ext cx="63202" cy="63202"/>
             </a:xfrm>
             <a:custGeom>
@@ -8018,7 +8018,7 @@
           </p:nvSpPr>
           <p:spPr>
             <a:xfrm>
-              <a:off x="1823707" y="6386316"/>
+              <a:off x="1867150" y="6386371"/>
               <a:ext cx="63202" cy="63202"/>
             </a:xfrm>
             <a:custGeom>
@@ -8061,7 +8061,7 @@
           </p:nvSpPr>
           <p:spPr>
             <a:xfrm>
-              <a:off x="2875346" y="6729981"/>
+              <a:off x="2499410" y="6729950"/>
               <a:ext cx="63202" cy="63202"/>
             </a:xfrm>
             <a:custGeom>
@@ -8104,7 +8104,7 @@
           </p:nvSpPr>
           <p:spPr>
             <a:xfrm>
-              <a:off x="2187077" y="5610033"/>
+              <a:off x="1769167" y="5610025"/>
               <a:ext cx="63202" cy="63202"/>
             </a:xfrm>
             <a:custGeom>
@@ -8147,7 +8147,7 @@
           </p:nvSpPr>
           <p:spPr>
             <a:xfrm>
-              <a:off x="2039795" y="5613401"/>
+              <a:off x="1803919" y="5613436"/>
               <a:ext cx="63202" cy="63202"/>
             </a:xfrm>
             <a:custGeom>
@@ -8190,7 +8190,7 @@
           </p:nvSpPr>
           <p:spPr>
             <a:xfrm>
-              <a:off x="1703538" y="5611241"/>
+              <a:off x="1835782" y="5611274"/>
               <a:ext cx="63202" cy="63202"/>
             </a:xfrm>
             <a:custGeom>
@@ -8233,7 +8233,7 @@
           </p:nvSpPr>
           <p:spPr>
             <a:xfrm>
-              <a:off x="1733501" y="5713263"/>
+              <a:off x="2196651" y="5713315"/>
               <a:ext cx="63202" cy="63202"/>
             </a:xfrm>
             <a:custGeom>
@@ -8276,7 +8276,7 @@
           </p:nvSpPr>
           <p:spPr>
             <a:xfrm>
-              <a:off x="1690325" y="6042748"/>
+              <a:off x="2091420" y="6042750"/>
               <a:ext cx="63202" cy="63202"/>
             </a:xfrm>
             <a:custGeom>
@@ -8319,7 +8319,7 @@
           </p:nvSpPr>
           <p:spPr>
             <a:xfrm>
-              <a:off x="2093213" y="5610377"/>
+              <a:off x="2075749" y="5610371"/>
               <a:ext cx="63202" cy="63202"/>
             </a:xfrm>
             <a:custGeom>
@@ -8362,7 +8362,7 @@
           </p:nvSpPr>
           <p:spPr>
             <a:xfrm>
-              <a:off x="1721457" y="6074946"/>
+              <a:off x="1651097" y="6074956"/>
               <a:ext cx="63202" cy="63202"/>
             </a:xfrm>
             <a:custGeom>
@@ -8405,7 +8405,7 @@
           </p:nvSpPr>
           <p:spPr>
             <a:xfrm>
-              <a:off x="2254824" y="6057016"/>
+              <a:off x="1981922" y="6057013"/>
               <a:ext cx="63202" cy="63202"/>
             </a:xfrm>
             <a:custGeom>
@@ -8448,7 +8448,7 @@
           </p:nvSpPr>
           <p:spPr>
             <a:xfrm>
-              <a:off x="1844739" y="5610902"/>
+              <a:off x="1617920" y="5610886"/>
               <a:ext cx="63202" cy="63202"/>
             </a:xfrm>
             <a:custGeom>
@@ -8491,7 +8491,7 @@
           </p:nvSpPr>
           <p:spPr>
             <a:xfrm>
-              <a:off x="2132543" y="5614606"/>
+              <a:off x="2019659" y="5614601"/>
               <a:ext cx="63202" cy="63202"/>
             </a:xfrm>
             <a:custGeom>
@@ -8534,7 +8534,7 @@
           </p:nvSpPr>
           <p:spPr>
             <a:xfrm>
-              <a:off x="2159089" y="5610967"/>
+              <a:off x="2158853" y="5610944"/>
               <a:ext cx="63202" cy="63202"/>
             </a:xfrm>
             <a:custGeom>
@@ -8577,7 +8577,7 @@
           </p:nvSpPr>
           <p:spPr>
             <a:xfrm>
-              <a:off x="1638595" y="6228286"/>
+              <a:off x="2215801" y="6228314"/>
               <a:ext cx="63202" cy="63202"/>
             </a:xfrm>
             <a:custGeom>
@@ -8620,7 +8620,7 @@
           </p:nvSpPr>
           <p:spPr>
             <a:xfrm>
-              <a:off x="2017020" y="5847901"/>
+              <a:off x="2122834" y="5847884"/>
               <a:ext cx="63202" cy="63202"/>
             </a:xfrm>
             <a:custGeom>
@@ -8663,7 +8663,7 @@
           </p:nvSpPr>
           <p:spPr>
             <a:xfrm>
-              <a:off x="1615657" y="5876752"/>
+              <a:off x="2074886" y="5876730"/>
               <a:ext cx="63202" cy="63202"/>
             </a:xfrm>
             <a:custGeom>
@@ -8706,7 +8706,7 @@
           </p:nvSpPr>
           <p:spPr>
             <a:xfrm>
-              <a:off x="1802431" y="6612413"/>
+              <a:off x="1739204" y="6612423"/>
               <a:ext cx="63202" cy="63202"/>
             </a:xfrm>
             <a:custGeom>
@@ -8749,7 +8749,7 @@
           </p:nvSpPr>
           <p:spPr>
             <a:xfrm>
-              <a:off x="2093604" y="5605124"/>
+              <a:off x="1684940" y="5605106"/>
               <a:ext cx="63202" cy="63202"/>
             </a:xfrm>
             <a:custGeom>
@@ -8792,7 +8792,7 @@
           </p:nvSpPr>
           <p:spPr>
             <a:xfrm>
-              <a:off x="1910631" y="5603754"/>
+              <a:off x="1713713" y="5603753"/>
               <a:ext cx="63202" cy="63202"/>
             </a:xfrm>
             <a:custGeom>
@@ -8835,7 +8835,7 @@
           </p:nvSpPr>
           <p:spPr>
             <a:xfrm>
-              <a:off x="2066817" y="6110936"/>
+              <a:off x="2240312" y="6110959"/>
               <a:ext cx="63202" cy="63202"/>
             </a:xfrm>
             <a:custGeom>
@@ -8878,7 +8878,7 @@
           </p:nvSpPr>
           <p:spPr>
             <a:xfrm>
-              <a:off x="2294867" y="6009373"/>
+              <a:off x="2196748" y="6009381"/>
               <a:ext cx="63202" cy="63202"/>
             </a:xfrm>
             <a:custGeom>
@@ -8921,7 +8921,7 @@
           </p:nvSpPr>
           <p:spPr>
             <a:xfrm>
-              <a:off x="2117658" y="6077731"/>
+              <a:off x="1808529" y="6077723"/>
               <a:ext cx="63202" cy="63202"/>
             </a:xfrm>
             <a:custGeom>
@@ -8964,7 +8964,7 @@
           </p:nvSpPr>
           <p:spPr>
             <a:xfrm>
-              <a:off x="2000617" y="5872535"/>
+              <a:off x="1820843" y="5872548"/>
               <a:ext cx="63202" cy="63202"/>
             </a:xfrm>
             <a:custGeom>
@@ -9007,7 +9007,7 @@
           </p:nvSpPr>
           <p:spPr>
             <a:xfrm>
-              <a:off x="1692321" y="5859073"/>
+              <a:off x="2086343" y="5859049"/>
               <a:ext cx="63202" cy="63202"/>
             </a:xfrm>
             <a:custGeom>
@@ -9050,7 +9050,7 @@
           </p:nvSpPr>
           <p:spPr>
             <a:xfrm>
-              <a:off x="2054258" y="5839405"/>
+              <a:off x="1919288" y="5839397"/>
               <a:ext cx="63202" cy="63202"/>
             </a:xfrm>
             <a:custGeom>
@@ -9093,7 +9093,7 @@
           </p:nvSpPr>
           <p:spPr>
             <a:xfrm>
-              <a:off x="2018345" y="5844836"/>
+              <a:off x="1927714" y="5844812"/>
               <a:ext cx="63202" cy="63202"/>
             </a:xfrm>
             <a:custGeom>
@@ -9136,7 +9136,7 @@
           </p:nvSpPr>
           <p:spPr>
             <a:xfrm>
-              <a:off x="1891276" y="5846673"/>
+              <a:off x="2172164" y="5846707"/>
               <a:ext cx="63202" cy="63202"/>
             </a:xfrm>
             <a:custGeom>
@@ -9179,7 +9179,7 @@
           </p:nvSpPr>
           <p:spPr>
             <a:xfrm>
-              <a:off x="1816724" y="5831032"/>
+              <a:off x="2210472" y="5831007"/>
               <a:ext cx="63202" cy="63202"/>
             </a:xfrm>
             <a:custGeom>
@@ -9222,7 +9222,7 @@
           </p:nvSpPr>
           <p:spPr>
             <a:xfrm>
-              <a:off x="1611088" y="5782978"/>
+              <a:off x="2291388" y="5782933"/>
               <a:ext cx="63202" cy="63202"/>
             </a:xfrm>
             <a:custGeom>
@@ -9265,7 +9265,7 @@
           </p:nvSpPr>
           <p:spPr>
             <a:xfrm>
-              <a:off x="1858844" y="5872548"/>
+              <a:off x="1741092" y="5872551"/>
               <a:ext cx="63202" cy="63202"/>
             </a:xfrm>
             <a:custGeom>
@@ -9308,7 +9308,7 @@
           </p:nvSpPr>
           <p:spPr>
             <a:xfrm>
-              <a:off x="2011154" y="6325663"/>
+              <a:off x="2181581" y="6325604"/>
               <a:ext cx="63202" cy="63202"/>
             </a:xfrm>
             <a:custGeom>
@@ -9351,7 +9351,7 @@
           </p:nvSpPr>
           <p:spPr>
             <a:xfrm>
-              <a:off x="2111575" y="6516321"/>
+              <a:off x="1726137" y="6516299"/>
               <a:ext cx="63202" cy="63202"/>
             </a:xfrm>
             <a:custGeom>
@@ -9394,7 +9394,7 @@
           </p:nvSpPr>
           <p:spPr>
             <a:xfrm>
-              <a:off x="2005972" y="6328021"/>
+              <a:off x="1916859" y="6327963"/>
               <a:ext cx="63202" cy="63202"/>
             </a:xfrm>
             <a:custGeom>
@@ -9437,7 +9437,7 @@
           </p:nvSpPr>
           <p:spPr>
             <a:xfrm>
-              <a:off x="1931773" y="6367760"/>
+              <a:off x="2077970" y="6367741"/>
               <a:ext cx="63202" cy="63202"/>
             </a:xfrm>
             <a:custGeom>
@@ -9480,7 +9480,7 @@
           </p:nvSpPr>
           <p:spPr>
             <a:xfrm>
-              <a:off x="1972272" y="6529744"/>
+              <a:off x="2075020" y="6529741"/>
               <a:ext cx="63202" cy="63202"/>
             </a:xfrm>
             <a:custGeom>
@@ -9523,7 +9523,7 @@
           </p:nvSpPr>
           <p:spPr>
             <a:xfrm>
-              <a:off x="1729211" y="5599648"/>
+              <a:off x="1936204" y="5599593"/>
               <a:ext cx="63202" cy="63202"/>
             </a:xfrm>
             <a:custGeom>
@@ -9566,7 +9566,7 @@
           </p:nvSpPr>
           <p:spPr>
             <a:xfrm>
-              <a:off x="1908042" y="6376886"/>
+              <a:off x="2161316" y="6376872"/>
               <a:ext cx="63202" cy="63202"/>
             </a:xfrm>
             <a:custGeom>
@@ -9609,7 +9609,7 @@
           </p:nvSpPr>
           <p:spPr>
             <a:xfrm>
-              <a:off x="2246401" y="5940805"/>
+              <a:off x="1690932" y="5940791"/>
               <a:ext cx="63202" cy="63202"/>
             </a:xfrm>
             <a:custGeom>
@@ -9652,7 +9652,7 @@
           </p:nvSpPr>
           <p:spPr>
             <a:xfrm>
-              <a:off x="1717417" y="5614937"/>
+              <a:off x="2109421" y="5614895"/>
               <a:ext cx="63202" cy="63202"/>
             </a:xfrm>
             <a:custGeom>
@@ -9695,7 +9695,7 @@
           </p:nvSpPr>
           <p:spPr>
             <a:xfrm>
-              <a:off x="1875187" y="5619528"/>
+              <a:off x="2171072" y="5619528"/>
               <a:ext cx="63202" cy="63202"/>
             </a:xfrm>
             <a:custGeom>
@@ -9738,7 +9738,7 @@
           </p:nvSpPr>
           <p:spPr>
             <a:xfrm>
-              <a:off x="2054060" y="5623402"/>
+              <a:off x="1967745" y="5623387"/>
               <a:ext cx="63202" cy="63202"/>
             </a:xfrm>
             <a:custGeom>
@@ -9781,7 +9781,7 @@
           </p:nvSpPr>
           <p:spPr>
             <a:xfrm>
-              <a:off x="1951588" y="5622116"/>
+              <a:off x="2175832" y="5622083"/>
               <a:ext cx="63202" cy="63202"/>
             </a:xfrm>
             <a:custGeom>
@@ -9824,7 +9824,7 @@
           </p:nvSpPr>
           <p:spPr>
             <a:xfrm>
-              <a:off x="1938176" y="5612776"/>
+              <a:off x="1846254" y="5612747"/>
               <a:ext cx="63202" cy="63202"/>
             </a:xfrm>
             <a:custGeom>
@@ -9867,7 +9867,7 @@
           </p:nvSpPr>
           <p:spPr>
             <a:xfrm>
-              <a:off x="1771603" y="6371105"/>
+              <a:off x="2243513" y="6371139"/>
               <a:ext cx="63202" cy="63202"/>
             </a:xfrm>
             <a:custGeom>
@@ -9910,7 +9910,7 @@
           </p:nvSpPr>
           <p:spPr>
             <a:xfrm>
-              <a:off x="1729160" y="6152737"/>
+              <a:off x="1699289" y="6152763"/>
               <a:ext cx="63202" cy="63202"/>
             </a:xfrm>
             <a:custGeom>
@@ -9953,7 +9953,7 @@
           </p:nvSpPr>
           <p:spPr>
             <a:xfrm>
-              <a:off x="1874147" y="5606260"/>
+              <a:off x="2203492" y="5606267"/>
               <a:ext cx="63202" cy="63202"/>
             </a:xfrm>
             <a:custGeom>
@@ -9996,7 +9996,7 @@
           </p:nvSpPr>
           <p:spPr>
             <a:xfrm>
-              <a:off x="1991471" y="5868133"/>
+              <a:off x="1795447" y="5868101"/>
               <a:ext cx="63202" cy="63202"/>
             </a:xfrm>
             <a:custGeom>
@@ -10095,7 +10095,7 @@
           </p:nvSpPr>
           <p:spPr>
             <a:xfrm>
-              <a:off x="4325757" y="2850773"/>
+              <a:off x="4325757" y="2850779"/>
               <a:ext cx="2796732" cy="0"/>
             </a:xfrm>
             <a:custGeom>
@@ -10138,7 +10138,7 @@
           </p:nvSpPr>
           <p:spPr>
             <a:xfrm>
-              <a:off x="4325757" y="2378734"/>
+              <a:off x="4325757" y="2378736"/>
               <a:ext cx="2796732" cy="0"/>
             </a:xfrm>
             <a:custGeom>
@@ -10181,7 +10181,7 @@
           </p:nvSpPr>
           <p:spPr>
             <a:xfrm>
-              <a:off x="4325757" y="1906695"/>
+              <a:off x="4325757" y="1906693"/>
               <a:ext cx="2796732" cy="0"/>
             </a:xfrm>
             <a:custGeom>
@@ -10224,7 +10224,7 @@
           </p:nvSpPr>
           <p:spPr>
             <a:xfrm>
-              <a:off x="4325757" y="1434656"/>
+              <a:off x="4325757" y="1434650"/>
               <a:ext cx="2796732" cy="0"/>
             </a:xfrm>
             <a:custGeom>
@@ -10267,7 +10267,7 @@
           </p:nvSpPr>
           <p:spPr>
             <a:xfrm>
-              <a:off x="4325757" y="2614753"/>
+              <a:off x="4325757" y="2614757"/>
               <a:ext cx="2796732" cy="0"/>
             </a:xfrm>
             <a:custGeom>
@@ -10310,7 +10310,7 @@
           </p:nvSpPr>
           <p:spPr>
             <a:xfrm>
-              <a:off x="4325757" y="2142714"/>
+              <a:off x="4325757" y="2142715"/>
               <a:ext cx="2796732" cy="0"/>
             </a:xfrm>
             <a:custGeom>
@@ -10353,7 +10353,7 @@
           </p:nvSpPr>
           <p:spPr>
             <a:xfrm>
-              <a:off x="4325757" y="1670675"/>
+              <a:off x="4325757" y="1670672"/>
               <a:ext cx="2796732" cy="0"/>
             </a:xfrm>
             <a:custGeom>
@@ -10525,7 +10525,7 @@
           </p:nvSpPr>
           <p:spPr>
             <a:xfrm>
-              <a:off x="4509490" y="2111015"/>
+              <a:off x="4915933" y="2111000"/>
               <a:ext cx="63202" cy="63202"/>
             </a:xfrm>
             <a:custGeom>
@@ -10568,7 +10568,7 @@
           </p:nvSpPr>
           <p:spPr>
             <a:xfrm>
-              <a:off x="5135286" y="1890181"/>
+              <a:off x="5027802" y="1890212"/>
               <a:ext cx="63202" cy="63202"/>
             </a:xfrm>
             <a:custGeom>
@@ -10611,7 +10611,7 @@
           </p:nvSpPr>
           <p:spPr>
             <a:xfrm>
-              <a:off x="5079880" y="1811396"/>
+              <a:off x="5149410" y="1811377"/>
               <a:ext cx="63202" cy="63202"/>
             </a:xfrm>
             <a:custGeom>
@@ -10654,7 +10654,7 @@
           </p:nvSpPr>
           <p:spPr>
             <a:xfrm>
-              <a:off x="4683369" y="1904390"/>
+              <a:off x="5098797" y="1904376"/>
               <a:ext cx="63202" cy="63202"/>
             </a:xfrm>
             <a:custGeom>
@@ -10697,7 +10697,7 @@
           </p:nvSpPr>
           <p:spPr>
             <a:xfrm>
-              <a:off x="4550908" y="1947989"/>
+              <a:off x="5013322" y="1947984"/>
               <a:ext cx="63202" cy="63202"/>
             </a:xfrm>
             <a:custGeom>
@@ -10740,7 +10740,7 @@
           </p:nvSpPr>
           <p:spPr>
             <a:xfrm>
-              <a:off x="5013387" y="2355363"/>
+              <a:off x="4960559" y="2355356"/>
               <a:ext cx="63202" cy="63202"/>
             </a:xfrm>
             <a:custGeom>
@@ -10783,7 +10783,7 @@
           </p:nvSpPr>
           <p:spPr>
             <a:xfrm>
-              <a:off x="4575510" y="1851807"/>
+              <a:off x="4902525" y="1851786"/>
               <a:ext cx="63202" cy="63202"/>
             </a:xfrm>
             <a:custGeom>
@@ -10826,7 +10826,7 @@
           </p:nvSpPr>
           <p:spPr>
             <a:xfrm>
-              <a:off x="4602778" y="1908705"/>
+              <a:off x="4883929" y="1908732"/>
               <a:ext cx="63202" cy="63202"/>
             </a:xfrm>
             <a:custGeom>
@@ -10869,7 +10869,7 @@
           </p:nvSpPr>
           <p:spPr>
             <a:xfrm>
-              <a:off x="5090320" y="1855107"/>
+              <a:off x="4907115" y="1855085"/>
               <a:ext cx="63202" cy="63202"/>
             </a:xfrm>
             <a:custGeom>
@@ -10912,7 +10912,7 @@
           </p:nvSpPr>
           <p:spPr>
             <a:xfrm>
-              <a:off x="5031929" y="1885491"/>
+              <a:off x="4552732" y="1885500"/>
               <a:ext cx="63202" cy="63202"/>
             </a:xfrm>
             <a:custGeom>
@@ -10955,7 +10955,7 @@
           </p:nvSpPr>
           <p:spPr>
             <a:xfrm>
-              <a:off x="4907883" y="2846555"/>
+              <a:off x="4683528" y="2846566"/>
               <a:ext cx="63202" cy="63202"/>
             </a:xfrm>
             <a:custGeom>
@@ -10998,7 +10998,7 @@
           </p:nvSpPr>
           <p:spPr>
             <a:xfrm>
-              <a:off x="5108557" y="1868283"/>
+              <a:off x="5032936" y="1868273"/>
               <a:ext cx="63202" cy="63202"/>
             </a:xfrm>
             <a:custGeom>
@@ -11041,7 +11041,7 @@
           </p:nvSpPr>
           <p:spPr>
             <a:xfrm>
-              <a:off x="4598754" y="1882261"/>
+              <a:off x="4868804" y="1882259"/>
               <a:ext cx="63202" cy="63202"/>
             </a:xfrm>
             <a:custGeom>
@@ -11084,7 +11084,7 @@
           </p:nvSpPr>
           <p:spPr>
             <a:xfrm>
-              <a:off x="5023117" y="1909077"/>
+              <a:off x="5017052" y="1909104"/>
               <a:ext cx="63202" cy="63202"/>
             </a:xfrm>
             <a:custGeom>
@@ -11127,7 +11127,7 @@
           </p:nvSpPr>
           <p:spPr>
             <a:xfrm>
-              <a:off x="4585432" y="2226064"/>
+              <a:off x="4774607" y="2226069"/>
               <a:ext cx="63202" cy="63202"/>
             </a:xfrm>
             <a:custGeom>
@@ -11170,7 +11170,7 @@
           </p:nvSpPr>
           <p:spPr>
             <a:xfrm>
-              <a:off x="4530375" y="1918431"/>
+              <a:off x="4928534" y="1918444"/>
               <a:ext cx="63202" cy="63202"/>
             </a:xfrm>
             <a:custGeom>
@@ -11213,7 +11213,7 @@
           </p:nvSpPr>
           <p:spPr>
             <a:xfrm>
-              <a:off x="4837277" y="2357053"/>
+              <a:off x="5031600" y="2357081"/>
               <a:ext cx="63202" cy="63202"/>
             </a:xfrm>
             <a:custGeom>
@@ -11256,7 +11256,7 @@
           </p:nvSpPr>
           <p:spPr>
             <a:xfrm>
-              <a:off x="4648105" y="1833921"/>
+              <a:off x="4592512" y="1833960"/>
               <a:ext cx="63202" cy="63202"/>
             </a:xfrm>
             <a:custGeom>
@@ -11299,7 +11299,7 @@
           </p:nvSpPr>
           <p:spPr>
             <a:xfrm>
-              <a:off x="4840937" y="1875908"/>
+              <a:off x="4774337" y="1875944"/>
               <a:ext cx="63202" cy="63202"/>
             </a:xfrm>
             <a:custGeom>
@@ -11342,7 +11342,7 @@
           </p:nvSpPr>
           <p:spPr>
             <a:xfrm>
-              <a:off x="4902124" y="1981429"/>
+              <a:off x="4901757" y="1981400"/>
               <a:ext cx="63202" cy="63202"/>
             </a:xfrm>
             <a:custGeom>
@@ -11385,7 +11385,7 @@
           </p:nvSpPr>
           <p:spPr>
             <a:xfrm>
-              <a:off x="4731781" y="1914525"/>
+              <a:off x="4627882" y="1914577"/>
               <a:ext cx="63202" cy="63202"/>
             </a:xfrm>
             <a:custGeom>
@@ -11428,7 +11428,7 @@
           </p:nvSpPr>
           <p:spPr>
             <a:xfrm>
-              <a:off x="4470150" y="1943560"/>
+              <a:off x="4750527" y="1943563"/>
               <a:ext cx="63202" cy="63202"/>
             </a:xfrm>
             <a:custGeom>
@@ -11471,7 +11471,7 @@
           </p:nvSpPr>
           <p:spPr>
             <a:xfrm>
-              <a:off x="4483428" y="2538507"/>
+              <a:off x="5121904" y="2538513"/>
               <a:ext cx="63202" cy="63202"/>
             </a:xfrm>
             <a:custGeom>
@@ -11514,7 +11514,7 @@
           </p:nvSpPr>
           <p:spPr>
             <a:xfrm>
-              <a:off x="4679601" y="2199087"/>
+              <a:off x="5067007" y="2199119"/>
               <a:ext cx="63202" cy="63202"/>
             </a:xfrm>
             <a:custGeom>
@@ -11557,7 +11557,7 @@
           </p:nvSpPr>
           <p:spPr>
             <a:xfrm>
-              <a:off x="4538705" y="2000111"/>
+              <a:off x="4968231" y="2000076"/>
               <a:ext cx="63202" cy="63202"/>
             </a:xfrm>
             <a:custGeom>
@@ -11600,7 +11600,7 @@
           </p:nvSpPr>
           <p:spPr>
             <a:xfrm>
-              <a:off x="5149324" y="1882478"/>
+              <a:off x="4733090" y="1882479"/>
               <a:ext cx="63202" cy="63202"/>
             </a:xfrm>
             <a:custGeom>
@@ -11643,7 +11643,7 @@
           </p:nvSpPr>
           <p:spPr>
             <a:xfrm>
-              <a:off x="4656558" y="2620792"/>
+              <a:off x="4493322" y="2620825"/>
               <a:ext cx="63202" cy="63202"/>
             </a:xfrm>
             <a:custGeom>
@@ -11686,7 +11686,7 @@
           </p:nvSpPr>
           <p:spPr>
             <a:xfrm>
-              <a:off x="5161847" y="1900388"/>
+              <a:off x="5088406" y="1900377"/>
               <a:ext cx="63202" cy="63202"/>
             </a:xfrm>
             <a:custGeom>
@@ -11729,7 +11729,7 @@
           </p:nvSpPr>
           <p:spPr>
             <a:xfrm>
-              <a:off x="4877434" y="1933024"/>
+              <a:off x="4839114" y="1933031"/>
               <a:ext cx="63202" cy="63202"/>
             </a:xfrm>
             <a:custGeom>
@@ -11772,7 +11772,7 @@
           </p:nvSpPr>
           <p:spPr>
             <a:xfrm>
-              <a:off x="4860206" y="1816346"/>
+              <a:off x="5091850" y="1816345"/>
               <a:ext cx="63202" cy="63202"/>
             </a:xfrm>
             <a:custGeom>
@@ -11815,7 +11815,7 @@
           </p:nvSpPr>
           <p:spPr>
             <a:xfrm>
-              <a:off x="5094085" y="1919157"/>
+              <a:off x="4502426" y="1919199"/>
               <a:ext cx="63202" cy="63202"/>
             </a:xfrm>
             <a:custGeom>
@@ -11858,7 +11858,7 @@
           </p:nvSpPr>
           <p:spPr>
             <a:xfrm>
-              <a:off x="4919734" y="1835662"/>
+              <a:off x="5078465" y="1835653"/>
               <a:ext cx="63202" cy="63202"/>
             </a:xfrm>
             <a:custGeom>
@@ -11901,7 +11901,7 @@
           </p:nvSpPr>
           <p:spPr>
             <a:xfrm>
-              <a:off x="4755670" y="1940299"/>
+              <a:off x="4563829" y="1940295"/>
               <a:ext cx="63202" cy="63202"/>
             </a:xfrm>
             <a:custGeom>
@@ -11944,7 +11944,7 @@
           </p:nvSpPr>
           <p:spPr>
             <a:xfrm>
-              <a:off x="4752948" y="1995480"/>
+              <a:off x="4959385" y="1995496"/>
               <a:ext cx="63202" cy="63202"/>
             </a:xfrm>
             <a:custGeom>
@@ -11987,7 +11987,7 @@
           </p:nvSpPr>
           <p:spPr>
             <a:xfrm>
-              <a:off x="4541323" y="1894424"/>
+              <a:off x="4687790" y="1894438"/>
               <a:ext cx="63202" cy="63202"/>
             </a:xfrm>
             <a:custGeom>
@@ -12030,7 +12030,7 @@
           </p:nvSpPr>
           <p:spPr>
             <a:xfrm>
-              <a:off x="4934703" y="1882285"/>
+              <a:off x="4753345" y="1882292"/>
               <a:ext cx="63202" cy="63202"/>
             </a:xfrm>
             <a:custGeom>
@@ -12073,7 +12073,7 @@
           </p:nvSpPr>
           <p:spPr>
             <a:xfrm>
-              <a:off x="4909505" y="1908805"/>
+              <a:off x="4489355" y="1908826"/>
               <a:ext cx="63202" cy="63202"/>
             </a:xfrm>
             <a:custGeom>
@@ -12116,7 +12116,7 @@
           </p:nvSpPr>
           <p:spPr>
             <a:xfrm>
-              <a:off x="4471607" y="1987627"/>
+              <a:off x="4786253" y="1987603"/>
               <a:ext cx="63202" cy="63202"/>
             </a:xfrm>
             <a:custGeom>
@@ -12159,7 +12159,7 @@
           </p:nvSpPr>
           <p:spPr>
             <a:xfrm>
-              <a:off x="4721277" y="1899921"/>
+              <a:off x="5166772" y="1899922"/>
               <a:ext cx="63202" cy="63202"/>
             </a:xfrm>
             <a:custGeom>
@@ -12202,7 +12202,7 @@
           </p:nvSpPr>
           <p:spPr>
             <a:xfrm>
-              <a:off x="4636956" y="2010156"/>
+              <a:off x="5134686" y="2010160"/>
               <a:ext cx="63202" cy="63202"/>
             </a:xfrm>
             <a:custGeom>
@@ -12245,7 +12245,7 @@
           </p:nvSpPr>
           <p:spPr>
             <a:xfrm>
-              <a:off x="4810834" y="1952014"/>
+              <a:off x="4524523" y="1952048"/>
               <a:ext cx="63202" cy="63202"/>
             </a:xfrm>
             <a:custGeom>
@@ -12288,7 +12288,7 @@
           </p:nvSpPr>
           <p:spPr>
             <a:xfrm>
-              <a:off x="5072574" y="2742065"/>
+              <a:off x="5000371" y="2742017"/>
               <a:ext cx="63202" cy="63202"/>
             </a:xfrm>
             <a:custGeom>
@@ -12331,7 +12331,7 @@
           </p:nvSpPr>
           <p:spPr>
             <a:xfrm>
-              <a:off x="4680200" y="1916974"/>
+              <a:off x="4652037" y="1916988"/>
               <a:ext cx="63202" cy="63202"/>
             </a:xfrm>
             <a:custGeom>
@@ -12374,7 +12374,7 @@
           </p:nvSpPr>
           <p:spPr>
             <a:xfrm>
-              <a:off x="4984060" y="2136618"/>
+              <a:off x="4948761" y="2136616"/>
               <a:ext cx="63202" cy="63202"/>
             </a:xfrm>
             <a:custGeom>
@@ -12417,7 +12417,7 @@
           </p:nvSpPr>
           <p:spPr>
             <a:xfrm>
-              <a:off x="5062669" y="1877388"/>
+              <a:off x="5102458" y="1877390"/>
               <a:ext cx="63202" cy="63202"/>
             </a:xfrm>
             <a:custGeom>
@@ -12460,7 +12460,7 @@
           </p:nvSpPr>
           <p:spPr>
             <a:xfrm>
-              <a:off x="4870051" y="1899990"/>
+              <a:off x="4740553" y="1899984"/>
               <a:ext cx="63202" cy="63202"/>
             </a:xfrm>
             <a:custGeom>
@@ -12503,7 +12503,7 @@
           </p:nvSpPr>
           <p:spPr>
             <a:xfrm>
-              <a:off x="4897449" y="1843456"/>
+              <a:off x="4596631" y="1843441"/>
               <a:ext cx="63202" cy="63202"/>
             </a:xfrm>
             <a:custGeom>
@@ -12546,7 +12546,7 @@
           </p:nvSpPr>
           <p:spPr>
             <a:xfrm>
-              <a:off x="4571881" y="1889617"/>
+              <a:off x="4986887" y="1889664"/>
               <a:ext cx="63202" cy="63202"/>
             </a:xfrm>
             <a:custGeom>
@@ -12589,7 +12589,7 @@
           </p:nvSpPr>
           <p:spPr>
             <a:xfrm>
-              <a:off x="4722853" y="1913702"/>
+              <a:off x="4494314" y="1913738"/>
               <a:ext cx="63202" cy="63202"/>
             </a:xfrm>
             <a:custGeom>
@@ -12632,7 +12632,7 @@
           </p:nvSpPr>
           <p:spPr>
             <a:xfrm>
-              <a:off x="4518994" y="2279948"/>
+              <a:off x="4966318" y="2279953"/>
               <a:ext cx="63202" cy="63202"/>
             </a:xfrm>
             <a:custGeom>
@@ -12675,7 +12675,7 @@
           </p:nvSpPr>
           <p:spPr>
             <a:xfrm>
-              <a:off x="4485384" y="1917964"/>
+              <a:off x="5084319" y="1917927"/>
               <a:ext cx="63202" cy="63202"/>
             </a:xfrm>
             <a:custGeom>
@@ -12718,7 +12718,7 @@
           </p:nvSpPr>
           <p:spPr>
             <a:xfrm>
-              <a:off x="4908357" y="2088962"/>
+              <a:off x="4823862" y="2088928"/>
               <a:ext cx="63202" cy="63202"/>
             </a:xfrm>
             <a:custGeom>
@@ -12761,7 +12761,7 @@
           </p:nvSpPr>
           <p:spPr>
             <a:xfrm>
-              <a:off x="5825405" y="2773175"/>
+              <a:off x="5347804" y="2773219"/>
               <a:ext cx="63202" cy="63202"/>
             </a:xfrm>
             <a:custGeom>
@@ -12804,7 +12804,7 @@
           </p:nvSpPr>
           <p:spPr>
             <a:xfrm>
-              <a:off x="4796468" y="1808184"/>
+              <a:off x="5133239" y="1808119"/>
               <a:ext cx="63202" cy="63202"/>
             </a:xfrm>
             <a:custGeom>
@@ -12847,7 +12847,7 @@
           </p:nvSpPr>
           <p:spPr>
             <a:xfrm>
-              <a:off x="4825898" y="1849067"/>
+              <a:off x="4656765" y="1848998"/>
               <a:ext cx="63202" cy="63202"/>
             </a:xfrm>
             <a:custGeom>
@@ -12890,7 +12890,7 @@
           </p:nvSpPr>
           <p:spPr>
             <a:xfrm>
-              <a:off x="4710651" y="2417181"/>
+              <a:off x="4923086" y="2417206"/>
               <a:ext cx="63202" cy="63202"/>
             </a:xfrm>
             <a:custGeom>
@@ -12933,7 +12933,7 @@
           </p:nvSpPr>
           <p:spPr>
             <a:xfrm>
-              <a:off x="5091503" y="1933240"/>
+              <a:off x="4613432" y="1933232"/>
               <a:ext cx="63202" cy="63202"/>
             </a:xfrm>
             <a:custGeom>
@@ -12976,7 +12976,7 @@
           </p:nvSpPr>
           <p:spPr>
             <a:xfrm>
-              <a:off x="5000068" y="1852658"/>
+              <a:off x="5134125" y="1852600"/>
               <a:ext cx="63202" cy="63202"/>
             </a:xfrm>
             <a:custGeom>
@@ -13019,7 +13019,7 @@
           </p:nvSpPr>
           <p:spPr>
             <a:xfrm>
-              <a:off x="4827473" y="1917923"/>
+              <a:off x="5083429" y="1917936"/>
               <a:ext cx="63202" cy="63202"/>
             </a:xfrm>
             <a:custGeom>
@@ -13062,7 +13062,7 @@
           </p:nvSpPr>
           <p:spPr>
             <a:xfrm>
-              <a:off x="4768061" y="1954222"/>
+              <a:off x="4875352" y="1954193"/>
               <a:ext cx="63202" cy="63202"/>
             </a:xfrm>
             <a:custGeom>
@@ -13105,7 +13105,7 @@
           </p:nvSpPr>
           <p:spPr>
             <a:xfrm>
-              <a:off x="5015647" y="1926177"/>
+              <a:off x="4957895" y="1926133"/>
               <a:ext cx="63202" cy="63202"/>
             </a:xfrm>
             <a:custGeom>
@@ -13148,7 +13148,7 @@
           </p:nvSpPr>
           <p:spPr>
             <a:xfrm>
-              <a:off x="4485490" y="2037881"/>
+              <a:off x="4745454" y="2037856"/>
               <a:ext cx="63202" cy="63202"/>
             </a:xfrm>
             <a:custGeom>
@@ -13191,7 +13191,7 @@
           </p:nvSpPr>
           <p:spPr>
             <a:xfrm>
-              <a:off x="4619524" y="1889555"/>
+              <a:off x="5017147" y="1889562"/>
               <a:ext cx="63202" cy="63202"/>
             </a:xfrm>
             <a:custGeom>
@@ -13234,7 +13234,7 @@
           </p:nvSpPr>
           <p:spPr>
             <a:xfrm>
-              <a:off x="4997453" y="1898297"/>
+              <a:off x="4794461" y="1898313"/>
               <a:ext cx="63202" cy="63202"/>
             </a:xfrm>
             <a:custGeom>
@@ -13277,7 +13277,7 @@
           </p:nvSpPr>
           <p:spPr>
             <a:xfrm>
-              <a:off x="4620852" y="2128222"/>
+              <a:off x="4676527" y="2128205"/>
               <a:ext cx="63202" cy="63202"/>
             </a:xfrm>
             <a:custGeom>
@@ -13320,7 +13320,7 @@
           </p:nvSpPr>
           <p:spPr>
             <a:xfrm>
-              <a:off x="4967298" y="1974586"/>
+              <a:off x="4486142" y="1974575"/>
               <a:ext cx="63202" cy="63202"/>
             </a:xfrm>
             <a:custGeom>
@@ -13363,7 +13363,7 @@
           </p:nvSpPr>
           <p:spPr>
             <a:xfrm>
-              <a:off x="4849905" y="1875875"/>
+              <a:off x="4479172" y="1875864"/>
               <a:ext cx="63202" cy="63202"/>
             </a:xfrm>
             <a:custGeom>
@@ -13406,7 +13406,7 @@
           </p:nvSpPr>
           <p:spPr>
             <a:xfrm>
-              <a:off x="4872112" y="2071845"/>
+              <a:off x="5105900" y="2071839"/>
               <a:ext cx="63202" cy="63202"/>
             </a:xfrm>
             <a:custGeom>
@@ -13449,7 +13449,7 @@
           </p:nvSpPr>
           <p:spPr>
             <a:xfrm>
-              <a:off x="4489031" y="2082324"/>
+              <a:off x="4617144" y="2082356"/>
               <a:ext cx="63202" cy="63202"/>
             </a:xfrm>
             <a:custGeom>
@@ -13492,7 +13492,7 @@
           </p:nvSpPr>
           <p:spPr>
             <a:xfrm>
-              <a:off x="4780376" y="1972785"/>
+              <a:off x="4895466" y="1972775"/>
               <a:ext cx="63202" cy="63202"/>
             </a:xfrm>
             <a:custGeom>
@@ -13535,7 +13535,7 @@
           </p:nvSpPr>
           <p:spPr>
             <a:xfrm>
-              <a:off x="4694506" y="2051002"/>
+              <a:off x="4844710" y="2051002"/>
               <a:ext cx="63202" cy="63202"/>
             </a:xfrm>
             <a:custGeom>
@@ -13578,7 +13578,7 @@
           </p:nvSpPr>
           <p:spPr>
             <a:xfrm>
-              <a:off x="4846867" y="1937722"/>
+              <a:off x="4914910" y="1937656"/>
               <a:ext cx="63202" cy="63202"/>
             </a:xfrm>
             <a:custGeom>
@@ -13621,7 +13621,7 @@
           </p:nvSpPr>
           <p:spPr>
             <a:xfrm>
-              <a:off x="5013716" y="1883795"/>
+              <a:off x="4839014" y="1883810"/>
               <a:ext cx="63202" cy="63202"/>
             </a:xfrm>
             <a:custGeom>
@@ -13664,7 +13664,7 @@
           </p:nvSpPr>
           <p:spPr>
             <a:xfrm>
-              <a:off x="4527549" y="1809760"/>
+              <a:off x="5002330" y="1809768"/>
               <a:ext cx="63202" cy="63202"/>
             </a:xfrm>
             <a:custGeom>
@@ -13707,7 +13707,7 @@
           </p:nvSpPr>
           <p:spPr>
             <a:xfrm>
-              <a:off x="4842821" y="1812626"/>
+              <a:off x="4974832" y="1812584"/>
               <a:ext cx="63202" cy="63202"/>
             </a:xfrm>
             <a:custGeom>
@@ -13750,7 +13750,7 @@
           </p:nvSpPr>
           <p:spPr>
             <a:xfrm>
-              <a:off x="4783255" y="2329415"/>
+              <a:off x="4574875" y="2329399"/>
               <a:ext cx="63202" cy="63202"/>
             </a:xfrm>
             <a:custGeom>
@@ -13793,7 +13793,7 @@
           </p:nvSpPr>
           <p:spPr>
             <a:xfrm>
-              <a:off x="4924981" y="1859722"/>
+              <a:off x="4747939" y="1859668"/>
               <a:ext cx="63202" cy="63202"/>
             </a:xfrm>
             <a:custGeom>
@@ -13836,7 +13836,7 @@
           </p:nvSpPr>
           <p:spPr>
             <a:xfrm>
-              <a:off x="4567713" y="2564351"/>
+              <a:off x="4900861" y="2564356"/>
               <a:ext cx="63202" cy="63202"/>
             </a:xfrm>
             <a:custGeom>
@@ -13879,7 +13879,7 @@
           </p:nvSpPr>
           <p:spPr>
             <a:xfrm>
-              <a:off x="5116956" y="1809975"/>
+              <a:off x="4735099" y="1809915"/>
               <a:ext cx="63202" cy="63202"/>
             </a:xfrm>
             <a:custGeom>
@@ -13922,7 +13922,7 @@
           </p:nvSpPr>
           <p:spPr>
             <a:xfrm>
-              <a:off x="4502910" y="1867095"/>
+              <a:off x="4814440" y="1867039"/>
               <a:ext cx="63202" cy="63202"/>
             </a:xfrm>
             <a:custGeom>
@@ -13965,7 +13965,7 @@
           </p:nvSpPr>
           <p:spPr>
             <a:xfrm>
-              <a:off x="4944443" y="1882946"/>
+              <a:off x="4654048" y="1882959"/>
               <a:ext cx="63202" cy="63202"/>
             </a:xfrm>
             <a:custGeom>
@@ -14008,7 +14008,7 @@
           </p:nvSpPr>
           <p:spPr>
             <a:xfrm>
-              <a:off x="4998799" y="2037313"/>
+              <a:off x="4675884" y="2037314"/>
               <a:ext cx="63202" cy="63202"/>
             </a:xfrm>
             <a:custGeom>
@@ -14051,7 +14051,7 @@
           </p:nvSpPr>
           <p:spPr>
             <a:xfrm>
-              <a:off x="4742739" y="1793968"/>
+              <a:off x="4558318" y="1793984"/>
               <a:ext cx="63202" cy="63202"/>
             </a:xfrm>
             <a:custGeom>
@@ -14094,7 +14094,7 @@
           </p:nvSpPr>
           <p:spPr>
             <a:xfrm>
-              <a:off x="4506168" y="1900014"/>
+              <a:off x="5121309" y="1900025"/>
               <a:ext cx="63202" cy="63202"/>
             </a:xfrm>
             <a:custGeom>
@@ -14137,7 +14137,7 @@
           </p:nvSpPr>
           <p:spPr>
             <a:xfrm>
-              <a:off x="4878396" y="1878014"/>
+              <a:off x="4808129" y="1878049"/>
               <a:ext cx="63202" cy="63202"/>
             </a:xfrm>
             <a:custGeom>
@@ -14236,7 +14236,7 @@
           </p:nvSpPr>
           <p:spPr>
             <a:xfrm>
-              <a:off x="4325757" y="4776106"/>
+              <a:off x="4325757" y="4776111"/>
               <a:ext cx="2796732" cy="0"/>
             </a:xfrm>
             <a:custGeom>
@@ -14279,7 +14279,7 @@
           </p:nvSpPr>
           <p:spPr>
             <a:xfrm>
-              <a:off x="4325757" y="4304066"/>
+              <a:off x="4325757" y="4304069"/>
               <a:ext cx="2796732" cy="0"/>
             </a:xfrm>
             <a:custGeom>
@@ -14322,7 +14322,7 @@
           </p:nvSpPr>
           <p:spPr>
             <a:xfrm>
-              <a:off x="4325757" y="3832027"/>
+              <a:off x="4325757" y="3832026"/>
               <a:ext cx="2796732" cy="0"/>
             </a:xfrm>
             <a:custGeom>
@@ -14365,7 +14365,7 @@
           </p:nvSpPr>
           <p:spPr>
             <a:xfrm>
-              <a:off x="4325757" y="3359988"/>
+              <a:off x="4325757" y="3359983"/>
               <a:ext cx="2796732" cy="0"/>
             </a:xfrm>
             <a:custGeom>
@@ -14408,7 +14408,7 @@
           </p:nvSpPr>
           <p:spPr>
             <a:xfrm>
-              <a:off x="4325757" y="4540086"/>
+              <a:off x="4325757" y="4540090"/>
               <a:ext cx="2796732" cy="0"/>
             </a:xfrm>
             <a:custGeom>
@@ -14494,7 +14494,7 @@
           </p:nvSpPr>
           <p:spPr>
             <a:xfrm>
-              <a:off x="4325757" y="3596008"/>
+              <a:off x="4325757" y="3596004"/>
               <a:ext cx="2796732" cy="0"/>
             </a:xfrm>
             <a:custGeom>
@@ -14666,7 +14666,7 @@
           </p:nvSpPr>
           <p:spPr>
             <a:xfrm>
-              <a:off x="5497722" y="4763313"/>
+              <a:off x="5873318" y="4763264"/>
               <a:ext cx="63202" cy="63202"/>
             </a:xfrm>
             <a:custGeom>
@@ -14709,7 +14709,7 @@
           </p:nvSpPr>
           <p:spPr>
             <a:xfrm>
-              <a:off x="4703534" y="4588827"/>
+              <a:off x="4469432" y="4588846"/>
               <a:ext cx="63202" cy="63202"/>
             </a:xfrm>
             <a:custGeom>
@@ -14752,7 +14752,7 @@
           </p:nvSpPr>
           <p:spPr>
             <a:xfrm>
-              <a:off x="4548646" y="3891068"/>
+              <a:off x="5139243" y="3891042"/>
               <a:ext cx="63202" cy="63202"/>
             </a:xfrm>
             <a:custGeom>
@@ -14795,7 +14795,7 @@
           </p:nvSpPr>
           <p:spPr>
             <a:xfrm>
-              <a:off x="6622809" y="4883747"/>
+              <a:off x="6301753" y="4883747"/>
               <a:ext cx="63202" cy="63202"/>
             </a:xfrm>
             <a:custGeom>
@@ -14894,7 +14894,7 @@
           </p:nvSpPr>
           <p:spPr>
             <a:xfrm>
-              <a:off x="4325757" y="6701438"/>
+              <a:off x="4325757" y="6701444"/>
               <a:ext cx="2796732" cy="0"/>
             </a:xfrm>
             <a:custGeom>
@@ -14937,7 +14937,7 @@
           </p:nvSpPr>
           <p:spPr>
             <a:xfrm>
-              <a:off x="4325757" y="6229399"/>
+              <a:off x="4325757" y="6229401"/>
               <a:ext cx="2796732" cy="0"/>
             </a:xfrm>
             <a:custGeom>
@@ -14980,7 +14980,7 @@
           </p:nvSpPr>
           <p:spPr>
             <a:xfrm>
-              <a:off x="4325757" y="5757360"/>
+              <a:off x="4325757" y="5757358"/>
               <a:ext cx="2796732" cy="0"/>
             </a:xfrm>
             <a:custGeom>
@@ -15023,7 +15023,7 @@
           </p:nvSpPr>
           <p:spPr>
             <a:xfrm>
-              <a:off x="4325757" y="5285321"/>
+              <a:off x="4325757" y="5285316"/>
               <a:ext cx="2796732" cy="0"/>
             </a:xfrm>
             <a:custGeom>
@@ -15066,7 +15066,7 @@
           </p:nvSpPr>
           <p:spPr>
             <a:xfrm>
-              <a:off x="4325757" y="6465419"/>
+              <a:off x="4325757" y="6465423"/>
               <a:ext cx="2796732" cy="0"/>
             </a:xfrm>
             <a:custGeom>
@@ -15152,7 +15152,7 @@
           </p:nvSpPr>
           <p:spPr>
             <a:xfrm>
-              <a:off x="4325757" y="5521340"/>
+              <a:off x="4325757" y="5521337"/>
               <a:ext cx="2796732" cy="0"/>
             </a:xfrm>
             <a:custGeom>
@@ -15324,7 +15324,7 @@
           </p:nvSpPr>
           <p:spPr>
             <a:xfrm>
-              <a:off x="4917199" y="5368701"/>
+              <a:off x="4892112" y="5368738"/>
               <a:ext cx="63202" cy="63202"/>
             </a:xfrm>
             <a:custGeom>
@@ -15367,7 +15367,7 @@
           </p:nvSpPr>
           <p:spPr>
             <a:xfrm>
-              <a:off x="4561352" y="5356634"/>
+              <a:off x="4656242" y="5356601"/>
               <a:ext cx="63202" cy="63202"/>
             </a:xfrm>
             <a:custGeom>
@@ -15410,7 +15410,7 @@
           </p:nvSpPr>
           <p:spPr>
             <a:xfrm>
-              <a:off x="5030167" y="5375243"/>
+              <a:off x="4554517" y="5375206"/>
               <a:ext cx="63202" cy="63202"/>
             </a:xfrm>
             <a:custGeom>
@@ -15453,7 +15453,7 @@
           </p:nvSpPr>
           <p:spPr>
             <a:xfrm>
-              <a:off x="4874536" y="5342625"/>
+              <a:off x="4950754" y="5342616"/>
               <a:ext cx="63202" cy="63202"/>
             </a:xfrm>
             <a:custGeom>
@@ -15496,7 +15496,7 @@
           </p:nvSpPr>
           <p:spPr>
             <a:xfrm>
-              <a:off x="4507017" y="5347762"/>
+              <a:off x="4928131" y="5347775"/>
               <a:ext cx="63202" cy="63202"/>
             </a:xfrm>
             <a:custGeom>
@@ -15539,7 +15539,7 @@
           </p:nvSpPr>
           <p:spPr>
             <a:xfrm>
-              <a:off x="4566512" y="5373880"/>
+              <a:off x="4581555" y="5373879"/>
               <a:ext cx="63202" cy="63202"/>
             </a:xfrm>
             <a:custGeom>
@@ -15582,7 +15582,7 @@
           </p:nvSpPr>
           <p:spPr>
             <a:xfrm>
-              <a:off x="4497561" y="5342021"/>
+              <a:off x="4568472" y="5342023"/>
               <a:ext cx="63202" cy="63202"/>
             </a:xfrm>
             <a:custGeom>
@@ -15625,7 +15625,7 @@
           </p:nvSpPr>
           <p:spPr>
             <a:xfrm>
-              <a:off x="4767361" y="6135215"/>
+              <a:off x="4470267" y="6135242"/>
               <a:ext cx="63202" cy="63202"/>
             </a:xfrm>
             <a:custGeom>
@@ -15668,7 +15668,7 @@
           </p:nvSpPr>
           <p:spPr>
             <a:xfrm>
-              <a:off x="4684482" y="5378893"/>
+              <a:off x="5053604" y="5378902"/>
               <a:ext cx="63202" cy="63202"/>
             </a:xfrm>
             <a:custGeom>
@@ -15711,7 +15711,7 @@
           </p:nvSpPr>
           <p:spPr>
             <a:xfrm>
-              <a:off x="5094809" y="5387762"/>
+              <a:off x="4957943" y="5387793"/>
               <a:ext cx="63202" cy="63202"/>
             </a:xfrm>
             <a:custGeom>
@@ -15754,7 +15754,7 @@
           </p:nvSpPr>
           <p:spPr>
             <a:xfrm>
-              <a:off x="4524431" y="5388540"/>
+              <a:off x="4498117" y="5388513"/>
               <a:ext cx="63202" cy="63202"/>
             </a:xfrm>
             <a:custGeom>
@@ -15797,7 +15797,7 @@
           </p:nvSpPr>
           <p:spPr>
             <a:xfrm>
-              <a:off x="4573327" y="5500206"/>
+              <a:off x="4874626" y="5500219"/>
               <a:ext cx="63202" cy="63202"/>
             </a:xfrm>
             <a:custGeom>
@@ -15840,7 +15840,7 @@
           </p:nvSpPr>
           <p:spPr>
             <a:xfrm>
-              <a:off x="4569359" y="5567981"/>
+              <a:off x="4540647" y="5567964"/>
               <a:ext cx="63202" cy="63202"/>
             </a:xfrm>
             <a:custGeom>
@@ -15883,7 +15883,7 @@
           </p:nvSpPr>
           <p:spPr>
             <a:xfrm>
-              <a:off x="5113815" y="5373637"/>
+              <a:off x="5157111" y="5373580"/>
               <a:ext cx="63202" cy="63202"/>
             </a:xfrm>
             <a:custGeom>
@@ -15926,7 +15926,7 @@
           </p:nvSpPr>
           <p:spPr>
             <a:xfrm>
-              <a:off x="4952291" y="5373034"/>
+              <a:off x="4783698" y="5373024"/>
               <a:ext cx="63202" cy="63202"/>
             </a:xfrm>
             <a:custGeom>
@@ -15969,7 +15969,7 @@
           </p:nvSpPr>
           <p:spPr>
             <a:xfrm>
-              <a:off x="4948804" y="5332544"/>
+              <a:off x="4874610" y="5332559"/>
               <a:ext cx="63202" cy="63202"/>
             </a:xfrm>
             <a:custGeom>
@@ -16012,7 +16012,7 @@
           </p:nvSpPr>
           <p:spPr>
             <a:xfrm>
-              <a:off x="5121174" y="5381538"/>
+              <a:off x="4704892" y="5381552"/>
               <a:ext cx="63202" cy="63202"/>
             </a:xfrm>
             <a:custGeom>
@@ -16055,7 +16055,7 @@
           </p:nvSpPr>
           <p:spPr>
             <a:xfrm>
-              <a:off x="5076317" y="5317369"/>
+              <a:off x="4682027" y="5317369"/>
               <a:ext cx="63202" cy="63202"/>
             </a:xfrm>
             <a:custGeom>
@@ -16098,7 +16098,7 @@
           </p:nvSpPr>
           <p:spPr>
             <a:xfrm>
-              <a:off x="4800426" y="5371377"/>
+              <a:off x="4689803" y="5371383"/>
               <a:ext cx="63202" cy="63202"/>
             </a:xfrm>
             <a:custGeom>
@@ -16141,7 +16141,7 @@
           </p:nvSpPr>
           <p:spPr>
             <a:xfrm>
-              <a:off x="5148115" y="5342388"/>
+              <a:off x="5093876" y="5342358"/>
               <a:ext cx="63202" cy="63202"/>
             </a:xfrm>
             <a:custGeom>
@@ -16184,7 +16184,7 @@
           </p:nvSpPr>
           <p:spPr>
             <a:xfrm>
-              <a:off x="4714227" y="5829520"/>
+              <a:off x="4780711" y="5829489"/>
               <a:ext cx="63202" cy="63202"/>
             </a:xfrm>
             <a:custGeom>
@@ -16227,7 +16227,7 @@
           </p:nvSpPr>
           <p:spPr>
             <a:xfrm>
-              <a:off x="4916985" y="5496377"/>
+              <a:off x="4710027" y="5496331"/>
               <a:ext cx="63202" cy="63202"/>
             </a:xfrm>
             <a:custGeom>
@@ -16270,7 +16270,7 @@
           </p:nvSpPr>
           <p:spPr>
             <a:xfrm>
-              <a:off x="4980055" y="5370613"/>
+              <a:off x="4539455" y="5370598"/>
               <a:ext cx="63202" cy="63202"/>
             </a:xfrm>
             <a:custGeom>
@@ -16313,7 +16313,7 @@
           </p:nvSpPr>
           <p:spPr>
             <a:xfrm>
-              <a:off x="4969216" y="5338341"/>
+              <a:off x="4910283" y="5338275"/>
               <a:ext cx="63202" cy="63202"/>
             </a:xfrm>
             <a:custGeom>
@@ -16356,7 +16356,7 @@
           </p:nvSpPr>
           <p:spPr>
             <a:xfrm>
-              <a:off x="4778307" y="5347077"/>
+              <a:off x="5049148" y="5347083"/>
               <a:ext cx="63202" cy="63202"/>
             </a:xfrm>
             <a:custGeom>
@@ -16399,7 +16399,7 @@
           </p:nvSpPr>
           <p:spPr>
             <a:xfrm>
-              <a:off x="4788456" y="5358212"/>
+              <a:off x="4644992" y="5358249"/>
               <a:ext cx="63202" cy="63202"/>
             </a:xfrm>
             <a:custGeom>
@@ -16442,7 +16442,7 @@
           </p:nvSpPr>
           <p:spPr>
             <a:xfrm>
-              <a:off x="4812311" y="5387874"/>
+              <a:off x="4583757" y="5387899"/>
               <a:ext cx="63202" cy="63202"/>
             </a:xfrm>
             <a:custGeom>
@@ -16485,7 +16485,7 @@
           </p:nvSpPr>
           <p:spPr>
             <a:xfrm>
-              <a:off x="4639815" y="5380813"/>
+              <a:off x="4918730" y="5380802"/>
               <a:ext cx="63202" cy="63202"/>
             </a:xfrm>
             <a:custGeom>
@@ -16528,7 +16528,7 @@
           </p:nvSpPr>
           <p:spPr>
             <a:xfrm>
-              <a:off x="4822264" y="5352456"/>
+              <a:off x="4636939" y="5352477"/>
               <a:ext cx="63202" cy="63202"/>
             </a:xfrm>
             <a:custGeom>
@@ -16571,7 +16571,7 @@
           </p:nvSpPr>
           <p:spPr>
             <a:xfrm>
-              <a:off x="5030986" y="5378812"/>
+              <a:off x="4550531" y="5378774"/>
               <a:ext cx="63202" cy="63202"/>
             </a:xfrm>
             <a:custGeom>
@@ -16614,7 +16614,7 @@
           </p:nvSpPr>
           <p:spPr>
             <a:xfrm>
-              <a:off x="5162380" y="5366045"/>
+              <a:off x="4914537" y="5366048"/>
               <a:ext cx="63202" cy="63202"/>
             </a:xfrm>
             <a:custGeom>
@@ -16657,7 +16657,7 @@
           </p:nvSpPr>
           <p:spPr>
             <a:xfrm>
-              <a:off x="4953274" y="5333179"/>
+              <a:off x="4667053" y="5333241"/>
               <a:ext cx="63202" cy="63202"/>
             </a:xfrm>
             <a:custGeom>
@@ -16700,7 +16700,7 @@
           </p:nvSpPr>
           <p:spPr>
             <a:xfrm>
-              <a:off x="4549038" y="5334897"/>
+              <a:off x="4722643" y="5334923"/>
               <a:ext cx="63202" cy="63202"/>
             </a:xfrm>
             <a:custGeom>
@@ -16743,7 +16743,7 @@
           </p:nvSpPr>
           <p:spPr>
             <a:xfrm>
-              <a:off x="4975678" y="5342013"/>
+              <a:off x="4480693" y="5341963"/>
               <a:ext cx="63202" cy="63202"/>
             </a:xfrm>
             <a:custGeom>
@@ -16786,7 +16786,7 @@
           </p:nvSpPr>
           <p:spPr>
             <a:xfrm>
-              <a:off x="5116821" y="5372761"/>
+              <a:off x="4736921" y="5372739"/>
               <a:ext cx="63202" cy="63202"/>
             </a:xfrm>
             <a:custGeom>
@@ -16829,7 +16829,7 @@
           </p:nvSpPr>
           <p:spPr>
             <a:xfrm>
-              <a:off x="4848385" y="5381657"/>
+              <a:off x="4560838" y="5381620"/>
               <a:ext cx="63202" cy="63202"/>
             </a:xfrm>
             <a:custGeom>
@@ -16872,7 +16872,7 @@
           </p:nvSpPr>
           <p:spPr>
             <a:xfrm>
-              <a:off x="4622155" y="5370895"/>
+              <a:off x="5083468" y="5370891"/>
               <a:ext cx="63202" cy="63202"/>
             </a:xfrm>
             <a:custGeom>
@@ -16915,7 +16915,7 @@
           </p:nvSpPr>
           <p:spPr>
             <a:xfrm>
-              <a:off x="4927518" y="5334906"/>
+              <a:off x="4905557" y="5334936"/>
               <a:ext cx="63202" cy="63202"/>
             </a:xfrm>
             <a:custGeom>
@@ -16958,7 +16958,7 @@
           </p:nvSpPr>
           <p:spPr>
             <a:xfrm>
-              <a:off x="5091299" y="5379367"/>
+              <a:off x="5148308" y="5379371"/>
               <a:ext cx="63202" cy="63202"/>
             </a:xfrm>
             <a:custGeom>
@@ -17001,7 +17001,7 @@
           </p:nvSpPr>
           <p:spPr>
             <a:xfrm>
-              <a:off x="4970433" y="5475086"/>
+              <a:off x="4577575" y="5475108"/>
               <a:ext cx="63202" cy="63202"/>
             </a:xfrm>
             <a:custGeom>
@@ -17044,7 +17044,7 @@
           </p:nvSpPr>
           <p:spPr>
             <a:xfrm>
-              <a:off x="5014194" y="5349950"/>
+              <a:off x="4746806" y="5349916"/>
               <a:ext cx="63202" cy="63202"/>
             </a:xfrm>
             <a:custGeom>
@@ -17087,7 +17087,7 @@
           </p:nvSpPr>
           <p:spPr>
             <a:xfrm>
-              <a:off x="4976676" y="5341597"/>
+              <a:off x="4732020" y="5341572"/>
               <a:ext cx="63202" cy="63202"/>
             </a:xfrm>
             <a:custGeom>
@@ -17130,7 +17130,7 @@
           </p:nvSpPr>
           <p:spPr>
             <a:xfrm>
-              <a:off x="4713558" y="5361075"/>
+              <a:off x="4504860" y="5361030"/>
               <a:ext cx="63202" cy="63202"/>
             </a:xfrm>
             <a:custGeom>
@@ -17173,7 +17173,7 @@
           </p:nvSpPr>
           <p:spPr>
             <a:xfrm>
-              <a:off x="4690735" y="5384345"/>
+              <a:off x="4842803" y="5384342"/>
               <a:ext cx="63202" cy="63202"/>
             </a:xfrm>
             <a:custGeom>
@@ -17216,7 +17216,7 @@
           </p:nvSpPr>
           <p:spPr>
             <a:xfrm>
-              <a:off x="4674519" y="5372783"/>
+              <a:off x="4671542" y="5372791"/>
               <a:ext cx="63202" cy="63202"/>
             </a:xfrm>
             <a:custGeom>
@@ -17259,7 +17259,7 @@
           </p:nvSpPr>
           <p:spPr>
             <a:xfrm>
-              <a:off x="4737490" y="5360418"/>
+              <a:off x="4580720" y="5360360"/>
               <a:ext cx="63202" cy="63202"/>
             </a:xfrm>
             <a:custGeom>
@@ -17302,7 +17302,7 @@
           </p:nvSpPr>
           <p:spPr>
             <a:xfrm>
-              <a:off x="5126203" y="5423356"/>
+              <a:off x="4734106" y="5423401"/>
               <a:ext cx="63202" cy="63202"/>
             </a:xfrm>
             <a:custGeom>
@@ -17345,7 +17345,7 @@
           </p:nvSpPr>
           <p:spPr>
             <a:xfrm>
-              <a:off x="4973014" y="5331328"/>
+              <a:off x="4593611" y="5331293"/>
               <a:ext cx="63202" cy="63202"/>
             </a:xfrm>
             <a:custGeom>
@@ -17388,7 +17388,7 @@
           </p:nvSpPr>
           <p:spPr>
             <a:xfrm>
-              <a:off x="5131949" y="5395026"/>
+              <a:off x="4837086" y="5395060"/>
               <a:ext cx="63202" cy="63202"/>
             </a:xfrm>
             <a:custGeom>
@@ -17431,7 +17431,7 @@
           </p:nvSpPr>
           <p:spPr>
             <a:xfrm>
-              <a:off x="4972907" y="5332674"/>
+              <a:off x="4871827" y="5332643"/>
               <a:ext cx="63202" cy="63202"/>
             </a:xfrm>
             <a:custGeom>
@@ -17474,7 +17474,7 @@
           </p:nvSpPr>
           <p:spPr>
             <a:xfrm>
-              <a:off x="4984332" y="5395353"/>
+              <a:off x="4789065" y="5395357"/>
               <a:ext cx="63202" cy="63202"/>
             </a:xfrm>
             <a:custGeom>
@@ -17517,7 +17517,7 @@
           </p:nvSpPr>
           <p:spPr>
             <a:xfrm>
-              <a:off x="4900857" y="5351311"/>
+              <a:off x="5111218" y="5351331"/>
               <a:ext cx="63202" cy="63202"/>
             </a:xfrm>
             <a:custGeom>
@@ -17560,7 +17560,7 @@
           </p:nvSpPr>
           <p:spPr>
             <a:xfrm>
-              <a:off x="4643721" y="5970477"/>
+              <a:off x="4542224" y="5970446"/>
               <a:ext cx="63202" cy="63202"/>
             </a:xfrm>
             <a:custGeom>
@@ -17603,7 +17603,7 @@
           </p:nvSpPr>
           <p:spPr>
             <a:xfrm>
-              <a:off x="5092130" y="5337832"/>
+              <a:off x="5085590" y="5337806"/>
               <a:ext cx="63202" cy="63202"/>
             </a:xfrm>
             <a:custGeom>
@@ -17646,7 +17646,7 @@
           </p:nvSpPr>
           <p:spPr>
             <a:xfrm>
-              <a:off x="4685238" y="5347657"/>
+              <a:off x="4753181" y="5347679"/>
               <a:ext cx="63202" cy="63202"/>
             </a:xfrm>
             <a:custGeom>
@@ -17689,7 +17689,7 @@
           </p:nvSpPr>
           <p:spPr>
             <a:xfrm>
-              <a:off x="4659832" y="5327468"/>
+              <a:off x="4710404" y="5327468"/>
               <a:ext cx="63202" cy="63202"/>
             </a:xfrm>
             <a:custGeom>
@@ -17732,7 +17732,7 @@
           </p:nvSpPr>
           <p:spPr>
             <a:xfrm>
-              <a:off x="4900511" y="6267023"/>
+              <a:off x="4691297" y="6266968"/>
               <a:ext cx="63202" cy="63202"/>
             </a:xfrm>
             <a:custGeom>
@@ -17775,7 +17775,7 @@
           </p:nvSpPr>
           <p:spPr>
             <a:xfrm>
-              <a:off x="4650164" y="5343790"/>
+              <a:off x="5059289" y="5343788"/>
               <a:ext cx="63202" cy="63202"/>
             </a:xfrm>
             <a:custGeom>
@@ -17818,7 +17818,7 @@
           </p:nvSpPr>
           <p:spPr>
             <a:xfrm>
-              <a:off x="5029587" y="5343790"/>
+              <a:off x="4643548" y="5343815"/>
               <a:ext cx="63202" cy="63202"/>
             </a:xfrm>
             <a:custGeom>
@@ -17861,7 +17861,7 @@
           </p:nvSpPr>
           <p:spPr>
             <a:xfrm>
-              <a:off x="5004214" y="5371756"/>
+              <a:off x="4875756" y="5371738"/>
               <a:ext cx="63202" cy="63202"/>
             </a:xfrm>
             <a:custGeom>
@@ -17904,7 +17904,7 @@
           </p:nvSpPr>
           <p:spPr>
             <a:xfrm>
-              <a:off x="4611940" y="5362950"/>
+              <a:off x="4911719" y="5362911"/>
               <a:ext cx="63202" cy="63202"/>
             </a:xfrm>
             <a:custGeom>
@@ -17947,7 +17947,7 @@
           </p:nvSpPr>
           <p:spPr>
             <a:xfrm>
-              <a:off x="4997894" y="5371147"/>
+              <a:off x="4671865" y="5371155"/>
               <a:ext cx="63202" cy="63202"/>
             </a:xfrm>
             <a:custGeom>
@@ -17990,7 +17990,7 @@
           </p:nvSpPr>
           <p:spPr>
             <a:xfrm>
-              <a:off x="4764903" y="5593208"/>
+              <a:off x="4947414" y="5593193"/>
               <a:ext cx="63202" cy="63202"/>
             </a:xfrm>
             <a:custGeom>
@@ -18033,7 +18033,7 @@
           </p:nvSpPr>
           <p:spPr>
             <a:xfrm>
-              <a:off x="4705269" y="5670190"/>
+              <a:off x="4892566" y="5670185"/>
               <a:ext cx="63202" cy="63202"/>
             </a:xfrm>
             <a:custGeom>
@@ -18076,7 +18076,7 @@
           </p:nvSpPr>
           <p:spPr>
             <a:xfrm>
-              <a:off x="4720654" y="5347486"/>
+              <a:off x="5019962" y="5347457"/>
               <a:ext cx="63202" cy="63202"/>
             </a:xfrm>
             <a:custGeom>
@@ -18119,7 +18119,7 @@
           </p:nvSpPr>
           <p:spPr>
             <a:xfrm>
-              <a:off x="4784327" y="6217600"/>
+              <a:off x="5142130" y="6217662"/>
               <a:ext cx="63202" cy="63202"/>
             </a:xfrm>
             <a:custGeom>
@@ -18162,7 +18162,7 @@
           </p:nvSpPr>
           <p:spPr>
             <a:xfrm>
-              <a:off x="5057457" y="5395042"/>
+              <a:off x="4634760" y="5395027"/>
               <a:ext cx="63202" cy="63202"/>
             </a:xfrm>
             <a:custGeom>
@@ -18205,7 +18205,7 @@
           </p:nvSpPr>
           <p:spPr>
             <a:xfrm>
-              <a:off x="4540465" y="5421659"/>
+              <a:off x="4521028" y="5421663"/>
               <a:ext cx="63202" cy="63202"/>
             </a:xfrm>
             <a:custGeom>
@@ -18248,7 +18248,7 @@
           </p:nvSpPr>
           <p:spPr>
             <a:xfrm>
-              <a:off x="5099349" y="5337708"/>
+              <a:off x="4886263" y="5337701"/>
               <a:ext cx="63202" cy="63202"/>
             </a:xfrm>
             <a:custGeom>
@@ -18291,7 +18291,7 @@
           </p:nvSpPr>
           <p:spPr>
             <a:xfrm>
-              <a:off x="4602945" y="5372516"/>
+              <a:off x="4976419" y="5372467"/>
               <a:ext cx="63202" cy="63202"/>
             </a:xfrm>
             <a:custGeom>
@@ -18334,7 +18334,7 @@
           </p:nvSpPr>
           <p:spPr>
             <a:xfrm>
-              <a:off x="4747313" y="5367556"/>
+              <a:off x="5062981" y="5367591"/>
               <a:ext cx="63202" cy="63202"/>
             </a:xfrm>
             <a:custGeom>
@@ -18377,7 +18377,7 @@
           </p:nvSpPr>
           <p:spPr>
             <a:xfrm>
-              <a:off x="5069756" y="5330955"/>
+              <a:off x="4770407" y="5330953"/>
               <a:ext cx="63202" cy="63202"/>
             </a:xfrm>
             <a:custGeom>
@@ -18420,7 +18420,7 @@
           </p:nvSpPr>
           <p:spPr>
             <a:xfrm>
-              <a:off x="4601364" y="5824412"/>
+              <a:off x="4547808" y="5824416"/>
               <a:ext cx="63202" cy="63202"/>
             </a:xfrm>
             <a:custGeom>
@@ -18463,7 +18463,7 @@
           </p:nvSpPr>
           <p:spPr>
             <a:xfrm>
-              <a:off x="4550076" y="5336726"/>
+              <a:off x="5014201" y="5336664"/>
               <a:ext cx="63202" cy="63202"/>
             </a:xfrm>
             <a:custGeom>
@@ -18506,7 +18506,7 @@
           </p:nvSpPr>
           <p:spPr>
             <a:xfrm>
-              <a:off x="4489568" y="5358911"/>
+              <a:off x="5136607" y="5358864"/>
               <a:ext cx="63202" cy="63202"/>
             </a:xfrm>
             <a:custGeom>
@@ -18549,7 +18549,7 @@
           </p:nvSpPr>
           <p:spPr>
             <a:xfrm>
-              <a:off x="5105737" y="5423369"/>
+              <a:off x="4694320" y="5423330"/>
               <a:ext cx="63202" cy="63202"/>
             </a:xfrm>
             <a:custGeom>
@@ -18592,7 +18592,7 @@
           </p:nvSpPr>
           <p:spPr>
             <a:xfrm>
-              <a:off x="4609856" y="5364841"/>
+              <a:off x="4747137" y="5364848"/>
               <a:ext cx="63202" cy="63202"/>
             </a:xfrm>
             <a:custGeom>
@@ -18635,7 +18635,7 @@
           </p:nvSpPr>
           <p:spPr>
             <a:xfrm>
-              <a:off x="5064456" y="5362107"/>
+              <a:off x="4776028" y="5362091"/>
               <a:ext cx="63202" cy="63202"/>
             </a:xfrm>
             <a:custGeom>
@@ -18678,7 +18678,7 @@
           </p:nvSpPr>
           <p:spPr>
             <a:xfrm>
-              <a:off x="4693476" y="5365481"/>
+              <a:off x="5091678" y="5365478"/>
               <a:ext cx="63202" cy="63202"/>
             </a:xfrm>
             <a:custGeom>
@@ -18721,7 +18721,7 @@
           </p:nvSpPr>
           <p:spPr>
             <a:xfrm>
-              <a:off x="4700574" y="5369874"/>
+              <a:off x="5068178" y="5369848"/>
               <a:ext cx="63202" cy="63202"/>
             </a:xfrm>
             <a:custGeom>
@@ -18764,7 +18764,7 @@
           </p:nvSpPr>
           <p:spPr>
             <a:xfrm>
-              <a:off x="4901253" y="5381540"/>
+              <a:off x="4998561" y="5381576"/>
               <a:ext cx="63202" cy="63202"/>
             </a:xfrm>
             <a:custGeom>
@@ -18807,7 +18807,7 @@
           </p:nvSpPr>
           <p:spPr>
             <a:xfrm>
-              <a:off x="4966460" y="5367388"/>
+              <a:off x="4881250" y="5367362"/>
               <a:ext cx="63202" cy="63202"/>
             </a:xfrm>
             <a:custGeom>
@@ -18850,7 +18850,7 @@
           </p:nvSpPr>
           <p:spPr>
             <a:xfrm>
-              <a:off x="4578902" y="6265789"/>
+              <a:off x="4782170" y="6265782"/>
               <a:ext cx="63202" cy="63202"/>
             </a:xfrm>
             <a:custGeom>
@@ -18893,7 +18893,7 @@
           </p:nvSpPr>
           <p:spPr>
             <a:xfrm>
-              <a:off x="4872341" y="5379978"/>
+              <a:off x="4713723" y="5379902"/>
               <a:ext cx="63202" cy="63202"/>
             </a:xfrm>
             <a:custGeom>
@@ -18936,7 +18936,7 @@
           </p:nvSpPr>
           <p:spPr>
             <a:xfrm>
-              <a:off x="5560852" y="6644152"/>
+              <a:off x="5431304" y="6644165"/>
               <a:ext cx="63202" cy="63202"/>
             </a:xfrm>
             <a:custGeom>
@@ -18979,7 +18979,7 @@
           </p:nvSpPr>
           <p:spPr>
             <a:xfrm>
-              <a:off x="4603626" y="5847361"/>
+              <a:off x="4771953" y="5847350"/>
               <a:ext cx="63202" cy="63202"/>
             </a:xfrm>
             <a:custGeom>
@@ -19022,7 +19022,7 @@
           </p:nvSpPr>
           <p:spPr>
             <a:xfrm>
-              <a:off x="4692498" y="5374443"/>
+              <a:off x="5024505" y="5374444"/>
               <a:ext cx="63202" cy="63202"/>
             </a:xfrm>
             <a:custGeom>
@@ -19065,7 +19065,7 @@
           </p:nvSpPr>
           <p:spPr>
             <a:xfrm>
-              <a:off x="4647573" y="5360650"/>
+              <a:off x="4952039" y="5360665"/>
               <a:ext cx="63202" cy="63202"/>
             </a:xfrm>
             <a:custGeom>
@@ -19108,7 +19108,7 @@
           </p:nvSpPr>
           <p:spPr>
             <a:xfrm>
-              <a:off x="4488546" y="5362700"/>
+              <a:off x="4489089" y="5362647"/>
               <a:ext cx="63202" cy="63202"/>
             </a:xfrm>
             <a:custGeom>
@@ -19151,7 +19151,7 @@
           </p:nvSpPr>
           <p:spPr>
             <a:xfrm>
-              <a:off x="4924967" y="5382209"/>
+              <a:off x="5053086" y="5382206"/>
               <a:ext cx="63202" cy="63202"/>
             </a:xfrm>
             <a:custGeom>
@@ -19194,7 +19194,7 @@
           </p:nvSpPr>
           <p:spPr>
             <a:xfrm>
-              <a:off x="4656858" y="5390832"/>
+              <a:off x="4659843" y="5390806"/>
               <a:ext cx="63202" cy="63202"/>
             </a:xfrm>
             <a:custGeom>
@@ -19237,7 +19237,7 @@
           </p:nvSpPr>
           <p:spPr>
             <a:xfrm>
-              <a:off x="4893416" y="5371328"/>
+              <a:off x="5156742" y="5371378"/>
               <a:ext cx="63202" cy="63202"/>
             </a:xfrm>
             <a:custGeom>
@@ -19280,7 +19280,7 @@
           </p:nvSpPr>
           <p:spPr>
             <a:xfrm>
-              <a:off x="4614318" y="5375713"/>
+              <a:off x="4660179" y="5375722"/>
               <a:ext cx="63202" cy="63202"/>
             </a:xfrm>
             <a:custGeom>
@@ -19323,7 +19323,7 @@
           </p:nvSpPr>
           <p:spPr>
             <a:xfrm>
-              <a:off x="4562645" y="5367829"/>
+              <a:off x="4900779" y="5367883"/>
               <a:ext cx="63202" cy="63202"/>
             </a:xfrm>
             <a:custGeom>
@@ -19366,7 +19366,7 @@
           </p:nvSpPr>
           <p:spPr>
             <a:xfrm>
-              <a:off x="5131605" y="5337654"/>
+              <a:off x="4565921" y="5337631"/>
               <a:ext cx="63202" cy="63202"/>
             </a:xfrm>
             <a:custGeom>
@@ -19409,7 +19409,7 @@
           </p:nvSpPr>
           <p:spPr>
             <a:xfrm>
-              <a:off x="4517474" y="5352877"/>
+              <a:off x="5114756" y="5352858"/>
               <a:ext cx="63202" cy="63202"/>
             </a:xfrm>
             <a:custGeom>
@@ -19452,7 +19452,7 @@
           </p:nvSpPr>
           <p:spPr>
             <a:xfrm>
-              <a:off x="4579252" y="5349889"/>
+              <a:off x="4852338" y="5349934"/>
               <a:ext cx="63202" cy="63202"/>
             </a:xfrm>
             <a:custGeom>
@@ -19495,7 +19495,7 @@
           </p:nvSpPr>
           <p:spPr>
             <a:xfrm>
-              <a:off x="4650003" y="5428354"/>
+              <a:off x="5099867" y="5428336"/>
               <a:ext cx="63202" cy="63202"/>
             </a:xfrm>
             <a:custGeom>
@@ -19538,7 +19538,7 @@
           </p:nvSpPr>
           <p:spPr>
             <a:xfrm>
-              <a:off x="4693922" y="5360604"/>
+              <a:off x="4725234" y="5360578"/>
               <a:ext cx="63202" cy="63202"/>
             </a:xfrm>
             <a:custGeom>
@@ -19581,7 +19581,7 @@
           </p:nvSpPr>
           <p:spPr>
             <a:xfrm>
-              <a:off x="5095822" y="5919892"/>
+              <a:off x="5002724" y="5919888"/>
               <a:ext cx="63202" cy="63202"/>
             </a:xfrm>
             <a:custGeom>
@@ -19624,7 +19624,7 @@
           </p:nvSpPr>
           <p:spPr>
             <a:xfrm>
-              <a:off x="4567958" y="5388278"/>
+              <a:off x="4727755" y="5388213"/>
               <a:ext cx="63202" cy="63202"/>
             </a:xfrm>
             <a:custGeom>
@@ -19667,7 +19667,7 @@
           </p:nvSpPr>
           <p:spPr>
             <a:xfrm>
-              <a:off x="4866503" y="5372187"/>
+              <a:off x="4475540" y="5372196"/>
               <a:ext cx="63202" cy="63202"/>
             </a:xfrm>
             <a:custGeom>
@@ -19710,7 +19710,7 @@
           </p:nvSpPr>
           <p:spPr>
             <a:xfrm>
-              <a:off x="5138030" y="5438748"/>
+              <a:off x="4748690" y="5438753"/>
               <a:ext cx="63202" cy="63202"/>
             </a:xfrm>
             <a:custGeom>
@@ -19753,7 +19753,7 @@
           </p:nvSpPr>
           <p:spPr>
             <a:xfrm>
-              <a:off x="5068505" y="5348999"/>
+              <a:off x="4983845" y="5348988"/>
               <a:ext cx="63202" cy="63202"/>
             </a:xfrm>
             <a:custGeom>
@@ -19796,7 +19796,7 @@
           </p:nvSpPr>
           <p:spPr>
             <a:xfrm>
-              <a:off x="4714229" y="5346265"/>
+              <a:off x="4898810" y="5346233"/>
               <a:ext cx="63202" cy="63202"/>
             </a:xfrm>
             <a:custGeom>
@@ -19839,7 +19839,7 @@
           </p:nvSpPr>
           <p:spPr>
             <a:xfrm>
-              <a:off x="5956460" y="6666316"/>
+              <a:off x="5396585" y="6666349"/>
               <a:ext cx="63202" cy="63202"/>
             </a:xfrm>
             <a:custGeom>
@@ -19882,7 +19882,7 @@
           </p:nvSpPr>
           <p:spPr>
             <a:xfrm>
-              <a:off x="4839883" y="5474615"/>
+              <a:off x="4839886" y="5474662"/>
               <a:ext cx="63202" cy="63202"/>
             </a:xfrm>
             <a:custGeom>
@@ -19925,7 +19925,7 @@
           </p:nvSpPr>
           <p:spPr>
             <a:xfrm>
-              <a:off x="4874365" y="5382688"/>
+              <a:off x="5089572" y="5382679"/>
               <a:ext cx="63202" cy="63202"/>
             </a:xfrm>
             <a:custGeom>
@@ -19968,7 +19968,7 @@
           </p:nvSpPr>
           <p:spPr>
             <a:xfrm>
-              <a:off x="5054388" y="5963885"/>
+              <a:off x="4968161" y="5963854"/>
               <a:ext cx="63202" cy="63202"/>
             </a:xfrm>
             <a:custGeom>
@@ -20011,7 +20011,7 @@
           </p:nvSpPr>
           <p:spPr>
             <a:xfrm>
-              <a:off x="5029515" y="5331246"/>
+              <a:off x="4930974" y="5331224"/>
               <a:ext cx="63202" cy="63202"/>
             </a:xfrm>
             <a:custGeom>
@@ -20054,7 +20054,7 @@
           </p:nvSpPr>
           <p:spPr>
             <a:xfrm>
-              <a:off x="5064549" y="5334914"/>
+              <a:off x="5046347" y="5334926"/>
               <a:ext cx="63202" cy="63202"/>
             </a:xfrm>
             <a:custGeom>
@@ -20097,7 +20097,7 @@
           </p:nvSpPr>
           <p:spPr>
             <a:xfrm>
-              <a:off x="4941417" y="5333594"/>
+              <a:off x="4657474" y="5333556"/>
               <a:ext cx="63202" cy="63202"/>
             </a:xfrm>
             <a:custGeom>
@@ -20140,7 +20140,7 @@
           </p:nvSpPr>
           <p:spPr>
             <a:xfrm>
-              <a:off x="4514641" y="5338771"/>
+              <a:off x="4926199" y="5338758"/>
               <a:ext cx="63202" cy="63202"/>
             </a:xfrm>
             <a:custGeom>
@@ -20183,7 +20183,7 @@
           </p:nvSpPr>
           <p:spPr>
             <a:xfrm>
-              <a:off x="4944046" y="5357121"/>
+              <a:off x="4843491" y="5357060"/>
               <a:ext cx="63202" cy="63202"/>
             </a:xfrm>
             <a:custGeom>
@@ -20226,7 +20226,7 @@
           </p:nvSpPr>
           <p:spPr>
             <a:xfrm>
-              <a:off x="4737986" y="5421544"/>
+              <a:off x="4809119" y="5421574"/>
               <a:ext cx="63202" cy="63202"/>
             </a:xfrm>
             <a:custGeom>
@@ -20269,7 +20269,7 @@
           </p:nvSpPr>
           <p:spPr>
             <a:xfrm>
-              <a:off x="4774432" y="5323184"/>
+              <a:off x="4500396" y="5323227"/>
               <a:ext cx="63202" cy="63202"/>
             </a:xfrm>
             <a:custGeom>
@@ -20312,7 +20312,7 @@
           </p:nvSpPr>
           <p:spPr>
             <a:xfrm>
-              <a:off x="4958209" y="5379377"/>
+              <a:off x="4829059" y="5379377"/>
               <a:ext cx="63202" cy="63202"/>
             </a:xfrm>
             <a:custGeom>
@@ -20355,7 +20355,7 @@
           </p:nvSpPr>
           <p:spPr>
             <a:xfrm>
-              <a:off x="5009887" y="5320541"/>
+              <a:off x="4750514" y="5320589"/>
               <a:ext cx="63202" cy="63202"/>
             </a:xfrm>
             <a:custGeom>
@@ -20398,7 +20398,7 @@
           </p:nvSpPr>
           <p:spPr>
             <a:xfrm>
-              <a:off x="5163569" y="5339749"/>
+              <a:off x="4940591" y="5339727"/>
               <a:ext cx="63202" cy="63202"/>
             </a:xfrm>
             <a:custGeom>
@@ -20441,7 +20441,7 @@
           </p:nvSpPr>
           <p:spPr>
             <a:xfrm>
-              <a:off x="4995721" y="5379811"/>
+              <a:off x="4713706" y="5379839"/>
               <a:ext cx="63202" cy="63202"/>
             </a:xfrm>
             <a:custGeom>
@@ -20484,7 +20484,7 @@
           </p:nvSpPr>
           <p:spPr>
             <a:xfrm>
-              <a:off x="4877499" y="5356706"/>
+              <a:off x="5055404" y="5356740"/>
               <a:ext cx="63202" cy="63202"/>
             </a:xfrm>
             <a:custGeom>
@@ -20527,7 +20527,7 @@
           </p:nvSpPr>
           <p:spPr>
             <a:xfrm>
-              <a:off x="4651285" y="6155899"/>
+              <a:off x="4473066" y="6155857"/>
               <a:ext cx="63202" cy="63202"/>
             </a:xfrm>
             <a:custGeom>
@@ -20570,7 +20570,7 @@
           </p:nvSpPr>
           <p:spPr>
             <a:xfrm>
-              <a:off x="5055439" y="5635053"/>
+              <a:off x="5056183" y="5635061"/>
               <a:ext cx="63202" cy="63202"/>
             </a:xfrm>
             <a:custGeom>
@@ -20613,7 +20613,7 @@
           </p:nvSpPr>
           <p:spPr>
             <a:xfrm>
-              <a:off x="4786798" y="5347350"/>
+              <a:off x="4586785" y="5347377"/>
               <a:ext cx="63202" cy="63202"/>
             </a:xfrm>
             <a:custGeom>
@@ -20656,7 +20656,7 @@
           </p:nvSpPr>
           <p:spPr>
             <a:xfrm>
-              <a:off x="5035837" y="5342828"/>
+              <a:off x="4657351" y="5342802"/>
               <a:ext cx="63202" cy="63202"/>
             </a:xfrm>
             <a:custGeom>
@@ -20699,7 +20699,7 @@
           </p:nvSpPr>
           <p:spPr>
             <a:xfrm>
-              <a:off x="4900646" y="5407987"/>
+              <a:off x="4476919" y="5407990"/>
               <a:ext cx="63202" cy="63202"/>
             </a:xfrm>
             <a:custGeom>
@@ -20742,7 +20742,7 @@
           </p:nvSpPr>
           <p:spPr>
             <a:xfrm>
-              <a:off x="4583380" y="5382327"/>
+              <a:off x="5070881" y="5382318"/>
               <a:ext cx="63202" cy="63202"/>
             </a:xfrm>
             <a:custGeom>
@@ -20785,7 +20785,7 @@
           </p:nvSpPr>
           <p:spPr>
             <a:xfrm>
-              <a:off x="4523439" y="5361071"/>
+              <a:off x="5039082" y="5361073"/>
               <a:ext cx="63202" cy="63202"/>
             </a:xfrm>
             <a:custGeom>
@@ -20828,7 +20828,7 @@
           </p:nvSpPr>
           <p:spPr>
             <a:xfrm>
-              <a:off x="4585121" y="5948014"/>
+              <a:off x="4827281" y="5948019"/>
               <a:ext cx="63202" cy="63202"/>
             </a:xfrm>
             <a:custGeom>
@@ -20871,7 +20871,7 @@
           </p:nvSpPr>
           <p:spPr>
             <a:xfrm>
-              <a:off x="4698137" y="5349752"/>
+              <a:off x="5006278" y="5349758"/>
               <a:ext cx="63202" cy="63202"/>
             </a:xfrm>
             <a:custGeom>
@@ -20914,7 +20914,7 @@
           </p:nvSpPr>
           <p:spPr>
             <a:xfrm>
-              <a:off x="5085933" y="5400265"/>
+              <a:off x="4970422" y="5400254"/>
               <a:ext cx="63202" cy="63202"/>
             </a:xfrm>
             <a:custGeom>
@@ -20957,7 +20957,7 @@
           </p:nvSpPr>
           <p:spPr>
             <a:xfrm>
-              <a:off x="4473769" y="6278986"/>
+              <a:off x="5070201" y="6278958"/>
               <a:ext cx="63202" cy="63202"/>
             </a:xfrm>
             <a:custGeom>
@@ -21000,7 +21000,7 @@
           </p:nvSpPr>
           <p:spPr>
             <a:xfrm>
-              <a:off x="4696115" y="5674112"/>
+              <a:off x="4714434" y="5674127"/>
               <a:ext cx="63202" cy="63202"/>
             </a:xfrm>
             <a:custGeom>
@@ -21043,7 +21043,7 @@
           </p:nvSpPr>
           <p:spPr>
             <a:xfrm>
-              <a:off x="4533167" y="6265410"/>
+              <a:off x="4775202" y="6265365"/>
               <a:ext cx="63202" cy="63202"/>
             </a:xfrm>
             <a:custGeom>
@@ -21086,7 +21086,7 @@
           </p:nvSpPr>
           <p:spPr>
             <a:xfrm>
-              <a:off x="4713102" y="6265875"/>
+              <a:off x="4732375" y="6265893"/>
               <a:ext cx="63202" cy="63202"/>
             </a:xfrm>
             <a:custGeom>
@@ -21129,7 +21129,7 @@
           </p:nvSpPr>
           <p:spPr>
             <a:xfrm>
-              <a:off x="4992388" y="5337558"/>
+              <a:off x="4476197" y="5337525"/>
               <a:ext cx="63202" cy="63202"/>
             </a:xfrm>
             <a:custGeom>
@@ -21172,7 +21172,7 @@
           </p:nvSpPr>
           <p:spPr>
             <a:xfrm>
-              <a:off x="4824910" y="6111514"/>
+              <a:off x="4623479" y="6111519"/>
               <a:ext cx="63202" cy="63202"/>
             </a:xfrm>
             <a:custGeom>
@@ -21215,7 +21215,7 @@
           </p:nvSpPr>
           <p:spPr>
             <a:xfrm>
-              <a:off x="5161710" y="6421657"/>
+              <a:off x="5072814" y="6421667"/>
               <a:ext cx="63202" cy="63202"/>
             </a:xfrm>
             <a:custGeom>
@@ -21258,7 +21258,7 @@
           </p:nvSpPr>
           <p:spPr>
             <a:xfrm>
-              <a:off x="5126767" y="5616070"/>
+              <a:off x="4701567" y="5616079"/>
               <a:ext cx="63202" cy="63202"/>
             </a:xfrm>
             <a:custGeom>
@@ -21301,7 +21301,7 @@
           </p:nvSpPr>
           <p:spPr>
             <a:xfrm>
-              <a:off x="4983825" y="5368425"/>
+              <a:off x="4523681" y="5368421"/>
               <a:ext cx="63202" cy="63202"/>
             </a:xfrm>
             <a:custGeom>
@@ -21344,7 +21344,7 @@
           </p:nvSpPr>
           <p:spPr>
             <a:xfrm>
-              <a:off x="4640248" y="5825771"/>
+              <a:off x="5066993" y="5825749"/>
               <a:ext cx="63202" cy="63202"/>
             </a:xfrm>
             <a:custGeom>
@@ -21387,7 +21387,7 @@
           </p:nvSpPr>
           <p:spPr>
             <a:xfrm>
-              <a:off x="4825491" y="5418862"/>
+              <a:off x="4882039" y="5418826"/>
               <a:ext cx="63202" cy="63202"/>
             </a:xfrm>
             <a:custGeom>
@@ -21430,7 +21430,7 @@
           </p:nvSpPr>
           <p:spPr>
             <a:xfrm>
-              <a:off x="5144147" y="5355221"/>
+              <a:off x="4785613" y="5355178"/>
               <a:ext cx="63202" cy="63202"/>
             </a:xfrm>
             <a:custGeom>
@@ -21473,7 +21473,7 @@
           </p:nvSpPr>
           <p:spPr>
             <a:xfrm>
-              <a:off x="4951540" y="5625006"/>
+              <a:off x="5121411" y="5625026"/>
               <a:ext cx="63202" cy="63202"/>
             </a:xfrm>
             <a:custGeom>
@@ -21516,7 +21516,7 @@
           </p:nvSpPr>
           <p:spPr>
             <a:xfrm>
-              <a:off x="4919134" y="6248145"/>
+              <a:off x="4579230" y="6248121"/>
               <a:ext cx="63202" cy="63202"/>
             </a:xfrm>
             <a:custGeom>
@@ -21559,7 +21559,7 @@
           </p:nvSpPr>
           <p:spPr>
             <a:xfrm>
-              <a:off x="5033996" y="5433909"/>
+              <a:off x="5141899" y="5433912"/>
               <a:ext cx="63202" cy="63202"/>
             </a:xfrm>
             <a:custGeom>
@@ -21602,7 +21602,7 @@
           </p:nvSpPr>
           <p:spPr>
             <a:xfrm>
-              <a:off x="4636994" y="5367985"/>
+              <a:off x="5051266" y="5367945"/>
               <a:ext cx="63202" cy="63202"/>
             </a:xfrm>
             <a:custGeom>
@@ -21645,7 +21645,7 @@
           </p:nvSpPr>
           <p:spPr>
             <a:xfrm>
-              <a:off x="4712731" y="5430536"/>
+              <a:off x="4735163" y="5430565"/>
               <a:ext cx="63202" cy="63202"/>
             </a:xfrm>
             <a:custGeom>
@@ -21688,7 +21688,7 @@
           </p:nvSpPr>
           <p:spPr>
             <a:xfrm>
-              <a:off x="5164694" y="5362171"/>
+              <a:off x="5146551" y="5362194"/>
               <a:ext cx="63202" cy="63202"/>
             </a:xfrm>
             <a:custGeom>
@@ -21731,7 +21731,7 @@
           </p:nvSpPr>
           <p:spPr>
             <a:xfrm>
-              <a:off x="4547836" y="6059807"/>
+              <a:off x="4627817" y="6059797"/>
               <a:ext cx="63202" cy="63202"/>
             </a:xfrm>
             <a:custGeom>
@@ -21774,7 +21774,7 @@
           </p:nvSpPr>
           <p:spPr>
             <a:xfrm>
-              <a:off x="4899540" y="5382285"/>
+              <a:off x="4950536" y="5382292"/>
               <a:ext cx="63202" cy="63202"/>
             </a:xfrm>
             <a:custGeom>
@@ -21817,7 +21817,7 @@
           </p:nvSpPr>
           <p:spPr>
             <a:xfrm>
-              <a:off x="4566124" y="5465501"/>
+              <a:off x="5164525" y="5465446"/>
               <a:ext cx="63202" cy="63202"/>
             </a:xfrm>
             <a:custGeom>
@@ -21860,7 +21860,7 @@
           </p:nvSpPr>
           <p:spPr>
             <a:xfrm>
-              <a:off x="4898674" y="5406546"/>
+              <a:off x="4562340" y="5406548"/>
               <a:ext cx="63202" cy="63202"/>
             </a:xfrm>
             <a:custGeom>
@@ -21903,7 +21903,7 @@
           </p:nvSpPr>
           <p:spPr>
             <a:xfrm>
-              <a:off x="4652445" y="5379020"/>
+              <a:off x="4748386" y="5379020"/>
               <a:ext cx="63202" cy="63202"/>
             </a:xfrm>
             <a:custGeom>
@@ -21946,7 +21946,7 @@
           </p:nvSpPr>
           <p:spPr>
             <a:xfrm>
-              <a:off x="4630118" y="5977181"/>
+              <a:off x="4997663" y="5977203"/>
               <a:ext cx="63202" cy="63202"/>
             </a:xfrm>
             <a:custGeom>
@@ -21989,7 +21989,7 @@
           </p:nvSpPr>
           <p:spPr>
             <a:xfrm>
-              <a:off x="4948723" y="5378219"/>
+              <a:off x="5105456" y="5378272"/>
               <a:ext cx="63202" cy="63202"/>
             </a:xfrm>
             <a:custGeom>
@@ -22032,7 +22032,7 @@
           </p:nvSpPr>
           <p:spPr>
             <a:xfrm>
-              <a:off x="4649885" y="5381651"/>
+              <a:off x="4593864" y="5381629"/>
               <a:ext cx="63202" cy="63202"/>
             </a:xfrm>
             <a:custGeom>
@@ -22075,7 +22075,7 @@
           </p:nvSpPr>
           <p:spPr>
             <a:xfrm>
-              <a:off x="4896462" y="5345695"/>
+              <a:off x="4639401" y="5345657"/>
               <a:ext cx="63202" cy="63202"/>
             </a:xfrm>
             <a:custGeom>
@@ -22118,7 +22118,7 @@
           </p:nvSpPr>
           <p:spPr>
             <a:xfrm>
-              <a:off x="4969373" y="5370228"/>
+              <a:off x="4821655" y="5370245"/>
               <a:ext cx="63202" cy="63202"/>
             </a:xfrm>
             <a:custGeom>
@@ -22161,7 +22161,7 @@
           </p:nvSpPr>
           <p:spPr>
             <a:xfrm>
-              <a:off x="4858627" y="5384065"/>
+              <a:off x="4555185" y="5384102"/>
               <a:ext cx="63202" cy="63202"/>
             </a:xfrm>
             <a:custGeom>
@@ -22204,7 +22204,7 @@
           </p:nvSpPr>
           <p:spPr>
             <a:xfrm>
-              <a:off x="5100810" y="5523554"/>
+              <a:off x="4958393" y="5523503"/>
               <a:ext cx="63202" cy="63202"/>
             </a:xfrm>
             <a:custGeom>
@@ -22247,7 +22247,7 @@
           </p:nvSpPr>
           <p:spPr>
             <a:xfrm>
-              <a:off x="5038019" y="5333125"/>
+              <a:off x="4646518" y="5333144"/>
               <a:ext cx="63202" cy="63202"/>
             </a:xfrm>
             <a:custGeom>
@@ -22290,7 +22290,7 @@
           </p:nvSpPr>
           <p:spPr>
             <a:xfrm>
-              <a:off x="4904470" y="5361841"/>
+              <a:off x="4532392" y="5361815"/>
               <a:ext cx="63202" cy="63202"/>
             </a:xfrm>
             <a:custGeom>
@@ -22333,7 +22333,7 @@
           </p:nvSpPr>
           <p:spPr>
             <a:xfrm>
-              <a:off x="4952791" y="5409669"/>
+              <a:off x="4643259" y="5409661"/>
               <a:ext cx="63202" cy="63202"/>
             </a:xfrm>
             <a:custGeom>
@@ -22376,7 +22376,7 @@
           </p:nvSpPr>
           <p:spPr>
             <a:xfrm>
-              <a:off x="4879061" y="5353876"/>
+              <a:off x="4640765" y="5353846"/>
               <a:ext cx="63202" cy="63202"/>
             </a:xfrm>
             <a:custGeom>
@@ -22419,7 +22419,7 @@
           </p:nvSpPr>
           <p:spPr>
             <a:xfrm>
-              <a:off x="5004061" y="5393382"/>
+              <a:off x="5156913" y="5393320"/>
               <a:ext cx="63202" cy="63202"/>
             </a:xfrm>
             <a:custGeom>
@@ -22462,7 +22462,7 @@
           </p:nvSpPr>
           <p:spPr>
             <a:xfrm>
-              <a:off x="4636434" y="5369846"/>
+              <a:off x="5087903" y="5369864"/>
               <a:ext cx="63202" cy="63202"/>
             </a:xfrm>
             <a:custGeom>
@@ -22505,7 +22505,7 @@
           </p:nvSpPr>
           <p:spPr>
             <a:xfrm>
-              <a:off x="4902401" y="5370111"/>
+              <a:off x="4550223" y="5370149"/>
               <a:ext cx="63202" cy="63202"/>
             </a:xfrm>
             <a:custGeom>
@@ -22548,7 +22548,7 @@
           </p:nvSpPr>
           <p:spPr>
             <a:xfrm>
-              <a:off x="4659626" y="5385205"/>
+              <a:off x="4956232" y="5385238"/>
               <a:ext cx="63202" cy="63202"/>
             </a:xfrm>
             <a:custGeom>
@@ -22591,7 +22591,7 @@
           </p:nvSpPr>
           <p:spPr>
             <a:xfrm>
-              <a:off x="5040658" y="5344044"/>
+              <a:off x="4945209" y="5344027"/>
               <a:ext cx="63202" cy="63202"/>
             </a:xfrm>
             <a:custGeom>
@@ -22634,7 +22634,7 @@
           </p:nvSpPr>
           <p:spPr>
             <a:xfrm>
-              <a:off x="4533637" y="5376761"/>
+              <a:off x="5028278" y="5376692"/>
               <a:ext cx="63202" cy="63202"/>
             </a:xfrm>
             <a:custGeom>
@@ -22677,7 +22677,7 @@
           </p:nvSpPr>
           <p:spPr>
             <a:xfrm>
-              <a:off x="5138959" y="5390481"/>
+              <a:off x="4790923" y="5390477"/>
               <a:ext cx="63202" cy="63202"/>
             </a:xfrm>
             <a:custGeom>
@@ -22720,7 +22720,7 @@
           </p:nvSpPr>
           <p:spPr>
             <a:xfrm>
-              <a:off x="4792375" y="5349437"/>
+              <a:off x="4755752" y="5349449"/>
               <a:ext cx="63202" cy="63202"/>
             </a:xfrm>
             <a:custGeom>
@@ -22763,7 +22763,7 @@
           </p:nvSpPr>
           <p:spPr>
             <a:xfrm>
-              <a:off x="4630649" y="5384951"/>
+              <a:off x="4864143" y="5384945"/>
               <a:ext cx="63202" cy="63202"/>
             </a:xfrm>
             <a:custGeom>
@@ -22806,7 +22806,7 @@
           </p:nvSpPr>
           <p:spPr>
             <a:xfrm>
-              <a:off x="4908921" y="6357934"/>
+              <a:off x="4810504" y="6357930"/>
               <a:ext cx="63202" cy="63202"/>
             </a:xfrm>
             <a:custGeom>
@@ -22849,7 +22849,7 @@
           </p:nvSpPr>
           <p:spPr>
             <a:xfrm>
-              <a:off x="4579206" y="5372749"/>
+              <a:off x="4895869" y="5372770"/>
               <a:ext cx="63202" cy="63202"/>
             </a:xfrm>
             <a:custGeom>
@@ -22892,7 +22892,7 @@
           </p:nvSpPr>
           <p:spPr>
             <a:xfrm>
-              <a:off x="4935736" y="5401771"/>
+              <a:off x="4666757" y="5401771"/>
               <a:ext cx="63202" cy="63202"/>
             </a:xfrm>
             <a:custGeom>
@@ -22935,7 +22935,7 @@
           </p:nvSpPr>
           <p:spPr>
             <a:xfrm>
-              <a:off x="5061357" y="5344436"/>
+              <a:off x="5161582" y="5344442"/>
               <a:ext cx="63202" cy="63202"/>
             </a:xfrm>
             <a:custGeom>
@@ -22978,7 +22978,7 @@
           </p:nvSpPr>
           <p:spPr>
             <a:xfrm>
-              <a:off x="5089723" y="5318654"/>
+              <a:off x="5026413" y="5318702"/>
               <a:ext cx="63202" cy="63202"/>
             </a:xfrm>
             <a:custGeom>
@@ -23021,7 +23021,7 @@
           </p:nvSpPr>
           <p:spPr>
             <a:xfrm>
-              <a:off x="4572210" y="5339878"/>
+              <a:off x="4729196" y="5339929"/>
               <a:ext cx="63202" cy="63202"/>
             </a:xfrm>
             <a:custGeom>
@@ -23064,7 +23064,7 @@
           </p:nvSpPr>
           <p:spPr>
             <a:xfrm>
-              <a:off x="4885317" y="5370901"/>
+              <a:off x="4904510" y="5370872"/>
               <a:ext cx="63202" cy="63202"/>
             </a:xfrm>
             <a:custGeom>
@@ -23107,7 +23107,7 @@
           </p:nvSpPr>
           <p:spPr>
             <a:xfrm>
-              <a:off x="4836016" y="5355147"/>
+              <a:off x="4820893" y="5355145"/>
               <a:ext cx="63202" cy="63202"/>
             </a:xfrm>
             <a:custGeom>
@@ -23150,7 +23150,7 @@
           </p:nvSpPr>
           <p:spPr>
             <a:xfrm>
-              <a:off x="4781123" y="5342398"/>
+              <a:off x="4481251" y="5342387"/>
               <a:ext cx="63202" cy="63202"/>
             </a:xfrm>
             <a:custGeom>
@@ -23193,7 +23193,7 @@
           </p:nvSpPr>
           <p:spPr>
             <a:xfrm>
-              <a:off x="4846936" y="5362782"/>
+              <a:off x="4521749" y="5362765"/>
               <a:ext cx="63202" cy="63202"/>
             </a:xfrm>
             <a:custGeom>
@@ -23236,7 +23236,7 @@
           </p:nvSpPr>
           <p:spPr>
             <a:xfrm>
-              <a:off x="5049094" y="5340309"/>
+              <a:off x="4939580" y="5340316"/>
               <a:ext cx="63202" cy="63202"/>
             </a:xfrm>
             <a:custGeom>
@@ -23279,7 +23279,7 @@
           </p:nvSpPr>
           <p:spPr>
             <a:xfrm>
-              <a:off x="4720322" y="5467438"/>
+              <a:off x="4598181" y="5467449"/>
               <a:ext cx="63202" cy="63202"/>
             </a:xfrm>
             <a:custGeom>
@@ -23322,7 +23322,7 @@
           </p:nvSpPr>
           <p:spPr>
             <a:xfrm>
-              <a:off x="4951259" y="5378548"/>
+              <a:off x="4618781" y="5378555"/>
               <a:ext cx="63202" cy="63202"/>
             </a:xfrm>
             <a:custGeom>
@@ -23365,7 +23365,7 @@
           </p:nvSpPr>
           <p:spPr>
             <a:xfrm>
-              <a:off x="4876712" y="5466346"/>
+              <a:off x="5110956" y="5466354"/>
               <a:ext cx="63202" cy="63202"/>
             </a:xfrm>
             <a:custGeom>
@@ -23408,7 +23408,7 @@
           </p:nvSpPr>
           <p:spPr>
             <a:xfrm>
-              <a:off x="5138089" y="5452055"/>
+              <a:off x="5128601" y="5452096"/>
               <a:ext cx="63202" cy="63202"/>
             </a:xfrm>
             <a:custGeom>
@@ -23451,7 +23451,7 @@
           </p:nvSpPr>
           <p:spPr>
             <a:xfrm>
-              <a:off x="4889881" y="5343158"/>
+              <a:off x="4584604" y="5343128"/>
               <a:ext cx="63202" cy="63202"/>
             </a:xfrm>
             <a:custGeom>
@@ -23494,7 +23494,7 @@
           </p:nvSpPr>
           <p:spPr>
             <a:xfrm>
-              <a:off x="5033063" y="5374007"/>
+              <a:off x="4751008" y="5374021"/>
               <a:ext cx="63202" cy="63202"/>
             </a:xfrm>
             <a:custGeom>
@@ -23537,7 +23537,7 @@
           </p:nvSpPr>
           <p:spPr>
             <a:xfrm>
-              <a:off x="4651874" y="5378121"/>
+              <a:off x="4600083" y="5378151"/>
               <a:ext cx="63202" cy="63202"/>
             </a:xfrm>
             <a:custGeom>
@@ -23580,7 +23580,7 @@
           </p:nvSpPr>
           <p:spPr>
             <a:xfrm>
-              <a:off x="5041964" y="5337115"/>
+              <a:off x="4892205" y="5337058"/>
               <a:ext cx="63202" cy="63202"/>
             </a:xfrm>
             <a:custGeom>
@@ -23623,7 +23623,7 @@
           </p:nvSpPr>
           <p:spPr>
             <a:xfrm>
-              <a:off x="4692844" y="5342073"/>
+              <a:off x="5084040" y="5342096"/>
               <a:ext cx="63202" cy="63202"/>
             </a:xfrm>
             <a:custGeom>
@@ -23666,7 +23666,7 @@
           </p:nvSpPr>
           <p:spPr>
             <a:xfrm>
-              <a:off x="5024869" y="5349245"/>
+              <a:off x="4761883" y="5349235"/>
               <a:ext cx="63202" cy="63202"/>
             </a:xfrm>
             <a:custGeom>
@@ -23709,7 +23709,7 @@
           </p:nvSpPr>
           <p:spPr>
             <a:xfrm>
-              <a:off x="4937699" y="6050924"/>
+              <a:off x="4878199" y="6050872"/>
               <a:ext cx="63202" cy="63202"/>
             </a:xfrm>
             <a:custGeom>
@@ -23752,7 +23752,7 @@
           </p:nvSpPr>
           <p:spPr>
             <a:xfrm>
-              <a:off x="4687120" y="5377285"/>
+              <a:off x="4624499" y="5377317"/>
               <a:ext cx="63202" cy="63202"/>
             </a:xfrm>
             <a:custGeom>
@@ -23795,7 +23795,7 @@
           </p:nvSpPr>
           <p:spPr>
             <a:xfrm>
-              <a:off x="4823357" y="5383998"/>
+              <a:off x="4840336" y="5383985"/>
               <a:ext cx="63202" cy="63202"/>
             </a:xfrm>
             <a:custGeom>
@@ -23838,7 +23838,7 @@
           </p:nvSpPr>
           <p:spPr>
             <a:xfrm>
-              <a:off x="4991552" y="5378250"/>
+              <a:off x="4567369" y="5378243"/>
               <a:ext cx="63202" cy="63202"/>
             </a:xfrm>
             <a:custGeom>
@@ -23881,7 +23881,7 @@
           </p:nvSpPr>
           <p:spPr>
             <a:xfrm>
-              <a:off x="5067916" y="5379920"/>
+              <a:off x="5112020" y="5379952"/>
               <a:ext cx="63202" cy="63202"/>
             </a:xfrm>
             <a:custGeom>
@@ -23924,7 +23924,7 @@
           </p:nvSpPr>
           <p:spPr>
             <a:xfrm>
-              <a:off x="4636144" y="5374390"/>
+              <a:off x="5132485" y="5374389"/>
               <a:ext cx="63202" cy="63202"/>
             </a:xfrm>
             <a:custGeom>
@@ -23967,7 +23967,7 @@
           </p:nvSpPr>
           <p:spPr>
             <a:xfrm>
-              <a:off x="5056821" y="5408721"/>
+              <a:off x="4478902" y="5408761"/>
               <a:ext cx="63202" cy="63202"/>
             </a:xfrm>
             <a:custGeom>
@@ -24010,7 +24010,7 @@
           </p:nvSpPr>
           <p:spPr>
             <a:xfrm>
-              <a:off x="4727468" y="5368897"/>
+              <a:off x="5114562" y="5368861"/>
               <a:ext cx="63202" cy="63202"/>
             </a:xfrm>
             <a:custGeom>
@@ -24053,7 +24053,7 @@
           </p:nvSpPr>
           <p:spPr>
             <a:xfrm>
-              <a:off x="5149212" y="5335162"/>
+              <a:off x="4780014" y="5335155"/>
               <a:ext cx="63202" cy="63202"/>
             </a:xfrm>
             <a:custGeom>
@@ -24096,7 +24096,7 @@
           </p:nvSpPr>
           <p:spPr>
             <a:xfrm>
-              <a:off x="4827002" y="5776517"/>
+              <a:off x="5167385" y="5776519"/>
               <a:ext cx="63202" cy="63202"/>
             </a:xfrm>
             <a:custGeom>
@@ -24139,7 +24139,7 @@
           </p:nvSpPr>
           <p:spPr>
             <a:xfrm>
-              <a:off x="4559843" y="5359469"/>
+              <a:off x="4472130" y="5359474"/>
               <a:ext cx="63202" cy="63202"/>
             </a:xfrm>
             <a:custGeom>
@@ -24182,7 +24182,7 @@
           </p:nvSpPr>
           <p:spPr>
             <a:xfrm>
-              <a:off x="5147331" y="5326819"/>
+              <a:off x="4953827" y="5326794"/>
               <a:ext cx="63202" cy="63202"/>
             </a:xfrm>
             <a:custGeom>
@@ -24225,7 +24225,7 @@
           </p:nvSpPr>
           <p:spPr>
             <a:xfrm>
-              <a:off x="4949637" y="5342148"/>
+              <a:off x="4983671" y="5342144"/>
               <a:ext cx="63202" cy="63202"/>
             </a:xfrm>
             <a:custGeom>
@@ -24268,7 +24268,7 @@
           </p:nvSpPr>
           <p:spPr>
             <a:xfrm>
-              <a:off x="5078621" y="5377357"/>
+              <a:off x="5010590" y="5377395"/>
               <a:ext cx="63202" cy="63202"/>
             </a:xfrm>
             <a:custGeom>
@@ -24311,7 +24311,7 @@
           </p:nvSpPr>
           <p:spPr>
             <a:xfrm>
-              <a:off x="4905091" y="5335496"/>
+              <a:off x="4718784" y="5335474"/>
               <a:ext cx="63202" cy="63202"/>
             </a:xfrm>
             <a:custGeom>
@@ -24354,7 +24354,7 @@
           </p:nvSpPr>
           <p:spPr>
             <a:xfrm>
-              <a:off x="4805090" y="5670457"/>
+              <a:off x="4508962" y="5670437"/>
               <a:ext cx="63202" cy="63202"/>
             </a:xfrm>
             <a:custGeom>
@@ -24397,7 +24397,7 @@
           </p:nvSpPr>
           <p:spPr>
             <a:xfrm>
-              <a:off x="4975168" y="5780317"/>
+              <a:off x="4572241" y="5780313"/>
               <a:ext cx="63202" cy="63202"/>
             </a:xfrm>
             <a:custGeom>
@@ -24440,7 +24440,7 @@
           </p:nvSpPr>
           <p:spPr>
             <a:xfrm>
-              <a:off x="5096339" y="5387847"/>
+              <a:off x="5152065" y="5387873"/>
               <a:ext cx="63202" cy="63202"/>
             </a:xfrm>
             <a:custGeom>
@@ -24483,7 +24483,7 @@
           </p:nvSpPr>
           <p:spPr>
             <a:xfrm>
-              <a:off x="5118059" y="5386807"/>
+              <a:off x="4702187" y="5386836"/>
               <a:ext cx="63202" cy="63202"/>
             </a:xfrm>
             <a:custGeom>
@@ -24526,7 +24526,7 @@
           </p:nvSpPr>
           <p:spPr>
             <a:xfrm>
-              <a:off x="4779386" y="5361233"/>
+              <a:off x="4875877" y="5361280"/>
               <a:ext cx="63202" cy="63202"/>
             </a:xfrm>
             <a:custGeom>
@@ -24569,7 +24569,7 @@
           </p:nvSpPr>
           <p:spPr>
             <a:xfrm>
-              <a:off x="5068201" y="6354307"/>
+              <a:off x="4915417" y="6354312"/>
               <a:ext cx="63202" cy="63202"/>
             </a:xfrm>
             <a:custGeom>
@@ -24612,7 +24612,7 @@
           </p:nvSpPr>
           <p:spPr>
             <a:xfrm>
-              <a:off x="4924522" y="5435384"/>
+              <a:off x="5017932" y="5435341"/>
               <a:ext cx="63202" cy="63202"/>
             </a:xfrm>
             <a:custGeom>
@@ -24655,7 +24655,7 @@
           </p:nvSpPr>
           <p:spPr>
             <a:xfrm>
-              <a:off x="4850644" y="5431303"/>
+              <a:off x="4559477" y="5431315"/>
               <a:ext cx="63202" cy="63202"/>
             </a:xfrm>
             <a:custGeom>
@@ -24698,7 +24698,7 @@
           </p:nvSpPr>
           <p:spPr>
             <a:xfrm>
-              <a:off x="4729466" y="5436624"/>
+              <a:off x="4665593" y="5436567"/>
               <a:ext cx="63202" cy="63202"/>
             </a:xfrm>
             <a:custGeom>
@@ -24741,7 +24741,7 @@
           </p:nvSpPr>
           <p:spPr>
             <a:xfrm>
-              <a:off x="4942873" y="5878817"/>
+              <a:off x="4708100" y="5878807"/>
               <a:ext cx="63202" cy="63202"/>
             </a:xfrm>
             <a:custGeom>
@@ -24784,7 +24784,7 @@
           </p:nvSpPr>
           <p:spPr>
             <a:xfrm>
-              <a:off x="5145824" y="5586898"/>
+              <a:off x="5099769" y="5586867"/>
               <a:ext cx="63202" cy="63202"/>
             </a:xfrm>
             <a:custGeom>
@@ -24827,7 +24827,7 @@
           </p:nvSpPr>
           <p:spPr>
             <a:xfrm>
-              <a:off x="4782409" y="5328993"/>
+              <a:off x="5160600" y="5328932"/>
               <a:ext cx="63202" cy="63202"/>
             </a:xfrm>
             <a:custGeom>
@@ -24870,7 +24870,7 @@
           </p:nvSpPr>
           <p:spPr>
             <a:xfrm>
-              <a:off x="4985298" y="5431509"/>
+              <a:off x="4473027" y="5431463"/>
               <a:ext cx="63202" cy="63202"/>
             </a:xfrm>
             <a:custGeom>
@@ -24913,7 +24913,7 @@
           </p:nvSpPr>
           <p:spPr>
             <a:xfrm>
-              <a:off x="4937780" y="5492088"/>
+              <a:off x="4772982" y="5492132"/>
               <a:ext cx="63202" cy="63202"/>
             </a:xfrm>
             <a:custGeom>
@@ -24956,7 +24956,7 @@
           </p:nvSpPr>
           <p:spPr>
             <a:xfrm>
-              <a:off x="4544687" y="5337345"/>
+              <a:off x="5126801" y="5337327"/>
               <a:ext cx="63202" cy="63202"/>
             </a:xfrm>
             <a:custGeom>
@@ -24999,7 +24999,7 @@
           </p:nvSpPr>
           <p:spPr>
             <a:xfrm>
-              <a:off x="5048730" y="5337763"/>
+              <a:off x="4669732" y="5337773"/>
               <a:ext cx="63202" cy="63202"/>
             </a:xfrm>
             <a:custGeom>
@@ -25042,7 +25042,7 @@
           </p:nvSpPr>
           <p:spPr>
             <a:xfrm>
-              <a:off x="5149669" y="5358896"/>
+              <a:off x="4977095" y="5358878"/>
               <a:ext cx="63202" cy="63202"/>
             </a:xfrm>
             <a:custGeom>
@@ -25085,7 +25085,7 @@
           </p:nvSpPr>
           <p:spPr>
             <a:xfrm>
-              <a:off x="4648792" y="5430554"/>
+              <a:off x="4500429" y="5430510"/>
               <a:ext cx="63202" cy="63202"/>
             </a:xfrm>
             <a:custGeom>
@@ -25128,7 +25128,7 @@
           </p:nvSpPr>
           <p:spPr>
             <a:xfrm>
-              <a:off x="4612890" y="5381632"/>
+              <a:off x="4702016" y="5381621"/>
               <a:ext cx="63202" cy="63202"/>
             </a:xfrm>
             <a:custGeom>
@@ -25171,7 +25171,7 @@
           </p:nvSpPr>
           <p:spPr>
             <a:xfrm>
-              <a:off x="4814902" y="5376282"/>
+              <a:off x="4791679" y="5376236"/>
               <a:ext cx="63202" cy="63202"/>
             </a:xfrm>
             <a:custGeom>
@@ -25214,7 +25214,7 @@
           </p:nvSpPr>
           <p:spPr>
             <a:xfrm>
-              <a:off x="5155844" y="5364258"/>
+              <a:off x="4978840" y="5364295"/>
               <a:ext cx="63202" cy="63202"/>
             </a:xfrm>
             <a:custGeom>
@@ -25257,7 +25257,7 @@
           </p:nvSpPr>
           <p:spPr>
             <a:xfrm>
-              <a:off x="4857122" y="5528762"/>
+              <a:off x="5035728" y="5528690"/>
               <a:ext cx="63202" cy="63202"/>
             </a:xfrm>
             <a:custGeom>
@@ -25300,7 +25300,7 @@
           </p:nvSpPr>
           <p:spPr>
             <a:xfrm>
-              <a:off x="4508647" y="5376077"/>
+              <a:off x="5053069" y="5376062"/>
               <a:ext cx="63202" cy="63202"/>
             </a:xfrm>
             <a:custGeom>
@@ -25343,7 +25343,7 @@
           </p:nvSpPr>
           <p:spPr>
             <a:xfrm>
-              <a:off x="4677379" y="5354618"/>
+              <a:off x="4867882" y="5354634"/>
               <a:ext cx="63202" cy="63202"/>
             </a:xfrm>
             <a:custGeom>
@@ -25386,7 +25386,7 @@
           </p:nvSpPr>
           <p:spPr>
             <a:xfrm>
-              <a:off x="4849004" y="6055227"/>
+              <a:off x="4709032" y="6055242"/>
               <a:ext cx="63202" cy="63202"/>
             </a:xfrm>
             <a:custGeom>
@@ -25429,7 +25429,7 @@
           </p:nvSpPr>
           <p:spPr>
             <a:xfrm>
-              <a:off x="4741277" y="5346903"/>
+              <a:off x="4865783" y="5346927"/>
               <a:ext cx="63202" cy="63202"/>
             </a:xfrm>
             <a:custGeom>
@@ -25472,7 +25472,7 @@
           </p:nvSpPr>
           <p:spPr>
             <a:xfrm>
-              <a:off x="4844573" y="5364378"/>
+              <a:off x="5006814" y="5364344"/>
               <a:ext cx="63202" cy="63202"/>
             </a:xfrm>
             <a:custGeom>
@@ -25515,7 +25515,7 @@
           </p:nvSpPr>
           <p:spPr>
             <a:xfrm>
-              <a:off x="4548090" y="5380158"/>
+              <a:off x="4899050" y="5380100"/>
               <a:ext cx="63202" cy="63202"/>
             </a:xfrm>
             <a:custGeom>
@@ -25558,7 +25558,7 @@
           </p:nvSpPr>
           <p:spPr>
             <a:xfrm>
-              <a:off x="5552359" y="6745015"/>
+              <a:off x="5532450" y="6745015"/>
               <a:ext cx="63202" cy="63202"/>
             </a:xfrm>
             <a:custGeom>
@@ -25601,7 +25601,7 @@
           </p:nvSpPr>
           <p:spPr>
             <a:xfrm>
-              <a:off x="4566067" y="5337821"/>
+              <a:off x="5047374" y="5337848"/>
               <a:ext cx="63202" cy="63202"/>
             </a:xfrm>
             <a:custGeom>
@@ -25644,7 +25644,7 @@
           </p:nvSpPr>
           <p:spPr>
             <a:xfrm>
-              <a:off x="4744191" y="5382048"/>
+              <a:off x="4764507" y="5382036"/>
               <a:ext cx="63202" cy="63202"/>
             </a:xfrm>
             <a:custGeom>
@@ -25687,7 +25687,7 @@
           </p:nvSpPr>
           <p:spPr>
             <a:xfrm>
-              <a:off x="4585424" y="5372970"/>
+              <a:off x="4516950" y="5372950"/>
               <a:ext cx="63202" cy="63202"/>
             </a:xfrm>
             <a:custGeom>
@@ -25730,7 +25730,7 @@
           </p:nvSpPr>
           <p:spPr>
             <a:xfrm>
-              <a:off x="4640141" y="5334821"/>
+              <a:off x="4717615" y="5334797"/>
               <a:ext cx="63202" cy="63202"/>
             </a:xfrm>
             <a:custGeom>
@@ -25773,7 +25773,7 @@
           </p:nvSpPr>
           <p:spPr>
             <a:xfrm>
-              <a:off x="4860885" y="5360866"/>
+              <a:off x="4794589" y="5360867"/>
               <a:ext cx="63202" cy="63202"/>
             </a:xfrm>
             <a:custGeom>
@@ -25816,7 +25816,7 @@
           </p:nvSpPr>
           <p:spPr>
             <a:xfrm>
-              <a:off x="4792186" y="5352340"/>
+              <a:off x="4742094" y="5352349"/>
               <a:ext cx="63202" cy="63202"/>
             </a:xfrm>
             <a:custGeom>
@@ -25859,7 +25859,7 @@
           </p:nvSpPr>
           <p:spPr>
             <a:xfrm>
-              <a:off x="4990925" y="5361447"/>
+              <a:off x="4962160" y="5361462"/>
               <a:ext cx="63202" cy="63202"/>
             </a:xfrm>
             <a:custGeom>
@@ -25902,7 +25902,7 @@
           </p:nvSpPr>
           <p:spPr>
             <a:xfrm>
-              <a:off x="5065820" y="5342247"/>
+              <a:off x="4702179" y="5342237"/>
               <a:ext cx="63202" cy="63202"/>
             </a:xfrm>
             <a:custGeom>
@@ -25945,7 +25945,7 @@
           </p:nvSpPr>
           <p:spPr>
             <a:xfrm>
-              <a:off x="5123536" y="5387197"/>
+              <a:off x="4475082" y="5387216"/>
               <a:ext cx="63202" cy="63202"/>
             </a:xfrm>
             <a:custGeom>
@@ -25988,7 +25988,7 @@
           </p:nvSpPr>
           <p:spPr>
             <a:xfrm>
-              <a:off x="4704775" y="5694129"/>
+              <a:off x="4487270" y="5694150"/>
               <a:ext cx="63202" cy="63202"/>
             </a:xfrm>
             <a:custGeom>
@@ -26031,7 +26031,7 @@
           </p:nvSpPr>
           <p:spPr>
             <a:xfrm>
-              <a:off x="5099657" y="5346439"/>
+              <a:off x="5002907" y="5346400"/>
               <a:ext cx="63202" cy="63202"/>
             </a:xfrm>
             <a:custGeom>
@@ -26074,7 +26074,7 @@
           </p:nvSpPr>
           <p:spPr>
             <a:xfrm>
-              <a:off x="5115275" y="5396908"/>
+              <a:off x="4623508" y="5396959"/>
               <a:ext cx="63202" cy="63202"/>
             </a:xfrm>
             <a:custGeom>
@@ -26117,7 +26117,7 @@
           </p:nvSpPr>
           <p:spPr>
             <a:xfrm>
-              <a:off x="5106628" y="5395358"/>
+              <a:off x="4828597" y="5395331"/>
               <a:ext cx="63202" cy="63202"/>
             </a:xfrm>
             <a:custGeom>
@@ -26160,7 +26160,7 @@
           </p:nvSpPr>
           <p:spPr>
             <a:xfrm>
-              <a:off x="5023564" y="5337293"/>
+              <a:off x="4877694" y="5337237"/>
               <a:ext cx="63202" cy="63202"/>
             </a:xfrm>
             <a:custGeom>
@@ -26203,7 +26203,7 @@
           </p:nvSpPr>
           <p:spPr>
             <a:xfrm>
-              <a:off x="4880333" y="5379355"/>
+              <a:off x="4629051" y="5379363"/>
               <a:ext cx="63202" cy="63202"/>
             </a:xfrm>
             <a:custGeom>
@@ -26246,7 +26246,7 @@
           </p:nvSpPr>
           <p:spPr>
             <a:xfrm>
-              <a:off x="4799156" y="5846000"/>
+              <a:off x="4589346" y="5846044"/>
               <a:ext cx="63202" cy="63202"/>
             </a:xfrm>
             <a:custGeom>
@@ -26289,7 +26289,7 @@
           </p:nvSpPr>
           <p:spPr>
             <a:xfrm>
-              <a:off x="4589032" y="5384355"/>
+              <a:off x="4569773" y="5384385"/>
               <a:ext cx="63202" cy="63202"/>
             </a:xfrm>
             <a:custGeom>
@@ -26332,7 +26332,7 @@
           </p:nvSpPr>
           <p:spPr>
             <a:xfrm>
-              <a:off x="4714284" y="5395577"/>
+              <a:off x="5100958" y="5395608"/>
               <a:ext cx="63202" cy="63202"/>
             </a:xfrm>
             <a:custGeom>
@@ -26375,7 +26375,7 @@
           </p:nvSpPr>
           <p:spPr>
             <a:xfrm>
-              <a:off x="4713488" y="5363048"/>
+              <a:off x="4554561" y="5363007"/>
               <a:ext cx="63202" cy="63202"/>
             </a:xfrm>
             <a:custGeom>
@@ -26418,7 +26418,7 @@
           </p:nvSpPr>
           <p:spPr>
             <a:xfrm>
-              <a:off x="4531903" y="5332197"/>
+              <a:off x="4882963" y="5332167"/>
               <a:ext cx="63202" cy="63202"/>
             </a:xfrm>
             <a:custGeom>
@@ -26461,7 +26461,7 @@
           </p:nvSpPr>
           <p:spPr>
             <a:xfrm>
-              <a:off x="4522978" y="5346931"/>
+              <a:off x="4705091" y="5346905"/>
               <a:ext cx="63202" cy="63202"/>
             </a:xfrm>
             <a:custGeom>
@@ -26504,7 +26504,7 @@
           </p:nvSpPr>
           <p:spPr>
             <a:xfrm>
-              <a:off x="4705637" y="5394178"/>
+              <a:off x="4516524" y="5394159"/>
               <a:ext cx="63202" cy="63202"/>
             </a:xfrm>
             <a:custGeom>
@@ -26547,7 +26547,7 @@
           </p:nvSpPr>
           <p:spPr>
             <a:xfrm>
-              <a:off x="4878522" y="5339613"/>
+              <a:off x="5056689" y="5339595"/>
               <a:ext cx="63202" cy="63202"/>
             </a:xfrm>
             <a:custGeom>
@@ -26590,7 +26590,7 @@
           </p:nvSpPr>
           <p:spPr>
             <a:xfrm>
-              <a:off x="4893251" y="5346617"/>
+              <a:off x="4748090" y="5346622"/>
               <a:ext cx="63202" cy="63202"/>
             </a:xfrm>
             <a:custGeom>
@@ -26633,7 +26633,7 @@
           </p:nvSpPr>
           <p:spPr>
             <a:xfrm>
-              <a:off x="4556360" y="5402811"/>
+              <a:off x="4640751" y="5402821"/>
               <a:ext cx="63202" cy="63202"/>
             </a:xfrm>
             <a:custGeom>
@@ -26676,7 +26676,7 @@
           </p:nvSpPr>
           <p:spPr>
             <a:xfrm>
-              <a:off x="4505530" y="5398379"/>
+              <a:off x="5017705" y="5398311"/>
               <a:ext cx="63202" cy="63202"/>
             </a:xfrm>
             <a:custGeom>
@@ -26719,7 +26719,7 @@
           </p:nvSpPr>
           <p:spPr>
             <a:xfrm>
-              <a:off x="4603506" y="5533481"/>
+              <a:off x="5017124" y="5533433"/>
               <a:ext cx="63202" cy="63202"/>
             </a:xfrm>
             <a:custGeom>
@@ -26762,7 +26762,7 @@
           </p:nvSpPr>
           <p:spPr>
             <a:xfrm>
-              <a:off x="4971482" y="5384958"/>
+              <a:off x="4970633" y="5384926"/>
               <a:ext cx="63202" cy="63202"/>
             </a:xfrm>
             <a:custGeom>
@@ -26805,7 +26805,7 @@
           </p:nvSpPr>
           <p:spPr>
             <a:xfrm>
-              <a:off x="6836870" y="6807885"/>
+              <a:off x="6359493" y="6807902"/>
               <a:ext cx="63202" cy="63202"/>
             </a:xfrm>
             <a:custGeom>
@@ -26848,7 +26848,7 @@
           </p:nvSpPr>
           <p:spPr>
             <a:xfrm>
-              <a:off x="4790302" y="5350764"/>
+              <a:off x="4955260" y="5350770"/>
               <a:ext cx="63202" cy="63202"/>
             </a:xfrm>
             <a:custGeom>
@@ -26891,7 +26891,7 @@
           </p:nvSpPr>
           <p:spPr>
             <a:xfrm>
-              <a:off x="4477203" y="5378605"/>
+              <a:off x="5017306" y="5378618"/>
               <a:ext cx="63202" cy="63202"/>
             </a:xfrm>
             <a:custGeom>
@@ -26934,7 +26934,7 @@
           </p:nvSpPr>
           <p:spPr>
             <a:xfrm>
-              <a:off x="4555795" y="5357322"/>
+              <a:off x="4983361" y="5357278"/>
               <a:ext cx="63202" cy="63202"/>
             </a:xfrm>
             <a:custGeom>
@@ -26977,7 +26977,7 @@
           </p:nvSpPr>
           <p:spPr>
             <a:xfrm>
-              <a:off x="4791639" y="5345860"/>
+              <a:off x="4850777" y="5345882"/>
               <a:ext cx="63202" cy="63202"/>
             </a:xfrm>
             <a:custGeom>
@@ -27020,7 +27020,7 @@
           </p:nvSpPr>
           <p:spPr>
             <a:xfrm>
-              <a:off x="4511666" y="5348100"/>
+              <a:off x="4608277" y="5348095"/>
               <a:ext cx="63202" cy="63202"/>
             </a:xfrm>
             <a:custGeom>
@@ -27063,7 +27063,7 @@
           </p:nvSpPr>
           <p:spPr>
             <a:xfrm>
-              <a:off x="4826451" y="5355191"/>
+              <a:off x="4845660" y="5355237"/>
               <a:ext cx="63202" cy="63202"/>
             </a:xfrm>
             <a:custGeom>
@@ -27106,7 +27106,7 @@
           </p:nvSpPr>
           <p:spPr>
             <a:xfrm>
-              <a:off x="5065943" y="5342820"/>
+              <a:off x="4964423" y="5342872"/>
               <a:ext cx="63202" cy="63202"/>
             </a:xfrm>
             <a:custGeom>
@@ -27149,7 +27149,7 @@
           </p:nvSpPr>
           <p:spPr>
             <a:xfrm>
-              <a:off x="4580457" y="5332230"/>
+              <a:off x="4675394" y="5332253"/>
               <a:ext cx="63202" cy="63202"/>
             </a:xfrm>
             <a:custGeom>
@@ -27192,7 +27192,7 @@
           </p:nvSpPr>
           <p:spPr>
             <a:xfrm>
-              <a:off x="4602868" y="5396653"/>
+              <a:off x="5046196" y="5396638"/>
               <a:ext cx="63202" cy="63202"/>
             </a:xfrm>
             <a:custGeom>
@@ -27235,7 +27235,7 @@
           </p:nvSpPr>
           <p:spPr>
             <a:xfrm>
-              <a:off x="4922415" y="5408378"/>
+              <a:off x="5138933" y="5408347"/>
               <a:ext cx="63202" cy="63202"/>
             </a:xfrm>
             <a:custGeom>
@@ -27278,7 +27278,7 @@
           </p:nvSpPr>
           <p:spPr>
             <a:xfrm>
-              <a:off x="4720822" y="5347375"/>
+              <a:off x="5157072" y="5347351"/>
               <a:ext cx="63202" cy="63202"/>
             </a:xfrm>
             <a:custGeom>
@@ -27321,7 +27321,7 @@
           </p:nvSpPr>
           <p:spPr>
             <a:xfrm>
-              <a:off x="5023776" y="5355898"/>
+              <a:off x="4791876" y="5355829"/>
               <a:ext cx="63202" cy="63202"/>
             </a:xfrm>
             <a:custGeom>
@@ -27364,7 +27364,7 @@
           </p:nvSpPr>
           <p:spPr>
             <a:xfrm>
-              <a:off x="4588582" y="5357448"/>
+              <a:off x="4504231" y="5357462"/>
               <a:ext cx="63202" cy="63202"/>
             </a:xfrm>
             <a:custGeom>
@@ -27407,7 +27407,7 @@
           </p:nvSpPr>
           <p:spPr>
             <a:xfrm>
-              <a:off x="4705036" y="5378329"/>
+              <a:off x="4948713" y="5378366"/>
               <a:ext cx="63202" cy="63202"/>
             </a:xfrm>
             <a:custGeom>
@@ -27450,7 +27450,7 @@
           </p:nvSpPr>
           <p:spPr>
             <a:xfrm>
-              <a:off x="4734221" y="5323217"/>
+              <a:off x="4963948" y="5323198"/>
               <a:ext cx="63202" cy="63202"/>
             </a:xfrm>
             <a:custGeom>
@@ -27493,7 +27493,7 @@
           </p:nvSpPr>
           <p:spPr>
             <a:xfrm>
-              <a:off x="4512737" y="5415904"/>
+              <a:off x="5054496" y="5415892"/>
               <a:ext cx="63202" cy="63202"/>
             </a:xfrm>
             <a:custGeom>
@@ -27536,7 +27536,7 @@
           </p:nvSpPr>
           <p:spPr>
             <a:xfrm>
-              <a:off x="5090455" y="5345799"/>
+              <a:off x="5036843" y="5345794"/>
               <a:ext cx="63202" cy="63202"/>
             </a:xfrm>
             <a:custGeom>
@@ -27579,7 +27579,7 @@
           </p:nvSpPr>
           <p:spPr>
             <a:xfrm>
-              <a:off x="4730400" y="5329776"/>
+              <a:off x="4838330" y="5329808"/>
               <a:ext cx="63202" cy="63202"/>
             </a:xfrm>
             <a:custGeom>
@@ -27622,7 +27622,7 @@
           </p:nvSpPr>
           <p:spPr>
             <a:xfrm>
-              <a:off x="5027012" y="5548643"/>
+              <a:off x="4570651" y="5548647"/>
               <a:ext cx="63202" cy="63202"/>
             </a:xfrm>
             <a:custGeom>
@@ -27665,7 +27665,7 @@
           </p:nvSpPr>
           <p:spPr>
             <a:xfrm>
-              <a:off x="4955219" y="5534304"/>
+              <a:off x="4573836" y="5534304"/>
               <a:ext cx="63202" cy="63202"/>
             </a:xfrm>
             <a:custGeom>
@@ -27708,7 +27708,7 @@
           </p:nvSpPr>
           <p:spPr>
             <a:xfrm>
-              <a:off x="4728481" y="5329799"/>
+              <a:off x="4955322" y="5329809"/>
               <a:ext cx="63202" cy="63202"/>
             </a:xfrm>
             <a:custGeom>
@@ -27751,7 +27751,7 @@
           </p:nvSpPr>
           <p:spPr>
             <a:xfrm>
-              <a:off x="4610658" y="5340094"/>
+              <a:off x="4996619" y="5340100"/>
               <a:ext cx="63202" cy="63202"/>
             </a:xfrm>
             <a:custGeom>
@@ -27794,7 +27794,7 @@
           </p:nvSpPr>
           <p:spPr>
             <a:xfrm>
-              <a:off x="4904911" y="5348981"/>
+              <a:off x="4646515" y="5348986"/>
               <a:ext cx="63202" cy="63202"/>
             </a:xfrm>
             <a:custGeom>
@@ -27837,7 +27837,7 @@
           </p:nvSpPr>
           <p:spPr>
             <a:xfrm>
-              <a:off x="4488203" y="5373083"/>
+              <a:off x="5087029" y="5373059"/>
               <a:ext cx="63202" cy="63202"/>
             </a:xfrm>
             <a:custGeom>
@@ -27880,7 +27880,7 @@
           </p:nvSpPr>
           <p:spPr>
             <a:xfrm>
-              <a:off x="4999369" y="5377167"/>
+              <a:off x="4795392" y="5377190"/>
               <a:ext cx="63202" cy="63202"/>
             </a:xfrm>
             <a:custGeom>
@@ -27923,7 +27923,7 @@
           </p:nvSpPr>
           <p:spPr>
             <a:xfrm>
-              <a:off x="4670378" y="5318260"/>
+              <a:off x="4901339" y="5318304"/>
               <a:ext cx="63202" cy="63202"/>
             </a:xfrm>
             <a:custGeom>
@@ -27966,7 +27966,7 @@
           </p:nvSpPr>
           <p:spPr>
             <a:xfrm>
-              <a:off x="4714918" y="5353851"/>
+              <a:off x="4794753" y="5353859"/>
               <a:ext cx="63202" cy="63202"/>
             </a:xfrm>
             <a:custGeom>
@@ -28009,7 +28009,7 @@
           </p:nvSpPr>
           <p:spPr>
             <a:xfrm>
-              <a:off x="5016742" y="5361604"/>
+              <a:off x="4793216" y="5361636"/>
               <a:ext cx="63202" cy="63202"/>
             </a:xfrm>
             <a:custGeom>
@@ -28052,7 +28052,7 @@
           </p:nvSpPr>
           <p:spPr>
             <a:xfrm>
-              <a:off x="5004650" y="5434522"/>
+              <a:off x="5116662" y="5434522"/>
               <a:ext cx="63202" cy="63202"/>
             </a:xfrm>
             <a:custGeom>
@@ -28095,7 +28095,7 @@
           </p:nvSpPr>
           <p:spPr>
             <a:xfrm>
-              <a:off x="5043736" y="5337075"/>
+              <a:off x="4977873" y="5337050"/>
               <a:ext cx="63202" cy="63202"/>
             </a:xfrm>
             <a:custGeom>
@@ -28138,7 +28138,7 @@
           </p:nvSpPr>
           <p:spPr>
             <a:xfrm>
-              <a:off x="4760977" y="5338841"/>
+              <a:off x="5134158" y="5338838"/>
               <a:ext cx="63202" cy="63202"/>
             </a:xfrm>
             <a:custGeom>
@@ -28181,7 +28181,7 @@
           </p:nvSpPr>
           <p:spPr>
             <a:xfrm>
-              <a:off x="4549306" y="5421960"/>
+              <a:off x="4824904" y="5421947"/>
               <a:ext cx="63202" cy="63202"/>
             </a:xfrm>
             <a:custGeom>
@@ -28224,7 +28224,7 @@
           </p:nvSpPr>
           <p:spPr>
             <a:xfrm>
-              <a:off x="4882483" y="5348763"/>
+              <a:off x="4926407" y="5348758"/>
               <a:ext cx="63202" cy="63202"/>
             </a:xfrm>
             <a:custGeom>
@@ -28267,7 +28267,7 @@
           </p:nvSpPr>
           <p:spPr>
             <a:xfrm>
-              <a:off x="4754631" y="5355834"/>
+              <a:off x="4849103" y="5355850"/>
               <a:ext cx="63202" cy="63202"/>
             </a:xfrm>
             <a:custGeom>
@@ -28310,7 +28310,7 @@
           </p:nvSpPr>
           <p:spPr>
             <a:xfrm>
-              <a:off x="4511385" y="5372087"/>
+              <a:off x="4977051" y="5372068"/>
               <a:ext cx="63202" cy="63202"/>
             </a:xfrm>
             <a:custGeom>
@@ -28353,7 +28353,7 @@
           </p:nvSpPr>
           <p:spPr>
             <a:xfrm>
-              <a:off x="4942048" y="5363809"/>
+              <a:off x="5100440" y="5363799"/>
               <a:ext cx="63202" cy="63202"/>
             </a:xfrm>
             <a:custGeom>
@@ -28396,7 +28396,7 @@
           </p:nvSpPr>
           <p:spPr>
             <a:xfrm>
-              <a:off x="4679329" y="5367208"/>
+              <a:off x="4612872" y="5367188"/>
               <a:ext cx="63202" cy="63202"/>
             </a:xfrm>
             <a:custGeom>
@@ -28439,7 +28439,7 @@
           </p:nvSpPr>
           <p:spPr>
             <a:xfrm>
-              <a:off x="4509714" y="5381654"/>
+              <a:off x="4597137" y="5381630"/>
               <a:ext cx="63202" cy="63202"/>
             </a:xfrm>
             <a:custGeom>
@@ -28482,7 +28482,7 @@
           </p:nvSpPr>
           <p:spPr>
             <a:xfrm>
-              <a:off x="4762410" y="5377410"/>
+              <a:off x="4585117" y="5377390"/>
               <a:ext cx="63202" cy="63202"/>
             </a:xfrm>
             <a:custGeom>
@@ -28525,7 +28525,7 @@
           </p:nvSpPr>
           <p:spPr>
             <a:xfrm>
-              <a:off x="4902653" y="5360992"/>
+              <a:off x="4854600" y="5360957"/>
               <a:ext cx="63202" cy="63202"/>
             </a:xfrm>
             <a:custGeom>
@@ -28568,7 +28568,7 @@
           </p:nvSpPr>
           <p:spPr>
             <a:xfrm>
-              <a:off x="4882068" y="5378061"/>
+              <a:off x="4983710" y="5378066"/>
               <a:ext cx="63202" cy="63202"/>
             </a:xfrm>
             <a:custGeom>
@@ -28611,7 +28611,7 @@
           </p:nvSpPr>
           <p:spPr>
             <a:xfrm>
-              <a:off x="4806331" y="5379210"/>
+              <a:off x="5093770" y="5379160"/>
               <a:ext cx="63202" cy="63202"/>
             </a:xfrm>
             <a:custGeom>
@@ -28654,7 +28654,7 @@
           </p:nvSpPr>
           <p:spPr>
             <a:xfrm>
-              <a:off x="4554486" y="6240476"/>
+              <a:off x="4787116" y="6240441"/>
               <a:ext cx="63202" cy="63202"/>
             </a:xfrm>
             <a:custGeom>
@@ -28697,7 +28697,7 @@
           </p:nvSpPr>
           <p:spPr>
             <a:xfrm>
-              <a:off x="4842631" y="5375992"/>
+              <a:off x="4801074" y="5375965"/>
               <a:ext cx="63202" cy="63202"/>
             </a:xfrm>
             <a:custGeom>
@@ -28740,7 +28740,7 @@
           </p:nvSpPr>
           <p:spPr>
             <a:xfrm>
-              <a:off x="4567018" y="5356643"/>
+              <a:off x="5035601" y="5356587"/>
               <a:ext cx="63202" cy="63202"/>
             </a:xfrm>
             <a:custGeom>
@@ -28783,7 +28783,7 @@
           </p:nvSpPr>
           <p:spPr>
             <a:xfrm>
-              <a:off x="4565597" y="5411848"/>
+              <a:off x="4578007" y="5411824"/>
               <a:ext cx="63202" cy="63202"/>
             </a:xfrm>
             <a:custGeom>
@@ -28826,7 +28826,7 @@
           </p:nvSpPr>
           <p:spPr>
             <a:xfrm>
-              <a:off x="4732740" y="5376886"/>
+              <a:off x="4654454" y="5376949"/>
               <a:ext cx="63202" cy="63202"/>
             </a:xfrm>
             <a:custGeom>
@@ -28869,7 +28869,7 @@
           </p:nvSpPr>
           <p:spPr>
             <a:xfrm>
-              <a:off x="5096174" y="5373930"/>
+              <a:off x="5051480" y="5373899"/>
               <a:ext cx="63202" cy="63202"/>
             </a:xfrm>
             <a:custGeom>
@@ -28912,7 +28912,7 @@
           </p:nvSpPr>
           <p:spPr>
             <a:xfrm>
-              <a:off x="4552745" y="5348227"/>
+              <a:off x="5001234" y="5348253"/>
               <a:ext cx="63202" cy="63202"/>
             </a:xfrm>
             <a:custGeom>
@@ -28955,7 +28955,7 @@
           </p:nvSpPr>
           <p:spPr>
             <a:xfrm>
-              <a:off x="4994704" y="5348689"/>
+              <a:off x="4884226" y="5348671"/>
               <a:ext cx="63202" cy="63202"/>
             </a:xfrm>
             <a:custGeom>
@@ -28998,7 +28998,7 @@
           </p:nvSpPr>
           <p:spPr>
             <a:xfrm>
-              <a:off x="4632621" y="5349174"/>
+              <a:off x="4835076" y="5349167"/>
               <a:ext cx="63202" cy="63202"/>
             </a:xfrm>
             <a:custGeom>
@@ -29041,7 +29041,7 @@
           </p:nvSpPr>
           <p:spPr>
             <a:xfrm>
-              <a:off x="5056877" y="6303931"/>
+              <a:off x="5050788" y="6303895"/>
               <a:ext cx="63202" cy="63202"/>
             </a:xfrm>
             <a:custGeom>
@@ -29084,7 +29084,7 @@
           </p:nvSpPr>
           <p:spPr>
             <a:xfrm>
-              <a:off x="4973816" y="5980186"/>
+              <a:off x="4819871" y="5980196"/>
               <a:ext cx="63202" cy="63202"/>
             </a:xfrm>
             <a:custGeom>
@@ -29127,7 +29127,7 @@
           </p:nvSpPr>
           <p:spPr>
             <a:xfrm>
-              <a:off x="5027219" y="5973554"/>
+              <a:off x="4680454" y="5973586"/>
               <a:ext cx="63202" cy="63202"/>
             </a:xfrm>
             <a:custGeom>
@@ -29170,7 +29170,7 @@
           </p:nvSpPr>
           <p:spPr>
             <a:xfrm>
-              <a:off x="4917910" y="6107760"/>
+              <a:off x="4844201" y="6107702"/>
               <a:ext cx="63202" cy="63202"/>
             </a:xfrm>
             <a:custGeom>
@@ -29213,7 +29213,7 @@
           </p:nvSpPr>
           <p:spPr>
             <a:xfrm>
-              <a:off x="4688814" y="5358511"/>
+              <a:off x="4511164" y="5358477"/>
               <a:ext cx="63202" cy="63202"/>
             </a:xfrm>
             <a:custGeom>
@@ -29256,7 +29256,7 @@
           </p:nvSpPr>
           <p:spPr>
             <a:xfrm>
-              <a:off x="5508382" y="6626890"/>
+              <a:off x="5529720" y="6626876"/>
               <a:ext cx="63202" cy="63202"/>
             </a:xfrm>
             <a:custGeom>
@@ -29299,7 +29299,7 @@
           </p:nvSpPr>
           <p:spPr>
             <a:xfrm>
-              <a:off x="5168002" y="5784849"/>
+              <a:off x="4880962" y="5784821"/>
               <a:ext cx="63202" cy="63202"/>
             </a:xfrm>
             <a:custGeom>
@@ -29342,7 +29342,7 @@
           </p:nvSpPr>
           <p:spPr>
             <a:xfrm>
-              <a:off x="4585586" y="5356993"/>
+              <a:off x="5109999" y="5356965"/>
               <a:ext cx="63202" cy="63202"/>
             </a:xfrm>
             <a:custGeom>
@@ -29385,7 +29385,7 @@
           </p:nvSpPr>
           <p:spPr>
             <a:xfrm>
-              <a:off x="4689135" y="5335363"/>
+              <a:off x="4873380" y="5335358"/>
               <a:ext cx="63202" cy="63202"/>
             </a:xfrm>
             <a:custGeom>
@@ -29428,7 +29428,7 @@
           </p:nvSpPr>
           <p:spPr>
             <a:xfrm>
-              <a:off x="5085077" y="5401547"/>
+              <a:off x="4761687" y="5401579"/>
               <a:ext cx="63202" cy="63202"/>
             </a:xfrm>
             <a:custGeom>
@@ -29471,7 +29471,7 @@
           </p:nvSpPr>
           <p:spPr>
             <a:xfrm>
-              <a:off x="4915367" y="5340127"/>
+              <a:off x="4957533" y="5340092"/>
               <a:ext cx="63202" cy="63202"/>
             </a:xfrm>
             <a:custGeom>
@@ -29514,7 +29514,7 @@
           </p:nvSpPr>
           <p:spPr>
             <a:xfrm>
-              <a:off x="4552661" y="5363690"/>
+              <a:off x="5167611" y="5363723"/>
               <a:ext cx="63202" cy="63202"/>
             </a:xfrm>
             <a:custGeom>
@@ -29557,7 +29557,7 @@
           </p:nvSpPr>
           <p:spPr>
             <a:xfrm>
-              <a:off x="4653868" y="5349338"/>
+              <a:off x="5141844" y="5349368"/>
               <a:ext cx="63202" cy="63202"/>
             </a:xfrm>
             <a:custGeom>
@@ -29600,7 +29600,7 @@
           </p:nvSpPr>
           <p:spPr>
             <a:xfrm>
-              <a:off x="4978084" y="5466690"/>
+              <a:off x="4657578" y="5466724"/>
               <a:ext cx="63202" cy="63202"/>
             </a:xfrm>
             <a:custGeom>
@@ -29643,7 +29643,7 @@
           </p:nvSpPr>
           <p:spPr>
             <a:xfrm>
-              <a:off x="4504731" y="5343991"/>
+              <a:off x="5080862" y="5343978"/>
               <a:ext cx="63202" cy="63202"/>
             </a:xfrm>
             <a:custGeom>
@@ -29686,7 +29686,7 @@
           </p:nvSpPr>
           <p:spPr>
             <a:xfrm>
-              <a:off x="4638888" y="5429718"/>
+              <a:off x="4762052" y="5429701"/>
               <a:ext cx="63202" cy="63202"/>
             </a:xfrm>
             <a:custGeom>
@@ -29729,7 +29729,7 @@
           </p:nvSpPr>
           <p:spPr>
             <a:xfrm>
-              <a:off x="4806083" y="5349699"/>
+              <a:off x="4654404" y="5349706"/>
               <a:ext cx="63202" cy="63202"/>
             </a:xfrm>
             <a:custGeom>
@@ -29772,7 +29772,7 @@
           </p:nvSpPr>
           <p:spPr>
             <a:xfrm>
-              <a:off x="4637606" y="5365494"/>
+              <a:off x="4937345" y="5365530"/>
               <a:ext cx="63202" cy="63202"/>
             </a:xfrm>
             <a:custGeom>
@@ -29815,7 +29815,7 @@
           </p:nvSpPr>
           <p:spPr>
             <a:xfrm>
-              <a:off x="4863877" y="5318035"/>
+              <a:off x="4585085" y="5317974"/>
               <a:ext cx="63202" cy="63202"/>
             </a:xfrm>
             <a:custGeom>
@@ -29858,7 +29858,7 @@
           </p:nvSpPr>
           <p:spPr>
             <a:xfrm>
-              <a:off x="4477167" y="5373631"/>
+              <a:off x="4829875" y="5373586"/>
               <a:ext cx="63202" cy="63202"/>
             </a:xfrm>
             <a:custGeom>
@@ -29901,7 +29901,7 @@
           </p:nvSpPr>
           <p:spPr>
             <a:xfrm>
-              <a:off x="4867275" y="5374401"/>
+              <a:off x="5028913" y="5374351"/>
               <a:ext cx="63202" cy="63202"/>
             </a:xfrm>
             <a:custGeom>
@@ -29944,7 +29944,7 @@
           </p:nvSpPr>
           <p:spPr>
             <a:xfrm>
-              <a:off x="4626910" y="5372860"/>
+              <a:off x="4800361" y="5372828"/>
               <a:ext cx="63202" cy="63202"/>
             </a:xfrm>
             <a:custGeom>
@@ -29987,7 +29987,7 @@
           </p:nvSpPr>
           <p:spPr>
             <a:xfrm>
-              <a:off x="4863849" y="5372775"/>
+              <a:off x="4702167" y="5372762"/>
               <a:ext cx="63202" cy="63202"/>
             </a:xfrm>
             <a:custGeom>
@@ -30030,7 +30030,7 @@
           </p:nvSpPr>
           <p:spPr>
             <a:xfrm>
-              <a:off x="4618193" y="5370959"/>
+              <a:off x="5107729" y="5370968"/>
               <a:ext cx="63202" cy="63202"/>
             </a:xfrm>
             <a:custGeom>
@@ -30073,7 +30073,7 @@
           </p:nvSpPr>
           <p:spPr>
             <a:xfrm>
-              <a:off x="5111906" y="5385683"/>
+              <a:off x="4684597" y="5385674"/>
               <a:ext cx="63202" cy="63202"/>
             </a:xfrm>
             <a:custGeom>
@@ -30116,7 +30116,7 @@
           </p:nvSpPr>
           <p:spPr>
             <a:xfrm>
-              <a:off x="4867864" y="5502202"/>
+              <a:off x="5008258" y="5502190"/>
               <a:ext cx="63202" cy="63202"/>
             </a:xfrm>
             <a:custGeom>
@@ -30159,7 +30159,7 @@
           </p:nvSpPr>
           <p:spPr>
             <a:xfrm>
-              <a:off x="4805757" y="5360806"/>
+              <a:off x="4611899" y="5360778"/>
               <a:ext cx="63202" cy="63202"/>
             </a:xfrm>
             <a:custGeom>
@@ -30202,7 +30202,7 @@
           </p:nvSpPr>
           <p:spPr>
             <a:xfrm>
-              <a:off x="4732519" y="5348882"/>
+              <a:off x="4809552" y="5348887"/>
               <a:ext cx="63202" cy="63202"/>
             </a:xfrm>
             <a:custGeom>
@@ -30245,7 +30245,7 @@
           </p:nvSpPr>
           <p:spPr>
             <a:xfrm>
-              <a:off x="4775108" y="5592906"/>
+              <a:off x="4732557" y="5592891"/>
               <a:ext cx="63202" cy="63202"/>
             </a:xfrm>
             <a:custGeom>
@@ -30288,7 +30288,7 @@
           </p:nvSpPr>
           <p:spPr>
             <a:xfrm>
-              <a:off x="4869003" y="5441465"/>
+              <a:off x="4694374" y="5441484"/>
               <a:ext cx="63202" cy="63202"/>
             </a:xfrm>
             <a:custGeom>
@@ -30331,7 +30331,7 @@
           </p:nvSpPr>
           <p:spPr>
             <a:xfrm>
-              <a:off x="4887856" y="5368803"/>
+              <a:off x="4637032" y="5368801"/>
               <a:ext cx="63202" cy="63202"/>
             </a:xfrm>
             <a:custGeom>
@@ -30374,7 +30374,7 @@
           </p:nvSpPr>
           <p:spPr>
             <a:xfrm>
-              <a:off x="4780576" y="5337001"/>
+              <a:off x="4707576" y="5337009"/>
               <a:ext cx="63202" cy="63202"/>
             </a:xfrm>
             <a:custGeom>
@@ -30417,7 +30417,7 @@
           </p:nvSpPr>
           <p:spPr>
             <a:xfrm>
-              <a:off x="4930071" y="5358248"/>
+              <a:off x="4746262" y="5358206"/>
               <a:ext cx="63202" cy="63202"/>
             </a:xfrm>
             <a:custGeom>
@@ -30460,7 +30460,7 @@
           </p:nvSpPr>
           <p:spPr>
             <a:xfrm>
-              <a:off x="5056399" y="5514003"/>
+              <a:off x="4996674" y="5514033"/>
               <a:ext cx="63202" cy="63202"/>
             </a:xfrm>
             <a:custGeom>
@@ -30503,7 +30503,7 @@
           </p:nvSpPr>
           <p:spPr>
             <a:xfrm>
-              <a:off x="5130367" y="5386441"/>
+              <a:off x="4967779" y="5386480"/>
               <a:ext cx="63202" cy="63202"/>
             </a:xfrm>
             <a:custGeom>
@@ -30546,7 +30546,7 @@
           </p:nvSpPr>
           <p:spPr>
             <a:xfrm>
-              <a:off x="4868523" y="5466739"/>
+              <a:off x="4552086" y="5466730"/>
               <a:ext cx="63202" cy="63202"/>
             </a:xfrm>
             <a:custGeom>
@@ -30589,7 +30589,7 @@
           </p:nvSpPr>
           <p:spPr>
             <a:xfrm>
-              <a:off x="4497476" y="5383648"/>
+              <a:off x="4639311" y="5383653"/>
               <a:ext cx="63202" cy="63202"/>
             </a:xfrm>
             <a:custGeom>
@@ -30688,7 +30688,7 @@
           </p:nvSpPr>
           <p:spPr>
             <a:xfrm>
-              <a:off x="7192078" y="2850773"/>
+              <a:off x="7192078" y="2850779"/>
               <a:ext cx="2796732" cy="0"/>
             </a:xfrm>
             <a:custGeom>
@@ -30731,7 +30731,7 @@
           </p:nvSpPr>
           <p:spPr>
             <a:xfrm>
-              <a:off x="7192078" y="2378734"/>
+              <a:off x="7192078" y="2378736"/>
               <a:ext cx="2796732" cy="0"/>
             </a:xfrm>
             <a:custGeom>
@@ -30774,7 +30774,7 @@
           </p:nvSpPr>
           <p:spPr>
             <a:xfrm>
-              <a:off x="7192078" y="1906695"/>
+              <a:off x="7192078" y="1906693"/>
               <a:ext cx="2796732" cy="0"/>
             </a:xfrm>
             <a:custGeom>
@@ -30817,7 +30817,7 @@
           </p:nvSpPr>
           <p:spPr>
             <a:xfrm>
-              <a:off x="7192078" y="1434656"/>
+              <a:off x="7192078" y="1434650"/>
               <a:ext cx="2796732" cy="0"/>
             </a:xfrm>
             <a:custGeom>
@@ -30860,7 +30860,7 @@
           </p:nvSpPr>
           <p:spPr>
             <a:xfrm>
-              <a:off x="7192078" y="2614753"/>
+              <a:off x="7192078" y="2614757"/>
               <a:ext cx="2796732" cy="0"/>
             </a:xfrm>
             <a:custGeom>
@@ -30903,7 +30903,7 @@
           </p:nvSpPr>
           <p:spPr>
             <a:xfrm>
-              <a:off x="7192078" y="2142714"/>
+              <a:off x="7192078" y="2142715"/>
               <a:ext cx="2796732" cy="0"/>
             </a:xfrm>
             <a:custGeom>
@@ -30946,7 +30946,7 @@
           </p:nvSpPr>
           <p:spPr>
             <a:xfrm>
-              <a:off x="7192078" y="1670675"/>
+              <a:off x="7192078" y="1670672"/>
               <a:ext cx="2796732" cy="0"/>
             </a:xfrm>
             <a:custGeom>
@@ -31118,7 +31118,7 @@
           </p:nvSpPr>
           <p:spPr>
             <a:xfrm>
-              <a:off x="7410217" y="2541648"/>
+              <a:off x="7419906" y="2541595"/>
               <a:ext cx="63202" cy="63202"/>
             </a:xfrm>
             <a:custGeom>
@@ -31161,7 +31161,7 @@
           </p:nvSpPr>
           <p:spPr>
             <a:xfrm>
-              <a:off x="7455875" y="2383096"/>
+              <a:off x="7627635" y="2383067"/>
               <a:ext cx="63202" cy="63202"/>
             </a:xfrm>
             <a:custGeom>
@@ -31204,7 +31204,7 @@
           </p:nvSpPr>
           <p:spPr>
             <a:xfrm>
-              <a:off x="7354957" y="2106220"/>
+              <a:off x="7786583" y="2106214"/>
               <a:ext cx="63202" cy="63202"/>
             </a:xfrm>
             <a:custGeom>
@@ -31247,7 +31247,7 @@
           </p:nvSpPr>
           <p:spPr>
             <a:xfrm>
-              <a:off x="7608418" y="2223705"/>
+              <a:off x="7782356" y="2223756"/>
               <a:ext cx="63202" cy="63202"/>
             </a:xfrm>
             <a:custGeom>
@@ -31290,7 +31290,7 @@
           </p:nvSpPr>
           <p:spPr>
             <a:xfrm>
-              <a:off x="7367474" y="2151603"/>
+              <a:off x="7378478" y="2151581"/>
               <a:ext cx="63202" cy="63202"/>
             </a:xfrm>
             <a:custGeom>
@@ -31333,7 +31333,7 @@
           </p:nvSpPr>
           <p:spPr>
             <a:xfrm>
-              <a:off x="7666139" y="1773901"/>
+              <a:off x="7680719" y="1773882"/>
               <a:ext cx="63202" cy="63202"/>
             </a:xfrm>
             <a:custGeom>
@@ -31376,7 +31376,7 @@
           </p:nvSpPr>
           <p:spPr>
             <a:xfrm>
-              <a:off x="7997608" y="2347811"/>
+              <a:off x="7939986" y="2347764"/>
               <a:ext cx="63202" cy="63202"/>
             </a:xfrm>
             <a:custGeom>
@@ -31419,7 +31419,7 @@
           </p:nvSpPr>
           <p:spPr>
             <a:xfrm>
-              <a:off x="7521083" y="2386907"/>
+              <a:off x="7873765" y="2386916"/>
               <a:ext cx="63202" cy="63202"/>
             </a:xfrm>
             <a:custGeom>
@@ -31462,7 +31462,7 @@
           </p:nvSpPr>
           <p:spPr>
             <a:xfrm>
-              <a:off x="7756942" y="2151272"/>
+              <a:off x="7576257" y="2151261"/>
               <a:ext cx="63202" cy="63202"/>
             </a:xfrm>
             <a:custGeom>
@@ -31505,7 +31505,7 @@
           </p:nvSpPr>
           <p:spPr>
             <a:xfrm>
-              <a:off x="7640527" y="2172576"/>
+              <a:off x="7773866" y="2172537"/>
               <a:ext cx="63202" cy="63202"/>
             </a:xfrm>
             <a:custGeom>
@@ -31548,7 +31548,7 @@
           </p:nvSpPr>
           <p:spPr>
             <a:xfrm>
-              <a:off x="7353227" y="2349950"/>
+              <a:off x="7997182" y="2349966"/>
               <a:ext cx="63202" cy="63202"/>
             </a:xfrm>
             <a:custGeom>
@@ -31591,7 +31591,7 @@
           </p:nvSpPr>
           <p:spPr>
             <a:xfrm>
-              <a:off x="7607489" y="2632323"/>
+              <a:off x="7740248" y="2632343"/>
               <a:ext cx="63202" cy="63202"/>
             </a:xfrm>
             <a:custGeom>
@@ -31634,7 +31634,7 @@
           </p:nvSpPr>
           <p:spPr>
             <a:xfrm>
-              <a:off x="7621035" y="2443503"/>
+              <a:off x="7713037" y="2443527"/>
               <a:ext cx="63202" cy="63202"/>
             </a:xfrm>
             <a:custGeom>
@@ -31677,7 +31677,7 @@
           </p:nvSpPr>
           <p:spPr>
             <a:xfrm>
-              <a:off x="7624243" y="2356726"/>
+              <a:off x="7792960" y="2356744"/>
               <a:ext cx="63202" cy="63202"/>
             </a:xfrm>
             <a:custGeom>
@@ -31720,7 +31720,7 @@
           </p:nvSpPr>
           <p:spPr>
             <a:xfrm>
-              <a:off x="7401394" y="2351007"/>
+              <a:off x="7831658" y="2350988"/>
               <a:ext cx="63202" cy="63202"/>
             </a:xfrm>
             <a:custGeom>
@@ -31763,7 +31763,7 @@
           </p:nvSpPr>
           <p:spPr>
             <a:xfrm>
-              <a:off x="7622518" y="2573068"/>
+              <a:off x="7520219" y="2573086"/>
               <a:ext cx="63202" cy="63202"/>
             </a:xfrm>
             <a:custGeom>
@@ -31806,7 +31806,7 @@
           </p:nvSpPr>
           <p:spPr>
             <a:xfrm>
-              <a:off x="7551919" y="2364467"/>
+              <a:off x="7914396" y="2364516"/>
               <a:ext cx="63202" cy="63202"/>
             </a:xfrm>
             <a:custGeom>
@@ -31849,7 +31849,7 @@
           </p:nvSpPr>
           <p:spPr>
             <a:xfrm>
-              <a:off x="7862876" y="2220499"/>
+              <a:off x="7924293" y="2220552"/>
               <a:ext cx="63202" cy="63202"/>
             </a:xfrm>
             <a:custGeom>
@@ -31892,7 +31892,7 @@
           </p:nvSpPr>
           <p:spPr>
             <a:xfrm>
-              <a:off x="7634051" y="2514147"/>
+              <a:off x="7845378" y="2514112"/>
               <a:ext cx="63202" cy="63202"/>
             </a:xfrm>
             <a:custGeom>
@@ -31935,7 +31935,7 @@
           </p:nvSpPr>
           <p:spPr>
             <a:xfrm>
-              <a:off x="7446758" y="2324118"/>
+              <a:off x="7709520" y="2324108"/>
               <a:ext cx="63202" cy="63202"/>
             </a:xfrm>
             <a:custGeom>
@@ -31978,7 +31978,7 @@
           </p:nvSpPr>
           <p:spPr>
             <a:xfrm>
-              <a:off x="7996199" y="2315803"/>
+              <a:off x="7599434" y="2315816"/>
               <a:ext cx="63202" cy="63202"/>
             </a:xfrm>
             <a:custGeom>
@@ -32021,7 +32021,7 @@
           </p:nvSpPr>
           <p:spPr>
             <a:xfrm>
-              <a:off x="7872153" y="2382724"/>
+              <a:off x="7376348" y="2382760"/>
               <a:ext cx="63202" cy="63202"/>
             </a:xfrm>
             <a:custGeom>
@@ -32064,7 +32064,7 @@
           </p:nvSpPr>
           <p:spPr>
             <a:xfrm>
-              <a:off x="7657377" y="2559418"/>
+              <a:off x="7425957" y="2559452"/>
               <a:ext cx="63202" cy="63202"/>
             </a:xfrm>
             <a:custGeom>
@@ -32107,7 +32107,7 @@
           </p:nvSpPr>
           <p:spPr>
             <a:xfrm>
-              <a:off x="7829643" y="2387527"/>
+              <a:off x="8021038" y="2387535"/>
               <a:ext cx="63202" cy="63202"/>
             </a:xfrm>
             <a:custGeom>
@@ -32150,7 +32150,7 @@
           </p:nvSpPr>
           <p:spPr>
             <a:xfrm>
-              <a:off x="7736831" y="2348904"/>
+              <a:off x="7754460" y="2348923"/>
               <a:ext cx="63202" cy="63202"/>
             </a:xfrm>
             <a:custGeom>
@@ -32193,7 +32193,7 @@
           </p:nvSpPr>
           <p:spPr>
             <a:xfrm>
-              <a:off x="7916221" y="1774243"/>
+              <a:off x="7652037" y="1774299"/>
               <a:ext cx="63202" cy="63202"/>
             </a:xfrm>
             <a:custGeom>
@@ -32236,7 +32236,7 @@
           </p:nvSpPr>
           <p:spPr>
             <a:xfrm>
-              <a:off x="7764972" y="2361039"/>
+              <a:off x="7399953" y="2360978"/>
               <a:ext cx="63202" cy="63202"/>
             </a:xfrm>
             <a:custGeom>
@@ -32279,7 +32279,7 @@
           </p:nvSpPr>
           <p:spPr>
             <a:xfrm>
-              <a:off x="7760689" y="2352789"/>
+              <a:off x="8010244" y="2352792"/>
               <a:ext cx="63202" cy="63202"/>
             </a:xfrm>
             <a:custGeom>
@@ -32322,7 +32322,7 @@
           </p:nvSpPr>
           <p:spPr>
             <a:xfrm>
-              <a:off x="7884494" y="1771117"/>
+              <a:off x="7971436" y="1771165"/>
               <a:ext cx="63202" cy="63202"/>
             </a:xfrm>
             <a:custGeom>
@@ -32365,7 +32365,7 @@
           </p:nvSpPr>
           <p:spPr>
             <a:xfrm>
-              <a:off x="7706186" y="2228906"/>
+              <a:off x="7917169" y="2228917"/>
               <a:ext cx="63202" cy="63202"/>
             </a:xfrm>
             <a:custGeom>
@@ -32408,7 +32408,7 @@
           </p:nvSpPr>
           <p:spPr>
             <a:xfrm>
-              <a:off x="7352191" y="2269925"/>
+              <a:off x="7441631" y="2269935"/>
               <a:ext cx="63202" cy="63202"/>
             </a:xfrm>
             <a:custGeom>
@@ -32451,7 +32451,7 @@
           </p:nvSpPr>
           <p:spPr>
             <a:xfrm>
-              <a:off x="7801688" y="2290678"/>
+              <a:off x="7689303" y="2290708"/>
               <a:ext cx="63202" cy="63202"/>
             </a:xfrm>
             <a:custGeom>
@@ -32494,7 +32494,7 @@
           </p:nvSpPr>
           <p:spPr>
             <a:xfrm>
-              <a:off x="7598146" y="2265244"/>
+              <a:off x="7864271" y="2265246"/>
               <a:ext cx="63202" cy="63202"/>
             </a:xfrm>
             <a:custGeom>
@@ -32537,7 +32537,7 @@
           </p:nvSpPr>
           <p:spPr>
             <a:xfrm>
-              <a:off x="7897214" y="2267456"/>
+              <a:off x="7680122" y="2267426"/>
               <a:ext cx="63202" cy="63202"/>
             </a:xfrm>
             <a:custGeom>
@@ -32580,7 +32580,7 @@
           </p:nvSpPr>
           <p:spPr>
             <a:xfrm>
-              <a:off x="7884786" y="2265648"/>
+              <a:off x="7690789" y="2265653"/>
               <a:ext cx="63202" cy="63202"/>
             </a:xfrm>
             <a:custGeom>
@@ -32623,7 +32623,7 @@
           </p:nvSpPr>
           <p:spPr>
             <a:xfrm>
-              <a:off x="7915079" y="2315247"/>
+              <a:off x="7993707" y="2315249"/>
               <a:ext cx="63202" cy="63202"/>
             </a:xfrm>
             <a:custGeom>
@@ -32666,7 +32666,7 @@
           </p:nvSpPr>
           <p:spPr>
             <a:xfrm>
-              <a:off x="7953666" y="2318211"/>
+              <a:off x="7405170" y="2318209"/>
               <a:ext cx="63202" cy="63202"/>
             </a:xfrm>
             <a:custGeom>
@@ -32709,7 +32709,7 @@
           </p:nvSpPr>
           <p:spPr>
             <a:xfrm>
-              <a:off x="7526532" y="2439828"/>
+              <a:off x="7452975" y="2439850"/>
               <a:ext cx="63202" cy="63202"/>
             </a:xfrm>
             <a:custGeom>
@@ -32752,7 +32752,7 @@
           </p:nvSpPr>
           <p:spPr>
             <a:xfrm>
-              <a:off x="7626035" y="2368292"/>
+              <a:off x="7351727" y="2368273"/>
               <a:ext cx="63202" cy="63202"/>
             </a:xfrm>
             <a:custGeom>
@@ -32795,7 +32795,7 @@
           </p:nvSpPr>
           <p:spPr>
             <a:xfrm>
-              <a:off x="7645192" y="2223721"/>
+              <a:off x="7974467" y="2223729"/>
               <a:ext cx="63202" cy="63202"/>
             </a:xfrm>
             <a:custGeom>
@@ -32838,7 +32838,7 @@
           </p:nvSpPr>
           <p:spPr>
             <a:xfrm>
-              <a:off x="7491699" y="2546833"/>
+              <a:off x="7650191" y="2546847"/>
               <a:ext cx="63202" cy="63202"/>
             </a:xfrm>
             <a:custGeom>
@@ -32881,7 +32881,7 @@
           </p:nvSpPr>
           <p:spPr>
             <a:xfrm>
-              <a:off x="7938164" y="2401343"/>
+              <a:off x="7822458" y="2401288"/>
               <a:ext cx="63202" cy="63202"/>
             </a:xfrm>
             <a:custGeom>
@@ -32924,7 +32924,7 @@
           </p:nvSpPr>
           <p:spPr>
             <a:xfrm>
-              <a:off x="7727065" y="2222151"/>
+              <a:off x="7448211" y="2222153"/>
               <a:ext cx="63202" cy="63202"/>
             </a:xfrm>
             <a:custGeom>
@@ -32967,7 +32967,7 @@
           </p:nvSpPr>
           <p:spPr>
             <a:xfrm>
-              <a:off x="7419082" y="2220552"/>
+              <a:off x="7790233" y="2220548"/>
               <a:ext cx="63202" cy="63202"/>
             </a:xfrm>
             <a:custGeom>
@@ -33010,7 +33010,7 @@
           </p:nvSpPr>
           <p:spPr>
             <a:xfrm>
-              <a:off x="7629816" y="2311424"/>
+              <a:off x="7464273" y="2311429"/>
               <a:ext cx="63202" cy="63202"/>
             </a:xfrm>
             <a:custGeom>
@@ -33053,7 +33053,7 @@
           </p:nvSpPr>
           <p:spPr>
             <a:xfrm>
-              <a:off x="7724684" y="2221721"/>
+              <a:off x="7671469" y="2221775"/>
               <a:ext cx="63202" cy="63202"/>
             </a:xfrm>
             <a:custGeom>
@@ -33096,7 +33096,7 @@
           </p:nvSpPr>
           <p:spPr>
             <a:xfrm>
-              <a:off x="8032204" y="2151641"/>
+              <a:off x="7952392" y="2151618"/>
               <a:ext cx="63202" cy="63202"/>
             </a:xfrm>
             <a:custGeom>
@@ -33195,7 +33195,7 @@
           </p:nvSpPr>
           <p:spPr>
             <a:xfrm>
-              <a:off x="7192078" y="4776106"/>
+              <a:off x="7192078" y="4776111"/>
               <a:ext cx="2796732" cy="0"/>
             </a:xfrm>
             <a:custGeom>
@@ -33238,7 +33238,7 @@
           </p:nvSpPr>
           <p:spPr>
             <a:xfrm>
-              <a:off x="7192078" y="4304066"/>
+              <a:off x="7192078" y="4304069"/>
               <a:ext cx="2796732" cy="0"/>
             </a:xfrm>
             <a:custGeom>
@@ -33281,7 +33281,7 @@
           </p:nvSpPr>
           <p:spPr>
             <a:xfrm>
-              <a:off x="7192078" y="3832027"/>
+              <a:off x="7192078" y="3832026"/>
               <a:ext cx="2796732" cy="0"/>
             </a:xfrm>
             <a:custGeom>
@@ -33324,7 +33324,7 @@
           </p:nvSpPr>
           <p:spPr>
             <a:xfrm>
-              <a:off x="7192078" y="3359988"/>
+              <a:off x="7192078" y="3359983"/>
               <a:ext cx="2796732" cy="0"/>
             </a:xfrm>
             <a:custGeom>
@@ -33367,7 +33367,7 @@
           </p:nvSpPr>
           <p:spPr>
             <a:xfrm>
-              <a:off x="7192078" y="4540086"/>
+              <a:off x="7192078" y="4540090"/>
               <a:ext cx="2796732" cy="0"/>
             </a:xfrm>
             <a:custGeom>
@@ -33453,7 +33453,7 @@
           </p:nvSpPr>
           <p:spPr>
             <a:xfrm>
-              <a:off x="7192078" y="3596008"/>
+              <a:off x="7192078" y="3596004"/>
               <a:ext cx="2796732" cy="0"/>
             </a:xfrm>
             <a:custGeom>
@@ -33625,7 +33625,7 @@
           </p:nvSpPr>
           <p:spPr>
             <a:xfrm>
-              <a:off x="7408537" y="4037448"/>
+              <a:off x="7516043" y="4037520"/>
               <a:ext cx="63202" cy="63202"/>
             </a:xfrm>
             <a:custGeom>
@@ -33668,7 +33668,7 @@
           </p:nvSpPr>
           <p:spPr>
             <a:xfrm>
-              <a:off x="8008824" y="4021776"/>
+              <a:off x="7682352" y="4021821"/>
               <a:ext cx="63202" cy="63202"/>
             </a:xfrm>
             <a:custGeom>
@@ -33711,7 +33711,7 @@
           </p:nvSpPr>
           <p:spPr>
             <a:xfrm>
-              <a:off x="7565177" y="4238190"/>
+              <a:off x="7700572" y="4238189"/>
               <a:ext cx="63202" cy="63202"/>
             </a:xfrm>
             <a:custGeom>
@@ -33754,7 +33754,7 @@
           </p:nvSpPr>
           <p:spPr>
             <a:xfrm>
-              <a:off x="8702243" y="4711996"/>
+              <a:off x="8592177" y="4711997"/>
               <a:ext cx="63202" cy="63202"/>
             </a:xfrm>
             <a:custGeom>
@@ -33797,7 +33797,7 @@
           </p:nvSpPr>
           <p:spPr>
             <a:xfrm>
-              <a:off x="8025134" y="4162974"/>
+              <a:off x="7952986" y="4162939"/>
               <a:ext cx="63202" cy="63202"/>
             </a:xfrm>
             <a:custGeom>
@@ -33840,7 +33840,7 @@
           </p:nvSpPr>
           <p:spPr>
             <a:xfrm>
-              <a:off x="7974084" y="3980860"/>
+              <a:off x="7492817" y="3980871"/>
               <a:ext cx="63202" cy="63202"/>
             </a:xfrm>
             <a:custGeom>
@@ -33883,7 +33883,7 @@
           </p:nvSpPr>
           <p:spPr>
             <a:xfrm>
-              <a:off x="7402914" y="4197981"/>
+              <a:off x="7645561" y="4197946"/>
               <a:ext cx="63202" cy="63202"/>
             </a:xfrm>
             <a:custGeom>
@@ -33926,7 +33926,7 @@
           </p:nvSpPr>
           <p:spPr>
             <a:xfrm>
-              <a:off x="7905966" y="4137278"/>
+              <a:off x="7550615" y="4137277"/>
               <a:ext cx="63202" cy="63202"/>
             </a:xfrm>
             <a:custGeom>
@@ -33969,7 +33969,7 @@
           </p:nvSpPr>
           <p:spPr>
             <a:xfrm>
-              <a:off x="7486693" y="4265755"/>
+              <a:off x="7713935" y="4265763"/>
               <a:ext cx="63202" cy="63202"/>
             </a:xfrm>
             <a:custGeom>
@@ -34012,7 +34012,7 @@
           </p:nvSpPr>
           <p:spPr>
             <a:xfrm>
-              <a:off x="7966622" y="4030780"/>
+              <a:off x="7935642" y="4030805"/>
               <a:ext cx="63202" cy="63202"/>
             </a:xfrm>
             <a:custGeom>
@@ -34055,7 +34055,7 @@
           </p:nvSpPr>
           <p:spPr>
             <a:xfrm>
-              <a:off x="8025346" y="4019077"/>
+              <a:off x="7869303" y="4019044"/>
               <a:ext cx="63202" cy="63202"/>
             </a:xfrm>
             <a:custGeom>
@@ -34098,7 +34098,7 @@
           </p:nvSpPr>
           <p:spPr>
             <a:xfrm>
-              <a:off x="7353488" y="4132490"/>
+              <a:off x="8032039" y="4132483"/>
               <a:ext cx="63202" cy="63202"/>
             </a:xfrm>
             <a:custGeom>
@@ -34141,7 +34141,7 @@
           </p:nvSpPr>
           <p:spPr>
             <a:xfrm>
-              <a:off x="7793610" y="3972836"/>
+              <a:off x="7353921" y="3972795"/>
               <a:ext cx="63202" cy="63202"/>
             </a:xfrm>
             <a:custGeom>
@@ -34184,7 +34184,7 @@
           </p:nvSpPr>
           <p:spPr>
             <a:xfrm>
-              <a:off x="7892437" y="4088406"/>
+              <a:off x="8023317" y="4088379"/>
               <a:ext cx="63202" cy="63202"/>
             </a:xfrm>
             <a:custGeom>
@@ -35679,7 +35679,7 @@
           </p:nvSpPr>
           <p:spPr>
             <a:xfrm>
-              <a:off x="1210339" y="2573062"/>
+              <a:off x="1210339" y="2573066"/>
               <a:ext cx="186466" cy="81691"/>
             </a:xfrm>
             <a:prstGeom prst="rect">
@@ -35771,7 +35771,7 @@
           </p:nvSpPr>
           <p:spPr>
             <a:xfrm>
-              <a:off x="1148183" y="1628984"/>
+              <a:off x="1148183" y="1628980"/>
               <a:ext cx="248622" cy="81691"/>
             </a:xfrm>
             <a:prstGeom prst="rect">
@@ -35817,7 +35817,7 @@
           </p:nvSpPr>
           <p:spPr>
             <a:xfrm>
-              <a:off x="1424641" y="2614753"/>
+              <a:off x="1424641" y="2614757"/>
               <a:ext cx="34794" cy="0"/>
             </a:xfrm>
             <a:custGeom>
@@ -35857,7 +35857,7 @@
           </p:nvSpPr>
           <p:spPr>
             <a:xfrm>
-              <a:off x="1424641" y="2142714"/>
+              <a:off x="1424641" y="2142715"/>
               <a:ext cx="34794" cy="0"/>
             </a:xfrm>
             <a:custGeom>
@@ -35897,7 +35897,7 @@
           </p:nvSpPr>
           <p:spPr>
             <a:xfrm>
-              <a:off x="1424641" y="1670675"/>
+              <a:off x="1424641" y="1670672"/>
               <a:ext cx="34794" cy="0"/>
             </a:xfrm>
             <a:custGeom>
@@ -35937,7 +35937,7 @@
           </p:nvSpPr>
           <p:spPr>
             <a:xfrm>
-              <a:off x="1210339" y="4498394"/>
+              <a:off x="1210339" y="4498398"/>
               <a:ext cx="186466" cy="81691"/>
             </a:xfrm>
             <a:prstGeom prst="rect">
@@ -35983,7 +35983,7 @@
           </p:nvSpPr>
           <p:spPr>
             <a:xfrm>
-              <a:off x="1148183" y="4026355"/>
+              <a:off x="1148183" y="4026356"/>
               <a:ext cx="248622" cy="81691"/>
             </a:xfrm>
             <a:prstGeom prst="rect">
@@ -36029,7 +36029,7 @@
           </p:nvSpPr>
           <p:spPr>
             <a:xfrm>
-              <a:off x="1148183" y="3554316"/>
+              <a:off x="1148183" y="3554313"/>
               <a:ext cx="248622" cy="81691"/>
             </a:xfrm>
             <a:prstGeom prst="rect">
@@ -36075,7 +36075,7 @@
           </p:nvSpPr>
           <p:spPr>
             <a:xfrm>
-              <a:off x="1424641" y="4540086"/>
+              <a:off x="1424641" y="4540090"/>
               <a:ext cx="34794" cy="0"/>
             </a:xfrm>
             <a:custGeom>
@@ -36155,7 +36155,7 @@
           </p:nvSpPr>
           <p:spPr>
             <a:xfrm>
-              <a:off x="1424641" y="3596008"/>
+              <a:off x="1424641" y="3596004"/>
               <a:ext cx="34794" cy="0"/>
             </a:xfrm>
             <a:custGeom>
@@ -36195,7 +36195,7 @@
           </p:nvSpPr>
           <p:spPr>
             <a:xfrm>
-              <a:off x="1210339" y="6423727"/>
+              <a:off x="1210339" y="6423731"/>
               <a:ext cx="186466" cy="81691"/>
             </a:xfrm>
             <a:prstGeom prst="rect">
@@ -36287,7 +36287,7 @@
           </p:nvSpPr>
           <p:spPr>
             <a:xfrm>
-              <a:off x="1148183" y="5479649"/>
+              <a:off x="1148183" y="5479645"/>
               <a:ext cx="248622" cy="81691"/>
             </a:xfrm>
             <a:prstGeom prst="rect">
@@ -36333,7 +36333,7 @@
           </p:nvSpPr>
           <p:spPr>
             <a:xfrm>
-              <a:off x="1424641" y="6465419"/>
+              <a:off x="1424641" y="6465423"/>
               <a:ext cx="34794" cy="0"/>
             </a:xfrm>
             <a:custGeom>
@@ -36413,7 +36413,7 @@
           </p:nvSpPr>
           <p:spPr>
             <a:xfrm>
-              <a:off x="1424641" y="5521340"/>
+              <a:off x="1424641" y="5521337"/>
               <a:ext cx="34794" cy="0"/>
             </a:xfrm>
             <a:custGeom>
